--- a/受控文档/00-PPT/PRD2018-G11-界面原型.pptx
+++ b/受控文档/00-PPT/PRD2018-G11-界面原型.pptx
@@ -5,26 +5,33 @@
     <p:sldMasterId id="2147483648" r:id="rId1"/>
   </p:sldMasterIdLst>
   <p:notesMasterIdLst>
-    <p:notesMasterId r:id="rId4"/>
+    <p:notesMasterId r:id="rId21"/>
   </p:notesMasterIdLst>
   <p:handoutMasterIdLst>
-    <p:handoutMasterId r:id="rId16"/>
+    <p:handoutMasterId r:id="rId22"/>
   </p:handoutMasterIdLst>
   <p:sldIdLst>
-    <p:sldId id="370" r:id="rId3"/>
-    <p:sldId id="492" r:id="rId5"/>
-    <p:sldId id="439" r:id="rId6"/>
-    <p:sldId id="545" r:id="rId7"/>
-    <p:sldId id="506" r:id="rId8"/>
-    <p:sldId id="507" r:id="rId9"/>
-    <p:sldId id="546" r:id="rId10"/>
-    <p:sldId id="561" r:id="rId11"/>
-    <p:sldId id="562" r:id="rId12"/>
-    <p:sldId id="455" r:id="rId13"/>
-    <p:sldId id="532" r:id="rId14"/>
-    <p:sldId id="436" r:id="rId15"/>
+    <p:sldId id="370" r:id="rId2"/>
+    <p:sldId id="492" r:id="rId3"/>
+    <p:sldId id="439" r:id="rId4"/>
+    <p:sldId id="545" r:id="rId5"/>
+    <p:sldId id="506" r:id="rId6"/>
+    <p:sldId id="507" r:id="rId7"/>
+    <p:sldId id="546" r:id="rId8"/>
+    <p:sldId id="561" r:id="rId9"/>
+    <p:sldId id="562" r:id="rId10"/>
+    <p:sldId id="563" r:id="rId11"/>
+    <p:sldId id="564" r:id="rId12"/>
+    <p:sldId id="565" r:id="rId13"/>
+    <p:sldId id="566" r:id="rId14"/>
+    <p:sldId id="567" r:id="rId15"/>
+    <p:sldId id="568" r:id="rId16"/>
+    <p:sldId id="569" r:id="rId17"/>
+    <p:sldId id="455" r:id="rId18"/>
+    <p:sldId id="532" r:id="rId19"/>
+    <p:sldId id="436" r:id="rId20"/>
   </p:sldIdLst>
-  <p:sldSz cx="12190095" cy="6859270"/>
+  <p:sldSz cx="12190413" cy="6859588"/>
   <p:notesSz cx="6858000" cy="9144000"/>
   <p:defaultTextStyle>
     <a:defPPr>
@@ -206,6 +213,7 @@
           <a:p>
             <a:fld id="{5D1C15E6-6BD2-4E4B-B1D4-218C26E1B228}" type="datetimeFigureOut">
               <a:rPr lang="zh-CN" altLang="en-US" smtClean="0"/>
+              <a:t>2018/11/3</a:t>
             </a:fld>
             <a:endParaRPr lang="zh-CN" altLang="en-US"/>
           </a:p>
@@ -271,12 +279,18 @@
           <a:p>
             <a:fld id="{E655EDCA-2189-4435-B38B-6F3C2C044356}" type="slidenum">
               <a:rPr lang="zh-CN" altLang="en-US" smtClean="0"/>
+              <a:t>‹#›</a:t>
             </a:fld>
             <a:endParaRPr lang="zh-CN" altLang="en-US"/>
           </a:p>
         </p:txBody>
       </p:sp>
     </p:spTree>
+    <p:extLst>
+      <p:ext uri="{BB962C8B-B14F-4D97-AF65-F5344CB8AC3E}">
+        <p14:creationId xmlns:p14="http://schemas.microsoft.com/office/powerpoint/2010/main" val="3788901603"/>
+      </p:ext>
+    </p:extLst>
   </p:cSld>
   <p:clrMap bg1="lt1" tx1="dk1" bg2="lt2" tx2="dk2" accent1="accent1" accent2="accent2" accent3="accent3" accent4="accent4" accent5="accent5" accent6="accent6" hlink="hlink" folHlink="folHlink"/>
 </p:handoutMaster>
@@ -364,6 +378,7 @@
           <a:p>
             <a:fld id="{0B17430C-5A66-4BD0-A971-34190B6C6019}" type="datetimeFigureOut">
               <a:rPr lang="zh-CN" altLang="en-US" smtClean="0"/>
+              <a:t>2018/11/3</a:t>
             </a:fld>
             <a:endParaRPr lang="zh-CN" altLang="en-US"/>
           </a:p>
@@ -430,7 +445,6 @@
               <a:rPr lang="zh-CN" altLang="en-US" smtClean="0"/>
               <a:t>单击此处编辑母版文本样式</a:t>
             </a:r>
-            <a:endParaRPr lang="zh-CN" altLang="en-US" smtClean="0"/>
           </a:p>
           <a:p>
             <a:pPr lvl="1"/>
@@ -438,7 +452,6 @@
               <a:rPr lang="zh-CN" altLang="en-US" smtClean="0"/>
               <a:t>第二级</a:t>
             </a:r>
-            <a:endParaRPr lang="zh-CN" altLang="en-US" smtClean="0"/>
           </a:p>
           <a:p>
             <a:pPr lvl="2"/>
@@ -446,7 +459,6 @@
               <a:rPr lang="zh-CN" altLang="en-US" smtClean="0"/>
               <a:t>第三级</a:t>
             </a:r>
-            <a:endParaRPr lang="zh-CN" altLang="en-US" smtClean="0"/>
           </a:p>
           <a:p>
             <a:pPr lvl="3"/>
@@ -454,7 +466,6 @@
               <a:rPr lang="zh-CN" altLang="en-US" smtClean="0"/>
               <a:t>第四级</a:t>
             </a:r>
-            <a:endParaRPr lang="zh-CN" altLang="en-US" smtClean="0"/>
           </a:p>
           <a:p>
             <a:pPr lvl="4"/>
@@ -526,12 +537,18 @@
           <a:p>
             <a:fld id="{74AC173A-3DA8-4893-B28A-1E15F55C330A}" type="slidenum">
               <a:rPr lang="zh-CN" altLang="en-US" smtClean="0"/>
+              <a:t>‹#›</a:t>
             </a:fld>
             <a:endParaRPr lang="zh-CN" altLang="en-US"/>
           </a:p>
         </p:txBody>
       </p:sp>
     </p:spTree>
+    <p:extLst>
+      <p:ext uri="{BB962C8B-B14F-4D97-AF65-F5344CB8AC3E}">
+        <p14:creationId xmlns:p14="http://schemas.microsoft.com/office/powerpoint/2010/main" val="1709555431"/>
+      </p:ext>
+    </p:extLst>
   </p:cSld>
   <p:clrMap bg1="lt1" tx1="dk1" bg2="lt2" tx2="dk2" accent1="accent1" accent2="accent2" accent3="accent3" accent4="accent4" accent5="accent5" accent6="accent6" hlink="hlink" folHlink="folHlink"/>
   <p:notesStyle>
@@ -694,6 +711,7 @@
           <a:p>
             <a:fld id="{74AC173A-3DA8-4893-B28A-1E15F55C330A}" type="slidenum">
               <a:rPr lang="zh-CN" altLang="en-US" smtClean="0"/>
+              <a:t>1</a:t>
             </a:fld>
             <a:endParaRPr lang="zh-CN" altLang="en-US"/>
           </a:p>
@@ -772,6 +790,7 @@
           <a:p>
             <a:fld id="{74AC173A-3DA8-4893-B28A-1E15F55C330A}" type="slidenum">
               <a:rPr lang="zh-CN" altLang="en-US" smtClean="0"/>
+              <a:t>2</a:t>
             </a:fld>
             <a:endParaRPr lang="zh-CN" altLang="en-US"/>
           </a:p>
@@ -850,6 +869,7 @@
           <a:p>
             <a:fld id="{74AC173A-3DA8-4893-B28A-1E15F55C330A}" type="slidenum">
               <a:rPr lang="zh-CN" altLang="en-US" smtClean="0"/>
+              <a:t>17</a:t>
             </a:fld>
             <a:endParaRPr lang="zh-CN" altLang="en-US"/>
           </a:p>
@@ -928,6 +948,7 @@
           <a:p>
             <a:fld id="{74AC173A-3DA8-4893-B28A-1E15F55C330A}" type="slidenum">
               <a:rPr lang="zh-CN" altLang="en-US" smtClean="0"/>
+              <a:t>18</a:t>
             </a:fld>
             <a:endParaRPr lang="zh-CN" altLang="en-US"/>
           </a:p>
@@ -1006,6 +1027,7 @@
           <a:p>
             <a:fld id="{74AC173A-3DA8-4893-B28A-1E15F55C330A}" type="slidenum">
               <a:rPr lang="zh-CN" altLang="en-US" smtClean="0"/>
+              <a:t>19</a:t>
             </a:fld>
             <a:endParaRPr lang="zh-CN" altLang="en-US"/>
           </a:p>
@@ -1217,6 +1239,7 @@
                 <a:latin typeface="微软雅黑" panose="020B0503020204020204" pitchFamily="34" charset="-122"/>
                 <a:ea typeface="微软雅黑" panose="020B0503020204020204" pitchFamily="34" charset="-122"/>
               </a:rPr>
+              <a:t>‹#›</a:t>
             </a:fld>
             <a:r>
               <a:rPr lang="zh-CN" altLang="en-US" sz="1800" dirty="0" smtClean="0">
@@ -2146,6 +2169,7 @@
           <a:p>
             <a:fld id="{530820CF-B880-4189-942D-D702A7CBA730}" type="datetimeFigureOut">
               <a:rPr lang="zh-CN" altLang="en-US" smtClean="0"/>
+              <a:t>2018/11/3</a:t>
             </a:fld>
             <a:endParaRPr lang="zh-CN" altLang="en-US"/>
           </a:p>
@@ -2203,6 +2227,7 @@
           <a:p>
             <a:fld id="{0C913308-F349-4B6D-A68A-DD1791B4A57B}" type="slidenum">
               <a:rPr lang="zh-CN" altLang="en-US" smtClean="0"/>
+              <a:t>‹#›</a:t>
             </a:fld>
             <a:endParaRPr lang="zh-CN" altLang="en-US"/>
           </a:p>
@@ -2261,6 +2286,7 @@
           <a:p>
             <a:fld id="{530820CF-B880-4189-942D-D702A7CBA730}" type="datetimeFigureOut">
               <a:rPr lang="zh-CN" altLang="en-US" smtClean="0"/>
+              <a:t>2018/11/3</a:t>
             </a:fld>
             <a:endParaRPr lang="zh-CN" altLang="en-US"/>
           </a:p>
@@ -2318,6 +2344,7 @@
           <a:p>
             <a:fld id="{0C913308-F349-4B6D-A68A-DD1791B4A57B}" type="slidenum">
               <a:rPr lang="zh-CN" altLang="en-US" smtClean="0"/>
+              <a:t>‹#›</a:t>
             </a:fld>
             <a:endParaRPr lang="zh-CN" altLang="en-US"/>
           </a:p>
@@ -3116,13 +3143,6 @@
               </a:rPr>
               <a:t>界面原型设计</a:t>
             </a:r>
-            <a:endParaRPr lang="zh-CN" altLang="en-US" sz="5400" dirty="0" smtClean="0">
-              <a:solidFill>
-                <a:srgbClr val="38B1BF"/>
-              </a:solidFill>
-              <a:latin typeface="微软雅黑" panose="020B0503020204020204" pitchFamily="34" charset="-122"/>
-              <a:ea typeface="微软雅黑" panose="020B0503020204020204" pitchFamily="34" charset="-122"/>
-            </a:endParaRPr>
           </a:p>
           <a:p>
             <a:pPr fontAlgn="auto">
@@ -3423,14 +3443,6 @@
               </a:rPr>
               <a:t>浙江大学城市学院</a:t>
             </a:r>
-            <a:endParaRPr lang="zh-CN" altLang="en-US" kern="300" spc="2000">
-              <a:solidFill>
-                <a:schemeClr val="tx1"/>
-              </a:solidFill>
-              <a:uFillTx/>
-              <a:latin typeface="+中文标题" charset="0"/>
-              <a:ea typeface="+mj-ea"/>
-            </a:endParaRPr>
           </a:p>
         </p:txBody>
       </p:sp>
@@ -3439,13 +3451,13 @@
   <p:clrMapOvr>
     <a:masterClrMapping/>
   </p:clrMapOvr>
-  <mc:AlternateContent xmlns:mc="http://schemas.openxmlformats.org/markup-compatibility/2006">
-    <mc:Choice xmlns:p14="http://schemas.microsoft.com/office/powerpoint/2010/main" Requires="p14">
+  <mc:AlternateContent xmlns:mc="http://schemas.openxmlformats.org/markup-compatibility/2006" xmlns:p14="http://schemas.microsoft.com/office/powerpoint/2010/main">
+    <mc:Choice Requires="p14">
       <p:transition spd="slow" p14:dur="1600" advClick="0" advTm="0">
         <p:blinds dir="vert"/>
       </p:transition>
     </mc:Choice>
-    <mc:Fallback>
+    <mc:Fallback xmlns="">
       <p:transition spd="slow" advClick="0" advTm="0">
         <p:blinds dir="vert"/>
       </p:transition>
@@ -4267,6 +4279,3860 @@
       </p:grpSpPr>
       <p:sp>
         <p:nvSpPr>
+          <p:cNvPr id="2" name="矩形 1"/>
+          <p:cNvSpPr/>
+          <p:nvPr/>
+        </p:nvSpPr>
+        <p:spPr>
+          <a:xfrm>
+            <a:off x="237030" y="1171"/>
+            <a:ext cx="1608415" cy="135446"/>
+          </a:xfrm>
+          <a:prstGeom prst="rect">
+            <a:avLst/>
+          </a:prstGeom>
+          <a:solidFill>
+            <a:srgbClr val="183A5D"/>
+          </a:solidFill>
+          <a:ln>
+            <a:noFill/>
+          </a:ln>
+        </p:spPr>
+        <p:style>
+          <a:lnRef idx="2">
+            <a:schemeClr val="accent1">
+              <a:shade val="50000"/>
+            </a:schemeClr>
+          </a:lnRef>
+          <a:fillRef idx="1">
+            <a:schemeClr val="accent1"/>
+          </a:fillRef>
+          <a:effectRef idx="0">
+            <a:schemeClr val="accent1"/>
+          </a:effectRef>
+          <a:fontRef idx="minor">
+            <a:schemeClr val="lt1"/>
+          </a:fontRef>
+        </p:style>
+        <p:txBody>
+          <a:bodyPr rtlCol="0" anchor="ctr"/>
+          <a:lstStyle/>
+          <a:p>
+            <a:pPr algn="ctr"/>
+            <a:endParaRPr lang="zh-CN" altLang="en-US" sz="2800">
+              <a:solidFill>
+                <a:prstClr val="white"/>
+              </a:solidFill>
+            </a:endParaRPr>
+          </a:p>
+        </p:txBody>
+      </p:sp>
+      <p:sp>
+        <p:nvSpPr>
+          <p:cNvPr id="3" name="矩形 2"/>
+          <p:cNvSpPr/>
+          <p:nvPr/>
+        </p:nvSpPr>
+        <p:spPr>
+          <a:xfrm>
+            <a:off x="237030" y="255131"/>
+            <a:ext cx="1608415" cy="406336"/>
+          </a:xfrm>
+          <a:prstGeom prst="rect">
+            <a:avLst/>
+          </a:prstGeom>
+          <a:solidFill>
+            <a:srgbClr val="183A5D"/>
+          </a:solidFill>
+          <a:ln>
+            <a:noFill/>
+          </a:ln>
+        </p:spPr>
+        <p:style>
+          <a:lnRef idx="2">
+            <a:schemeClr val="accent1">
+              <a:shade val="50000"/>
+            </a:schemeClr>
+          </a:lnRef>
+          <a:fillRef idx="1">
+            <a:schemeClr val="accent1"/>
+          </a:fillRef>
+          <a:effectRef idx="0">
+            <a:schemeClr val="accent1"/>
+          </a:effectRef>
+          <a:fontRef idx="minor">
+            <a:schemeClr val="lt1"/>
+          </a:fontRef>
+        </p:style>
+        <p:txBody>
+          <a:bodyPr rtlCol="0" anchor="ctr"/>
+          <a:lstStyle/>
+          <a:p>
+            <a:pPr algn="ctr"/>
+            <a:r>
+              <a:rPr lang="en-US" sz="2400" dirty="0">
+                <a:solidFill>
+                  <a:prstClr val="white"/>
+                </a:solidFill>
+              </a:rPr>
+              <a:t>6</a:t>
+            </a:r>
+            <a:endParaRPr lang="en-US" sz="2400" dirty="0">
+              <a:solidFill>
+                <a:prstClr val="white"/>
+              </a:solidFill>
+            </a:endParaRPr>
+          </a:p>
+        </p:txBody>
+      </p:sp>
+      <p:sp>
+        <p:nvSpPr>
+          <p:cNvPr id="4" name="文本框 3"/>
+          <p:cNvSpPr txBox="1"/>
+          <p:nvPr/>
+        </p:nvSpPr>
+        <p:spPr>
+          <a:xfrm>
+            <a:off x="2236548" y="136356"/>
+            <a:ext cx="6052718" cy="501650"/>
+          </a:xfrm>
+          <a:prstGeom prst="rect">
+            <a:avLst/>
+          </a:prstGeom>
+          <a:noFill/>
+        </p:spPr>
+        <p:txBody>
+          <a:bodyPr wrap="square" rtlCol="0">
+            <a:spAutoFit/>
+          </a:bodyPr>
+          <a:lstStyle/>
+          <a:p>
+            <a:endParaRPr lang="zh-CN" altLang="en-US" sz="2665" dirty="0">
+              <a:solidFill>
+                <a:srgbClr val="183A5D"/>
+              </a:solidFill>
+              <a:latin typeface="微软雅黑" panose="020B0503020204020204" pitchFamily="34" charset="-122"/>
+              <a:ea typeface="微软雅黑" panose="020B0503020204020204" pitchFamily="34" charset="-122"/>
+            </a:endParaRPr>
+          </a:p>
+        </p:txBody>
+      </p:sp>
+      <p:sp>
+        <p:nvSpPr>
+          <p:cNvPr id="6" name="文本框 5"/>
+          <p:cNvSpPr txBox="1"/>
+          <p:nvPr/>
+        </p:nvSpPr>
+        <p:spPr>
+          <a:xfrm>
+            <a:off x="2226388" y="159851"/>
+            <a:ext cx="6052718" cy="501650"/>
+          </a:xfrm>
+          <a:prstGeom prst="rect">
+            <a:avLst/>
+          </a:prstGeom>
+          <a:noFill/>
+        </p:spPr>
+        <p:txBody>
+          <a:bodyPr wrap="square" rtlCol="0">
+            <a:spAutoFit/>
+          </a:bodyPr>
+          <a:lstStyle/>
+          <a:p>
+            <a:r>
+              <a:rPr lang="zh-CN" altLang="en-US" sz="2665" dirty="0">
+                <a:solidFill>
+                  <a:srgbClr val="183A5D"/>
+                </a:solidFill>
+                <a:latin typeface="微软雅黑" panose="020B0503020204020204" pitchFamily="34" charset="-122"/>
+                <a:ea typeface="微软雅黑" panose="020B0503020204020204" pitchFamily="34" charset="-122"/>
+              </a:rPr>
+              <a:t>界面</a:t>
+            </a:r>
+            <a:r>
+              <a:rPr lang="zh-CN" altLang="en-US" sz="2665" dirty="0" smtClean="0">
+                <a:solidFill>
+                  <a:srgbClr val="183A5D"/>
+                </a:solidFill>
+                <a:latin typeface="微软雅黑" panose="020B0503020204020204" pitchFamily="34" charset="-122"/>
+                <a:ea typeface="微软雅黑" panose="020B0503020204020204" pitchFamily="34" charset="-122"/>
+              </a:rPr>
+              <a:t>原型的风险</a:t>
+            </a:r>
+            <a:endParaRPr lang="zh-CN" altLang="en-US" sz="2665" dirty="0">
+              <a:solidFill>
+                <a:srgbClr val="183A5D"/>
+              </a:solidFill>
+              <a:latin typeface="微软雅黑" panose="020B0503020204020204" pitchFamily="34" charset="-122"/>
+              <a:ea typeface="微软雅黑" panose="020B0503020204020204" pitchFamily="34" charset="-122"/>
+            </a:endParaRPr>
+          </a:p>
+        </p:txBody>
+      </p:sp>
+      <p:grpSp>
+        <p:nvGrpSpPr>
+          <p:cNvPr id="7" name="组合 6"/>
+          <p:cNvGrpSpPr/>
+          <p:nvPr/>
+        </p:nvGrpSpPr>
+        <p:grpSpPr>
+          <a:xfrm>
+            <a:off x="236855" y="1269365"/>
+            <a:ext cx="11278645" cy="4896485"/>
+            <a:chOff x="237030" y="1269554"/>
+            <a:chExt cx="7778022" cy="4896544"/>
+          </a:xfrm>
+        </p:grpSpPr>
+        <p:sp>
+          <p:nvSpPr>
+            <p:cNvPr id="5" name="矩形 4"/>
+            <p:cNvSpPr/>
+            <p:nvPr/>
+          </p:nvSpPr>
+          <p:spPr>
+            <a:xfrm>
+              <a:off x="341097" y="2245059"/>
+              <a:ext cx="7673955" cy="3416361"/>
+            </a:xfrm>
+            <a:prstGeom prst="rect">
+              <a:avLst/>
+            </a:prstGeom>
+          </p:spPr>
+          <p:txBody>
+            <a:bodyPr wrap="square">
+              <a:spAutoFit/>
+            </a:bodyPr>
+            <a:lstStyle/>
+            <a:p>
+              <a:pPr>
+                <a:lnSpc>
+                  <a:spcPct val="150000"/>
+                </a:lnSpc>
+              </a:pPr>
+              <a:r>
+                <a:rPr lang="zh-CN" altLang="en-US" sz="2400" dirty="0">
+                  <a:solidFill>
+                    <a:srgbClr val="000000"/>
+                  </a:solidFill>
+                  <a:latin typeface="Verdana" panose="020B0604030504040204" pitchFamily="34" charset="0"/>
+                </a:rPr>
+                <a:t>即使是做个简单的原型，</a:t>
+              </a:r>
+              <a:r>
+                <a:rPr lang="zh-CN" altLang="en-US" sz="2400" dirty="0" smtClean="0">
+                  <a:solidFill>
+                    <a:srgbClr val="000000"/>
+                  </a:solidFill>
+                  <a:latin typeface="Verdana" panose="020B0604030504040204" pitchFamily="34" charset="0"/>
+                </a:rPr>
+                <a:t>也需要</a:t>
+              </a:r>
+              <a:r>
+                <a:rPr lang="zh-CN" altLang="en-US" sz="2400" dirty="0">
+                  <a:solidFill>
+                    <a:srgbClr val="000000"/>
+                  </a:solidFill>
+                  <a:latin typeface="Verdana" panose="020B0604030504040204" pitchFamily="34" charset="0"/>
+                </a:rPr>
+                <a:t>时间和资金。虽然原型可以降低软件项目失败的风险，但</a:t>
+              </a:r>
+              <a:r>
+                <a:rPr lang="zh-CN" altLang="en-US" sz="2400" dirty="0">
+                  <a:solidFill>
+                    <a:srgbClr val="FF0000"/>
+                  </a:solidFill>
+                  <a:latin typeface="Verdana" panose="020B0604030504040204" pitchFamily="34" charset="0"/>
+                </a:rPr>
+                <a:t>原型本身也有</a:t>
+              </a:r>
+              <a:r>
+                <a:rPr lang="zh-CN" altLang="en-US" sz="2400" dirty="0" smtClean="0">
+                  <a:solidFill>
+                    <a:srgbClr val="FF0000"/>
+                  </a:solidFill>
+                  <a:latin typeface="Verdana" panose="020B0604030504040204" pitchFamily="34" charset="0"/>
+                </a:rPr>
+                <a:t>风险</a:t>
+              </a:r>
+              <a:r>
+                <a:rPr lang="zh-CN" altLang="en-US" sz="2400" dirty="0" smtClean="0">
+                  <a:solidFill>
+                    <a:srgbClr val="000000"/>
+                  </a:solidFill>
+                  <a:latin typeface="Verdana" panose="020B0604030504040204" pitchFamily="34" charset="0"/>
+                </a:rPr>
+                <a:t>。</a:t>
+              </a:r>
+              <a:endParaRPr lang="en-US" altLang="zh-CN" sz="2400" dirty="0" smtClean="0">
+                <a:solidFill>
+                  <a:srgbClr val="000000"/>
+                </a:solidFill>
+                <a:latin typeface="Verdana" panose="020B0604030504040204" pitchFamily="34" charset="0"/>
+              </a:endParaRPr>
+            </a:p>
+            <a:p>
+              <a:pPr marL="457200" indent="-457200">
+                <a:lnSpc>
+                  <a:spcPct val="150000"/>
+                </a:lnSpc>
+                <a:buFont typeface="+mj-lt"/>
+                <a:buAutoNum type="arabicPeriod"/>
+              </a:pPr>
+              <a:r>
+                <a:rPr lang="zh-CN" altLang="en-US" sz="2400" dirty="0" smtClean="0">
+                  <a:solidFill>
+                    <a:srgbClr val="000000"/>
+                  </a:solidFill>
+                  <a:latin typeface="Verdana" panose="020B0604030504040204" pitchFamily="34" charset="0"/>
+                </a:rPr>
+                <a:t>原型发布的压力</a:t>
+              </a:r>
+              <a:endParaRPr lang="en-US" altLang="zh-CN" sz="2400" dirty="0" smtClean="0">
+                <a:solidFill>
+                  <a:srgbClr val="000000"/>
+                </a:solidFill>
+                <a:latin typeface="Verdana" panose="020B0604030504040204" pitchFamily="34" charset="0"/>
+              </a:endParaRPr>
+            </a:p>
+            <a:p>
+              <a:pPr marL="457200" indent="-457200">
+                <a:lnSpc>
+                  <a:spcPct val="150000"/>
+                </a:lnSpc>
+                <a:buFont typeface="+mj-lt"/>
+                <a:buAutoNum type="arabicPeriod"/>
+              </a:pPr>
+              <a:r>
+                <a:rPr lang="zh-CN" altLang="en-US" sz="2400" dirty="0" smtClean="0">
+                  <a:solidFill>
+                    <a:srgbClr val="000000"/>
+                  </a:solidFill>
+                  <a:latin typeface="Verdana" panose="020B0604030504040204" pitchFamily="34" charset="0"/>
+                </a:rPr>
+                <a:t>受细节所累</a:t>
+              </a:r>
+              <a:endParaRPr lang="en-US" altLang="zh-CN" sz="2400" dirty="0" smtClean="0">
+                <a:solidFill>
+                  <a:srgbClr val="000000"/>
+                </a:solidFill>
+                <a:latin typeface="Verdana" panose="020B0604030504040204" pitchFamily="34" charset="0"/>
+              </a:endParaRPr>
+            </a:p>
+            <a:p>
+              <a:pPr marL="457200" indent="-457200">
+                <a:lnSpc>
+                  <a:spcPct val="150000"/>
+                </a:lnSpc>
+                <a:buFont typeface="+mj-lt"/>
+                <a:buAutoNum type="arabicPeriod"/>
+              </a:pPr>
+              <a:r>
+                <a:rPr lang="zh-CN" altLang="en-US" sz="2400" dirty="0" smtClean="0">
+                  <a:solidFill>
+                    <a:srgbClr val="000000"/>
+                  </a:solidFill>
+                  <a:latin typeface="Verdana" panose="020B0604030504040204" pitchFamily="34" charset="0"/>
+                </a:rPr>
+                <a:t>不现实的性能预期</a:t>
+              </a:r>
+              <a:endParaRPr lang="en-US" altLang="zh-CN" sz="2400" dirty="0" smtClean="0">
+                <a:solidFill>
+                  <a:srgbClr val="000000"/>
+                </a:solidFill>
+                <a:latin typeface="Verdana" panose="020B0604030504040204" pitchFamily="34" charset="0"/>
+              </a:endParaRPr>
+            </a:p>
+            <a:p>
+              <a:pPr marL="457200" indent="-457200">
+                <a:lnSpc>
+                  <a:spcPct val="150000"/>
+                </a:lnSpc>
+                <a:buFont typeface="+mj-lt"/>
+                <a:buAutoNum type="arabicPeriod"/>
+              </a:pPr>
+              <a:r>
+                <a:rPr lang="zh-CN" altLang="en-US" sz="2000" dirty="0" smtClean="0">
+                  <a:solidFill>
+                    <a:srgbClr val="000000"/>
+                  </a:solidFill>
+                  <a:latin typeface="Verdana" panose="020B0604030504040204" pitchFamily="34" charset="0"/>
+                </a:rPr>
+                <a:t>对原型投入过多</a:t>
+              </a:r>
+              <a:endParaRPr lang="zh-CN" altLang="en-US" sz="2000" dirty="0">
+                <a:solidFill>
+                  <a:srgbClr val="000000"/>
+                </a:solidFill>
+                <a:latin typeface="Verdana" panose="020B0604030504040204" pitchFamily="34" charset="0"/>
+              </a:endParaRPr>
+            </a:p>
+          </p:txBody>
+        </p:sp>
+        <p:grpSp>
+          <p:nvGrpSpPr>
+            <p:cNvPr id="10" name="组合 9"/>
+            <p:cNvGrpSpPr/>
+            <p:nvPr/>
+          </p:nvGrpSpPr>
+          <p:grpSpPr>
+            <a:xfrm>
+              <a:off x="237030" y="1269554"/>
+              <a:ext cx="7776864" cy="4896544"/>
+              <a:chOff x="1285643" y="1772435"/>
+              <a:chExt cx="7135479" cy="3572664"/>
+            </a:xfrm>
+          </p:grpSpPr>
+          <p:sp>
+            <p:nvSpPr>
+              <p:cNvPr id="11" name="矩形 10"/>
+              <p:cNvSpPr/>
+              <p:nvPr/>
+            </p:nvSpPr>
+            <p:spPr>
+              <a:xfrm>
+                <a:off x="1285644" y="2104682"/>
+                <a:ext cx="7135478" cy="3240417"/>
+              </a:xfrm>
+              <a:prstGeom prst="rect">
+                <a:avLst/>
+              </a:prstGeom>
+              <a:noFill/>
+              <a:ln w="12700">
+                <a:solidFill>
+                  <a:srgbClr val="346182"/>
+                </a:solidFill>
+              </a:ln>
+            </p:spPr>
+            <p:style>
+              <a:lnRef idx="2">
+                <a:schemeClr val="accent1">
+                  <a:shade val="50000"/>
+                </a:schemeClr>
+              </a:lnRef>
+              <a:fillRef idx="1">
+                <a:schemeClr val="accent1"/>
+              </a:fillRef>
+              <a:effectRef idx="0">
+                <a:schemeClr val="accent1"/>
+              </a:effectRef>
+              <a:fontRef idx="minor">
+                <a:schemeClr val="lt1"/>
+              </a:fontRef>
+            </p:style>
+            <p:txBody>
+              <a:bodyPr rtlCol="0" anchor="ctr"/>
+              <a:lstStyle/>
+              <a:p>
+                <a:pPr algn="ctr"/>
+                <a:endParaRPr lang="zh-CN" altLang="en-US" sz="1350">
+                  <a:solidFill>
+                    <a:prstClr val="white"/>
+                  </a:solidFill>
+                </a:endParaRPr>
+              </a:p>
+            </p:txBody>
+          </p:sp>
+          <p:sp>
+            <p:nvSpPr>
+              <p:cNvPr id="12" name="矩形 11"/>
+              <p:cNvSpPr/>
+              <p:nvPr/>
+            </p:nvSpPr>
+            <p:spPr>
+              <a:xfrm>
+                <a:off x="1285643" y="1772435"/>
+                <a:ext cx="2114216" cy="338554"/>
+              </a:xfrm>
+              <a:prstGeom prst="rect">
+                <a:avLst/>
+              </a:prstGeom>
+              <a:solidFill>
+                <a:srgbClr val="183A5D"/>
+              </a:solidFill>
+              <a:ln>
+                <a:noFill/>
+              </a:ln>
+            </p:spPr>
+            <p:style>
+              <a:lnRef idx="2">
+                <a:schemeClr val="accent1">
+                  <a:shade val="50000"/>
+                </a:schemeClr>
+              </a:lnRef>
+              <a:fillRef idx="1">
+                <a:schemeClr val="accent1"/>
+              </a:fillRef>
+              <a:effectRef idx="0">
+                <a:schemeClr val="accent1"/>
+              </a:effectRef>
+              <a:fontRef idx="minor">
+                <a:schemeClr val="lt1"/>
+              </a:fontRef>
+            </p:style>
+            <p:txBody>
+              <a:bodyPr rtlCol="0" anchor="ctr"/>
+              <a:lstStyle/>
+              <a:p>
+                <a:pPr algn="ctr"/>
+                <a:r>
+                  <a:rPr lang="zh-CN" altLang="en-US" sz="2800" dirty="0" smtClean="0">
+                    <a:solidFill>
+                      <a:prstClr val="white"/>
+                    </a:solidFill>
+                  </a:rPr>
+                  <a:t>原型风险</a:t>
+                </a:r>
+                <a:endParaRPr lang="zh-CN" altLang="en-US" sz="2800" dirty="0">
+                  <a:solidFill>
+                    <a:prstClr val="white"/>
+                  </a:solidFill>
+                </a:endParaRPr>
+              </a:p>
+            </p:txBody>
+          </p:sp>
+        </p:grpSp>
+      </p:grpSp>
+    </p:spTree>
+    <p:extLst>
+      <p:ext uri="{BB962C8B-B14F-4D97-AF65-F5344CB8AC3E}">
+        <p14:creationId xmlns:p14="http://schemas.microsoft.com/office/powerpoint/2010/main" val="730788224"/>
+      </p:ext>
+    </p:extLst>
+  </p:cSld>
+  <p:clrMapOvr>
+    <a:masterClrMapping/>
+  </p:clrMapOvr>
+  <p:transition spd="slow" advClick="0" advTm="0">
+    <p:wipe/>
+  </p:transition>
+  <p:timing>
+    <p:tnLst>
+      <p:par>
+        <p:cTn id="1" dur="indefinite" restart="never" nodeType="tmRoot"/>
+      </p:par>
+    </p:tnLst>
+  </p:timing>
+</p:sld>
+</file>
+
+<file path=ppt/slides/slide11.xml><?xml version="1.0" encoding="utf-8"?>
+<p:sld xmlns:a="http://schemas.openxmlformats.org/drawingml/2006/main" xmlns:r="http://schemas.openxmlformats.org/officeDocument/2006/relationships" xmlns:p="http://schemas.openxmlformats.org/presentationml/2006/main">
+  <p:cSld>
+    <p:spTree>
+      <p:nvGrpSpPr>
+        <p:cNvPr id="1" name=""/>
+        <p:cNvGrpSpPr/>
+        <p:nvPr/>
+      </p:nvGrpSpPr>
+      <p:grpSpPr>
+        <a:xfrm>
+          <a:off x="0" y="0"/>
+          <a:ext cx="0" cy="0"/>
+          <a:chOff x="0" y="0"/>
+          <a:chExt cx="0" cy="0"/>
+        </a:xfrm>
+      </p:grpSpPr>
+      <p:sp>
+        <p:nvSpPr>
+          <p:cNvPr id="2" name="矩形 1"/>
+          <p:cNvSpPr/>
+          <p:nvPr/>
+        </p:nvSpPr>
+        <p:spPr>
+          <a:xfrm>
+            <a:off x="237030" y="1171"/>
+            <a:ext cx="1608415" cy="135446"/>
+          </a:xfrm>
+          <a:prstGeom prst="rect">
+            <a:avLst/>
+          </a:prstGeom>
+          <a:solidFill>
+            <a:srgbClr val="183A5D"/>
+          </a:solidFill>
+          <a:ln>
+            <a:noFill/>
+          </a:ln>
+        </p:spPr>
+        <p:style>
+          <a:lnRef idx="2">
+            <a:schemeClr val="accent1">
+              <a:shade val="50000"/>
+            </a:schemeClr>
+          </a:lnRef>
+          <a:fillRef idx="1">
+            <a:schemeClr val="accent1"/>
+          </a:fillRef>
+          <a:effectRef idx="0">
+            <a:schemeClr val="accent1"/>
+          </a:effectRef>
+          <a:fontRef idx="minor">
+            <a:schemeClr val="lt1"/>
+          </a:fontRef>
+        </p:style>
+        <p:txBody>
+          <a:bodyPr rtlCol="0" anchor="ctr"/>
+          <a:lstStyle/>
+          <a:p>
+            <a:pPr algn="ctr"/>
+            <a:endParaRPr lang="zh-CN" altLang="en-US" sz="2800">
+              <a:solidFill>
+                <a:prstClr val="white"/>
+              </a:solidFill>
+            </a:endParaRPr>
+          </a:p>
+        </p:txBody>
+      </p:sp>
+      <p:sp>
+        <p:nvSpPr>
+          <p:cNvPr id="3" name="矩形 2"/>
+          <p:cNvSpPr/>
+          <p:nvPr/>
+        </p:nvSpPr>
+        <p:spPr>
+          <a:xfrm>
+            <a:off x="237030" y="255131"/>
+            <a:ext cx="1608415" cy="406336"/>
+          </a:xfrm>
+          <a:prstGeom prst="rect">
+            <a:avLst/>
+          </a:prstGeom>
+          <a:solidFill>
+            <a:srgbClr val="183A5D"/>
+          </a:solidFill>
+          <a:ln>
+            <a:noFill/>
+          </a:ln>
+        </p:spPr>
+        <p:style>
+          <a:lnRef idx="2">
+            <a:schemeClr val="accent1">
+              <a:shade val="50000"/>
+            </a:schemeClr>
+          </a:lnRef>
+          <a:fillRef idx="1">
+            <a:schemeClr val="accent1"/>
+          </a:fillRef>
+          <a:effectRef idx="0">
+            <a:schemeClr val="accent1"/>
+          </a:effectRef>
+          <a:fontRef idx="minor">
+            <a:schemeClr val="lt1"/>
+          </a:fontRef>
+        </p:style>
+        <p:txBody>
+          <a:bodyPr rtlCol="0" anchor="ctr"/>
+          <a:lstStyle/>
+          <a:p>
+            <a:pPr algn="ctr"/>
+            <a:r>
+              <a:rPr lang="en-US" sz="2400" dirty="0">
+                <a:solidFill>
+                  <a:prstClr val="white"/>
+                </a:solidFill>
+              </a:rPr>
+              <a:t>6</a:t>
+            </a:r>
+            <a:endParaRPr lang="en-US" sz="2400" dirty="0">
+              <a:solidFill>
+                <a:prstClr val="white"/>
+              </a:solidFill>
+            </a:endParaRPr>
+          </a:p>
+        </p:txBody>
+      </p:sp>
+      <p:sp>
+        <p:nvSpPr>
+          <p:cNvPr id="4" name="文本框 3"/>
+          <p:cNvSpPr txBox="1"/>
+          <p:nvPr/>
+        </p:nvSpPr>
+        <p:spPr>
+          <a:xfrm>
+            <a:off x="2236548" y="136356"/>
+            <a:ext cx="6052718" cy="501650"/>
+          </a:xfrm>
+          <a:prstGeom prst="rect">
+            <a:avLst/>
+          </a:prstGeom>
+          <a:noFill/>
+        </p:spPr>
+        <p:txBody>
+          <a:bodyPr wrap="square" rtlCol="0">
+            <a:spAutoFit/>
+          </a:bodyPr>
+          <a:lstStyle/>
+          <a:p>
+            <a:endParaRPr lang="zh-CN" altLang="en-US" sz="2665" dirty="0">
+              <a:solidFill>
+                <a:srgbClr val="183A5D"/>
+              </a:solidFill>
+              <a:latin typeface="微软雅黑" panose="020B0503020204020204" pitchFamily="34" charset="-122"/>
+              <a:ea typeface="微软雅黑" panose="020B0503020204020204" pitchFamily="34" charset="-122"/>
+            </a:endParaRPr>
+          </a:p>
+        </p:txBody>
+      </p:sp>
+      <p:sp>
+        <p:nvSpPr>
+          <p:cNvPr id="6" name="文本框 5"/>
+          <p:cNvSpPr txBox="1"/>
+          <p:nvPr/>
+        </p:nvSpPr>
+        <p:spPr>
+          <a:xfrm>
+            <a:off x="2226388" y="159851"/>
+            <a:ext cx="6052718" cy="501650"/>
+          </a:xfrm>
+          <a:prstGeom prst="rect">
+            <a:avLst/>
+          </a:prstGeom>
+          <a:noFill/>
+        </p:spPr>
+        <p:txBody>
+          <a:bodyPr wrap="square" rtlCol="0">
+            <a:spAutoFit/>
+          </a:bodyPr>
+          <a:lstStyle/>
+          <a:p>
+            <a:r>
+              <a:rPr lang="zh-CN" altLang="en-US" sz="2665" dirty="0">
+                <a:solidFill>
+                  <a:srgbClr val="183A5D"/>
+                </a:solidFill>
+                <a:latin typeface="微软雅黑" panose="020B0503020204020204" pitchFamily="34" charset="-122"/>
+                <a:ea typeface="微软雅黑" panose="020B0503020204020204" pitchFamily="34" charset="-122"/>
+              </a:rPr>
+              <a:t>界面</a:t>
+            </a:r>
+            <a:r>
+              <a:rPr lang="zh-CN" altLang="en-US" sz="2665" dirty="0" smtClean="0">
+                <a:solidFill>
+                  <a:srgbClr val="183A5D"/>
+                </a:solidFill>
+                <a:latin typeface="微软雅黑" panose="020B0503020204020204" pitchFamily="34" charset="-122"/>
+                <a:ea typeface="微软雅黑" panose="020B0503020204020204" pitchFamily="34" charset="-122"/>
+              </a:rPr>
+              <a:t>原型的风险</a:t>
+            </a:r>
+            <a:endParaRPr lang="zh-CN" altLang="en-US" sz="2665" dirty="0">
+              <a:solidFill>
+                <a:srgbClr val="183A5D"/>
+              </a:solidFill>
+              <a:latin typeface="微软雅黑" panose="020B0503020204020204" pitchFamily="34" charset="-122"/>
+              <a:ea typeface="微软雅黑" panose="020B0503020204020204" pitchFamily="34" charset="-122"/>
+            </a:endParaRPr>
+          </a:p>
+        </p:txBody>
+      </p:sp>
+      <p:grpSp>
+        <p:nvGrpSpPr>
+          <p:cNvPr id="7" name="组合 6"/>
+          <p:cNvGrpSpPr/>
+          <p:nvPr/>
+        </p:nvGrpSpPr>
+        <p:grpSpPr>
+          <a:xfrm>
+            <a:off x="236855" y="1269365"/>
+            <a:ext cx="11276966" cy="4896485"/>
+            <a:chOff x="237030" y="1269554"/>
+            <a:chExt cx="7776864" cy="4896544"/>
+          </a:xfrm>
+        </p:grpSpPr>
+        <p:sp>
+          <p:nvSpPr>
+            <p:cNvPr id="5" name="矩形 4"/>
+            <p:cNvSpPr/>
+            <p:nvPr/>
+          </p:nvSpPr>
+          <p:spPr>
+            <a:xfrm>
+              <a:off x="339939" y="2005942"/>
+              <a:ext cx="7673955" cy="491744"/>
+            </a:xfrm>
+            <a:prstGeom prst="rect">
+              <a:avLst/>
+            </a:prstGeom>
+          </p:spPr>
+          <p:txBody>
+            <a:bodyPr wrap="square">
+              <a:spAutoFit/>
+            </a:bodyPr>
+            <a:lstStyle/>
+            <a:p>
+              <a:pPr>
+                <a:lnSpc>
+                  <a:spcPct val="150000"/>
+                </a:lnSpc>
+              </a:pPr>
+              <a:endParaRPr lang="zh-CN" altLang="en-US" sz="2000" dirty="0">
+                <a:solidFill>
+                  <a:srgbClr val="000000"/>
+                </a:solidFill>
+                <a:latin typeface="Verdana" panose="020B0604030504040204" pitchFamily="34" charset="0"/>
+              </a:endParaRPr>
+            </a:p>
+          </p:txBody>
+        </p:sp>
+        <p:grpSp>
+          <p:nvGrpSpPr>
+            <p:cNvPr id="10" name="组合 9"/>
+            <p:cNvGrpSpPr/>
+            <p:nvPr/>
+          </p:nvGrpSpPr>
+          <p:grpSpPr>
+            <a:xfrm>
+              <a:off x="237030" y="1269554"/>
+              <a:ext cx="7776864" cy="4896544"/>
+              <a:chOff x="1285643" y="1772435"/>
+              <a:chExt cx="7135479" cy="3572664"/>
+            </a:xfrm>
+          </p:grpSpPr>
+          <p:sp>
+            <p:nvSpPr>
+              <p:cNvPr id="11" name="矩形 10"/>
+              <p:cNvSpPr/>
+              <p:nvPr/>
+            </p:nvSpPr>
+            <p:spPr>
+              <a:xfrm>
+                <a:off x="1285644" y="2104682"/>
+                <a:ext cx="7135478" cy="3240417"/>
+              </a:xfrm>
+              <a:prstGeom prst="rect">
+                <a:avLst/>
+              </a:prstGeom>
+              <a:noFill/>
+              <a:ln w="12700">
+                <a:solidFill>
+                  <a:srgbClr val="346182"/>
+                </a:solidFill>
+              </a:ln>
+            </p:spPr>
+            <p:style>
+              <a:lnRef idx="2">
+                <a:schemeClr val="accent1">
+                  <a:shade val="50000"/>
+                </a:schemeClr>
+              </a:lnRef>
+              <a:fillRef idx="1">
+                <a:schemeClr val="accent1"/>
+              </a:fillRef>
+              <a:effectRef idx="0">
+                <a:schemeClr val="accent1"/>
+              </a:effectRef>
+              <a:fontRef idx="minor">
+                <a:schemeClr val="lt1"/>
+              </a:fontRef>
+            </p:style>
+            <p:txBody>
+              <a:bodyPr rtlCol="0" anchor="ctr"/>
+              <a:lstStyle/>
+              <a:p>
+                <a:pPr algn="ctr"/>
+                <a:endParaRPr lang="zh-CN" altLang="en-US" sz="1350">
+                  <a:solidFill>
+                    <a:prstClr val="white"/>
+                  </a:solidFill>
+                </a:endParaRPr>
+              </a:p>
+            </p:txBody>
+          </p:sp>
+          <p:sp>
+            <p:nvSpPr>
+              <p:cNvPr id="12" name="矩形 11"/>
+              <p:cNvSpPr/>
+              <p:nvPr/>
+            </p:nvSpPr>
+            <p:spPr>
+              <a:xfrm>
+                <a:off x="1285643" y="1772435"/>
+                <a:ext cx="2114216" cy="338554"/>
+              </a:xfrm>
+              <a:prstGeom prst="rect">
+                <a:avLst/>
+              </a:prstGeom>
+              <a:solidFill>
+                <a:srgbClr val="183A5D"/>
+              </a:solidFill>
+              <a:ln>
+                <a:noFill/>
+              </a:ln>
+            </p:spPr>
+            <p:style>
+              <a:lnRef idx="2">
+                <a:schemeClr val="accent1">
+                  <a:shade val="50000"/>
+                </a:schemeClr>
+              </a:lnRef>
+              <a:fillRef idx="1">
+                <a:schemeClr val="accent1"/>
+              </a:fillRef>
+              <a:effectRef idx="0">
+                <a:schemeClr val="accent1"/>
+              </a:effectRef>
+              <a:fontRef idx="minor">
+                <a:schemeClr val="lt1"/>
+              </a:fontRef>
+            </p:style>
+            <p:txBody>
+              <a:bodyPr rtlCol="0" anchor="ctr"/>
+              <a:lstStyle/>
+              <a:p>
+                <a:pPr algn="ctr"/>
+                <a:r>
+                  <a:rPr lang="zh-CN" altLang="en-US" sz="2800" dirty="0">
+                    <a:solidFill>
+                      <a:prstClr val="white"/>
+                    </a:solidFill>
+                  </a:rPr>
+                  <a:t>原型发布的压力</a:t>
+                </a:r>
+              </a:p>
+            </p:txBody>
+          </p:sp>
+        </p:grpSp>
+      </p:grpSp>
+      <p:sp>
+        <p:nvSpPr>
+          <p:cNvPr id="8" name="矩形 7"/>
+          <p:cNvSpPr/>
+          <p:nvPr/>
+        </p:nvSpPr>
+        <p:spPr>
+          <a:xfrm>
+            <a:off x="386080" y="2241264"/>
+            <a:ext cx="11037718" cy="3323987"/>
+          </a:xfrm>
+          <a:prstGeom prst="rect">
+            <a:avLst/>
+          </a:prstGeom>
+        </p:spPr>
+        <p:txBody>
+          <a:bodyPr wrap="square">
+            <a:spAutoFit/>
+          </a:bodyPr>
+          <a:lstStyle/>
+          <a:p>
+            <a:pPr indent="457200"/>
+            <a:r>
+              <a:rPr lang="zh-CN" altLang="en-US" dirty="0"/>
+              <a:t>最大的风险是</a:t>
+            </a:r>
+            <a:r>
+              <a:rPr lang="zh-CN" altLang="en-US" dirty="0" smtClean="0">
+                <a:solidFill>
+                  <a:srgbClr val="FF0000"/>
+                </a:solidFill>
+              </a:rPr>
+              <a:t>项目干系</a:t>
+            </a:r>
+            <a:r>
+              <a:rPr lang="zh-CN" altLang="en-US" dirty="0">
+                <a:solidFill>
+                  <a:srgbClr val="FF0000"/>
+                </a:solidFill>
+              </a:rPr>
+              <a:t>人会看到一个可以运行的</a:t>
+            </a:r>
+            <a:r>
+              <a:rPr lang="zh-CN" altLang="en-US" dirty="0" smtClean="0">
+                <a:solidFill>
+                  <a:srgbClr val="FF0000"/>
+                </a:solidFill>
+              </a:rPr>
+              <a:t>可</a:t>
+            </a:r>
+            <a:r>
+              <a:rPr lang="zh-CN" altLang="en-US" dirty="0">
+                <a:solidFill>
+                  <a:srgbClr val="FF0000"/>
+                </a:solidFill>
+              </a:rPr>
+              <a:t>抛弃</a:t>
+            </a:r>
+            <a:r>
+              <a:rPr lang="zh-CN" altLang="en-US" dirty="0" smtClean="0">
+                <a:solidFill>
+                  <a:srgbClr val="FF0000"/>
+                </a:solidFill>
+              </a:rPr>
+              <a:t>原型</a:t>
+            </a:r>
+            <a:r>
+              <a:rPr lang="zh-CN" altLang="en-US" dirty="0">
+                <a:solidFill>
+                  <a:srgbClr val="FF0000"/>
+                </a:solidFill>
+              </a:rPr>
+              <a:t>，从而得出产品几近完成的结论</a:t>
+            </a:r>
+            <a:r>
+              <a:rPr lang="zh-CN" altLang="en-US" dirty="0" smtClean="0">
+                <a:solidFill>
+                  <a:srgbClr val="FF0000"/>
+                </a:solidFill>
+              </a:rPr>
+              <a:t>。</a:t>
+            </a:r>
+            <a:endParaRPr lang="en-US" altLang="zh-CN" dirty="0" smtClean="0">
+              <a:solidFill>
+                <a:srgbClr val="FF0000"/>
+              </a:solidFill>
+            </a:endParaRPr>
+          </a:p>
+          <a:p>
+            <a:pPr indent="457200"/>
+            <a:r>
+              <a:rPr lang="zh-CN" altLang="en-US" dirty="0"/>
+              <a:t>原型</a:t>
+            </a:r>
+            <a:r>
+              <a:rPr lang="zh-CN" altLang="en-US" dirty="0" smtClean="0"/>
+              <a:t>的</a:t>
+            </a:r>
+            <a:r>
+              <a:rPr lang="zh-CN" altLang="en-US" dirty="0"/>
+              <a:t>设计和编码并没有考虑到软件的质量和生命周期。</a:t>
+            </a:r>
+            <a:r>
+              <a:rPr lang="zh-CN" altLang="en-US" dirty="0">
+                <a:solidFill>
+                  <a:srgbClr val="FF0000"/>
+                </a:solidFill>
+              </a:rPr>
+              <a:t>对客户</a:t>
+            </a:r>
+            <a:r>
+              <a:rPr lang="zh-CN" altLang="en-US" dirty="0" smtClean="0">
+                <a:solidFill>
+                  <a:srgbClr val="FF0000"/>
+                </a:solidFill>
+              </a:rPr>
+              <a:t>预期</a:t>
+            </a:r>
+            <a:r>
+              <a:rPr lang="zh-CN" altLang="en-US" dirty="0">
+                <a:solidFill>
+                  <a:srgbClr val="FF0000"/>
+                </a:solidFill>
+              </a:rPr>
+              <a:t>进行</a:t>
+            </a:r>
+            <a:r>
+              <a:rPr lang="zh-CN" altLang="en-US" dirty="0" smtClean="0">
+                <a:solidFill>
+                  <a:srgbClr val="FF0000"/>
+                </a:solidFill>
+              </a:rPr>
+              <a:t>管理</a:t>
+            </a:r>
+            <a:r>
+              <a:rPr lang="zh-CN" altLang="en-US" dirty="0"/>
+              <a:t>是原型成功的关键。每个关注原型的人都要</a:t>
+            </a:r>
+            <a:r>
+              <a:rPr lang="zh-CN" altLang="en-US" dirty="0">
+                <a:solidFill>
+                  <a:srgbClr val="FF0000"/>
+                </a:solidFill>
+              </a:rPr>
+              <a:t>理解原型的目的及其局限性</a:t>
+            </a:r>
+            <a:r>
+              <a:rPr lang="zh-CN" altLang="en-US" dirty="0"/>
+              <a:t>。要清楚创建原型的原因，并且明白我们才是决定原型最终命运的人</a:t>
+            </a:r>
+            <a:r>
+              <a:rPr lang="zh-CN" altLang="en-US" dirty="0" smtClean="0"/>
+              <a:t>。</a:t>
+            </a:r>
+            <a:endParaRPr lang="en-US" altLang="zh-CN" dirty="0" smtClean="0"/>
+          </a:p>
+          <a:p>
+            <a:pPr indent="457200"/>
+            <a:endParaRPr lang="en-US" altLang="zh-CN" dirty="0" smtClean="0"/>
+          </a:p>
+          <a:p>
+            <a:pPr indent="457200"/>
+            <a:r>
+              <a:rPr lang="zh-CN" altLang="en-US" dirty="0" smtClean="0"/>
+              <a:t>控制</a:t>
+            </a:r>
+            <a:r>
+              <a:rPr lang="zh-CN" altLang="en-US" dirty="0"/>
+              <a:t>该风险的一个 方法是</a:t>
+            </a:r>
+            <a:r>
+              <a:rPr lang="zh-CN" altLang="en-US" dirty="0">
+                <a:solidFill>
+                  <a:srgbClr val="FF0000"/>
+                </a:solidFill>
+              </a:rPr>
+              <a:t>使用纸上原型面不是电子原型</a:t>
+            </a:r>
+            <a:r>
+              <a:rPr lang="zh-CN" altLang="en-US" dirty="0"/>
+              <a:t>。评估纸上原型的人不会产生</a:t>
+            </a:r>
+            <a:r>
+              <a:rPr lang="zh-CN" altLang="en-US" dirty="0" smtClean="0"/>
+              <a:t>产品接近</a:t>
+            </a:r>
+            <a:r>
+              <a:rPr lang="zh-CN" altLang="en-US" dirty="0"/>
+              <a:t>成品的想法</a:t>
+            </a:r>
+            <a:r>
+              <a:rPr lang="zh-CN" altLang="en-US" dirty="0" smtClean="0"/>
+              <a:t>。</a:t>
+            </a:r>
+            <a:endParaRPr lang="en-US" altLang="zh-CN" dirty="0" smtClean="0"/>
+          </a:p>
+          <a:p>
+            <a:pPr indent="457200"/>
+            <a:r>
+              <a:rPr lang="zh-CN" altLang="en-US" dirty="0"/>
+              <a:t>另一个可选方法是</a:t>
+            </a:r>
+            <a:r>
+              <a:rPr lang="zh-CN" altLang="en-US" dirty="0">
+                <a:solidFill>
+                  <a:schemeClr val="accent1">
+                    <a:lumMod val="75000"/>
+                  </a:schemeClr>
+                </a:solidFill>
+              </a:rPr>
+              <a:t>选用一些原型工具</a:t>
+            </a:r>
+            <a:r>
+              <a:rPr lang="zh-CN" altLang="en-US" dirty="0"/>
+              <a:t>，而这些工具明显不同于用于实际开发的原型工具</a:t>
+            </a:r>
+            <a:r>
+              <a:rPr lang="zh-CN" altLang="en-US" dirty="0" smtClean="0"/>
+              <a:t>。</a:t>
+            </a:r>
+            <a:endParaRPr lang="en-US" altLang="zh-CN" dirty="0" smtClean="0"/>
+          </a:p>
+          <a:p>
+            <a:pPr indent="457200"/>
+            <a:r>
+              <a:rPr lang="zh-CN" altLang="en-US" dirty="0">
+                <a:solidFill>
+                  <a:schemeClr val="accent1">
+                    <a:lumMod val="75000"/>
+                  </a:schemeClr>
+                </a:solidFill>
+              </a:rPr>
+              <a:t>让原型看起来</a:t>
+            </a:r>
+            <a:r>
+              <a:rPr lang="zh-CN" altLang="en-US" dirty="0" smtClean="0">
+                <a:solidFill>
+                  <a:schemeClr val="accent1">
+                    <a:lumMod val="75000"/>
+                  </a:schemeClr>
+                </a:solidFill>
+              </a:rPr>
+              <a:t>简陋一些</a:t>
+            </a:r>
+            <a:r>
+              <a:rPr lang="zh-CN" altLang="en-US" dirty="0"/>
+              <a:t>，也可以降低这种风险。</a:t>
+            </a:r>
+          </a:p>
+        </p:txBody>
+      </p:sp>
+    </p:spTree>
+    <p:extLst>
+      <p:ext uri="{BB962C8B-B14F-4D97-AF65-F5344CB8AC3E}">
+        <p14:creationId xmlns:p14="http://schemas.microsoft.com/office/powerpoint/2010/main" val="2445992399"/>
+      </p:ext>
+    </p:extLst>
+  </p:cSld>
+  <p:clrMapOvr>
+    <a:masterClrMapping/>
+  </p:clrMapOvr>
+  <p:transition spd="slow" advClick="0" advTm="0">
+    <p:wipe/>
+  </p:transition>
+  <p:timing>
+    <p:tnLst>
+      <p:par>
+        <p:cTn id="1" dur="indefinite" restart="never" nodeType="tmRoot"/>
+      </p:par>
+    </p:tnLst>
+  </p:timing>
+</p:sld>
+</file>
+
+<file path=ppt/slides/slide12.xml><?xml version="1.0" encoding="utf-8"?>
+<p:sld xmlns:a="http://schemas.openxmlformats.org/drawingml/2006/main" xmlns:r="http://schemas.openxmlformats.org/officeDocument/2006/relationships" xmlns:p="http://schemas.openxmlformats.org/presentationml/2006/main">
+  <p:cSld>
+    <p:spTree>
+      <p:nvGrpSpPr>
+        <p:cNvPr id="1" name=""/>
+        <p:cNvGrpSpPr/>
+        <p:nvPr/>
+      </p:nvGrpSpPr>
+      <p:grpSpPr>
+        <a:xfrm>
+          <a:off x="0" y="0"/>
+          <a:ext cx="0" cy="0"/>
+          <a:chOff x="0" y="0"/>
+          <a:chExt cx="0" cy="0"/>
+        </a:xfrm>
+      </p:grpSpPr>
+      <p:sp>
+        <p:nvSpPr>
+          <p:cNvPr id="2" name="矩形 1"/>
+          <p:cNvSpPr/>
+          <p:nvPr/>
+        </p:nvSpPr>
+        <p:spPr>
+          <a:xfrm>
+            <a:off x="237030" y="1171"/>
+            <a:ext cx="1608415" cy="135446"/>
+          </a:xfrm>
+          <a:prstGeom prst="rect">
+            <a:avLst/>
+          </a:prstGeom>
+          <a:solidFill>
+            <a:srgbClr val="183A5D"/>
+          </a:solidFill>
+          <a:ln>
+            <a:noFill/>
+          </a:ln>
+        </p:spPr>
+        <p:style>
+          <a:lnRef idx="2">
+            <a:schemeClr val="accent1">
+              <a:shade val="50000"/>
+            </a:schemeClr>
+          </a:lnRef>
+          <a:fillRef idx="1">
+            <a:schemeClr val="accent1"/>
+          </a:fillRef>
+          <a:effectRef idx="0">
+            <a:schemeClr val="accent1"/>
+          </a:effectRef>
+          <a:fontRef idx="minor">
+            <a:schemeClr val="lt1"/>
+          </a:fontRef>
+        </p:style>
+        <p:txBody>
+          <a:bodyPr rtlCol="0" anchor="ctr"/>
+          <a:lstStyle/>
+          <a:p>
+            <a:pPr algn="ctr"/>
+            <a:endParaRPr lang="zh-CN" altLang="en-US" sz="2800">
+              <a:solidFill>
+                <a:prstClr val="white"/>
+              </a:solidFill>
+            </a:endParaRPr>
+          </a:p>
+        </p:txBody>
+      </p:sp>
+      <p:sp>
+        <p:nvSpPr>
+          <p:cNvPr id="3" name="矩形 2"/>
+          <p:cNvSpPr/>
+          <p:nvPr/>
+        </p:nvSpPr>
+        <p:spPr>
+          <a:xfrm>
+            <a:off x="237030" y="255131"/>
+            <a:ext cx="1608415" cy="406336"/>
+          </a:xfrm>
+          <a:prstGeom prst="rect">
+            <a:avLst/>
+          </a:prstGeom>
+          <a:solidFill>
+            <a:srgbClr val="183A5D"/>
+          </a:solidFill>
+          <a:ln>
+            <a:noFill/>
+          </a:ln>
+        </p:spPr>
+        <p:style>
+          <a:lnRef idx="2">
+            <a:schemeClr val="accent1">
+              <a:shade val="50000"/>
+            </a:schemeClr>
+          </a:lnRef>
+          <a:fillRef idx="1">
+            <a:schemeClr val="accent1"/>
+          </a:fillRef>
+          <a:effectRef idx="0">
+            <a:schemeClr val="accent1"/>
+          </a:effectRef>
+          <a:fontRef idx="minor">
+            <a:schemeClr val="lt1"/>
+          </a:fontRef>
+        </p:style>
+        <p:txBody>
+          <a:bodyPr rtlCol="0" anchor="ctr"/>
+          <a:lstStyle/>
+          <a:p>
+            <a:pPr algn="ctr"/>
+            <a:r>
+              <a:rPr lang="en-US" sz="2400" dirty="0">
+                <a:solidFill>
+                  <a:prstClr val="white"/>
+                </a:solidFill>
+              </a:rPr>
+              <a:t>6</a:t>
+            </a:r>
+            <a:endParaRPr lang="en-US" sz="2400" dirty="0">
+              <a:solidFill>
+                <a:prstClr val="white"/>
+              </a:solidFill>
+            </a:endParaRPr>
+          </a:p>
+        </p:txBody>
+      </p:sp>
+      <p:sp>
+        <p:nvSpPr>
+          <p:cNvPr id="4" name="文本框 3"/>
+          <p:cNvSpPr txBox="1"/>
+          <p:nvPr/>
+        </p:nvSpPr>
+        <p:spPr>
+          <a:xfrm>
+            <a:off x="2236548" y="136356"/>
+            <a:ext cx="6052718" cy="501650"/>
+          </a:xfrm>
+          <a:prstGeom prst="rect">
+            <a:avLst/>
+          </a:prstGeom>
+          <a:noFill/>
+        </p:spPr>
+        <p:txBody>
+          <a:bodyPr wrap="square" rtlCol="0">
+            <a:spAutoFit/>
+          </a:bodyPr>
+          <a:lstStyle/>
+          <a:p>
+            <a:endParaRPr lang="zh-CN" altLang="en-US" sz="2665" dirty="0">
+              <a:solidFill>
+                <a:srgbClr val="183A5D"/>
+              </a:solidFill>
+              <a:latin typeface="微软雅黑" panose="020B0503020204020204" pitchFamily="34" charset="-122"/>
+              <a:ea typeface="微软雅黑" panose="020B0503020204020204" pitchFamily="34" charset="-122"/>
+            </a:endParaRPr>
+          </a:p>
+        </p:txBody>
+      </p:sp>
+      <p:sp>
+        <p:nvSpPr>
+          <p:cNvPr id="6" name="文本框 5"/>
+          <p:cNvSpPr txBox="1"/>
+          <p:nvPr/>
+        </p:nvSpPr>
+        <p:spPr>
+          <a:xfrm>
+            <a:off x="2226388" y="159851"/>
+            <a:ext cx="6052718" cy="501650"/>
+          </a:xfrm>
+          <a:prstGeom prst="rect">
+            <a:avLst/>
+          </a:prstGeom>
+          <a:noFill/>
+        </p:spPr>
+        <p:txBody>
+          <a:bodyPr wrap="square" rtlCol="0">
+            <a:spAutoFit/>
+          </a:bodyPr>
+          <a:lstStyle/>
+          <a:p>
+            <a:r>
+              <a:rPr lang="zh-CN" altLang="en-US" sz="2665" dirty="0">
+                <a:solidFill>
+                  <a:srgbClr val="183A5D"/>
+                </a:solidFill>
+                <a:latin typeface="微软雅黑" panose="020B0503020204020204" pitchFamily="34" charset="-122"/>
+                <a:ea typeface="微软雅黑" panose="020B0503020204020204" pitchFamily="34" charset="-122"/>
+              </a:rPr>
+              <a:t>界面</a:t>
+            </a:r>
+            <a:r>
+              <a:rPr lang="zh-CN" altLang="en-US" sz="2665" dirty="0" smtClean="0">
+                <a:solidFill>
+                  <a:srgbClr val="183A5D"/>
+                </a:solidFill>
+                <a:latin typeface="微软雅黑" panose="020B0503020204020204" pitchFamily="34" charset="-122"/>
+                <a:ea typeface="微软雅黑" panose="020B0503020204020204" pitchFamily="34" charset="-122"/>
+              </a:rPr>
+              <a:t>原型的风险</a:t>
+            </a:r>
+            <a:endParaRPr lang="zh-CN" altLang="en-US" sz="2665" dirty="0">
+              <a:solidFill>
+                <a:srgbClr val="183A5D"/>
+              </a:solidFill>
+              <a:latin typeface="微软雅黑" panose="020B0503020204020204" pitchFamily="34" charset="-122"/>
+              <a:ea typeface="微软雅黑" panose="020B0503020204020204" pitchFamily="34" charset="-122"/>
+            </a:endParaRPr>
+          </a:p>
+        </p:txBody>
+      </p:sp>
+      <p:grpSp>
+        <p:nvGrpSpPr>
+          <p:cNvPr id="7" name="组合 6"/>
+          <p:cNvGrpSpPr/>
+          <p:nvPr/>
+        </p:nvGrpSpPr>
+        <p:grpSpPr>
+          <a:xfrm>
+            <a:off x="236855" y="1269365"/>
+            <a:ext cx="11276966" cy="4896485"/>
+            <a:chOff x="237030" y="1269554"/>
+            <a:chExt cx="7776864" cy="4896544"/>
+          </a:xfrm>
+        </p:grpSpPr>
+        <p:sp>
+          <p:nvSpPr>
+            <p:cNvPr id="5" name="矩形 4"/>
+            <p:cNvSpPr/>
+            <p:nvPr/>
+          </p:nvSpPr>
+          <p:spPr>
+            <a:xfrm>
+              <a:off x="339939" y="2005942"/>
+              <a:ext cx="7673955" cy="491744"/>
+            </a:xfrm>
+            <a:prstGeom prst="rect">
+              <a:avLst/>
+            </a:prstGeom>
+          </p:spPr>
+          <p:txBody>
+            <a:bodyPr wrap="square">
+              <a:spAutoFit/>
+            </a:bodyPr>
+            <a:lstStyle/>
+            <a:p>
+              <a:pPr>
+                <a:lnSpc>
+                  <a:spcPct val="150000"/>
+                </a:lnSpc>
+              </a:pPr>
+              <a:endParaRPr lang="zh-CN" altLang="en-US" sz="2000" dirty="0">
+                <a:solidFill>
+                  <a:srgbClr val="000000"/>
+                </a:solidFill>
+                <a:latin typeface="Verdana" panose="020B0604030504040204" pitchFamily="34" charset="0"/>
+              </a:endParaRPr>
+            </a:p>
+          </p:txBody>
+        </p:sp>
+        <p:grpSp>
+          <p:nvGrpSpPr>
+            <p:cNvPr id="10" name="组合 9"/>
+            <p:cNvGrpSpPr/>
+            <p:nvPr/>
+          </p:nvGrpSpPr>
+          <p:grpSpPr>
+            <a:xfrm>
+              <a:off x="237030" y="1269554"/>
+              <a:ext cx="7776864" cy="4896544"/>
+              <a:chOff x="1285643" y="1772435"/>
+              <a:chExt cx="7135479" cy="3572664"/>
+            </a:xfrm>
+          </p:grpSpPr>
+          <p:sp>
+            <p:nvSpPr>
+              <p:cNvPr id="11" name="矩形 10"/>
+              <p:cNvSpPr/>
+              <p:nvPr/>
+            </p:nvSpPr>
+            <p:spPr>
+              <a:xfrm>
+                <a:off x="1285644" y="2104682"/>
+                <a:ext cx="7135478" cy="3240417"/>
+              </a:xfrm>
+              <a:prstGeom prst="rect">
+                <a:avLst/>
+              </a:prstGeom>
+              <a:noFill/>
+              <a:ln w="12700">
+                <a:solidFill>
+                  <a:srgbClr val="346182"/>
+                </a:solidFill>
+              </a:ln>
+            </p:spPr>
+            <p:style>
+              <a:lnRef idx="2">
+                <a:schemeClr val="accent1">
+                  <a:shade val="50000"/>
+                </a:schemeClr>
+              </a:lnRef>
+              <a:fillRef idx="1">
+                <a:schemeClr val="accent1"/>
+              </a:fillRef>
+              <a:effectRef idx="0">
+                <a:schemeClr val="accent1"/>
+              </a:effectRef>
+              <a:fontRef idx="minor">
+                <a:schemeClr val="lt1"/>
+              </a:fontRef>
+            </p:style>
+            <p:txBody>
+              <a:bodyPr rtlCol="0" anchor="ctr"/>
+              <a:lstStyle/>
+              <a:p>
+                <a:pPr algn="ctr"/>
+                <a:endParaRPr lang="zh-CN" altLang="en-US" sz="1350">
+                  <a:solidFill>
+                    <a:prstClr val="white"/>
+                  </a:solidFill>
+                </a:endParaRPr>
+              </a:p>
+            </p:txBody>
+          </p:sp>
+          <p:sp>
+            <p:nvSpPr>
+              <p:cNvPr id="12" name="矩形 11"/>
+              <p:cNvSpPr/>
+              <p:nvPr/>
+            </p:nvSpPr>
+            <p:spPr>
+              <a:xfrm>
+                <a:off x="1285643" y="1772435"/>
+                <a:ext cx="2114216" cy="338554"/>
+              </a:xfrm>
+              <a:prstGeom prst="rect">
+                <a:avLst/>
+              </a:prstGeom>
+              <a:solidFill>
+                <a:srgbClr val="183A5D"/>
+              </a:solidFill>
+              <a:ln>
+                <a:noFill/>
+              </a:ln>
+            </p:spPr>
+            <p:style>
+              <a:lnRef idx="2">
+                <a:schemeClr val="accent1">
+                  <a:shade val="50000"/>
+                </a:schemeClr>
+              </a:lnRef>
+              <a:fillRef idx="1">
+                <a:schemeClr val="accent1"/>
+              </a:fillRef>
+              <a:effectRef idx="0">
+                <a:schemeClr val="accent1"/>
+              </a:effectRef>
+              <a:fontRef idx="minor">
+                <a:schemeClr val="lt1"/>
+              </a:fontRef>
+            </p:style>
+            <p:txBody>
+              <a:bodyPr rtlCol="0" anchor="ctr"/>
+              <a:lstStyle/>
+              <a:p>
+                <a:pPr algn="ctr"/>
+                <a:r>
+                  <a:rPr lang="zh-CN" altLang="en-US" sz="2800" dirty="0" smtClean="0">
+                    <a:solidFill>
+                      <a:prstClr val="white"/>
+                    </a:solidFill>
+                  </a:rPr>
+                  <a:t>受细节所累</a:t>
+                </a:r>
+                <a:endParaRPr lang="zh-CN" altLang="en-US" sz="2800" dirty="0">
+                  <a:solidFill>
+                    <a:prstClr val="white"/>
+                  </a:solidFill>
+                </a:endParaRPr>
+              </a:p>
+            </p:txBody>
+          </p:sp>
+        </p:grpSp>
+      </p:grpSp>
+      <p:sp>
+        <p:nvSpPr>
+          <p:cNvPr id="8" name="矩形 7"/>
+          <p:cNvSpPr/>
+          <p:nvPr/>
+        </p:nvSpPr>
+        <p:spPr>
+          <a:xfrm>
+            <a:off x="386080" y="2251613"/>
+            <a:ext cx="11037718" cy="1546577"/>
+          </a:xfrm>
+          <a:prstGeom prst="rect">
+            <a:avLst/>
+          </a:prstGeom>
+        </p:spPr>
+        <p:txBody>
+          <a:bodyPr wrap="square">
+            <a:spAutoFit/>
+          </a:bodyPr>
+          <a:lstStyle/>
+          <a:p>
+            <a:pPr indent="457200">
+              <a:lnSpc>
+                <a:spcPct val="150000"/>
+              </a:lnSpc>
+            </a:pPr>
+            <a:r>
+              <a:rPr lang="zh-CN" altLang="en-US" dirty="0"/>
+              <a:t>原型的</a:t>
+            </a:r>
+            <a:r>
+              <a:rPr lang="zh-CN" altLang="en-US" dirty="0" smtClean="0"/>
+              <a:t>另外一个</a:t>
+            </a:r>
+            <a:r>
+              <a:rPr lang="zh-CN" altLang="en-US" dirty="0"/>
+              <a:t>风险 是用户把注意力放在</a:t>
+            </a:r>
+            <a:r>
+              <a:rPr lang="zh-CN" altLang="en-US" dirty="0" smtClean="0"/>
+              <a:t>与</a:t>
+            </a:r>
+            <a:r>
+              <a:rPr lang="en-US" altLang="zh-CN" dirty="0" smtClean="0"/>
+              <a:t>UI</a:t>
+            </a:r>
+            <a:r>
+              <a:rPr lang="zh-CN" altLang="en-US" dirty="0" smtClean="0"/>
+              <a:t>有关</a:t>
+            </a:r>
+            <a:r>
+              <a:rPr lang="zh-CN" altLang="en-US" dirty="0"/>
+              <a:t>的外观和操作细节上。如果使用一个看似真实的原型</a:t>
+            </a:r>
+            <a:r>
+              <a:rPr lang="zh-CN" altLang="en-US" dirty="0" smtClean="0"/>
+              <a:t>，用户很客</a:t>
+            </a:r>
+            <a:r>
+              <a:rPr lang="zh-CN" altLang="en-US" dirty="0"/>
+              <a:t>易忘记自已还在需求阶段，应该</a:t>
+            </a:r>
+            <a:r>
+              <a:rPr lang="zh-CN" altLang="en-US" dirty="0">
+                <a:solidFill>
+                  <a:schemeClr val="accent1">
+                    <a:lumMod val="75000"/>
+                  </a:schemeClr>
+                </a:solidFill>
+              </a:rPr>
+              <a:t>重点关注与概念相关的问题，将原型</a:t>
+            </a:r>
+            <a:r>
+              <a:rPr lang="zh-CN" altLang="en-US" dirty="0" smtClean="0">
+                <a:solidFill>
+                  <a:schemeClr val="accent1">
+                    <a:lumMod val="75000"/>
+                  </a:schemeClr>
+                </a:solidFill>
+              </a:rPr>
+              <a:t>限定于显示</a:t>
+            </a:r>
+            <a:r>
+              <a:rPr lang="zh-CN" altLang="en-US" dirty="0">
+                <a:solidFill>
+                  <a:schemeClr val="accent1">
+                    <a:lumMod val="75000"/>
+                  </a:schemeClr>
+                </a:solidFill>
+              </a:rPr>
+              <a:t>画面，功能和导航选项</a:t>
+            </a:r>
+            <a:r>
+              <a:rPr lang="zh-CN" altLang="en-US" dirty="0"/>
+              <a:t>，可以消除不确定的需求。</a:t>
+            </a:r>
+          </a:p>
+        </p:txBody>
+      </p:sp>
+    </p:spTree>
+    <p:extLst>
+      <p:ext uri="{BB962C8B-B14F-4D97-AF65-F5344CB8AC3E}">
+        <p14:creationId xmlns:p14="http://schemas.microsoft.com/office/powerpoint/2010/main" val="859874657"/>
+      </p:ext>
+    </p:extLst>
+  </p:cSld>
+  <p:clrMapOvr>
+    <a:masterClrMapping/>
+  </p:clrMapOvr>
+  <p:transition spd="slow" advClick="0" advTm="0">
+    <p:wipe/>
+  </p:transition>
+  <p:timing>
+    <p:tnLst>
+      <p:par>
+        <p:cTn id="1" dur="indefinite" restart="never" nodeType="tmRoot"/>
+      </p:par>
+    </p:tnLst>
+  </p:timing>
+</p:sld>
+</file>
+
+<file path=ppt/slides/slide13.xml><?xml version="1.0" encoding="utf-8"?>
+<p:sld xmlns:a="http://schemas.openxmlformats.org/drawingml/2006/main" xmlns:r="http://schemas.openxmlformats.org/officeDocument/2006/relationships" xmlns:p="http://schemas.openxmlformats.org/presentationml/2006/main">
+  <p:cSld>
+    <p:spTree>
+      <p:nvGrpSpPr>
+        <p:cNvPr id="1" name=""/>
+        <p:cNvGrpSpPr/>
+        <p:nvPr/>
+      </p:nvGrpSpPr>
+      <p:grpSpPr>
+        <a:xfrm>
+          <a:off x="0" y="0"/>
+          <a:ext cx="0" cy="0"/>
+          <a:chOff x="0" y="0"/>
+          <a:chExt cx="0" cy="0"/>
+        </a:xfrm>
+      </p:grpSpPr>
+      <p:sp>
+        <p:nvSpPr>
+          <p:cNvPr id="2" name="矩形 1"/>
+          <p:cNvSpPr/>
+          <p:nvPr/>
+        </p:nvSpPr>
+        <p:spPr>
+          <a:xfrm>
+            <a:off x="237030" y="1171"/>
+            <a:ext cx="1608415" cy="135446"/>
+          </a:xfrm>
+          <a:prstGeom prst="rect">
+            <a:avLst/>
+          </a:prstGeom>
+          <a:solidFill>
+            <a:srgbClr val="183A5D"/>
+          </a:solidFill>
+          <a:ln>
+            <a:noFill/>
+          </a:ln>
+        </p:spPr>
+        <p:style>
+          <a:lnRef idx="2">
+            <a:schemeClr val="accent1">
+              <a:shade val="50000"/>
+            </a:schemeClr>
+          </a:lnRef>
+          <a:fillRef idx="1">
+            <a:schemeClr val="accent1"/>
+          </a:fillRef>
+          <a:effectRef idx="0">
+            <a:schemeClr val="accent1"/>
+          </a:effectRef>
+          <a:fontRef idx="minor">
+            <a:schemeClr val="lt1"/>
+          </a:fontRef>
+        </p:style>
+        <p:txBody>
+          <a:bodyPr rtlCol="0" anchor="ctr"/>
+          <a:lstStyle/>
+          <a:p>
+            <a:pPr algn="ctr"/>
+            <a:endParaRPr lang="zh-CN" altLang="en-US" sz="2800">
+              <a:solidFill>
+                <a:prstClr val="white"/>
+              </a:solidFill>
+            </a:endParaRPr>
+          </a:p>
+        </p:txBody>
+      </p:sp>
+      <p:sp>
+        <p:nvSpPr>
+          <p:cNvPr id="3" name="矩形 2"/>
+          <p:cNvSpPr/>
+          <p:nvPr/>
+        </p:nvSpPr>
+        <p:spPr>
+          <a:xfrm>
+            <a:off x="237030" y="255131"/>
+            <a:ext cx="1608415" cy="406336"/>
+          </a:xfrm>
+          <a:prstGeom prst="rect">
+            <a:avLst/>
+          </a:prstGeom>
+          <a:solidFill>
+            <a:srgbClr val="183A5D"/>
+          </a:solidFill>
+          <a:ln>
+            <a:noFill/>
+          </a:ln>
+        </p:spPr>
+        <p:style>
+          <a:lnRef idx="2">
+            <a:schemeClr val="accent1">
+              <a:shade val="50000"/>
+            </a:schemeClr>
+          </a:lnRef>
+          <a:fillRef idx="1">
+            <a:schemeClr val="accent1"/>
+          </a:fillRef>
+          <a:effectRef idx="0">
+            <a:schemeClr val="accent1"/>
+          </a:effectRef>
+          <a:fontRef idx="minor">
+            <a:schemeClr val="lt1"/>
+          </a:fontRef>
+        </p:style>
+        <p:txBody>
+          <a:bodyPr rtlCol="0" anchor="ctr"/>
+          <a:lstStyle/>
+          <a:p>
+            <a:pPr algn="ctr"/>
+            <a:r>
+              <a:rPr lang="en-US" sz="2400" dirty="0">
+                <a:solidFill>
+                  <a:prstClr val="white"/>
+                </a:solidFill>
+              </a:rPr>
+              <a:t>6</a:t>
+            </a:r>
+            <a:endParaRPr lang="en-US" sz="2400" dirty="0">
+              <a:solidFill>
+                <a:prstClr val="white"/>
+              </a:solidFill>
+            </a:endParaRPr>
+          </a:p>
+        </p:txBody>
+      </p:sp>
+      <p:sp>
+        <p:nvSpPr>
+          <p:cNvPr id="4" name="文本框 3"/>
+          <p:cNvSpPr txBox="1"/>
+          <p:nvPr/>
+        </p:nvSpPr>
+        <p:spPr>
+          <a:xfrm>
+            <a:off x="2236548" y="136356"/>
+            <a:ext cx="6052718" cy="501650"/>
+          </a:xfrm>
+          <a:prstGeom prst="rect">
+            <a:avLst/>
+          </a:prstGeom>
+          <a:noFill/>
+        </p:spPr>
+        <p:txBody>
+          <a:bodyPr wrap="square" rtlCol="0">
+            <a:spAutoFit/>
+          </a:bodyPr>
+          <a:lstStyle/>
+          <a:p>
+            <a:endParaRPr lang="zh-CN" altLang="en-US" sz="2665" dirty="0">
+              <a:solidFill>
+                <a:srgbClr val="183A5D"/>
+              </a:solidFill>
+              <a:latin typeface="微软雅黑" panose="020B0503020204020204" pitchFamily="34" charset="-122"/>
+              <a:ea typeface="微软雅黑" panose="020B0503020204020204" pitchFamily="34" charset="-122"/>
+            </a:endParaRPr>
+          </a:p>
+        </p:txBody>
+      </p:sp>
+      <p:sp>
+        <p:nvSpPr>
+          <p:cNvPr id="6" name="文本框 5"/>
+          <p:cNvSpPr txBox="1"/>
+          <p:nvPr/>
+        </p:nvSpPr>
+        <p:spPr>
+          <a:xfrm>
+            <a:off x="2226388" y="159851"/>
+            <a:ext cx="6052718" cy="501650"/>
+          </a:xfrm>
+          <a:prstGeom prst="rect">
+            <a:avLst/>
+          </a:prstGeom>
+          <a:noFill/>
+        </p:spPr>
+        <p:txBody>
+          <a:bodyPr wrap="square" rtlCol="0">
+            <a:spAutoFit/>
+          </a:bodyPr>
+          <a:lstStyle/>
+          <a:p>
+            <a:r>
+              <a:rPr lang="zh-CN" altLang="en-US" sz="2665" dirty="0">
+                <a:solidFill>
+                  <a:srgbClr val="183A5D"/>
+                </a:solidFill>
+                <a:latin typeface="微软雅黑" panose="020B0503020204020204" pitchFamily="34" charset="-122"/>
+                <a:ea typeface="微软雅黑" panose="020B0503020204020204" pitchFamily="34" charset="-122"/>
+              </a:rPr>
+              <a:t>界面</a:t>
+            </a:r>
+            <a:r>
+              <a:rPr lang="zh-CN" altLang="en-US" sz="2665" dirty="0" smtClean="0">
+                <a:solidFill>
+                  <a:srgbClr val="183A5D"/>
+                </a:solidFill>
+                <a:latin typeface="微软雅黑" panose="020B0503020204020204" pitchFamily="34" charset="-122"/>
+                <a:ea typeface="微软雅黑" panose="020B0503020204020204" pitchFamily="34" charset="-122"/>
+              </a:rPr>
+              <a:t>原型的风险</a:t>
+            </a:r>
+            <a:endParaRPr lang="zh-CN" altLang="en-US" sz="2665" dirty="0">
+              <a:solidFill>
+                <a:srgbClr val="183A5D"/>
+              </a:solidFill>
+              <a:latin typeface="微软雅黑" panose="020B0503020204020204" pitchFamily="34" charset="-122"/>
+              <a:ea typeface="微软雅黑" panose="020B0503020204020204" pitchFamily="34" charset="-122"/>
+            </a:endParaRPr>
+          </a:p>
+        </p:txBody>
+      </p:sp>
+      <p:grpSp>
+        <p:nvGrpSpPr>
+          <p:cNvPr id="7" name="组合 6"/>
+          <p:cNvGrpSpPr/>
+          <p:nvPr/>
+        </p:nvGrpSpPr>
+        <p:grpSpPr>
+          <a:xfrm>
+            <a:off x="236855" y="1269365"/>
+            <a:ext cx="11276966" cy="4896485"/>
+            <a:chOff x="237030" y="1269554"/>
+            <a:chExt cx="7776864" cy="4896544"/>
+          </a:xfrm>
+        </p:grpSpPr>
+        <p:sp>
+          <p:nvSpPr>
+            <p:cNvPr id="5" name="矩形 4"/>
+            <p:cNvSpPr/>
+            <p:nvPr/>
+          </p:nvSpPr>
+          <p:spPr>
+            <a:xfrm>
+              <a:off x="339939" y="2005942"/>
+              <a:ext cx="7673955" cy="491744"/>
+            </a:xfrm>
+            <a:prstGeom prst="rect">
+              <a:avLst/>
+            </a:prstGeom>
+          </p:spPr>
+          <p:txBody>
+            <a:bodyPr wrap="square">
+              <a:spAutoFit/>
+            </a:bodyPr>
+            <a:lstStyle/>
+            <a:p>
+              <a:pPr>
+                <a:lnSpc>
+                  <a:spcPct val="150000"/>
+                </a:lnSpc>
+              </a:pPr>
+              <a:endParaRPr lang="zh-CN" altLang="en-US" sz="2000" dirty="0">
+                <a:solidFill>
+                  <a:srgbClr val="000000"/>
+                </a:solidFill>
+                <a:latin typeface="Verdana" panose="020B0604030504040204" pitchFamily="34" charset="0"/>
+              </a:endParaRPr>
+            </a:p>
+          </p:txBody>
+        </p:sp>
+        <p:grpSp>
+          <p:nvGrpSpPr>
+            <p:cNvPr id="10" name="组合 9"/>
+            <p:cNvGrpSpPr/>
+            <p:nvPr/>
+          </p:nvGrpSpPr>
+          <p:grpSpPr>
+            <a:xfrm>
+              <a:off x="237030" y="1269554"/>
+              <a:ext cx="7776864" cy="4896544"/>
+              <a:chOff x="1285643" y="1772435"/>
+              <a:chExt cx="7135479" cy="3572664"/>
+            </a:xfrm>
+          </p:grpSpPr>
+          <p:sp>
+            <p:nvSpPr>
+              <p:cNvPr id="11" name="矩形 10"/>
+              <p:cNvSpPr/>
+              <p:nvPr/>
+            </p:nvSpPr>
+            <p:spPr>
+              <a:xfrm>
+                <a:off x="1285644" y="2104682"/>
+                <a:ext cx="7135478" cy="3240417"/>
+              </a:xfrm>
+              <a:prstGeom prst="rect">
+                <a:avLst/>
+              </a:prstGeom>
+              <a:noFill/>
+              <a:ln w="12700">
+                <a:solidFill>
+                  <a:srgbClr val="346182"/>
+                </a:solidFill>
+              </a:ln>
+            </p:spPr>
+            <p:style>
+              <a:lnRef idx="2">
+                <a:schemeClr val="accent1">
+                  <a:shade val="50000"/>
+                </a:schemeClr>
+              </a:lnRef>
+              <a:fillRef idx="1">
+                <a:schemeClr val="accent1"/>
+              </a:fillRef>
+              <a:effectRef idx="0">
+                <a:schemeClr val="accent1"/>
+              </a:effectRef>
+              <a:fontRef idx="minor">
+                <a:schemeClr val="lt1"/>
+              </a:fontRef>
+            </p:style>
+            <p:txBody>
+              <a:bodyPr rtlCol="0" anchor="ctr"/>
+              <a:lstStyle/>
+              <a:p>
+                <a:pPr algn="ctr"/>
+                <a:endParaRPr lang="zh-CN" altLang="en-US" sz="1350">
+                  <a:solidFill>
+                    <a:prstClr val="white"/>
+                  </a:solidFill>
+                </a:endParaRPr>
+              </a:p>
+            </p:txBody>
+          </p:sp>
+          <p:sp>
+            <p:nvSpPr>
+              <p:cNvPr id="12" name="矩形 11"/>
+              <p:cNvSpPr/>
+              <p:nvPr/>
+            </p:nvSpPr>
+            <p:spPr>
+              <a:xfrm>
+                <a:off x="1285643" y="1772435"/>
+                <a:ext cx="2114216" cy="338554"/>
+              </a:xfrm>
+              <a:prstGeom prst="rect">
+                <a:avLst/>
+              </a:prstGeom>
+              <a:solidFill>
+                <a:srgbClr val="183A5D"/>
+              </a:solidFill>
+              <a:ln>
+                <a:noFill/>
+              </a:ln>
+            </p:spPr>
+            <p:style>
+              <a:lnRef idx="2">
+                <a:schemeClr val="accent1">
+                  <a:shade val="50000"/>
+                </a:schemeClr>
+              </a:lnRef>
+              <a:fillRef idx="1">
+                <a:schemeClr val="accent1"/>
+              </a:fillRef>
+              <a:effectRef idx="0">
+                <a:schemeClr val="accent1"/>
+              </a:effectRef>
+              <a:fontRef idx="minor">
+                <a:schemeClr val="lt1"/>
+              </a:fontRef>
+            </p:style>
+            <p:txBody>
+              <a:bodyPr rtlCol="0" anchor="ctr"/>
+              <a:lstStyle/>
+              <a:p>
+                <a:pPr algn="ctr"/>
+                <a:r>
+                  <a:rPr lang="zh-CN" altLang="en-US" sz="2800" dirty="0" smtClean="0">
+                    <a:solidFill>
+                      <a:prstClr val="white"/>
+                    </a:solidFill>
+                  </a:rPr>
+                  <a:t>不现实的性能预期</a:t>
+                </a:r>
+                <a:endParaRPr lang="zh-CN" altLang="en-US" sz="2800" dirty="0">
+                  <a:solidFill>
+                    <a:prstClr val="white"/>
+                  </a:solidFill>
+                </a:endParaRPr>
+              </a:p>
+            </p:txBody>
+          </p:sp>
+        </p:grpSp>
+      </p:grpSp>
+      <p:sp>
+        <p:nvSpPr>
+          <p:cNvPr id="8" name="矩形 7"/>
+          <p:cNvSpPr/>
+          <p:nvPr/>
+        </p:nvSpPr>
+        <p:spPr>
+          <a:xfrm>
+            <a:off x="356480" y="2010546"/>
+            <a:ext cx="11037718" cy="3970318"/>
+          </a:xfrm>
+          <a:prstGeom prst="rect">
+            <a:avLst/>
+          </a:prstGeom>
+        </p:spPr>
+        <p:txBody>
+          <a:bodyPr wrap="square">
+            <a:spAutoFit/>
+          </a:bodyPr>
+          <a:lstStyle/>
+          <a:p>
+            <a:pPr indent="457200">
+              <a:lnSpc>
+                <a:spcPct val="150000"/>
+              </a:lnSpc>
+            </a:pPr>
+            <a:r>
+              <a:rPr lang="zh-CN" altLang="en-US" dirty="0"/>
+              <a:t>第三个风险是用户根据原型的性能来推断最终产品的预期性能。</a:t>
+            </a:r>
+            <a:r>
+              <a:rPr lang="zh-CN" altLang="en-US" dirty="0">
+                <a:solidFill>
+                  <a:schemeClr val="accent1">
+                    <a:lumMod val="75000"/>
+                  </a:schemeClr>
+                </a:solidFill>
+              </a:rPr>
+              <a:t>不要在预期产品环境中对原型进行评估</a:t>
+            </a:r>
+            <a:r>
+              <a:rPr lang="zh-CN" altLang="en-US" dirty="0" smtClean="0">
+                <a:solidFill>
+                  <a:schemeClr val="accent1">
+                    <a:lumMod val="75000"/>
+                  </a:schemeClr>
+                </a:solidFill>
+              </a:rPr>
+              <a:t>。</a:t>
+            </a:r>
+            <a:endParaRPr lang="en-US" altLang="zh-CN" dirty="0" smtClean="0">
+              <a:solidFill>
+                <a:schemeClr val="accent1">
+                  <a:lumMod val="75000"/>
+                </a:schemeClr>
+              </a:solidFill>
+            </a:endParaRPr>
+          </a:p>
+          <a:p>
+            <a:pPr indent="457200">
+              <a:lnSpc>
+                <a:spcPct val="150000"/>
+              </a:lnSpc>
+            </a:pPr>
+            <a:r>
+              <a:rPr lang="zh-CN" altLang="en-US" dirty="0"/>
+              <a:t>为了使原型更真实地模拟最终产品的预期行为，在构建原型时</a:t>
+            </a:r>
+            <a:r>
+              <a:rPr lang="zh-CN" altLang="en-US" dirty="0">
+                <a:solidFill>
+                  <a:schemeClr val="accent1">
+                    <a:lumMod val="75000"/>
+                  </a:schemeClr>
+                </a:solidFill>
+              </a:rPr>
+              <a:t>要考虑时间上的延迟或 者让原型看起来还没有准备好马上发布</a:t>
+            </a:r>
+            <a:r>
+              <a:rPr lang="zh-CN" altLang="en-US" dirty="0"/>
+              <a:t>。可以在屏幕上放消息，声明它并不代表最终的产品。</a:t>
+            </a:r>
+          </a:p>
+          <a:p>
+            <a:pPr indent="457200">
+              <a:lnSpc>
+                <a:spcPct val="150000"/>
+              </a:lnSpc>
+            </a:pPr>
+            <a:r>
+              <a:rPr lang="zh-CN" altLang="en-US" dirty="0"/>
+              <a:t>在敏捷开发和其他演进原型中，要</a:t>
+            </a:r>
+            <a:r>
+              <a:rPr lang="zh-CN" altLang="en-US" dirty="0">
+                <a:solidFill>
+                  <a:schemeClr val="accent1">
+                    <a:lumMod val="75000"/>
+                  </a:schemeClr>
+                </a:solidFill>
+              </a:rPr>
+              <a:t>保证从一开始就设计一个健壮的、可扩展的架构并写出高质量的代码</a:t>
+            </a:r>
+            <a:r>
+              <a:rPr lang="zh-CN" altLang="en-US" dirty="0"/>
+              <a:t>。构建一个产 品级软件并且每</a:t>
+            </a:r>
+            <a:r>
+              <a:rPr lang="en-US" altLang="zh-CN" dirty="0"/>
+              <a:t>- </a:t>
+            </a:r>
+            <a:r>
+              <a:rPr lang="zh-CN" altLang="en-US" dirty="0"/>
+              <a:t>个时间段只完成其中一小部分。可以在后期迭代中通过重构来优化设计，但后期的重构并不能代替前期设计工作。</a:t>
+            </a:r>
+          </a:p>
+          <a:p>
+            <a:pPr indent="457200">
+              <a:lnSpc>
+                <a:spcPct val="150000"/>
+              </a:lnSpc>
+            </a:pPr>
+            <a:endParaRPr lang="zh-CN" altLang="en-US" dirty="0"/>
+          </a:p>
+        </p:txBody>
+      </p:sp>
+    </p:spTree>
+    <p:extLst>
+      <p:ext uri="{BB962C8B-B14F-4D97-AF65-F5344CB8AC3E}">
+        <p14:creationId xmlns:p14="http://schemas.microsoft.com/office/powerpoint/2010/main" val="6823864"/>
+      </p:ext>
+    </p:extLst>
+  </p:cSld>
+  <p:clrMapOvr>
+    <a:masterClrMapping/>
+  </p:clrMapOvr>
+  <p:transition spd="slow" advClick="0" advTm="0">
+    <p:wipe/>
+  </p:transition>
+  <p:timing>
+    <p:tnLst>
+      <p:par>
+        <p:cTn id="1" dur="indefinite" restart="never" nodeType="tmRoot"/>
+      </p:par>
+    </p:tnLst>
+  </p:timing>
+</p:sld>
+</file>
+
+<file path=ppt/slides/slide14.xml><?xml version="1.0" encoding="utf-8"?>
+<p:sld xmlns:a="http://schemas.openxmlformats.org/drawingml/2006/main" xmlns:r="http://schemas.openxmlformats.org/officeDocument/2006/relationships" xmlns:p="http://schemas.openxmlformats.org/presentationml/2006/main">
+  <p:cSld>
+    <p:spTree>
+      <p:nvGrpSpPr>
+        <p:cNvPr id="1" name=""/>
+        <p:cNvGrpSpPr/>
+        <p:nvPr/>
+      </p:nvGrpSpPr>
+      <p:grpSpPr>
+        <a:xfrm>
+          <a:off x="0" y="0"/>
+          <a:ext cx="0" cy="0"/>
+          <a:chOff x="0" y="0"/>
+          <a:chExt cx="0" cy="0"/>
+        </a:xfrm>
+      </p:grpSpPr>
+      <p:sp>
+        <p:nvSpPr>
+          <p:cNvPr id="2" name="矩形 1"/>
+          <p:cNvSpPr/>
+          <p:nvPr/>
+        </p:nvSpPr>
+        <p:spPr>
+          <a:xfrm>
+            <a:off x="237030" y="1171"/>
+            <a:ext cx="1608415" cy="135446"/>
+          </a:xfrm>
+          <a:prstGeom prst="rect">
+            <a:avLst/>
+          </a:prstGeom>
+          <a:solidFill>
+            <a:srgbClr val="183A5D"/>
+          </a:solidFill>
+          <a:ln>
+            <a:noFill/>
+          </a:ln>
+        </p:spPr>
+        <p:style>
+          <a:lnRef idx="2">
+            <a:schemeClr val="accent1">
+              <a:shade val="50000"/>
+            </a:schemeClr>
+          </a:lnRef>
+          <a:fillRef idx="1">
+            <a:schemeClr val="accent1"/>
+          </a:fillRef>
+          <a:effectRef idx="0">
+            <a:schemeClr val="accent1"/>
+          </a:effectRef>
+          <a:fontRef idx="minor">
+            <a:schemeClr val="lt1"/>
+          </a:fontRef>
+        </p:style>
+        <p:txBody>
+          <a:bodyPr rtlCol="0" anchor="ctr"/>
+          <a:lstStyle/>
+          <a:p>
+            <a:pPr algn="ctr"/>
+            <a:endParaRPr lang="zh-CN" altLang="en-US" sz="2800">
+              <a:solidFill>
+                <a:prstClr val="white"/>
+              </a:solidFill>
+            </a:endParaRPr>
+          </a:p>
+        </p:txBody>
+      </p:sp>
+      <p:sp>
+        <p:nvSpPr>
+          <p:cNvPr id="3" name="矩形 2"/>
+          <p:cNvSpPr/>
+          <p:nvPr/>
+        </p:nvSpPr>
+        <p:spPr>
+          <a:xfrm>
+            <a:off x="237030" y="255131"/>
+            <a:ext cx="1608415" cy="406336"/>
+          </a:xfrm>
+          <a:prstGeom prst="rect">
+            <a:avLst/>
+          </a:prstGeom>
+          <a:solidFill>
+            <a:srgbClr val="183A5D"/>
+          </a:solidFill>
+          <a:ln>
+            <a:noFill/>
+          </a:ln>
+        </p:spPr>
+        <p:style>
+          <a:lnRef idx="2">
+            <a:schemeClr val="accent1">
+              <a:shade val="50000"/>
+            </a:schemeClr>
+          </a:lnRef>
+          <a:fillRef idx="1">
+            <a:schemeClr val="accent1"/>
+          </a:fillRef>
+          <a:effectRef idx="0">
+            <a:schemeClr val="accent1"/>
+          </a:effectRef>
+          <a:fontRef idx="minor">
+            <a:schemeClr val="lt1"/>
+          </a:fontRef>
+        </p:style>
+        <p:txBody>
+          <a:bodyPr rtlCol="0" anchor="ctr"/>
+          <a:lstStyle/>
+          <a:p>
+            <a:pPr algn="ctr"/>
+            <a:r>
+              <a:rPr lang="en-US" sz="2400" dirty="0">
+                <a:solidFill>
+                  <a:prstClr val="white"/>
+                </a:solidFill>
+              </a:rPr>
+              <a:t>6</a:t>
+            </a:r>
+            <a:endParaRPr lang="en-US" sz="2400" dirty="0">
+              <a:solidFill>
+                <a:prstClr val="white"/>
+              </a:solidFill>
+            </a:endParaRPr>
+          </a:p>
+        </p:txBody>
+      </p:sp>
+      <p:sp>
+        <p:nvSpPr>
+          <p:cNvPr id="4" name="文本框 3"/>
+          <p:cNvSpPr txBox="1"/>
+          <p:nvPr/>
+        </p:nvSpPr>
+        <p:spPr>
+          <a:xfrm>
+            <a:off x="2236548" y="136356"/>
+            <a:ext cx="6052718" cy="501650"/>
+          </a:xfrm>
+          <a:prstGeom prst="rect">
+            <a:avLst/>
+          </a:prstGeom>
+          <a:noFill/>
+        </p:spPr>
+        <p:txBody>
+          <a:bodyPr wrap="square" rtlCol="0">
+            <a:spAutoFit/>
+          </a:bodyPr>
+          <a:lstStyle/>
+          <a:p>
+            <a:endParaRPr lang="zh-CN" altLang="en-US" sz="2665" dirty="0">
+              <a:solidFill>
+                <a:srgbClr val="183A5D"/>
+              </a:solidFill>
+              <a:latin typeface="微软雅黑" panose="020B0503020204020204" pitchFamily="34" charset="-122"/>
+              <a:ea typeface="微软雅黑" panose="020B0503020204020204" pitchFamily="34" charset="-122"/>
+            </a:endParaRPr>
+          </a:p>
+        </p:txBody>
+      </p:sp>
+      <p:sp>
+        <p:nvSpPr>
+          <p:cNvPr id="6" name="文本框 5"/>
+          <p:cNvSpPr txBox="1"/>
+          <p:nvPr/>
+        </p:nvSpPr>
+        <p:spPr>
+          <a:xfrm>
+            <a:off x="2226388" y="159851"/>
+            <a:ext cx="6052718" cy="501650"/>
+          </a:xfrm>
+          <a:prstGeom prst="rect">
+            <a:avLst/>
+          </a:prstGeom>
+          <a:noFill/>
+        </p:spPr>
+        <p:txBody>
+          <a:bodyPr wrap="square" rtlCol="0">
+            <a:spAutoFit/>
+          </a:bodyPr>
+          <a:lstStyle/>
+          <a:p>
+            <a:r>
+              <a:rPr lang="zh-CN" altLang="en-US" sz="2665" dirty="0">
+                <a:solidFill>
+                  <a:srgbClr val="183A5D"/>
+                </a:solidFill>
+                <a:latin typeface="微软雅黑" panose="020B0503020204020204" pitchFamily="34" charset="-122"/>
+                <a:ea typeface="微软雅黑" panose="020B0503020204020204" pitchFamily="34" charset="-122"/>
+              </a:rPr>
+              <a:t>界面</a:t>
+            </a:r>
+            <a:r>
+              <a:rPr lang="zh-CN" altLang="en-US" sz="2665" dirty="0" smtClean="0">
+                <a:solidFill>
+                  <a:srgbClr val="183A5D"/>
+                </a:solidFill>
+                <a:latin typeface="微软雅黑" panose="020B0503020204020204" pitchFamily="34" charset="-122"/>
+                <a:ea typeface="微软雅黑" panose="020B0503020204020204" pitchFamily="34" charset="-122"/>
+              </a:rPr>
+              <a:t>原型的风险</a:t>
+            </a:r>
+            <a:endParaRPr lang="zh-CN" altLang="en-US" sz="2665" dirty="0">
+              <a:solidFill>
+                <a:srgbClr val="183A5D"/>
+              </a:solidFill>
+              <a:latin typeface="微软雅黑" panose="020B0503020204020204" pitchFamily="34" charset="-122"/>
+              <a:ea typeface="微软雅黑" panose="020B0503020204020204" pitchFamily="34" charset="-122"/>
+            </a:endParaRPr>
+          </a:p>
+        </p:txBody>
+      </p:sp>
+      <p:grpSp>
+        <p:nvGrpSpPr>
+          <p:cNvPr id="7" name="组合 6"/>
+          <p:cNvGrpSpPr/>
+          <p:nvPr/>
+        </p:nvGrpSpPr>
+        <p:grpSpPr>
+          <a:xfrm>
+            <a:off x="236855" y="1269365"/>
+            <a:ext cx="11276966" cy="4896485"/>
+            <a:chOff x="237030" y="1269554"/>
+            <a:chExt cx="7776864" cy="4896544"/>
+          </a:xfrm>
+        </p:grpSpPr>
+        <p:sp>
+          <p:nvSpPr>
+            <p:cNvPr id="5" name="矩形 4"/>
+            <p:cNvSpPr/>
+            <p:nvPr/>
+          </p:nvSpPr>
+          <p:spPr>
+            <a:xfrm>
+              <a:off x="339939" y="2005942"/>
+              <a:ext cx="7673955" cy="491744"/>
+            </a:xfrm>
+            <a:prstGeom prst="rect">
+              <a:avLst/>
+            </a:prstGeom>
+          </p:spPr>
+          <p:txBody>
+            <a:bodyPr wrap="square">
+              <a:spAutoFit/>
+            </a:bodyPr>
+            <a:lstStyle/>
+            <a:p>
+              <a:pPr>
+                <a:lnSpc>
+                  <a:spcPct val="150000"/>
+                </a:lnSpc>
+              </a:pPr>
+              <a:endParaRPr lang="zh-CN" altLang="en-US" sz="2000" dirty="0">
+                <a:solidFill>
+                  <a:srgbClr val="000000"/>
+                </a:solidFill>
+                <a:latin typeface="Verdana" panose="020B0604030504040204" pitchFamily="34" charset="0"/>
+              </a:endParaRPr>
+            </a:p>
+          </p:txBody>
+        </p:sp>
+        <p:grpSp>
+          <p:nvGrpSpPr>
+            <p:cNvPr id="10" name="组合 9"/>
+            <p:cNvGrpSpPr/>
+            <p:nvPr/>
+          </p:nvGrpSpPr>
+          <p:grpSpPr>
+            <a:xfrm>
+              <a:off x="237030" y="1269554"/>
+              <a:ext cx="7776864" cy="4896544"/>
+              <a:chOff x="1285643" y="1772435"/>
+              <a:chExt cx="7135479" cy="3572664"/>
+            </a:xfrm>
+          </p:grpSpPr>
+          <p:sp>
+            <p:nvSpPr>
+              <p:cNvPr id="11" name="矩形 10"/>
+              <p:cNvSpPr/>
+              <p:nvPr/>
+            </p:nvSpPr>
+            <p:spPr>
+              <a:xfrm>
+                <a:off x="1285644" y="2104682"/>
+                <a:ext cx="7135478" cy="3240417"/>
+              </a:xfrm>
+              <a:prstGeom prst="rect">
+                <a:avLst/>
+              </a:prstGeom>
+              <a:noFill/>
+              <a:ln w="12700">
+                <a:solidFill>
+                  <a:srgbClr val="346182"/>
+                </a:solidFill>
+              </a:ln>
+            </p:spPr>
+            <p:style>
+              <a:lnRef idx="2">
+                <a:schemeClr val="accent1">
+                  <a:shade val="50000"/>
+                </a:schemeClr>
+              </a:lnRef>
+              <a:fillRef idx="1">
+                <a:schemeClr val="accent1"/>
+              </a:fillRef>
+              <a:effectRef idx="0">
+                <a:schemeClr val="accent1"/>
+              </a:effectRef>
+              <a:fontRef idx="minor">
+                <a:schemeClr val="lt1"/>
+              </a:fontRef>
+            </p:style>
+            <p:txBody>
+              <a:bodyPr rtlCol="0" anchor="ctr"/>
+              <a:lstStyle/>
+              <a:p>
+                <a:pPr algn="ctr"/>
+                <a:endParaRPr lang="zh-CN" altLang="en-US" sz="1350">
+                  <a:solidFill>
+                    <a:prstClr val="white"/>
+                  </a:solidFill>
+                </a:endParaRPr>
+              </a:p>
+            </p:txBody>
+          </p:sp>
+          <p:sp>
+            <p:nvSpPr>
+              <p:cNvPr id="12" name="矩形 11"/>
+              <p:cNvSpPr/>
+              <p:nvPr/>
+            </p:nvSpPr>
+            <p:spPr>
+              <a:xfrm>
+                <a:off x="1285643" y="1772435"/>
+                <a:ext cx="2114216" cy="338554"/>
+              </a:xfrm>
+              <a:prstGeom prst="rect">
+                <a:avLst/>
+              </a:prstGeom>
+              <a:solidFill>
+                <a:srgbClr val="183A5D"/>
+              </a:solidFill>
+              <a:ln>
+                <a:noFill/>
+              </a:ln>
+            </p:spPr>
+            <p:style>
+              <a:lnRef idx="2">
+                <a:schemeClr val="accent1">
+                  <a:shade val="50000"/>
+                </a:schemeClr>
+              </a:lnRef>
+              <a:fillRef idx="1">
+                <a:schemeClr val="accent1"/>
+              </a:fillRef>
+              <a:effectRef idx="0">
+                <a:schemeClr val="accent1"/>
+              </a:effectRef>
+              <a:fontRef idx="minor">
+                <a:schemeClr val="lt1"/>
+              </a:fontRef>
+            </p:style>
+            <p:txBody>
+              <a:bodyPr rtlCol="0" anchor="ctr"/>
+              <a:lstStyle/>
+              <a:p>
+                <a:pPr algn="ctr"/>
+                <a:r>
+                  <a:rPr lang="zh-CN" altLang="en-US" sz="2800" dirty="0" smtClean="0">
+                    <a:solidFill>
+                      <a:prstClr val="white"/>
+                    </a:solidFill>
+                  </a:rPr>
+                  <a:t>对原型投入过多</a:t>
+                </a:r>
+                <a:endParaRPr lang="zh-CN" altLang="en-US" sz="2800" dirty="0">
+                  <a:solidFill>
+                    <a:prstClr val="white"/>
+                  </a:solidFill>
+                </a:endParaRPr>
+              </a:p>
+            </p:txBody>
+          </p:sp>
+        </p:grpSp>
+      </p:grpSp>
+      <p:sp>
+        <p:nvSpPr>
+          <p:cNvPr id="8" name="矩形 7"/>
+          <p:cNvSpPr/>
+          <p:nvPr/>
+        </p:nvSpPr>
+        <p:spPr>
+          <a:xfrm>
+            <a:off x="356480" y="2010546"/>
+            <a:ext cx="11037718" cy="3000821"/>
+          </a:xfrm>
+          <a:prstGeom prst="rect">
+            <a:avLst/>
+          </a:prstGeom>
+        </p:spPr>
+        <p:txBody>
+          <a:bodyPr wrap="square">
+            <a:spAutoFit/>
+          </a:bodyPr>
+          <a:lstStyle/>
+          <a:p>
+            <a:pPr indent="457200">
+              <a:lnSpc>
+                <a:spcPct val="150000"/>
+              </a:lnSpc>
+            </a:pPr>
+            <a:r>
+              <a:rPr lang="zh-CN" altLang="en-US" dirty="0"/>
+              <a:t>最后，</a:t>
+            </a:r>
+            <a:r>
+              <a:rPr lang="zh-CN" altLang="en-US" dirty="0">
+                <a:solidFill>
+                  <a:schemeClr val="accent1">
+                    <a:lumMod val="75000"/>
+                  </a:schemeClr>
+                </a:solidFill>
+              </a:rPr>
+              <a:t>不要在原型工作</a:t>
+            </a:r>
+            <a:r>
+              <a:rPr lang="zh-CN" altLang="en-US" dirty="0" smtClean="0">
+                <a:solidFill>
+                  <a:schemeClr val="accent1">
+                    <a:lumMod val="75000"/>
+                  </a:schemeClr>
+                </a:solidFill>
+              </a:rPr>
+              <a:t>上投入</a:t>
+            </a:r>
+            <a:r>
+              <a:rPr lang="zh-CN" altLang="en-US" dirty="0">
+                <a:solidFill>
+                  <a:schemeClr val="accent1">
+                    <a:lumMod val="75000"/>
+                  </a:schemeClr>
+                </a:solidFill>
+              </a:rPr>
+              <a:t>太多精力</a:t>
+            </a:r>
+            <a:r>
+              <a:rPr lang="zh-CN" altLang="en-US" dirty="0"/>
+              <a:t>，最终导致开发团队没有时间而不得不将原型作为产品或者匆忙进入混乱的产品实现。对整个解决方案进行建模而不是只对最不确定的、高风险的或者复杂的部分进行建模就属于这种情况。用模型来进行试验。进行的是假设测试，看需求是否已经充分定义，关键的人机交互以及架构问题是否已经解决。如果原型能够测试假设，能够回答间题并且能够提炼需求，就足够了。</a:t>
+            </a:r>
+          </a:p>
+          <a:p>
+            <a:pPr indent="457200">
+              <a:lnSpc>
+                <a:spcPct val="150000"/>
+              </a:lnSpc>
+            </a:pPr>
+            <a:endParaRPr lang="zh-CN" altLang="en-US" dirty="0"/>
+          </a:p>
+        </p:txBody>
+      </p:sp>
+    </p:spTree>
+    <p:extLst>
+      <p:ext uri="{BB962C8B-B14F-4D97-AF65-F5344CB8AC3E}">
+        <p14:creationId xmlns:p14="http://schemas.microsoft.com/office/powerpoint/2010/main" val="3721164705"/>
+      </p:ext>
+    </p:extLst>
+  </p:cSld>
+  <p:clrMapOvr>
+    <a:masterClrMapping/>
+  </p:clrMapOvr>
+  <p:transition spd="slow" advClick="0" advTm="0">
+    <p:wipe/>
+  </p:transition>
+  <p:timing>
+    <p:tnLst>
+      <p:par>
+        <p:cTn id="1" dur="indefinite" restart="never" nodeType="tmRoot"/>
+      </p:par>
+    </p:tnLst>
+  </p:timing>
+</p:sld>
+</file>
+
+<file path=ppt/slides/slide15.xml><?xml version="1.0" encoding="utf-8"?>
+<p:sld xmlns:a="http://schemas.openxmlformats.org/drawingml/2006/main" xmlns:r="http://schemas.openxmlformats.org/officeDocument/2006/relationships" xmlns:p="http://schemas.openxmlformats.org/presentationml/2006/main">
+  <p:cSld>
+    <p:spTree>
+      <p:nvGrpSpPr>
+        <p:cNvPr id="1" name=""/>
+        <p:cNvGrpSpPr/>
+        <p:nvPr/>
+      </p:nvGrpSpPr>
+      <p:grpSpPr>
+        <a:xfrm>
+          <a:off x="0" y="0"/>
+          <a:ext cx="0" cy="0"/>
+          <a:chOff x="0" y="0"/>
+          <a:chExt cx="0" cy="0"/>
+        </a:xfrm>
+      </p:grpSpPr>
+      <p:sp>
+        <p:nvSpPr>
+          <p:cNvPr id="2" name="矩形 1"/>
+          <p:cNvSpPr/>
+          <p:nvPr/>
+        </p:nvSpPr>
+        <p:spPr>
+          <a:xfrm>
+            <a:off x="237030" y="1171"/>
+            <a:ext cx="1608415" cy="135446"/>
+          </a:xfrm>
+          <a:prstGeom prst="rect">
+            <a:avLst/>
+          </a:prstGeom>
+          <a:solidFill>
+            <a:srgbClr val="183A5D"/>
+          </a:solidFill>
+          <a:ln>
+            <a:noFill/>
+          </a:ln>
+        </p:spPr>
+        <p:style>
+          <a:lnRef idx="2">
+            <a:schemeClr val="accent1">
+              <a:shade val="50000"/>
+            </a:schemeClr>
+          </a:lnRef>
+          <a:fillRef idx="1">
+            <a:schemeClr val="accent1"/>
+          </a:fillRef>
+          <a:effectRef idx="0">
+            <a:schemeClr val="accent1"/>
+          </a:effectRef>
+          <a:fontRef idx="minor">
+            <a:schemeClr val="lt1"/>
+          </a:fontRef>
+        </p:style>
+        <p:txBody>
+          <a:bodyPr rtlCol="0" anchor="ctr"/>
+          <a:lstStyle/>
+          <a:p>
+            <a:pPr algn="ctr"/>
+            <a:endParaRPr lang="zh-CN" altLang="en-US" sz="2800">
+              <a:solidFill>
+                <a:prstClr val="white"/>
+              </a:solidFill>
+            </a:endParaRPr>
+          </a:p>
+        </p:txBody>
+      </p:sp>
+      <p:sp>
+        <p:nvSpPr>
+          <p:cNvPr id="3" name="矩形 2"/>
+          <p:cNvSpPr/>
+          <p:nvPr/>
+        </p:nvSpPr>
+        <p:spPr>
+          <a:xfrm>
+            <a:off x="237030" y="255131"/>
+            <a:ext cx="1608415" cy="406336"/>
+          </a:xfrm>
+          <a:prstGeom prst="rect">
+            <a:avLst/>
+          </a:prstGeom>
+          <a:solidFill>
+            <a:srgbClr val="183A5D"/>
+          </a:solidFill>
+          <a:ln>
+            <a:noFill/>
+          </a:ln>
+        </p:spPr>
+        <p:style>
+          <a:lnRef idx="2">
+            <a:schemeClr val="accent1">
+              <a:shade val="50000"/>
+            </a:schemeClr>
+          </a:lnRef>
+          <a:fillRef idx="1">
+            <a:schemeClr val="accent1"/>
+          </a:fillRef>
+          <a:effectRef idx="0">
+            <a:schemeClr val="accent1"/>
+          </a:effectRef>
+          <a:fontRef idx="minor">
+            <a:schemeClr val="lt1"/>
+          </a:fontRef>
+        </p:style>
+        <p:txBody>
+          <a:bodyPr rtlCol="0" anchor="ctr"/>
+          <a:lstStyle/>
+          <a:p>
+            <a:pPr algn="ctr"/>
+            <a:r>
+              <a:rPr lang="en-US" sz="2400" dirty="0" smtClean="0">
+                <a:solidFill>
+                  <a:prstClr val="white"/>
+                </a:solidFill>
+              </a:rPr>
+              <a:t>7</a:t>
+            </a:r>
+            <a:endParaRPr lang="en-US" sz="2400" dirty="0">
+              <a:solidFill>
+                <a:prstClr val="white"/>
+              </a:solidFill>
+            </a:endParaRPr>
+          </a:p>
+        </p:txBody>
+      </p:sp>
+      <p:sp>
+        <p:nvSpPr>
+          <p:cNvPr id="4" name="文本框 3"/>
+          <p:cNvSpPr txBox="1"/>
+          <p:nvPr/>
+        </p:nvSpPr>
+        <p:spPr>
+          <a:xfrm>
+            <a:off x="2236548" y="136356"/>
+            <a:ext cx="6052718" cy="501650"/>
+          </a:xfrm>
+          <a:prstGeom prst="rect">
+            <a:avLst/>
+          </a:prstGeom>
+          <a:noFill/>
+        </p:spPr>
+        <p:txBody>
+          <a:bodyPr wrap="square" rtlCol="0">
+            <a:spAutoFit/>
+          </a:bodyPr>
+          <a:lstStyle/>
+          <a:p>
+            <a:endParaRPr lang="zh-CN" altLang="en-US" sz="2665" dirty="0">
+              <a:solidFill>
+                <a:srgbClr val="183A5D"/>
+              </a:solidFill>
+              <a:latin typeface="微软雅黑" panose="020B0503020204020204" pitchFamily="34" charset="-122"/>
+              <a:ea typeface="微软雅黑" panose="020B0503020204020204" pitchFamily="34" charset="-122"/>
+            </a:endParaRPr>
+          </a:p>
+        </p:txBody>
+      </p:sp>
+      <p:sp>
+        <p:nvSpPr>
+          <p:cNvPr id="6" name="文本框 5"/>
+          <p:cNvSpPr txBox="1"/>
+          <p:nvPr/>
+        </p:nvSpPr>
+        <p:spPr>
+          <a:xfrm>
+            <a:off x="2226388" y="159851"/>
+            <a:ext cx="6052718" cy="501650"/>
+          </a:xfrm>
+          <a:prstGeom prst="rect">
+            <a:avLst/>
+          </a:prstGeom>
+          <a:noFill/>
+        </p:spPr>
+        <p:txBody>
+          <a:bodyPr wrap="square" rtlCol="0">
+            <a:spAutoFit/>
+          </a:bodyPr>
+          <a:lstStyle/>
+          <a:p>
+            <a:r>
+              <a:rPr lang="zh-CN" altLang="en-US" sz="2665" dirty="0">
+                <a:solidFill>
+                  <a:srgbClr val="183A5D"/>
+                </a:solidFill>
+                <a:latin typeface="微软雅黑" panose="020B0503020204020204" pitchFamily="34" charset="-122"/>
+                <a:ea typeface="微软雅黑" panose="020B0503020204020204" pitchFamily="34" charset="-122"/>
+              </a:rPr>
+              <a:t>界面</a:t>
+            </a:r>
+            <a:r>
+              <a:rPr lang="zh-CN" altLang="en-US" sz="2665" dirty="0" smtClean="0">
+                <a:solidFill>
+                  <a:srgbClr val="183A5D"/>
+                </a:solidFill>
+                <a:latin typeface="微软雅黑" panose="020B0503020204020204" pitchFamily="34" charset="-122"/>
+                <a:ea typeface="微软雅黑" panose="020B0503020204020204" pitchFamily="34" charset="-122"/>
+              </a:rPr>
+              <a:t>原型的成功因素</a:t>
+            </a:r>
+            <a:endParaRPr lang="zh-CN" altLang="en-US" sz="2665" dirty="0">
+              <a:solidFill>
+                <a:srgbClr val="183A5D"/>
+              </a:solidFill>
+              <a:latin typeface="微软雅黑" panose="020B0503020204020204" pitchFamily="34" charset="-122"/>
+              <a:ea typeface="微软雅黑" panose="020B0503020204020204" pitchFamily="34" charset="-122"/>
+            </a:endParaRPr>
+          </a:p>
+        </p:txBody>
+      </p:sp>
+      <p:grpSp>
+        <p:nvGrpSpPr>
+          <p:cNvPr id="7" name="组合 6"/>
+          <p:cNvGrpSpPr/>
+          <p:nvPr/>
+        </p:nvGrpSpPr>
+        <p:grpSpPr>
+          <a:xfrm>
+            <a:off x="236855" y="1269365"/>
+            <a:ext cx="11276966" cy="4896485"/>
+            <a:chOff x="237030" y="1269554"/>
+            <a:chExt cx="7776864" cy="4896544"/>
+          </a:xfrm>
+        </p:grpSpPr>
+        <p:sp>
+          <p:nvSpPr>
+            <p:cNvPr id="5" name="矩形 4"/>
+            <p:cNvSpPr/>
+            <p:nvPr/>
+          </p:nvSpPr>
+          <p:spPr>
+            <a:xfrm>
+              <a:off x="339939" y="2005942"/>
+              <a:ext cx="7673955" cy="491744"/>
+            </a:xfrm>
+            <a:prstGeom prst="rect">
+              <a:avLst/>
+            </a:prstGeom>
+          </p:spPr>
+          <p:txBody>
+            <a:bodyPr wrap="square">
+              <a:spAutoFit/>
+            </a:bodyPr>
+            <a:lstStyle/>
+            <a:p>
+              <a:pPr>
+                <a:lnSpc>
+                  <a:spcPct val="150000"/>
+                </a:lnSpc>
+              </a:pPr>
+              <a:endParaRPr lang="zh-CN" altLang="en-US" sz="2000" dirty="0">
+                <a:solidFill>
+                  <a:srgbClr val="000000"/>
+                </a:solidFill>
+                <a:latin typeface="Verdana" panose="020B0604030504040204" pitchFamily="34" charset="0"/>
+              </a:endParaRPr>
+            </a:p>
+          </p:txBody>
+        </p:sp>
+        <p:grpSp>
+          <p:nvGrpSpPr>
+            <p:cNvPr id="10" name="组合 9"/>
+            <p:cNvGrpSpPr/>
+            <p:nvPr/>
+          </p:nvGrpSpPr>
+          <p:grpSpPr>
+            <a:xfrm>
+              <a:off x="237030" y="1269554"/>
+              <a:ext cx="7776864" cy="4896544"/>
+              <a:chOff x="1285643" y="1772435"/>
+              <a:chExt cx="7135479" cy="3572664"/>
+            </a:xfrm>
+          </p:grpSpPr>
+          <p:sp>
+            <p:nvSpPr>
+              <p:cNvPr id="11" name="矩形 10"/>
+              <p:cNvSpPr/>
+              <p:nvPr/>
+            </p:nvSpPr>
+            <p:spPr>
+              <a:xfrm>
+                <a:off x="1285644" y="2104682"/>
+                <a:ext cx="7135478" cy="3240417"/>
+              </a:xfrm>
+              <a:prstGeom prst="rect">
+                <a:avLst/>
+              </a:prstGeom>
+              <a:noFill/>
+              <a:ln w="12700">
+                <a:solidFill>
+                  <a:srgbClr val="346182"/>
+                </a:solidFill>
+              </a:ln>
+            </p:spPr>
+            <p:style>
+              <a:lnRef idx="2">
+                <a:schemeClr val="accent1">
+                  <a:shade val="50000"/>
+                </a:schemeClr>
+              </a:lnRef>
+              <a:fillRef idx="1">
+                <a:schemeClr val="accent1"/>
+              </a:fillRef>
+              <a:effectRef idx="0">
+                <a:schemeClr val="accent1"/>
+              </a:effectRef>
+              <a:fontRef idx="minor">
+                <a:schemeClr val="lt1"/>
+              </a:fontRef>
+            </p:style>
+            <p:txBody>
+              <a:bodyPr rtlCol="0" anchor="ctr"/>
+              <a:lstStyle/>
+              <a:p>
+                <a:pPr algn="ctr"/>
+                <a:endParaRPr lang="zh-CN" altLang="en-US" sz="1350">
+                  <a:solidFill>
+                    <a:prstClr val="white"/>
+                  </a:solidFill>
+                </a:endParaRPr>
+              </a:p>
+            </p:txBody>
+          </p:sp>
+          <p:sp>
+            <p:nvSpPr>
+              <p:cNvPr id="12" name="矩形 11"/>
+              <p:cNvSpPr/>
+              <p:nvPr/>
+            </p:nvSpPr>
+            <p:spPr>
+              <a:xfrm>
+                <a:off x="1285643" y="1772435"/>
+                <a:ext cx="2114216" cy="338554"/>
+              </a:xfrm>
+              <a:prstGeom prst="rect">
+                <a:avLst/>
+              </a:prstGeom>
+              <a:solidFill>
+                <a:srgbClr val="183A5D"/>
+              </a:solidFill>
+              <a:ln>
+                <a:noFill/>
+              </a:ln>
+            </p:spPr>
+            <p:style>
+              <a:lnRef idx="2">
+                <a:schemeClr val="accent1">
+                  <a:shade val="50000"/>
+                </a:schemeClr>
+              </a:lnRef>
+              <a:fillRef idx="1">
+                <a:schemeClr val="accent1"/>
+              </a:fillRef>
+              <a:effectRef idx="0">
+                <a:schemeClr val="accent1"/>
+              </a:effectRef>
+              <a:fontRef idx="minor">
+                <a:schemeClr val="lt1"/>
+              </a:fontRef>
+            </p:style>
+            <p:txBody>
+              <a:bodyPr rtlCol="0" anchor="ctr"/>
+              <a:lstStyle/>
+              <a:p>
+                <a:pPr algn="ctr"/>
+                <a:endParaRPr lang="zh-CN" altLang="en-US" sz="2800" dirty="0">
+                  <a:solidFill>
+                    <a:prstClr val="white"/>
+                  </a:solidFill>
+                </a:endParaRPr>
+              </a:p>
+            </p:txBody>
+          </p:sp>
+        </p:grpSp>
+      </p:grpSp>
+      <p:sp>
+        <p:nvSpPr>
+          <p:cNvPr id="8" name="矩形 7"/>
+          <p:cNvSpPr/>
+          <p:nvPr/>
+        </p:nvSpPr>
+        <p:spPr>
+          <a:xfrm>
+            <a:off x="386080" y="1845618"/>
+            <a:ext cx="11037718" cy="4455066"/>
+          </a:xfrm>
+          <a:prstGeom prst="rect">
+            <a:avLst/>
+          </a:prstGeom>
+        </p:spPr>
+        <p:txBody>
+          <a:bodyPr wrap="square">
+            <a:spAutoFit/>
+          </a:bodyPr>
+          <a:lstStyle/>
+          <a:p>
+            <a:pPr indent="457200">
+              <a:lnSpc>
+                <a:spcPct val="150000"/>
+              </a:lnSpc>
+            </a:pPr>
+            <a:r>
+              <a:rPr lang="zh-CN" altLang="en-US" dirty="0"/>
+              <a:t>软件原型可以</a:t>
+            </a:r>
+            <a:r>
+              <a:rPr lang="zh-CN" altLang="en-US" dirty="0">
+                <a:solidFill>
+                  <a:srgbClr val="FF0000"/>
+                </a:solidFill>
+              </a:rPr>
+              <a:t>加快开发进程</a:t>
+            </a:r>
+            <a:r>
+              <a:rPr lang="zh-CN" altLang="en-US" dirty="0" smtClean="0">
+                <a:solidFill>
+                  <a:srgbClr val="FF0000"/>
+                </a:solidFill>
+              </a:rPr>
+              <a:t>、提高</a:t>
+            </a:r>
+            <a:r>
+              <a:rPr lang="zh-CN" altLang="en-US" dirty="0">
+                <a:solidFill>
+                  <a:srgbClr val="FF0000"/>
+                </a:solidFill>
+              </a:rPr>
+              <a:t>客户满意度以及产出高质量的产品</a:t>
+            </a:r>
+            <a:r>
+              <a:rPr lang="zh-CN" altLang="en-US" dirty="0"/>
+              <a:t>。为了在需求过程中高效使用原型，  请遵循以下这些原则</a:t>
+            </a:r>
+            <a:r>
+              <a:rPr lang="zh-CN" altLang="en-US" dirty="0" smtClean="0"/>
+              <a:t>。</a:t>
+            </a:r>
+            <a:endParaRPr lang="en-US" altLang="zh-CN" dirty="0" smtClean="0"/>
+          </a:p>
+          <a:p>
+            <a:pPr marL="342900" indent="-342900">
+              <a:lnSpc>
+                <a:spcPct val="150000"/>
+              </a:lnSpc>
+              <a:buFont typeface="Arial" panose="020B0604020202020204" pitchFamily="34" charset="0"/>
+              <a:buChar char="•"/>
+            </a:pPr>
+            <a:r>
+              <a:rPr lang="zh-CN" altLang="en-US" dirty="0"/>
+              <a:t>在项目计中包含与原型相关的任务。为开发、评估和修改原型安排时间和资源。</a:t>
+            </a:r>
+          </a:p>
+          <a:p>
+            <a:pPr marL="342900" indent="-342900">
+              <a:lnSpc>
+                <a:spcPct val="150000"/>
+              </a:lnSpc>
+              <a:buFont typeface="Arial" panose="020B0604020202020204" pitchFamily="34" charset="0"/>
+              <a:buChar char="•"/>
+            </a:pPr>
+            <a:r>
+              <a:rPr lang="zh-CN" altLang="en-US" dirty="0"/>
+              <a:t>在创建原型之前，</a:t>
+            </a:r>
+            <a:r>
+              <a:rPr lang="zh-CN" altLang="en-US" dirty="0">
+                <a:solidFill>
+                  <a:srgbClr val="FF0000"/>
+                </a:solidFill>
+              </a:rPr>
+              <a:t>注明原型的目的并解释其最终产出</a:t>
+            </a:r>
+            <a:r>
+              <a:rPr lang="en-US" altLang="zh-CN" dirty="0"/>
+              <a:t>:</a:t>
+            </a:r>
+            <a:r>
+              <a:rPr lang="zh-CN" altLang="en-US" dirty="0"/>
+              <a:t>抛并</a:t>
+            </a:r>
+            <a:r>
+              <a:rPr lang="en-US" altLang="zh-CN" dirty="0"/>
+              <a:t>(</a:t>
+            </a:r>
+            <a:r>
+              <a:rPr lang="zh-CN" altLang="en-US" dirty="0"/>
+              <a:t>还是归档</a:t>
+            </a:r>
+            <a:r>
+              <a:rPr lang="en-US" altLang="zh-CN" dirty="0"/>
+              <a:t>)</a:t>
+            </a:r>
+            <a:r>
+              <a:rPr lang="zh-CN" altLang="en-US" dirty="0"/>
+              <a:t>原型，是保留原型所提供的知识，还是在原型基础上继续构建直至成为最终解决方案。保证创建和评估原型的人都明白这些动机</a:t>
+            </a:r>
+            <a:r>
+              <a:rPr lang="zh-CN" altLang="en-US" dirty="0" smtClean="0"/>
+              <a:t>。</a:t>
+            </a:r>
+            <a:endParaRPr lang="en-US" altLang="zh-CN" dirty="0" smtClean="0"/>
+          </a:p>
+          <a:p>
+            <a:pPr marL="342900" indent="-342900">
+              <a:lnSpc>
+                <a:spcPct val="150000"/>
+              </a:lnSpc>
+              <a:buFont typeface="Arial" panose="020B0604020202020204" pitchFamily="34" charset="0"/>
+              <a:buChar char="•"/>
+            </a:pPr>
+            <a:r>
+              <a:rPr lang="zh-CN" altLang="en-US" dirty="0">
+                <a:solidFill>
+                  <a:srgbClr val="FF0000"/>
+                </a:solidFill>
+              </a:rPr>
+              <a:t>做好开发多个原型的计划</a:t>
+            </a:r>
+            <a:r>
+              <a:rPr lang="zh-CN" altLang="en-US" dirty="0"/>
+              <a:t>。</a:t>
+            </a:r>
+            <a:r>
+              <a:rPr lang="zh-CN" altLang="en-US" dirty="0" smtClean="0"/>
+              <a:t>很难一次</a:t>
+            </a:r>
+            <a:r>
+              <a:rPr lang="zh-CN" altLang="en-US" dirty="0"/>
+              <a:t>就能得 到正确的原型，这也正是原型的目的所在</a:t>
+            </a:r>
+            <a:r>
+              <a:rPr lang="en-US" altLang="zh-CN" dirty="0"/>
+              <a:t>!</a:t>
+            </a:r>
+          </a:p>
+          <a:p>
+            <a:pPr marL="342900" indent="-342900">
+              <a:lnSpc>
+                <a:spcPct val="150000"/>
+              </a:lnSpc>
+              <a:buFont typeface="Arial" panose="020B0604020202020204" pitchFamily="34" charset="0"/>
+              <a:buChar char="•"/>
+            </a:pPr>
+            <a:r>
+              <a:rPr lang="zh-CN" altLang="en-US" dirty="0"/>
+              <a:t>创建可抛弃型原型，要</a:t>
+            </a:r>
+            <a:r>
+              <a:rPr lang="zh-CN" altLang="en-US" dirty="0">
+                <a:solidFill>
+                  <a:srgbClr val="FF0000"/>
+                </a:solidFill>
+              </a:rPr>
+              <a:t>尽可能快、成本低。以最少精力完成回答问题</a:t>
+            </a:r>
+            <a:r>
+              <a:rPr lang="zh-CN" altLang="en-US" dirty="0"/>
+              <a:t>或者解决需求中不确定的部分。不要试图把可抛弃型原型做</a:t>
+            </a:r>
+            <a:r>
+              <a:rPr lang="zh-CN" altLang="en-US" dirty="0" smtClean="0"/>
+              <a:t>得尽善尽美。</a:t>
+            </a:r>
+            <a:endParaRPr lang="zh-CN" altLang="en-US" dirty="0"/>
+          </a:p>
+        </p:txBody>
+      </p:sp>
+    </p:spTree>
+    <p:extLst>
+      <p:ext uri="{BB962C8B-B14F-4D97-AF65-F5344CB8AC3E}">
+        <p14:creationId xmlns:p14="http://schemas.microsoft.com/office/powerpoint/2010/main" val="3937484484"/>
+      </p:ext>
+    </p:extLst>
+  </p:cSld>
+  <p:clrMapOvr>
+    <a:masterClrMapping/>
+  </p:clrMapOvr>
+  <p:transition spd="slow" advClick="0" advTm="0">
+    <p:wipe/>
+  </p:transition>
+  <p:timing>
+    <p:tnLst>
+      <p:par>
+        <p:cTn id="1" dur="indefinite" restart="never" nodeType="tmRoot"/>
+      </p:par>
+    </p:tnLst>
+  </p:timing>
+</p:sld>
+</file>
+
+<file path=ppt/slides/slide16.xml><?xml version="1.0" encoding="utf-8"?>
+<p:sld xmlns:a="http://schemas.openxmlformats.org/drawingml/2006/main" xmlns:r="http://schemas.openxmlformats.org/officeDocument/2006/relationships" xmlns:p="http://schemas.openxmlformats.org/presentationml/2006/main">
+  <p:cSld>
+    <p:spTree>
+      <p:nvGrpSpPr>
+        <p:cNvPr id="1" name=""/>
+        <p:cNvGrpSpPr/>
+        <p:nvPr/>
+      </p:nvGrpSpPr>
+      <p:grpSpPr>
+        <a:xfrm>
+          <a:off x="0" y="0"/>
+          <a:ext cx="0" cy="0"/>
+          <a:chOff x="0" y="0"/>
+          <a:chExt cx="0" cy="0"/>
+        </a:xfrm>
+      </p:grpSpPr>
+      <p:sp>
+        <p:nvSpPr>
+          <p:cNvPr id="2" name="矩形 1"/>
+          <p:cNvSpPr/>
+          <p:nvPr/>
+        </p:nvSpPr>
+        <p:spPr>
+          <a:xfrm>
+            <a:off x="237030" y="1171"/>
+            <a:ext cx="1608415" cy="135446"/>
+          </a:xfrm>
+          <a:prstGeom prst="rect">
+            <a:avLst/>
+          </a:prstGeom>
+          <a:solidFill>
+            <a:srgbClr val="183A5D"/>
+          </a:solidFill>
+          <a:ln>
+            <a:noFill/>
+          </a:ln>
+        </p:spPr>
+        <p:style>
+          <a:lnRef idx="2">
+            <a:schemeClr val="accent1">
+              <a:shade val="50000"/>
+            </a:schemeClr>
+          </a:lnRef>
+          <a:fillRef idx="1">
+            <a:schemeClr val="accent1"/>
+          </a:fillRef>
+          <a:effectRef idx="0">
+            <a:schemeClr val="accent1"/>
+          </a:effectRef>
+          <a:fontRef idx="minor">
+            <a:schemeClr val="lt1"/>
+          </a:fontRef>
+        </p:style>
+        <p:txBody>
+          <a:bodyPr rtlCol="0" anchor="ctr"/>
+          <a:lstStyle/>
+          <a:p>
+            <a:pPr algn="ctr"/>
+            <a:endParaRPr lang="zh-CN" altLang="en-US" sz="2800">
+              <a:solidFill>
+                <a:prstClr val="white"/>
+              </a:solidFill>
+            </a:endParaRPr>
+          </a:p>
+        </p:txBody>
+      </p:sp>
+      <p:sp>
+        <p:nvSpPr>
+          <p:cNvPr id="3" name="矩形 2"/>
+          <p:cNvSpPr/>
+          <p:nvPr/>
+        </p:nvSpPr>
+        <p:spPr>
+          <a:xfrm>
+            <a:off x="237030" y="255131"/>
+            <a:ext cx="1608415" cy="406336"/>
+          </a:xfrm>
+          <a:prstGeom prst="rect">
+            <a:avLst/>
+          </a:prstGeom>
+          <a:solidFill>
+            <a:srgbClr val="183A5D"/>
+          </a:solidFill>
+          <a:ln>
+            <a:noFill/>
+          </a:ln>
+        </p:spPr>
+        <p:style>
+          <a:lnRef idx="2">
+            <a:schemeClr val="accent1">
+              <a:shade val="50000"/>
+            </a:schemeClr>
+          </a:lnRef>
+          <a:fillRef idx="1">
+            <a:schemeClr val="accent1"/>
+          </a:fillRef>
+          <a:effectRef idx="0">
+            <a:schemeClr val="accent1"/>
+          </a:effectRef>
+          <a:fontRef idx="minor">
+            <a:schemeClr val="lt1"/>
+          </a:fontRef>
+        </p:style>
+        <p:txBody>
+          <a:bodyPr rtlCol="0" anchor="ctr"/>
+          <a:lstStyle/>
+          <a:p>
+            <a:pPr algn="ctr"/>
+            <a:r>
+              <a:rPr lang="en-US" sz="2400" dirty="0" smtClean="0">
+                <a:solidFill>
+                  <a:prstClr val="white"/>
+                </a:solidFill>
+              </a:rPr>
+              <a:t>7</a:t>
+            </a:r>
+            <a:endParaRPr lang="en-US" sz="2400" dirty="0">
+              <a:solidFill>
+                <a:prstClr val="white"/>
+              </a:solidFill>
+            </a:endParaRPr>
+          </a:p>
+        </p:txBody>
+      </p:sp>
+      <p:sp>
+        <p:nvSpPr>
+          <p:cNvPr id="4" name="文本框 3"/>
+          <p:cNvSpPr txBox="1"/>
+          <p:nvPr/>
+        </p:nvSpPr>
+        <p:spPr>
+          <a:xfrm>
+            <a:off x="2236548" y="136356"/>
+            <a:ext cx="6052718" cy="501650"/>
+          </a:xfrm>
+          <a:prstGeom prst="rect">
+            <a:avLst/>
+          </a:prstGeom>
+          <a:noFill/>
+        </p:spPr>
+        <p:txBody>
+          <a:bodyPr wrap="square" rtlCol="0">
+            <a:spAutoFit/>
+          </a:bodyPr>
+          <a:lstStyle/>
+          <a:p>
+            <a:endParaRPr lang="zh-CN" altLang="en-US" sz="2665" dirty="0">
+              <a:solidFill>
+                <a:srgbClr val="183A5D"/>
+              </a:solidFill>
+              <a:latin typeface="微软雅黑" panose="020B0503020204020204" pitchFamily="34" charset="-122"/>
+              <a:ea typeface="微软雅黑" panose="020B0503020204020204" pitchFamily="34" charset="-122"/>
+            </a:endParaRPr>
+          </a:p>
+        </p:txBody>
+      </p:sp>
+      <p:sp>
+        <p:nvSpPr>
+          <p:cNvPr id="6" name="文本框 5"/>
+          <p:cNvSpPr txBox="1"/>
+          <p:nvPr/>
+        </p:nvSpPr>
+        <p:spPr>
+          <a:xfrm>
+            <a:off x="2226388" y="159851"/>
+            <a:ext cx="6052718" cy="501650"/>
+          </a:xfrm>
+          <a:prstGeom prst="rect">
+            <a:avLst/>
+          </a:prstGeom>
+          <a:noFill/>
+        </p:spPr>
+        <p:txBody>
+          <a:bodyPr wrap="square" rtlCol="0">
+            <a:spAutoFit/>
+          </a:bodyPr>
+          <a:lstStyle/>
+          <a:p>
+            <a:r>
+              <a:rPr lang="zh-CN" altLang="en-US" sz="2665" dirty="0">
+                <a:solidFill>
+                  <a:srgbClr val="183A5D"/>
+                </a:solidFill>
+                <a:latin typeface="微软雅黑" panose="020B0503020204020204" pitchFamily="34" charset="-122"/>
+                <a:ea typeface="微软雅黑" panose="020B0503020204020204" pitchFamily="34" charset="-122"/>
+              </a:rPr>
+              <a:t>界面</a:t>
+            </a:r>
+            <a:r>
+              <a:rPr lang="zh-CN" altLang="en-US" sz="2665" dirty="0" smtClean="0">
+                <a:solidFill>
+                  <a:srgbClr val="183A5D"/>
+                </a:solidFill>
+                <a:latin typeface="微软雅黑" panose="020B0503020204020204" pitchFamily="34" charset="-122"/>
+                <a:ea typeface="微软雅黑" panose="020B0503020204020204" pitchFamily="34" charset="-122"/>
+              </a:rPr>
+              <a:t>原型的成功因素</a:t>
+            </a:r>
+            <a:endParaRPr lang="zh-CN" altLang="en-US" sz="2665" dirty="0">
+              <a:solidFill>
+                <a:srgbClr val="183A5D"/>
+              </a:solidFill>
+              <a:latin typeface="微软雅黑" panose="020B0503020204020204" pitchFamily="34" charset="-122"/>
+              <a:ea typeface="微软雅黑" panose="020B0503020204020204" pitchFamily="34" charset="-122"/>
+            </a:endParaRPr>
+          </a:p>
+        </p:txBody>
+      </p:sp>
+      <p:grpSp>
+        <p:nvGrpSpPr>
+          <p:cNvPr id="7" name="组合 6"/>
+          <p:cNvGrpSpPr/>
+          <p:nvPr/>
+        </p:nvGrpSpPr>
+        <p:grpSpPr>
+          <a:xfrm>
+            <a:off x="236855" y="1269365"/>
+            <a:ext cx="11276966" cy="4896485"/>
+            <a:chOff x="237030" y="1269554"/>
+            <a:chExt cx="7776864" cy="4896544"/>
+          </a:xfrm>
+        </p:grpSpPr>
+        <p:sp>
+          <p:nvSpPr>
+            <p:cNvPr id="5" name="矩形 4"/>
+            <p:cNvSpPr/>
+            <p:nvPr/>
+          </p:nvSpPr>
+          <p:spPr>
+            <a:xfrm>
+              <a:off x="339939" y="2005942"/>
+              <a:ext cx="7673955" cy="491744"/>
+            </a:xfrm>
+            <a:prstGeom prst="rect">
+              <a:avLst/>
+            </a:prstGeom>
+          </p:spPr>
+          <p:txBody>
+            <a:bodyPr wrap="square">
+              <a:spAutoFit/>
+            </a:bodyPr>
+            <a:lstStyle/>
+            <a:p>
+              <a:pPr>
+                <a:lnSpc>
+                  <a:spcPct val="150000"/>
+                </a:lnSpc>
+              </a:pPr>
+              <a:endParaRPr lang="zh-CN" altLang="en-US" sz="2000" dirty="0">
+                <a:solidFill>
+                  <a:srgbClr val="000000"/>
+                </a:solidFill>
+                <a:latin typeface="Verdana" panose="020B0604030504040204" pitchFamily="34" charset="0"/>
+              </a:endParaRPr>
+            </a:p>
+          </p:txBody>
+        </p:sp>
+        <p:grpSp>
+          <p:nvGrpSpPr>
+            <p:cNvPr id="10" name="组合 9"/>
+            <p:cNvGrpSpPr/>
+            <p:nvPr/>
+          </p:nvGrpSpPr>
+          <p:grpSpPr>
+            <a:xfrm>
+              <a:off x="237030" y="1269554"/>
+              <a:ext cx="7776864" cy="4896544"/>
+              <a:chOff x="1285643" y="1772435"/>
+              <a:chExt cx="7135479" cy="3572664"/>
+            </a:xfrm>
+          </p:grpSpPr>
+          <p:sp>
+            <p:nvSpPr>
+              <p:cNvPr id="11" name="矩形 10"/>
+              <p:cNvSpPr/>
+              <p:nvPr/>
+            </p:nvSpPr>
+            <p:spPr>
+              <a:xfrm>
+                <a:off x="1285644" y="2104682"/>
+                <a:ext cx="7135478" cy="3240417"/>
+              </a:xfrm>
+              <a:prstGeom prst="rect">
+                <a:avLst/>
+              </a:prstGeom>
+              <a:noFill/>
+              <a:ln w="12700">
+                <a:solidFill>
+                  <a:srgbClr val="346182"/>
+                </a:solidFill>
+              </a:ln>
+            </p:spPr>
+            <p:style>
+              <a:lnRef idx="2">
+                <a:schemeClr val="accent1">
+                  <a:shade val="50000"/>
+                </a:schemeClr>
+              </a:lnRef>
+              <a:fillRef idx="1">
+                <a:schemeClr val="accent1"/>
+              </a:fillRef>
+              <a:effectRef idx="0">
+                <a:schemeClr val="accent1"/>
+              </a:effectRef>
+              <a:fontRef idx="minor">
+                <a:schemeClr val="lt1"/>
+              </a:fontRef>
+            </p:style>
+            <p:txBody>
+              <a:bodyPr rtlCol="0" anchor="ctr"/>
+              <a:lstStyle/>
+              <a:p>
+                <a:pPr algn="ctr"/>
+                <a:endParaRPr lang="zh-CN" altLang="en-US" sz="1350">
+                  <a:solidFill>
+                    <a:prstClr val="white"/>
+                  </a:solidFill>
+                </a:endParaRPr>
+              </a:p>
+            </p:txBody>
+          </p:sp>
+          <p:sp>
+            <p:nvSpPr>
+              <p:cNvPr id="12" name="矩形 11"/>
+              <p:cNvSpPr/>
+              <p:nvPr/>
+            </p:nvSpPr>
+            <p:spPr>
+              <a:xfrm>
+                <a:off x="1285643" y="1772435"/>
+                <a:ext cx="2114216" cy="338554"/>
+              </a:xfrm>
+              <a:prstGeom prst="rect">
+                <a:avLst/>
+              </a:prstGeom>
+              <a:solidFill>
+                <a:srgbClr val="183A5D"/>
+              </a:solidFill>
+              <a:ln>
+                <a:noFill/>
+              </a:ln>
+            </p:spPr>
+            <p:style>
+              <a:lnRef idx="2">
+                <a:schemeClr val="accent1">
+                  <a:shade val="50000"/>
+                </a:schemeClr>
+              </a:lnRef>
+              <a:fillRef idx="1">
+                <a:schemeClr val="accent1"/>
+              </a:fillRef>
+              <a:effectRef idx="0">
+                <a:schemeClr val="accent1"/>
+              </a:effectRef>
+              <a:fontRef idx="minor">
+                <a:schemeClr val="lt1"/>
+              </a:fontRef>
+            </p:style>
+            <p:txBody>
+              <a:bodyPr rtlCol="0" anchor="ctr"/>
+              <a:lstStyle/>
+              <a:p>
+                <a:pPr algn="ctr"/>
+                <a:endParaRPr lang="zh-CN" altLang="en-US" sz="2800" dirty="0">
+                  <a:solidFill>
+                    <a:prstClr val="white"/>
+                  </a:solidFill>
+                </a:endParaRPr>
+              </a:p>
+            </p:txBody>
+          </p:sp>
+        </p:grpSp>
+      </p:grpSp>
+      <p:sp>
+        <p:nvSpPr>
+          <p:cNvPr id="8" name="矩形 7"/>
+          <p:cNvSpPr/>
+          <p:nvPr/>
+        </p:nvSpPr>
+        <p:spPr>
+          <a:xfrm>
+            <a:off x="386080" y="1845618"/>
+            <a:ext cx="11037718" cy="4455066"/>
+          </a:xfrm>
+          <a:prstGeom prst="rect">
+            <a:avLst/>
+          </a:prstGeom>
+        </p:spPr>
+        <p:txBody>
+          <a:bodyPr wrap="square">
+            <a:spAutoFit/>
+          </a:bodyPr>
+          <a:lstStyle/>
+          <a:p>
+            <a:pPr marL="342900" indent="-342900">
+              <a:lnSpc>
+                <a:spcPct val="150000"/>
+              </a:lnSpc>
+              <a:buFont typeface="Arial" panose="020B0604020202020204" pitchFamily="34" charset="0"/>
+              <a:buChar char="•"/>
+            </a:pPr>
+            <a:r>
+              <a:rPr lang="zh-CN" altLang="en-US" dirty="0"/>
+              <a:t>不要在</a:t>
+            </a:r>
+            <a:r>
+              <a:rPr lang="zh-CN" altLang="en-US" dirty="0" smtClean="0"/>
+              <a:t>可</a:t>
+            </a:r>
+            <a:r>
+              <a:rPr lang="zh-CN" altLang="en-US" dirty="0"/>
+              <a:t>抛弃</a:t>
+            </a:r>
+            <a:r>
+              <a:rPr lang="zh-CN" altLang="en-US" dirty="0" smtClean="0"/>
+              <a:t>型</a:t>
+            </a:r>
+            <a:r>
+              <a:rPr lang="zh-CN" altLang="en-US" dirty="0"/>
+              <a:t>原型中包含输入数据验证、防护性编码技术处理错误代码或大量的代码文档。这样的原型注定是要抛弃的，所以不必投入过多。</a:t>
+            </a:r>
+          </a:p>
+          <a:p>
+            <a:pPr marL="342900" indent="-342900">
+              <a:lnSpc>
+                <a:spcPct val="150000"/>
+              </a:lnSpc>
+              <a:buFont typeface="Arial" panose="020B0604020202020204" pitchFamily="34" charset="0"/>
+              <a:buChar char="•"/>
+            </a:pPr>
+            <a:r>
+              <a:rPr lang="zh-CN" altLang="en-US" dirty="0">
+                <a:solidFill>
+                  <a:srgbClr val="FF0000"/>
+                </a:solidFill>
+              </a:rPr>
+              <a:t>不要对已经理解的需求创建原型</a:t>
+            </a:r>
+            <a:r>
+              <a:rPr lang="zh-CN" altLang="en-US" dirty="0"/>
+              <a:t>，除非需要探究其他设计方案。</a:t>
+            </a:r>
+          </a:p>
+          <a:p>
+            <a:pPr marL="342900" indent="-342900">
+              <a:lnSpc>
+                <a:spcPct val="150000"/>
+              </a:lnSpc>
+              <a:buFont typeface="Arial" panose="020B0604020202020204" pitchFamily="34" charset="0"/>
+              <a:buChar char="•"/>
+            </a:pPr>
+            <a:r>
+              <a:rPr lang="zh-CN" altLang="en-US" dirty="0"/>
+              <a:t>在原型的屏幕显示和报表中，</a:t>
+            </a:r>
+            <a:r>
+              <a:rPr lang="zh-CN" altLang="en-US" dirty="0">
+                <a:solidFill>
+                  <a:srgbClr val="FF0000"/>
+                </a:solidFill>
+              </a:rPr>
+              <a:t>使用合理的数据</a:t>
+            </a:r>
+            <a:r>
+              <a:rPr lang="zh-CN" altLang="en-US" dirty="0"/>
+              <a:t>。评估人员可能被不真实的数据分散注意力，无法注意到原型如何表现真实系统的界面和行为。</a:t>
+            </a:r>
+          </a:p>
+          <a:p>
+            <a:pPr marL="342900" indent="-342900">
+              <a:lnSpc>
+                <a:spcPct val="150000"/>
+              </a:lnSpc>
+              <a:buFont typeface="Arial" panose="020B0604020202020204" pitchFamily="34" charset="0"/>
+              <a:buChar char="•"/>
+            </a:pPr>
+            <a:r>
+              <a:rPr lang="zh-CN" altLang="en-US" dirty="0">
+                <a:solidFill>
+                  <a:srgbClr val="FF0000"/>
+                </a:solidFill>
+              </a:rPr>
+              <a:t>不要指望原型来替代书面需求</a:t>
+            </a:r>
+            <a:r>
+              <a:rPr lang="zh-CN" altLang="en-US" dirty="0"/>
+              <a:t>。原型只表明屏幕后面还有许多功能，而这些功能需要在</a:t>
+            </a:r>
+            <a:r>
+              <a:rPr lang="en-US" altLang="zh-CN" dirty="0"/>
+              <a:t>SRS</a:t>
+            </a:r>
+            <a:r>
+              <a:rPr lang="zh-CN" altLang="en-US" dirty="0"/>
+              <a:t>中记录下来并使其完整、明确和可跟踪。屏幕图不会详细给出数据字段的定义、验证标准以及不同字段之间的关系</a:t>
+            </a:r>
+            <a:r>
+              <a:rPr lang="en-US" altLang="zh-CN" dirty="0"/>
+              <a:t>(</a:t>
+            </a:r>
+            <a:r>
+              <a:rPr lang="zh-CN" altLang="en-US" dirty="0"/>
+              <a:t>比如些界面控件只有在用户对其他控件做出某些选择时才可以展示</a:t>
+            </a:r>
+            <a:r>
+              <a:rPr lang="en-US" altLang="zh-CN" dirty="0"/>
+              <a:t>)</a:t>
+            </a:r>
+            <a:r>
+              <a:rPr lang="zh-CN" altLang="en-US" dirty="0"/>
+              <a:t>，异常处理、业务规则以及其他必要的信息</a:t>
+            </a:r>
+            <a:r>
+              <a:rPr lang="zh-CN" altLang="en-US" dirty="0" smtClean="0"/>
+              <a:t>。</a:t>
+            </a:r>
+            <a:endParaRPr lang="zh-CN" altLang="en-US" dirty="0"/>
+          </a:p>
+        </p:txBody>
+      </p:sp>
+    </p:spTree>
+    <p:extLst>
+      <p:ext uri="{BB962C8B-B14F-4D97-AF65-F5344CB8AC3E}">
+        <p14:creationId xmlns:p14="http://schemas.microsoft.com/office/powerpoint/2010/main" val="13619835"/>
+      </p:ext>
+    </p:extLst>
+  </p:cSld>
+  <p:clrMapOvr>
+    <a:masterClrMapping/>
+  </p:clrMapOvr>
+  <p:transition spd="slow" advClick="0" advTm="0">
+    <p:wipe/>
+  </p:transition>
+  <p:timing>
+    <p:tnLst>
+      <p:par>
+        <p:cTn id="1" dur="indefinite" restart="never" nodeType="tmRoot"/>
+      </p:par>
+    </p:tnLst>
+  </p:timing>
+</p:sld>
+</file>
+
+<file path=ppt/slides/slide17.xml><?xml version="1.0" encoding="utf-8"?>
+<p:sld xmlns:a="http://schemas.openxmlformats.org/drawingml/2006/main" xmlns:r="http://schemas.openxmlformats.org/officeDocument/2006/relationships" xmlns:p="http://schemas.openxmlformats.org/presentationml/2006/main">
+  <p:cSld>
+    <p:spTree>
+      <p:nvGrpSpPr>
+        <p:cNvPr id="1" name=""/>
+        <p:cNvGrpSpPr/>
+        <p:nvPr/>
+      </p:nvGrpSpPr>
+      <p:grpSpPr>
+        <a:xfrm>
+          <a:off x="0" y="0"/>
+          <a:ext cx="0" cy="0"/>
+          <a:chOff x="0" y="0"/>
+          <a:chExt cx="0" cy="0"/>
+        </a:xfrm>
+      </p:grpSpPr>
+      <p:sp>
+        <p:nvSpPr>
           <p:cNvPr id="36" name="矩形 35"/>
           <p:cNvSpPr/>
           <p:nvPr/>
@@ -4376,7 +8242,7 @@
         </p:nvGraphicFramePr>
         <p:xfrm>
           <a:off x="3934967" y="1629594"/>
-          <a:ext cx="6984474" cy="3977640"/>
+          <a:ext cx="6984474" cy="2606040"/>
         </p:xfrm>
         <a:graphic>
           <a:graphicData uri="http://schemas.openxmlformats.org/drawingml/2006/table">
@@ -4418,11 +8284,6 @@
                         </a:rPr>
                         <a:t>UML用户指南（第2版·修订版）</a:t>
                       </a:r>
-                      <a:endParaRPr sz="2400" b="0" dirty="0" smtClean="0">
-                        <a:solidFill>
-                          <a:schemeClr val="tx1"/>
-                        </a:solidFill>
-                      </a:endParaRPr>
                     </a:p>
                     <a:p>
                       <a:pPr algn="l">
@@ -4498,11 +8359,6 @@
                         </a:rPr>
                         <a:t>Ivar Jacobson</a:t>
                       </a:r>
-                      <a:endParaRPr lang="en-US" altLang="zh-CN" sz="2400" b="0" dirty="0" smtClean="0">
-                        <a:solidFill>
-                          <a:schemeClr val="tx1"/>
-                        </a:solidFill>
-                      </a:endParaRPr>
                     </a:p>
                     <a:p>
                       <a:pPr algn="l"/>
@@ -4570,11 +8426,6 @@
                         </a:rPr>
                         <a:t>版</a:t>
                       </a:r>
-                      <a:endParaRPr lang="zh-CN" altLang="en-US" sz="2400" b="0" dirty="0" smtClean="0">
-                        <a:solidFill>
-                          <a:schemeClr val="tx1"/>
-                        </a:solidFill>
-                      </a:endParaRPr>
                     </a:p>
                   </a:txBody>
                   <a:tcPr>
@@ -4604,11 +8455,6 @@
                         </a:rPr>
                         <a:t>UML2基础、建模与设计教程</a:t>
                       </a:r>
-                      <a:endParaRPr dirty="0" smtClean="0">
-                        <a:solidFill>
-                          <a:schemeClr val="tx1"/>
-                        </a:solidFill>
-                      </a:endParaRPr>
                     </a:p>
                   </a:txBody>
                   <a:tcPr/>
@@ -4692,13 +8538,13 @@
   <p:clrMapOvr>
     <a:masterClrMapping/>
   </p:clrMapOvr>
-  <mc:AlternateContent xmlns:mc="http://schemas.openxmlformats.org/markup-compatibility/2006">
-    <mc:Choice xmlns:p14="http://schemas.microsoft.com/office/powerpoint/2010/main" Requires="p14">
+  <mc:AlternateContent xmlns:mc="http://schemas.openxmlformats.org/markup-compatibility/2006" xmlns:p14="http://schemas.microsoft.com/office/powerpoint/2010/main">
+    <mc:Choice Requires="p14">
       <p:transition spd="slow" p14:dur="1200" advClick="0" advTm="0">
         <p14:prism/>
       </p:transition>
     </mc:Choice>
-    <mc:Fallback>
+    <mc:Fallback xmlns="">
       <p:transition spd="slow" advClick="0" advTm="0">
         <p:fade/>
       </p:transition>
@@ -4966,7 +8812,7 @@
 </p:sld>
 </file>
 
-<file path=ppt/slides/slide11.xml><?xml version="1.0" encoding="utf-8"?>
+<file path=ppt/slides/slide18.xml><?xml version="1.0" encoding="utf-8"?>
 <p:sld xmlns:a="http://schemas.openxmlformats.org/drawingml/2006/main" xmlns:r="http://schemas.openxmlformats.org/officeDocument/2006/relationships" xmlns:p="http://schemas.openxmlformats.org/presentationml/2006/main">
   <p:cSld>
     <p:spTree>
@@ -5076,13 +8922,6 @@
               </a:rPr>
               <a:t>绩效考评与分工</a:t>
             </a:r>
-            <a:endParaRPr lang="zh-CN" altLang="en-US" sz="3200" b="1" dirty="0" smtClean="0">
-              <a:solidFill>
-                <a:schemeClr val="bg1"/>
-              </a:solidFill>
-              <a:latin typeface="微软雅黑" panose="020B0503020204020204" pitchFamily="34" charset="-122"/>
-              <a:ea typeface="微软雅黑" panose="020B0503020204020204" pitchFamily="34" charset="-122"/>
-            </a:endParaRPr>
           </a:p>
         </p:txBody>
       </p:sp>
@@ -5094,7 +8933,7 @@
         </p:nvGraphicFramePr>
         <p:xfrm>
           <a:off x="3181985" y="459740"/>
-          <a:ext cx="7771130" cy="4192270"/>
+          <a:ext cx="7771130" cy="3717290"/>
         </p:xfrm>
         <a:graphic>
           <a:graphicData uri="http://schemas.openxmlformats.org/drawingml/2006/table">
@@ -5124,11 +8963,6 @@
                         </a:rPr>
                         <a:t>黄为波</a:t>
                       </a:r>
-                      <a:endParaRPr lang="zh-CN" altLang="en-US" b="0" dirty="0">
-                        <a:solidFill>
-                          <a:schemeClr val="tx1"/>
-                        </a:solidFill>
-                      </a:endParaRPr>
                     </a:p>
                   </a:txBody>
                   <a:tcPr>
@@ -5178,11 +9012,6 @@
                         </a:rPr>
                         <a:t>9.4</a:t>
                       </a:r>
-                      <a:endParaRPr lang="en-US" altLang="zh-CN" sz="2400" b="0" dirty="0" smtClean="0">
-                        <a:solidFill>
-                          <a:schemeClr val="tx1"/>
-                        </a:solidFill>
-                      </a:endParaRPr>
                     </a:p>
                   </a:txBody>
                   <a:tcPr>
@@ -5212,11 +9041,6 @@
                         </a:rPr>
                         <a:t>苏雨豪</a:t>
                       </a:r>
-                      <a:endParaRPr lang="zh-CN" altLang="en-US" dirty="0" smtClean="0">
-                        <a:solidFill>
-                          <a:schemeClr val="tx1"/>
-                        </a:solidFill>
-                      </a:endParaRPr>
                     </a:p>
                   </a:txBody>
                   <a:tcPr/>
@@ -5245,11 +9069,6 @@
                         </a:rPr>
                         <a:t>制作</a:t>
                       </a:r>
-                      <a:endParaRPr lang="zh-CN" altLang="en-US" dirty="0" smtClean="0">
-                        <a:solidFill>
-                          <a:schemeClr val="tx1"/>
-                        </a:solidFill>
-                      </a:endParaRPr>
                     </a:p>
                   </a:txBody>
                   <a:tcPr/>
@@ -5270,11 +9089,6 @@
                         </a:rPr>
                         <a:t>9.5</a:t>
                       </a:r>
-                      <a:endParaRPr lang="en-US" altLang="zh-CN" dirty="0" smtClean="0">
-                        <a:solidFill>
-                          <a:schemeClr val="tx1"/>
-                        </a:solidFill>
-                      </a:endParaRPr>
                     </a:p>
                   </a:txBody>
                   <a:tcPr/>
@@ -5297,11 +9111,6 @@
                         </a:rPr>
                         <a:t>陈子卿</a:t>
                       </a:r>
-                      <a:endParaRPr lang="zh-CN" dirty="0" smtClean="0">
-                        <a:solidFill>
-                          <a:schemeClr val="tx1"/>
-                        </a:solidFill>
-                      </a:endParaRPr>
                     </a:p>
                   </a:txBody>
                   <a:tcPr>
@@ -5329,11 +9138,6 @@
                         </a:rPr>
                         <a:t>负责1.1-1.3的PPT制作，</a:t>
                       </a:r>
-                      <a:endParaRPr lang="zh-CN" altLang="en-US" dirty="0" smtClean="0">
-                        <a:solidFill>
-                          <a:schemeClr val="tx1"/>
-                        </a:solidFill>
-                      </a:endParaRPr>
                     </a:p>
                     <a:p>
                       <a:pPr algn="l">
@@ -5347,11 +9151,6 @@
                         </a:rPr>
                         <a:t>1.4 uml结构ppt的制作</a:t>
                       </a:r>
-                      <a:endParaRPr lang="zh-CN" altLang="en-US" dirty="0" smtClean="0">
-                        <a:solidFill>
-                          <a:schemeClr val="tx1"/>
-                        </a:solidFill>
-                      </a:endParaRPr>
                     </a:p>
                   </a:txBody>
                   <a:tcPr>
@@ -5379,11 +9178,6 @@
                         </a:rPr>
                         <a:t>9.7</a:t>
                       </a:r>
-                      <a:endParaRPr lang="en-US" altLang="zh-CN" dirty="0" smtClean="0">
-                        <a:solidFill>
-                          <a:schemeClr val="tx1"/>
-                        </a:solidFill>
-                      </a:endParaRPr>
                     </a:p>
                   </a:txBody>
                   <a:tcPr>
@@ -5413,11 +9207,6 @@
                         </a:rPr>
                         <a:t>蔡峰</a:t>
                       </a:r>
-                      <a:endParaRPr lang="zh-CN" altLang="en-US" dirty="0" smtClean="0">
-                        <a:solidFill>
-                          <a:schemeClr val="tx1"/>
-                        </a:solidFill>
-                      </a:endParaRPr>
                     </a:p>
                   </a:txBody>
                   <a:tcPr>
@@ -5461,11 +9250,6 @@
                         </a:rPr>
                         <a:t>系统开发阶段</a:t>
                       </a:r>
-                      <a:endParaRPr lang="zh-CN" altLang="en-US" dirty="0" smtClean="0">
-                        <a:solidFill>
-                          <a:schemeClr val="tx1"/>
-                        </a:solidFill>
-                      </a:endParaRPr>
                     </a:p>
                   </a:txBody>
                   <a:tcPr>
@@ -5539,11 +9323,6 @@
                         </a:rPr>
                         <a:t>江亮儒</a:t>
                       </a:r>
-                      <a:endParaRPr lang="zh-CN" altLang="en-US" dirty="0" smtClean="0">
-                        <a:solidFill>
-                          <a:schemeClr val="tx1"/>
-                        </a:solidFill>
-                      </a:endParaRPr>
                     </a:p>
                   </a:txBody>
                   <a:tcPr>
@@ -5571,11 +9350,6 @@
                         </a:rPr>
                         <a:t>负责uml的图ppt</a:t>
                       </a:r>
-                      <a:endParaRPr lang="zh-CN" altLang="en-US" dirty="0" smtClean="0">
-                        <a:solidFill>
-                          <a:schemeClr val="tx1"/>
-                        </a:solidFill>
-                      </a:endParaRPr>
                     </a:p>
                   </a:txBody>
                   <a:tcPr>
@@ -5603,11 +9377,6 @@
                         </a:rPr>
                         <a:t>9.5</a:t>
                       </a:r>
-                      <a:endParaRPr lang="en-US" altLang="zh-CN" dirty="0" smtClean="0">
-                        <a:solidFill>
-                          <a:schemeClr val="tx1"/>
-                        </a:solidFill>
-                      </a:endParaRPr>
                     </a:p>
                   </a:txBody>
                   <a:tcPr>
@@ -5629,13 +9398,13 @@
   <p:clrMapOvr>
     <a:masterClrMapping/>
   </p:clrMapOvr>
-  <mc:AlternateContent xmlns:mc="http://schemas.openxmlformats.org/markup-compatibility/2006">
-    <mc:Choice xmlns:p14="http://schemas.microsoft.com/office/powerpoint/2010/main" Requires="p14">
+  <mc:AlternateContent xmlns:mc="http://schemas.openxmlformats.org/markup-compatibility/2006" xmlns:p14="http://schemas.microsoft.com/office/powerpoint/2010/main">
+    <mc:Choice Requires="p14">
       <p:transition spd="slow" p14:dur="1200" advClick="0" advTm="0">
         <p14:prism/>
       </p:transition>
     </mc:Choice>
-    <mc:Fallback>
+    <mc:Fallback xmlns="">
       <p:transition spd="slow" advClick="0" advTm="0">
         <p:fade/>
       </p:transition>
@@ -5903,7 +9672,7 @@
 </p:sld>
 </file>
 
-<file path=ppt/slides/slide12.xml><?xml version="1.0" encoding="utf-8"?>
+<file path=ppt/slides/slide19.xml><?xml version="1.0" encoding="utf-8"?>
 <p:sld xmlns:a="http://schemas.openxmlformats.org/drawingml/2006/main" xmlns:r="http://schemas.openxmlformats.org/officeDocument/2006/relationships" xmlns:p="http://schemas.openxmlformats.org/presentationml/2006/main">
   <p:cSld>
     <p:spTree>
@@ -6519,16 +10288,6 @@
               </a:rPr>
               <a:t>汇报结束 感谢观看</a:t>
             </a:r>
-            <a:endParaRPr lang="zh-CN" altLang="en-US" sz="3600" b="1" dirty="0">
-              <a:solidFill>
-                <a:schemeClr val="tx1">
-                  <a:lumMod val="75000"/>
-                  <a:lumOff val="25000"/>
-                </a:schemeClr>
-              </a:solidFill>
-              <a:latin typeface="微软雅黑" panose="020B0503020204020204" pitchFamily="34" charset="-122"/>
-              <a:ea typeface="微软雅黑" panose="020B0503020204020204" pitchFamily="34" charset="-122"/>
-            </a:endParaRPr>
           </a:p>
         </p:txBody>
       </p:sp>
@@ -6690,16 +10449,16 @@
             <a:picLocks noChangeAspect="1"/>
           </p:cNvPicPr>
           <p:nvPr>
-            <a:audioFile r:link="rId1"/>
+            <a:audioFile r:link="rId2"/>
             <p:extLst>
               <p:ext uri="{DAA4B4D4-6D71-4841-9C94-3DE7FCFB9230}">
-                <p14:media xmlns:p14="http://schemas.microsoft.com/office/powerpoint/2010/main" r:embed="rId2"/>
+                <p14:media xmlns:p14="http://schemas.microsoft.com/office/powerpoint/2010/main" r:embed="rId1"/>
               </p:ext>
             </p:extLst>
           </p:nvPr>
         </p:nvPicPr>
         <p:blipFill>
-          <a:blip r:embed="rId3"/>
+          <a:blip r:embed="rId5"/>
           <a:stretch>
             <a:fillRect/>
           </a:stretch>
@@ -6747,14 +10506,6 @@
               </a:rPr>
               <a:t>浙江大学城市学院</a:t>
             </a:r>
-            <a:endParaRPr lang="zh-CN" altLang="en-US" kern="300" spc="2000">
-              <a:solidFill>
-                <a:schemeClr val="tx1"/>
-              </a:solidFill>
-              <a:uFillTx/>
-              <a:latin typeface="+中文标题" charset="0"/>
-              <a:ea typeface="+mj-ea"/>
-            </a:endParaRPr>
           </a:p>
         </p:txBody>
       </p:sp>
@@ -6763,13 +10514,13 @@
   <p:clrMapOvr>
     <a:masterClrMapping/>
   </p:clrMapOvr>
-  <mc:AlternateContent xmlns:mc="http://schemas.openxmlformats.org/markup-compatibility/2006">
-    <mc:Choice xmlns:p14="http://schemas.microsoft.com/office/powerpoint/2010/main" Requires="p14">
+  <mc:AlternateContent xmlns:mc="http://schemas.openxmlformats.org/markup-compatibility/2006" xmlns:p14="http://schemas.microsoft.com/office/powerpoint/2010/main">
+    <mc:Choice Requires="p14">
       <p:transition spd="slow" p14:dur="1600" advClick="0" advTm="0">
         <p:blinds dir="vert"/>
       </p:transition>
     </mc:Choice>
-    <mc:Fallback>
+    <mc:Fallback xmlns="">
       <p:transition spd="slow" advClick="0" advTm="0">
         <p:blinds dir="vert"/>
       </p:transition>
@@ -8008,6 +11759,7 @@
         </p:style>
         <p:txBody>
           <a:bodyPr lIns="121960" tIns="60980" rIns="121960" bIns="60980" anchor="ctr"/>
+          <a:lstStyle/>
           <a:p>
             <a:pPr algn="ctr">
               <a:defRPr/>
@@ -8088,6 +11840,7 @@
           </p:style>
           <p:txBody>
             <a:bodyPr lIns="121960" tIns="60980" rIns="121960" bIns="60980" anchor="ctr"/>
+            <a:lstStyle/>
             <a:p>
               <a:pPr algn="ctr">
                 <a:defRPr/>
@@ -8119,6 +11872,7 @@
             <a:bodyPr wrap="square" lIns="121960" tIns="60980" rIns="121960" bIns="60980">
               <a:spAutoFit/>
             </a:bodyPr>
+            <a:lstStyle/>
             <a:p>
               <a:pPr>
                 <a:defRPr/>
@@ -8134,14 +11888,6 @@
                 </a:rPr>
                 <a:t>为什么会有界面原型</a:t>
               </a:r>
-              <a:endParaRPr lang="zh-CN" sz="2000" b="1" kern="100" dirty="0">
-                <a:solidFill>
-                  <a:schemeClr val="bg1"/>
-                </a:solidFill>
-                <a:latin typeface="微软雅黑" panose="020B0503020204020204" pitchFamily="34" charset="-122"/>
-                <a:ea typeface="微软雅黑" panose="020B0503020204020204" pitchFamily="34" charset="-122"/>
-                <a:cs typeface="Times New Roman" panose="02020603050405020304" pitchFamily="18" charset="0"/>
-              </a:endParaRPr>
             </a:p>
           </p:txBody>
         </p:sp>
@@ -9462,13 +13208,13 @@
   <p:clrMapOvr>
     <a:masterClrMapping/>
   </p:clrMapOvr>
-  <mc:AlternateContent xmlns:mc="http://schemas.openxmlformats.org/markup-compatibility/2006">
-    <mc:Choice xmlns:p14="http://schemas.microsoft.com/office/powerpoint/2010/main" Requires="p14">
+  <mc:AlternateContent xmlns:mc="http://schemas.openxmlformats.org/markup-compatibility/2006" xmlns:p14="http://schemas.microsoft.com/office/powerpoint/2010/main">
+    <mc:Choice Requires="p14">
       <p:transition spd="slow" p14:dur="1200" advClick="0" advTm="0">
         <p14:prism/>
       </p:transition>
     </mc:Choice>
-    <mc:Fallback>
+    <mc:Fallback xmlns="">
       <p:transition spd="slow" advClick="0" advTm="0">
         <p:fade/>
       </p:transition>
@@ -11199,13 +14945,6 @@
               </a:rPr>
               <a:t>引言：什么是界面原型</a:t>
             </a:r>
-            <a:endParaRPr lang="zh-CN" sz="2665" dirty="0">
-              <a:solidFill>
-                <a:srgbClr val="183A5D"/>
-              </a:solidFill>
-              <a:latin typeface="微软雅黑" panose="020B0503020204020204" pitchFamily="34" charset="-122"/>
-              <a:ea typeface="微软雅黑" panose="020B0503020204020204" pitchFamily="34" charset="-122"/>
-            </a:endParaRPr>
           </a:p>
         </p:txBody>
       </p:sp>
@@ -11390,6 +15129,25 @@
               </a:rPr>
               <a:t>UI即 User Interface(用户界面)的简称。UI设计则是指对软件的人机交互、操作逻辑、界面美观的整体设计。好的UI设计不仅是让软件变得有个性有品味，还要让软件的操作变得舒适、简单、自由,充分体现软件的定位和特点。</a:t>
             </a:r>
+          </a:p>
+          <a:p>
+            <a:pPr lvl="0"/>
+            <a:r>
+              <a:rPr lang="zh-CN" altLang="en-US" sz="2400" dirty="0">
+                <a:ln/>
+                <a:solidFill>
+                  <a:srgbClr val="0070C0"/>
+                </a:solidFill>
+                <a:effectLst>
+                  <a:outerShdw blurRad="38100" dist="19050" dir="2700000" algn="tl" rotWithShape="0">
+                    <a:schemeClr val="dk1">
+                      <a:alpha val="40000"/>
+                    </a:schemeClr>
+                  </a:outerShdw>
+                </a:effectLst>
+              </a:rPr>
+              <a:t>原型（prototype）</a:t>
+            </a:r>
             <a:endParaRPr lang="zh-CN" altLang="en-US" sz="2400" dirty="0">
               <a:ln/>
               <a:solidFill>
@@ -11407,38 +15165,6 @@
           <a:p>
             <a:pPr lvl="0"/>
             <a:r>
-              <a:rPr lang="zh-CN" altLang="en-US" sz="2400" dirty="0">
-                <a:ln/>
-                <a:solidFill>
-                  <a:srgbClr val="0070C0"/>
-                </a:solidFill>
-                <a:effectLst>
-                  <a:outerShdw blurRad="38100" dist="19050" dir="2700000" algn="tl" rotWithShape="0">
-                    <a:schemeClr val="dk1">
-                      <a:alpha val="40000"/>
-                    </a:schemeClr>
-                  </a:outerShdw>
-                </a:effectLst>
-              </a:rPr>
-              <a:t>原型（prototype）</a:t>
-            </a:r>
-            <a:endParaRPr lang="zh-CN" altLang="en-US" sz="2400" dirty="0">
-              <a:ln/>
-              <a:solidFill>
-                <a:schemeClr val="tx1"/>
-              </a:solidFill>
-              <a:effectLst>
-                <a:outerShdw blurRad="38100" dist="19050" dir="2700000" algn="tl" rotWithShape="0">
-                  <a:schemeClr val="dk1">
-                    <a:alpha val="40000"/>
-                  </a:schemeClr>
-                </a:outerShdw>
-              </a:effectLst>
-            </a:endParaRPr>
-          </a:p>
-          <a:p>
-            <a:pPr lvl="0"/>
-            <a:r>
               <a:rPr lang="en-US" altLang="zh-CN" sz="2400" dirty="0">
                 <a:ln/>
                 <a:solidFill>
@@ -11470,19 +15196,6 @@
               </a:rPr>
               <a:t>即把系统主要功能和接口通过快速开发制作为“软件样机”（或者静态稿）以可视化的形式展现给用户，及时征求用户意见，从而明确无误地确定用户需求。</a:t>
             </a:r>
-            <a:endParaRPr lang="zh-CN" altLang="en-US" sz="2400" dirty="0">
-              <a:ln/>
-              <a:solidFill>
-                <a:schemeClr val="tx1"/>
-              </a:solidFill>
-              <a:effectLst>
-                <a:outerShdw blurRad="38100" dist="19050" dir="2700000" algn="tl" rotWithShape="0">
-                  <a:schemeClr val="dk1">
-                    <a:alpha val="40000"/>
-                  </a:schemeClr>
-                </a:outerShdw>
-              </a:effectLst>
-            </a:endParaRPr>
           </a:p>
           <a:p>
             <a:pPr lvl="0"/>
@@ -11518,19 +15231,6 @@
               </a:rPr>
               <a:t>原型也可用于征求内部意见，作为分析和设计的接口之一，可方便于沟通。</a:t>
             </a:r>
-            <a:endParaRPr lang="zh-CN" altLang="en-US" sz="2400" dirty="0">
-              <a:ln/>
-              <a:solidFill>
-                <a:schemeClr val="tx1"/>
-              </a:solidFill>
-              <a:effectLst>
-                <a:outerShdw blurRad="38100" dist="19050" dir="2700000" algn="tl" rotWithShape="0">
-                  <a:schemeClr val="dk1">
-                    <a:alpha val="40000"/>
-                  </a:schemeClr>
-                </a:outerShdw>
-              </a:effectLst>
-            </a:endParaRPr>
           </a:p>
           <a:p>
             <a:pPr lvl="0"/>
@@ -11614,19 +15314,6 @@
               </a:rPr>
               <a:t>2018-11-3 9:48</a:t>
             </a:r>
-            <a:endParaRPr lang="en-US" altLang="zh-CN" sz="2400" dirty="0">
-              <a:ln/>
-              <a:solidFill>
-                <a:schemeClr val="tx1"/>
-              </a:solidFill>
-              <a:effectLst>
-                <a:outerShdw blurRad="38100" dist="19050" dir="2700000" algn="tl" rotWithShape="0">
-                  <a:schemeClr val="dk1">
-                    <a:alpha val="40000"/>
-                  </a:schemeClr>
-                </a:outerShdw>
-              </a:effectLst>
-            </a:endParaRPr>
           </a:p>
         </p:txBody>
       </p:sp>
@@ -12366,13 +16053,6 @@
                 </a:rPr>
                 <a:t>什么是界面原型设计：</a:t>
               </a:r>
-              <a:endParaRPr lang="zh-CN" altLang="en-US" sz="2800" b="0" i="0" dirty="0">
-                <a:solidFill>
-                  <a:srgbClr val="000000"/>
-                </a:solidFill>
-                <a:effectLst/>
-                <a:latin typeface="Verdana" panose="020B0604030504040204" pitchFamily="34" charset="0"/>
-              </a:endParaRPr>
             </a:p>
             <a:p>
               <a:pPr fontAlgn="auto">
@@ -12420,13 +16100,6 @@
                 </a:rPr>
                 <a:t>。</a:t>
               </a:r>
-              <a:endParaRPr lang="zh-CN" altLang="en-US" sz="2800" b="0" i="0" dirty="0">
-                <a:solidFill>
-                  <a:srgbClr val="000000"/>
-                </a:solidFill>
-                <a:effectLst/>
-                <a:latin typeface="Verdana" panose="020B0604030504040204" pitchFamily="34" charset="0"/>
-              </a:endParaRPr>
             </a:p>
             <a:p>
               <a:pPr fontAlgn="auto">
@@ -12474,13 +16147,6 @@
                 </a:rPr>
                 <a:t>。</a:t>
               </a:r>
-              <a:endParaRPr lang="zh-CN" altLang="en-US" sz="2800" b="0" i="0" dirty="0">
-                <a:solidFill>
-                  <a:srgbClr val="000000"/>
-                </a:solidFill>
-                <a:effectLst/>
-                <a:latin typeface="Verdana" panose="020B0604030504040204" pitchFamily="34" charset="0"/>
-              </a:endParaRPr>
             </a:p>
             <a:p>
               <a:pPr fontAlgn="auto">
@@ -12528,13 +16194,6 @@
                 </a:rPr>
                 <a:t>会贯穿整个产品。</a:t>
               </a:r>
-              <a:endParaRPr lang="zh-CN" altLang="en-US" sz="2800" b="0" i="0" dirty="0">
-                <a:solidFill>
-                  <a:srgbClr val="000000"/>
-                </a:solidFill>
-                <a:effectLst/>
-                <a:latin typeface="Verdana" panose="020B0604030504040204" pitchFamily="34" charset="0"/>
-              </a:endParaRPr>
             </a:p>
             <a:p>
               <a:pPr fontAlgn="auto">
@@ -13011,12 +16670,6 @@
                 </a:rPr>
                 <a:t>下列角色使用用户界面原型：</a:t>
               </a:r>
-              <a:endParaRPr lang="zh-CN" sz="2800" dirty="0">
-                <a:solidFill>
-                  <a:srgbClr val="000000"/>
-                </a:solidFill>
-                <a:latin typeface="Verdana" panose="020B0604030504040204" pitchFamily="34" charset="0"/>
-              </a:endParaRPr>
             </a:p>
             <a:p>
               <a:pPr fontAlgn="auto">
@@ -13042,12 +16695,6 @@
                 </a:rPr>
                 <a:t>，用来了解用例的用户界面；</a:t>
               </a:r>
-              <a:endParaRPr lang="zh-CN" sz="2800" dirty="0">
-                <a:solidFill>
-                  <a:srgbClr val="000000"/>
-                </a:solidFill>
-                <a:latin typeface="Verdana" panose="020B0604030504040204" pitchFamily="34" charset="0"/>
-              </a:endParaRPr>
             </a:p>
             <a:p>
               <a:pPr fontAlgn="auto">
@@ -13073,12 +16720,6 @@
                 </a:rPr>
                 <a:t>，用来了解用户界面如何影响系统分析；</a:t>
               </a:r>
-              <a:endParaRPr lang="zh-CN" sz="2800" dirty="0">
-                <a:solidFill>
-                  <a:srgbClr val="000000"/>
-                </a:solidFill>
-                <a:latin typeface="Verdana" panose="020B0604030504040204" pitchFamily="34" charset="0"/>
-              </a:endParaRPr>
             </a:p>
             <a:p>
               <a:pPr fontAlgn="auto">
@@ -13104,12 +16745,6 @@
                 </a:rPr>
                 <a:t>，用来了解用户界面如何施加影响及它对系统“内部”的要求；</a:t>
               </a:r>
-              <a:endParaRPr lang="zh-CN" sz="2800" dirty="0">
-                <a:solidFill>
-                  <a:srgbClr val="000000"/>
-                </a:solidFill>
-                <a:latin typeface="Verdana" panose="020B0604030504040204" pitchFamily="34" charset="0"/>
-              </a:endParaRPr>
             </a:p>
             <a:p>
               <a:pPr fontAlgn="auto">
@@ -13519,12 +17154,6 @@
                 </a:rPr>
                 <a:t> 可建立三种基本原型：</a:t>
               </a:r>
-              <a:endParaRPr lang="zh-CN" sz="2800" dirty="0">
-                <a:solidFill>
-                  <a:srgbClr val="000000"/>
-                </a:solidFill>
-                <a:latin typeface="Verdana" panose="020B0604030504040204" pitchFamily="34" charset="0"/>
-              </a:endParaRPr>
             </a:p>
             <a:p>
               <a:endParaRPr lang="zh-CN" sz="2800" dirty="0">
@@ -13544,12 +17173,6 @@
                 </a:rPr>
                 <a:t>     图纸（在纸上）</a:t>
               </a:r>
-              <a:endParaRPr lang="zh-CN" sz="2800" dirty="0">
-                <a:solidFill>
-                  <a:srgbClr val="000000"/>
-                </a:solidFill>
-                <a:latin typeface="Verdana" panose="020B0604030504040204" pitchFamily="34" charset="0"/>
-              </a:endParaRPr>
             </a:p>
             <a:p>
               <a:endParaRPr lang="zh-CN" sz="2800" dirty="0">
@@ -13748,7 +17371,7 @@
           <p:nvPr/>
         </p:nvPicPr>
         <p:blipFill>
-          <a:blip r:embed="rId1"/>
+          <a:blip r:embed="rId2"/>
           <a:stretch>
             <a:fillRect/>
           </a:stretch>
@@ -14020,12 +17643,6 @@
                 </a:rPr>
                 <a:t>     </a:t>
               </a:r>
-              <a:endParaRPr lang="zh-CN" sz="2800" dirty="0">
-                <a:solidFill>
-                  <a:srgbClr val="000000"/>
-                </a:solidFill>
-                <a:latin typeface="Verdana" panose="020B0604030504040204" pitchFamily="34" charset="0"/>
-              </a:endParaRPr>
             </a:p>
             <a:p>
               <a:r>
@@ -14037,12 +17654,6 @@
                 </a:rPr>
                 <a:t>     位图（绘图工具）</a:t>
               </a:r>
-              <a:endParaRPr lang="zh-CN" sz="2800" dirty="0">
-                <a:solidFill>
-                  <a:srgbClr val="000000"/>
-                </a:solidFill>
-                <a:latin typeface="Verdana" panose="020B0604030504040204" pitchFamily="34" charset="0"/>
-              </a:endParaRPr>
             </a:p>
             <a:p>
               <a:endParaRPr lang="zh-CN" dirty="0">
@@ -14180,7 +17791,7 @@
           <p:nvPr/>
         </p:nvPicPr>
         <p:blipFill>
-          <a:blip r:embed="rId1"/>
+          <a:blip r:embed="rId2"/>
           <a:stretch>
             <a:fillRect/>
           </a:stretch>
@@ -14446,12 +18057,6 @@
               </a:rPr>
               <a:t>     可执行文件（交互式）</a:t>
             </a:r>
-            <a:endParaRPr lang="zh-CN" sz="2800" dirty="0">
-              <a:solidFill>
-                <a:srgbClr val="000000"/>
-              </a:solidFill>
-              <a:latin typeface="Verdana" panose="020B0604030504040204" pitchFamily="34" charset="0"/>
-            </a:endParaRPr>
           </a:p>
           <a:p>
             <a:r>
@@ -14490,7 +18095,7 @@
           <p:nvPr/>
         </p:nvPicPr>
         <p:blipFill>
-          <a:blip r:embed="rId1"/>
+          <a:blip r:embed="rId2"/>
           <a:stretch>
             <a:fillRect/>
           </a:stretch>
@@ -14801,9 +18406,11 @@
       </a:bgFillStyleLst>
     </a:fmtScheme>
   </a:themeElements>
+  <a:objectDefaults/>
+  <a:extraClrSchemeLst/>
   <a:extLst>
     <a:ext uri="{05A4C25C-085E-4340-85A3-A5531E510DB2}">
-      <thm15:themeFamily xmlns:thm15="http://schemas.microsoft.com/office/thememl/2012/main" name="Office Theme" id="{62F939B6-93AF-4DB8-9C6B-D6C7DFDC589F}" vid="{4A3C46E8-61CC-4603-A589-7422A47A8E4A}"/>
+      <thm15:themeFamily xmlns:thm15="http://schemas.microsoft.com/office/thememl/2012/main" xmlns="" name="Office Theme" id="{62F939B6-93AF-4DB8-9C6B-D6C7DFDC589F}" vid="{4A3C46E8-61CC-4603-A589-7422A47A8E4A}"/>
     </a:ext>
   </a:extLst>
 </a:theme>
@@ -15089,9 +18696,11 @@
       </a:bgFillStyleLst>
     </a:fmtScheme>
   </a:themeElements>
+  <a:objectDefaults/>
+  <a:extraClrSchemeLst/>
   <a:extLst>
     <a:ext uri="{05A4C25C-085E-4340-85A3-A5531E510DB2}">
-      <thm15:themeFamily xmlns:thm15="http://schemas.microsoft.com/office/thememl/2012/main" name="Office Theme" id="{62F939B6-93AF-4DB8-9C6B-D6C7DFDC589F}" vid="{4A3C46E8-61CC-4603-A589-7422A47A8E4A}"/>
+      <thm15:themeFamily xmlns:thm15="http://schemas.microsoft.com/office/thememl/2012/main" xmlns="" name="Office Theme" id="{62F939B6-93AF-4DB8-9C6B-D6C7DFDC589F}" vid="{4A3C46E8-61CC-4603-A589-7422A47A8E4A}"/>
     </a:ext>
   </a:extLst>
 </a:theme>
@@ -15377,9 +18986,11 @@
       </a:bgFillStyleLst>
     </a:fmtScheme>
   </a:themeElements>
+  <a:objectDefaults/>
+  <a:extraClrSchemeLst/>
   <a:extLst>
     <a:ext uri="{05A4C25C-085E-4340-85A3-A5531E510DB2}">
-      <thm15:themeFamily xmlns:thm15="http://schemas.microsoft.com/office/thememl/2012/main" name="Office Theme" id="{62F939B6-93AF-4DB8-9C6B-D6C7DFDC589F}" vid="{4A3C46E8-61CC-4603-A589-7422A47A8E4A}"/>
+      <thm15:themeFamily xmlns:thm15="http://schemas.microsoft.com/office/thememl/2012/main" xmlns="" name="Office Theme" id="{62F939B6-93AF-4DB8-9C6B-D6C7DFDC589F}" vid="{4A3C46E8-61CC-4603-A589-7422A47A8E4A}"/>
     </a:ext>
   </a:extLst>
 </a:theme>

--- a/受控文档/00-PPT/PRD2018-G11-界面原型.pptx
+++ b/受控文档/00-PPT/PRD2018-G11-界面原型.pptx
@@ -5,10 +5,10 @@
     <p:sldMasterId id="2147483648" r:id="rId1"/>
   </p:sldMasterIdLst>
   <p:notesMasterIdLst>
-    <p:notesMasterId r:id="rId21"/>
+    <p:notesMasterId r:id="rId23"/>
   </p:notesMasterIdLst>
   <p:handoutMasterIdLst>
-    <p:handoutMasterId r:id="rId22"/>
+    <p:handoutMasterId r:id="rId24"/>
   </p:handoutMasterIdLst>
   <p:sldIdLst>
     <p:sldId id="370" r:id="rId2"/>
@@ -20,16 +20,18 @@
     <p:sldId id="546" r:id="rId8"/>
     <p:sldId id="561" r:id="rId9"/>
     <p:sldId id="562" r:id="rId10"/>
-    <p:sldId id="563" r:id="rId11"/>
-    <p:sldId id="564" r:id="rId12"/>
-    <p:sldId id="565" r:id="rId13"/>
-    <p:sldId id="566" r:id="rId14"/>
-    <p:sldId id="567" r:id="rId15"/>
-    <p:sldId id="568" r:id="rId16"/>
-    <p:sldId id="569" r:id="rId17"/>
-    <p:sldId id="455" r:id="rId18"/>
-    <p:sldId id="532" r:id="rId19"/>
-    <p:sldId id="436" r:id="rId20"/>
+    <p:sldId id="571" r:id="rId11"/>
+    <p:sldId id="572" r:id="rId12"/>
+    <p:sldId id="563" r:id="rId13"/>
+    <p:sldId id="564" r:id="rId14"/>
+    <p:sldId id="565" r:id="rId15"/>
+    <p:sldId id="566" r:id="rId16"/>
+    <p:sldId id="567" r:id="rId17"/>
+    <p:sldId id="568" r:id="rId18"/>
+    <p:sldId id="569" r:id="rId19"/>
+    <p:sldId id="455" r:id="rId20"/>
+    <p:sldId id="532" r:id="rId21"/>
+    <p:sldId id="436" r:id="rId22"/>
   </p:sldIdLst>
   <p:sldSz cx="12190413" cy="6859588"/>
   <p:notesSz cx="6858000" cy="9144000"/>
@@ -869,7 +871,7 @@
           <a:p>
             <a:fld id="{74AC173A-3DA8-4893-B28A-1E15F55C330A}" type="slidenum">
               <a:rPr lang="zh-CN" altLang="en-US" smtClean="0"/>
-              <a:t>17</a:t>
+              <a:t>19</a:t>
             </a:fld>
             <a:endParaRPr lang="zh-CN" altLang="en-US"/>
           </a:p>
@@ -948,7 +950,7 @@
           <a:p>
             <a:fld id="{74AC173A-3DA8-4893-B28A-1E15F55C330A}" type="slidenum">
               <a:rPr lang="zh-CN" altLang="en-US" smtClean="0"/>
-              <a:t>18</a:t>
+              <a:t>20</a:t>
             </a:fld>
             <a:endParaRPr lang="zh-CN" altLang="en-US"/>
           </a:p>
@@ -1027,7 +1029,7 @@
           <a:p>
             <a:fld id="{74AC173A-3DA8-4893-B28A-1E15F55C330A}" type="slidenum">
               <a:rPr lang="zh-CN" altLang="en-US" smtClean="0"/>
-              <a:t>19</a:t>
+              <a:t>21</a:t>
             </a:fld>
             <a:endParaRPr lang="zh-CN" altLang="en-US"/>
           </a:p>
@@ -4319,11 +4321,7 @@
           <a:lstStyle/>
           <a:p>
             <a:pPr algn="ctr"/>
-            <a:endParaRPr lang="zh-CN" altLang="en-US" sz="2800">
-              <a:solidFill>
-                <a:prstClr val="white"/>
-              </a:solidFill>
-            </a:endParaRPr>
+            <a:endParaRPr lang="zh-CN" altLang="en-US" sz="2800"/>
           </a:p>
         </p:txBody>
       </p:sp>
@@ -4370,18 +4368,10 @@
           <a:p>
             <a:pPr algn="ctr"/>
             <a:r>
-              <a:rPr lang="en-US" sz="2400" dirty="0">
-                <a:solidFill>
-                  <a:prstClr val="white"/>
-                </a:solidFill>
-              </a:rPr>
-              <a:t>6</a:t>
-            </a:r>
-            <a:endParaRPr lang="en-US" sz="2400" dirty="0">
-              <a:solidFill>
-                <a:prstClr val="white"/>
-              </a:solidFill>
-            </a:endParaRPr>
+              <a:rPr lang="en-US" sz="2400" dirty="0"/>
+              <a:t>2</a:t>
+            </a:r>
+            <a:endParaRPr lang="en-US" sz="2400" dirty="0"/>
           </a:p>
         </p:txBody>
       </p:sp>
@@ -4407,7 +4397,7 @@
           </a:bodyPr>
           <a:lstStyle/>
           <a:p>
-            <a:endParaRPr lang="zh-CN" altLang="en-US" sz="2665" dirty="0">
+            <a:endParaRPr lang="zh-CN" sz="2665" dirty="0">
               <a:solidFill>
                 <a:srgbClr val="183A5D"/>
               </a:solidFill>
@@ -4426,7 +4416,7 @@
         <p:spPr>
           <a:xfrm>
             <a:off x="2226388" y="159851"/>
-            <a:ext cx="6052718" cy="501650"/>
+            <a:ext cx="6052718" cy="912558"/>
           </a:xfrm>
           <a:prstGeom prst="rect">
             <a:avLst/>
@@ -4447,19 +4437,18 @@
                 <a:latin typeface="微软雅黑" panose="020B0503020204020204" pitchFamily="34" charset="-122"/>
                 <a:ea typeface="微软雅黑" panose="020B0503020204020204" pitchFamily="34" charset="-122"/>
               </a:rPr>
-              <a:t>界面</a:t>
-            </a:r>
-            <a:r>
-              <a:rPr lang="zh-CN" altLang="en-US" sz="2665" dirty="0" smtClean="0">
-                <a:solidFill>
-                  <a:srgbClr val="183A5D"/>
-                </a:solidFill>
-                <a:latin typeface="微软雅黑" panose="020B0503020204020204" pitchFamily="34" charset="-122"/>
-                <a:ea typeface="微软雅黑" panose="020B0503020204020204" pitchFamily="34" charset="-122"/>
-              </a:rPr>
-              <a:t>原型的风险</a:t>
-            </a:r>
-            <a:endParaRPr lang="zh-CN" altLang="en-US" sz="2665" dirty="0">
+              <a:t>为什么要建立界面原型（动机）</a:t>
+            </a:r>
+            <a:endParaRPr lang="zh-CN" altLang="zh-CN" sz="2665" dirty="0">
+              <a:solidFill>
+                <a:srgbClr val="183A5D"/>
+              </a:solidFill>
+              <a:latin typeface="微软雅黑" panose="020B0503020204020204" pitchFamily="34" charset="-122"/>
+              <a:ea typeface="微软雅黑" panose="020B0503020204020204" pitchFamily="34" charset="-122"/>
+            </a:endParaRPr>
+          </a:p>
+          <a:p>
+            <a:endParaRPr lang="zh-CN" sz="2665" dirty="0">
               <a:solidFill>
                 <a:srgbClr val="183A5D"/>
               </a:solidFill>
@@ -4478,9 +4467,9 @@
         <p:grpSpPr>
           <a:xfrm>
             <a:off x="236855" y="1269365"/>
-            <a:ext cx="11278645" cy="4896485"/>
+            <a:ext cx="11276965" cy="4896485"/>
             <a:chOff x="237030" y="1269554"/>
-            <a:chExt cx="7778022" cy="4896544"/>
+            <a:chExt cx="7776864" cy="4896544"/>
           </a:xfrm>
         </p:grpSpPr>
         <p:sp>
@@ -4491,8 +4480,8 @@
           </p:nvSpPr>
           <p:spPr>
             <a:xfrm>
-              <a:off x="341097" y="2245059"/>
-              <a:ext cx="7673955" cy="3416361"/>
+              <a:off x="339939" y="1985208"/>
+              <a:ext cx="7673955" cy="3370193"/>
             </a:xfrm>
             <a:prstGeom prst="rect">
               <a:avLst/>
@@ -4504,165 +4493,45 @@
             </a:bodyPr>
             <a:lstStyle/>
             <a:p>
-              <a:pPr>
-                <a:lnSpc>
-                  <a:spcPct val="150000"/>
-                </a:lnSpc>
-              </a:pPr>
               <a:r>
-                <a:rPr lang="zh-CN" altLang="en-US" sz="2400" dirty="0">
-                  <a:solidFill>
-                    <a:srgbClr val="000000"/>
-                  </a:solidFill>
-                  <a:latin typeface="Verdana" panose="020B0604030504040204" pitchFamily="34" charset="0"/>
-                </a:rPr>
-                <a:t>即使是做个简单的原型，</a:t>
+                <a:rPr lang="en-US" altLang="zh-CN" sz="2400" dirty="0" smtClean="0"/>
+                <a:t>	</a:t>
               </a:r>
               <a:r>
-                <a:rPr lang="zh-CN" altLang="en-US" sz="2400" dirty="0" smtClean="0">
-                  <a:solidFill>
-                    <a:srgbClr val="000000"/>
-                  </a:solidFill>
-                  <a:latin typeface="Verdana" panose="020B0604030504040204" pitchFamily="34" charset="0"/>
-                </a:rPr>
-                <a:t>也需要</a:t>
+                <a:rPr lang="zh-CN" altLang="en-US" sz="2400" dirty="0" smtClean="0"/>
+                <a:t>根据</a:t>
               </a:r>
               <a:r>
-                <a:rPr lang="zh-CN" altLang="en-US" sz="2400" dirty="0">
-                  <a:solidFill>
-                    <a:srgbClr val="000000"/>
-                  </a:solidFill>
-                  <a:latin typeface="Verdana" panose="020B0604030504040204" pitchFamily="34" charset="0"/>
-                </a:rPr>
-                <a:t>时间和资金。虽然原型可以降低软件项目失败的风险，但</a:t>
+                <a:rPr lang="zh-CN" altLang="en-US" sz="2400" dirty="0"/>
+                <a:t>调查报告显示，大约</a:t>
+              </a:r>
+              <a:r>
+                <a:rPr lang="en-US" altLang="zh-CN" sz="2400" dirty="0"/>
+                <a:t>60%</a:t>
+              </a:r>
+              <a:r>
+                <a:rPr lang="zh-CN" altLang="en-US" sz="2400" dirty="0"/>
+                <a:t>的软件开发不是失败，就是超预算、延期或功能不够强大。软件失败或亏损的三大主要原因是：缺乏使用者的参与、需求或规格不完整、需求或规格变更。传统的需求管理工具或工作表中所储存的数千个需求与上百页的文件早已不合时宜。现在，这些需求管理工具或工作表不适用于目前快速发展的环境。而</a:t>
               </a:r>
               <a:r>
                 <a:rPr lang="zh-CN" altLang="en-US" sz="2400" dirty="0">
                   <a:solidFill>
                     <a:srgbClr val="FF0000"/>
                   </a:solidFill>
-                  <a:latin typeface="Verdana" panose="020B0604030504040204" pitchFamily="34" charset="0"/>
                 </a:rPr>
-                <a:t>原型本身也有</a:t>
+                <a:t>制作原型是一个有效的简化文档编制、吸引使用者参与、早期辨认需求遗漏、将外在需求风险降到最低的方法</a:t>
               </a:r>
               <a:r>
-                <a:rPr lang="zh-CN" altLang="en-US" sz="2400" dirty="0" smtClean="0">
-                  <a:solidFill>
-                    <a:srgbClr val="FF0000"/>
-                  </a:solidFill>
-                  <a:latin typeface="Verdana" panose="020B0604030504040204" pitchFamily="34" charset="0"/>
-                </a:rPr>
-                <a:t>风险</a:t>
+                <a:rPr lang="zh-CN" altLang="en-US" sz="2400" dirty="0"/>
+                <a:t>。将大量文字性文档转变为带有注释与互动性的可视画面更能吸引利益相关者与使用者的注意，让用户在软件开始投入编码前就再次核实确认需求。</a:t>
               </a:r>
-              <a:r>
-                <a:rPr lang="zh-CN" altLang="en-US" sz="2400" dirty="0" smtClean="0">
-                  <a:solidFill>
-                    <a:srgbClr val="000000"/>
-                  </a:solidFill>
-                  <a:latin typeface="Verdana" panose="020B0604030504040204" pitchFamily="34" charset="0"/>
-                </a:rPr>
-                <a:t>。</a:t>
-              </a:r>
-              <a:endParaRPr lang="en-US" altLang="zh-CN" sz="2400" dirty="0" smtClean="0">
-                <a:solidFill>
-                  <a:srgbClr val="000000"/>
-                </a:solidFill>
-                <a:latin typeface="Verdana" panose="020B0604030504040204" pitchFamily="34" charset="0"/>
-              </a:endParaRPr>
             </a:p>
             <a:p>
-              <a:pPr marL="457200" indent="-457200">
-                <a:lnSpc>
-                  <a:spcPct val="150000"/>
-                </a:lnSpc>
-                <a:buFont typeface="+mj-lt"/>
-                <a:buAutoNum type="arabicPeriod"/>
-              </a:pPr>
-              <a:r>
-                <a:rPr lang="zh-CN" altLang="en-US" sz="2400" dirty="0" smtClean="0">
-                  <a:solidFill>
-                    <a:srgbClr val="000000"/>
-                  </a:solidFill>
-                  <a:latin typeface="Verdana" panose="020B0604030504040204" pitchFamily="34" charset="0"/>
-                </a:rPr>
-                <a:t>原型发布的压力</a:t>
-              </a:r>
-              <a:endParaRPr lang="en-US" altLang="zh-CN" sz="2400" dirty="0" smtClean="0">
+              <a:endParaRPr lang="zh-CN" altLang="en-US" b="0" i="0" dirty="0">
                 <a:solidFill>
                   <a:srgbClr val="000000"/>
                 </a:solidFill>
-                <a:latin typeface="Verdana" panose="020B0604030504040204" pitchFamily="34" charset="0"/>
-              </a:endParaRPr>
-            </a:p>
-            <a:p>
-              <a:pPr marL="457200" indent="-457200">
-                <a:lnSpc>
-                  <a:spcPct val="150000"/>
-                </a:lnSpc>
-                <a:buFont typeface="+mj-lt"/>
-                <a:buAutoNum type="arabicPeriod"/>
-              </a:pPr>
-              <a:r>
-                <a:rPr lang="zh-CN" altLang="en-US" sz="2400" dirty="0" smtClean="0">
-                  <a:solidFill>
-                    <a:srgbClr val="000000"/>
-                  </a:solidFill>
-                  <a:latin typeface="Verdana" panose="020B0604030504040204" pitchFamily="34" charset="0"/>
-                </a:rPr>
-                <a:t>受细节所累</a:t>
-              </a:r>
-              <a:endParaRPr lang="en-US" altLang="zh-CN" sz="2400" dirty="0" smtClean="0">
-                <a:solidFill>
-                  <a:srgbClr val="000000"/>
-                </a:solidFill>
-                <a:latin typeface="Verdana" panose="020B0604030504040204" pitchFamily="34" charset="0"/>
-              </a:endParaRPr>
-            </a:p>
-            <a:p>
-              <a:pPr marL="457200" indent="-457200">
-                <a:lnSpc>
-                  <a:spcPct val="150000"/>
-                </a:lnSpc>
-                <a:buFont typeface="+mj-lt"/>
-                <a:buAutoNum type="arabicPeriod"/>
-              </a:pPr>
-              <a:r>
-                <a:rPr lang="zh-CN" altLang="en-US" sz="2400" dirty="0" smtClean="0">
-                  <a:solidFill>
-                    <a:srgbClr val="000000"/>
-                  </a:solidFill>
-                  <a:latin typeface="Verdana" panose="020B0604030504040204" pitchFamily="34" charset="0"/>
-                </a:rPr>
-                <a:t>不现实的性能预期</a:t>
-              </a:r>
-              <a:endParaRPr lang="en-US" altLang="zh-CN" sz="2400" dirty="0" smtClean="0">
-                <a:solidFill>
-                  <a:srgbClr val="000000"/>
-                </a:solidFill>
-                <a:latin typeface="Verdana" panose="020B0604030504040204" pitchFamily="34" charset="0"/>
-              </a:endParaRPr>
-            </a:p>
-            <a:p>
-              <a:pPr marL="457200" indent="-457200">
-                <a:lnSpc>
-                  <a:spcPct val="150000"/>
-                </a:lnSpc>
-                <a:buFont typeface="+mj-lt"/>
-                <a:buAutoNum type="arabicPeriod"/>
-              </a:pPr>
-              <a:r>
-                <a:rPr lang="zh-CN" altLang="en-US" sz="2000" dirty="0" smtClean="0">
-                  <a:solidFill>
-                    <a:srgbClr val="000000"/>
-                  </a:solidFill>
-                  <a:latin typeface="Verdana" panose="020B0604030504040204" pitchFamily="34" charset="0"/>
-                </a:rPr>
-                <a:t>对原型投入过多</a:t>
-              </a:r>
-              <a:endParaRPr lang="zh-CN" altLang="en-US" sz="2000" dirty="0">
-                <a:solidFill>
-                  <a:srgbClr val="000000"/>
-                </a:solidFill>
+                <a:effectLst/>
                 <a:latin typeface="Verdana" panose="020B0604030504040204" pitchFamily="34" charset="0"/>
               </a:endParaRPr>
             </a:p>
@@ -4724,11 +4593,7 @@
               <a:lstStyle/>
               <a:p>
                 <a:pPr algn="ctr"/>
-                <a:endParaRPr lang="zh-CN" altLang="en-US" sz="1350">
-                  <a:solidFill>
-                    <a:prstClr val="white"/>
-                  </a:solidFill>
-                </a:endParaRPr>
+                <a:endParaRPr lang="zh-CN" altLang="en-US" sz="1350"/>
               </a:p>
             </p:txBody>
           </p:sp>
@@ -4774,19 +4639,7 @@
               <a:lstStyle/>
               <a:p>
                 <a:pPr algn="ctr"/>
-                <a:r>
-                  <a:rPr lang="zh-CN" altLang="en-US" sz="2800" dirty="0" smtClean="0">
-                    <a:solidFill>
-                      <a:prstClr val="white"/>
-                    </a:solidFill>
-                  </a:rPr>
-                  <a:t>原型风险</a:t>
-                </a:r>
-                <a:endParaRPr lang="zh-CN" altLang="en-US" sz="2800" dirty="0">
-                  <a:solidFill>
-                    <a:prstClr val="white"/>
-                  </a:solidFill>
-                </a:endParaRPr>
+                <a:endParaRPr lang="zh-CN" altLang="en-US" sz="1350"/>
               </a:p>
             </p:txBody>
           </p:sp>
@@ -4795,7 +4648,7 @@
     </p:spTree>
     <p:extLst>
       <p:ext uri="{BB962C8B-B14F-4D97-AF65-F5344CB8AC3E}">
-        <p14:creationId xmlns:p14="http://schemas.microsoft.com/office/powerpoint/2010/main" val="730788224"/>
+        <p14:creationId xmlns:p14="http://schemas.microsoft.com/office/powerpoint/2010/main" val="2317541597"/>
       </p:ext>
     </p:extLst>
   </p:cSld>
@@ -4874,11 +4727,7 @@
           <a:lstStyle/>
           <a:p>
             <a:pPr algn="ctr"/>
-            <a:endParaRPr lang="zh-CN" altLang="en-US" sz="2800">
-              <a:solidFill>
-                <a:prstClr val="white"/>
-              </a:solidFill>
-            </a:endParaRPr>
+            <a:endParaRPr lang="zh-CN" altLang="en-US" sz="2800"/>
           </a:p>
         </p:txBody>
       </p:sp>
@@ -4925,18 +4774,10 @@
           <a:p>
             <a:pPr algn="ctr"/>
             <a:r>
-              <a:rPr lang="en-US" sz="2400" dirty="0">
-                <a:solidFill>
-                  <a:prstClr val="white"/>
-                </a:solidFill>
-              </a:rPr>
-              <a:t>6</a:t>
-            </a:r>
-            <a:endParaRPr lang="en-US" sz="2400" dirty="0">
-              <a:solidFill>
-                <a:prstClr val="white"/>
-              </a:solidFill>
-            </a:endParaRPr>
+              <a:rPr lang="en-US" sz="2400" dirty="0"/>
+              <a:t>2</a:t>
+            </a:r>
+            <a:endParaRPr lang="en-US" sz="2400" dirty="0"/>
           </a:p>
         </p:txBody>
       </p:sp>
@@ -4962,7 +4803,7 @@
           </a:bodyPr>
           <a:lstStyle/>
           <a:p>
-            <a:endParaRPr lang="zh-CN" altLang="en-US" sz="2665" dirty="0">
+            <a:endParaRPr lang="zh-CN" sz="2665" dirty="0">
               <a:solidFill>
                 <a:srgbClr val="183A5D"/>
               </a:solidFill>
@@ -4981,7 +4822,7 @@
         <p:spPr>
           <a:xfrm>
             <a:off x="2226388" y="159851"/>
-            <a:ext cx="6052718" cy="501650"/>
+            <a:ext cx="6052718" cy="912558"/>
           </a:xfrm>
           <a:prstGeom prst="rect">
             <a:avLst/>
@@ -5002,19 +4843,18 @@
                 <a:latin typeface="微软雅黑" panose="020B0503020204020204" pitchFamily="34" charset="-122"/>
                 <a:ea typeface="微软雅黑" panose="020B0503020204020204" pitchFamily="34" charset="-122"/>
               </a:rPr>
-              <a:t>界面</a:t>
-            </a:r>
-            <a:r>
-              <a:rPr lang="zh-CN" altLang="en-US" sz="2665" dirty="0" smtClean="0">
-                <a:solidFill>
-                  <a:srgbClr val="183A5D"/>
-                </a:solidFill>
-                <a:latin typeface="微软雅黑" panose="020B0503020204020204" pitchFamily="34" charset="-122"/>
-                <a:ea typeface="微软雅黑" panose="020B0503020204020204" pitchFamily="34" charset="-122"/>
-              </a:rPr>
-              <a:t>原型的风险</a:t>
-            </a:r>
-            <a:endParaRPr lang="zh-CN" altLang="en-US" sz="2665" dirty="0">
+              <a:t>为什么要建立界面原型（动机）</a:t>
+            </a:r>
+            <a:endParaRPr lang="zh-CN" altLang="zh-CN" sz="2665" dirty="0">
+              <a:solidFill>
+                <a:srgbClr val="183A5D"/>
+              </a:solidFill>
+              <a:latin typeface="微软雅黑" panose="020B0503020204020204" pitchFamily="34" charset="-122"/>
+              <a:ea typeface="微软雅黑" panose="020B0503020204020204" pitchFamily="34" charset="-122"/>
+            </a:endParaRPr>
+          </a:p>
+          <a:p>
+            <a:endParaRPr lang="zh-CN" sz="2665" dirty="0">
               <a:solidFill>
                 <a:srgbClr val="183A5D"/>
               </a:solidFill>
@@ -5033,7 +4873,7 @@
         <p:grpSpPr>
           <a:xfrm>
             <a:off x="236855" y="1269365"/>
-            <a:ext cx="11276966" cy="4896485"/>
+            <a:ext cx="11276965" cy="4896485"/>
             <a:chOff x="237030" y="1269554"/>
             <a:chExt cx="7776864" cy="4896544"/>
           </a:xfrm>
@@ -5046,8 +4886,8 @@
           </p:nvSpPr>
           <p:spPr>
             <a:xfrm>
-              <a:off x="339939" y="2005942"/>
-              <a:ext cx="7673955" cy="491744"/>
+              <a:off x="339939" y="1985208"/>
+              <a:ext cx="7673955" cy="461671"/>
             </a:xfrm>
             <a:prstGeom prst="rect">
               <a:avLst/>
@@ -5059,15 +4899,15 @@
             </a:bodyPr>
             <a:lstStyle/>
             <a:p>
-              <a:pPr>
-                <a:lnSpc>
-                  <a:spcPct val="150000"/>
-                </a:lnSpc>
-              </a:pPr>
-              <a:endParaRPr lang="zh-CN" altLang="en-US" sz="2000" dirty="0">
+              <a:r>
+                <a:rPr lang="en-US" altLang="zh-CN" sz="2400" dirty="0" smtClean="0"/>
+                <a:t>	</a:t>
+              </a:r>
+              <a:endParaRPr lang="zh-CN" altLang="en-US" b="0" i="0" dirty="0">
                 <a:solidFill>
                   <a:srgbClr val="000000"/>
                 </a:solidFill>
+                <a:effectLst/>
                 <a:latin typeface="Verdana" panose="020B0604030504040204" pitchFamily="34" charset="0"/>
               </a:endParaRPr>
             </a:p>
@@ -5129,11 +4969,7 @@
               <a:lstStyle/>
               <a:p>
                 <a:pPr algn="ctr"/>
-                <a:endParaRPr lang="zh-CN" altLang="en-US" sz="1350">
-                  <a:solidFill>
-                    <a:prstClr val="white"/>
-                  </a:solidFill>
-                </a:endParaRPr>
+                <a:endParaRPr lang="zh-CN" altLang="en-US" sz="1350"/>
               </a:p>
             </p:txBody>
           </p:sp>
@@ -5179,14 +5015,7 @@
               <a:lstStyle/>
               <a:p>
                 <a:pPr algn="ctr"/>
-                <a:r>
-                  <a:rPr lang="zh-CN" altLang="en-US" sz="2800" dirty="0">
-                    <a:solidFill>
-                      <a:prstClr val="white"/>
-                    </a:solidFill>
-                  </a:rPr>
-                  <a:t>原型发布的压力</a:t>
-                </a:r>
+                <a:endParaRPr lang="zh-CN" altLang="en-US" sz="1350"/>
               </a:p>
             </p:txBody>
           </p:sp>
@@ -5194,14 +5023,14 @@
       </p:grpSp>
       <p:sp>
         <p:nvSpPr>
-          <p:cNvPr id="8" name="矩形 7"/>
+          <p:cNvPr id="14" name="矩形 13"/>
           <p:cNvSpPr/>
           <p:nvPr/>
         </p:nvSpPr>
         <p:spPr>
           <a:xfrm>
-            <a:off x="386080" y="2241264"/>
-            <a:ext cx="11037718" cy="3323987"/>
+            <a:off x="412384" y="2349674"/>
+            <a:ext cx="11011414" cy="2677656"/>
           </a:xfrm>
           <a:prstGeom prst="rect">
             <a:avLst/>
@@ -5213,240 +5042,38 @@
           </a:bodyPr>
           <a:lstStyle/>
           <a:p>
-            <a:pPr indent="457200"/>
-            <a:r>
-              <a:rPr lang="zh-CN" altLang="en-US" dirty="0"/>
-              <a:t>最大的风险是</a:t>
-            </a:r>
-            <a:r>
-              <a:rPr lang="zh-CN" altLang="en-US" dirty="0" smtClean="0">
+            <a:r>
+              <a:rPr lang="en-US" altLang="zh-CN" dirty="0" smtClean="0"/>
+              <a:t>	</a:t>
+            </a:r>
+            <a:r>
+              <a:rPr lang="zh-CN" altLang="en-US" sz="2400" dirty="0" smtClean="0"/>
+              <a:t>原型</a:t>
+            </a:r>
+            <a:r>
+              <a:rPr lang="zh-CN" altLang="en-US" sz="2400" dirty="0"/>
+              <a:t>设计能够在表现层将设计合成一个逻辑整体，客户能和你一起看到未来交互的软件蓝图、功能和效果，获得较真实的感受，在不断讨论的基础上完善未来的设计思想。在深入调整前就收集反馈。编码的代价是很大的，系统重构的代价更大，可能会导致项目目标无法完成。但是在原型中修改一些重要的的交互行为或布局等所花费的也只是一点点沟通时间，并且通常一个人就能对原型进行构建和维护，不会打断其他进度。</a:t>
+            </a:r>
+            <a:r>
+              <a:rPr lang="zh-CN" altLang="en-US" sz="2400" dirty="0">
                 <a:solidFill>
                   <a:srgbClr val="FF0000"/>
                 </a:solidFill>
               </a:rPr>
-              <a:t>项目干系</a:t>
-            </a:r>
-            <a:r>
-              <a:rPr lang="zh-CN" altLang="en-US" dirty="0">
-                <a:solidFill>
-                  <a:srgbClr val="FF0000"/>
-                </a:solidFill>
-              </a:rPr>
-              <a:t>人会看到一个可以运行的</a:t>
-            </a:r>
-            <a:r>
-              <a:rPr lang="zh-CN" altLang="en-US" dirty="0" smtClean="0">
-                <a:solidFill>
-                  <a:srgbClr val="FF0000"/>
-                </a:solidFill>
-              </a:rPr>
-              <a:t>可</a:t>
-            </a:r>
-            <a:r>
-              <a:rPr lang="zh-CN" altLang="en-US" dirty="0">
-                <a:solidFill>
-                  <a:srgbClr val="FF0000"/>
-                </a:solidFill>
-              </a:rPr>
-              <a:t>抛弃</a:t>
-            </a:r>
-            <a:r>
-              <a:rPr lang="zh-CN" altLang="en-US" dirty="0" smtClean="0">
-                <a:solidFill>
-                  <a:srgbClr val="FF0000"/>
-                </a:solidFill>
-              </a:rPr>
-              <a:t>原型</a:t>
-            </a:r>
-            <a:r>
-              <a:rPr lang="zh-CN" altLang="en-US" dirty="0">
-                <a:solidFill>
-                  <a:srgbClr val="FF0000"/>
-                </a:solidFill>
-              </a:rPr>
-              <a:t>，从而得出产品几近完成的结论</a:t>
-            </a:r>
-            <a:r>
-              <a:rPr lang="zh-CN" altLang="en-US" dirty="0" smtClean="0">
-                <a:solidFill>
-                  <a:srgbClr val="FF0000"/>
-                </a:solidFill>
-              </a:rPr>
-              <a:t>。</a:t>
-            </a:r>
-            <a:endParaRPr lang="en-US" altLang="zh-CN" dirty="0" smtClean="0">
+              <a:t>总的来说，我们使用原型的根本目的不是为了交付，而是沟通、测试、修改、解决不确定因素。</a:t>
+            </a:r>
+            <a:endParaRPr lang="zh-CN" altLang="en-US" sz="2400" dirty="0">
               <a:solidFill>
                 <a:srgbClr val="FF0000"/>
               </a:solidFill>
             </a:endParaRPr>
-          </a:p>
-          <a:p>
-            <a:pPr indent="457200"/>
-            <a:r>
-              <a:rPr lang="zh-CN" altLang="en-US" dirty="0"/>
-              <a:t>原型</a:t>
-            </a:r>
-            <a:r>
-              <a:rPr lang="zh-CN" altLang="en-US" dirty="0" smtClean="0"/>
-              <a:t>的</a:t>
-            </a:r>
-            <a:r>
-              <a:rPr lang="zh-CN" altLang="en-US" dirty="0"/>
-              <a:t>设计和编码并没有考虑到软件的质量和生命周期。</a:t>
-            </a:r>
-            <a:r>
-              <a:rPr lang="zh-CN" altLang="en-US" dirty="0">
-                <a:solidFill>
-                  <a:srgbClr val="FF0000"/>
-                </a:solidFill>
-              </a:rPr>
-              <a:t>对客户</a:t>
-            </a:r>
-            <a:r>
-              <a:rPr lang="zh-CN" altLang="en-US" dirty="0" smtClean="0">
-                <a:solidFill>
-                  <a:srgbClr val="FF0000"/>
-                </a:solidFill>
-              </a:rPr>
-              <a:t>预期</a:t>
-            </a:r>
-            <a:r>
-              <a:rPr lang="zh-CN" altLang="en-US" dirty="0">
-                <a:solidFill>
-                  <a:srgbClr val="FF0000"/>
-                </a:solidFill>
-              </a:rPr>
-              <a:t>进行</a:t>
-            </a:r>
-            <a:r>
-              <a:rPr lang="zh-CN" altLang="en-US" dirty="0" smtClean="0">
-                <a:solidFill>
-                  <a:srgbClr val="FF0000"/>
-                </a:solidFill>
-              </a:rPr>
-              <a:t>管理</a:t>
-            </a:r>
-            <a:r>
-              <a:rPr lang="zh-CN" altLang="en-US" dirty="0"/>
-              <a:t>是原型成功的关键。每个关注原型的人都要</a:t>
-            </a:r>
-            <a:r>
-              <a:rPr lang="zh-CN" altLang="en-US" dirty="0">
-                <a:solidFill>
-                  <a:srgbClr val="FF0000"/>
-                </a:solidFill>
-              </a:rPr>
-              <a:t>理解原型的目的及其局限性</a:t>
-            </a:r>
-            <a:r>
-              <a:rPr lang="zh-CN" altLang="en-US" dirty="0"/>
-              <a:t>。要清楚创建原型的原因，并且明白我们才是决定原型最终命运的人</a:t>
-            </a:r>
-            <a:r>
-              <a:rPr lang="zh-CN" altLang="en-US" dirty="0" smtClean="0"/>
-              <a:t>。</a:t>
-            </a:r>
-            <a:endParaRPr lang="en-US" altLang="zh-CN" dirty="0" smtClean="0"/>
-          </a:p>
-          <a:p>
-            <a:pPr indent="457200"/>
-            <a:endParaRPr lang="en-US" altLang="zh-CN" dirty="0" smtClean="0"/>
-          </a:p>
-          <a:p>
-            <a:pPr indent="457200"/>
-            <a:r>
-              <a:rPr lang="zh-CN" altLang="en-US" dirty="0" smtClean="0"/>
-              <a:t>控制</a:t>
-            </a:r>
-            <a:r>
-              <a:rPr lang="zh-CN" altLang="en-US" dirty="0"/>
-              <a:t>该风险的一个 方法是</a:t>
-            </a:r>
-            <a:r>
-              <a:rPr lang="zh-CN" altLang="en-US" dirty="0">
-                <a:solidFill>
-                  <a:srgbClr val="FF0000"/>
-                </a:solidFill>
-              </a:rPr>
-              <a:t>使用纸上原型面不是电子原型</a:t>
-            </a:r>
-            <a:r>
-              <a:rPr lang="zh-CN" altLang="en-US" dirty="0"/>
-              <a:t>。评估纸上原型的人不会产生</a:t>
-            </a:r>
-            <a:r>
-              <a:rPr lang="zh-CN" altLang="en-US" dirty="0" smtClean="0"/>
-              <a:t>产品接近</a:t>
-            </a:r>
-            <a:r>
-              <a:rPr lang="zh-CN" altLang="en-US" dirty="0"/>
-              <a:t>成品的想法</a:t>
-            </a:r>
-            <a:r>
-              <a:rPr lang="zh-CN" altLang="en-US" dirty="0" smtClean="0"/>
-              <a:t>。</a:t>
-            </a:r>
-            <a:endParaRPr lang="en-US" altLang="zh-CN" dirty="0" smtClean="0"/>
-          </a:p>
-          <a:p>
-            <a:pPr indent="457200"/>
-            <a:r>
-              <a:rPr lang="zh-CN" altLang="en-US" dirty="0"/>
-              <a:t>另一个可选方法是</a:t>
-            </a:r>
-            <a:r>
-              <a:rPr lang="zh-CN" altLang="en-US" dirty="0">
-                <a:solidFill>
-                  <a:schemeClr val="accent1">
-                    <a:lumMod val="75000"/>
-                  </a:schemeClr>
-                </a:solidFill>
-              </a:rPr>
-              <a:t>选用一些原型工具</a:t>
-            </a:r>
-            <a:r>
-              <a:rPr lang="zh-CN" altLang="en-US" dirty="0"/>
-              <a:t>，而这些工具明显不同于用于实际开发的原型工具</a:t>
-            </a:r>
-            <a:r>
-              <a:rPr lang="zh-CN" altLang="en-US" dirty="0" smtClean="0"/>
-              <a:t>。</a:t>
-            </a:r>
-            <a:endParaRPr lang="en-US" altLang="zh-CN" dirty="0" smtClean="0"/>
-          </a:p>
-          <a:p>
-            <a:pPr indent="457200"/>
-            <a:r>
-              <a:rPr lang="zh-CN" altLang="en-US" dirty="0">
-                <a:solidFill>
-                  <a:schemeClr val="accent1">
-                    <a:lumMod val="75000"/>
-                  </a:schemeClr>
-                </a:solidFill>
-              </a:rPr>
-              <a:t>让原型看起来</a:t>
-            </a:r>
-            <a:r>
-              <a:rPr lang="zh-CN" altLang="en-US" dirty="0" smtClean="0">
-                <a:solidFill>
-                  <a:schemeClr val="accent1">
-                    <a:lumMod val="75000"/>
-                  </a:schemeClr>
-                </a:solidFill>
-              </a:rPr>
-              <a:t>简陋一些</a:t>
-            </a:r>
-            <a:r>
-              <a:rPr lang="zh-CN" altLang="en-US" dirty="0"/>
-              <a:t>，也可以降低这种风险。</a:t>
-            </a:r>
           </a:p>
         </p:txBody>
       </p:sp>
     </p:spTree>
     <p:extLst>
       <p:ext uri="{BB962C8B-B14F-4D97-AF65-F5344CB8AC3E}">
-        <p14:creationId xmlns:p14="http://schemas.microsoft.com/office/powerpoint/2010/main" val="2445992399"/>
+        <p14:creationId xmlns:p14="http://schemas.microsoft.com/office/powerpoint/2010/main" val="1199320673"/>
       </p:ext>
     </p:extLst>
   </p:cSld>
@@ -5583,11 +5210,6 @@
               </a:rPr>
               <a:t>6</a:t>
             </a:r>
-            <a:endParaRPr lang="en-US" sz="2400" dirty="0">
-              <a:solidFill>
-                <a:prstClr val="white"/>
-              </a:solidFill>
-            </a:endParaRPr>
           </a:p>
         </p:txBody>
       </p:sp>
@@ -5684,9 +5306,9 @@
         <p:grpSpPr>
           <a:xfrm>
             <a:off x="236855" y="1269365"/>
-            <a:ext cx="11276966" cy="4896485"/>
+            <a:ext cx="11278645" cy="4896485"/>
             <a:chOff x="237030" y="1269554"/>
-            <a:chExt cx="7776864" cy="4896544"/>
+            <a:chExt cx="7778022" cy="4896544"/>
           </a:xfrm>
         </p:grpSpPr>
         <p:sp>
@@ -5697,8 +5319,8 @@
           </p:nvSpPr>
           <p:spPr>
             <a:xfrm>
-              <a:off x="339939" y="2005942"/>
-              <a:ext cx="7673955" cy="491744"/>
+              <a:off x="341097" y="2245059"/>
+              <a:ext cx="7673955" cy="3416361"/>
             </a:xfrm>
             <a:prstGeom prst="rect">
               <a:avLst/>
@@ -5715,6 +5337,156 @@
                   <a:spcPct val="150000"/>
                 </a:lnSpc>
               </a:pPr>
+              <a:r>
+                <a:rPr lang="zh-CN" altLang="en-US" sz="2400" dirty="0">
+                  <a:solidFill>
+                    <a:srgbClr val="000000"/>
+                  </a:solidFill>
+                  <a:latin typeface="Verdana" panose="020B0604030504040204" pitchFamily="34" charset="0"/>
+                </a:rPr>
+                <a:t>即使是做个简单的原型，</a:t>
+              </a:r>
+              <a:r>
+                <a:rPr lang="zh-CN" altLang="en-US" sz="2400" dirty="0" smtClean="0">
+                  <a:solidFill>
+                    <a:srgbClr val="000000"/>
+                  </a:solidFill>
+                  <a:latin typeface="Verdana" panose="020B0604030504040204" pitchFamily="34" charset="0"/>
+                </a:rPr>
+                <a:t>也需要</a:t>
+              </a:r>
+              <a:r>
+                <a:rPr lang="zh-CN" altLang="en-US" sz="2400" dirty="0">
+                  <a:solidFill>
+                    <a:srgbClr val="000000"/>
+                  </a:solidFill>
+                  <a:latin typeface="Verdana" panose="020B0604030504040204" pitchFamily="34" charset="0"/>
+                </a:rPr>
+                <a:t>时间和资金。虽然原型可以降低软件项目失败的风险，但</a:t>
+              </a:r>
+              <a:r>
+                <a:rPr lang="zh-CN" altLang="en-US" sz="2400" dirty="0">
+                  <a:solidFill>
+                    <a:srgbClr val="FF0000"/>
+                  </a:solidFill>
+                  <a:latin typeface="Verdana" panose="020B0604030504040204" pitchFamily="34" charset="0"/>
+                </a:rPr>
+                <a:t>原型本身也有</a:t>
+              </a:r>
+              <a:r>
+                <a:rPr lang="zh-CN" altLang="en-US" sz="2400" dirty="0" smtClean="0">
+                  <a:solidFill>
+                    <a:srgbClr val="FF0000"/>
+                  </a:solidFill>
+                  <a:latin typeface="Verdana" panose="020B0604030504040204" pitchFamily="34" charset="0"/>
+                </a:rPr>
+                <a:t>风险</a:t>
+              </a:r>
+              <a:r>
+                <a:rPr lang="zh-CN" altLang="en-US" sz="2400" dirty="0" smtClean="0">
+                  <a:solidFill>
+                    <a:srgbClr val="000000"/>
+                  </a:solidFill>
+                  <a:latin typeface="Verdana" panose="020B0604030504040204" pitchFamily="34" charset="0"/>
+                </a:rPr>
+                <a:t>。</a:t>
+              </a:r>
+              <a:endParaRPr lang="en-US" altLang="zh-CN" sz="2400" dirty="0" smtClean="0">
+                <a:solidFill>
+                  <a:srgbClr val="000000"/>
+                </a:solidFill>
+                <a:latin typeface="Verdana" panose="020B0604030504040204" pitchFamily="34" charset="0"/>
+              </a:endParaRPr>
+            </a:p>
+            <a:p>
+              <a:pPr marL="457200" indent="-457200">
+                <a:lnSpc>
+                  <a:spcPct val="150000"/>
+                </a:lnSpc>
+                <a:buFont typeface="+mj-lt"/>
+                <a:buAutoNum type="arabicPeriod"/>
+              </a:pPr>
+              <a:r>
+                <a:rPr lang="zh-CN" altLang="en-US" sz="2400" dirty="0" smtClean="0">
+                  <a:solidFill>
+                    <a:srgbClr val="000000"/>
+                  </a:solidFill>
+                  <a:latin typeface="Verdana" panose="020B0604030504040204" pitchFamily="34" charset="0"/>
+                </a:rPr>
+                <a:t>原型发布的压力</a:t>
+              </a:r>
+              <a:endParaRPr lang="en-US" altLang="zh-CN" sz="2400" dirty="0" smtClean="0">
+                <a:solidFill>
+                  <a:srgbClr val="000000"/>
+                </a:solidFill>
+                <a:latin typeface="Verdana" panose="020B0604030504040204" pitchFamily="34" charset="0"/>
+              </a:endParaRPr>
+            </a:p>
+            <a:p>
+              <a:pPr marL="457200" indent="-457200">
+                <a:lnSpc>
+                  <a:spcPct val="150000"/>
+                </a:lnSpc>
+                <a:buFont typeface="+mj-lt"/>
+                <a:buAutoNum type="arabicPeriod"/>
+              </a:pPr>
+              <a:r>
+                <a:rPr lang="zh-CN" altLang="en-US" sz="2400" dirty="0" smtClean="0">
+                  <a:solidFill>
+                    <a:srgbClr val="000000"/>
+                  </a:solidFill>
+                  <a:latin typeface="Verdana" panose="020B0604030504040204" pitchFamily="34" charset="0"/>
+                </a:rPr>
+                <a:t>受细节所累</a:t>
+              </a:r>
+              <a:endParaRPr lang="en-US" altLang="zh-CN" sz="2400" dirty="0" smtClean="0">
+                <a:solidFill>
+                  <a:srgbClr val="000000"/>
+                </a:solidFill>
+                <a:latin typeface="Verdana" panose="020B0604030504040204" pitchFamily="34" charset="0"/>
+              </a:endParaRPr>
+            </a:p>
+            <a:p>
+              <a:pPr marL="457200" indent="-457200">
+                <a:lnSpc>
+                  <a:spcPct val="150000"/>
+                </a:lnSpc>
+                <a:buFont typeface="+mj-lt"/>
+                <a:buAutoNum type="arabicPeriod"/>
+              </a:pPr>
+              <a:r>
+                <a:rPr lang="zh-CN" altLang="en-US" sz="2400" dirty="0" smtClean="0">
+                  <a:solidFill>
+                    <a:srgbClr val="000000"/>
+                  </a:solidFill>
+                  <a:latin typeface="Verdana" panose="020B0604030504040204" pitchFamily="34" charset="0"/>
+                </a:rPr>
+                <a:t>不现实的性能预期</a:t>
+              </a:r>
+              <a:endParaRPr lang="en-US" altLang="zh-CN" sz="2400" dirty="0" smtClean="0">
+                <a:solidFill>
+                  <a:srgbClr val="000000"/>
+                </a:solidFill>
+                <a:latin typeface="Verdana" panose="020B0604030504040204" pitchFamily="34" charset="0"/>
+              </a:endParaRPr>
+            </a:p>
+            <a:p>
+              <a:pPr marL="457200" indent="-457200">
+                <a:lnSpc>
+                  <a:spcPct val="150000"/>
+                </a:lnSpc>
+                <a:buFont typeface="+mj-lt"/>
+                <a:buAutoNum type="arabicPeriod"/>
+              </a:pPr>
+              <a:r>
+                <a:rPr lang="zh-CN" altLang="en-US" sz="2000" dirty="0" smtClean="0">
+                  <a:solidFill>
+                    <a:srgbClr val="000000"/>
+                  </a:solidFill>
+                  <a:latin typeface="Verdana" panose="020B0604030504040204" pitchFamily="34" charset="0"/>
+                </a:rPr>
+                <a:t>对原型投入过多</a:t>
+              </a:r>
               <a:endParaRPr lang="zh-CN" altLang="en-US" sz="2000" dirty="0">
                 <a:solidFill>
                   <a:srgbClr val="000000"/>
@@ -5836,7 +5608,7 @@
                       <a:prstClr val="white"/>
                     </a:solidFill>
                   </a:rPr>
-                  <a:t>受细节所累</a:t>
+                  <a:t>原型风险</a:t>
                 </a:r>
                 <a:endParaRPr lang="zh-CN" altLang="en-US" sz="2800" dirty="0">
                   <a:solidFill>
@@ -5848,109 +5620,10 @@
           </p:sp>
         </p:grpSp>
       </p:grpSp>
-      <p:sp>
-        <p:nvSpPr>
-          <p:cNvPr id="8" name="矩形 7"/>
-          <p:cNvSpPr/>
-          <p:nvPr/>
-        </p:nvSpPr>
-        <p:spPr>
-          <a:xfrm>
-            <a:off x="386080" y="2251613"/>
-            <a:ext cx="11037718" cy="1546577"/>
-          </a:xfrm>
-          <a:prstGeom prst="rect">
-            <a:avLst/>
-          </a:prstGeom>
-        </p:spPr>
-        <p:txBody>
-          <a:bodyPr wrap="square">
-            <a:spAutoFit/>
-          </a:bodyPr>
-          <a:lstStyle/>
-          <a:p>
-            <a:pPr indent="457200">
-              <a:lnSpc>
-                <a:spcPct val="150000"/>
-              </a:lnSpc>
-            </a:pPr>
-            <a:r>
-              <a:rPr lang="zh-CN" altLang="en-US" dirty="0"/>
-              <a:t>原型的</a:t>
-            </a:r>
-            <a:r>
-              <a:rPr lang="zh-CN" altLang="en-US" dirty="0" smtClean="0"/>
-              <a:t>另外一个</a:t>
-            </a:r>
-            <a:r>
-              <a:rPr lang="zh-CN" altLang="en-US" dirty="0"/>
-              <a:t>风险 是用户把注意力放在</a:t>
-            </a:r>
-            <a:r>
-              <a:rPr lang="zh-CN" altLang="en-US" dirty="0" smtClean="0"/>
-              <a:t>与</a:t>
-            </a:r>
-            <a:r>
-              <a:rPr lang="en-US" altLang="zh-CN" dirty="0" smtClean="0"/>
-              <a:t>UI</a:t>
-            </a:r>
-            <a:r>
-              <a:rPr lang="zh-CN" altLang="en-US" dirty="0" smtClean="0"/>
-              <a:t>有关</a:t>
-            </a:r>
-            <a:r>
-              <a:rPr lang="zh-CN" altLang="en-US" dirty="0"/>
-              <a:t>的外观和操作细节上。如果使用一个看似真实的原型</a:t>
-            </a:r>
-            <a:r>
-              <a:rPr lang="zh-CN" altLang="en-US" dirty="0" smtClean="0"/>
-              <a:t>，用户很客</a:t>
-            </a:r>
-            <a:r>
-              <a:rPr lang="zh-CN" altLang="en-US" dirty="0"/>
-              <a:t>易忘记自已还在需求阶段，应该</a:t>
-            </a:r>
-            <a:r>
-              <a:rPr lang="zh-CN" altLang="en-US" dirty="0">
-                <a:solidFill>
-                  <a:schemeClr val="accent1">
-                    <a:lumMod val="75000"/>
-                  </a:schemeClr>
-                </a:solidFill>
-              </a:rPr>
-              <a:t>重点关注与概念相关的问题，将原型</a:t>
-            </a:r>
-            <a:r>
-              <a:rPr lang="zh-CN" altLang="en-US" dirty="0" smtClean="0">
-                <a:solidFill>
-                  <a:schemeClr val="accent1">
-                    <a:lumMod val="75000"/>
-                  </a:schemeClr>
-                </a:solidFill>
-              </a:rPr>
-              <a:t>限定于显示</a:t>
-            </a:r>
-            <a:r>
-              <a:rPr lang="zh-CN" altLang="en-US" dirty="0">
-                <a:solidFill>
-                  <a:schemeClr val="accent1">
-                    <a:lumMod val="75000"/>
-                  </a:schemeClr>
-                </a:solidFill>
-              </a:rPr>
-              <a:t>画面，功能和导航选项</a:t>
-            </a:r>
-            <a:r>
-              <a:rPr lang="zh-CN" altLang="en-US" dirty="0"/>
-              <a:t>，可以消除不确定的需求。</a:t>
-            </a:r>
-          </a:p>
-        </p:txBody>
-      </p:sp>
     </p:spTree>
     <p:extLst>
       <p:ext uri="{BB962C8B-B14F-4D97-AF65-F5344CB8AC3E}">
-        <p14:creationId xmlns:p14="http://schemas.microsoft.com/office/powerpoint/2010/main" val="859874657"/>
+        <p14:creationId xmlns:p14="http://schemas.microsoft.com/office/powerpoint/2010/main" val="730788224"/>
       </p:ext>
     </p:extLst>
   </p:cSld>
@@ -6087,11 +5760,6 @@
               </a:rPr>
               <a:t>6</a:t>
             </a:r>
-            <a:endParaRPr lang="en-US" sz="2400" dirty="0">
-              <a:solidFill>
-                <a:prstClr val="white"/>
-              </a:solidFill>
-            </a:endParaRPr>
           </a:p>
         </p:txBody>
       </p:sp>
@@ -6335,18 +6003,13 @@
               <a:p>
                 <a:pPr algn="ctr"/>
                 <a:r>
-                  <a:rPr lang="zh-CN" altLang="en-US" sz="2800" dirty="0" smtClean="0">
+                  <a:rPr lang="zh-CN" altLang="en-US" sz="2800" dirty="0">
                     <a:solidFill>
                       <a:prstClr val="white"/>
                     </a:solidFill>
                   </a:rPr>
-                  <a:t>不现实的性能预期</a:t>
+                  <a:t>原型发布的压力</a:t>
                 </a:r>
-                <a:endParaRPr lang="zh-CN" altLang="en-US" sz="2800" dirty="0">
-                  <a:solidFill>
-                    <a:prstClr val="white"/>
-                  </a:solidFill>
-                </a:endParaRPr>
               </a:p>
             </p:txBody>
           </p:sp>
@@ -6360,8 +6023,8 @@
         </p:nvSpPr>
         <p:spPr>
           <a:xfrm>
-            <a:off x="356480" y="2010546"/>
-            <a:ext cx="11037718" cy="3970318"/>
+            <a:off x="386080" y="2241264"/>
+            <a:ext cx="11037718" cy="3323987"/>
           </a:xfrm>
           <a:prstGeom prst="rect">
             <a:avLst/>
@@ -6373,52 +6036,186 @@
           </a:bodyPr>
           <a:lstStyle/>
           <a:p>
-            <a:pPr indent="457200">
-              <a:lnSpc>
-                <a:spcPct val="150000"/>
-              </a:lnSpc>
-            </a:pPr>
+            <a:pPr indent="457200"/>
             <a:r>
               <a:rPr lang="zh-CN" altLang="en-US" dirty="0"/>
-              <a:t>第三个风险是用户根据原型的性能来推断最终产品的预期性能。</a:t>
+              <a:t>最大的风险是</a:t>
+            </a:r>
+            <a:r>
+              <a:rPr lang="zh-CN" altLang="en-US" dirty="0" smtClean="0">
+                <a:solidFill>
+                  <a:srgbClr val="FF0000"/>
+                </a:solidFill>
+              </a:rPr>
+              <a:t>项目干系</a:t>
             </a:r>
             <a:r>
               <a:rPr lang="zh-CN" altLang="en-US" dirty="0">
                 <a:solidFill>
-                  <a:schemeClr val="accent1">
-                    <a:lumMod val="75000"/>
-                  </a:schemeClr>
+                  <a:srgbClr val="FF0000"/>
                 </a:solidFill>
               </a:rPr>
-              <a:t>不要在预期产品环境中对原型进行评估</a:t>
+              <a:t>人会看到一个可以运行的</a:t>
             </a:r>
             <a:r>
               <a:rPr lang="zh-CN" altLang="en-US" dirty="0" smtClean="0">
                 <a:solidFill>
-                  <a:schemeClr val="accent1">
-                    <a:lumMod val="75000"/>
-                  </a:schemeClr>
+                  <a:srgbClr val="FF0000"/>
+                </a:solidFill>
+              </a:rPr>
+              <a:t>可</a:t>
+            </a:r>
+            <a:r>
+              <a:rPr lang="zh-CN" altLang="en-US" dirty="0">
+                <a:solidFill>
+                  <a:srgbClr val="FF0000"/>
+                </a:solidFill>
+              </a:rPr>
+              <a:t>抛弃</a:t>
+            </a:r>
+            <a:r>
+              <a:rPr lang="zh-CN" altLang="en-US" dirty="0" smtClean="0">
+                <a:solidFill>
+                  <a:srgbClr val="FF0000"/>
+                </a:solidFill>
+              </a:rPr>
+              <a:t>原型</a:t>
+            </a:r>
+            <a:r>
+              <a:rPr lang="zh-CN" altLang="en-US" dirty="0">
+                <a:solidFill>
+                  <a:srgbClr val="FF0000"/>
+                </a:solidFill>
+              </a:rPr>
+              <a:t>，从而得出产品几近完成的结论</a:t>
+            </a:r>
+            <a:r>
+              <a:rPr lang="zh-CN" altLang="en-US" dirty="0" smtClean="0">
+                <a:solidFill>
+                  <a:srgbClr val="FF0000"/>
                 </a:solidFill>
               </a:rPr>
               <a:t>。</a:t>
             </a:r>
             <a:endParaRPr lang="en-US" altLang="zh-CN" dirty="0" smtClean="0">
               <a:solidFill>
-                <a:schemeClr val="accent1">
-                  <a:lumMod val="75000"/>
-                </a:schemeClr>
+                <a:srgbClr val="FF0000"/>
               </a:solidFill>
             </a:endParaRPr>
           </a:p>
           <a:p>
-            <a:pPr indent="457200">
-              <a:lnSpc>
-                <a:spcPct val="150000"/>
-              </a:lnSpc>
-            </a:pPr>
+            <a:pPr indent="457200"/>
             <a:r>
               <a:rPr lang="zh-CN" altLang="en-US" dirty="0"/>
-              <a:t>为了使原型更真实地模拟最终产品的预期行为，在构建原型时</a:t>
+              <a:t>原型</a:t>
+            </a:r>
+            <a:r>
+              <a:rPr lang="zh-CN" altLang="en-US" dirty="0" smtClean="0"/>
+              <a:t>的</a:t>
+            </a:r>
+            <a:r>
+              <a:rPr lang="zh-CN" altLang="en-US" dirty="0"/>
+              <a:t>设计和编码并没有考虑到软件的质量和生命周期。</a:t>
+            </a:r>
+            <a:r>
+              <a:rPr lang="zh-CN" altLang="en-US" dirty="0">
+                <a:solidFill>
+                  <a:srgbClr val="FF0000"/>
+                </a:solidFill>
+              </a:rPr>
+              <a:t>对客户</a:t>
+            </a:r>
+            <a:r>
+              <a:rPr lang="zh-CN" altLang="en-US" dirty="0" smtClean="0">
+                <a:solidFill>
+                  <a:srgbClr val="FF0000"/>
+                </a:solidFill>
+              </a:rPr>
+              <a:t>预期</a:t>
+            </a:r>
+            <a:r>
+              <a:rPr lang="zh-CN" altLang="en-US" dirty="0">
+                <a:solidFill>
+                  <a:srgbClr val="FF0000"/>
+                </a:solidFill>
+              </a:rPr>
+              <a:t>进行</a:t>
+            </a:r>
+            <a:r>
+              <a:rPr lang="zh-CN" altLang="en-US" dirty="0" smtClean="0">
+                <a:solidFill>
+                  <a:srgbClr val="FF0000"/>
+                </a:solidFill>
+              </a:rPr>
+              <a:t>管理</a:t>
+            </a:r>
+            <a:r>
+              <a:rPr lang="zh-CN" altLang="en-US" dirty="0"/>
+              <a:t>是原型成功的关键。每个关注原型的人都要</a:t>
+            </a:r>
+            <a:r>
+              <a:rPr lang="zh-CN" altLang="en-US" dirty="0">
+                <a:solidFill>
+                  <a:srgbClr val="FF0000"/>
+                </a:solidFill>
+              </a:rPr>
+              <a:t>理解原型的目的及其局限性</a:t>
+            </a:r>
+            <a:r>
+              <a:rPr lang="zh-CN" altLang="en-US" dirty="0"/>
+              <a:t>。要清楚创建原型的原因，并且明白我们才是决定原型最终命运的人</a:t>
+            </a:r>
+            <a:r>
+              <a:rPr lang="zh-CN" altLang="en-US" dirty="0" smtClean="0"/>
+              <a:t>。</a:t>
+            </a:r>
+            <a:endParaRPr lang="en-US" altLang="zh-CN" dirty="0" smtClean="0"/>
+          </a:p>
+          <a:p>
+            <a:pPr indent="457200"/>
+            <a:endParaRPr lang="en-US" altLang="zh-CN" dirty="0" smtClean="0"/>
+          </a:p>
+          <a:p>
+            <a:pPr indent="457200"/>
+            <a:r>
+              <a:rPr lang="zh-CN" altLang="en-US" dirty="0" smtClean="0"/>
+              <a:t>控制</a:t>
+            </a:r>
+            <a:r>
+              <a:rPr lang="zh-CN" altLang="en-US" dirty="0"/>
+              <a:t>该风险的一个 方法是</a:t>
+            </a:r>
+            <a:r>
+              <a:rPr lang="zh-CN" altLang="en-US" dirty="0">
+                <a:solidFill>
+                  <a:srgbClr val="FF0000"/>
+                </a:solidFill>
+              </a:rPr>
+              <a:t>使用纸上原型面不是电子原型</a:t>
+            </a:r>
+            <a:r>
+              <a:rPr lang="zh-CN" altLang="en-US" dirty="0"/>
+              <a:t>。评估纸上原型的人不会产生</a:t>
+            </a:r>
+            <a:r>
+              <a:rPr lang="zh-CN" altLang="en-US" dirty="0" smtClean="0"/>
+              <a:t>产品接近</a:t>
+            </a:r>
+            <a:r>
+              <a:rPr lang="zh-CN" altLang="en-US" dirty="0"/>
+              <a:t>成品的想法</a:t>
+            </a:r>
+            <a:r>
+              <a:rPr lang="zh-CN" altLang="en-US" dirty="0" smtClean="0"/>
+              <a:t>。</a:t>
+            </a:r>
+            <a:endParaRPr lang="en-US" altLang="zh-CN" dirty="0" smtClean="0"/>
+          </a:p>
+          <a:p>
+            <a:pPr indent="457200"/>
+            <a:r>
+              <a:rPr lang="zh-CN" altLang="en-US" dirty="0"/>
+              <a:t>另一个可选方法是</a:t>
             </a:r>
             <a:r>
               <a:rPr lang="zh-CN" altLang="en-US" dirty="0">
@@ -6428,23 +6225,20 @@
                   </a:schemeClr>
                 </a:solidFill>
               </a:rPr>
-              <a:t>要考虑时间上的延迟或 者让原型看起来还没有准备好马上发布</a:t>
+              <a:t>选用一些原型工具</a:t>
             </a:r>
             <a:r>
               <a:rPr lang="zh-CN" altLang="en-US" dirty="0"/>
-              <a:t>。可以在屏幕上放消息，声明它并不代表最终的产品。</a:t>
-            </a:r>
+              <a:t>，而这些工具明显不同于用于实际开发的原型工具</a:t>
+            </a:r>
+            <a:r>
+              <a:rPr lang="zh-CN" altLang="en-US" dirty="0" smtClean="0"/>
+              <a:t>。</a:t>
+            </a:r>
+            <a:endParaRPr lang="en-US" altLang="zh-CN" dirty="0" smtClean="0"/>
           </a:p>
           <a:p>
-            <a:pPr indent="457200">
-              <a:lnSpc>
-                <a:spcPct val="150000"/>
-              </a:lnSpc>
-            </a:pPr>
-            <a:r>
-              <a:rPr lang="zh-CN" altLang="en-US" dirty="0"/>
-              <a:t>在敏捷开发和其他演进原型中，要</a:t>
-            </a:r>
+            <a:pPr indent="457200"/>
             <a:r>
               <a:rPr lang="zh-CN" altLang="en-US" dirty="0">
                 <a:solidFill>
@@ -6453,35 +6247,29 @@
                   </a:schemeClr>
                 </a:solidFill>
               </a:rPr>
-              <a:t>保证从一开始就设计一个健壮的、可扩展的架构并写出高质量的代码</a:t>
+              <a:t>让原型看起来</a:t>
+            </a:r>
+            <a:r>
+              <a:rPr lang="zh-CN" altLang="en-US" dirty="0" smtClean="0">
+                <a:solidFill>
+                  <a:schemeClr val="accent1">
+                    <a:lumMod val="75000"/>
+                  </a:schemeClr>
+                </a:solidFill>
+              </a:rPr>
+              <a:t>简陋一些</a:t>
             </a:r>
             <a:r>
               <a:rPr lang="zh-CN" altLang="en-US" dirty="0"/>
-              <a:t>。构建一个产 品级软件并且每</a:t>
-            </a:r>
-            <a:r>
-              <a:rPr lang="en-US" altLang="zh-CN" dirty="0"/>
-              <a:t>- </a:t>
-            </a:r>
-            <a:r>
-              <a:rPr lang="zh-CN" altLang="en-US" dirty="0"/>
-              <a:t>个时间段只完成其中一小部分。可以在后期迭代中通过重构来优化设计，但后期的重构并不能代替前期设计工作。</a:t>
-            </a:r>
-          </a:p>
-          <a:p>
-            <a:pPr indent="457200">
-              <a:lnSpc>
-                <a:spcPct val="150000"/>
-              </a:lnSpc>
-            </a:pPr>
-            <a:endParaRPr lang="zh-CN" altLang="en-US" dirty="0"/>
+              <a:t>，也可以降低这种风险。</a:t>
+            </a:r>
           </a:p>
         </p:txBody>
       </p:sp>
     </p:spTree>
     <p:extLst>
       <p:ext uri="{BB962C8B-B14F-4D97-AF65-F5344CB8AC3E}">
-        <p14:creationId xmlns:p14="http://schemas.microsoft.com/office/powerpoint/2010/main" val="6823864"/>
+        <p14:creationId xmlns:p14="http://schemas.microsoft.com/office/powerpoint/2010/main" val="2445992399"/>
       </p:ext>
     </p:extLst>
   </p:cSld>
@@ -6618,11 +6406,6 @@
               </a:rPr>
               <a:t>6</a:t>
             </a:r>
-            <a:endParaRPr lang="en-US" sz="2400" dirty="0">
-              <a:solidFill>
-                <a:prstClr val="white"/>
-              </a:solidFill>
-            </a:endParaRPr>
           </a:p>
         </p:txBody>
       </p:sp>
@@ -6871,7 +6654,7 @@
                       <a:prstClr val="white"/>
                     </a:solidFill>
                   </a:rPr>
-                  <a:t>对原型投入过多</a:t>
+                  <a:t>受细节所累</a:t>
                 </a:r>
                 <a:endParaRPr lang="zh-CN" altLang="en-US" sz="2800" dirty="0">
                   <a:solidFill>
@@ -6891,8 +6674,8 @@
         </p:nvSpPr>
         <p:spPr>
           <a:xfrm>
-            <a:off x="356480" y="2010546"/>
-            <a:ext cx="11037718" cy="3000821"/>
+            <a:off x="386080" y="2251613"/>
+            <a:ext cx="11037718" cy="1546577"/>
           </a:xfrm>
           <a:prstGeom prst="rect">
             <a:avLst/>
@@ -6911,7 +6694,39 @@
             </a:pPr>
             <a:r>
               <a:rPr lang="zh-CN" altLang="en-US" dirty="0"/>
-              <a:t>最后，</a:t>
+              <a:t>原型的</a:t>
+            </a:r>
+            <a:r>
+              <a:rPr lang="zh-CN" altLang="en-US" dirty="0" smtClean="0"/>
+              <a:t>另外一个</a:t>
+            </a:r>
+            <a:r>
+              <a:rPr lang="zh-CN" altLang="en-US" dirty="0"/>
+              <a:t>风险 是用户把注意力放在</a:t>
+            </a:r>
+            <a:r>
+              <a:rPr lang="zh-CN" altLang="en-US" dirty="0" smtClean="0"/>
+              <a:t>与</a:t>
+            </a:r>
+            <a:r>
+              <a:rPr lang="en-US" altLang="zh-CN" dirty="0" smtClean="0"/>
+              <a:t>UI</a:t>
+            </a:r>
+            <a:r>
+              <a:rPr lang="zh-CN" altLang="en-US" dirty="0" smtClean="0"/>
+              <a:t>有关</a:t>
+            </a:r>
+            <a:r>
+              <a:rPr lang="zh-CN" altLang="en-US" dirty="0"/>
+              <a:t>的外观和操作细节上。如果使用一个看似真实的原型</a:t>
+            </a:r>
+            <a:r>
+              <a:rPr lang="zh-CN" altLang="en-US" dirty="0" smtClean="0"/>
+              <a:t>，用户很客</a:t>
+            </a:r>
+            <a:r>
+              <a:rPr lang="zh-CN" altLang="en-US" dirty="0"/>
+              <a:t>易忘记自已还在需求阶段，应该</a:t>
             </a:r>
             <a:r>
               <a:rPr lang="zh-CN" altLang="en-US" dirty="0">
@@ -6921,7 +6736,7 @@
                   </a:schemeClr>
                 </a:solidFill>
               </a:rPr>
-              <a:t>不要在原型工作</a:t>
+              <a:t>重点关注与概念相关的问题，将原型</a:t>
             </a:r>
             <a:r>
               <a:rPr lang="zh-CN" altLang="en-US" dirty="0" smtClean="0">
@@ -6931,7 +6746,7 @@
                   </a:schemeClr>
                 </a:solidFill>
               </a:rPr>
-              <a:t>上投入</a:t>
+              <a:t>限定于显示</a:t>
             </a:r>
             <a:r>
               <a:rPr lang="zh-CN" altLang="en-US" dirty="0">
@@ -6941,27 +6756,19 @@
                   </a:schemeClr>
                 </a:solidFill>
               </a:rPr>
-              <a:t>太多精力</a:t>
+              <a:t>画面，功能和导航选项</a:t>
             </a:r>
             <a:r>
               <a:rPr lang="zh-CN" altLang="en-US" dirty="0"/>
-              <a:t>，最终导致开发团队没有时间而不得不将原型作为产品或者匆忙进入混乱的产品实现。对整个解决方案进行建模而不是只对最不确定的、高风险的或者复杂的部分进行建模就属于这种情况。用模型来进行试验。进行的是假设测试，看需求是否已经充分定义，关键的人机交互以及架构问题是否已经解决。如果原型能够测试假设，能够回答间题并且能够提炼需求，就足够了。</a:t>
-            </a:r>
-          </a:p>
-          <a:p>
-            <a:pPr indent="457200">
-              <a:lnSpc>
-                <a:spcPct val="150000"/>
-              </a:lnSpc>
-            </a:pPr>
-            <a:endParaRPr lang="zh-CN" altLang="en-US" dirty="0"/>
+              <a:t>，可以消除不确定的需求。</a:t>
+            </a:r>
           </a:p>
         </p:txBody>
       </p:sp>
     </p:spTree>
     <p:extLst>
       <p:ext uri="{BB962C8B-B14F-4D97-AF65-F5344CB8AC3E}">
-        <p14:creationId xmlns:p14="http://schemas.microsoft.com/office/powerpoint/2010/main" val="3721164705"/>
+        <p14:creationId xmlns:p14="http://schemas.microsoft.com/office/powerpoint/2010/main" val="859874657"/>
       </p:ext>
     </p:extLst>
   </p:cSld>
@@ -7091,18 +6898,13 @@
           <a:p>
             <a:pPr algn="ctr"/>
             <a:r>
-              <a:rPr lang="en-US" sz="2400" dirty="0" smtClean="0">
+              <a:rPr lang="en-US" sz="2400" dirty="0">
                 <a:solidFill>
                   <a:prstClr val="white"/>
                 </a:solidFill>
               </a:rPr>
-              <a:t>7</a:t>
-            </a:r>
-            <a:endParaRPr lang="en-US" sz="2400" dirty="0">
-              <a:solidFill>
-                <a:prstClr val="white"/>
-              </a:solidFill>
-            </a:endParaRPr>
+              <a:t>6</a:t>
+            </a:r>
           </a:p>
         </p:txBody>
       </p:sp>
@@ -7178,7 +6980,7 @@
                 <a:latin typeface="微软雅黑" panose="020B0503020204020204" pitchFamily="34" charset="-122"/>
                 <a:ea typeface="微软雅黑" panose="020B0503020204020204" pitchFamily="34" charset="-122"/>
               </a:rPr>
-              <a:t>原型的成功因素</a:t>
+              <a:t>原型的风险</a:t>
             </a:r>
             <a:endParaRPr lang="zh-CN" altLang="en-US" sz="2665" dirty="0">
               <a:solidFill>
@@ -7345,6 +7147,14 @@
               <a:lstStyle/>
               <a:p>
                 <a:pPr algn="ctr"/>
+                <a:r>
+                  <a:rPr lang="zh-CN" altLang="en-US" sz="2800" dirty="0" smtClean="0">
+                    <a:solidFill>
+                      <a:prstClr val="white"/>
+                    </a:solidFill>
+                  </a:rPr>
+                  <a:t>不现实的性能预期</a:t>
+                </a:r>
                 <a:endParaRPr lang="zh-CN" altLang="en-US" sz="2800" dirty="0">
                   <a:solidFill>
                     <a:prstClr val="white"/>
@@ -7363,8 +7173,8 @@
         </p:nvSpPr>
         <p:spPr>
           <a:xfrm>
-            <a:off x="386080" y="1845618"/>
-            <a:ext cx="11037718" cy="4455066"/>
+            <a:off x="356480" y="2010546"/>
+            <a:ext cx="11037718" cy="3970318"/>
           </a:xfrm>
           <a:prstGeom prst="rect">
             <a:avLst/>
@@ -7383,166 +7193,100 @@
             </a:pPr>
             <a:r>
               <a:rPr lang="zh-CN" altLang="en-US" dirty="0"/>
-              <a:t>软件原型可以</a:t>
+              <a:t>第三个风险是用户根据原型的性能来推断最终产品的预期性能。</a:t>
             </a:r>
             <a:r>
               <a:rPr lang="zh-CN" altLang="en-US" dirty="0">
                 <a:solidFill>
-                  <a:srgbClr val="FF0000"/>
+                  <a:schemeClr val="accent1">
+                    <a:lumMod val="75000"/>
+                  </a:schemeClr>
                 </a:solidFill>
               </a:rPr>
-              <a:t>加快开发进程</a:t>
+              <a:t>不要在预期产品环境中对原型进行评估</a:t>
             </a:r>
             <a:r>
               <a:rPr lang="zh-CN" altLang="en-US" dirty="0" smtClean="0">
                 <a:solidFill>
-                  <a:srgbClr val="FF0000"/>
+                  <a:schemeClr val="accent1">
+                    <a:lumMod val="75000"/>
+                  </a:schemeClr>
                 </a:solidFill>
               </a:rPr>
-              <a:t>、提高</a:t>
-            </a:r>
-            <a:r>
-              <a:rPr lang="zh-CN" altLang="en-US" dirty="0">
-                <a:solidFill>
-                  <a:srgbClr val="FF0000"/>
-                </a:solidFill>
-              </a:rPr>
-              <a:t>客户满意度以及产出高质量的产品</a:t>
-            </a:r>
-            <a:r>
-              <a:rPr lang="zh-CN" altLang="en-US" dirty="0"/>
-              <a:t>。为了在需求过程中高效使用原型，  请遵循以下这些原则</a:t>
-            </a:r>
-            <a:r>
-              <a:rPr lang="zh-CN" altLang="en-US" dirty="0" smtClean="0"/>
               <a:t>。</a:t>
             </a:r>
-            <a:endParaRPr lang="en-US" altLang="zh-CN" dirty="0" smtClean="0"/>
+            <a:endParaRPr lang="en-US" altLang="zh-CN" dirty="0" smtClean="0">
+              <a:solidFill>
+                <a:schemeClr val="accent1">
+                  <a:lumMod val="75000"/>
+                </a:schemeClr>
+              </a:solidFill>
+            </a:endParaRPr>
           </a:p>
           <a:p>
-            <a:pPr marL="342900" indent="-342900">
+            <a:pPr indent="457200">
               <a:lnSpc>
                 <a:spcPct val="150000"/>
               </a:lnSpc>
-              <a:buFont typeface="Arial" panose="020B0604020202020204" pitchFamily="34" charset="0"/>
-              <a:buChar char="•"/>
             </a:pPr>
             <a:r>
               <a:rPr lang="zh-CN" altLang="en-US" dirty="0"/>
-              <a:t>在项目计中包含与原型相关的任务。为开发、评估和修改原型安排时间和资源。</a:t>
+              <a:t>为了使原型更真实地模拟最终产品的预期行为，在构建原型时</a:t>
+            </a:r>
+            <a:r>
+              <a:rPr lang="zh-CN" altLang="en-US" dirty="0">
+                <a:solidFill>
+                  <a:schemeClr val="accent1">
+                    <a:lumMod val="75000"/>
+                  </a:schemeClr>
+                </a:solidFill>
+              </a:rPr>
+              <a:t>要考虑时间上的延迟或 者让原型看起来还没有准备好马上发布</a:t>
+            </a:r>
+            <a:r>
+              <a:rPr lang="zh-CN" altLang="en-US" dirty="0"/>
+              <a:t>。可以在屏幕上放消息，声明它并不代表最终的产品。</a:t>
             </a:r>
           </a:p>
           <a:p>
-            <a:pPr marL="342900" indent="-342900">
+            <a:pPr indent="457200">
               <a:lnSpc>
                 <a:spcPct val="150000"/>
               </a:lnSpc>
-              <a:buFont typeface="Arial" panose="020B0604020202020204" pitchFamily="34" charset="0"/>
-              <a:buChar char="•"/>
             </a:pPr>
             <a:r>
               <a:rPr lang="zh-CN" altLang="en-US" dirty="0"/>
-              <a:t>在创建原型之前，</a:t>
+              <a:t>在敏捷开发和其他演进原型中，要</a:t>
             </a:r>
             <a:r>
               <a:rPr lang="zh-CN" altLang="en-US" dirty="0">
                 <a:solidFill>
-                  <a:srgbClr val="FF0000"/>
+                  <a:schemeClr val="accent1">
+                    <a:lumMod val="75000"/>
+                  </a:schemeClr>
                 </a:solidFill>
               </a:rPr>
-              <a:t>注明原型的目的并解释其最终产出</a:t>
+              <a:t>保证从一开始就设计一个健壮的、可扩展的架构并写出高质量的代码</a:t>
+            </a:r>
+            <a:r>
+              <a:rPr lang="zh-CN" altLang="en-US" dirty="0"/>
+              <a:t>。构建一个产 品级软件并且每</a:t>
             </a:r>
             <a:r>
               <a:rPr lang="en-US" altLang="zh-CN" dirty="0"/>
-              <a:t>:</a:t>
+              <a:t>- </a:t>
             </a:r>
             <a:r>
               <a:rPr lang="zh-CN" altLang="en-US" dirty="0"/>
-              <a:t>抛并</a:t>
-            </a:r>
-            <a:r>
-              <a:rPr lang="en-US" altLang="zh-CN" dirty="0"/>
-              <a:t>(</a:t>
-            </a:r>
-            <a:r>
-              <a:rPr lang="zh-CN" altLang="en-US" dirty="0"/>
-              <a:t>还是归档</a:t>
-            </a:r>
-            <a:r>
-              <a:rPr lang="en-US" altLang="zh-CN" dirty="0"/>
-              <a:t>)</a:t>
-            </a:r>
-            <a:r>
-              <a:rPr lang="zh-CN" altLang="en-US" dirty="0"/>
-              <a:t>原型，是保留原型所提供的知识，还是在原型基础上继续构建直至成为最终解决方案。保证创建和评估原型的人都明白这些动机</a:t>
-            </a:r>
-            <a:r>
-              <a:rPr lang="zh-CN" altLang="en-US" dirty="0" smtClean="0"/>
-              <a:t>。</a:t>
-            </a:r>
-            <a:endParaRPr lang="en-US" altLang="zh-CN" dirty="0" smtClean="0"/>
+              <a:t>个时间段只完成其中一小部分。可以在后期迭代中通过重构来优化设计，但后期的重构并不能代替前期设计工作。</a:t>
+            </a:r>
           </a:p>
           <a:p>
-            <a:pPr marL="342900" indent="-342900">
+            <a:pPr indent="457200">
               <a:lnSpc>
                 <a:spcPct val="150000"/>
               </a:lnSpc>
-              <a:buFont typeface="Arial" panose="020B0604020202020204" pitchFamily="34" charset="0"/>
-              <a:buChar char="•"/>
             </a:pPr>
-            <a:r>
-              <a:rPr lang="zh-CN" altLang="en-US" dirty="0">
-                <a:solidFill>
-                  <a:srgbClr val="FF0000"/>
-                </a:solidFill>
-              </a:rPr>
-              <a:t>做好开发多个原型的计划</a:t>
-            </a:r>
-            <a:r>
-              <a:rPr lang="zh-CN" altLang="en-US" dirty="0"/>
-              <a:t>。</a:t>
-            </a:r>
-            <a:r>
-              <a:rPr lang="zh-CN" altLang="en-US" dirty="0" smtClean="0"/>
-              <a:t>很难一次</a:t>
-            </a:r>
-            <a:r>
-              <a:rPr lang="zh-CN" altLang="en-US" dirty="0"/>
-              <a:t>就能得 到正确的原型，这也正是原型的目的所在</a:t>
-            </a:r>
-            <a:r>
-              <a:rPr lang="en-US" altLang="zh-CN" dirty="0"/>
-              <a:t>!</a:t>
-            </a:r>
-          </a:p>
-          <a:p>
-            <a:pPr marL="342900" indent="-342900">
-              <a:lnSpc>
-                <a:spcPct val="150000"/>
-              </a:lnSpc>
-              <a:buFont typeface="Arial" panose="020B0604020202020204" pitchFamily="34" charset="0"/>
-              <a:buChar char="•"/>
-            </a:pPr>
-            <a:r>
-              <a:rPr lang="zh-CN" altLang="en-US" dirty="0"/>
-              <a:t>创建可抛弃型原型，要</a:t>
-            </a:r>
-            <a:r>
-              <a:rPr lang="zh-CN" altLang="en-US" dirty="0">
-                <a:solidFill>
-                  <a:srgbClr val="FF0000"/>
-                </a:solidFill>
-              </a:rPr>
-              <a:t>尽可能快、成本低。以最少精力完成回答问题</a:t>
-            </a:r>
-            <a:r>
-              <a:rPr lang="zh-CN" altLang="en-US" dirty="0"/>
-              <a:t>或者解决需求中不确定的部分。不要试图把可抛弃型原型做</a:t>
-            </a:r>
-            <a:r>
-              <a:rPr lang="zh-CN" altLang="en-US" dirty="0" smtClean="0"/>
-              <a:t>得尽善尽美。</a:t>
-            </a:r>
             <a:endParaRPr lang="zh-CN" altLang="en-US" dirty="0"/>
           </a:p>
         </p:txBody>
@@ -7550,7 +7294,7 @@
     </p:spTree>
     <p:extLst>
       <p:ext uri="{BB962C8B-B14F-4D97-AF65-F5344CB8AC3E}">
-        <p14:creationId xmlns:p14="http://schemas.microsoft.com/office/powerpoint/2010/main" val="3937484484"/>
+        <p14:creationId xmlns:p14="http://schemas.microsoft.com/office/powerpoint/2010/main" val="6823864"/>
       </p:ext>
     </p:extLst>
   </p:cSld>
@@ -7680,6 +7424,1070 @@
           <a:p>
             <a:pPr algn="ctr"/>
             <a:r>
+              <a:rPr lang="en-US" sz="2400" dirty="0">
+                <a:solidFill>
+                  <a:prstClr val="white"/>
+                </a:solidFill>
+              </a:rPr>
+              <a:t>6</a:t>
+            </a:r>
+          </a:p>
+        </p:txBody>
+      </p:sp>
+      <p:sp>
+        <p:nvSpPr>
+          <p:cNvPr id="4" name="文本框 3"/>
+          <p:cNvSpPr txBox="1"/>
+          <p:nvPr/>
+        </p:nvSpPr>
+        <p:spPr>
+          <a:xfrm>
+            <a:off x="2236548" y="136356"/>
+            <a:ext cx="6052718" cy="501650"/>
+          </a:xfrm>
+          <a:prstGeom prst="rect">
+            <a:avLst/>
+          </a:prstGeom>
+          <a:noFill/>
+        </p:spPr>
+        <p:txBody>
+          <a:bodyPr wrap="square" rtlCol="0">
+            <a:spAutoFit/>
+          </a:bodyPr>
+          <a:lstStyle/>
+          <a:p>
+            <a:endParaRPr lang="zh-CN" altLang="en-US" sz="2665" dirty="0">
+              <a:solidFill>
+                <a:srgbClr val="183A5D"/>
+              </a:solidFill>
+              <a:latin typeface="微软雅黑" panose="020B0503020204020204" pitchFamily="34" charset="-122"/>
+              <a:ea typeface="微软雅黑" panose="020B0503020204020204" pitchFamily="34" charset="-122"/>
+            </a:endParaRPr>
+          </a:p>
+        </p:txBody>
+      </p:sp>
+      <p:sp>
+        <p:nvSpPr>
+          <p:cNvPr id="6" name="文本框 5"/>
+          <p:cNvSpPr txBox="1"/>
+          <p:nvPr/>
+        </p:nvSpPr>
+        <p:spPr>
+          <a:xfrm>
+            <a:off x="2226388" y="159851"/>
+            <a:ext cx="6052718" cy="501650"/>
+          </a:xfrm>
+          <a:prstGeom prst="rect">
+            <a:avLst/>
+          </a:prstGeom>
+          <a:noFill/>
+        </p:spPr>
+        <p:txBody>
+          <a:bodyPr wrap="square" rtlCol="0">
+            <a:spAutoFit/>
+          </a:bodyPr>
+          <a:lstStyle/>
+          <a:p>
+            <a:r>
+              <a:rPr lang="zh-CN" altLang="en-US" sz="2665" dirty="0">
+                <a:solidFill>
+                  <a:srgbClr val="183A5D"/>
+                </a:solidFill>
+                <a:latin typeface="微软雅黑" panose="020B0503020204020204" pitchFamily="34" charset="-122"/>
+                <a:ea typeface="微软雅黑" panose="020B0503020204020204" pitchFamily="34" charset="-122"/>
+              </a:rPr>
+              <a:t>界面</a:t>
+            </a:r>
+            <a:r>
+              <a:rPr lang="zh-CN" altLang="en-US" sz="2665" dirty="0" smtClean="0">
+                <a:solidFill>
+                  <a:srgbClr val="183A5D"/>
+                </a:solidFill>
+                <a:latin typeface="微软雅黑" panose="020B0503020204020204" pitchFamily="34" charset="-122"/>
+                <a:ea typeface="微软雅黑" panose="020B0503020204020204" pitchFamily="34" charset="-122"/>
+              </a:rPr>
+              <a:t>原型的风险</a:t>
+            </a:r>
+            <a:endParaRPr lang="zh-CN" altLang="en-US" sz="2665" dirty="0">
+              <a:solidFill>
+                <a:srgbClr val="183A5D"/>
+              </a:solidFill>
+              <a:latin typeface="微软雅黑" panose="020B0503020204020204" pitchFamily="34" charset="-122"/>
+              <a:ea typeface="微软雅黑" panose="020B0503020204020204" pitchFamily="34" charset="-122"/>
+            </a:endParaRPr>
+          </a:p>
+        </p:txBody>
+      </p:sp>
+      <p:grpSp>
+        <p:nvGrpSpPr>
+          <p:cNvPr id="7" name="组合 6"/>
+          <p:cNvGrpSpPr/>
+          <p:nvPr/>
+        </p:nvGrpSpPr>
+        <p:grpSpPr>
+          <a:xfrm>
+            <a:off x="236855" y="1269365"/>
+            <a:ext cx="11276966" cy="4896485"/>
+            <a:chOff x="237030" y="1269554"/>
+            <a:chExt cx="7776864" cy="4896544"/>
+          </a:xfrm>
+        </p:grpSpPr>
+        <p:sp>
+          <p:nvSpPr>
+            <p:cNvPr id="5" name="矩形 4"/>
+            <p:cNvSpPr/>
+            <p:nvPr/>
+          </p:nvSpPr>
+          <p:spPr>
+            <a:xfrm>
+              <a:off x="339939" y="2005942"/>
+              <a:ext cx="7673955" cy="491744"/>
+            </a:xfrm>
+            <a:prstGeom prst="rect">
+              <a:avLst/>
+            </a:prstGeom>
+          </p:spPr>
+          <p:txBody>
+            <a:bodyPr wrap="square">
+              <a:spAutoFit/>
+            </a:bodyPr>
+            <a:lstStyle/>
+            <a:p>
+              <a:pPr>
+                <a:lnSpc>
+                  <a:spcPct val="150000"/>
+                </a:lnSpc>
+              </a:pPr>
+              <a:endParaRPr lang="zh-CN" altLang="en-US" sz="2000" dirty="0">
+                <a:solidFill>
+                  <a:srgbClr val="000000"/>
+                </a:solidFill>
+                <a:latin typeface="Verdana" panose="020B0604030504040204" pitchFamily="34" charset="0"/>
+              </a:endParaRPr>
+            </a:p>
+          </p:txBody>
+        </p:sp>
+        <p:grpSp>
+          <p:nvGrpSpPr>
+            <p:cNvPr id="10" name="组合 9"/>
+            <p:cNvGrpSpPr/>
+            <p:nvPr/>
+          </p:nvGrpSpPr>
+          <p:grpSpPr>
+            <a:xfrm>
+              <a:off x="237030" y="1269554"/>
+              <a:ext cx="7776864" cy="4896544"/>
+              <a:chOff x="1285643" y="1772435"/>
+              <a:chExt cx="7135479" cy="3572664"/>
+            </a:xfrm>
+          </p:grpSpPr>
+          <p:sp>
+            <p:nvSpPr>
+              <p:cNvPr id="11" name="矩形 10"/>
+              <p:cNvSpPr/>
+              <p:nvPr/>
+            </p:nvSpPr>
+            <p:spPr>
+              <a:xfrm>
+                <a:off x="1285644" y="2104682"/>
+                <a:ext cx="7135478" cy="3240417"/>
+              </a:xfrm>
+              <a:prstGeom prst="rect">
+                <a:avLst/>
+              </a:prstGeom>
+              <a:noFill/>
+              <a:ln w="12700">
+                <a:solidFill>
+                  <a:srgbClr val="346182"/>
+                </a:solidFill>
+              </a:ln>
+            </p:spPr>
+            <p:style>
+              <a:lnRef idx="2">
+                <a:schemeClr val="accent1">
+                  <a:shade val="50000"/>
+                </a:schemeClr>
+              </a:lnRef>
+              <a:fillRef idx="1">
+                <a:schemeClr val="accent1"/>
+              </a:fillRef>
+              <a:effectRef idx="0">
+                <a:schemeClr val="accent1"/>
+              </a:effectRef>
+              <a:fontRef idx="minor">
+                <a:schemeClr val="lt1"/>
+              </a:fontRef>
+            </p:style>
+            <p:txBody>
+              <a:bodyPr rtlCol="0" anchor="ctr"/>
+              <a:lstStyle/>
+              <a:p>
+                <a:pPr algn="ctr"/>
+                <a:endParaRPr lang="zh-CN" altLang="en-US" sz="1350">
+                  <a:solidFill>
+                    <a:prstClr val="white"/>
+                  </a:solidFill>
+                </a:endParaRPr>
+              </a:p>
+            </p:txBody>
+          </p:sp>
+          <p:sp>
+            <p:nvSpPr>
+              <p:cNvPr id="12" name="矩形 11"/>
+              <p:cNvSpPr/>
+              <p:nvPr/>
+            </p:nvSpPr>
+            <p:spPr>
+              <a:xfrm>
+                <a:off x="1285643" y="1772435"/>
+                <a:ext cx="2114216" cy="338554"/>
+              </a:xfrm>
+              <a:prstGeom prst="rect">
+                <a:avLst/>
+              </a:prstGeom>
+              <a:solidFill>
+                <a:srgbClr val="183A5D"/>
+              </a:solidFill>
+              <a:ln>
+                <a:noFill/>
+              </a:ln>
+            </p:spPr>
+            <p:style>
+              <a:lnRef idx="2">
+                <a:schemeClr val="accent1">
+                  <a:shade val="50000"/>
+                </a:schemeClr>
+              </a:lnRef>
+              <a:fillRef idx="1">
+                <a:schemeClr val="accent1"/>
+              </a:fillRef>
+              <a:effectRef idx="0">
+                <a:schemeClr val="accent1"/>
+              </a:effectRef>
+              <a:fontRef idx="minor">
+                <a:schemeClr val="lt1"/>
+              </a:fontRef>
+            </p:style>
+            <p:txBody>
+              <a:bodyPr rtlCol="0" anchor="ctr"/>
+              <a:lstStyle/>
+              <a:p>
+                <a:pPr algn="ctr"/>
+                <a:r>
+                  <a:rPr lang="zh-CN" altLang="en-US" sz="2800" dirty="0" smtClean="0">
+                    <a:solidFill>
+                      <a:prstClr val="white"/>
+                    </a:solidFill>
+                  </a:rPr>
+                  <a:t>对原型投入过多</a:t>
+                </a:r>
+                <a:endParaRPr lang="zh-CN" altLang="en-US" sz="2800" dirty="0">
+                  <a:solidFill>
+                    <a:prstClr val="white"/>
+                  </a:solidFill>
+                </a:endParaRPr>
+              </a:p>
+            </p:txBody>
+          </p:sp>
+        </p:grpSp>
+      </p:grpSp>
+      <p:sp>
+        <p:nvSpPr>
+          <p:cNvPr id="8" name="矩形 7"/>
+          <p:cNvSpPr/>
+          <p:nvPr/>
+        </p:nvSpPr>
+        <p:spPr>
+          <a:xfrm>
+            <a:off x="356480" y="2010546"/>
+            <a:ext cx="11037718" cy="3000821"/>
+          </a:xfrm>
+          <a:prstGeom prst="rect">
+            <a:avLst/>
+          </a:prstGeom>
+        </p:spPr>
+        <p:txBody>
+          <a:bodyPr wrap="square">
+            <a:spAutoFit/>
+          </a:bodyPr>
+          <a:lstStyle/>
+          <a:p>
+            <a:pPr indent="457200">
+              <a:lnSpc>
+                <a:spcPct val="150000"/>
+              </a:lnSpc>
+            </a:pPr>
+            <a:r>
+              <a:rPr lang="zh-CN" altLang="en-US" dirty="0"/>
+              <a:t>最后，</a:t>
+            </a:r>
+            <a:r>
+              <a:rPr lang="zh-CN" altLang="en-US" dirty="0">
+                <a:solidFill>
+                  <a:schemeClr val="accent1">
+                    <a:lumMod val="75000"/>
+                  </a:schemeClr>
+                </a:solidFill>
+              </a:rPr>
+              <a:t>不要在原型工作</a:t>
+            </a:r>
+            <a:r>
+              <a:rPr lang="zh-CN" altLang="en-US" dirty="0" smtClean="0">
+                <a:solidFill>
+                  <a:schemeClr val="accent1">
+                    <a:lumMod val="75000"/>
+                  </a:schemeClr>
+                </a:solidFill>
+              </a:rPr>
+              <a:t>上投入</a:t>
+            </a:r>
+            <a:r>
+              <a:rPr lang="zh-CN" altLang="en-US" dirty="0">
+                <a:solidFill>
+                  <a:schemeClr val="accent1">
+                    <a:lumMod val="75000"/>
+                  </a:schemeClr>
+                </a:solidFill>
+              </a:rPr>
+              <a:t>太多精力</a:t>
+            </a:r>
+            <a:r>
+              <a:rPr lang="zh-CN" altLang="en-US" dirty="0"/>
+              <a:t>，最终导致开发团队没有时间而不得不将原型作为产品或者匆忙进入混乱的产品实现。对整个解决方案进行建模而不是只对最不确定的、高风险的或者复杂的部分进行建模就属于这种情况。用模型来进行试验。进行的是假设测试，看需求是否已经充分定义，关键的人机交互以及架构问题是否已经解决。如果原型能够测试假设，能够回答间题并且能够提炼需求，就足够了。</a:t>
+            </a:r>
+          </a:p>
+          <a:p>
+            <a:pPr indent="457200">
+              <a:lnSpc>
+                <a:spcPct val="150000"/>
+              </a:lnSpc>
+            </a:pPr>
+            <a:endParaRPr lang="zh-CN" altLang="en-US" dirty="0"/>
+          </a:p>
+        </p:txBody>
+      </p:sp>
+    </p:spTree>
+    <p:extLst>
+      <p:ext uri="{BB962C8B-B14F-4D97-AF65-F5344CB8AC3E}">
+        <p14:creationId xmlns:p14="http://schemas.microsoft.com/office/powerpoint/2010/main" val="3721164705"/>
+      </p:ext>
+    </p:extLst>
+  </p:cSld>
+  <p:clrMapOvr>
+    <a:masterClrMapping/>
+  </p:clrMapOvr>
+  <p:transition spd="slow" advClick="0" advTm="0">
+    <p:wipe/>
+  </p:transition>
+  <p:timing>
+    <p:tnLst>
+      <p:par>
+        <p:cTn id="1" dur="indefinite" restart="never" nodeType="tmRoot"/>
+      </p:par>
+    </p:tnLst>
+  </p:timing>
+</p:sld>
+</file>
+
+<file path=ppt/slides/slide17.xml><?xml version="1.0" encoding="utf-8"?>
+<p:sld xmlns:a="http://schemas.openxmlformats.org/drawingml/2006/main" xmlns:r="http://schemas.openxmlformats.org/officeDocument/2006/relationships" xmlns:p="http://schemas.openxmlformats.org/presentationml/2006/main">
+  <p:cSld>
+    <p:spTree>
+      <p:nvGrpSpPr>
+        <p:cNvPr id="1" name=""/>
+        <p:cNvGrpSpPr/>
+        <p:nvPr/>
+      </p:nvGrpSpPr>
+      <p:grpSpPr>
+        <a:xfrm>
+          <a:off x="0" y="0"/>
+          <a:ext cx="0" cy="0"/>
+          <a:chOff x="0" y="0"/>
+          <a:chExt cx="0" cy="0"/>
+        </a:xfrm>
+      </p:grpSpPr>
+      <p:sp>
+        <p:nvSpPr>
+          <p:cNvPr id="2" name="矩形 1"/>
+          <p:cNvSpPr/>
+          <p:nvPr/>
+        </p:nvSpPr>
+        <p:spPr>
+          <a:xfrm>
+            <a:off x="237030" y="1171"/>
+            <a:ext cx="1608415" cy="135446"/>
+          </a:xfrm>
+          <a:prstGeom prst="rect">
+            <a:avLst/>
+          </a:prstGeom>
+          <a:solidFill>
+            <a:srgbClr val="183A5D"/>
+          </a:solidFill>
+          <a:ln>
+            <a:noFill/>
+          </a:ln>
+        </p:spPr>
+        <p:style>
+          <a:lnRef idx="2">
+            <a:schemeClr val="accent1">
+              <a:shade val="50000"/>
+            </a:schemeClr>
+          </a:lnRef>
+          <a:fillRef idx="1">
+            <a:schemeClr val="accent1"/>
+          </a:fillRef>
+          <a:effectRef idx="0">
+            <a:schemeClr val="accent1"/>
+          </a:effectRef>
+          <a:fontRef idx="minor">
+            <a:schemeClr val="lt1"/>
+          </a:fontRef>
+        </p:style>
+        <p:txBody>
+          <a:bodyPr rtlCol="0" anchor="ctr"/>
+          <a:lstStyle/>
+          <a:p>
+            <a:pPr algn="ctr"/>
+            <a:endParaRPr lang="zh-CN" altLang="en-US" sz="2800">
+              <a:solidFill>
+                <a:prstClr val="white"/>
+              </a:solidFill>
+            </a:endParaRPr>
+          </a:p>
+        </p:txBody>
+      </p:sp>
+      <p:sp>
+        <p:nvSpPr>
+          <p:cNvPr id="3" name="矩形 2"/>
+          <p:cNvSpPr/>
+          <p:nvPr/>
+        </p:nvSpPr>
+        <p:spPr>
+          <a:xfrm>
+            <a:off x="237030" y="255131"/>
+            <a:ext cx="1608415" cy="406336"/>
+          </a:xfrm>
+          <a:prstGeom prst="rect">
+            <a:avLst/>
+          </a:prstGeom>
+          <a:solidFill>
+            <a:srgbClr val="183A5D"/>
+          </a:solidFill>
+          <a:ln>
+            <a:noFill/>
+          </a:ln>
+        </p:spPr>
+        <p:style>
+          <a:lnRef idx="2">
+            <a:schemeClr val="accent1">
+              <a:shade val="50000"/>
+            </a:schemeClr>
+          </a:lnRef>
+          <a:fillRef idx="1">
+            <a:schemeClr val="accent1"/>
+          </a:fillRef>
+          <a:effectRef idx="0">
+            <a:schemeClr val="accent1"/>
+          </a:effectRef>
+          <a:fontRef idx="minor">
+            <a:schemeClr val="lt1"/>
+          </a:fontRef>
+        </p:style>
+        <p:txBody>
+          <a:bodyPr rtlCol="0" anchor="ctr"/>
+          <a:lstStyle/>
+          <a:p>
+            <a:pPr algn="ctr"/>
+            <a:r>
+              <a:rPr lang="en-US" sz="2400" dirty="0" smtClean="0">
+                <a:solidFill>
+                  <a:prstClr val="white"/>
+                </a:solidFill>
+              </a:rPr>
+              <a:t>7</a:t>
+            </a:r>
+            <a:endParaRPr lang="en-US" sz="2400" dirty="0">
+              <a:solidFill>
+                <a:prstClr val="white"/>
+              </a:solidFill>
+            </a:endParaRPr>
+          </a:p>
+        </p:txBody>
+      </p:sp>
+      <p:sp>
+        <p:nvSpPr>
+          <p:cNvPr id="4" name="文本框 3"/>
+          <p:cNvSpPr txBox="1"/>
+          <p:nvPr/>
+        </p:nvSpPr>
+        <p:spPr>
+          <a:xfrm>
+            <a:off x="2236548" y="136356"/>
+            <a:ext cx="6052718" cy="501650"/>
+          </a:xfrm>
+          <a:prstGeom prst="rect">
+            <a:avLst/>
+          </a:prstGeom>
+          <a:noFill/>
+        </p:spPr>
+        <p:txBody>
+          <a:bodyPr wrap="square" rtlCol="0">
+            <a:spAutoFit/>
+          </a:bodyPr>
+          <a:lstStyle/>
+          <a:p>
+            <a:endParaRPr lang="zh-CN" altLang="en-US" sz="2665" dirty="0">
+              <a:solidFill>
+                <a:srgbClr val="183A5D"/>
+              </a:solidFill>
+              <a:latin typeface="微软雅黑" panose="020B0503020204020204" pitchFamily="34" charset="-122"/>
+              <a:ea typeface="微软雅黑" panose="020B0503020204020204" pitchFamily="34" charset="-122"/>
+            </a:endParaRPr>
+          </a:p>
+        </p:txBody>
+      </p:sp>
+      <p:sp>
+        <p:nvSpPr>
+          <p:cNvPr id="6" name="文本框 5"/>
+          <p:cNvSpPr txBox="1"/>
+          <p:nvPr/>
+        </p:nvSpPr>
+        <p:spPr>
+          <a:xfrm>
+            <a:off x="2226388" y="159851"/>
+            <a:ext cx="6052718" cy="501650"/>
+          </a:xfrm>
+          <a:prstGeom prst="rect">
+            <a:avLst/>
+          </a:prstGeom>
+          <a:noFill/>
+        </p:spPr>
+        <p:txBody>
+          <a:bodyPr wrap="square" rtlCol="0">
+            <a:spAutoFit/>
+          </a:bodyPr>
+          <a:lstStyle/>
+          <a:p>
+            <a:r>
+              <a:rPr lang="zh-CN" altLang="en-US" sz="2665" dirty="0">
+                <a:solidFill>
+                  <a:srgbClr val="183A5D"/>
+                </a:solidFill>
+                <a:latin typeface="微软雅黑" panose="020B0503020204020204" pitchFamily="34" charset="-122"/>
+                <a:ea typeface="微软雅黑" panose="020B0503020204020204" pitchFamily="34" charset="-122"/>
+              </a:rPr>
+              <a:t>界面</a:t>
+            </a:r>
+            <a:r>
+              <a:rPr lang="zh-CN" altLang="en-US" sz="2665" dirty="0" smtClean="0">
+                <a:solidFill>
+                  <a:srgbClr val="183A5D"/>
+                </a:solidFill>
+                <a:latin typeface="微软雅黑" panose="020B0503020204020204" pitchFamily="34" charset="-122"/>
+                <a:ea typeface="微软雅黑" panose="020B0503020204020204" pitchFamily="34" charset="-122"/>
+              </a:rPr>
+              <a:t>原型的成功因素</a:t>
+            </a:r>
+            <a:endParaRPr lang="zh-CN" altLang="en-US" sz="2665" dirty="0">
+              <a:solidFill>
+                <a:srgbClr val="183A5D"/>
+              </a:solidFill>
+              <a:latin typeface="微软雅黑" panose="020B0503020204020204" pitchFamily="34" charset="-122"/>
+              <a:ea typeface="微软雅黑" panose="020B0503020204020204" pitchFamily="34" charset="-122"/>
+            </a:endParaRPr>
+          </a:p>
+        </p:txBody>
+      </p:sp>
+      <p:grpSp>
+        <p:nvGrpSpPr>
+          <p:cNvPr id="7" name="组合 6"/>
+          <p:cNvGrpSpPr/>
+          <p:nvPr/>
+        </p:nvGrpSpPr>
+        <p:grpSpPr>
+          <a:xfrm>
+            <a:off x="236855" y="1269365"/>
+            <a:ext cx="11276966" cy="4896485"/>
+            <a:chOff x="237030" y="1269554"/>
+            <a:chExt cx="7776864" cy="4896544"/>
+          </a:xfrm>
+        </p:grpSpPr>
+        <p:sp>
+          <p:nvSpPr>
+            <p:cNvPr id="5" name="矩形 4"/>
+            <p:cNvSpPr/>
+            <p:nvPr/>
+          </p:nvSpPr>
+          <p:spPr>
+            <a:xfrm>
+              <a:off x="339939" y="2005942"/>
+              <a:ext cx="7673955" cy="491744"/>
+            </a:xfrm>
+            <a:prstGeom prst="rect">
+              <a:avLst/>
+            </a:prstGeom>
+          </p:spPr>
+          <p:txBody>
+            <a:bodyPr wrap="square">
+              <a:spAutoFit/>
+            </a:bodyPr>
+            <a:lstStyle/>
+            <a:p>
+              <a:pPr>
+                <a:lnSpc>
+                  <a:spcPct val="150000"/>
+                </a:lnSpc>
+              </a:pPr>
+              <a:endParaRPr lang="zh-CN" altLang="en-US" sz="2000" dirty="0">
+                <a:solidFill>
+                  <a:srgbClr val="000000"/>
+                </a:solidFill>
+                <a:latin typeface="Verdana" panose="020B0604030504040204" pitchFamily="34" charset="0"/>
+              </a:endParaRPr>
+            </a:p>
+          </p:txBody>
+        </p:sp>
+        <p:grpSp>
+          <p:nvGrpSpPr>
+            <p:cNvPr id="10" name="组合 9"/>
+            <p:cNvGrpSpPr/>
+            <p:nvPr/>
+          </p:nvGrpSpPr>
+          <p:grpSpPr>
+            <a:xfrm>
+              <a:off x="237030" y="1269554"/>
+              <a:ext cx="7776864" cy="4896544"/>
+              <a:chOff x="1285643" y="1772435"/>
+              <a:chExt cx="7135479" cy="3572664"/>
+            </a:xfrm>
+          </p:grpSpPr>
+          <p:sp>
+            <p:nvSpPr>
+              <p:cNvPr id="11" name="矩形 10"/>
+              <p:cNvSpPr/>
+              <p:nvPr/>
+            </p:nvSpPr>
+            <p:spPr>
+              <a:xfrm>
+                <a:off x="1285644" y="2104682"/>
+                <a:ext cx="7135478" cy="3240417"/>
+              </a:xfrm>
+              <a:prstGeom prst="rect">
+                <a:avLst/>
+              </a:prstGeom>
+              <a:noFill/>
+              <a:ln w="12700">
+                <a:solidFill>
+                  <a:srgbClr val="346182"/>
+                </a:solidFill>
+              </a:ln>
+            </p:spPr>
+            <p:style>
+              <a:lnRef idx="2">
+                <a:schemeClr val="accent1">
+                  <a:shade val="50000"/>
+                </a:schemeClr>
+              </a:lnRef>
+              <a:fillRef idx="1">
+                <a:schemeClr val="accent1"/>
+              </a:fillRef>
+              <a:effectRef idx="0">
+                <a:schemeClr val="accent1"/>
+              </a:effectRef>
+              <a:fontRef idx="minor">
+                <a:schemeClr val="lt1"/>
+              </a:fontRef>
+            </p:style>
+            <p:txBody>
+              <a:bodyPr rtlCol="0" anchor="ctr"/>
+              <a:lstStyle/>
+              <a:p>
+                <a:pPr algn="ctr"/>
+                <a:endParaRPr lang="zh-CN" altLang="en-US" sz="1350">
+                  <a:solidFill>
+                    <a:prstClr val="white"/>
+                  </a:solidFill>
+                </a:endParaRPr>
+              </a:p>
+            </p:txBody>
+          </p:sp>
+          <p:sp>
+            <p:nvSpPr>
+              <p:cNvPr id="12" name="矩形 11"/>
+              <p:cNvSpPr/>
+              <p:nvPr/>
+            </p:nvSpPr>
+            <p:spPr>
+              <a:xfrm>
+                <a:off x="1285643" y="1772435"/>
+                <a:ext cx="2114216" cy="338554"/>
+              </a:xfrm>
+              <a:prstGeom prst="rect">
+                <a:avLst/>
+              </a:prstGeom>
+              <a:solidFill>
+                <a:srgbClr val="183A5D"/>
+              </a:solidFill>
+              <a:ln>
+                <a:noFill/>
+              </a:ln>
+            </p:spPr>
+            <p:style>
+              <a:lnRef idx="2">
+                <a:schemeClr val="accent1">
+                  <a:shade val="50000"/>
+                </a:schemeClr>
+              </a:lnRef>
+              <a:fillRef idx="1">
+                <a:schemeClr val="accent1"/>
+              </a:fillRef>
+              <a:effectRef idx="0">
+                <a:schemeClr val="accent1"/>
+              </a:effectRef>
+              <a:fontRef idx="minor">
+                <a:schemeClr val="lt1"/>
+              </a:fontRef>
+            </p:style>
+            <p:txBody>
+              <a:bodyPr rtlCol="0" anchor="ctr"/>
+              <a:lstStyle/>
+              <a:p>
+                <a:pPr algn="ctr"/>
+                <a:endParaRPr lang="zh-CN" altLang="en-US" sz="2800" dirty="0">
+                  <a:solidFill>
+                    <a:prstClr val="white"/>
+                  </a:solidFill>
+                </a:endParaRPr>
+              </a:p>
+            </p:txBody>
+          </p:sp>
+        </p:grpSp>
+      </p:grpSp>
+      <p:sp>
+        <p:nvSpPr>
+          <p:cNvPr id="8" name="矩形 7"/>
+          <p:cNvSpPr/>
+          <p:nvPr/>
+        </p:nvSpPr>
+        <p:spPr>
+          <a:xfrm>
+            <a:off x="386080" y="1845618"/>
+            <a:ext cx="11037718" cy="4455066"/>
+          </a:xfrm>
+          <a:prstGeom prst="rect">
+            <a:avLst/>
+          </a:prstGeom>
+        </p:spPr>
+        <p:txBody>
+          <a:bodyPr wrap="square">
+            <a:spAutoFit/>
+          </a:bodyPr>
+          <a:lstStyle/>
+          <a:p>
+            <a:pPr indent="457200">
+              <a:lnSpc>
+                <a:spcPct val="150000"/>
+              </a:lnSpc>
+            </a:pPr>
+            <a:r>
+              <a:rPr lang="zh-CN" altLang="en-US" dirty="0"/>
+              <a:t>软件原型可以</a:t>
+            </a:r>
+            <a:r>
+              <a:rPr lang="zh-CN" altLang="en-US" dirty="0">
+                <a:solidFill>
+                  <a:srgbClr val="FF0000"/>
+                </a:solidFill>
+              </a:rPr>
+              <a:t>加快开发进程</a:t>
+            </a:r>
+            <a:r>
+              <a:rPr lang="zh-CN" altLang="en-US" dirty="0" smtClean="0">
+                <a:solidFill>
+                  <a:srgbClr val="FF0000"/>
+                </a:solidFill>
+              </a:rPr>
+              <a:t>、提高</a:t>
+            </a:r>
+            <a:r>
+              <a:rPr lang="zh-CN" altLang="en-US" dirty="0">
+                <a:solidFill>
+                  <a:srgbClr val="FF0000"/>
+                </a:solidFill>
+              </a:rPr>
+              <a:t>客户满意度以及产出高质量的产品</a:t>
+            </a:r>
+            <a:r>
+              <a:rPr lang="zh-CN" altLang="en-US" dirty="0"/>
+              <a:t>。为了在需求过程中高效使用原型，  请遵循以下这些原则</a:t>
+            </a:r>
+            <a:r>
+              <a:rPr lang="zh-CN" altLang="en-US" dirty="0" smtClean="0"/>
+              <a:t>。</a:t>
+            </a:r>
+            <a:endParaRPr lang="en-US" altLang="zh-CN" dirty="0" smtClean="0"/>
+          </a:p>
+          <a:p>
+            <a:pPr marL="342900" indent="-342900">
+              <a:lnSpc>
+                <a:spcPct val="150000"/>
+              </a:lnSpc>
+              <a:buFont typeface="Arial" panose="020B0604020202020204" pitchFamily="34" charset="0"/>
+              <a:buChar char="•"/>
+            </a:pPr>
+            <a:r>
+              <a:rPr lang="zh-CN" altLang="en-US" dirty="0"/>
+              <a:t>在项目计中包含与原型相关的任务。为开发、评估和修改原型安排时间和资源。</a:t>
+            </a:r>
+          </a:p>
+          <a:p>
+            <a:pPr marL="342900" indent="-342900">
+              <a:lnSpc>
+                <a:spcPct val="150000"/>
+              </a:lnSpc>
+              <a:buFont typeface="Arial" panose="020B0604020202020204" pitchFamily="34" charset="0"/>
+              <a:buChar char="•"/>
+            </a:pPr>
+            <a:r>
+              <a:rPr lang="zh-CN" altLang="en-US" dirty="0"/>
+              <a:t>在创建原型之前，</a:t>
+            </a:r>
+            <a:r>
+              <a:rPr lang="zh-CN" altLang="en-US" dirty="0">
+                <a:solidFill>
+                  <a:srgbClr val="FF0000"/>
+                </a:solidFill>
+              </a:rPr>
+              <a:t>注明原型的目的并解释其最终产出</a:t>
+            </a:r>
+            <a:r>
+              <a:rPr lang="en-US" altLang="zh-CN" dirty="0"/>
+              <a:t>:</a:t>
+            </a:r>
+            <a:r>
+              <a:rPr lang="zh-CN" altLang="en-US" dirty="0"/>
+              <a:t>抛并</a:t>
+            </a:r>
+            <a:r>
+              <a:rPr lang="en-US" altLang="zh-CN" dirty="0"/>
+              <a:t>(</a:t>
+            </a:r>
+            <a:r>
+              <a:rPr lang="zh-CN" altLang="en-US" dirty="0"/>
+              <a:t>还是归档</a:t>
+            </a:r>
+            <a:r>
+              <a:rPr lang="en-US" altLang="zh-CN" dirty="0"/>
+              <a:t>)</a:t>
+            </a:r>
+            <a:r>
+              <a:rPr lang="zh-CN" altLang="en-US" dirty="0"/>
+              <a:t>原型，是保留原型所提供的知识，还是在原型基础上继续构建直至成为最终解决方案。保证创建和评估原型的人都明白这些动机</a:t>
+            </a:r>
+            <a:r>
+              <a:rPr lang="zh-CN" altLang="en-US" dirty="0" smtClean="0"/>
+              <a:t>。</a:t>
+            </a:r>
+            <a:endParaRPr lang="en-US" altLang="zh-CN" dirty="0" smtClean="0"/>
+          </a:p>
+          <a:p>
+            <a:pPr marL="342900" indent="-342900">
+              <a:lnSpc>
+                <a:spcPct val="150000"/>
+              </a:lnSpc>
+              <a:buFont typeface="Arial" panose="020B0604020202020204" pitchFamily="34" charset="0"/>
+              <a:buChar char="•"/>
+            </a:pPr>
+            <a:r>
+              <a:rPr lang="zh-CN" altLang="en-US" dirty="0">
+                <a:solidFill>
+                  <a:srgbClr val="FF0000"/>
+                </a:solidFill>
+              </a:rPr>
+              <a:t>做好开发多个原型的计划</a:t>
+            </a:r>
+            <a:r>
+              <a:rPr lang="zh-CN" altLang="en-US" dirty="0"/>
+              <a:t>。</a:t>
+            </a:r>
+            <a:r>
+              <a:rPr lang="zh-CN" altLang="en-US" dirty="0" smtClean="0"/>
+              <a:t>很难一次</a:t>
+            </a:r>
+            <a:r>
+              <a:rPr lang="zh-CN" altLang="en-US" dirty="0"/>
+              <a:t>就能得 到正确的原型，这也正是原型的目的所在</a:t>
+            </a:r>
+            <a:r>
+              <a:rPr lang="en-US" altLang="zh-CN" dirty="0"/>
+              <a:t>!</a:t>
+            </a:r>
+          </a:p>
+          <a:p>
+            <a:pPr marL="342900" indent="-342900">
+              <a:lnSpc>
+                <a:spcPct val="150000"/>
+              </a:lnSpc>
+              <a:buFont typeface="Arial" panose="020B0604020202020204" pitchFamily="34" charset="0"/>
+              <a:buChar char="•"/>
+            </a:pPr>
+            <a:r>
+              <a:rPr lang="zh-CN" altLang="en-US" dirty="0"/>
+              <a:t>创建可抛弃型原型，要</a:t>
+            </a:r>
+            <a:r>
+              <a:rPr lang="zh-CN" altLang="en-US" dirty="0">
+                <a:solidFill>
+                  <a:srgbClr val="FF0000"/>
+                </a:solidFill>
+              </a:rPr>
+              <a:t>尽可能快、成本低。以最少精力完成回答问题</a:t>
+            </a:r>
+            <a:r>
+              <a:rPr lang="zh-CN" altLang="en-US" dirty="0"/>
+              <a:t>或者解决需求中不确定的部分。不要试图把可抛弃型原型做</a:t>
+            </a:r>
+            <a:r>
+              <a:rPr lang="zh-CN" altLang="en-US" dirty="0" smtClean="0"/>
+              <a:t>得尽善尽美。</a:t>
+            </a:r>
+            <a:endParaRPr lang="zh-CN" altLang="en-US" dirty="0"/>
+          </a:p>
+        </p:txBody>
+      </p:sp>
+    </p:spTree>
+    <p:extLst>
+      <p:ext uri="{BB962C8B-B14F-4D97-AF65-F5344CB8AC3E}">
+        <p14:creationId xmlns:p14="http://schemas.microsoft.com/office/powerpoint/2010/main" val="3937484484"/>
+      </p:ext>
+    </p:extLst>
+  </p:cSld>
+  <p:clrMapOvr>
+    <a:masterClrMapping/>
+  </p:clrMapOvr>
+  <p:transition spd="slow" advClick="0" advTm="0">
+    <p:wipe/>
+  </p:transition>
+  <p:timing>
+    <p:tnLst>
+      <p:par>
+        <p:cTn id="1" dur="indefinite" restart="never" nodeType="tmRoot"/>
+      </p:par>
+    </p:tnLst>
+  </p:timing>
+</p:sld>
+</file>
+
+<file path=ppt/slides/slide18.xml><?xml version="1.0" encoding="utf-8"?>
+<p:sld xmlns:a="http://schemas.openxmlformats.org/drawingml/2006/main" xmlns:r="http://schemas.openxmlformats.org/officeDocument/2006/relationships" xmlns:p="http://schemas.openxmlformats.org/presentationml/2006/main">
+  <p:cSld>
+    <p:spTree>
+      <p:nvGrpSpPr>
+        <p:cNvPr id="1" name=""/>
+        <p:cNvGrpSpPr/>
+        <p:nvPr/>
+      </p:nvGrpSpPr>
+      <p:grpSpPr>
+        <a:xfrm>
+          <a:off x="0" y="0"/>
+          <a:ext cx="0" cy="0"/>
+          <a:chOff x="0" y="0"/>
+          <a:chExt cx="0" cy="0"/>
+        </a:xfrm>
+      </p:grpSpPr>
+      <p:sp>
+        <p:nvSpPr>
+          <p:cNvPr id="2" name="矩形 1"/>
+          <p:cNvSpPr/>
+          <p:nvPr/>
+        </p:nvSpPr>
+        <p:spPr>
+          <a:xfrm>
+            <a:off x="237030" y="1171"/>
+            <a:ext cx="1608415" cy="135446"/>
+          </a:xfrm>
+          <a:prstGeom prst="rect">
+            <a:avLst/>
+          </a:prstGeom>
+          <a:solidFill>
+            <a:srgbClr val="183A5D"/>
+          </a:solidFill>
+          <a:ln>
+            <a:noFill/>
+          </a:ln>
+        </p:spPr>
+        <p:style>
+          <a:lnRef idx="2">
+            <a:schemeClr val="accent1">
+              <a:shade val="50000"/>
+            </a:schemeClr>
+          </a:lnRef>
+          <a:fillRef idx="1">
+            <a:schemeClr val="accent1"/>
+          </a:fillRef>
+          <a:effectRef idx="0">
+            <a:schemeClr val="accent1"/>
+          </a:effectRef>
+          <a:fontRef idx="minor">
+            <a:schemeClr val="lt1"/>
+          </a:fontRef>
+        </p:style>
+        <p:txBody>
+          <a:bodyPr rtlCol="0" anchor="ctr"/>
+          <a:lstStyle/>
+          <a:p>
+            <a:pPr algn="ctr"/>
+            <a:endParaRPr lang="zh-CN" altLang="en-US" sz="2800">
+              <a:solidFill>
+                <a:prstClr val="white"/>
+              </a:solidFill>
+            </a:endParaRPr>
+          </a:p>
+        </p:txBody>
+      </p:sp>
+      <p:sp>
+        <p:nvSpPr>
+          <p:cNvPr id="3" name="矩形 2"/>
+          <p:cNvSpPr/>
+          <p:nvPr/>
+        </p:nvSpPr>
+        <p:spPr>
+          <a:xfrm>
+            <a:off x="237030" y="255131"/>
+            <a:ext cx="1608415" cy="406336"/>
+          </a:xfrm>
+          <a:prstGeom prst="rect">
+            <a:avLst/>
+          </a:prstGeom>
+          <a:solidFill>
+            <a:srgbClr val="183A5D"/>
+          </a:solidFill>
+          <a:ln>
+            <a:noFill/>
+          </a:ln>
+        </p:spPr>
+        <p:style>
+          <a:lnRef idx="2">
+            <a:schemeClr val="accent1">
+              <a:shade val="50000"/>
+            </a:schemeClr>
+          </a:lnRef>
+          <a:fillRef idx="1">
+            <a:schemeClr val="accent1"/>
+          </a:fillRef>
+          <a:effectRef idx="0">
+            <a:schemeClr val="accent1"/>
+          </a:effectRef>
+          <a:fontRef idx="minor">
+            <a:schemeClr val="lt1"/>
+          </a:fontRef>
+        </p:style>
+        <p:txBody>
+          <a:bodyPr rtlCol="0" anchor="ctr"/>
+          <a:lstStyle/>
+          <a:p>
+            <a:pPr algn="ctr"/>
+            <a:r>
               <a:rPr lang="en-US" sz="2400" dirty="0" smtClean="0">
                 <a:solidFill>
                   <a:prstClr val="white"/>
@@ -8114,7 +8922,7 @@
 </p:sld>
 </file>
 
-<file path=ppt/slides/slide17.xml><?xml version="1.0" encoding="utf-8"?>
+<file path=ppt/slides/slide19.xml><?xml version="1.0" encoding="utf-8"?>
 <p:sld xmlns:a="http://schemas.openxmlformats.org/drawingml/2006/main" xmlns:r="http://schemas.openxmlformats.org/officeDocument/2006/relationships" xmlns:p="http://schemas.openxmlformats.org/presentationml/2006/main">
   <p:cSld>
     <p:spTree>
@@ -8807,2480 +9615,6 @@
     <p:bldLst>
       <p:bldP spid="36" grpId="0" bldLvl="0" animBg="1"/>
       <p:bldP spid="37" grpId="0"/>
-    </p:bldLst>
-  </p:timing>
-</p:sld>
-</file>
-
-<file path=ppt/slides/slide18.xml><?xml version="1.0" encoding="utf-8"?>
-<p:sld xmlns:a="http://schemas.openxmlformats.org/drawingml/2006/main" xmlns:r="http://schemas.openxmlformats.org/officeDocument/2006/relationships" xmlns:p="http://schemas.openxmlformats.org/presentationml/2006/main">
-  <p:cSld>
-    <p:spTree>
-      <p:nvGrpSpPr>
-        <p:cNvPr id="1" name=""/>
-        <p:cNvGrpSpPr/>
-        <p:nvPr/>
-      </p:nvGrpSpPr>
-      <p:grpSpPr>
-        <a:xfrm>
-          <a:off x="0" y="0"/>
-          <a:ext cx="0" cy="0"/>
-          <a:chOff x="0" y="0"/>
-          <a:chExt cx="0" cy="0"/>
-        </a:xfrm>
-      </p:grpSpPr>
-      <p:sp>
-        <p:nvSpPr>
-          <p:cNvPr id="36" name="矩形 35"/>
-          <p:cNvSpPr/>
-          <p:nvPr/>
-        </p:nvSpPr>
-        <p:spPr>
-          <a:xfrm>
-            <a:off x="-106680" y="0"/>
-            <a:ext cx="2938780" cy="6859270"/>
-          </a:xfrm>
-          <a:prstGeom prst="rect">
-            <a:avLst/>
-          </a:prstGeom>
-          <a:solidFill>
-            <a:srgbClr val="38B1BF"/>
-          </a:solidFill>
-          <a:ln>
-            <a:noFill/>
-          </a:ln>
-          <a:effectLst>
-            <a:outerShdw blurRad="50800" dist="38100" dir="2700000" algn="tl" rotWithShape="0">
-              <a:prstClr val="black">
-                <a:alpha val="40000"/>
-              </a:prstClr>
-            </a:outerShdw>
-          </a:effectLst>
-          <a:scene3d>
-            <a:camera prst="orthographicFront"/>
-            <a:lightRig rig="threePt" dir="t"/>
-          </a:scene3d>
-          <a:sp3d/>
-        </p:spPr>
-        <p:style>
-          <a:lnRef idx="1">
-            <a:schemeClr val="accent1"/>
-          </a:lnRef>
-          <a:fillRef idx="0">
-            <a:schemeClr val="accent1"/>
-          </a:fillRef>
-          <a:effectRef idx="0">
-            <a:schemeClr val="accent1"/>
-          </a:effectRef>
-          <a:fontRef idx="minor">
-            <a:schemeClr val="tx1"/>
-          </a:fontRef>
-        </p:style>
-        <p:txBody>
-          <a:bodyPr rot="0" spcFirstLastPara="0" vertOverflow="overflow" horzOverflow="overflow" vert="horz" wrap="square" lIns="91440" tIns="45720" rIns="91440" bIns="45720" numCol="1" spcCol="0" rtlCol="0" fromWordArt="0" anchor="ctr" anchorCtr="0" forceAA="0" compatLnSpc="1">
-            <a:noAutofit/>
-          </a:bodyPr>
-          <a:lstStyle/>
-          <a:p>
-            <a:pPr algn="ctr"/>
-            <a:endParaRPr lang="zh-CN" altLang="en-US"/>
-          </a:p>
-        </p:txBody>
-      </p:sp>
-      <p:sp>
-        <p:nvSpPr>
-          <p:cNvPr id="37" name="TextBox 36"/>
-          <p:cNvSpPr txBox="1"/>
-          <p:nvPr/>
-        </p:nvSpPr>
-        <p:spPr>
-          <a:xfrm>
-            <a:off x="311150" y="2922270"/>
-            <a:ext cx="2220595" cy="1106805"/>
-          </a:xfrm>
-          <a:prstGeom prst="rect">
-            <a:avLst/>
-          </a:prstGeom>
-          <a:noFill/>
-        </p:spPr>
-        <p:txBody>
-          <a:bodyPr wrap="square" lIns="121948" tIns="60973" rIns="121948" bIns="60973">
-            <a:spAutoFit/>
-          </a:bodyPr>
-          <a:lstStyle/>
-          <a:p>
-            <a:pPr algn="r">
-              <a:defRPr/>
-            </a:pPr>
-            <a:r>
-              <a:rPr lang="zh-CN" altLang="en-US" sz="3200" b="1" dirty="0" smtClean="0">
-                <a:solidFill>
-                  <a:schemeClr val="bg1"/>
-                </a:solidFill>
-                <a:latin typeface="微软雅黑" panose="020B0503020204020204" pitchFamily="34" charset="-122"/>
-                <a:ea typeface="微软雅黑" panose="020B0503020204020204" pitchFamily="34" charset="-122"/>
-              </a:rPr>
-              <a:t>绩效考评与分工</a:t>
-            </a:r>
-          </a:p>
-        </p:txBody>
-      </p:sp>
-      <p:graphicFrame>
-        <p:nvGraphicFramePr>
-          <p:cNvPr id="3" name="表格 2"/>
-          <p:cNvGraphicFramePr/>
-          <p:nvPr/>
-        </p:nvGraphicFramePr>
-        <p:xfrm>
-          <a:off x="3181985" y="459740"/>
-          <a:ext cx="7771130" cy="3717290"/>
-        </p:xfrm>
-        <a:graphic>
-          <a:graphicData uri="http://schemas.openxmlformats.org/drawingml/2006/table">
-            <a:tbl>
-              <a:tblPr firstRow="1" bandRow="1">
-                <a:tableStyleId>{5C22544A-7EE6-4342-B048-85BDC9FD1C3A}</a:tableStyleId>
-              </a:tblPr>
-              <a:tblGrid>
-                <a:gridCol w="1895475"/>
-                <a:gridCol w="2937510"/>
-                <a:gridCol w="2938145"/>
-              </a:tblGrid>
-              <a:tr h="713740">
-                <a:tc>
-                  <a:txBody>
-                    <a:bodyPr/>
-                    <a:lstStyle/>
-                    <a:p>
-                      <a:pPr algn="l">
-                        <a:buNone/>
-                      </a:pPr>
-                      <a:r>
-                        <a:rPr lang="zh-CN" altLang="en-US" b="0" dirty="0">
-                          <a:solidFill>
-                            <a:schemeClr val="tx1"/>
-                          </a:solidFill>
-                        </a:rPr>
-                        <a:t>黄为波</a:t>
-                      </a:r>
-                    </a:p>
-                  </a:txBody>
-                  <a:tcPr>
-                    <a:solidFill>
-                      <a:schemeClr val="accent1">
-                        <a:lumMod val="40000"/>
-                        <a:lumOff val="60000"/>
-                      </a:schemeClr>
-                    </a:solidFill>
-                  </a:tcPr>
-                </a:tc>
-                <a:tc>
-                  <a:txBody>
-                    <a:bodyPr/>
-                    <a:lstStyle/>
-                    <a:p>
-                      <a:pPr algn="l"/>
-                      <a:endParaRPr lang="zh-CN" altLang="en-US" sz="2400" b="0" dirty="0" smtClean="0">
-                        <a:solidFill>
-                          <a:schemeClr val="tx1"/>
-                        </a:solidFill>
-                      </a:endParaRPr>
-                    </a:p>
-                  </a:txBody>
-                  <a:tcPr>
-                    <a:solidFill>
-                      <a:schemeClr val="accent1">
-                        <a:lumMod val="40000"/>
-                        <a:lumOff val="60000"/>
-                      </a:schemeClr>
-                    </a:solidFill>
-                  </a:tcPr>
-                </a:tc>
-                <a:tc>
-                  <a:txBody>
-                    <a:bodyPr/>
-                    <a:lstStyle/>
-                    <a:p>
-                      <a:pPr algn="l">
-                        <a:buNone/>
-                      </a:pPr>
-                      <a:r>
-                        <a:rPr lang="en-US" altLang="zh-CN" sz="2400" b="0" dirty="0" smtClean="0">
-                          <a:solidFill>
-                            <a:schemeClr val="tx1"/>
-                          </a:solidFill>
-                        </a:rPr>
-                        <a:t>9.4</a:t>
-                      </a:r>
-                    </a:p>
-                  </a:txBody>
-                  <a:tcPr>
-                    <a:solidFill>
-                      <a:schemeClr val="accent1">
-                        <a:lumMod val="40000"/>
-                        <a:lumOff val="60000"/>
-                      </a:schemeClr>
-                    </a:solidFill>
-                  </a:tcPr>
-                </a:tc>
-              </a:tr>
-              <a:tr h="716915">
-                <a:tc>
-                  <a:txBody>
-                    <a:bodyPr/>
-                    <a:lstStyle/>
-                    <a:p>
-                      <a:pPr algn="l">
-                        <a:buNone/>
-                      </a:pPr>
-                      <a:r>
-                        <a:rPr lang="zh-CN" altLang="en-US" dirty="0" smtClean="0">
-                          <a:solidFill>
-                            <a:schemeClr val="tx1"/>
-                          </a:solidFill>
-                        </a:rPr>
-                        <a:t>苏雨豪</a:t>
-                      </a:r>
-                    </a:p>
-                  </a:txBody>
-                  <a:tcPr/>
-                </a:tc>
-                <a:tc>
-                  <a:txBody>
-                    <a:bodyPr/>
-                    <a:lstStyle/>
-                    <a:p>
-                      <a:pPr algn="l">
-                        <a:buNone/>
-                      </a:pPr>
-                      <a:r>
-                        <a:rPr lang="en-US" altLang="zh-CN" dirty="0" smtClean="0">
-                          <a:solidFill>
-                            <a:schemeClr val="tx1"/>
-                          </a:solidFill>
-                        </a:rPr>
-                        <a:t>负责 1.7uml新特性ppt</a:t>
-                      </a:r>
-                      <a:r>
-                        <a:rPr lang="zh-CN" altLang="en-US" dirty="0" smtClean="0">
-                          <a:solidFill>
-                            <a:schemeClr val="tx1"/>
-                          </a:solidFill>
-                        </a:rPr>
-                        <a:t>制作</a:t>
-                      </a:r>
-                    </a:p>
-                  </a:txBody>
-                  <a:tcPr/>
-                </a:tc>
-                <a:tc>
-                  <a:txBody>
-                    <a:bodyPr/>
-                    <a:lstStyle/>
-                    <a:p>
-                      <a:pPr algn="l">
-                        <a:buNone/>
-                      </a:pPr>
-                      <a:r>
-                        <a:rPr lang="en-US" altLang="zh-CN" dirty="0" smtClean="0">
-                          <a:solidFill>
-                            <a:schemeClr val="tx1"/>
-                          </a:solidFill>
-                        </a:rPr>
-                        <a:t>9.5</a:t>
-                      </a:r>
-                    </a:p>
-                  </a:txBody>
-                  <a:tcPr/>
-                </a:tc>
-              </a:tr>
-              <a:tr h="805815">
-                <a:tc>
-                  <a:txBody>
-                    <a:bodyPr/>
-                    <a:lstStyle/>
-                    <a:p>
-                      <a:pPr algn="l">
-                        <a:buNone/>
-                      </a:pPr>
-                      <a:r>
-                        <a:rPr lang="zh-CN" dirty="0" smtClean="0">
-                          <a:solidFill>
-                            <a:schemeClr val="tx1"/>
-                          </a:solidFill>
-                        </a:rPr>
-                        <a:t>陈子卿</a:t>
-                      </a:r>
-                    </a:p>
-                  </a:txBody>
-                  <a:tcPr>
-                    <a:solidFill>
-                      <a:schemeClr val="accent1">
-                        <a:lumMod val="40000"/>
-                        <a:lumOff val="60000"/>
-                      </a:schemeClr>
-                    </a:solidFill>
-                  </a:tcPr>
-                </a:tc>
-                <a:tc>
-                  <a:txBody>
-                    <a:bodyPr/>
-                    <a:lstStyle/>
-                    <a:p>
-                      <a:pPr algn="l">
-                        <a:buNone/>
-                      </a:pPr>
-                      <a:r>
-                        <a:rPr lang="zh-CN" altLang="en-US" dirty="0" smtClean="0">
-                          <a:solidFill>
-                            <a:schemeClr val="tx1"/>
-                          </a:solidFill>
-                        </a:rPr>
-                        <a:t>负责1.1-1.3的PPT制作，</a:t>
-                      </a:r>
-                    </a:p>
-                    <a:p>
-                      <a:pPr algn="l">
-                        <a:buNone/>
-                      </a:pPr>
-                      <a:r>
-                        <a:rPr lang="zh-CN" altLang="en-US" dirty="0" smtClean="0">
-                          <a:solidFill>
-                            <a:schemeClr val="tx1"/>
-                          </a:solidFill>
-                        </a:rPr>
-                        <a:t>1.4 uml结构ppt的制作</a:t>
-                      </a:r>
-                    </a:p>
-                  </a:txBody>
-                  <a:tcPr>
-                    <a:solidFill>
-                      <a:schemeClr val="accent1">
-                        <a:lumMod val="40000"/>
-                        <a:lumOff val="60000"/>
-                      </a:schemeClr>
-                    </a:solidFill>
-                  </a:tcPr>
-                </a:tc>
-                <a:tc>
-                  <a:txBody>
-                    <a:bodyPr/>
-                    <a:lstStyle/>
-                    <a:p>
-                      <a:pPr algn="l">
-                        <a:buNone/>
-                      </a:pPr>
-                      <a:r>
-                        <a:rPr lang="en-US" altLang="zh-CN" dirty="0" smtClean="0">
-                          <a:solidFill>
-                            <a:schemeClr val="tx1"/>
-                          </a:solidFill>
-                        </a:rPr>
-                        <a:t>9.7</a:t>
-                      </a:r>
-                    </a:p>
-                  </a:txBody>
-                  <a:tcPr>
-                    <a:solidFill>
-                      <a:schemeClr val="accent1">
-                        <a:lumMod val="40000"/>
-                        <a:lumOff val="60000"/>
-                      </a:schemeClr>
-                    </a:solidFill>
-                  </a:tcPr>
-                </a:tc>
-              </a:tr>
-              <a:tr h="733425">
-                <a:tc>
-                  <a:txBody>
-                    <a:bodyPr/>
-                    <a:lstStyle/>
-                    <a:p>
-                      <a:pPr algn="l">
-                        <a:buNone/>
-                      </a:pPr>
-                      <a:r>
-                        <a:rPr lang="zh-CN" altLang="en-US" dirty="0" smtClean="0">
-                          <a:solidFill>
-                            <a:schemeClr val="tx1"/>
-                          </a:solidFill>
-                        </a:rPr>
-                        <a:t>蔡峰</a:t>
-                      </a:r>
-                    </a:p>
-                  </a:txBody>
-                  <a:tcPr>
-                    <a:solidFill>
-                      <a:schemeClr val="accent1">
-                        <a:lumMod val="40000"/>
-                        <a:lumOff val="60000"/>
-                      </a:schemeClr>
-                    </a:solidFill>
-                  </a:tcPr>
-                </a:tc>
-                <a:tc>
-                  <a:txBody>
-                    <a:bodyPr/>
-                    <a:lstStyle/>
-                    <a:p>
-                      <a:pPr algn="l">
-                        <a:buNone/>
-                      </a:pPr>
-                      <a:r>
-                        <a:rPr lang="zh-CN" altLang="en-US" dirty="0" smtClean="0">
-                          <a:solidFill>
-                            <a:schemeClr val="tx1"/>
-                          </a:solidFill>
-                        </a:rPr>
-                        <a:t>负责uml视图ppt，</a:t>
-                      </a:r>
-                      <a:r>
-                        <a:rPr lang="en-US" altLang="zh-CN" dirty="0" smtClean="0">
-                          <a:solidFill>
-                            <a:schemeClr val="tx1"/>
-                          </a:solidFill>
-                        </a:rPr>
-                        <a:t>uml</a:t>
-                      </a:r>
-                      <a:r>
-                        <a:rPr lang="zh-CN" altLang="en-US" dirty="0" smtClean="0">
-                          <a:solidFill>
-                            <a:schemeClr val="tx1"/>
-                          </a:solidFill>
-                        </a:rPr>
-                        <a:t>系统开发阶段</a:t>
-                      </a:r>
-                    </a:p>
-                  </a:txBody>
-                  <a:tcPr>
-                    <a:solidFill>
-                      <a:schemeClr val="accent1">
-                        <a:lumMod val="40000"/>
-                        <a:lumOff val="60000"/>
-                      </a:schemeClr>
-                    </a:solidFill>
-                  </a:tcPr>
-                </a:tc>
-                <a:tc>
-                  <a:txBody>
-                    <a:bodyPr/>
-                    <a:lstStyle/>
-                    <a:p>
-                      <a:pPr algn="l">
-                        <a:buNone/>
-                      </a:pPr>
-                      <a:r>
-                        <a:rPr lang="en-US" altLang="zh-CN" sz="2100" dirty="0" smtClean="0">
-                          <a:solidFill>
-                            <a:schemeClr val="tx1"/>
-                          </a:solidFill>
-                          <a:sym typeface="+mn-ea"/>
-                        </a:rPr>
-                        <a:t>9.4</a:t>
-                      </a:r>
-                      <a:endParaRPr lang="en-US" altLang="zh-CN" sz="2100" b="0" dirty="0" smtClean="0">
-                        <a:solidFill>
-                          <a:schemeClr val="tx1"/>
-                        </a:solidFill>
-                        <a:sym typeface="+mn-ea"/>
-                      </a:endParaRPr>
-                    </a:p>
-                    <a:p>
-                      <a:pPr algn="l">
-                        <a:buNone/>
-                      </a:pPr>
-                      <a:endParaRPr lang="zh-CN" altLang="en-US" dirty="0" smtClean="0">
-                        <a:solidFill>
-                          <a:schemeClr val="tx1"/>
-                        </a:solidFill>
-                      </a:endParaRPr>
-                    </a:p>
-                  </a:txBody>
-                  <a:tcPr>
-                    <a:solidFill>
-                      <a:schemeClr val="accent1">
-                        <a:lumMod val="40000"/>
-                        <a:lumOff val="60000"/>
-                      </a:schemeClr>
-                    </a:solidFill>
-                  </a:tcPr>
-                </a:tc>
-              </a:tr>
-              <a:tr h="732790">
-                <a:tc>
-                  <a:txBody>
-                    <a:bodyPr/>
-                    <a:lstStyle/>
-                    <a:p>
-                      <a:pPr algn="l">
-                        <a:buNone/>
-                      </a:pPr>
-                      <a:r>
-                        <a:rPr lang="zh-CN" altLang="en-US" dirty="0" smtClean="0">
-                          <a:solidFill>
-                            <a:schemeClr val="tx1"/>
-                          </a:solidFill>
-                        </a:rPr>
-                        <a:t>江亮儒</a:t>
-                      </a:r>
-                    </a:p>
-                  </a:txBody>
-                  <a:tcPr>
-                    <a:solidFill>
-                      <a:schemeClr val="accent1">
-                        <a:lumMod val="40000"/>
-                        <a:lumOff val="60000"/>
-                      </a:schemeClr>
-                    </a:solidFill>
-                  </a:tcPr>
-                </a:tc>
-                <a:tc>
-                  <a:txBody>
-                    <a:bodyPr/>
-                    <a:lstStyle/>
-                    <a:p>
-                      <a:pPr algn="l">
-                        <a:buNone/>
-                      </a:pPr>
-                      <a:r>
-                        <a:rPr lang="zh-CN" altLang="en-US" dirty="0" smtClean="0">
-                          <a:solidFill>
-                            <a:schemeClr val="tx1"/>
-                          </a:solidFill>
-                        </a:rPr>
-                        <a:t>负责uml的图ppt</a:t>
-                      </a:r>
-                    </a:p>
-                  </a:txBody>
-                  <a:tcPr>
-                    <a:solidFill>
-                      <a:schemeClr val="accent1">
-                        <a:lumMod val="40000"/>
-                        <a:lumOff val="60000"/>
-                      </a:schemeClr>
-                    </a:solidFill>
-                  </a:tcPr>
-                </a:tc>
-                <a:tc>
-                  <a:txBody>
-                    <a:bodyPr/>
-                    <a:lstStyle/>
-                    <a:p>
-                      <a:pPr algn="l">
-                        <a:buNone/>
-                      </a:pPr>
-                      <a:r>
-                        <a:rPr lang="en-US" altLang="zh-CN" dirty="0" smtClean="0">
-                          <a:solidFill>
-                            <a:schemeClr val="tx1"/>
-                          </a:solidFill>
-                        </a:rPr>
-                        <a:t>9.5</a:t>
-                      </a:r>
-                    </a:p>
-                  </a:txBody>
-                  <a:tcPr>
-                    <a:solidFill>
-                      <a:schemeClr val="accent1">
-                        <a:lumMod val="40000"/>
-                        <a:lumOff val="60000"/>
-                      </a:schemeClr>
-                    </a:solidFill>
-                  </a:tcPr>
-                </a:tc>
-              </a:tr>
-            </a:tbl>
-          </a:graphicData>
-        </a:graphic>
-      </p:graphicFrame>
-    </p:spTree>
-  </p:cSld>
-  <p:clrMapOvr>
-    <a:masterClrMapping/>
-  </p:clrMapOvr>
-  <mc:AlternateContent xmlns:mc="http://schemas.openxmlformats.org/markup-compatibility/2006" xmlns:p14="http://schemas.microsoft.com/office/powerpoint/2010/main">
-    <mc:Choice Requires="p14">
-      <p:transition spd="slow" p14:dur="1200" advClick="0" advTm="0">
-        <p14:prism/>
-      </p:transition>
-    </mc:Choice>
-    <mc:Fallback xmlns="">
-      <p:transition spd="slow" advClick="0" advTm="0">
-        <p:fade/>
-      </p:transition>
-    </mc:Fallback>
-  </mc:AlternateContent>
-  <p:timing>
-    <p:tnLst>
-      <p:par>
-        <p:cTn id="1" dur="indefinite" restart="never" nodeType="tmRoot">
-          <p:childTnLst>
-            <p:seq concurrent="1" nextAc="seek">
-              <p:cTn id="2" dur="indefinite" nodeType="mainSeq">
-                <p:childTnLst>
-                  <p:par>
-                    <p:cTn id="3" fill="hold">
-                      <p:stCondLst>
-                        <p:cond delay="indefinite"/>
-                        <p:cond evt="onBegin" delay="0">
-                          <p:tn val="2"/>
-                        </p:cond>
-                      </p:stCondLst>
-                      <p:childTnLst>
-                        <p:par>
-                          <p:cTn id="4" fill="hold">
-                            <p:stCondLst>
-                              <p:cond delay="0"/>
-                            </p:stCondLst>
-                            <p:childTnLst>
-                              <p:par>
-                                <p:cTn id="5" presetID="2" presetClass="entr" presetSubtype="8" fill="hold" grpId="0" nodeType="afterEffect">
-                                  <p:stCondLst>
-                                    <p:cond delay="0"/>
-                                  </p:stCondLst>
-                                  <p:childTnLst>
-                                    <p:set>
-                                      <p:cBhvr>
-                                        <p:cTn id="6" dur="1" fill="hold">
-                                          <p:stCondLst>
-                                            <p:cond delay="0"/>
-                                          </p:stCondLst>
-                                        </p:cTn>
-                                        <p:tgtEl>
-                                          <p:spTgt spid="36"/>
-                                        </p:tgtEl>
-                                        <p:attrNameLst>
-                                          <p:attrName>style.visibility</p:attrName>
-                                        </p:attrNameLst>
-                                      </p:cBhvr>
-                                      <p:to>
-                                        <p:strVal val="visible"/>
-                                      </p:to>
-                                    </p:set>
-                                    <p:anim calcmode="lin" valueType="num">
-                                      <p:cBhvr additive="base">
-                                        <p:cTn id="7" dur="500" fill="hold"/>
-                                        <p:tgtEl>
-                                          <p:spTgt spid="36"/>
-                                        </p:tgtEl>
-                                        <p:attrNameLst>
-                                          <p:attrName>ppt_x</p:attrName>
-                                        </p:attrNameLst>
-                                      </p:cBhvr>
-                                      <p:tavLst>
-                                        <p:tav tm="0">
-                                          <p:val>
-                                            <p:strVal val="0-#ppt_w/2"/>
-                                          </p:val>
-                                        </p:tav>
-                                        <p:tav tm="100000">
-                                          <p:val>
-                                            <p:strVal val="#ppt_x"/>
-                                          </p:val>
-                                        </p:tav>
-                                      </p:tavLst>
-                                    </p:anim>
-                                    <p:anim calcmode="lin" valueType="num">
-                                      <p:cBhvr additive="base">
-                                        <p:cTn id="8" dur="500" fill="hold"/>
-                                        <p:tgtEl>
-                                          <p:spTgt spid="36"/>
-                                        </p:tgtEl>
-                                        <p:attrNameLst>
-                                          <p:attrName>ppt_y</p:attrName>
-                                        </p:attrNameLst>
-                                      </p:cBhvr>
-                                      <p:tavLst>
-                                        <p:tav tm="0">
-                                          <p:val>
-                                            <p:strVal val="#ppt_y"/>
-                                          </p:val>
-                                        </p:tav>
-                                        <p:tav tm="100000">
-                                          <p:val>
-                                            <p:strVal val="#ppt_y"/>
-                                          </p:val>
-                                        </p:tav>
-                                      </p:tavLst>
-                                    </p:anim>
-                                  </p:childTnLst>
-                                </p:cTn>
-                              </p:par>
-                            </p:childTnLst>
-                          </p:cTn>
-                        </p:par>
-                        <p:par>
-                          <p:cTn id="9" fill="hold">
-                            <p:stCondLst>
-                              <p:cond delay="500"/>
-                            </p:stCondLst>
-                            <p:childTnLst>
-                              <p:par>
-                                <p:cTn id="10" presetID="17" presetClass="entr" presetSubtype="1" fill="hold" grpId="0" nodeType="afterEffect">
-                                  <p:stCondLst>
-                                    <p:cond delay="0"/>
-                                  </p:stCondLst>
-                                  <p:iterate type="lt">
-                                    <p:tmPct val="40000"/>
-                                  </p:iterate>
-                                  <p:childTnLst>
-                                    <p:set>
-                                      <p:cBhvr>
-                                        <p:cTn id="11" dur="1" fill="hold">
-                                          <p:stCondLst>
-                                            <p:cond delay="0"/>
-                                          </p:stCondLst>
-                                        </p:cTn>
-                                        <p:tgtEl>
-                                          <p:spTgt spid="37"/>
-                                        </p:tgtEl>
-                                        <p:attrNameLst>
-                                          <p:attrName>style.visibility</p:attrName>
-                                        </p:attrNameLst>
-                                      </p:cBhvr>
-                                      <p:to>
-                                        <p:strVal val="visible"/>
-                                      </p:to>
-                                    </p:set>
-                                    <p:anim calcmode="lin" valueType="num">
-                                      <p:cBhvr>
-                                        <p:cTn id="12" dur="250" fill="hold"/>
-                                        <p:tgtEl>
-                                          <p:spTgt spid="37"/>
-                                        </p:tgtEl>
-                                        <p:attrNameLst>
-                                          <p:attrName>ppt_x</p:attrName>
-                                        </p:attrNameLst>
-                                      </p:cBhvr>
-                                      <p:tavLst>
-                                        <p:tav tm="0">
-                                          <p:val>
-                                            <p:strVal val="#ppt_x"/>
-                                          </p:val>
-                                        </p:tav>
-                                        <p:tav tm="100000">
-                                          <p:val>
-                                            <p:strVal val="#ppt_x"/>
-                                          </p:val>
-                                        </p:tav>
-                                      </p:tavLst>
-                                    </p:anim>
-                                    <p:anim calcmode="lin" valueType="num">
-                                      <p:cBhvr>
-                                        <p:cTn id="13" dur="250" fill="hold"/>
-                                        <p:tgtEl>
-                                          <p:spTgt spid="37"/>
-                                        </p:tgtEl>
-                                        <p:attrNameLst>
-                                          <p:attrName>ppt_y</p:attrName>
-                                        </p:attrNameLst>
-                                      </p:cBhvr>
-                                      <p:tavLst>
-                                        <p:tav tm="0">
-                                          <p:val>
-                                            <p:strVal val="#ppt_y-#ppt_h/2"/>
-                                          </p:val>
-                                        </p:tav>
-                                        <p:tav tm="100000">
-                                          <p:val>
-                                            <p:strVal val="#ppt_y"/>
-                                          </p:val>
-                                        </p:tav>
-                                      </p:tavLst>
-                                    </p:anim>
-                                    <p:anim calcmode="lin" valueType="num">
-                                      <p:cBhvr>
-                                        <p:cTn id="14" dur="250" fill="hold"/>
-                                        <p:tgtEl>
-                                          <p:spTgt spid="37"/>
-                                        </p:tgtEl>
-                                        <p:attrNameLst>
-                                          <p:attrName>ppt_w</p:attrName>
-                                        </p:attrNameLst>
-                                      </p:cBhvr>
-                                      <p:tavLst>
-                                        <p:tav tm="0">
-                                          <p:val>
-                                            <p:strVal val="#ppt_w"/>
-                                          </p:val>
-                                        </p:tav>
-                                        <p:tav tm="100000">
-                                          <p:val>
-                                            <p:strVal val="#ppt_w"/>
-                                          </p:val>
-                                        </p:tav>
-                                      </p:tavLst>
-                                    </p:anim>
-                                    <p:anim calcmode="lin" valueType="num">
-                                      <p:cBhvr>
-                                        <p:cTn id="15" dur="250" fill="hold"/>
-                                        <p:tgtEl>
-                                          <p:spTgt spid="37"/>
-                                        </p:tgtEl>
-                                        <p:attrNameLst>
-                                          <p:attrName>ppt_h</p:attrName>
-                                        </p:attrNameLst>
-                                      </p:cBhvr>
-                                      <p:tavLst>
-                                        <p:tav tm="0">
-                                          <p:val>
-                                            <p:fltVal val="0"/>
-                                          </p:val>
-                                        </p:tav>
-                                        <p:tav tm="100000">
-                                          <p:val>
-                                            <p:strVal val="#ppt_h"/>
-                                          </p:val>
-                                        </p:tav>
-                                      </p:tavLst>
-                                    </p:anim>
-                                  </p:childTnLst>
-                                </p:cTn>
-                              </p:par>
-                            </p:childTnLst>
-                          </p:cTn>
-                        </p:par>
-                      </p:childTnLst>
-                    </p:cTn>
-                  </p:par>
-                </p:childTnLst>
-              </p:cTn>
-              <p:prevCondLst>
-                <p:cond evt="onPrev" delay="0">
-                  <p:tgtEl>
-                    <p:sldTgt/>
-                  </p:tgtEl>
-                </p:cond>
-              </p:prevCondLst>
-              <p:nextCondLst>
-                <p:cond evt="onNext" delay="0">
-                  <p:tgtEl>
-                    <p:sldTgt/>
-                  </p:tgtEl>
-                </p:cond>
-              </p:nextCondLst>
-            </p:seq>
-          </p:childTnLst>
-        </p:cTn>
-      </p:par>
-    </p:tnLst>
-    <p:bldLst>
-      <p:bldP spid="36" grpId="0" bldLvl="0" animBg="1"/>
-      <p:bldP spid="37" grpId="0"/>
-    </p:bldLst>
-  </p:timing>
-</p:sld>
-</file>
-
-<file path=ppt/slides/slide19.xml><?xml version="1.0" encoding="utf-8"?>
-<p:sld xmlns:a="http://schemas.openxmlformats.org/drawingml/2006/main" xmlns:r="http://schemas.openxmlformats.org/officeDocument/2006/relationships" xmlns:p="http://schemas.openxmlformats.org/presentationml/2006/main">
-  <p:cSld>
-    <p:spTree>
-      <p:nvGrpSpPr>
-        <p:cNvPr id="1" name=""/>
-        <p:cNvGrpSpPr/>
-        <p:nvPr/>
-      </p:nvGrpSpPr>
-      <p:grpSpPr>
-        <a:xfrm>
-          <a:off x="0" y="0"/>
-          <a:ext cx="0" cy="0"/>
-          <a:chOff x="0" y="0"/>
-          <a:chExt cx="0" cy="0"/>
-        </a:xfrm>
-      </p:grpSpPr>
-      <p:cxnSp>
-        <p:nvCxnSpPr>
-          <p:cNvPr id="30" name="直接连接符 29"/>
-          <p:cNvCxnSpPr/>
-          <p:nvPr/>
-        </p:nvCxnSpPr>
-        <p:spPr>
-          <a:xfrm>
-            <a:off x="0" y="740873"/>
-            <a:ext cx="5039227" cy="0"/>
-          </a:xfrm>
-          <a:prstGeom prst="line">
-            <a:avLst/>
-          </a:prstGeom>
-          <a:ln w="12700">
-            <a:solidFill>
-              <a:srgbClr val="A9A9A9"/>
-            </a:solidFill>
-          </a:ln>
-        </p:spPr>
-        <p:style>
-          <a:lnRef idx="1">
-            <a:schemeClr val="accent1"/>
-          </a:lnRef>
-          <a:fillRef idx="0">
-            <a:schemeClr val="accent1"/>
-          </a:fillRef>
-          <a:effectRef idx="0">
-            <a:schemeClr val="accent1"/>
-          </a:effectRef>
-          <a:fontRef idx="minor">
-            <a:schemeClr val="tx1"/>
-          </a:fontRef>
-        </p:style>
-      </p:cxnSp>
-      <p:cxnSp>
-        <p:nvCxnSpPr>
-          <p:cNvPr id="31" name="直接连接符 30"/>
-          <p:cNvCxnSpPr/>
-          <p:nvPr/>
-        </p:nvCxnSpPr>
-        <p:spPr>
-          <a:xfrm>
-            <a:off x="7151186" y="740873"/>
-            <a:ext cx="5039227" cy="0"/>
-          </a:xfrm>
-          <a:prstGeom prst="line">
-            <a:avLst/>
-          </a:prstGeom>
-          <a:ln w="12700">
-            <a:solidFill>
-              <a:srgbClr val="A9A9A9"/>
-            </a:solidFill>
-          </a:ln>
-        </p:spPr>
-        <p:style>
-          <a:lnRef idx="1">
-            <a:schemeClr val="accent1"/>
-          </a:lnRef>
-          <a:fillRef idx="0">
-            <a:schemeClr val="accent1"/>
-          </a:fillRef>
-          <a:effectRef idx="0">
-            <a:schemeClr val="accent1"/>
-          </a:effectRef>
-          <a:fontRef idx="minor">
-            <a:schemeClr val="tx1"/>
-          </a:fontRef>
-        </p:style>
-      </p:cxnSp>
-      <p:sp>
-        <p:nvSpPr>
-          <p:cNvPr id="32" name="矩形 31"/>
-          <p:cNvSpPr/>
-          <p:nvPr/>
-        </p:nvSpPr>
-        <p:spPr>
-          <a:xfrm>
-            <a:off x="1" y="6406814"/>
-            <a:ext cx="3041773" cy="452774"/>
-          </a:xfrm>
-          <a:prstGeom prst="rect">
-            <a:avLst/>
-          </a:prstGeom>
-          <a:solidFill>
-            <a:srgbClr val="EF7768"/>
-          </a:solidFill>
-          <a:ln>
-            <a:noFill/>
-          </a:ln>
-        </p:spPr>
-        <p:style>
-          <a:lnRef idx="2">
-            <a:schemeClr val="accent1">
-              <a:shade val="50000"/>
-            </a:schemeClr>
-          </a:lnRef>
-          <a:fillRef idx="1">
-            <a:schemeClr val="accent1"/>
-          </a:fillRef>
-          <a:effectRef idx="0">
-            <a:schemeClr val="accent1"/>
-          </a:effectRef>
-          <a:fontRef idx="minor">
-            <a:schemeClr val="lt1"/>
-          </a:fontRef>
-        </p:style>
-        <p:txBody>
-          <a:bodyPr lIns="121917" tIns="60958" rIns="121917" bIns="60958" rtlCol="0" anchor="ctr"/>
-          <a:lstStyle/>
-          <a:p>
-            <a:pPr algn="ctr"/>
-            <a:endParaRPr lang="zh-CN" altLang="en-US"/>
-          </a:p>
-        </p:txBody>
-      </p:sp>
-      <p:sp>
-        <p:nvSpPr>
-          <p:cNvPr id="33" name="矩形 32"/>
-          <p:cNvSpPr/>
-          <p:nvPr/>
-        </p:nvSpPr>
-        <p:spPr>
-          <a:xfrm>
-            <a:off x="3041775" y="6406814"/>
-            <a:ext cx="3063750" cy="452774"/>
-          </a:xfrm>
-          <a:prstGeom prst="rect">
-            <a:avLst/>
-          </a:prstGeom>
-          <a:solidFill>
-            <a:srgbClr val="C7C7C7"/>
-          </a:solidFill>
-          <a:ln>
-            <a:noFill/>
-          </a:ln>
-        </p:spPr>
-        <p:style>
-          <a:lnRef idx="2">
-            <a:schemeClr val="accent1">
-              <a:shade val="50000"/>
-            </a:schemeClr>
-          </a:lnRef>
-          <a:fillRef idx="1">
-            <a:schemeClr val="accent1"/>
-          </a:fillRef>
-          <a:effectRef idx="0">
-            <a:schemeClr val="accent1"/>
-          </a:effectRef>
-          <a:fontRef idx="minor">
-            <a:schemeClr val="lt1"/>
-          </a:fontRef>
-        </p:style>
-        <p:txBody>
-          <a:bodyPr lIns="121917" tIns="60958" rIns="121917" bIns="60958" rtlCol="0" anchor="ctr"/>
-          <a:lstStyle/>
-          <a:p>
-            <a:pPr algn="ctr"/>
-            <a:endParaRPr lang="zh-CN" altLang="en-US"/>
-          </a:p>
-        </p:txBody>
-      </p:sp>
-      <p:sp>
-        <p:nvSpPr>
-          <p:cNvPr id="34" name="矩形 33"/>
-          <p:cNvSpPr/>
-          <p:nvPr/>
-        </p:nvSpPr>
-        <p:spPr>
-          <a:xfrm>
-            <a:off x="6095207" y="6406814"/>
-            <a:ext cx="3047603" cy="452774"/>
-          </a:xfrm>
-          <a:prstGeom prst="rect">
-            <a:avLst/>
-          </a:prstGeom>
-          <a:solidFill>
-            <a:srgbClr val="38B1BF"/>
-          </a:solidFill>
-          <a:ln>
-            <a:noFill/>
-          </a:ln>
-        </p:spPr>
-        <p:style>
-          <a:lnRef idx="2">
-            <a:schemeClr val="accent1">
-              <a:shade val="50000"/>
-            </a:schemeClr>
-          </a:lnRef>
-          <a:fillRef idx="1">
-            <a:schemeClr val="accent1"/>
-          </a:fillRef>
-          <a:effectRef idx="0">
-            <a:schemeClr val="accent1"/>
-          </a:effectRef>
-          <a:fontRef idx="minor">
-            <a:schemeClr val="lt1"/>
-          </a:fontRef>
-        </p:style>
-        <p:txBody>
-          <a:bodyPr lIns="121917" tIns="60958" rIns="121917" bIns="60958" rtlCol="0" anchor="ctr"/>
-          <a:lstStyle/>
-          <a:p>
-            <a:pPr algn="ctr"/>
-            <a:endParaRPr lang="zh-CN" altLang="en-US"/>
-          </a:p>
-        </p:txBody>
-      </p:sp>
-      <p:sp>
-        <p:nvSpPr>
-          <p:cNvPr id="35" name="矩形 34"/>
-          <p:cNvSpPr/>
-          <p:nvPr/>
-        </p:nvSpPr>
-        <p:spPr>
-          <a:xfrm>
-            <a:off x="9142810" y="6406814"/>
-            <a:ext cx="3047603" cy="452774"/>
-          </a:xfrm>
-          <a:prstGeom prst="rect">
-            <a:avLst/>
-          </a:prstGeom>
-          <a:solidFill>
-            <a:srgbClr val="FF9933"/>
-          </a:solidFill>
-          <a:ln>
-            <a:noFill/>
-          </a:ln>
-        </p:spPr>
-        <p:style>
-          <a:lnRef idx="2">
-            <a:schemeClr val="accent1">
-              <a:shade val="50000"/>
-            </a:schemeClr>
-          </a:lnRef>
-          <a:fillRef idx="1">
-            <a:schemeClr val="accent1"/>
-          </a:fillRef>
-          <a:effectRef idx="0">
-            <a:schemeClr val="accent1"/>
-          </a:effectRef>
-          <a:fontRef idx="minor">
-            <a:schemeClr val="lt1"/>
-          </a:fontRef>
-        </p:style>
-        <p:txBody>
-          <a:bodyPr lIns="121917" tIns="60958" rIns="121917" bIns="60958" rtlCol="0" anchor="ctr"/>
-          <a:lstStyle/>
-          <a:p>
-            <a:pPr algn="ctr"/>
-            <a:endParaRPr lang="zh-CN" altLang="en-US"/>
-          </a:p>
-        </p:txBody>
-      </p:sp>
-      <p:sp>
-        <p:nvSpPr>
-          <p:cNvPr id="36" name="矩形 35"/>
-          <p:cNvSpPr/>
-          <p:nvPr/>
-        </p:nvSpPr>
-        <p:spPr>
-          <a:xfrm>
-            <a:off x="0" y="-27390"/>
-            <a:ext cx="3047603" cy="123423"/>
-          </a:xfrm>
-          <a:prstGeom prst="rect">
-            <a:avLst/>
-          </a:prstGeom>
-          <a:solidFill>
-            <a:srgbClr val="EF7768"/>
-          </a:solidFill>
-          <a:ln>
-            <a:noFill/>
-          </a:ln>
-        </p:spPr>
-        <p:style>
-          <a:lnRef idx="2">
-            <a:schemeClr val="accent1">
-              <a:shade val="50000"/>
-            </a:schemeClr>
-          </a:lnRef>
-          <a:fillRef idx="1">
-            <a:schemeClr val="accent1"/>
-          </a:fillRef>
-          <a:effectRef idx="0">
-            <a:schemeClr val="accent1"/>
-          </a:effectRef>
-          <a:fontRef idx="minor">
-            <a:schemeClr val="lt1"/>
-          </a:fontRef>
-        </p:style>
-        <p:txBody>
-          <a:bodyPr lIns="121917" tIns="60958" rIns="121917" bIns="60958" rtlCol="0" anchor="ctr"/>
-          <a:lstStyle/>
-          <a:p>
-            <a:pPr algn="ctr"/>
-            <a:endParaRPr lang="zh-CN" altLang="en-US"/>
-          </a:p>
-        </p:txBody>
-      </p:sp>
-      <p:sp>
-        <p:nvSpPr>
-          <p:cNvPr id="37" name="矩形 36"/>
-          <p:cNvSpPr/>
-          <p:nvPr/>
-        </p:nvSpPr>
-        <p:spPr>
-          <a:xfrm>
-            <a:off x="3047603" y="-27390"/>
-            <a:ext cx="3047603" cy="123423"/>
-          </a:xfrm>
-          <a:prstGeom prst="rect">
-            <a:avLst/>
-          </a:prstGeom>
-          <a:solidFill>
-            <a:srgbClr val="C7C7C7"/>
-          </a:solidFill>
-          <a:ln>
-            <a:noFill/>
-          </a:ln>
-        </p:spPr>
-        <p:style>
-          <a:lnRef idx="2">
-            <a:schemeClr val="accent1">
-              <a:shade val="50000"/>
-            </a:schemeClr>
-          </a:lnRef>
-          <a:fillRef idx="1">
-            <a:schemeClr val="accent1"/>
-          </a:fillRef>
-          <a:effectRef idx="0">
-            <a:schemeClr val="accent1"/>
-          </a:effectRef>
-          <a:fontRef idx="minor">
-            <a:schemeClr val="lt1"/>
-          </a:fontRef>
-        </p:style>
-        <p:txBody>
-          <a:bodyPr lIns="121917" tIns="60958" rIns="121917" bIns="60958" rtlCol="0" anchor="ctr"/>
-          <a:lstStyle/>
-          <a:p>
-            <a:pPr algn="ctr"/>
-            <a:endParaRPr lang="zh-CN" altLang="en-US"/>
-          </a:p>
-        </p:txBody>
-      </p:sp>
-      <p:sp>
-        <p:nvSpPr>
-          <p:cNvPr id="38" name="矩形 37"/>
-          <p:cNvSpPr/>
-          <p:nvPr/>
-        </p:nvSpPr>
-        <p:spPr>
-          <a:xfrm>
-            <a:off x="6095207" y="-27390"/>
-            <a:ext cx="3047603" cy="123423"/>
-          </a:xfrm>
-          <a:prstGeom prst="rect">
-            <a:avLst/>
-          </a:prstGeom>
-          <a:solidFill>
-            <a:srgbClr val="38B1BF"/>
-          </a:solidFill>
-          <a:ln>
-            <a:noFill/>
-          </a:ln>
-        </p:spPr>
-        <p:style>
-          <a:lnRef idx="2">
-            <a:schemeClr val="accent1">
-              <a:shade val="50000"/>
-            </a:schemeClr>
-          </a:lnRef>
-          <a:fillRef idx="1">
-            <a:schemeClr val="accent1"/>
-          </a:fillRef>
-          <a:effectRef idx="0">
-            <a:schemeClr val="accent1"/>
-          </a:effectRef>
-          <a:fontRef idx="minor">
-            <a:schemeClr val="lt1"/>
-          </a:fontRef>
-        </p:style>
-        <p:txBody>
-          <a:bodyPr lIns="121917" tIns="60958" rIns="121917" bIns="60958" rtlCol="0" anchor="ctr"/>
-          <a:lstStyle/>
-          <a:p>
-            <a:pPr algn="ctr"/>
-            <a:endParaRPr lang="zh-CN" altLang="en-US"/>
-          </a:p>
-        </p:txBody>
-      </p:sp>
-      <p:sp>
-        <p:nvSpPr>
-          <p:cNvPr id="39" name="矩形 38"/>
-          <p:cNvSpPr/>
-          <p:nvPr/>
-        </p:nvSpPr>
-        <p:spPr>
-          <a:xfrm>
-            <a:off x="9142810" y="-27390"/>
-            <a:ext cx="3047603" cy="123423"/>
-          </a:xfrm>
-          <a:prstGeom prst="rect">
-            <a:avLst/>
-          </a:prstGeom>
-          <a:solidFill>
-            <a:srgbClr val="FF9933"/>
-          </a:solidFill>
-          <a:ln>
-            <a:noFill/>
-          </a:ln>
-        </p:spPr>
-        <p:style>
-          <a:lnRef idx="2">
-            <a:schemeClr val="accent1">
-              <a:shade val="50000"/>
-            </a:schemeClr>
-          </a:lnRef>
-          <a:fillRef idx="1">
-            <a:schemeClr val="accent1"/>
-          </a:fillRef>
-          <a:effectRef idx="0">
-            <a:schemeClr val="accent1"/>
-          </a:effectRef>
-          <a:fontRef idx="minor">
-            <a:schemeClr val="lt1"/>
-          </a:fontRef>
-        </p:style>
-        <p:txBody>
-          <a:bodyPr lIns="121917" tIns="60958" rIns="121917" bIns="60958" rtlCol="0" anchor="ctr"/>
-          <a:lstStyle/>
-          <a:p>
-            <a:pPr algn="ctr"/>
-            <a:endParaRPr lang="zh-CN" altLang="en-US"/>
-          </a:p>
-        </p:txBody>
-      </p:sp>
-      <p:sp>
-        <p:nvSpPr>
-          <p:cNvPr id="41" name="文本框 5"/>
-          <p:cNvSpPr txBox="1"/>
-          <p:nvPr/>
-        </p:nvSpPr>
-        <p:spPr>
-          <a:xfrm>
-            <a:off x="3663094" y="4778722"/>
-            <a:ext cx="2552267" cy="384705"/>
-          </a:xfrm>
-          <a:prstGeom prst="rect">
-            <a:avLst/>
-          </a:prstGeom>
-          <a:noFill/>
-        </p:spPr>
-        <p:txBody>
-          <a:bodyPr wrap="none" lIns="91423" tIns="45712" rIns="91423" bIns="45712" rtlCol="0">
-            <a:spAutoFit/>
-          </a:bodyPr>
-          <a:lstStyle/>
-          <a:p>
-            <a:pPr algn="ctr"/>
-            <a:r>
-              <a:rPr lang="en-US" altLang="zh-CN" sz="1900" dirty="0">
-                <a:solidFill>
-                  <a:schemeClr val="tx1">
-                    <a:lumMod val="85000"/>
-                    <a:lumOff val="15000"/>
-                  </a:schemeClr>
-                </a:solidFill>
-                <a:latin typeface="微软雅黑" panose="020B0503020204020204" pitchFamily="34" charset="-122"/>
-                <a:ea typeface="微软雅黑" panose="020B0503020204020204" pitchFamily="34" charset="-122"/>
-              </a:rPr>
-              <a:t>PRD</a:t>
-            </a:r>
-            <a:r>
-              <a:rPr lang="en-US" sz="1900" dirty="0" smtClean="0">
-                <a:solidFill>
-                  <a:schemeClr val="tx1">
-                    <a:lumMod val="85000"/>
-                    <a:lumOff val="15000"/>
-                  </a:schemeClr>
-                </a:solidFill>
-                <a:latin typeface="微软雅黑" panose="020B0503020204020204" pitchFamily="34" charset="-122"/>
-                <a:ea typeface="微软雅黑" panose="020B0503020204020204" pitchFamily="34" charset="-122"/>
-              </a:rPr>
-              <a:t>2018</a:t>
-            </a:r>
-            <a:r>
-              <a:rPr lang="zh-CN" altLang="en-US" sz="1900" dirty="0">
-                <a:solidFill>
-                  <a:schemeClr val="tx1">
-                    <a:lumMod val="85000"/>
-                    <a:lumOff val="15000"/>
-                  </a:schemeClr>
-                </a:solidFill>
-                <a:latin typeface="微软雅黑" panose="020B0503020204020204" pitchFamily="34" charset="-122"/>
-                <a:ea typeface="微软雅黑" panose="020B0503020204020204" pitchFamily="34" charset="-122"/>
-              </a:rPr>
-              <a:t>秋</a:t>
-            </a:r>
-            <a:r>
-              <a:rPr lang="en-US" altLang="zh-CN" sz="1900" dirty="0" smtClean="0">
-                <a:solidFill>
-                  <a:schemeClr val="tx1">
-                    <a:lumMod val="85000"/>
-                    <a:lumOff val="15000"/>
-                  </a:schemeClr>
-                </a:solidFill>
-                <a:latin typeface="微软雅黑" panose="020B0503020204020204" pitchFamily="34" charset="-122"/>
-                <a:ea typeface="微软雅黑" panose="020B0503020204020204" pitchFamily="34" charset="-122"/>
-              </a:rPr>
-              <a:t>-</a:t>
-            </a:r>
-            <a:r>
-              <a:rPr lang="en-US" sz="1900" dirty="0" smtClean="0">
-                <a:solidFill>
-                  <a:schemeClr val="tx1">
-                    <a:lumMod val="85000"/>
-                    <a:lumOff val="15000"/>
-                  </a:schemeClr>
-                </a:solidFill>
-                <a:latin typeface="微软雅黑" panose="020B0503020204020204" pitchFamily="34" charset="-122"/>
-                <a:ea typeface="微软雅黑" panose="020B0503020204020204" pitchFamily="34" charset="-122"/>
-              </a:rPr>
-              <a:t>G11</a:t>
-            </a:r>
-            <a:r>
-              <a:rPr lang="zh-CN" altLang="en-US" sz="1900" dirty="0" smtClean="0">
-                <a:solidFill>
-                  <a:schemeClr val="tx1">
-                    <a:lumMod val="85000"/>
-                    <a:lumOff val="15000"/>
-                  </a:schemeClr>
-                </a:solidFill>
-                <a:latin typeface="微软雅黑" panose="020B0503020204020204" pitchFamily="34" charset="-122"/>
-                <a:ea typeface="微软雅黑" panose="020B0503020204020204" pitchFamily="34" charset="-122"/>
-              </a:rPr>
-              <a:t>小组</a:t>
-            </a:r>
-            <a:endParaRPr lang="zh-CN" altLang="en-US" sz="1900" dirty="0">
-              <a:solidFill>
-                <a:schemeClr val="tx1">
-                  <a:lumMod val="85000"/>
-                  <a:lumOff val="15000"/>
-                </a:schemeClr>
-              </a:solidFill>
-              <a:latin typeface="微软雅黑" panose="020B0503020204020204" pitchFamily="34" charset="-122"/>
-              <a:ea typeface="微软雅黑" panose="020B0503020204020204" pitchFamily="34" charset="-122"/>
-            </a:endParaRPr>
-          </a:p>
-        </p:txBody>
-      </p:sp>
-      <p:sp>
-        <p:nvSpPr>
-          <p:cNvPr id="42" name="矩形 41"/>
-          <p:cNvSpPr/>
-          <p:nvPr/>
-        </p:nvSpPr>
-        <p:spPr>
-          <a:xfrm>
-            <a:off x="4110906" y="3692461"/>
-            <a:ext cx="3975100" cy="643890"/>
-          </a:xfrm>
-          <a:prstGeom prst="rect">
-            <a:avLst/>
-          </a:prstGeom>
-          <a:noFill/>
-          <a:ln>
-            <a:noFill/>
-          </a:ln>
-          <a:effectLst>
-            <a:glow rad="1905000">
-              <a:srgbClr val="F14124">
-                <a:alpha val="40000"/>
-              </a:srgbClr>
-            </a:glow>
-            <a:softEdge rad="1270000"/>
-          </a:effectLst>
-        </p:spPr>
-        <p:txBody>
-          <a:bodyPr wrap="none" lIns="91423" tIns="45712" rIns="91423" bIns="45712">
-            <a:spAutoFit/>
-          </a:bodyPr>
-          <a:lstStyle/>
-          <a:p>
-            <a:pPr algn="ctr"/>
-            <a:r>
-              <a:rPr lang="zh-CN" altLang="en-US" sz="3600" b="1" dirty="0">
-                <a:solidFill>
-                  <a:schemeClr val="tx1">
-                    <a:lumMod val="75000"/>
-                    <a:lumOff val="25000"/>
-                  </a:schemeClr>
-                </a:solidFill>
-                <a:latin typeface="微软雅黑" panose="020B0503020204020204" pitchFamily="34" charset="-122"/>
-                <a:ea typeface="微软雅黑" panose="020B0503020204020204" pitchFamily="34" charset="-122"/>
-              </a:rPr>
-              <a:t>汇报结束 感谢观看</a:t>
-            </a:r>
-          </a:p>
-        </p:txBody>
-      </p:sp>
-      <p:sp>
-        <p:nvSpPr>
-          <p:cNvPr id="43" name="文本框 5"/>
-          <p:cNvSpPr txBox="1"/>
-          <p:nvPr/>
-        </p:nvSpPr>
-        <p:spPr>
-          <a:xfrm>
-            <a:off x="6349371" y="4778722"/>
-            <a:ext cx="1914272" cy="384705"/>
-          </a:xfrm>
-          <a:prstGeom prst="rect">
-            <a:avLst/>
-          </a:prstGeom>
-          <a:noFill/>
-        </p:spPr>
-        <p:txBody>
-          <a:bodyPr wrap="none" lIns="91423" tIns="45712" rIns="91423" bIns="45712" rtlCol="0">
-            <a:spAutoFit/>
-          </a:bodyPr>
-          <a:lstStyle/>
-          <a:p>
-            <a:pPr algn="ctr"/>
-            <a:r>
-              <a:rPr lang="en-US" altLang="zh-CN" sz="1900" dirty="0" smtClean="0">
-                <a:solidFill>
-                  <a:schemeClr val="tx1">
-                    <a:lumMod val="85000"/>
-                    <a:lumOff val="15000"/>
-                  </a:schemeClr>
-                </a:solidFill>
-                <a:latin typeface="微软雅黑" panose="020B0503020204020204" pitchFamily="34" charset="-122"/>
-                <a:ea typeface="微软雅黑" panose="020B0503020204020204" pitchFamily="34" charset="-122"/>
-              </a:rPr>
-              <a:t>2018</a:t>
-            </a:r>
-            <a:r>
-              <a:rPr lang="zh-CN" altLang="en-US" sz="1900" dirty="0" smtClean="0">
-                <a:solidFill>
-                  <a:schemeClr val="tx1">
-                    <a:lumMod val="85000"/>
-                    <a:lumOff val="15000"/>
-                  </a:schemeClr>
-                </a:solidFill>
-                <a:latin typeface="微软雅黑" panose="020B0503020204020204" pitchFamily="34" charset="-122"/>
-                <a:ea typeface="微软雅黑" panose="020B0503020204020204" pitchFamily="34" charset="-122"/>
-              </a:rPr>
-              <a:t>年</a:t>
-            </a:r>
-            <a:r>
-              <a:rPr lang="en-US" altLang="zh-CN" sz="1900" dirty="0">
-                <a:solidFill>
-                  <a:schemeClr val="tx1">
-                    <a:lumMod val="85000"/>
-                    <a:lumOff val="15000"/>
-                  </a:schemeClr>
-                </a:solidFill>
-                <a:latin typeface="微软雅黑" panose="020B0503020204020204" pitchFamily="34" charset="-122"/>
-                <a:ea typeface="微软雅黑" panose="020B0503020204020204" pitchFamily="34" charset="-122"/>
-              </a:rPr>
-              <a:t>9</a:t>
-            </a:r>
-            <a:r>
-              <a:rPr lang="zh-CN" altLang="en-US" sz="1900" dirty="0" smtClean="0">
-                <a:solidFill>
-                  <a:schemeClr val="tx1">
-                    <a:lumMod val="85000"/>
-                    <a:lumOff val="15000"/>
-                  </a:schemeClr>
-                </a:solidFill>
-                <a:latin typeface="微软雅黑" panose="020B0503020204020204" pitchFamily="34" charset="-122"/>
-                <a:ea typeface="微软雅黑" panose="020B0503020204020204" pitchFamily="34" charset="-122"/>
-              </a:rPr>
-              <a:t>月</a:t>
-            </a:r>
-            <a:r>
-              <a:rPr lang="en-US" altLang="zh-CN" sz="1900" dirty="0" smtClean="0">
-                <a:solidFill>
-                  <a:schemeClr val="tx1">
-                    <a:lumMod val="85000"/>
-                    <a:lumOff val="15000"/>
-                  </a:schemeClr>
-                </a:solidFill>
-                <a:latin typeface="微软雅黑" panose="020B0503020204020204" pitchFamily="34" charset="-122"/>
-                <a:ea typeface="微软雅黑" panose="020B0503020204020204" pitchFamily="34" charset="-122"/>
-              </a:rPr>
-              <a:t>30</a:t>
-            </a:r>
-            <a:r>
-              <a:rPr lang="zh-CN" altLang="en-US" sz="1900" dirty="0" smtClean="0">
-                <a:solidFill>
-                  <a:schemeClr val="tx1">
-                    <a:lumMod val="85000"/>
-                    <a:lumOff val="15000"/>
-                  </a:schemeClr>
-                </a:solidFill>
-                <a:latin typeface="微软雅黑" panose="020B0503020204020204" pitchFamily="34" charset="-122"/>
-                <a:ea typeface="微软雅黑" panose="020B0503020204020204" pitchFamily="34" charset="-122"/>
-              </a:rPr>
-              <a:t>日</a:t>
-            </a:r>
-            <a:endParaRPr lang="zh-CN" altLang="en-US" sz="1900" dirty="0">
-              <a:solidFill>
-                <a:schemeClr val="tx1">
-                  <a:lumMod val="85000"/>
-                  <a:lumOff val="15000"/>
-                </a:schemeClr>
-              </a:solidFill>
-              <a:latin typeface="微软雅黑" panose="020B0503020204020204" pitchFamily="34" charset="-122"/>
-              <a:ea typeface="微软雅黑" panose="020B0503020204020204" pitchFamily="34" charset="-122"/>
-            </a:endParaRPr>
-          </a:p>
-        </p:txBody>
-      </p:sp>
-      <p:cxnSp>
-        <p:nvCxnSpPr>
-          <p:cNvPr id="44" name="直接连接符 43"/>
-          <p:cNvCxnSpPr/>
-          <p:nvPr/>
-        </p:nvCxnSpPr>
-        <p:spPr>
-          <a:xfrm>
-            <a:off x="2639273" y="4529730"/>
-            <a:ext cx="6911868" cy="0"/>
-          </a:xfrm>
-          <a:prstGeom prst="line">
-            <a:avLst/>
-          </a:prstGeom>
-          <a:ln>
-            <a:solidFill>
-              <a:srgbClr val="38B1BF"/>
-            </a:solidFill>
-          </a:ln>
-        </p:spPr>
-        <p:style>
-          <a:lnRef idx="1">
-            <a:schemeClr val="accent1"/>
-          </a:lnRef>
-          <a:fillRef idx="0">
-            <a:schemeClr val="accent1"/>
-          </a:fillRef>
-          <a:effectRef idx="0">
-            <a:schemeClr val="accent1"/>
-          </a:effectRef>
-          <a:fontRef idx="minor">
-            <a:schemeClr val="tx1"/>
-          </a:fontRef>
-        </p:style>
-      </p:cxnSp>
-      <p:pic>
-        <p:nvPicPr>
-          <p:cNvPr id="46" name="商务.mp3">
-            <a:hlinkClick r:id="" action="ppaction://media"/>
-          </p:cNvPr>
-          <p:cNvPicPr>
-            <a:picLocks noChangeAspect="1"/>
-          </p:cNvPicPr>
-          <p:nvPr>
-            <a:audioFile r:link="rId2"/>
-            <p:extLst>
-              <p:ext uri="{DAA4B4D4-6D71-4841-9C94-3DE7FCFB9230}">
-                <p14:media xmlns:p14="http://schemas.microsoft.com/office/powerpoint/2010/main" r:embed="rId1"/>
-              </p:ext>
-            </p:extLst>
-          </p:nvPr>
-        </p:nvPicPr>
-        <p:blipFill>
-          <a:blip r:embed="rId5"/>
-          <a:stretch>
-            <a:fillRect/>
-          </a:stretch>
-        </p:blipFill>
-        <p:spPr>
-          <a:xfrm>
-            <a:off x="12418122" y="6197364"/>
-            <a:ext cx="812694" cy="812988"/>
-          </a:xfrm>
-          <a:prstGeom prst="rect">
-            <a:avLst/>
-          </a:prstGeom>
-        </p:spPr>
-      </p:pic>
-      <p:sp>
-        <p:nvSpPr>
-          <p:cNvPr id="2" name="文本框 1"/>
-          <p:cNvSpPr txBox="1"/>
-          <p:nvPr/>
-        </p:nvSpPr>
-        <p:spPr>
-          <a:xfrm>
-            <a:off x="4051300" y="5527040"/>
-            <a:ext cx="4747895" cy="414020"/>
-          </a:xfrm>
-          <a:prstGeom prst="rect">
-            <a:avLst/>
-          </a:prstGeom>
-          <a:noFill/>
-        </p:spPr>
-        <p:txBody>
-          <a:bodyPr wrap="square" rtlCol="0">
-            <a:spAutoFit/>
-          </a:bodyPr>
-          <a:lstStyle/>
-          <a:p>
-            <a:r>
-              <a:rPr lang="zh-CN" altLang="en-US" kern="300" spc="2000">
-                <a:solidFill>
-                  <a:schemeClr val="tx1"/>
-                </a:solidFill>
-                <a:uFillTx/>
-                <a:latin typeface="+中文标题" charset="0"/>
-                <a:ea typeface="+mj-ea"/>
-              </a:rPr>
-              <a:t>浙江大学城市学院</a:t>
-            </a:r>
-          </a:p>
-        </p:txBody>
-      </p:sp>
-    </p:spTree>
-  </p:cSld>
-  <p:clrMapOvr>
-    <a:masterClrMapping/>
-  </p:clrMapOvr>
-  <mc:AlternateContent xmlns:mc="http://schemas.openxmlformats.org/markup-compatibility/2006" xmlns:p14="http://schemas.microsoft.com/office/powerpoint/2010/main">
-    <mc:Choice Requires="p14">
-      <p:transition spd="slow" p14:dur="1600" advClick="0" advTm="0">
-        <p:blinds dir="vert"/>
-      </p:transition>
-    </mc:Choice>
-    <mc:Fallback xmlns="">
-      <p:transition spd="slow" advClick="0" advTm="0">
-        <p:blinds dir="vert"/>
-      </p:transition>
-    </mc:Fallback>
-  </mc:AlternateContent>
-  <p:timing>
-    <p:tnLst>
-      <p:par>
-        <p:cTn id="1" dur="indefinite" restart="never" nodeType="tmRoot">
-          <p:childTnLst>
-            <p:seq concurrent="1" nextAc="seek">
-              <p:cTn id="2" dur="indefinite" nodeType="mainSeq">
-                <p:childTnLst>
-                  <p:par>
-                    <p:cTn id="3" fill="hold">
-                      <p:stCondLst>
-                        <p:cond delay="indefinite"/>
-                        <p:cond evt="onBegin" delay="0">
-                          <p:tn val="2"/>
-                        </p:cond>
-                      </p:stCondLst>
-                      <p:childTnLst>
-                        <p:par>
-                          <p:cTn id="4" fill="hold">
-                            <p:stCondLst>
-                              <p:cond delay="0"/>
-                            </p:stCondLst>
-                            <p:childTnLst>
-                              <p:par>
-                                <p:cTn id="5" presetID="1" presetClass="mediacall" presetSubtype="0" fill="hold" nodeType="withEffect">
-                                  <p:stCondLst>
-                                    <p:cond delay="0"/>
-                                  </p:stCondLst>
-                                  <p:childTnLst>
-                                    <p:cmd type="call" cmd="playFrom(0.0)">
-                                      <p:cBhvr>
-                                        <p:cTn id="6" dur="1" fill="hold"/>
-                                        <p:tgtEl>
-                                          <p:spTgt spid="46"/>
-                                        </p:tgtEl>
-                                      </p:cBhvr>
-                                    </p:cmd>
-                                  </p:childTnLst>
-                                </p:cTn>
-                              </p:par>
-                              <p:par>
-                                <p:cTn id="7" presetID="10" presetClass="entr" presetSubtype="0" fill="hold" grpId="0" nodeType="withEffect">
-                                  <p:stCondLst>
-                                    <p:cond delay="0"/>
-                                  </p:stCondLst>
-                                  <p:childTnLst>
-                                    <p:set>
-                                      <p:cBhvr>
-                                        <p:cTn id="8" dur="1" fill="hold">
-                                          <p:stCondLst>
-                                            <p:cond delay="0"/>
-                                          </p:stCondLst>
-                                        </p:cTn>
-                                        <p:tgtEl>
-                                          <p:spTgt spid="36"/>
-                                        </p:tgtEl>
-                                        <p:attrNameLst>
-                                          <p:attrName>style.visibility</p:attrName>
-                                        </p:attrNameLst>
-                                      </p:cBhvr>
-                                      <p:to>
-                                        <p:strVal val="visible"/>
-                                      </p:to>
-                                    </p:set>
-                                    <p:animEffect transition="in" filter="fade">
-                                      <p:cBhvr>
-                                        <p:cTn id="9" dur="200"/>
-                                        <p:tgtEl>
-                                          <p:spTgt spid="36"/>
-                                        </p:tgtEl>
-                                      </p:cBhvr>
-                                    </p:animEffect>
-                                  </p:childTnLst>
-                                </p:cTn>
-                              </p:par>
-                              <p:par>
-                                <p:cTn id="10" presetID="10" presetClass="entr" presetSubtype="0" fill="hold" grpId="0" nodeType="withEffect">
-                                  <p:stCondLst>
-                                    <p:cond delay="0"/>
-                                  </p:stCondLst>
-                                  <p:childTnLst>
-                                    <p:set>
-                                      <p:cBhvr>
-                                        <p:cTn id="11" dur="1" fill="hold">
-                                          <p:stCondLst>
-                                            <p:cond delay="0"/>
-                                          </p:stCondLst>
-                                        </p:cTn>
-                                        <p:tgtEl>
-                                          <p:spTgt spid="37"/>
-                                        </p:tgtEl>
-                                        <p:attrNameLst>
-                                          <p:attrName>style.visibility</p:attrName>
-                                        </p:attrNameLst>
-                                      </p:cBhvr>
-                                      <p:to>
-                                        <p:strVal val="visible"/>
-                                      </p:to>
-                                    </p:set>
-                                    <p:animEffect transition="in" filter="fade">
-                                      <p:cBhvr>
-                                        <p:cTn id="12" dur="200"/>
-                                        <p:tgtEl>
-                                          <p:spTgt spid="37"/>
-                                        </p:tgtEl>
-                                      </p:cBhvr>
-                                    </p:animEffect>
-                                  </p:childTnLst>
-                                </p:cTn>
-                              </p:par>
-                              <p:par>
-                                <p:cTn id="13" presetID="10" presetClass="entr" presetSubtype="0" fill="hold" grpId="0" nodeType="withEffect">
-                                  <p:stCondLst>
-                                    <p:cond delay="0"/>
-                                  </p:stCondLst>
-                                  <p:childTnLst>
-                                    <p:set>
-                                      <p:cBhvr>
-                                        <p:cTn id="14" dur="1" fill="hold">
-                                          <p:stCondLst>
-                                            <p:cond delay="0"/>
-                                          </p:stCondLst>
-                                        </p:cTn>
-                                        <p:tgtEl>
-                                          <p:spTgt spid="38"/>
-                                        </p:tgtEl>
-                                        <p:attrNameLst>
-                                          <p:attrName>style.visibility</p:attrName>
-                                        </p:attrNameLst>
-                                      </p:cBhvr>
-                                      <p:to>
-                                        <p:strVal val="visible"/>
-                                      </p:to>
-                                    </p:set>
-                                    <p:animEffect transition="in" filter="fade">
-                                      <p:cBhvr>
-                                        <p:cTn id="15" dur="200"/>
-                                        <p:tgtEl>
-                                          <p:spTgt spid="38"/>
-                                        </p:tgtEl>
-                                      </p:cBhvr>
-                                    </p:animEffect>
-                                  </p:childTnLst>
-                                </p:cTn>
-                              </p:par>
-                              <p:par>
-                                <p:cTn id="16" presetID="10" presetClass="entr" presetSubtype="0" fill="hold" grpId="0" nodeType="withEffect">
-                                  <p:stCondLst>
-                                    <p:cond delay="0"/>
-                                  </p:stCondLst>
-                                  <p:childTnLst>
-                                    <p:set>
-                                      <p:cBhvr>
-                                        <p:cTn id="17" dur="1" fill="hold">
-                                          <p:stCondLst>
-                                            <p:cond delay="0"/>
-                                          </p:stCondLst>
-                                        </p:cTn>
-                                        <p:tgtEl>
-                                          <p:spTgt spid="39"/>
-                                        </p:tgtEl>
-                                        <p:attrNameLst>
-                                          <p:attrName>style.visibility</p:attrName>
-                                        </p:attrNameLst>
-                                      </p:cBhvr>
-                                      <p:to>
-                                        <p:strVal val="visible"/>
-                                      </p:to>
-                                    </p:set>
-                                    <p:animEffect transition="in" filter="fade">
-                                      <p:cBhvr>
-                                        <p:cTn id="18" dur="200"/>
-                                        <p:tgtEl>
-                                          <p:spTgt spid="39"/>
-                                        </p:tgtEl>
-                                      </p:cBhvr>
-                                    </p:animEffect>
-                                  </p:childTnLst>
-                                </p:cTn>
-                              </p:par>
-                              <p:par>
-                                <p:cTn id="19" presetID="10" presetClass="entr" presetSubtype="0" fill="hold" grpId="0" nodeType="withEffect">
-                                  <p:stCondLst>
-                                    <p:cond delay="0"/>
-                                  </p:stCondLst>
-                                  <p:childTnLst>
-                                    <p:set>
-                                      <p:cBhvr>
-                                        <p:cTn id="20" dur="1" fill="hold">
-                                          <p:stCondLst>
-                                            <p:cond delay="0"/>
-                                          </p:stCondLst>
-                                        </p:cTn>
-                                        <p:tgtEl>
-                                          <p:spTgt spid="32"/>
-                                        </p:tgtEl>
-                                        <p:attrNameLst>
-                                          <p:attrName>style.visibility</p:attrName>
-                                        </p:attrNameLst>
-                                      </p:cBhvr>
-                                      <p:to>
-                                        <p:strVal val="visible"/>
-                                      </p:to>
-                                    </p:set>
-                                    <p:animEffect transition="in" filter="fade">
-                                      <p:cBhvr>
-                                        <p:cTn id="21" dur="200"/>
-                                        <p:tgtEl>
-                                          <p:spTgt spid="32"/>
-                                        </p:tgtEl>
-                                      </p:cBhvr>
-                                    </p:animEffect>
-                                  </p:childTnLst>
-                                </p:cTn>
-                              </p:par>
-                              <p:par>
-                                <p:cTn id="22" presetID="10" presetClass="entr" presetSubtype="0" fill="hold" grpId="0" nodeType="withEffect">
-                                  <p:stCondLst>
-                                    <p:cond delay="0"/>
-                                  </p:stCondLst>
-                                  <p:childTnLst>
-                                    <p:set>
-                                      <p:cBhvr>
-                                        <p:cTn id="23" dur="1" fill="hold">
-                                          <p:stCondLst>
-                                            <p:cond delay="0"/>
-                                          </p:stCondLst>
-                                        </p:cTn>
-                                        <p:tgtEl>
-                                          <p:spTgt spid="33"/>
-                                        </p:tgtEl>
-                                        <p:attrNameLst>
-                                          <p:attrName>style.visibility</p:attrName>
-                                        </p:attrNameLst>
-                                      </p:cBhvr>
-                                      <p:to>
-                                        <p:strVal val="visible"/>
-                                      </p:to>
-                                    </p:set>
-                                    <p:animEffect transition="in" filter="fade">
-                                      <p:cBhvr>
-                                        <p:cTn id="24" dur="200"/>
-                                        <p:tgtEl>
-                                          <p:spTgt spid="33"/>
-                                        </p:tgtEl>
-                                      </p:cBhvr>
-                                    </p:animEffect>
-                                  </p:childTnLst>
-                                </p:cTn>
-                              </p:par>
-                              <p:par>
-                                <p:cTn id="25" presetID="10" presetClass="entr" presetSubtype="0" fill="hold" grpId="0" nodeType="withEffect">
-                                  <p:stCondLst>
-                                    <p:cond delay="0"/>
-                                  </p:stCondLst>
-                                  <p:childTnLst>
-                                    <p:set>
-                                      <p:cBhvr>
-                                        <p:cTn id="26" dur="1" fill="hold">
-                                          <p:stCondLst>
-                                            <p:cond delay="0"/>
-                                          </p:stCondLst>
-                                        </p:cTn>
-                                        <p:tgtEl>
-                                          <p:spTgt spid="34"/>
-                                        </p:tgtEl>
-                                        <p:attrNameLst>
-                                          <p:attrName>style.visibility</p:attrName>
-                                        </p:attrNameLst>
-                                      </p:cBhvr>
-                                      <p:to>
-                                        <p:strVal val="visible"/>
-                                      </p:to>
-                                    </p:set>
-                                    <p:animEffect transition="in" filter="fade">
-                                      <p:cBhvr>
-                                        <p:cTn id="27" dur="200"/>
-                                        <p:tgtEl>
-                                          <p:spTgt spid="34"/>
-                                        </p:tgtEl>
-                                      </p:cBhvr>
-                                    </p:animEffect>
-                                  </p:childTnLst>
-                                </p:cTn>
-                              </p:par>
-                              <p:par>
-                                <p:cTn id="28" presetID="10" presetClass="entr" presetSubtype="0" fill="hold" grpId="0" nodeType="withEffect">
-                                  <p:stCondLst>
-                                    <p:cond delay="0"/>
-                                  </p:stCondLst>
-                                  <p:childTnLst>
-                                    <p:set>
-                                      <p:cBhvr>
-                                        <p:cTn id="29" dur="1" fill="hold">
-                                          <p:stCondLst>
-                                            <p:cond delay="0"/>
-                                          </p:stCondLst>
-                                        </p:cTn>
-                                        <p:tgtEl>
-                                          <p:spTgt spid="35"/>
-                                        </p:tgtEl>
-                                        <p:attrNameLst>
-                                          <p:attrName>style.visibility</p:attrName>
-                                        </p:attrNameLst>
-                                      </p:cBhvr>
-                                      <p:to>
-                                        <p:strVal val="visible"/>
-                                      </p:to>
-                                    </p:set>
-                                    <p:animEffect transition="in" filter="fade">
-                                      <p:cBhvr>
-                                        <p:cTn id="30" dur="200"/>
-                                        <p:tgtEl>
-                                          <p:spTgt spid="35"/>
-                                        </p:tgtEl>
-                                      </p:cBhvr>
-                                    </p:animEffect>
-                                  </p:childTnLst>
-                                </p:cTn>
-                              </p:par>
-                            </p:childTnLst>
-                          </p:cTn>
-                        </p:par>
-                        <p:par>
-                          <p:cTn id="31" fill="hold">
-                            <p:stCondLst>
-                              <p:cond delay="0"/>
-                            </p:stCondLst>
-                            <p:childTnLst>
-                              <p:par>
-                                <p:cTn id="32" presetID="2" presetClass="entr" presetSubtype="8" fill="hold" nodeType="afterEffect">
-                                  <p:stCondLst>
-                                    <p:cond delay="0"/>
-                                  </p:stCondLst>
-                                  <p:childTnLst>
-                                    <p:set>
-                                      <p:cBhvr>
-                                        <p:cTn id="33" dur="1" fill="hold">
-                                          <p:stCondLst>
-                                            <p:cond delay="0"/>
-                                          </p:stCondLst>
-                                        </p:cTn>
-                                        <p:tgtEl>
-                                          <p:spTgt spid="30"/>
-                                        </p:tgtEl>
-                                        <p:attrNameLst>
-                                          <p:attrName>style.visibility</p:attrName>
-                                        </p:attrNameLst>
-                                      </p:cBhvr>
-                                      <p:to>
-                                        <p:strVal val="visible"/>
-                                      </p:to>
-                                    </p:set>
-                                    <p:anim calcmode="lin" valueType="num">
-                                      <p:cBhvr additive="base">
-                                        <p:cTn id="34" dur="500" fill="hold"/>
-                                        <p:tgtEl>
-                                          <p:spTgt spid="30"/>
-                                        </p:tgtEl>
-                                        <p:attrNameLst>
-                                          <p:attrName>ppt_x</p:attrName>
-                                        </p:attrNameLst>
-                                      </p:cBhvr>
-                                      <p:tavLst>
-                                        <p:tav tm="0">
-                                          <p:val>
-                                            <p:strVal val="0-#ppt_w/2"/>
-                                          </p:val>
-                                        </p:tav>
-                                        <p:tav tm="100000">
-                                          <p:val>
-                                            <p:strVal val="#ppt_x"/>
-                                          </p:val>
-                                        </p:tav>
-                                      </p:tavLst>
-                                    </p:anim>
-                                    <p:anim calcmode="lin" valueType="num">
-                                      <p:cBhvr additive="base">
-                                        <p:cTn id="35" dur="500" fill="hold"/>
-                                        <p:tgtEl>
-                                          <p:spTgt spid="30"/>
-                                        </p:tgtEl>
-                                        <p:attrNameLst>
-                                          <p:attrName>ppt_y</p:attrName>
-                                        </p:attrNameLst>
-                                      </p:cBhvr>
-                                      <p:tavLst>
-                                        <p:tav tm="0">
-                                          <p:val>
-                                            <p:strVal val="#ppt_y"/>
-                                          </p:val>
-                                        </p:tav>
-                                        <p:tav tm="100000">
-                                          <p:val>
-                                            <p:strVal val="#ppt_y"/>
-                                          </p:val>
-                                        </p:tav>
-                                      </p:tavLst>
-                                    </p:anim>
-                                  </p:childTnLst>
-                                </p:cTn>
-                              </p:par>
-                              <p:par>
-                                <p:cTn id="36" presetID="2" presetClass="entr" presetSubtype="2" fill="hold" nodeType="withEffect">
-                                  <p:stCondLst>
-                                    <p:cond delay="0"/>
-                                  </p:stCondLst>
-                                  <p:childTnLst>
-                                    <p:set>
-                                      <p:cBhvr>
-                                        <p:cTn id="37" dur="1" fill="hold">
-                                          <p:stCondLst>
-                                            <p:cond delay="0"/>
-                                          </p:stCondLst>
-                                        </p:cTn>
-                                        <p:tgtEl>
-                                          <p:spTgt spid="31"/>
-                                        </p:tgtEl>
-                                        <p:attrNameLst>
-                                          <p:attrName>style.visibility</p:attrName>
-                                        </p:attrNameLst>
-                                      </p:cBhvr>
-                                      <p:to>
-                                        <p:strVal val="visible"/>
-                                      </p:to>
-                                    </p:set>
-                                    <p:anim calcmode="lin" valueType="num">
-                                      <p:cBhvr additive="base">
-                                        <p:cTn id="38" dur="500" fill="hold"/>
-                                        <p:tgtEl>
-                                          <p:spTgt spid="31"/>
-                                        </p:tgtEl>
-                                        <p:attrNameLst>
-                                          <p:attrName>ppt_x</p:attrName>
-                                        </p:attrNameLst>
-                                      </p:cBhvr>
-                                      <p:tavLst>
-                                        <p:tav tm="0">
-                                          <p:val>
-                                            <p:strVal val="1+#ppt_w/2"/>
-                                          </p:val>
-                                        </p:tav>
-                                        <p:tav tm="100000">
-                                          <p:val>
-                                            <p:strVal val="#ppt_x"/>
-                                          </p:val>
-                                        </p:tav>
-                                      </p:tavLst>
-                                    </p:anim>
-                                    <p:anim calcmode="lin" valueType="num">
-                                      <p:cBhvr additive="base">
-                                        <p:cTn id="39" dur="500" fill="hold"/>
-                                        <p:tgtEl>
-                                          <p:spTgt spid="31"/>
-                                        </p:tgtEl>
-                                        <p:attrNameLst>
-                                          <p:attrName>ppt_y</p:attrName>
-                                        </p:attrNameLst>
-                                      </p:cBhvr>
-                                      <p:tavLst>
-                                        <p:tav tm="0">
-                                          <p:val>
-                                            <p:strVal val="#ppt_y"/>
-                                          </p:val>
-                                        </p:tav>
-                                        <p:tav tm="100000">
-                                          <p:val>
-                                            <p:strVal val="#ppt_y"/>
-                                          </p:val>
-                                        </p:tav>
-                                      </p:tavLst>
-                                    </p:anim>
-                                  </p:childTnLst>
-                                </p:cTn>
-                              </p:par>
-                            </p:childTnLst>
-                          </p:cTn>
-                        </p:par>
-                        <p:par>
-                          <p:cTn id="40" fill="hold">
-                            <p:stCondLst>
-                              <p:cond delay="500"/>
-                            </p:stCondLst>
-                            <p:childTnLst>
-                              <p:par>
-                                <p:cTn id="41" presetID="16" presetClass="entr" presetSubtype="37" fill="hold" grpId="0" nodeType="afterEffect">
-                                  <p:stCondLst>
-                                    <p:cond delay="0"/>
-                                  </p:stCondLst>
-                                  <p:childTnLst>
-                                    <p:set>
-                                      <p:cBhvr>
-                                        <p:cTn id="42" dur="1" fill="hold">
-                                          <p:stCondLst>
-                                            <p:cond delay="0"/>
-                                          </p:stCondLst>
-                                        </p:cTn>
-                                        <p:tgtEl>
-                                          <p:spTgt spid="42"/>
-                                        </p:tgtEl>
-                                        <p:attrNameLst>
-                                          <p:attrName>style.visibility</p:attrName>
-                                        </p:attrNameLst>
-                                      </p:cBhvr>
-                                      <p:to>
-                                        <p:strVal val="visible"/>
-                                      </p:to>
-                                    </p:set>
-                                    <p:animEffect transition="in" filter="barn(outVertical)">
-                                      <p:cBhvr>
-                                        <p:cTn id="43" dur="1000"/>
-                                        <p:tgtEl>
-                                          <p:spTgt spid="42"/>
-                                        </p:tgtEl>
-                                      </p:cBhvr>
-                                    </p:animEffect>
-                                  </p:childTnLst>
-                                </p:cTn>
-                              </p:par>
-                            </p:childTnLst>
-                          </p:cTn>
-                        </p:par>
-                        <p:par>
-                          <p:cTn id="44" fill="hold">
-                            <p:stCondLst>
-                              <p:cond delay="1500"/>
-                            </p:stCondLst>
-                            <p:childTnLst>
-                              <p:par>
-                                <p:cTn id="45" presetID="22" presetClass="entr" presetSubtype="8" fill="hold" nodeType="afterEffect">
-                                  <p:stCondLst>
-                                    <p:cond delay="0"/>
-                                  </p:stCondLst>
-                                  <p:childTnLst>
-                                    <p:set>
-                                      <p:cBhvr>
-                                        <p:cTn id="46" dur="1" fill="hold">
-                                          <p:stCondLst>
-                                            <p:cond delay="0"/>
-                                          </p:stCondLst>
-                                        </p:cTn>
-                                        <p:tgtEl>
-                                          <p:spTgt spid="44"/>
-                                        </p:tgtEl>
-                                        <p:attrNameLst>
-                                          <p:attrName>style.visibility</p:attrName>
-                                        </p:attrNameLst>
-                                      </p:cBhvr>
-                                      <p:to>
-                                        <p:strVal val="visible"/>
-                                      </p:to>
-                                    </p:set>
-                                    <p:animEffect transition="in" filter="wipe(left)">
-                                      <p:cBhvr>
-                                        <p:cTn id="47" dur="500"/>
-                                        <p:tgtEl>
-                                          <p:spTgt spid="44"/>
-                                        </p:tgtEl>
-                                      </p:cBhvr>
-                                    </p:animEffect>
-                                  </p:childTnLst>
-                                </p:cTn>
-                              </p:par>
-                            </p:childTnLst>
-                          </p:cTn>
-                        </p:par>
-                        <p:par>
-                          <p:cTn id="48" fill="hold">
-                            <p:stCondLst>
-                              <p:cond delay="2000"/>
-                            </p:stCondLst>
-                            <p:childTnLst>
-                              <p:par>
-                                <p:cTn id="49" presetID="12" presetClass="entr" presetSubtype="4" fill="hold" grpId="0" nodeType="afterEffect">
-                                  <p:stCondLst>
-                                    <p:cond delay="0"/>
-                                  </p:stCondLst>
-                                  <p:childTnLst>
-                                    <p:set>
-                                      <p:cBhvr>
-                                        <p:cTn id="50" dur="1" fill="hold">
-                                          <p:stCondLst>
-                                            <p:cond delay="0"/>
-                                          </p:stCondLst>
-                                        </p:cTn>
-                                        <p:tgtEl>
-                                          <p:spTgt spid="41"/>
-                                        </p:tgtEl>
-                                        <p:attrNameLst>
-                                          <p:attrName>style.visibility</p:attrName>
-                                        </p:attrNameLst>
-                                      </p:cBhvr>
-                                      <p:to>
-                                        <p:strVal val="visible"/>
-                                      </p:to>
-                                    </p:set>
-                                    <p:anim calcmode="lin" valueType="num">
-                                      <p:cBhvr additive="base">
-                                        <p:cTn id="51" dur="500"/>
-                                        <p:tgtEl>
-                                          <p:spTgt spid="41"/>
-                                        </p:tgtEl>
-                                        <p:attrNameLst>
-                                          <p:attrName>ppt_y</p:attrName>
-                                        </p:attrNameLst>
-                                      </p:cBhvr>
-                                      <p:tavLst>
-                                        <p:tav tm="0">
-                                          <p:val>
-                                            <p:strVal val="#ppt_y+#ppt_h*1.125000"/>
-                                          </p:val>
-                                        </p:tav>
-                                        <p:tav tm="100000">
-                                          <p:val>
-                                            <p:strVal val="#ppt_y"/>
-                                          </p:val>
-                                        </p:tav>
-                                      </p:tavLst>
-                                    </p:anim>
-                                    <p:animEffect transition="in" filter="wipe(up)">
-                                      <p:cBhvr>
-                                        <p:cTn id="52" dur="500"/>
-                                        <p:tgtEl>
-                                          <p:spTgt spid="41"/>
-                                        </p:tgtEl>
-                                      </p:cBhvr>
-                                    </p:animEffect>
-                                  </p:childTnLst>
-                                </p:cTn>
-                              </p:par>
-                            </p:childTnLst>
-                          </p:cTn>
-                        </p:par>
-                        <p:par>
-                          <p:cTn id="53" fill="hold">
-                            <p:stCondLst>
-                              <p:cond delay="2500"/>
-                            </p:stCondLst>
-                            <p:childTnLst>
-                              <p:par>
-                                <p:cTn id="54" presetID="12" presetClass="entr" presetSubtype="4" fill="hold" grpId="0" nodeType="afterEffect">
-                                  <p:stCondLst>
-                                    <p:cond delay="0"/>
-                                  </p:stCondLst>
-                                  <p:childTnLst>
-                                    <p:set>
-                                      <p:cBhvr>
-                                        <p:cTn id="55" dur="1" fill="hold">
-                                          <p:stCondLst>
-                                            <p:cond delay="0"/>
-                                          </p:stCondLst>
-                                        </p:cTn>
-                                        <p:tgtEl>
-                                          <p:spTgt spid="43"/>
-                                        </p:tgtEl>
-                                        <p:attrNameLst>
-                                          <p:attrName>style.visibility</p:attrName>
-                                        </p:attrNameLst>
-                                      </p:cBhvr>
-                                      <p:to>
-                                        <p:strVal val="visible"/>
-                                      </p:to>
-                                    </p:set>
-                                    <p:anim calcmode="lin" valueType="num">
-                                      <p:cBhvr additive="base">
-                                        <p:cTn id="56" dur="500"/>
-                                        <p:tgtEl>
-                                          <p:spTgt spid="43"/>
-                                        </p:tgtEl>
-                                        <p:attrNameLst>
-                                          <p:attrName>ppt_y</p:attrName>
-                                        </p:attrNameLst>
-                                      </p:cBhvr>
-                                      <p:tavLst>
-                                        <p:tav tm="0">
-                                          <p:val>
-                                            <p:strVal val="#ppt_y+#ppt_h*1.125000"/>
-                                          </p:val>
-                                        </p:tav>
-                                        <p:tav tm="100000">
-                                          <p:val>
-                                            <p:strVal val="#ppt_y"/>
-                                          </p:val>
-                                        </p:tav>
-                                      </p:tavLst>
-                                    </p:anim>
-                                    <p:animEffect transition="in" filter="wipe(up)">
-                                      <p:cBhvr>
-                                        <p:cTn id="57" dur="500"/>
-                                        <p:tgtEl>
-                                          <p:spTgt spid="43"/>
-                                        </p:tgtEl>
-                                      </p:cBhvr>
-                                    </p:animEffect>
-                                  </p:childTnLst>
-                                </p:cTn>
-                              </p:par>
-                            </p:childTnLst>
-                          </p:cTn>
-                        </p:par>
-                      </p:childTnLst>
-                    </p:cTn>
-                  </p:par>
-                </p:childTnLst>
-              </p:cTn>
-              <p:prevCondLst>
-                <p:cond evt="onPrev" delay="0">
-                  <p:tgtEl>
-                    <p:sldTgt/>
-                  </p:tgtEl>
-                </p:cond>
-              </p:prevCondLst>
-              <p:nextCondLst>
-                <p:cond evt="onNext" delay="0">
-                  <p:tgtEl>
-                    <p:sldTgt/>
-                  </p:tgtEl>
-                </p:cond>
-              </p:nextCondLst>
-            </p:seq>
-            <p:audio>
-              <p:cMediaNode vol="80000" numSld="999" showWhenStopped="0">
-                <p:cTn id="58" repeatCount="indefinite" fill="hold" display="0">
-                  <p:stCondLst>
-                    <p:cond delay="indefinite"/>
-                  </p:stCondLst>
-                  <p:endCondLst>
-                    <p:cond evt="onStopAudio" delay="0">
-                      <p:tgtEl>
-                        <p:sldTgt/>
-                      </p:tgtEl>
-                    </p:cond>
-                  </p:endCondLst>
-                </p:cTn>
-                <p:tgtEl>
-                  <p:spTgt spid="46"/>
-                </p:tgtEl>
-              </p:cMediaNode>
-            </p:audio>
-          </p:childTnLst>
-        </p:cTn>
-      </p:par>
-    </p:tnLst>
-    <p:bldLst>
-      <p:bldP spid="32" grpId="0" bldLvl="0" animBg="1"/>
-      <p:bldP spid="33" grpId="0" bldLvl="0" animBg="1"/>
-      <p:bldP spid="34" grpId="0" bldLvl="0" animBg="1"/>
-      <p:bldP spid="35" grpId="0" bldLvl="0" animBg="1"/>
-      <p:bldP spid="36" grpId="0" bldLvl="0" animBg="1"/>
-      <p:bldP spid="37" grpId="0" bldLvl="0" animBg="1"/>
-      <p:bldP spid="38" grpId="0" bldLvl="0" animBg="1"/>
-      <p:bldP spid="39" grpId="0" bldLvl="0" animBg="1"/>
-      <p:bldP spid="41" grpId="0"/>
-      <p:bldP spid="42" grpId="0" bldLvl="0" animBg="1"/>
-      <p:bldP spid="43" grpId="0"/>
     </p:bldLst>
   </p:timing>
 </p:sld>
@@ -14768,6 +13102,2480 @@
 </p:sld>
 </file>
 
+<file path=ppt/slides/slide20.xml><?xml version="1.0" encoding="utf-8"?>
+<p:sld xmlns:a="http://schemas.openxmlformats.org/drawingml/2006/main" xmlns:r="http://schemas.openxmlformats.org/officeDocument/2006/relationships" xmlns:p="http://schemas.openxmlformats.org/presentationml/2006/main">
+  <p:cSld>
+    <p:spTree>
+      <p:nvGrpSpPr>
+        <p:cNvPr id="1" name=""/>
+        <p:cNvGrpSpPr/>
+        <p:nvPr/>
+      </p:nvGrpSpPr>
+      <p:grpSpPr>
+        <a:xfrm>
+          <a:off x="0" y="0"/>
+          <a:ext cx="0" cy="0"/>
+          <a:chOff x="0" y="0"/>
+          <a:chExt cx="0" cy="0"/>
+        </a:xfrm>
+      </p:grpSpPr>
+      <p:sp>
+        <p:nvSpPr>
+          <p:cNvPr id="36" name="矩形 35"/>
+          <p:cNvSpPr/>
+          <p:nvPr/>
+        </p:nvSpPr>
+        <p:spPr>
+          <a:xfrm>
+            <a:off x="-106680" y="0"/>
+            <a:ext cx="2938780" cy="6859270"/>
+          </a:xfrm>
+          <a:prstGeom prst="rect">
+            <a:avLst/>
+          </a:prstGeom>
+          <a:solidFill>
+            <a:srgbClr val="38B1BF"/>
+          </a:solidFill>
+          <a:ln>
+            <a:noFill/>
+          </a:ln>
+          <a:effectLst>
+            <a:outerShdw blurRad="50800" dist="38100" dir="2700000" algn="tl" rotWithShape="0">
+              <a:prstClr val="black">
+                <a:alpha val="40000"/>
+              </a:prstClr>
+            </a:outerShdw>
+          </a:effectLst>
+          <a:scene3d>
+            <a:camera prst="orthographicFront"/>
+            <a:lightRig rig="threePt" dir="t"/>
+          </a:scene3d>
+          <a:sp3d/>
+        </p:spPr>
+        <p:style>
+          <a:lnRef idx="1">
+            <a:schemeClr val="accent1"/>
+          </a:lnRef>
+          <a:fillRef idx="0">
+            <a:schemeClr val="accent1"/>
+          </a:fillRef>
+          <a:effectRef idx="0">
+            <a:schemeClr val="accent1"/>
+          </a:effectRef>
+          <a:fontRef idx="minor">
+            <a:schemeClr val="tx1"/>
+          </a:fontRef>
+        </p:style>
+        <p:txBody>
+          <a:bodyPr rot="0" spcFirstLastPara="0" vertOverflow="overflow" horzOverflow="overflow" vert="horz" wrap="square" lIns="91440" tIns="45720" rIns="91440" bIns="45720" numCol="1" spcCol="0" rtlCol="0" fromWordArt="0" anchor="ctr" anchorCtr="0" forceAA="0" compatLnSpc="1">
+            <a:noAutofit/>
+          </a:bodyPr>
+          <a:lstStyle/>
+          <a:p>
+            <a:pPr algn="ctr"/>
+            <a:endParaRPr lang="zh-CN" altLang="en-US"/>
+          </a:p>
+        </p:txBody>
+      </p:sp>
+      <p:sp>
+        <p:nvSpPr>
+          <p:cNvPr id="37" name="TextBox 36"/>
+          <p:cNvSpPr txBox="1"/>
+          <p:nvPr/>
+        </p:nvSpPr>
+        <p:spPr>
+          <a:xfrm>
+            <a:off x="311150" y="2922270"/>
+            <a:ext cx="2220595" cy="1106805"/>
+          </a:xfrm>
+          <a:prstGeom prst="rect">
+            <a:avLst/>
+          </a:prstGeom>
+          <a:noFill/>
+        </p:spPr>
+        <p:txBody>
+          <a:bodyPr wrap="square" lIns="121948" tIns="60973" rIns="121948" bIns="60973">
+            <a:spAutoFit/>
+          </a:bodyPr>
+          <a:lstStyle/>
+          <a:p>
+            <a:pPr algn="r">
+              <a:defRPr/>
+            </a:pPr>
+            <a:r>
+              <a:rPr lang="zh-CN" altLang="en-US" sz="3200" b="1" dirty="0" smtClean="0">
+                <a:solidFill>
+                  <a:schemeClr val="bg1"/>
+                </a:solidFill>
+                <a:latin typeface="微软雅黑" panose="020B0503020204020204" pitchFamily="34" charset="-122"/>
+                <a:ea typeface="微软雅黑" panose="020B0503020204020204" pitchFamily="34" charset="-122"/>
+              </a:rPr>
+              <a:t>绩效考评与分工</a:t>
+            </a:r>
+          </a:p>
+        </p:txBody>
+      </p:sp>
+      <p:graphicFrame>
+        <p:nvGraphicFramePr>
+          <p:cNvPr id="3" name="表格 2"/>
+          <p:cNvGraphicFramePr/>
+          <p:nvPr/>
+        </p:nvGraphicFramePr>
+        <p:xfrm>
+          <a:off x="3181985" y="459740"/>
+          <a:ext cx="7771130" cy="3717290"/>
+        </p:xfrm>
+        <a:graphic>
+          <a:graphicData uri="http://schemas.openxmlformats.org/drawingml/2006/table">
+            <a:tbl>
+              <a:tblPr firstRow="1" bandRow="1">
+                <a:tableStyleId>{5C22544A-7EE6-4342-B048-85BDC9FD1C3A}</a:tableStyleId>
+              </a:tblPr>
+              <a:tblGrid>
+                <a:gridCol w="1895475"/>
+                <a:gridCol w="2937510"/>
+                <a:gridCol w="2938145"/>
+              </a:tblGrid>
+              <a:tr h="713740">
+                <a:tc>
+                  <a:txBody>
+                    <a:bodyPr/>
+                    <a:lstStyle/>
+                    <a:p>
+                      <a:pPr algn="l">
+                        <a:buNone/>
+                      </a:pPr>
+                      <a:r>
+                        <a:rPr lang="zh-CN" altLang="en-US" b="0" dirty="0">
+                          <a:solidFill>
+                            <a:schemeClr val="tx1"/>
+                          </a:solidFill>
+                        </a:rPr>
+                        <a:t>黄为波</a:t>
+                      </a:r>
+                    </a:p>
+                  </a:txBody>
+                  <a:tcPr>
+                    <a:solidFill>
+                      <a:schemeClr val="accent1">
+                        <a:lumMod val="40000"/>
+                        <a:lumOff val="60000"/>
+                      </a:schemeClr>
+                    </a:solidFill>
+                  </a:tcPr>
+                </a:tc>
+                <a:tc>
+                  <a:txBody>
+                    <a:bodyPr/>
+                    <a:lstStyle/>
+                    <a:p>
+                      <a:pPr algn="l"/>
+                      <a:endParaRPr lang="zh-CN" altLang="en-US" sz="2400" b="0" dirty="0" smtClean="0">
+                        <a:solidFill>
+                          <a:schemeClr val="tx1"/>
+                        </a:solidFill>
+                      </a:endParaRPr>
+                    </a:p>
+                  </a:txBody>
+                  <a:tcPr>
+                    <a:solidFill>
+                      <a:schemeClr val="accent1">
+                        <a:lumMod val="40000"/>
+                        <a:lumOff val="60000"/>
+                      </a:schemeClr>
+                    </a:solidFill>
+                  </a:tcPr>
+                </a:tc>
+                <a:tc>
+                  <a:txBody>
+                    <a:bodyPr/>
+                    <a:lstStyle/>
+                    <a:p>
+                      <a:pPr algn="l">
+                        <a:buNone/>
+                      </a:pPr>
+                      <a:r>
+                        <a:rPr lang="en-US" altLang="zh-CN" sz="2400" b="0" dirty="0" smtClean="0">
+                          <a:solidFill>
+                            <a:schemeClr val="tx1"/>
+                          </a:solidFill>
+                        </a:rPr>
+                        <a:t>9.4</a:t>
+                      </a:r>
+                    </a:p>
+                  </a:txBody>
+                  <a:tcPr>
+                    <a:solidFill>
+                      <a:schemeClr val="accent1">
+                        <a:lumMod val="40000"/>
+                        <a:lumOff val="60000"/>
+                      </a:schemeClr>
+                    </a:solidFill>
+                  </a:tcPr>
+                </a:tc>
+              </a:tr>
+              <a:tr h="716915">
+                <a:tc>
+                  <a:txBody>
+                    <a:bodyPr/>
+                    <a:lstStyle/>
+                    <a:p>
+                      <a:pPr algn="l">
+                        <a:buNone/>
+                      </a:pPr>
+                      <a:r>
+                        <a:rPr lang="zh-CN" altLang="en-US" dirty="0" smtClean="0">
+                          <a:solidFill>
+                            <a:schemeClr val="tx1"/>
+                          </a:solidFill>
+                        </a:rPr>
+                        <a:t>苏雨豪</a:t>
+                      </a:r>
+                    </a:p>
+                  </a:txBody>
+                  <a:tcPr/>
+                </a:tc>
+                <a:tc>
+                  <a:txBody>
+                    <a:bodyPr/>
+                    <a:lstStyle/>
+                    <a:p>
+                      <a:pPr algn="l">
+                        <a:buNone/>
+                      </a:pPr>
+                      <a:r>
+                        <a:rPr lang="en-US" altLang="zh-CN" dirty="0" smtClean="0">
+                          <a:solidFill>
+                            <a:schemeClr val="tx1"/>
+                          </a:solidFill>
+                        </a:rPr>
+                        <a:t>负责 1.7uml新特性ppt</a:t>
+                      </a:r>
+                      <a:r>
+                        <a:rPr lang="zh-CN" altLang="en-US" dirty="0" smtClean="0">
+                          <a:solidFill>
+                            <a:schemeClr val="tx1"/>
+                          </a:solidFill>
+                        </a:rPr>
+                        <a:t>制作</a:t>
+                      </a:r>
+                    </a:p>
+                  </a:txBody>
+                  <a:tcPr/>
+                </a:tc>
+                <a:tc>
+                  <a:txBody>
+                    <a:bodyPr/>
+                    <a:lstStyle/>
+                    <a:p>
+                      <a:pPr algn="l">
+                        <a:buNone/>
+                      </a:pPr>
+                      <a:r>
+                        <a:rPr lang="en-US" altLang="zh-CN" dirty="0" smtClean="0">
+                          <a:solidFill>
+                            <a:schemeClr val="tx1"/>
+                          </a:solidFill>
+                        </a:rPr>
+                        <a:t>9.5</a:t>
+                      </a:r>
+                    </a:p>
+                  </a:txBody>
+                  <a:tcPr/>
+                </a:tc>
+              </a:tr>
+              <a:tr h="805815">
+                <a:tc>
+                  <a:txBody>
+                    <a:bodyPr/>
+                    <a:lstStyle/>
+                    <a:p>
+                      <a:pPr algn="l">
+                        <a:buNone/>
+                      </a:pPr>
+                      <a:r>
+                        <a:rPr lang="zh-CN" dirty="0" smtClean="0">
+                          <a:solidFill>
+                            <a:schemeClr val="tx1"/>
+                          </a:solidFill>
+                        </a:rPr>
+                        <a:t>陈子卿</a:t>
+                      </a:r>
+                    </a:p>
+                  </a:txBody>
+                  <a:tcPr>
+                    <a:solidFill>
+                      <a:schemeClr val="accent1">
+                        <a:lumMod val="40000"/>
+                        <a:lumOff val="60000"/>
+                      </a:schemeClr>
+                    </a:solidFill>
+                  </a:tcPr>
+                </a:tc>
+                <a:tc>
+                  <a:txBody>
+                    <a:bodyPr/>
+                    <a:lstStyle/>
+                    <a:p>
+                      <a:pPr algn="l">
+                        <a:buNone/>
+                      </a:pPr>
+                      <a:r>
+                        <a:rPr lang="zh-CN" altLang="en-US" dirty="0" smtClean="0">
+                          <a:solidFill>
+                            <a:schemeClr val="tx1"/>
+                          </a:solidFill>
+                        </a:rPr>
+                        <a:t>负责1.1-1.3的PPT制作，</a:t>
+                      </a:r>
+                    </a:p>
+                    <a:p>
+                      <a:pPr algn="l">
+                        <a:buNone/>
+                      </a:pPr>
+                      <a:r>
+                        <a:rPr lang="zh-CN" altLang="en-US" dirty="0" smtClean="0">
+                          <a:solidFill>
+                            <a:schemeClr val="tx1"/>
+                          </a:solidFill>
+                        </a:rPr>
+                        <a:t>1.4 uml结构ppt的制作</a:t>
+                      </a:r>
+                    </a:p>
+                  </a:txBody>
+                  <a:tcPr>
+                    <a:solidFill>
+                      <a:schemeClr val="accent1">
+                        <a:lumMod val="40000"/>
+                        <a:lumOff val="60000"/>
+                      </a:schemeClr>
+                    </a:solidFill>
+                  </a:tcPr>
+                </a:tc>
+                <a:tc>
+                  <a:txBody>
+                    <a:bodyPr/>
+                    <a:lstStyle/>
+                    <a:p>
+                      <a:pPr algn="l">
+                        <a:buNone/>
+                      </a:pPr>
+                      <a:r>
+                        <a:rPr lang="en-US" altLang="zh-CN" dirty="0" smtClean="0">
+                          <a:solidFill>
+                            <a:schemeClr val="tx1"/>
+                          </a:solidFill>
+                        </a:rPr>
+                        <a:t>9.7</a:t>
+                      </a:r>
+                    </a:p>
+                  </a:txBody>
+                  <a:tcPr>
+                    <a:solidFill>
+                      <a:schemeClr val="accent1">
+                        <a:lumMod val="40000"/>
+                        <a:lumOff val="60000"/>
+                      </a:schemeClr>
+                    </a:solidFill>
+                  </a:tcPr>
+                </a:tc>
+              </a:tr>
+              <a:tr h="733425">
+                <a:tc>
+                  <a:txBody>
+                    <a:bodyPr/>
+                    <a:lstStyle/>
+                    <a:p>
+                      <a:pPr algn="l">
+                        <a:buNone/>
+                      </a:pPr>
+                      <a:r>
+                        <a:rPr lang="zh-CN" altLang="en-US" dirty="0" smtClean="0">
+                          <a:solidFill>
+                            <a:schemeClr val="tx1"/>
+                          </a:solidFill>
+                        </a:rPr>
+                        <a:t>蔡峰</a:t>
+                      </a:r>
+                    </a:p>
+                  </a:txBody>
+                  <a:tcPr>
+                    <a:solidFill>
+                      <a:schemeClr val="accent1">
+                        <a:lumMod val="40000"/>
+                        <a:lumOff val="60000"/>
+                      </a:schemeClr>
+                    </a:solidFill>
+                  </a:tcPr>
+                </a:tc>
+                <a:tc>
+                  <a:txBody>
+                    <a:bodyPr/>
+                    <a:lstStyle/>
+                    <a:p>
+                      <a:pPr algn="l">
+                        <a:buNone/>
+                      </a:pPr>
+                      <a:r>
+                        <a:rPr lang="zh-CN" altLang="en-US" dirty="0" smtClean="0">
+                          <a:solidFill>
+                            <a:schemeClr val="tx1"/>
+                          </a:solidFill>
+                        </a:rPr>
+                        <a:t>负责uml视图ppt，</a:t>
+                      </a:r>
+                      <a:r>
+                        <a:rPr lang="en-US" altLang="zh-CN" dirty="0" smtClean="0">
+                          <a:solidFill>
+                            <a:schemeClr val="tx1"/>
+                          </a:solidFill>
+                        </a:rPr>
+                        <a:t>uml</a:t>
+                      </a:r>
+                      <a:r>
+                        <a:rPr lang="zh-CN" altLang="en-US" dirty="0" smtClean="0">
+                          <a:solidFill>
+                            <a:schemeClr val="tx1"/>
+                          </a:solidFill>
+                        </a:rPr>
+                        <a:t>系统开发阶段</a:t>
+                      </a:r>
+                    </a:p>
+                  </a:txBody>
+                  <a:tcPr>
+                    <a:solidFill>
+                      <a:schemeClr val="accent1">
+                        <a:lumMod val="40000"/>
+                        <a:lumOff val="60000"/>
+                      </a:schemeClr>
+                    </a:solidFill>
+                  </a:tcPr>
+                </a:tc>
+                <a:tc>
+                  <a:txBody>
+                    <a:bodyPr/>
+                    <a:lstStyle/>
+                    <a:p>
+                      <a:pPr algn="l">
+                        <a:buNone/>
+                      </a:pPr>
+                      <a:r>
+                        <a:rPr lang="en-US" altLang="zh-CN" sz="2100" dirty="0" smtClean="0">
+                          <a:solidFill>
+                            <a:schemeClr val="tx1"/>
+                          </a:solidFill>
+                          <a:sym typeface="+mn-ea"/>
+                        </a:rPr>
+                        <a:t>9.4</a:t>
+                      </a:r>
+                      <a:endParaRPr lang="en-US" altLang="zh-CN" sz="2100" b="0" dirty="0" smtClean="0">
+                        <a:solidFill>
+                          <a:schemeClr val="tx1"/>
+                        </a:solidFill>
+                        <a:sym typeface="+mn-ea"/>
+                      </a:endParaRPr>
+                    </a:p>
+                    <a:p>
+                      <a:pPr algn="l">
+                        <a:buNone/>
+                      </a:pPr>
+                      <a:endParaRPr lang="zh-CN" altLang="en-US" dirty="0" smtClean="0">
+                        <a:solidFill>
+                          <a:schemeClr val="tx1"/>
+                        </a:solidFill>
+                      </a:endParaRPr>
+                    </a:p>
+                  </a:txBody>
+                  <a:tcPr>
+                    <a:solidFill>
+                      <a:schemeClr val="accent1">
+                        <a:lumMod val="40000"/>
+                        <a:lumOff val="60000"/>
+                      </a:schemeClr>
+                    </a:solidFill>
+                  </a:tcPr>
+                </a:tc>
+              </a:tr>
+              <a:tr h="732790">
+                <a:tc>
+                  <a:txBody>
+                    <a:bodyPr/>
+                    <a:lstStyle/>
+                    <a:p>
+                      <a:pPr algn="l">
+                        <a:buNone/>
+                      </a:pPr>
+                      <a:r>
+                        <a:rPr lang="zh-CN" altLang="en-US" dirty="0" smtClean="0">
+                          <a:solidFill>
+                            <a:schemeClr val="tx1"/>
+                          </a:solidFill>
+                        </a:rPr>
+                        <a:t>江亮儒</a:t>
+                      </a:r>
+                    </a:p>
+                  </a:txBody>
+                  <a:tcPr>
+                    <a:solidFill>
+                      <a:schemeClr val="accent1">
+                        <a:lumMod val="40000"/>
+                        <a:lumOff val="60000"/>
+                      </a:schemeClr>
+                    </a:solidFill>
+                  </a:tcPr>
+                </a:tc>
+                <a:tc>
+                  <a:txBody>
+                    <a:bodyPr/>
+                    <a:lstStyle/>
+                    <a:p>
+                      <a:pPr algn="l">
+                        <a:buNone/>
+                      </a:pPr>
+                      <a:r>
+                        <a:rPr lang="zh-CN" altLang="en-US" dirty="0" smtClean="0">
+                          <a:solidFill>
+                            <a:schemeClr val="tx1"/>
+                          </a:solidFill>
+                        </a:rPr>
+                        <a:t>负责uml的图ppt</a:t>
+                      </a:r>
+                    </a:p>
+                  </a:txBody>
+                  <a:tcPr>
+                    <a:solidFill>
+                      <a:schemeClr val="accent1">
+                        <a:lumMod val="40000"/>
+                        <a:lumOff val="60000"/>
+                      </a:schemeClr>
+                    </a:solidFill>
+                  </a:tcPr>
+                </a:tc>
+                <a:tc>
+                  <a:txBody>
+                    <a:bodyPr/>
+                    <a:lstStyle/>
+                    <a:p>
+                      <a:pPr algn="l">
+                        <a:buNone/>
+                      </a:pPr>
+                      <a:r>
+                        <a:rPr lang="en-US" altLang="zh-CN" dirty="0" smtClean="0">
+                          <a:solidFill>
+                            <a:schemeClr val="tx1"/>
+                          </a:solidFill>
+                        </a:rPr>
+                        <a:t>9.5</a:t>
+                      </a:r>
+                    </a:p>
+                  </a:txBody>
+                  <a:tcPr>
+                    <a:solidFill>
+                      <a:schemeClr val="accent1">
+                        <a:lumMod val="40000"/>
+                        <a:lumOff val="60000"/>
+                      </a:schemeClr>
+                    </a:solidFill>
+                  </a:tcPr>
+                </a:tc>
+              </a:tr>
+            </a:tbl>
+          </a:graphicData>
+        </a:graphic>
+      </p:graphicFrame>
+    </p:spTree>
+  </p:cSld>
+  <p:clrMapOvr>
+    <a:masterClrMapping/>
+  </p:clrMapOvr>
+  <mc:AlternateContent xmlns:mc="http://schemas.openxmlformats.org/markup-compatibility/2006" xmlns:p14="http://schemas.microsoft.com/office/powerpoint/2010/main">
+    <mc:Choice Requires="p14">
+      <p:transition spd="slow" p14:dur="1200" advClick="0" advTm="0">
+        <p14:prism/>
+      </p:transition>
+    </mc:Choice>
+    <mc:Fallback xmlns="">
+      <p:transition spd="slow" advClick="0" advTm="0">
+        <p:fade/>
+      </p:transition>
+    </mc:Fallback>
+  </mc:AlternateContent>
+  <p:timing>
+    <p:tnLst>
+      <p:par>
+        <p:cTn id="1" dur="indefinite" restart="never" nodeType="tmRoot">
+          <p:childTnLst>
+            <p:seq concurrent="1" nextAc="seek">
+              <p:cTn id="2" dur="indefinite" nodeType="mainSeq">
+                <p:childTnLst>
+                  <p:par>
+                    <p:cTn id="3" fill="hold">
+                      <p:stCondLst>
+                        <p:cond delay="indefinite"/>
+                        <p:cond evt="onBegin" delay="0">
+                          <p:tn val="2"/>
+                        </p:cond>
+                      </p:stCondLst>
+                      <p:childTnLst>
+                        <p:par>
+                          <p:cTn id="4" fill="hold">
+                            <p:stCondLst>
+                              <p:cond delay="0"/>
+                            </p:stCondLst>
+                            <p:childTnLst>
+                              <p:par>
+                                <p:cTn id="5" presetID="2" presetClass="entr" presetSubtype="8" fill="hold" grpId="0" nodeType="afterEffect">
+                                  <p:stCondLst>
+                                    <p:cond delay="0"/>
+                                  </p:stCondLst>
+                                  <p:childTnLst>
+                                    <p:set>
+                                      <p:cBhvr>
+                                        <p:cTn id="6" dur="1" fill="hold">
+                                          <p:stCondLst>
+                                            <p:cond delay="0"/>
+                                          </p:stCondLst>
+                                        </p:cTn>
+                                        <p:tgtEl>
+                                          <p:spTgt spid="36"/>
+                                        </p:tgtEl>
+                                        <p:attrNameLst>
+                                          <p:attrName>style.visibility</p:attrName>
+                                        </p:attrNameLst>
+                                      </p:cBhvr>
+                                      <p:to>
+                                        <p:strVal val="visible"/>
+                                      </p:to>
+                                    </p:set>
+                                    <p:anim calcmode="lin" valueType="num">
+                                      <p:cBhvr additive="base">
+                                        <p:cTn id="7" dur="500" fill="hold"/>
+                                        <p:tgtEl>
+                                          <p:spTgt spid="36"/>
+                                        </p:tgtEl>
+                                        <p:attrNameLst>
+                                          <p:attrName>ppt_x</p:attrName>
+                                        </p:attrNameLst>
+                                      </p:cBhvr>
+                                      <p:tavLst>
+                                        <p:tav tm="0">
+                                          <p:val>
+                                            <p:strVal val="0-#ppt_w/2"/>
+                                          </p:val>
+                                        </p:tav>
+                                        <p:tav tm="100000">
+                                          <p:val>
+                                            <p:strVal val="#ppt_x"/>
+                                          </p:val>
+                                        </p:tav>
+                                      </p:tavLst>
+                                    </p:anim>
+                                    <p:anim calcmode="lin" valueType="num">
+                                      <p:cBhvr additive="base">
+                                        <p:cTn id="8" dur="500" fill="hold"/>
+                                        <p:tgtEl>
+                                          <p:spTgt spid="36"/>
+                                        </p:tgtEl>
+                                        <p:attrNameLst>
+                                          <p:attrName>ppt_y</p:attrName>
+                                        </p:attrNameLst>
+                                      </p:cBhvr>
+                                      <p:tavLst>
+                                        <p:tav tm="0">
+                                          <p:val>
+                                            <p:strVal val="#ppt_y"/>
+                                          </p:val>
+                                        </p:tav>
+                                        <p:tav tm="100000">
+                                          <p:val>
+                                            <p:strVal val="#ppt_y"/>
+                                          </p:val>
+                                        </p:tav>
+                                      </p:tavLst>
+                                    </p:anim>
+                                  </p:childTnLst>
+                                </p:cTn>
+                              </p:par>
+                            </p:childTnLst>
+                          </p:cTn>
+                        </p:par>
+                        <p:par>
+                          <p:cTn id="9" fill="hold">
+                            <p:stCondLst>
+                              <p:cond delay="500"/>
+                            </p:stCondLst>
+                            <p:childTnLst>
+                              <p:par>
+                                <p:cTn id="10" presetID="17" presetClass="entr" presetSubtype="1" fill="hold" grpId="0" nodeType="afterEffect">
+                                  <p:stCondLst>
+                                    <p:cond delay="0"/>
+                                  </p:stCondLst>
+                                  <p:iterate type="lt">
+                                    <p:tmPct val="40000"/>
+                                  </p:iterate>
+                                  <p:childTnLst>
+                                    <p:set>
+                                      <p:cBhvr>
+                                        <p:cTn id="11" dur="1" fill="hold">
+                                          <p:stCondLst>
+                                            <p:cond delay="0"/>
+                                          </p:stCondLst>
+                                        </p:cTn>
+                                        <p:tgtEl>
+                                          <p:spTgt spid="37"/>
+                                        </p:tgtEl>
+                                        <p:attrNameLst>
+                                          <p:attrName>style.visibility</p:attrName>
+                                        </p:attrNameLst>
+                                      </p:cBhvr>
+                                      <p:to>
+                                        <p:strVal val="visible"/>
+                                      </p:to>
+                                    </p:set>
+                                    <p:anim calcmode="lin" valueType="num">
+                                      <p:cBhvr>
+                                        <p:cTn id="12" dur="250" fill="hold"/>
+                                        <p:tgtEl>
+                                          <p:spTgt spid="37"/>
+                                        </p:tgtEl>
+                                        <p:attrNameLst>
+                                          <p:attrName>ppt_x</p:attrName>
+                                        </p:attrNameLst>
+                                      </p:cBhvr>
+                                      <p:tavLst>
+                                        <p:tav tm="0">
+                                          <p:val>
+                                            <p:strVal val="#ppt_x"/>
+                                          </p:val>
+                                        </p:tav>
+                                        <p:tav tm="100000">
+                                          <p:val>
+                                            <p:strVal val="#ppt_x"/>
+                                          </p:val>
+                                        </p:tav>
+                                      </p:tavLst>
+                                    </p:anim>
+                                    <p:anim calcmode="lin" valueType="num">
+                                      <p:cBhvr>
+                                        <p:cTn id="13" dur="250" fill="hold"/>
+                                        <p:tgtEl>
+                                          <p:spTgt spid="37"/>
+                                        </p:tgtEl>
+                                        <p:attrNameLst>
+                                          <p:attrName>ppt_y</p:attrName>
+                                        </p:attrNameLst>
+                                      </p:cBhvr>
+                                      <p:tavLst>
+                                        <p:tav tm="0">
+                                          <p:val>
+                                            <p:strVal val="#ppt_y-#ppt_h/2"/>
+                                          </p:val>
+                                        </p:tav>
+                                        <p:tav tm="100000">
+                                          <p:val>
+                                            <p:strVal val="#ppt_y"/>
+                                          </p:val>
+                                        </p:tav>
+                                      </p:tavLst>
+                                    </p:anim>
+                                    <p:anim calcmode="lin" valueType="num">
+                                      <p:cBhvr>
+                                        <p:cTn id="14" dur="250" fill="hold"/>
+                                        <p:tgtEl>
+                                          <p:spTgt spid="37"/>
+                                        </p:tgtEl>
+                                        <p:attrNameLst>
+                                          <p:attrName>ppt_w</p:attrName>
+                                        </p:attrNameLst>
+                                      </p:cBhvr>
+                                      <p:tavLst>
+                                        <p:tav tm="0">
+                                          <p:val>
+                                            <p:strVal val="#ppt_w"/>
+                                          </p:val>
+                                        </p:tav>
+                                        <p:tav tm="100000">
+                                          <p:val>
+                                            <p:strVal val="#ppt_w"/>
+                                          </p:val>
+                                        </p:tav>
+                                      </p:tavLst>
+                                    </p:anim>
+                                    <p:anim calcmode="lin" valueType="num">
+                                      <p:cBhvr>
+                                        <p:cTn id="15" dur="250" fill="hold"/>
+                                        <p:tgtEl>
+                                          <p:spTgt spid="37"/>
+                                        </p:tgtEl>
+                                        <p:attrNameLst>
+                                          <p:attrName>ppt_h</p:attrName>
+                                        </p:attrNameLst>
+                                      </p:cBhvr>
+                                      <p:tavLst>
+                                        <p:tav tm="0">
+                                          <p:val>
+                                            <p:fltVal val="0"/>
+                                          </p:val>
+                                        </p:tav>
+                                        <p:tav tm="100000">
+                                          <p:val>
+                                            <p:strVal val="#ppt_h"/>
+                                          </p:val>
+                                        </p:tav>
+                                      </p:tavLst>
+                                    </p:anim>
+                                  </p:childTnLst>
+                                </p:cTn>
+                              </p:par>
+                            </p:childTnLst>
+                          </p:cTn>
+                        </p:par>
+                      </p:childTnLst>
+                    </p:cTn>
+                  </p:par>
+                </p:childTnLst>
+              </p:cTn>
+              <p:prevCondLst>
+                <p:cond evt="onPrev" delay="0">
+                  <p:tgtEl>
+                    <p:sldTgt/>
+                  </p:tgtEl>
+                </p:cond>
+              </p:prevCondLst>
+              <p:nextCondLst>
+                <p:cond evt="onNext" delay="0">
+                  <p:tgtEl>
+                    <p:sldTgt/>
+                  </p:tgtEl>
+                </p:cond>
+              </p:nextCondLst>
+            </p:seq>
+          </p:childTnLst>
+        </p:cTn>
+      </p:par>
+    </p:tnLst>
+    <p:bldLst>
+      <p:bldP spid="36" grpId="0" bldLvl="0" animBg="1"/>
+      <p:bldP spid="37" grpId="0"/>
+    </p:bldLst>
+  </p:timing>
+</p:sld>
+</file>
+
+<file path=ppt/slides/slide21.xml><?xml version="1.0" encoding="utf-8"?>
+<p:sld xmlns:a="http://schemas.openxmlformats.org/drawingml/2006/main" xmlns:r="http://schemas.openxmlformats.org/officeDocument/2006/relationships" xmlns:p="http://schemas.openxmlformats.org/presentationml/2006/main">
+  <p:cSld>
+    <p:spTree>
+      <p:nvGrpSpPr>
+        <p:cNvPr id="1" name=""/>
+        <p:cNvGrpSpPr/>
+        <p:nvPr/>
+      </p:nvGrpSpPr>
+      <p:grpSpPr>
+        <a:xfrm>
+          <a:off x="0" y="0"/>
+          <a:ext cx="0" cy="0"/>
+          <a:chOff x="0" y="0"/>
+          <a:chExt cx="0" cy="0"/>
+        </a:xfrm>
+      </p:grpSpPr>
+      <p:cxnSp>
+        <p:nvCxnSpPr>
+          <p:cNvPr id="30" name="直接连接符 29"/>
+          <p:cNvCxnSpPr/>
+          <p:nvPr/>
+        </p:nvCxnSpPr>
+        <p:spPr>
+          <a:xfrm>
+            <a:off x="0" y="740873"/>
+            <a:ext cx="5039227" cy="0"/>
+          </a:xfrm>
+          <a:prstGeom prst="line">
+            <a:avLst/>
+          </a:prstGeom>
+          <a:ln w="12700">
+            <a:solidFill>
+              <a:srgbClr val="A9A9A9"/>
+            </a:solidFill>
+          </a:ln>
+        </p:spPr>
+        <p:style>
+          <a:lnRef idx="1">
+            <a:schemeClr val="accent1"/>
+          </a:lnRef>
+          <a:fillRef idx="0">
+            <a:schemeClr val="accent1"/>
+          </a:fillRef>
+          <a:effectRef idx="0">
+            <a:schemeClr val="accent1"/>
+          </a:effectRef>
+          <a:fontRef idx="minor">
+            <a:schemeClr val="tx1"/>
+          </a:fontRef>
+        </p:style>
+      </p:cxnSp>
+      <p:cxnSp>
+        <p:nvCxnSpPr>
+          <p:cNvPr id="31" name="直接连接符 30"/>
+          <p:cNvCxnSpPr/>
+          <p:nvPr/>
+        </p:nvCxnSpPr>
+        <p:spPr>
+          <a:xfrm>
+            <a:off x="7151186" y="740873"/>
+            <a:ext cx="5039227" cy="0"/>
+          </a:xfrm>
+          <a:prstGeom prst="line">
+            <a:avLst/>
+          </a:prstGeom>
+          <a:ln w="12700">
+            <a:solidFill>
+              <a:srgbClr val="A9A9A9"/>
+            </a:solidFill>
+          </a:ln>
+        </p:spPr>
+        <p:style>
+          <a:lnRef idx="1">
+            <a:schemeClr val="accent1"/>
+          </a:lnRef>
+          <a:fillRef idx="0">
+            <a:schemeClr val="accent1"/>
+          </a:fillRef>
+          <a:effectRef idx="0">
+            <a:schemeClr val="accent1"/>
+          </a:effectRef>
+          <a:fontRef idx="minor">
+            <a:schemeClr val="tx1"/>
+          </a:fontRef>
+        </p:style>
+      </p:cxnSp>
+      <p:sp>
+        <p:nvSpPr>
+          <p:cNvPr id="32" name="矩形 31"/>
+          <p:cNvSpPr/>
+          <p:nvPr/>
+        </p:nvSpPr>
+        <p:spPr>
+          <a:xfrm>
+            <a:off x="1" y="6406814"/>
+            <a:ext cx="3041773" cy="452774"/>
+          </a:xfrm>
+          <a:prstGeom prst="rect">
+            <a:avLst/>
+          </a:prstGeom>
+          <a:solidFill>
+            <a:srgbClr val="EF7768"/>
+          </a:solidFill>
+          <a:ln>
+            <a:noFill/>
+          </a:ln>
+        </p:spPr>
+        <p:style>
+          <a:lnRef idx="2">
+            <a:schemeClr val="accent1">
+              <a:shade val="50000"/>
+            </a:schemeClr>
+          </a:lnRef>
+          <a:fillRef idx="1">
+            <a:schemeClr val="accent1"/>
+          </a:fillRef>
+          <a:effectRef idx="0">
+            <a:schemeClr val="accent1"/>
+          </a:effectRef>
+          <a:fontRef idx="minor">
+            <a:schemeClr val="lt1"/>
+          </a:fontRef>
+        </p:style>
+        <p:txBody>
+          <a:bodyPr lIns="121917" tIns="60958" rIns="121917" bIns="60958" rtlCol="0" anchor="ctr"/>
+          <a:lstStyle/>
+          <a:p>
+            <a:pPr algn="ctr"/>
+            <a:endParaRPr lang="zh-CN" altLang="en-US"/>
+          </a:p>
+        </p:txBody>
+      </p:sp>
+      <p:sp>
+        <p:nvSpPr>
+          <p:cNvPr id="33" name="矩形 32"/>
+          <p:cNvSpPr/>
+          <p:nvPr/>
+        </p:nvSpPr>
+        <p:spPr>
+          <a:xfrm>
+            <a:off x="3041775" y="6406814"/>
+            <a:ext cx="3063750" cy="452774"/>
+          </a:xfrm>
+          <a:prstGeom prst="rect">
+            <a:avLst/>
+          </a:prstGeom>
+          <a:solidFill>
+            <a:srgbClr val="C7C7C7"/>
+          </a:solidFill>
+          <a:ln>
+            <a:noFill/>
+          </a:ln>
+        </p:spPr>
+        <p:style>
+          <a:lnRef idx="2">
+            <a:schemeClr val="accent1">
+              <a:shade val="50000"/>
+            </a:schemeClr>
+          </a:lnRef>
+          <a:fillRef idx="1">
+            <a:schemeClr val="accent1"/>
+          </a:fillRef>
+          <a:effectRef idx="0">
+            <a:schemeClr val="accent1"/>
+          </a:effectRef>
+          <a:fontRef idx="minor">
+            <a:schemeClr val="lt1"/>
+          </a:fontRef>
+        </p:style>
+        <p:txBody>
+          <a:bodyPr lIns="121917" tIns="60958" rIns="121917" bIns="60958" rtlCol="0" anchor="ctr"/>
+          <a:lstStyle/>
+          <a:p>
+            <a:pPr algn="ctr"/>
+            <a:endParaRPr lang="zh-CN" altLang="en-US"/>
+          </a:p>
+        </p:txBody>
+      </p:sp>
+      <p:sp>
+        <p:nvSpPr>
+          <p:cNvPr id="34" name="矩形 33"/>
+          <p:cNvSpPr/>
+          <p:nvPr/>
+        </p:nvSpPr>
+        <p:spPr>
+          <a:xfrm>
+            <a:off x="6095207" y="6406814"/>
+            <a:ext cx="3047603" cy="452774"/>
+          </a:xfrm>
+          <a:prstGeom prst="rect">
+            <a:avLst/>
+          </a:prstGeom>
+          <a:solidFill>
+            <a:srgbClr val="38B1BF"/>
+          </a:solidFill>
+          <a:ln>
+            <a:noFill/>
+          </a:ln>
+        </p:spPr>
+        <p:style>
+          <a:lnRef idx="2">
+            <a:schemeClr val="accent1">
+              <a:shade val="50000"/>
+            </a:schemeClr>
+          </a:lnRef>
+          <a:fillRef idx="1">
+            <a:schemeClr val="accent1"/>
+          </a:fillRef>
+          <a:effectRef idx="0">
+            <a:schemeClr val="accent1"/>
+          </a:effectRef>
+          <a:fontRef idx="minor">
+            <a:schemeClr val="lt1"/>
+          </a:fontRef>
+        </p:style>
+        <p:txBody>
+          <a:bodyPr lIns="121917" tIns="60958" rIns="121917" bIns="60958" rtlCol="0" anchor="ctr"/>
+          <a:lstStyle/>
+          <a:p>
+            <a:pPr algn="ctr"/>
+            <a:endParaRPr lang="zh-CN" altLang="en-US"/>
+          </a:p>
+        </p:txBody>
+      </p:sp>
+      <p:sp>
+        <p:nvSpPr>
+          <p:cNvPr id="35" name="矩形 34"/>
+          <p:cNvSpPr/>
+          <p:nvPr/>
+        </p:nvSpPr>
+        <p:spPr>
+          <a:xfrm>
+            <a:off x="9142810" y="6406814"/>
+            <a:ext cx="3047603" cy="452774"/>
+          </a:xfrm>
+          <a:prstGeom prst="rect">
+            <a:avLst/>
+          </a:prstGeom>
+          <a:solidFill>
+            <a:srgbClr val="FF9933"/>
+          </a:solidFill>
+          <a:ln>
+            <a:noFill/>
+          </a:ln>
+        </p:spPr>
+        <p:style>
+          <a:lnRef idx="2">
+            <a:schemeClr val="accent1">
+              <a:shade val="50000"/>
+            </a:schemeClr>
+          </a:lnRef>
+          <a:fillRef idx="1">
+            <a:schemeClr val="accent1"/>
+          </a:fillRef>
+          <a:effectRef idx="0">
+            <a:schemeClr val="accent1"/>
+          </a:effectRef>
+          <a:fontRef idx="minor">
+            <a:schemeClr val="lt1"/>
+          </a:fontRef>
+        </p:style>
+        <p:txBody>
+          <a:bodyPr lIns="121917" tIns="60958" rIns="121917" bIns="60958" rtlCol="0" anchor="ctr"/>
+          <a:lstStyle/>
+          <a:p>
+            <a:pPr algn="ctr"/>
+            <a:endParaRPr lang="zh-CN" altLang="en-US"/>
+          </a:p>
+        </p:txBody>
+      </p:sp>
+      <p:sp>
+        <p:nvSpPr>
+          <p:cNvPr id="36" name="矩形 35"/>
+          <p:cNvSpPr/>
+          <p:nvPr/>
+        </p:nvSpPr>
+        <p:spPr>
+          <a:xfrm>
+            <a:off x="0" y="-27390"/>
+            <a:ext cx="3047603" cy="123423"/>
+          </a:xfrm>
+          <a:prstGeom prst="rect">
+            <a:avLst/>
+          </a:prstGeom>
+          <a:solidFill>
+            <a:srgbClr val="EF7768"/>
+          </a:solidFill>
+          <a:ln>
+            <a:noFill/>
+          </a:ln>
+        </p:spPr>
+        <p:style>
+          <a:lnRef idx="2">
+            <a:schemeClr val="accent1">
+              <a:shade val="50000"/>
+            </a:schemeClr>
+          </a:lnRef>
+          <a:fillRef idx="1">
+            <a:schemeClr val="accent1"/>
+          </a:fillRef>
+          <a:effectRef idx="0">
+            <a:schemeClr val="accent1"/>
+          </a:effectRef>
+          <a:fontRef idx="minor">
+            <a:schemeClr val="lt1"/>
+          </a:fontRef>
+        </p:style>
+        <p:txBody>
+          <a:bodyPr lIns="121917" tIns="60958" rIns="121917" bIns="60958" rtlCol="0" anchor="ctr"/>
+          <a:lstStyle/>
+          <a:p>
+            <a:pPr algn="ctr"/>
+            <a:endParaRPr lang="zh-CN" altLang="en-US"/>
+          </a:p>
+        </p:txBody>
+      </p:sp>
+      <p:sp>
+        <p:nvSpPr>
+          <p:cNvPr id="37" name="矩形 36"/>
+          <p:cNvSpPr/>
+          <p:nvPr/>
+        </p:nvSpPr>
+        <p:spPr>
+          <a:xfrm>
+            <a:off x="3047603" y="-27390"/>
+            <a:ext cx="3047603" cy="123423"/>
+          </a:xfrm>
+          <a:prstGeom prst="rect">
+            <a:avLst/>
+          </a:prstGeom>
+          <a:solidFill>
+            <a:srgbClr val="C7C7C7"/>
+          </a:solidFill>
+          <a:ln>
+            <a:noFill/>
+          </a:ln>
+        </p:spPr>
+        <p:style>
+          <a:lnRef idx="2">
+            <a:schemeClr val="accent1">
+              <a:shade val="50000"/>
+            </a:schemeClr>
+          </a:lnRef>
+          <a:fillRef idx="1">
+            <a:schemeClr val="accent1"/>
+          </a:fillRef>
+          <a:effectRef idx="0">
+            <a:schemeClr val="accent1"/>
+          </a:effectRef>
+          <a:fontRef idx="minor">
+            <a:schemeClr val="lt1"/>
+          </a:fontRef>
+        </p:style>
+        <p:txBody>
+          <a:bodyPr lIns="121917" tIns="60958" rIns="121917" bIns="60958" rtlCol="0" anchor="ctr"/>
+          <a:lstStyle/>
+          <a:p>
+            <a:pPr algn="ctr"/>
+            <a:endParaRPr lang="zh-CN" altLang="en-US"/>
+          </a:p>
+        </p:txBody>
+      </p:sp>
+      <p:sp>
+        <p:nvSpPr>
+          <p:cNvPr id="38" name="矩形 37"/>
+          <p:cNvSpPr/>
+          <p:nvPr/>
+        </p:nvSpPr>
+        <p:spPr>
+          <a:xfrm>
+            <a:off x="6095207" y="-27390"/>
+            <a:ext cx="3047603" cy="123423"/>
+          </a:xfrm>
+          <a:prstGeom prst="rect">
+            <a:avLst/>
+          </a:prstGeom>
+          <a:solidFill>
+            <a:srgbClr val="38B1BF"/>
+          </a:solidFill>
+          <a:ln>
+            <a:noFill/>
+          </a:ln>
+        </p:spPr>
+        <p:style>
+          <a:lnRef idx="2">
+            <a:schemeClr val="accent1">
+              <a:shade val="50000"/>
+            </a:schemeClr>
+          </a:lnRef>
+          <a:fillRef idx="1">
+            <a:schemeClr val="accent1"/>
+          </a:fillRef>
+          <a:effectRef idx="0">
+            <a:schemeClr val="accent1"/>
+          </a:effectRef>
+          <a:fontRef idx="minor">
+            <a:schemeClr val="lt1"/>
+          </a:fontRef>
+        </p:style>
+        <p:txBody>
+          <a:bodyPr lIns="121917" tIns="60958" rIns="121917" bIns="60958" rtlCol="0" anchor="ctr"/>
+          <a:lstStyle/>
+          <a:p>
+            <a:pPr algn="ctr"/>
+            <a:endParaRPr lang="zh-CN" altLang="en-US"/>
+          </a:p>
+        </p:txBody>
+      </p:sp>
+      <p:sp>
+        <p:nvSpPr>
+          <p:cNvPr id="39" name="矩形 38"/>
+          <p:cNvSpPr/>
+          <p:nvPr/>
+        </p:nvSpPr>
+        <p:spPr>
+          <a:xfrm>
+            <a:off x="9142810" y="-27390"/>
+            <a:ext cx="3047603" cy="123423"/>
+          </a:xfrm>
+          <a:prstGeom prst="rect">
+            <a:avLst/>
+          </a:prstGeom>
+          <a:solidFill>
+            <a:srgbClr val="FF9933"/>
+          </a:solidFill>
+          <a:ln>
+            <a:noFill/>
+          </a:ln>
+        </p:spPr>
+        <p:style>
+          <a:lnRef idx="2">
+            <a:schemeClr val="accent1">
+              <a:shade val="50000"/>
+            </a:schemeClr>
+          </a:lnRef>
+          <a:fillRef idx="1">
+            <a:schemeClr val="accent1"/>
+          </a:fillRef>
+          <a:effectRef idx="0">
+            <a:schemeClr val="accent1"/>
+          </a:effectRef>
+          <a:fontRef idx="minor">
+            <a:schemeClr val="lt1"/>
+          </a:fontRef>
+        </p:style>
+        <p:txBody>
+          <a:bodyPr lIns="121917" tIns="60958" rIns="121917" bIns="60958" rtlCol="0" anchor="ctr"/>
+          <a:lstStyle/>
+          <a:p>
+            <a:pPr algn="ctr"/>
+            <a:endParaRPr lang="zh-CN" altLang="en-US"/>
+          </a:p>
+        </p:txBody>
+      </p:sp>
+      <p:sp>
+        <p:nvSpPr>
+          <p:cNvPr id="41" name="文本框 5"/>
+          <p:cNvSpPr txBox="1"/>
+          <p:nvPr/>
+        </p:nvSpPr>
+        <p:spPr>
+          <a:xfrm>
+            <a:off x="3663094" y="4778722"/>
+            <a:ext cx="2552267" cy="384705"/>
+          </a:xfrm>
+          <a:prstGeom prst="rect">
+            <a:avLst/>
+          </a:prstGeom>
+          <a:noFill/>
+        </p:spPr>
+        <p:txBody>
+          <a:bodyPr wrap="none" lIns="91423" tIns="45712" rIns="91423" bIns="45712" rtlCol="0">
+            <a:spAutoFit/>
+          </a:bodyPr>
+          <a:lstStyle/>
+          <a:p>
+            <a:pPr algn="ctr"/>
+            <a:r>
+              <a:rPr lang="en-US" altLang="zh-CN" sz="1900" dirty="0">
+                <a:solidFill>
+                  <a:schemeClr val="tx1">
+                    <a:lumMod val="85000"/>
+                    <a:lumOff val="15000"/>
+                  </a:schemeClr>
+                </a:solidFill>
+                <a:latin typeface="微软雅黑" panose="020B0503020204020204" pitchFamily="34" charset="-122"/>
+                <a:ea typeface="微软雅黑" panose="020B0503020204020204" pitchFamily="34" charset="-122"/>
+              </a:rPr>
+              <a:t>PRD</a:t>
+            </a:r>
+            <a:r>
+              <a:rPr lang="en-US" sz="1900" dirty="0" smtClean="0">
+                <a:solidFill>
+                  <a:schemeClr val="tx1">
+                    <a:lumMod val="85000"/>
+                    <a:lumOff val="15000"/>
+                  </a:schemeClr>
+                </a:solidFill>
+                <a:latin typeface="微软雅黑" panose="020B0503020204020204" pitchFamily="34" charset="-122"/>
+                <a:ea typeface="微软雅黑" panose="020B0503020204020204" pitchFamily="34" charset="-122"/>
+              </a:rPr>
+              <a:t>2018</a:t>
+            </a:r>
+            <a:r>
+              <a:rPr lang="zh-CN" altLang="en-US" sz="1900" dirty="0">
+                <a:solidFill>
+                  <a:schemeClr val="tx1">
+                    <a:lumMod val="85000"/>
+                    <a:lumOff val="15000"/>
+                  </a:schemeClr>
+                </a:solidFill>
+                <a:latin typeface="微软雅黑" panose="020B0503020204020204" pitchFamily="34" charset="-122"/>
+                <a:ea typeface="微软雅黑" panose="020B0503020204020204" pitchFamily="34" charset="-122"/>
+              </a:rPr>
+              <a:t>秋</a:t>
+            </a:r>
+            <a:r>
+              <a:rPr lang="en-US" altLang="zh-CN" sz="1900" dirty="0" smtClean="0">
+                <a:solidFill>
+                  <a:schemeClr val="tx1">
+                    <a:lumMod val="85000"/>
+                    <a:lumOff val="15000"/>
+                  </a:schemeClr>
+                </a:solidFill>
+                <a:latin typeface="微软雅黑" panose="020B0503020204020204" pitchFamily="34" charset="-122"/>
+                <a:ea typeface="微软雅黑" panose="020B0503020204020204" pitchFamily="34" charset="-122"/>
+              </a:rPr>
+              <a:t>-</a:t>
+            </a:r>
+            <a:r>
+              <a:rPr lang="en-US" sz="1900" dirty="0" smtClean="0">
+                <a:solidFill>
+                  <a:schemeClr val="tx1">
+                    <a:lumMod val="85000"/>
+                    <a:lumOff val="15000"/>
+                  </a:schemeClr>
+                </a:solidFill>
+                <a:latin typeface="微软雅黑" panose="020B0503020204020204" pitchFamily="34" charset="-122"/>
+                <a:ea typeface="微软雅黑" panose="020B0503020204020204" pitchFamily="34" charset="-122"/>
+              </a:rPr>
+              <a:t>G11</a:t>
+            </a:r>
+            <a:r>
+              <a:rPr lang="zh-CN" altLang="en-US" sz="1900" dirty="0" smtClean="0">
+                <a:solidFill>
+                  <a:schemeClr val="tx1">
+                    <a:lumMod val="85000"/>
+                    <a:lumOff val="15000"/>
+                  </a:schemeClr>
+                </a:solidFill>
+                <a:latin typeface="微软雅黑" panose="020B0503020204020204" pitchFamily="34" charset="-122"/>
+                <a:ea typeface="微软雅黑" panose="020B0503020204020204" pitchFamily="34" charset="-122"/>
+              </a:rPr>
+              <a:t>小组</a:t>
+            </a:r>
+            <a:endParaRPr lang="zh-CN" altLang="en-US" sz="1900" dirty="0">
+              <a:solidFill>
+                <a:schemeClr val="tx1">
+                  <a:lumMod val="85000"/>
+                  <a:lumOff val="15000"/>
+                </a:schemeClr>
+              </a:solidFill>
+              <a:latin typeface="微软雅黑" panose="020B0503020204020204" pitchFamily="34" charset="-122"/>
+              <a:ea typeface="微软雅黑" panose="020B0503020204020204" pitchFamily="34" charset="-122"/>
+            </a:endParaRPr>
+          </a:p>
+        </p:txBody>
+      </p:sp>
+      <p:sp>
+        <p:nvSpPr>
+          <p:cNvPr id="42" name="矩形 41"/>
+          <p:cNvSpPr/>
+          <p:nvPr/>
+        </p:nvSpPr>
+        <p:spPr>
+          <a:xfrm>
+            <a:off x="4110906" y="3692461"/>
+            <a:ext cx="3975100" cy="643890"/>
+          </a:xfrm>
+          <a:prstGeom prst="rect">
+            <a:avLst/>
+          </a:prstGeom>
+          <a:noFill/>
+          <a:ln>
+            <a:noFill/>
+          </a:ln>
+          <a:effectLst>
+            <a:glow rad="1905000">
+              <a:srgbClr val="F14124">
+                <a:alpha val="40000"/>
+              </a:srgbClr>
+            </a:glow>
+            <a:softEdge rad="1270000"/>
+          </a:effectLst>
+        </p:spPr>
+        <p:txBody>
+          <a:bodyPr wrap="none" lIns="91423" tIns="45712" rIns="91423" bIns="45712">
+            <a:spAutoFit/>
+          </a:bodyPr>
+          <a:lstStyle/>
+          <a:p>
+            <a:pPr algn="ctr"/>
+            <a:r>
+              <a:rPr lang="zh-CN" altLang="en-US" sz="3600" b="1" dirty="0">
+                <a:solidFill>
+                  <a:schemeClr val="tx1">
+                    <a:lumMod val="75000"/>
+                    <a:lumOff val="25000"/>
+                  </a:schemeClr>
+                </a:solidFill>
+                <a:latin typeface="微软雅黑" panose="020B0503020204020204" pitchFamily="34" charset="-122"/>
+                <a:ea typeface="微软雅黑" panose="020B0503020204020204" pitchFamily="34" charset="-122"/>
+              </a:rPr>
+              <a:t>汇报结束 感谢观看</a:t>
+            </a:r>
+          </a:p>
+        </p:txBody>
+      </p:sp>
+      <p:sp>
+        <p:nvSpPr>
+          <p:cNvPr id="43" name="文本框 5"/>
+          <p:cNvSpPr txBox="1"/>
+          <p:nvPr/>
+        </p:nvSpPr>
+        <p:spPr>
+          <a:xfrm>
+            <a:off x="6349371" y="4778722"/>
+            <a:ext cx="1914272" cy="384705"/>
+          </a:xfrm>
+          <a:prstGeom prst="rect">
+            <a:avLst/>
+          </a:prstGeom>
+          <a:noFill/>
+        </p:spPr>
+        <p:txBody>
+          <a:bodyPr wrap="none" lIns="91423" tIns="45712" rIns="91423" bIns="45712" rtlCol="0">
+            <a:spAutoFit/>
+          </a:bodyPr>
+          <a:lstStyle/>
+          <a:p>
+            <a:pPr algn="ctr"/>
+            <a:r>
+              <a:rPr lang="en-US" altLang="zh-CN" sz="1900" dirty="0" smtClean="0">
+                <a:solidFill>
+                  <a:schemeClr val="tx1">
+                    <a:lumMod val="85000"/>
+                    <a:lumOff val="15000"/>
+                  </a:schemeClr>
+                </a:solidFill>
+                <a:latin typeface="微软雅黑" panose="020B0503020204020204" pitchFamily="34" charset="-122"/>
+                <a:ea typeface="微软雅黑" panose="020B0503020204020204" pitchFamily="34" charset="-122"/>
+              </a:rPr>
+              <a:t>2018</a:t>
+            </a:r>
+            <a:r>
+              <a:rPr lang="zh-CN" altLang="en-US" sz="1900" dirty="0" smtClean="0">
+                <a:solidFill>
+                  <a:schemeClr val="tx1">
+                    <a:lumMod val="85000"/>
+                    <a:lumOff val="15000"/>
+                  </a:schemeClr>
+                </a:solidFill>
+                <a:latin typeface="微软雅黑" panose="020B0503020204020204" pitchFamily="34" charset="-122"/>
+                <a:ea typeface="微软雅黑" panose="020B0503020204020204" pitchFamily="34" charset="-122"/>
+              </a:rPr>
+              <a:t>年</a:t>
+            </a:r>
+            <a:r>
+              <a:rPr lang="en-US" altLang="zh-CN" sz="1900" dirty="0">
+                <a:solidFill>
+                  <a:schemeClr val="tx1">
+                    <a:lumMod val="85000"/>
+                    <a:lumOff val="15000"/>
+                  </a:schemeClr>
+                </a:solidFill>
+                <a:latin typeface="微软雅黑" panose="020B0503020204020204" pitchFamily="34" charset="-122"/>
+                <a:ea typeface="微软雅黑" panose="020B0503020204020204" pitchFamily="34" charset="-122"/>
+              </a:rPr>
+              <a:t>9</a:t>
+            </a:r>
+            <a:r>
+              <a:rPr lang="zh-CN" altLang="en-US" sz="1900" dirty="0" smtClean="0">
+                <a:solidFill>
+                  <a:schemeClr val="tx1">
+                    <a:lumMod val="85000"/>
+                    <a:lumOff val="15000"/>
+                  </a:schemeClr>
+                </a:solidFill>
+                <a:latin typeface="微软雅黑" panose="020B0503020204020204" pitchFamily="34" charset="-122"/>
+                <a:ea typeface="微软雅黑" panose="020B0503020204020204" pitchFamily="34" charset="-122"/>
+              </a:rPr>
+              <a:t>月</a:t>
+            </a:r>
+            <a:r>
+              <a:rPr lang="en-US" altLang="zh-CN" sz="1900" dirty="0" smtClean="0">
+                <a:solidFill>
+                  <a:schemeClr val="tx1">
+                    <a:lumMod val="85000"/>
+                    <a:lumOff val="15000"/>
+                  </a:schemeClr>
+                </a:solidFill>
+                <a:latin typeface="微软雅黑" panose="020B0503020204020204" pitchFamily="34" charset="-122"/>
+                <a:ea typeface="微软雅黑" panose="020B0503020204020204" pitchFamily="34" charset="-122"/>
+              </a:rPr>
+              <a:t>30</a:t>
+            </a:r>
+            <a:r>
+              <a:rPr lang="zh-CN" altLang="en-US" sz="1900" dirty="0" smtClean="0">
+                <a:solidFill>
+                  <a:schemeClr val="tx1">
+                    <a:lumMod val="85000"/>
+                    <a:lumOff val="15000"/>
+                  </a:schemeClr>
+                </a:solidFill>
+                <a:latin typeface="微软雅黑" panose="020B0503020204020204" pitchFamily="34" charset="-122"/>
+                <a:ea typeface="微软雅黑" panose="020B0503020204020204" pitchFamily="34" charset="-122"/>
+              </a:rPr>
+              <a:t>日</a:t>
+            </a:r>
+            <a:endParaRPr lang="zh-CN" altLang="en-US" sz="1900" dirty="0">
+              <a:solidFill>
+                <a:schemeClr val="tx1">
+                  <a:lumMod val="85000"/>
+                  <a:lumOff val="15000"/>
+                </a:schemeClr>
+              </a:solidFill>
+              <a:latin typeface="微软雅黑" panose="020B0503020204020204" pitchFamily="34" charset="-122"/>
+              <a:ea typeface="微软雅黑" panose="020B0503020204020204" pitchFamily="34" charset="-122"/>
+            </a:endParaRPr>
+          </a:p>
+        </p:txBody>
+      </p:sp>
+      <p:cxnSp>
+        <p:nvCxnSpPr>
+          <p:cNvPr id="44" name="直接连接符 43"/>
+          <p:cNvCxnSpPr/>
+          <p:nvPr/>
+        </p:nvCxnSpPr>
+        <p:spPr>
+          <a:xfrm>
+            <a:off x="2639273" y="4529730"/>
+            <a:ext cx="6911868" cy="0"/>
+          </a:xfrm>
+          <a:prstGeom prst="line">
+            <a:avLst/>
+          </a:prstGeom>
+          <a:ln>
+            <a:solidFill>
+              <a:srgbClr val="38B1BF"/>
+            </a:solidFill>
+          </a:ln>
+        </p:spPr>
+        <p:style>
+          <a:lnRef idx="1">
+            <a:schemeClr val="accent1"/>
+          </a:lnRef>
+          <a:fillRef idx="0">
+            <a:schemeClr val="accent1"/>
+          </a:fillRef>
+          <a:effectRef idx="0">
+            <a:schemeClr val="accent1"/>
+          </a:effectRef>
+          <a:fontRef idx="minor">
+            <a:schemeClr val="tx1"/>
+          </a:fontRef>
+        </p:style>
+      </p:cxnSp>
+      <p:pic>
+        <p:nvPicPr>
+          <p:cNvPr id="46" name="商务.mp3">
+            <a:hlinkClick r:id="" action="ppaction://media"/>
+          </p:cNvPr>
+          <p:cNvPicPr>
+            <a:picLocks noChangeAspect="1"/>
+          </p:cNvPicPr>
+          <p:nvPr>
+            <a:audioFile r:link="rId2"/>
+            <p:extLst>
+              <p:ext uri="{DAA4B4D4-6D71-4841-9C94-3DE7FCFB9230}">
+                <p14:media xmlns:p14="http://schemas.microsoft.com/office/powerpoint/2010/main" r:embed="rId1"/>
+              </p:ext>
+            </p:extLst>
+          </p:nvPr>
+        </p:nvPicPr>
+        <p:blipFill>
+          <a:blip r:embed="rId5"/>
+          <a:stretch>
+            <a:fillRect/>
+          </a:stretch>
+        </p:blipFill>
+        <p:spPr>
+          <a:xfrm>
+            <a:off x="12418122" y="6197364"/>
+            <a:ext cx="812694" cy="812988"/>
+          </a:xfrm>
+          <a:prstGeom prst="rect">
+            <a:avLst/>
+          </a:prstGeom>
+        </p:spPr>
+      </p:pic>
+      <p:sp>
+        <p:nvSpPr>
+          <p:cNvPr id="2" name="文本框 1"/>
+          <p:cNvSpPr txBox="1"/>
+          <p:nvPr/>
+        </p:nvSpPr>
+        <p:spPr>
+          <a:xfrm>
+            <a:off x="4051300" y="5527040"/>
+            <a:ext cx="4747895" cy="414020"/>
+          </a:xfrm>
+          <a:prstGeom prst="rect">
+            <a:avLst/>
+          </a:prstGeom>
+          <a:noFill/>
+        </p:spPr>
+        <p:txBody>
+          <a:bodyPr wrap="square" rtlCol="0">
+            <a:spAutoFit/>
+          </a:bodyPr>
+          <a:lstStyle/>
+          <a:p>
+            <a:r>
+              <a:rPr lang="zh-CN" altLang="en-US" kern="300" spc="2000">
+                <a:solidFill>
+                  <a:schemeClr val="tx1"/>
+                </a:solidFill>
+                <a:uFillTx/>
+                <a:latin typeface="+中文标题" charset="0"/>
+                <a:ea typeface="+mj-ea"/>
+              </a:rPr>
+              <a:t>浙江大学城市学院</a:t>
+            </a:r>
+          </a:p>
+        </p:txBody>
+      </p:sp>
+    </p:spTree>
+  </p:cSld>
+  <p:clrMapOvr>
+    <a:masterClrMapping/>
+  </p:clrMapOvr>
+  <mc:AlternateContent xmlns:mc="http://schemas.openxmlformats.org/markup-compatibility/2006" xmlns:p14="http://schemas.microsoft.com/office/powerpoint/2010/main">
+    <mc:Choice Requires="p14">
+      <p:transition spd="slow" p14:dur="1600" advClick="0" advTm="0">
+        <p:blinds dir="vert"/>
+      </p:transition>
+    </mc:Choice>
+    <mc:Fallback xmlns="">
+      <p:transition spd="slow" advClick="0" advTm="0">
+        <p:blinds dir="vert"/>
+      </p:transition>
+    </mc:Fallback>
+  </mc:AlternateContent>
+  <p:timing>
+    <p:tnLst>
+      <p:par>
+        <p:cTn id="1" dur="indefinite" restart="never" nodeType="tmRoot">
+          <p:childTnLst>
+            <p:seq concurrent="1" nextAc="seek">
+              <p:cTn id="2" dur="indefinite" nodeType="mainSeq">
+                <p:childTnLst>
+                  <p:par>
+                    <p:cTn id="3" fill="hold">
+                      <p:stCondLst>
+                        <p:cond delay="indefinite"/>
+                        <p:cond evt="onBegin" delay="0">
+                          <p:tn val="2"/>
+                        </p:cond>
+                      </p:stCondLst>
+                      <p:childTnLst>
+                        <p:par>
+                          <p:cTn id="4" fill="hold">
+                            <p:stCondLst>
+                              <p:cond delay="0"/>
+                            </p:stCondLst>
+                            <p:childTnLst>
+                              <p:par>
+                                <p:cTn id="5" presetID="1" presetClass="mediacall" presetSubtype="0" fill="hold" nodeType="withEffect">
+                                  <p:stCondLst>
+                                    <p:cond delay="0"/>
+                                  </p:stCondLst>
+                                  <p:childTnLst>
+                                    <p:cmd type="call" cmd="playFrom(0.0)">
+                                      <p:cBhvr>
+                                        <p:cTn id="6" dur="1" fill="hold"/>
+                                        <p:tgtEl>
+                                          <p:spTgt spid="46"/>
+                                        </p:tgtEl>
+                                      </p:cBhvr>
+                                    </p:cmd>
+                                  </p:childTnLst>
+                                </p:cTn>
+                              </p:par>
+                              <p:par>
+                                <p:cTn id="7" presetID="10" presetClass="entr" presetSubtype="0" fill="hold" grpId="0" nodeType="withEffect">
+                                  <p:stCondLst>
+                                    <p:cond delay="0"/>
+                                  </p:stCondLst>
+                                  <p:childTnLst>
+                                    <p:set>
+                                      <p:cBhvr>
+                                        <p:cTn id="8" dur="1" fill="hold">
+                                          <p:stCondLst>
+                                            <p:cond delay="0"/>
+                                          </p:stCondLst>
+                                        </p:cTn>
+                                        <p:tgtEl>
+                                          <p:spTgt spid="36"/>
+                                        </p:tgtEl>
+                                        <p:attrNameLst>
+                                          <p:attrName>style.visibility</p:attrName>
+                                        </p:attrNameLst>
+                                      </p:cBhvr>
+                                      <p:to>
+                                        <p:strVal val="visible"/>
+                                      </p:to>
+                                    </p:set>
+                                    <p:animEffect transition="in" filter="fade">
+                                      <p:cBhvr>
+                                        <p:cTn id="9" dur="200"/>
+                                        <p:tgtEl>
+                                          <p:spTgt spid="36"/>
+                                        </p:tgtEl>
+                                      </p:cBhvr>
+                                    </p:animEffect>
+                                  </p:childTnLst>
+                                </p:cTn>
+                              </p:par>
+                              <p:par>
+                                <p:cTn id="10" presetID="10" presetClass="entr" presetSubtype="0" fill="hold" grpId="0" nodeType="withEffect">
+                                  <p:stCondLst>
+                                    <p:cond delay="0"/>
+                                  </p:stCondLst>
+                                  <p:childTnLst>
+                                    <p:set>
+                                      <p:cBhvr>
+                                        <p:cTn id="11" dur="1" fill="hold">
+                                          <p:stCondLst>
+                                            <p:cond delay="0"/>
+                                          </p:stCondLst>
+                                        </p:cTn>
+                                        <p:tgtEl>
+                                          <p:spTgt spid="37"/>
+                                        </p:tgtEl>
+                                        <p:attrNameLst>
+                                          <p:attrName>style.visibility</p:attrName>
+                                        </p:attrNameLst>
+                                      </p:cBhvr>
+                                      <p:to>
+                                        <p:strVal val="visible"/>
+                                      </p:to>
+                                    </p:set>
+                                    <p:animEffect transition="in" filter="fade">
+                                      <p:cBhvr>
+                                        <p:cTn id="12" dur="200"/>
+                                        <p:tgtEl>
+                                          <p:spTgt spid="37"/>
+                                        </p:tgtEl>
+                                      </p:cBhvr>
+                                    </p:animEffect>
+                                  </p:childTnLst>
+                                </p:cTn>
+                              </p:par>
+                              <p:par>
+                                <p:cTn id="13" presetID="10" presetClass="entr" presetSubtype="0" fill="hold" grpId="0" nodeType="withEffect">
+                                  <p:stCondLst>
+                                    <p:cond delay="0"/>
+                                  </p:stCondLst>
+                                  <p:childTnLst>
+                                    <p:set>
+                                      <p:cBhvr>
+                                        <p:cTn id="14" dur="1" fill="hold">
+                                          <p:stCondLst>
+                                            <p:cond delay="0"/>
+                                          </p:stCondLst>
+                                        </p:cTn>
+                                        <p:tgtEl>
+                                          <p:spTgt spid="38"/>
+                                        </p:tgtEl>
+                                        <p:attrNameLst>
+                                          <p:attrName>style.visibility</p:attrName>
+                                        </p:attrNameLst>
+                                      </p:cBhvr>
+                                      <p:to>
+                                        <p:strVal val="visible"/>
+                                      </p:to>
+                                    </p:set>
+                                    <p:animEffect transition="in" filter="fade">
+                                      <p:cBhvr>
+                                        <p:cTn id="15" dur="200"/>
+                                        <p:tgtEl>
+                                          <p:spTgt spid="38"/>
+                                        </p:tgtEl>
+                                      </p:cBhvr>
+                                    </p:animEffect>
+                                  </p:childTnLst>
+                                </p:cTn>
+                              </p:par>
+                              <p:par>
+                                <p:cTn id="16" presetID="10" presetClass="entr" presetSubtype="0" fill="hold" grpId="0" nodeType="withEffect">
+                                  <p:stCondLst>
+                                    <p:cond delay="0"/>
+                                  </p:stCondLst>
+                                  <p:childTnLst>
+                                    <p:set>
+                                      <p:cBhvr>
+                                        <p:cTn id="17" dur="1" fill="hold">
+                                          <p:stCondLst>
+                                            <p:cond delay="0"/>
+                                          </p:stCondLst>
+                                        </p:cTn>
+                                        <p:tgtEl>
+                                          <p:spTgt spid="39"/>
+                                        </p:tgtEl>
+                                        <p:attrNameLst>
+                                          <p:attrName>style.visibility</p:attrName>
+                                        </p:attrNameLst>
+                                      </p:cBhvr>
+                                      <p:to>
+                                        <p:strVal val="visible"/>
+                                      </p:to>
+                                    </p:set>
+                                    <p:animEffect transition="in" filter="fade">
+                                      <p:cBhvr>
+                                        <p:cTn id="18" dur="200"/>
+                                        <p:tgtEl>
+                                          <p:spTgt spid="39"/>
+                                        </p:tgtEl>
+                                      </p:cBhvr>
+                                    </p:animEffect>
+                                  </p:childTnLst>
+                                </p:cTn>
+                              </p:par>
+                              <p:par>
+                                <p:cTn id="19" presetID="10" presetClass="entr" presetSubtype="0" fill="hold" grpId="0" nodeType="withEffect">
+                                  <p:stCondLst>
+                                    <p:cond delay="0"/>
+                                  </p:stCondLst>
+                                  <p:childTnLst>
+                                    <p:set>
+                                      <p:cBhvr>
+                                        <p:cTn id="20" dur="1" fill="hold">
+                                          <p:stCondLst>
+                                            <p:cond delay="0"/>
+                                          </p:stCondLst>
+                                        </p:cTn>
+                                        <p:tgtEl>
+                                          <p:spTgt spid="32"/>
+                                        </p:tgtEl>
+                                        <p:attrNameLst>
+                                          <p:attrName>style.visibility</p:attrName>
+                                        </p:attrNameLst>
+                                      </p:cBhvr>
+                                      <p:to>
+                                        <p:strVal val="visible"/>
+                                      </p:to>
+                                    </p:set>
+                                    <p:animEffect transition="in" filter="fade">
+                                      <p:cBhvr>
+                                        <p:cTn id="21" dur="200"/>
+                                        <p:tgtEl>
+                                          <p:spTgt spid="32"/>
+                                        </p:tgtEl>
+                                      </p:cBhvr>
+                                    </p:animEffect>
+                                  </p:childTnLst>
+                                </p:cTn>
+                              </p:par>
+                              <p:par>
+                                <p:cTn id="22" presetID="10" presetClass="entr" presetSubtype="0" fill="hold" grpId="0" nodeType="withEffect">
+                                  <p:stCondLst>
+                                    <p:cond delay="0"/>
+                                  </p:stCondLst>
+                                  <p:childTnLst>
+                                    <p:set>
+                                      <p:cBhvr>
+                                        <p:cTn id="23" dur="1" fill="hold">
+                                          <p:stCondLst>
+                                            <p:cond delay="0"/>
+                                          </p:stCondLst>
+                                        </p:cTn>
+                                        <p:tgtEl>
+                                          <p:spTgt spid="33"/>
+                                        </p:tgtEl>
+                                        <p:attrNameLst>
+                                          <p:attrName>style.visibility</p:attrName>
+                                        </p:attrNameLst>
+                                      </p:cBhvr>
+                                      <p:to>
+                                        <p:strVal val="visible"/>
+                                      </p:to>
+                                    </p:set>
+                                    <p:animEffect transition="in" filter="fade">
+                                      <p:cBhvr>
+                                        <p:cTn id="24" dur="200"/>
+                                        <p:tgtEl>
+                                          <p:spTgt spid="33"/>
+                                        </p:tgtEl>
+                                      </p:cBhvr>
+                                    </p:animEffect>
+                                  </p:childTnLst>
+                                </p:cTn>
+                              </p:par>
+                              <p:par>
+                                <p:cTn id="25" presetID="10" presetClass="entr" presetSubtype="0" fill="hold" grpId="0" nodeType="withEffect">
+                                  <p:stCondLst>
+                                    <p:cond delay="0"/>
+                                  </p:stCondLst>
+                                  <p:childTnLst>
+                                    <p:set>
+                                      <p:cBhvr>
+                                        <p:cTn id="26" dur="1" fill="hold">
+                                          <p:stCondLst>
+                                            <p:cond delay="0"/>
+                                          </p:stCondLst>
+                                        </p:cTn>
+                                        <p:tgtEl>
+                                          <p:spTgt spid="34"/>
+                                        </p:tgtEl>
+                                        <p:attrNameLst>
+                                          <p:attrName>style.visibility</p:attrName>
+                                        </p:attrNameLst>
+                                      </p:cBhvr>
+                                      <p:to>
+                                        <p:strVal val="visible"/>
+                                      </p:to>
+                                    </p:set>
+                                    <p:animEffect transition="in" filter="fade">
+                                      <p:cBhvr>
+                                        <p:cTn id="27" dur="200"/>
+                                        <p:tgtEl>
+                                          <p:spTgt spid="34"/>
+                                        </p:tgtEl>
+                                      </p:cBhvr>
+                                    </p:animEffect>
+                                  </p:childTnLst>
+                                </p:cTn>
+                              </p:par>
+                              <p:par>
+                                <p:cTn id="28" presetID="10" presetClass="entr" presetSubtype="0" fill="hold" grpId="0" nodeType="withEffect">
+                                  <p:stCondLst>
+                                    <p:cond delay="0"/>
+                                  </p:stCondLst>
+                                  <p:childTnLst>
+                                    <p:set>
+                                      <p:cBhvr>
+                                        <p:cTn id="29" dur="1" fill="hold">
+                                          <p:stCondLst>
+                                            <p:cond delay="0"/>
+                                          </p:stCondLst>
+                                        </p:cTn>
+                                        <p:tgtEl>
+                                          <p:spTgt spid="35"/>
+                                        </p:tgtEl>
+                                        <p:attrNameLst>
+                                          <p:attrName>style.visibility</p:attrName>
+                                        </p:attrNameLst>
+                                      </p:cBhvr>
+                                      <p:to>
+                                        <p:strVal val="visible"/>
+                                      </p:to>
+                                    </p:set>
+                                    <p:animEffect transition="in" filter="fade">
+                                      <p:cBhvr>
+                                        <p:cTn id="30" dur="200"/>
+                                        <p:tgtEl>
+                                          <p:spTgt spid="35"/>
+                                        </p:tgtEl>
+                                      </p:cBhvr>
+                                    </p:animEffect>
+                                  </p:childTnLst>
+                                </p:cTn>
+                              </p:par>
+                            </p:childTnLst>
+                          </p:cTn>
+                        </p:par>
+                        <p:par>
+                          <p:cTn id="31" fill="hold">
+                            <p:stCondLst>
+                              <p:cond delay="0"/>
+                            </p:stCondLst>
+                            <p:childTnLst>
+                              <p:par>
+                                <p:cTn id="32" presetID="2" presetClass="entr" presetSubtype="8" fill="hold" nodeType="afterEffect">
+                                  <p:stCondLst>
+                                    <p:cond delay="0"/>
+                                  </p:stCondLst>
+                                  <p:childTnLst>
+                                    <p:set>
+                                      <p:cBhvr>
+                                        <p:cTn id="33" dur="1" fill="hold">
+                                          <p:stCondLst>
+                                            <p:cond delay="0"/>
+                                          </p:stCondLst>
+                                        </p:cTn>
+                                        <p:tgtEl>
+                                          <p:spTgt spid="30"/>
+                                        </p:tgtEl>
+                                        <p:attrNameLst>
+                                          <p:attrName>style.visibility</p:attrName>
+                                        </p:attrNameLst>
+                                      </p:cBhvr>
+                                      <p:to>
+                                        <p:strVal val="visible"/>
+                                      </p:to>
+                                    </p:set>
+                                    <p:anim calcmode="lin" valueType="num">
+                                      <p:cBhvr additive="base">
+                                        <p:cTn id="34" dur="500" fill="hold"/>
+                                        <p:tgtEl>
+                                          <p:spTgt spid="30"/>
+                                        </p:tgtEl>
+                                        <p:attrNameLst>
+                                          <p:attrName>ppt_x</p:attrName>
+                                        </p:attrNameLst>
+                                      </p:cBhvr>
+                                      <p:tavLst>
+                                        <p:tav tm="0">
+                                          <p:val>
+                                            <p:strVal val="0-#ppt_w/2"/>
+                                          </p:val>
+                                        </p:tav>
+                                        <p:tav tm="100000">
+                                          <p:val>
+                                            <p:strVal val="#ppt_x"/>
+                                          </p:val>
+                                        </p:tav>
+                                      </p:tavLst>
+                                    </p:anim>
+                                    <p:anim calcmode="lin" valueType="num">
+                                      <p:cBhvr additive="base">
+                                        <p:cTn id="35" dur="500" fill="hold"/>
+                                        <p:tgtEl>
+                                          <p:spTgt spid="30"/>
+                                        </p:tgtEl>
+                                        <p:attrNameLst>
+                                          <p:attrName>ppt_y</p:attrName>
+                                        </p:attrNameLst>
+                                      </p:cBhvr>
+                                      <p:tavLst>
+                                        <p:tav tm="0">
+                                          <p:val>
+                                            <p:strVal val="#ppt_y"/>
+                                          </p:val>
+                                        </p:tav>
+                                        <p:tav tm="100000">
+                                          <p:val>
+                                            <p:strVal val="#ppt_y"/>
+                                          </p:val>
+                                        </p:tav>
+                                      </p:tavLst>
+                                    </p:anim>
+                                  </p:childTnLst>
+                                </p:cTn>
+                              </p:par>
+                              <p:par>
+                                <p:cTn id="36" presetID="2" presetClass="entr" presetSubtype="2" fill="hold" nodeType="withEffect">
+                                  <p:stCondLst>
+                                    <p:cond delay="0"/>
+                                  </p:stCondLst>
+                                  <p:childTnLst>
+                                    <p:set>
+                                      <p:cBhvr>
+                                        <p:cTn id="37" dur="1" fill="hold">
+                                          <p:stCondLst>
+                                            <p:cond delay="0"/>
+                                          </p:stCondLst>
+                                        </p:cTn>
+                                        <p:tgtEl>
+                                          <p:spTgt spid="31"/>
+                                        </p:tgtEl>
+                                        <p:attrNameLst>
+                                          <p:attrName>style.visibility</p:attrName>
+                                        </p:attrNameLst>
+                                      </p:cBhvr>
+                                      <p:to>
+                                        <p:strVal val="visible"/>
+                                      </p:to>
+                                    </p:set>
+                                    <p:anim calcmode="lin" valueType="num">
+                                      <p:cBhvr additive="base">
+                                        <p:cTn id="38" dur="500" fill="hold"/>
+                                        <p:tgtEl>
+                                          <p:spTgt spid="31"/>
+                                        </p:tgtEl>
+                                        <p:attrNameLst>
+                                          <p:attrName>ppt_x</p:attrName>
+                                        </p:attrNameLst>
+                                      </p:cBhvr>
+                                      <p:tavLst>
+                                        <p:tav tm="0">
+                                          <p:val>
+                                            <p:strVal val="1+#ppt_w/2"/>
+                                          </p:val>
+                                        </p:tav>
+                                        <p:tav tm="100000">
+                                          <p:val>
+                                            <p:strVal val="#ppt_x"/>
+                                          </p:val>
+                                        </p:tav>
+                                      </p:tavLst>
+                                    </p:anim>
+                                    <p:anim calcmode="lin" valueType="num">
+                                      <p:cBhvr additive="base">
+                                        <p:cTn id="39" dur="500" fill="hold"/>
+                                        <p:tgtEl>
+                                          <p:spTgt spid="31"/>
+                                        </p:tgtEl>
+                                        <p:attrNameLst>
+                                          <p:attrName>ppt_y</p:attrName>
+                                        </p:attrNameLst>
+                                      </p:cBhvr>
+                                      <p:tavLst>
+                                        <p:tav tm="0">
+                                          <p:val>
+                                            <p:strVal val="#ppt_y"/>
+                                          </p:val>
+                                        </p:tav>
+                                        <p:tav tm="100000">
+                                          <p:val>
+                                            <p:strVal val="#ppt_y"/>
+                                          </p:val>
+                                        </p:tav>
+                                      </p:tavLst>
+                                    </p:anim>
+                                  </p:childTnLst>
+                                </p:cTn>
+                              </p:par>
+                            </p:childTnLst>
+                          </p:cTn>
+                        </p:par>
+                        <p:par>
+                          <p:cTn id="40" fill="hold">
+                            <p:stCondLst>
+                              <p:cond delay="500"/>
+                            </p:stCondLst>
+                            <p:childTnLst>
+                              <p:par>
+                                <p:cTn id="41" presetID="16" presetClass="entr" presetSubtype="37" fill="hold" grpId="0" nodeType="afterEffect">
+                                  <p:stCondLst>
+                                    <p:cond delay="0"/>
+                                  </p:stCondLst>
+                                  <p:childTnLst>
+                                    <p:set>
+                                      <p:cBhvr>
+                                        <p:cTn id="42" dur="1" fill="hold">
+                                          <p:stCondLst>
+                                            <p:cond delay="0"/>
+                                          </p:stCondLst>
+                                        </p:cTn>
+                                        <p:tgtEl>
+                                          <p:spTgt spid="42"/>
+                                        </p:tgtEl>
+                                        <p:attrNameLst>
+                                          <p:attrName>style.visibility</p:attrName>
+                                        </p:attrNameLst>
+                                      </p:cBhvr>
+                                      <p:to>
+                                        <p:strVal val="visible"/>
+                                      </p:to>
+                                    </p:set>
+                                    <p:animEffect transition="in" filter="barn(outVertical)">
+                                      <p:cBhvr>
+                                        <p:cTn id="43" dur="1000"/>
+                                        <p:tgtEl>
+                                          <p:spTgt spid="42"/>
+                                        </p:tgtEl>
+                                      </p:cBhvr>
+                                    </p:animEffect>
+                                  </p:childTnLst>
+                                </p:cTn>
+                              </p:par>
+                            </p:childTnLst>
+                          </p:cTn>
+                        </p:par>
+                        <p:par>
+                          <p:cTn id="44" fill="hold">
+                            <p:stCondLst>
+                              <p:cond delay="1500"/>
+                            </p:stCondLst>
+                            <p:childTnLst>
+                              <p:par>
+                                <p:cTn id="45" presetID="22" presetClass="entr" presetSubtype="8" fill="hold" nodeType="afterEffect">
+                                  <p:stCondLst>
+                                    <p:cond delay="0"/>
+                                  </p:stCondLst>
+                                  <p:childTnLst>
+                                    <p:set>
+                                      <p:cBhvr>
+                                        <p:cTn id="46" dur="1" fill="hold">
+                                          <p:stCondLst>
+                                            <p:cond delay="0"/>
+                                          </p:stCondLst>
+                                        </p:cTn>
+                                        <p:tgtEl>
+                                          <p:spTgt spid="44"/>
+                                        </p:tgtEl>
+                                        <p:attrNameLst>
+                                          <p:attrName>style.visibility</p:attrName>
+                                        </p:attrNameLst>
+                                      </p:cBhvr>
+                                      <p:to>
+                                        <p:strVal val="visible"/>
+                                      </p:to>
+                                    </p:set>
+                                    <p:animEffect transition="in" filter="wipe(left)">
+                                      <p:cBhvr>
+                                        <p:cTn id="47" dur="500"/>
+                                        <p:tgtEl>
+                                          <p:spTgt spid="44"/>
+                                        </p:tgtEl>
+                                      </p:cBhvr>
+                                    </p:animEffect>
+                                  </p:childTnLst>
+                                </p:cTn>
+                              </p:par>
+                            </p:childTnLst>
+                          </p:cTn>
+                        </p:par>
+                        <p:par>
+                          <p:cTn id="48" fill="hold">
+                            <p:stCondLst>
+                              <p:cond delay="2000"/>
+                            </p:stCondLst>
+                            <p:childTnLst>
+                              <p:par>
+                                <p:cTn id="49" presetID="12" presetClass="entr" presetSubtype="4" fill="hold" grpId="0" nodeType="afterEffect">
+                                  <p:stCondLst>
+                                    <p:cond delay="0"/>
+                                  </p:stCondLst>
+                                  <p:childTnLst>
+                                    <p:set>
+                                      <p:cBhvr>
+                                        <p:cTn id="50" dur="1" fill="hold">
+                                          <p:stCondLst>
+                                            <p:cond delay="0"/>
+                                          </p:stCondLst>
+                                        </p:cTn>
+                                        <p:tgtEl>
+                                          <p:spTgt spid="41"/>
+                                        </p:tgtEl>
+                                        <p:attrNameLst>
+                                          <p:attrName>style.visibility</p:attrName>
+                                        </p:attrNameLst>
+                                      </p:cBhvr>
+                                      <p:to>
+                                        <p:strVal val="visible"/>
+                                      </p:to>
+                                    </p:set>
+                                    <p:anim calcmode="lin" valueType="num">
+                                      <p:cBhvr additive="base">
+                                        <p:cTn id="51" dur="500"/>
+                                        <p:tgtEl>
+                                          <p:spTgt spid="41"/>
+                                        </p:tgtEl>
+                                        <p:attrNameLst>
+                                          <p:attrName>ppt_y</p:attrName>
+                                        </p:attrNameLst>
+                                      </p:cBhvr>
+                                      <p:tavLst>
+                                        <p:tav tm="0">
+                                          <p:val>
+                                            <p:strVal val="#ppt_y+#ppt_h*1.125000"/>
+                                          </p:val>
+                                        </p:tav>
+                                        <p:tav tm="100000">
+                                          <p:val>
+                                            <p:strVal val="#ppt_y"/>
+                                          </p:val>
+                                        </p:tav>
+                                      </p:tavLst>
+                                    </p:anim>
+                                    <p:animEffect transition="in" filter="wipe(up)">
+                                      <p:cBhvr>
+                                        <p:cTn id="52" dur="500"/>
+                                        <p:tgtEl>
+                                          <p:spTgt spid="41"/>
+                                        </p:tgtEl>
+                                      </p:cBhvr>
+                                    </p:animEffect>
+                                  </p:childTnLst>
+                                </p:cTn>
+                              </p:par>
+                            </p:childTnLst>
+                          </p:cTn>
+                        </p:par>
+                        <p:par>
+                          <p:cTn id="53" fill="hold">
+                            <p:stCondLst>
+                              <p:cond delay="2500"/>
+                            </p:stCondLst>
+                            <p:childTnLst>
+                              <p:par>
+                                <p:cTn id="54" presetID="12" presetClass="entr" presetSubtype="4" fill="hold" grpId="0" nodeType="afterEffect">
+                                  <p:stCondLst>
+                                    <p:cond delay="0"/>
+                                  </p:stCondLst>
+                                  <p:childTnLst>
+                                    <p:set>
+                                      <p:cBhvr>
+                                        <p:cTn id="55" dur="1" fill="hold">
+                                          <p:stCondLst>
+                                            <p:cond delay="0"/>
+                                          </p:stCondLst>
+                                        </p:cTn>
+                                        <p:tgtEl>
+                                          <p:spTgt spid="43"/>
+                                        </p:tgtEl>
+                                        <p:attrNameLst>
+                                          <p:attrName>style.visibility</p:attrName>
+                                        </p:attrNameLst>
+                                      </p:cBhvr>
+                                      <p:to>
+                                        <p:strVal val="visible"/>
+                                      </p:to>
+                                    </p:set>
+                                    <p:anim calcmode="lin" valueType="num">
+                                      <p:cBhvr additive="base">
+                                        <p:cTn id="56" dur="500"/>
+                                        <p:tgtEl>
+                                          <p:spTgt spid="43"/>
+                                        </p:tgtEl>
+                                        <p:attrNameLst>
+                                          <p:attrName>ppt_y</p:attrName>
+                                        </p:attrNameLst>
+                                      </p:cBhvr>
+                                      <p:tavLst>
+                                        <p:tav tm="0">
+                                          <p:val>
+                                            <p:strVal val="#ppt_y+#ppt_h*1.125000"/>
+                                          </p:val>
+                                        </p:tav>
+                                        <p:tav tm="100000">
+                                          <p:val>
+                                            <p:strVal val="#ppt_y"/>
+                                          </p:val>
+                                        </p:tav>
+                                      </p:tavLst>
+                                    </p:anim>
+                                    <p:animEffect transition="in" filter="wipe(up)">
+                                      <p:cBhvr>
+                                        <p:cTn id="57" dur="500"/>
+                                        <p:tgtEl>
+                                          <p:spTgt spid="43"/>
+                                        </p:tgtEl>
+                                      </p:cBhvr>
+                                    </p:animEffect>
+                                  </p:childTnLst>
+                                </p:cTn>
+                              </p:par>
+                            </p:childTnLst>
+                          </p:cTn>
+                        </p:par>
+                      </p:childTnLst>
+                    </p:cTn>
+                  </p:par>
+                </p:childTnLst>
+              </p:cTn>
+              <p:prevCondLst>
+                <p:cond evt="onPrev" delay="0">
+                  <p:tgtEl>
+                    <p:sldTgt/>
+                  </p:tgtEl>
+                </p:cond>
+              </p:prevCondLst>
+              <p:nextCondLst>
+                <p:cond evt="onNext" delay="0">
+                  <p:tgtEl>
+                    <p:sldTgt/>
+                  </p:tgtEl>
+                </p:cond>
+              </p:nextCondLst>
+            </p:seq>
+            <p:audio>
+              <p:cMediaNode vol="80000" numSld="999" showWhenStopped="0">
+                <p:cTn id="58" repeatCount="indefinite" fill="hold" display="0">
+                  <p:stCondLst>
+                    <p:cond delay="indefinite"/>
+                  </p:stCondLst>
+                  <p:endCondLst>
+                    <p:cond evt="onStopAudio" delay="0">
+                      <p:tgtEl>
+                        <p:sldTgt/>
+                      </p:tgtEl>
+                    </p:cond>
+                  </p:endCondLst>
+                </p:cTn>
+                <p:tgtEl>
+                  <p:spTgt spid="46"/>
+                </p:tgtEl>
+              </p:cMediaNode>
+            </p:audio>
+          </p:childTnLst>
+        </p:cTn>
+      </p:par>
+    </p:tnLst>
+    <p:bldLst>
+      <p:bldP spid="32" grpId="0" bldLvl="0" animBg="1"/>
+      <p:bldP spid="33" grpId="0" bldLvl="0" animBg="1"/>
+      <p:bldP spid="34" grpId="0" bldLvl="0" animBg="1"/>
+      <p:bldP spid="35" grpId="0" bldLvl="0" animBg="1"/>
+      <p:bldP spid="36" grpId="0" bldLvl="0" animBg="1"/>
+      <p:bldP spid="37" grpId="0" bldLvl="0" animBg="1"/>
+      <p:bldP spid="38" grpId="0" bldLvl="0" animBg="1"/>
+      <p:bldP spid="39" grpId="0" bldLvl="0" animBg="1"/>
+      <p:bldP spid="41" grpId="0"/>
+      <p:bldP spid="42" grpId="0" bldLvl="0" animBg="1"/>
+      <p:bldP spid="43" grpId="0"/>
+    </p:bldLst>
+  </p:timing>
+</p:sld>
+</file>
+
 <file path=ppt/slides/slide3.xml><?xml version="1.0" encoding="utf-8"?>
 <p:sld xmlns:a="http://schemas.openxmlformats.org/drawingml/2006/main" xmlns:r="http://schemas.openxmlformats.org/officeDocument/2006/relationships" xmlns:p="http://schemas.openxmlformats.org/presentationml/2006/main">
   <p:cSld>
@@ -17082,14 +17890,14 @@
           <a:lstStyle/>
           <a:p>
             <a:r>
-              <a:rPr lang="zh-CN" altLang="en-US" sz="2665" dirty="0" smtClean="0">
+              <a:rPr lang="zh-CN" altLang="en-US" sz="2665" dirty="0">
                 <a:solidFill>
                   <a:srgbClr val="183A5D"/>
                 </a:solidFill>
                 <a:latin typeface="微软雅黑" panose="020B0503020204020204" pitchFamily="34" charset="-122"/>
                 <a:ea typeface="微软雅黑" panose="020B0503020204020204" pitchFamily="34" charset="-122"/>
               </a:rPr>
-              <a:t>用例图</a:t>
+              <a:t>引言</a:t>
             </a:r>
             <a:endParaRPr lang="zh-CN" sz="2665" dirty="0">
               <a:solidFill>
@@ -17572,14 +18380,14 @@
           <a:lstStyle/>
           <a:p>
             <a:r>
-              <a:rPr lang="zh-CN" altLang="en-US" sz="2665" dirty="0" smtClean="0">
+              <a:rPr lang="zh-CN" altLang="en-US" sz="2665" dirty="0">
                 <a:solidFill>
                   <a:srgbClr val="183A5D"/>
                 </a:solidFill>
                 <a:latin typeface="微软雅黑" panose="020B0503020204020204" pitchFamily="34" charset="-122"/>
                 <a:ea typeface="微软雅黑" panose="020B0503020204020204" pitchFamily="34" charset="-122"/>
               </a:rPr>
-              <a:t>用例图</a:t>
+              <a:t>引言</a:t>
             </a:r>
             <a:endParaRPr lang="zh-CN" sz="2665" dirty="0">
               <a:solidFill>
@@ -17992,14 +18800,14 @@
           <a:lstStyle/>
           <a:p>
             <a:r>
-              <a:rPr lang="zh-CN" altLang="en-US" sz="2665" dirty="0" smtClean="0">
+              <a:rPr lang="zh-CN" altLang="en-US" sz="2665" dirty="0">
                 <a:solidFill>
                   <a:srgbClr val="183A5D"/>
                 </a:solidFill>
                 <a:latin typeface="微软雅黑" panose="020B0503020204020204" pitchFamily="34" charset="-122"/>
                 <a:ea typeface="微软雅黑" panose="020B0503020204020204" pitchFamily="34" charset="-122"/>
               </a:rPr>
-              <a:t>用例图</a:t>
+              <a:t>引言</a:t>
             </a:r>
             <a:endParaRPr lang="zh-CN" sz="2665" dirty="0">
               <a:solidFill>
@@ -18019,7 +18827,7 @@
         </p:nvSpPr>
         <p:spPr>
           <a:xfrm>
-            <a:off x="1390015" y="-161290"/>
+            <a:off x="1198662" y="-314622"/>
             <a:ext cx="9001760" cy="2138045"/>
           </a:xfrm>
           <a:prstGeom prst="rect">
@@ -18102,7 +18910,7 @@
         </p:blipFill>
         <p:spPr>
           <a:xfrm>
-            <a:off x="1225550" y="1670685"/>
+            <a:off x="1058760" y="1413570"/>
             <a:ext cx="9891395" cy="4824095"/>
           </a:xfrm>
           <a:prstGeom prst="rect">
@@ -18410,7 +19218,7 @@
   <a:extraClrSchemeLst/>
   <a:extLst>
     <a:ext uri="{05A4C25C-085E-4340-85A3-A5531E510DB2}">
-      <thm15:themeFamily xmlns:thm15="http://schemas.microsoft.com/office/thememl/2012/main" xmlns="" name="Office Theme" id="{62F939B6-93AF-4DB8-9C6B-D6C7DFDC589F}" vid="{4A3C46E8-61CC-4603-A589-7422A47A8E4A}"/>
+      <thm15:themeFamily xmlns="" xmlns:thm15="http://schemas.microsoft.com/office/thememl/2012/main" name="Office Theme" id="{62F939B6-93AF-4DB8-9C6B-D6C7DFDC589F}" vid="{4A3C46E8-61CC-4603-A589-7422A47A8E4A}"/>
     </a:ext>
   </a:extLst>
 </a:theme>
@@ -18700,7 +19508,7 @@
   <a:extraClrSchemeLst/>
   <a:extLst>
     <a:ext uri="{05A4C25C-085E-4340-85A3-A5531E510DB2}">
-      <thm15:themeFamily xmlns:thm15="http://schemas.microsoft.com/office/thememl/2012/main" xmlns="" name="Office Theme" id="{62F939B6-93AF-4DB8-9C6B-D6C7DFDC589F}" vid="{4A3C46E8-61CC-4603-A589-7422A47A8E4A}"/>
+      <thm15:themeFamily xmlns="" xmlns:thm15="http://schemas.microsoft.com/office/thememl/2012/main" name="Office Theme" id="{62F939B6-93AF-4DB8-9C6B-D6C7DFDC589F}" vid="{4A3C46E8-61CC-4603-A589-7422A47A8E4A}"/>
     </a:ext>
   </a:extLst>
 </a:theme>
@@ -18990,7 +19798,7 @@
   <a:extraClrSchemeLst/>
   <a:extLst>
     <a:ext uri="{05A4C25C-085E-4340-85A3-A5531E510DB2}">
-      <thm15:themeFamily xmlns:thm15="http://schemas.microsoft.com/office/thememl/2012/main" xmlns="" name="Office Theme" id="{62F939B6-93AF-4DB8-9C6B-D6C7DFDC589F}" vid="{4A3C46E8-61CC-4603-A589-7422A47A8E4A}"/>
+      <thm15:themeFamily xmlns="" xmlns:thm15="http://schemas.microsoft.com/office/thememl/2012/main" name="Office Theme" id="{62F939B6-93AF-4DB8-9C6B-D6C7DFDC589F}" vid="{4A3C46E8-61CC-4603-A589-7422A47A8E4A}"/>
     </a:ext>
   </a:extLst>
 </a:theme>

--- a/受控文档/00-PPT/PRD2018-G11-界面原型.pptx
+++ b/受控文档/00-PPT/PRD2018-G11-界面原型.pptx
@@ -5,35 +5,39 @@
     <p:sldMasterId id="2147483648" r:id="rId1"/>
   </p:sldMasterIdLst>
   <p:notesMasterIdLst>
-    <p:notesMasterId r:id="rId23"/>
+    <p:notesMasterId r:id="rId4"/>
   </p:notesMasterIdLst>
   <p:handoutMasterIdLst>
-    <p:handoutMasterId r:id="rId24"/>
+    <p:handoutMasterId r:id="rId29"/>
   </p:handoutMasterIdLst>
   <p:sldIdLst>
-    <p:sldId id="370" r:id="rId2"/>
-    <p:sldId id="492" r:id="rId3"/>
-    <p:sldId id="439" r:id="rId4"/>
-    <p:sldId id="545" r:id="rId5"/>
-    <p:sldId id="506" r:id="rId6"/>
-    <p:sldId id="507" r:id="rId7"/>
-    <p:sldId id="546" r:id="rId8"/>
-    <p:sldId id="561" r:id="rId9"/>
-    <p:sldId id="562" r:id="rId10"/>
-    <p:sldId id="571" r:id="rId11"/>
-    <p:sldId id="572" r:id="rId12"/>
-    <p:sldId id="563" r:id="rId13"/>
-    <p:sldId id="564" r:id="rId14"/>
-    <p:sldId id="565" r:id="rId15"/>
-    <p:sldId id="566" r:id="rId16"/>
-    <p:sldId id="567" r:id="rId17"/>
-    <p:sldId id="568" r:id="rId18"/>
-    <p:sldId id="569" r:id="rId19"/>
-    <p:sldId id="455" r:id="rId20"/>
-    <p:sldId id="532" r:id="rId21"/>
-    <p:sldId id="436" r:id="rId22"/>
+    <p:sldId id="370" r:id="rId3"/>
+    <p:sldId id="492" r:id="rId5"/>
+    <p:sldId id="439" r:id="rId6"/>
+    <p:sldId id="545" r:id="rId7"/>
+    <p:sldId id="506" r:id="rId8"/>
+    <p:sldId id="507" r:id="rId9"/>
+    <p:sldId id="546" r:id="rId10"/>
+    <p:sldId id="561" r:id="rId11"/>
+    <p:sldId id="562" r:id="rId12"/>
+    <p:sldId id="571" r:id="rId13"/>
+    <p:sldId id="572" r:id="rId14"/>
+    <p:sldId id="584" r:id="rId15"/>
+    <p:sldId id="585" r:id="rId16"/>
+    <p:sldId id="583" r:id="rId17"/>
+    <p:sldId id="586" r:id="rId18"/>
+    <p:sldId id="563" r:id="rId19"/>
+    <p:sldId id="564" r:id="rId20"/>
+    <p:sldId id="565" r:id="rId21"/>
+    <p:sldId id="566" r:id="rId22"/>
+    <p:sldId id="567" r:id="rId23"/>
+    <p:sldId id="568" r:id="rId24"/>
+    <p:sldId id="569" r:id="rId25"/>
+    <p:sldId id="455" r:id="rId26"/>
+    <p:sldId id="532" r:id="rId27"/>
+    <p:sldId id="436" r:id="rId28"/>
   </p:sldIdLst>
-  <p:sldSz cx="12190413" cy="6859588"/>
+  <p:sldSz cx="12190095" cy="6859270"/>
   <p:notesSz cx="6858000" cy="9144000"/>
   <p:defaultTextStyle>
     <a:defPPr>
@@ -215,7 +219,6 @@
           <a:p>
             <a:fld id="{5D1C15E6-6BD2-4E4B-B1D4-218C26E1B228}" type="datetimeFigureOut">
               <a:rPr lang="zh-CN" altLang="en-US" smtClean="0"/>
-              <a:t>2018/11/3</a:t>
             </a:fld>
             <a:endParaRPr lang="zh-CN" altLang="en-US"/>
           </a:p>
@@ -281,18 +284,12 @@
           <a:p>
             <a:fld id="{E655EDCA-2189-4435-B38B-6F3C2C044356}" type="slidenum">
               <a:rPr lang="zh-CN" altLang="en-US" smtClean="0"/>
-              <a:t>‹#›</a:t>
             </a:fld>
             <a:endParaRPr lang="zh-CN" altLang="en-US"/>
           </a:p>
         </p:txBody>
       </p:sp>
     </p:spTree>
-    <p:extLst>
-      <p:ext uri="{BB962C8B-B14F-4D97-AF65-F5344CB8AC3E}">
-        <p14:creationId xmlns:p14="http://schemas.microsoft.com/office/powerpoint/2010/main" val="3788901603"/>
-      </p:ext>
-    </p:extLst>
   </p:cSld>
   <p:clrMap bg1="lt1" tx1="dk1" bg2="lt2" tx2="dk2" accent1="accent1" accent2="accent2" accent3="accent3" accent4="accent4" accent5="accent5" accent6="accent6" hlink="hlink" folHlink="folHlink"/>
 </p:handoutMaster>
@@ -380,7 +377,6 @@
           <a:p>
             <a:fld id="{0B17430C-5A66-4BD0-A971-34190B6C6019}" type="datetimeFigureOut">
               <a:rPr lang="zh-CN" altLang="en-US" smtClean="0"/>
-              <a:t>2018/11/3</a:t>
             </a:fld>
             <a:endParaRPr lang="zh-CN" altLang="en-US"/>
           </a:p>
@@ -447,6 +443,7 @@
               <a:rPr lang="zh-CN" altLang="en-US" smtClean="0"/>
               <a:t>单击此处编辑母版文本样式</a:t>
             </a:r>
+            <a:endParaRPr lang="zh-CN" altLang="en-US" smtClean="0"/>
           </a:p>
           <a:p>
             <a:pPr lvl="1"/>
@@ -454,6 +451,7 @@
               <a:rPr lang="zh-CN" altLang="en-US" smtClean="0"/>
               <a:t>第二级</a:t>
             </a:r>
+            <a:endParaRPr lang="zh-CN" altLang="en-US" smtClean="0"/>
           </a:p>
           <a:p>
             <a:pPr lvl="2"/>
@@ -461,6 +459,7 @@
               <a:rPr lang="zh-CN" altLang="en-US" smtClean="0"/>
               <a:t>第三级</a:t>
             </a:r>
+            <a:endParaRPr lang="zh-CN" altLang="en-US" smtClean="0"/>
           </a:p>
           <a:p>
             <a:pPr lvl="3"/>
@@ -468,6 +467,7 @@
               <a:rPr lang="zh-CN" altLang="en-US" smtClean="0"/>
               <a:t>第四级</a:t>
             </a:r>
+            <a:endParaRPr lang="zh-CN" altLang="en-US" smtClean="0"/>
           </a:p>
           <a:p>
             <a:pPr lvl="4"/>
@@ -539,18 +539,12 @@
           <a:p>
             <a:fld id="{74AC173A-3DA8-4893-B28A-1E15F55C330A}" type="slidenum">
               <a:rPr lang="zh-CN" altLang="en-US" smtClean="0"/>
-              <a:t>‹#›</a:t>
             </a:fld>
             <a:endParaRPr lang="zh-CN" altLang="en-US"/>
           </a:p>
         </p:txBody>
       </p:sp>
     </p:spTree>
-    <p:extLst>
-      <p:ext uri="{BB962C8B-B14F-4D97-AF65-F5344CB8AC3E}">
-        <p14:creationId xmlns:p14="http://schemas.microsoft.com/office/powerpoint/2010/main" val="1709555431"/>
-      </p:ext>
-    </p:extLst>
   </p:cSld>
   <p:clrMap bg1="lt1" tx1="dk1" bg2="lt2" tx2="dk2" accent1="accent1" accent2="accent2" accent3="accent3" accent4="accent4" accent5="accent5" accent6="accent6" hlink="hlink" folHlink="folHlink"/>
   <p:notesStyle>
@@ -713,7 +707,6 @@
           <a:p>
             <a:fld id="{74AC173A-3DA8-4893-B28A-1E15F55C330A}" type="slidenum">
               <a:rPr lang="zh-CN" altLang="en-US" smtClean="0"/>
-              <a:t>1</a:t>
             </a:fld>
             <a:endParaRPr lang="zh-CN" altLang="en-US"/>
           </a:p>
@@ -792,7 +785,6 @@
           <a:p>
             <a:fld id="{74AC173A-3DA8-4893-B28A-1E15F55C330A}" type="slidenum">
               <a:rPr lang="zh-CN" altLang="en-US" smtClean="0"/>
-              <a:t>2</a:t>
             </a:fld>
             <a:endParaRPr lang="zh-CN" altLang="en-US"/>
           </a:p>
@@ -871,7 +863,6 @@
           <a:p>
             <a:fld id="{74AC173A-3DA8-4893-B28A-1E15F55C330A}" type="slidenum">
               <a:rPr lang="zh-CN" altLang="en-US" smtClean="0"/>
-              <a:t>19</a:t>
             </a:fld>
             <a:endParaRPr lang="zh-CN" altLang="en-US"/>
           </a:p>
@@ -950,7 +941,6 @@
           <a:p>
             <a:fld id="{74AC173A-3DA8-4893-B28A-1E15F55C330A}" type="slidenum">
               <a:rPr lang="zh-CN" altLang="en-US" smtClean="0"/>
-              <a:t>20</a:t>
             </a:fld>
             <a:endParaRPr lang="zh-CN" altLang="en-US"/>
           </a:p>
@@ -1029,7 +1019,6 @@
           <a:p>
             <a:fld id="{74AC173A-3DA8-4893-B28A-1E15F55C330A}" type="slidenum">
               <a:rPr lang="zh-CN" altLang="en-US" smtClean="0"/>
-              <a:t>21</a:t>
             </a:fld>
             <a:endParaRPr lang="zh-CN" altLang="en-US"/>
           </a:p>
@@ -1241,7 +1230,6 @@
                 <a:latin typeface="微软雅黑" panose="020B0503020204020204" pitchFamily="34" charset="-122"/>
                 <a:ea typeface="微软雅黑" panose="020B0503020204020204" pitchFamily="34" charset="-122"/>
               </a:rPr>
-              <a:t>‹#›</a:t>
             </a:fld>
             <a:r>
               <a:rPr lang="zh-CN" altLang="en-US" sz="1800" dirty="0" smtClean="0">
@@ -2171,7 +2159,6 @@
           <a:p>
             <a:fld id="{530820CF-B880-4189-942D-D702A7CBA730}" type="datetimeFigureOut">
               <a:rPr lang="zh-CN" altLang="en-US" smtClean="0"/>
-              <a:t>2018/11/3</a:t>
             </a:fld>
             <a:endParaRPr lang="zh-CN" altLang="en-US"/>
           </a:p>
@@ -2229,7 +2216,6 @@
           <a:p>
             <a:fld id="{0C913308-F349-4B6D-A68A-DD1791B4A57B}" type="slidenum">
               <a:rPr lang="zh-CN" altLang="en-US" smtClean="0"/>
-              <a:t>‹#›</a:t>
             </a:fld>
             <a:endParaRPr lang="zh-CN" altLang="en-US"/>
           </a:p>
@@ -2288,7 +2274,6 @@
           <a:p>
             <a:fld id="{530820CF-B880-4189-942D-D702A7CBA730}" type="datetimeFigureOut">
               <a:rPr lang="zh-CN" altLang="en-US" smtClean="0"/>
-              <a:t>2018/11/3</a:t>
             </a:fld>
             <a:endParaRPr lang="zh-CN" altLang="en-US"/>
           </a:p>
@@ -2346,7 +2331,6 @@
           <a:p>
             <a:fld id="{0C913308-F349-4B6D-A68A-DD1791B4A57B}" type="slidenum">
               <a:rPr lang="zh-CN" altLang="en-US" smtClean="0"/>
-              <a:t>‹#›</a:t>
             </a:fld>
             <a:endParaRPr lang="zh-CN" altLang="en-US"/>
           </a:p>
@@ -3145,6 +3129,13 @@
               </a:rPr>
               <a:t>界面原型设计</a:t>
             </a:r>
+            <a:endParaRPr lang="zh-CN" altLang="en-US" sz="5400" dirty="0" smtClean="0">
+              <a:solidFill>
+                <a:srgbClr val="38B1BF"/>
+              </a:solidFill>
+              <a:latin typeface="微软雅黑" panose="020B0503020204020204" pitchFamily="34" charset="-122"/>
+              <a:ea typeface="微软雅黑" panose="020B0503020204020204" pitchFamily="34" charset="-122"/>
+            </a:endParaRPr>
           </a:p>
           <a:p>
             <a:pPr fontAlgn="auto">
@@ -3445,6 +3436,14 @@
               </a:rPr>
               <a:t>浙江大学城市学院</a:t>
             </a:r>
+            <a:endParaRPr lang="zh-CN" altLang="en-US" kern="300" spc="2000">
+              <a:solidFill>
+                <a:schemeClr val="tx1"/>
+              </a:solidFill>
+              <a:uFillTx/>
+              <a:latin typeface="+中文标题" charset="0"/>
+              <a:ea typeface="+mj-ea"/>
+            </a:endParaRPr>
           </a:p>
         </p:txBody>
       </p:sp>
@@ -3453,13 +3452,13 @@
   <p:clrMapOvr>
     <a:masterClrMapping/>
   </p:clrMapOvr>
-  <mc:AlternateContent xmlns:mc="http://schemas.openxmlformats.org/markup-compatibility/2006" xmlns:p14="http://schemas.microsoft.com/office/powerpoint/2010/main">
-    <mc:Choice Requires="p14">
+  <mc:AlternateContent xmlns:mc="http://schemas.openxmlformats.org/markup-compatibility/2006">
+    <mc:Choice xmlns:p14="http://schemas.microsoft.com/office/powerpoint/2010/main" Requires="p14">
       <p:transition spd="slow" p14:dur="1600" advClick="0" advTm="0">
         <p:blinds dir="vert"/>
       </p:transition>
     </mc:Choice>
-    <mc:Fallback xmlns="">
+    <mc:Fallback>
       <p:transition spd="slow" advClick="0" advTm="0">
         <p:blinds dir="vert"/>
       </p:transition>
@@ -4525,6 +4524,7 @@
                 <a:rPr lang="zh-CN" altLang="en-US" sz="2400" dirty="0"/>
                 <a:t>。将大量文字性文档转变为带有注释与互动性的可视画面更能吸引利益相关者与使用者的注意，让用户在软件开始投入编码前就再次核实确认需求。</a:t>
               </a:r>
+              <a:endParaRPr lang="zh-CN" altLang="en-US" sz="2400" dirty="0"/>
             </a:p>
             <a:p>
               <a:endParaRPr lang="zh-CN" altLang="en-US" b="0" i="0" dirty="0">
@@ -4646,11 +4646,6 @@
         </p:grpSp>
       </p:grpSp>
     </p:spTree>
-    <p:extLst>
-      <p:ext uri="{BB962C8B-B14F-4D97-AF65-F5344CB8AC3E}">
-        <p14:creationId xmlns:p14="http://schemas.microsoft.com/office/powerpoint/2010/main" val="2317541597"/>
-      </p:ext>
-    </p:extLst>
   </p:cSld>
   <p:clrMapOvr>
     <a:masterClrMapping/>
@@ -5071,11 +5066,6 @@
         </p:txBody>
       </p:sp>
     </p:spTree>
-    <p:extLst>
-      <p:ext uri="{BB962C8B-B14F-4D97-AF65-F5344CB8AC3E}">
-        <p14:creationId xmlns:p14="http://schemas.microsoft.com/office/powerpoint/2010/main" val="1199320673"/>
-      </p:ext>
-    </p:extLst>
   </p:cSld>
   <p:clrMapOvr>
     <a:masterClrMapping/>
@@ -5152,11 +5142,7 @@
           <a:lstStyle/>
           <a:p>
             <a:pPr algn="ctr"/>
-            <a:endParaRPr lang="zh-CN" altLang="en-US" sz="2800">
-              <a:solidFill>
-                <a:prstClr val="white"/>
-              </a:solidFill>
-            </a:endParaRPr>
+            <a:endParaRPr lang="zh-CN" altLang="en-US" sz="2800"/>
           </a:p>
         </p:txBody>
       </p:sp>
@@ -5203,13 +5189,10 @@
           <a:p>
             <a:pPr algn="ctr"/>
             <a:r>
-              <a:rPr lang="en-US" sz="2400" dirty="0">
-                <a:solidFill>
-                  <a:prstClr val="white"/>
-                </a:solidFill>
-              </a:rPr>
-              <a:t>6</a:t>
-            </a:r>
+              <a:rPr lang="en-US" sz="2400" dirty="0"/>
+              <a:t>5</a:t>
+            </a:r>
+            <a:endParaRPr lang="en-US" sz="2400" dirty="0"/>
           </a:p>
         </p:txBody>
       </p:sp>
@@ -5235,7 +5218,7 @@
           </a:bodyPr>
           <a:lstStyle/>
           <a:p>
-            <a:endParaRPr lang="zh-CN" altLang="en-US" sz="2665" dirty="0">
+            <a:endParaRPr lang="zh-CN" sz="2665" dirty="0">
               <a:solidFill>
                 <a:srgbClr val="183A5D"/>
               </a:solidFill>
@@ -5268,26 +5251,16 @@
           <a:lstStyle/>
           <a:p>
             <a:r>
-              <a:rPr lang="zh-CN" altLang="en-US" sz="2665" dirty="0">
+              <a:rPr lang="zh-CN" sz="2665" dirty="0">
                 <a:solidFill>
                   <a:srgbClr val="183A5D"/>
                 </a:solidFill>
                 <a:latin typeface="微软雅黑" panose="020B0503020204020204" pitchFamily="34" charset="-122"/>
                 <a:ea typeface="微软雅黑" panose="020B0503020204020204" pitchFamily="34" charset="-122"/>
               </a:rPr>
-              <a:t>界面</a:t>
-            </a:r>
-            <a:r>
-              <a:rPr lang="zh-CN" altLang="en-US" sz="2665" dirty="0" smtClean="0">
-                <a:solidFill>
-                  <a:srgbClr val="183A5D"/>
-                </a:solidFill>
-                <a:latin typeface="微软雅黑" panose="020B0503020204020204" pitchFamily="34" charset="-122"/>
-                <a:ea typeface="微软雅黑" panose="020B0503020204020204" pitchFamily="34" charset="-122"/>
-              </a:rPr>
-              <a:t>原型的风险</a:t>
-            </a:r>
-            <a:endParaRPr lang="zh-CN" altLang="en-US" sz="2665" dirty="0">
+              <a:t>原型的使用与评估</a:t>
+            </a:r>
+            <a:endParaRPr lang="zh-CN" sz="2665" dirty="0">
               <a:solidFill>
                 <a:srgbClr val="183A5D"/>
               </a:solidFill>
@@ -5306,9 +5279,9 @@
         <p:grpSpPr>
           <a:xfrm>
             <a:off x="236855" y="1269365"/>
-            <a:ext cx="11278645" cy="4896485"/>
+            <a:ext cx="6061710" cy="4896485"/>
             <a:chOff x="237030" y="1269554"/>
-            <a:chExt cx="7778022" cy="4896544"/>
+            <a:chExt cx="7776864" cy="4896544"/>
           </a:xfrm>
         </p:grpSpPr>
         <p:sp>
@@ -5319,8 +5292,8 @@
           </p:nvSpPr>
           <p:spPr>
             <a:xfrm>
-              <a:off x="341097" y="2245059"/>
-              <a:ext cx="7673955" cy="3416361"/>
+              <a:off x="546794" y="1923612"/>
+              <a:ext cx="6777864" cy="3753530"/>
             </a:xfrm>
             <a:prstGeom prst="rect">
               <a:avLst/>
@@ -5332,66 +5305,50 @@
             </a:bodyPr>
             <a:lstStyle/>
             <a:p>
-              <a:pPr>
-                <a:lnSpc>
-                  <a:spcPct val="150000"/>
-                </a:lnSpc>
-              </a:pPr>
               <a:r>
-                <a:rPr lang="zh-CN" altLang="en-US" sz="2400" dirty="0">
+                <a:rPr lang="zh-CN" dirty="0">
                   <a:solidFill>
                     <a:srgbClr val="000000"/>
                   </a:solidFill>
                   <a:latin typeface="Verdana" panose="020B0604030504040204" pitchFamily="34" charset="0"/>
                 </a:rPr>
-                <a:t>即使是做个简单的原型，</a:t>
+                <a:t>   </a:t>
               </a:r>
               <a:r>
-                <a:rPr lang="zh-CN" altLang="en-US" sz="2400" dirty="0" smtClean="0">
+                <a:rPr lang="zh-CN" dirty="0">
+                  <a:ln/>
+                  <a:solidFill>
+                    <a:schemeClr val="accent1"/>
+                  </a:solidFill>
+                  <a:effectLst>
+                    <a:outerShdw blurRad="38100" dist="25400" dir="5400000" algn="ctr" rotWithShape="0">
+                      <a:srgbClr val="6E747A">
+                        <a:alpha val="43000"/>
+                      </a:srgbClr>
+                    </a:outerShdw>
+                  </a:effectLst>
+                  <a:latin typeface="Verdana" panose="020B0604030504040204" pitchFamily="34" charset="0"/>
+                </a:rPr>
+                <a:t>使用抛弃型原型从用例到用户交互设计过程中的活动顺序（右图）</a:t>
+              </a:r>
+              <a:endParaRPr lang="zh-CN" sz="2800" dirty="0">
+                <a:solidFill>
+                  <a:srgbClr val="000000"/>
+                </a:solidFill>
+                <a:latin typeface="Verdana" panose="020B0604030504040204" pitchFamily="34" charset="0"/>
+              </a:endParaRPr>
+            </a:p>
+            <a:p>
+              <a:r>
+                <a:rPr lang="zh-CN" sz="2800" dirty="0">
                   <a:solidFill>
                     <a:srgbClr val="000000"/>
                   </a:solidFill>
                   <a:latin typeface="Verdana" panose="020B0604030504040204" pitchFamily="34" charset="0"/>
                 </a:rPr>
-                <a:t>也需要</a:t>
+                <a:t>     </a:t>
               </a:r>
-              <a:r>
-                <a:rPr lang="zh-CN" altLang="en-US" sz="2400" dirty="0">
-                  <a:solidFill>
-                    <a:srgbClr val="000000"/>
-                  </a:solidFill>
-                  <a:latin typeface="Verdana" panose="020B0604030504040204" pitchFamily="34" charset="0"/>
-                </a:rPr>
-                <a:t>时间和资金。虽然原型可以降低软件项目失败的风险，但</a:t>
-              </a:r>
-              <a:r>
-                <a:rPr lang="zh-CN" altLang="en-US" sz="2400" dirty="0">
-                  <a:solidFill>
-                    <a:srgbClr val="FF0000"/>
-                  </a:solidFill>
-                  <a:latin typeface="Verdana" panose="020B0604030504040204" pitchFamily="34" charset="0"/>
-                </a:rPr>
-                <a:t>原型本身也有</a:t>
-              </a:r>
-              <a:r>
-                <a:rPr lang="zh-CN" altLang="en-US" sz="2400" dirty="0" smtClean="0">
-                  <a:solidFill>
-                    <a:srgbClr val="FF0000"/>
-                  </a:solidFill>
-                  <a:latin typeface="Verdana" panose="020B0604030504040204" pitchFamily="34" charset="0"/>
-                </a:rPr>
-                <a:t>风险</a:t>
-              </a:r>
-              <a:r>
-                <a:rPr lang="zh-CN" altLang="en-US" sz="2400" dirty="0" smtClean="0">
-                  <a:solidFill>
-                    <a:srgbClr val="000000"/>
-                  </a:solidFill>
-                  <a:latin typeface="Verdana" panose="020B0604030504040204" pitchFamily="34" charset="0"/>
-                </a:rPr>
-                <a:t>。</a:t>
-              </a:r>
-              <a:endParaRPr lang="en-US" altLang="zh-CN" sz="2400" dirty="0" smtClean="0">
+              <a:endParaRPr lang="zh-CN" dirty="0">
                 <a:solidFill>
                   <a:srgbClr val="000000"/>
                 </a:solidFill>
@@ -5399,98 +5356,80 @@
               </a:endParaRPr>
             </a:p>
             <a:p>
-              <a:pPr marL="457200" indent="-457200">
-                <a:lnSpc>
-                  <a:spcPct val="150000"/>
-                </a:lnSpc>
-                <a:buFont typeface="+mj-lt"/>
-                <a:buAutoNum type="arabicPeriod"/>
-              </a:pPr>
               <a:r>
-                <a:rPr lang="zh-CN" altLang="en-US" sz="2400" dirty="0" smtClean="0">
+                <a:rPr lang="en-US" altLang="zh-CN" b="0" i="0" dirty="0">
                   <a:solidFill>
                     <a:srgbClr val="000000"/>
                   </a:solidFill>
+                  <a:effectLst/>
                   <a:latin typeface="Verdana" panose="020B0604030504040204" pitchFamily="34" charset="0"/>
                 </a:rPr>
-                <a:t>原型发布的压力</a:t>
+                <a:t>1.</a:t>
               </a:r>
-              <a:endParaRPr lang="en-US" altLang="zh-CN" sz="2400" dirty="0" smtClean="0">
+              <a:r>
+                <a:rPr lang="zh-CN" altLang="en-US" b="0" i="0" dirty="0">
+                  <a:solidFill>
+                    <a:srgbClr val="FF0000"/>
+                  </a:solidFill>
+                  <a:effectLst/>
+                  <a:latin typeface="Verdana" panose="020B0604030504040204" pitchFamily="34" charset="0"/>
+                </a:rPr>
+                <a:t>设计用例</a:t>
+              </a:r>
+              <a:r>
+                <a:rPr lang="zh-CN" altLang="en-US" b="0" i="0" dirty="0">
+                  <a:solidFill>
+                    <a:srgbClr val="000000"/>
+                  </a:solidFill>
+                  <a:effectLst/>
+                  <a:latin typeface="Verdana" panose="020B0604030504040204" pitchFamily="34" charset="0"/>
+                </a:rPr>
+                <a:t>：每个角色在这个网站或软件中能做几件事情，每个事情就是一个用例。</a:t>
+              </a:r>
+              <a:endParaRPr lang="zh-CN" altLang="en-US" b="0" i="0" dirty="0">
                 <a:solidFill>
                   <a:srgbClr val="000000"/>
                 </a:solidFill>
+                <a:effectLst/>
                 <a:latin typeface="Verdana" panose="020B0604030504040204" pitchFamily="34" charset="0"/>
               </a:endParaRPr>
             </a:p>
             <a:p>
-              <a:pPr marL="457200" indent="-457200">
-                <a:lnSpc>
-                  <a:spcPct val="150000"/>
-                </a:lnSpc>
-                <a:buFont typeface="+mj-lt"/>
-                <a:buAutoNum type="arabicPeriod"/>
-              </a:pPr>
               <a:r>
-                <a:rPr lang="zh-CN" altLang="en-US" sz="2400" dirty="0" smtClean="0">
+                <a:rPr lang="en-US" altLang="zh-CN" b="0" i="0" dirty="0">
                   <a:solidFill>
                     <a:srgbClr val="000000"/>
                   </a:solidFill>
+                  <a:effectLst/>
                   <a:latin typeface="Verdana" panose="020B0604030504040204" pitchFamily="34" charset="0"/>
                 </a:rPr>
-                <a:t>受细节所累</a:t>
+                <a:t>2.</a:t>
               </a:r>
-              <a:endParaRPr lang="en-US" altLang="zh-CN" sz="2400" dirty="0" smtClean="0">
-                <a:solidFill>
-                  <a:srgbClr val="000000"/>
-                </a:solidFill>
-                <a:latin typeface="Verdana" panose="020B0604030504040204" pitchFamily="34" charset="0"/>
-              </a:endParaRPr>
-            </a:p>
-            <a:p>
-              <a:pPr marL="457200" indent="-457200">
-                <a:lnSpc>
-                  <a:spcPct val="150000"/>
-                </a:lnSpc>
-                <a:buFont typeface="+mj-lt"/>
-                <a:buAutoNum type="arabicPeriod"/>
-              </a:pPr>
               <a:r>
-                <a:rPr lang="zh-CN" altLang="en-US" sz="2400" dirty="0" smtClean="0">
+                <a:rPr lang="zh-CN" altLang="en-US" b="0" i="0" dirty="0">
+                  <a:solidFill>
+                    <a:srgbClr val="FF0000"/>
+                  </a:solidFill>
+                  <a:effectLst/>
+                  <a:latin typeface="Verdana" panose="020B0604030504040204" pitchFamily="34" charset="0"/>
+                </a:rPr>
+                <a:t>对话图</a:t>
+              </a:r>
+              <a:r>
+                <a:rPr lang="zh-CN" altLang="en-US" b="0" i="0" dirty="0">
                   <a:solidFill>
                     <a:srgbClr val="000000"/>
                   </a:solidFill>
+                  <a:effectLst/>
                   <a:latin typeface="Verdana" panose="020B0604030504040204" pitchFamily="34" charset="0"/>
                 </a:rPr>
-                <a:t>不现实的性能预期</a:t>
+                <a:t>：对话图用来描述页面的概念构架。每个方框代表一个页面，这些页面一起实现用例中识别的服务。在画对话图的时候，我们可能会发现用户可能希望执行的动作。而在使用用例的过程中，可能会发现简化和优化用户体验的方法。</a:t>
               </a:r>
-              <a:endParaRPr lang="en-US" altLang="zh-CN" sz="2400" dirty="0" smtClean="0">
+              <a:endParaRPr lang="zh-CN" altLang="en-US" b="0" i="0" dirty="0">
                 <a:solidFill>
                   <a:srgbClr val="000000"/>
                 </a:solidFill>
-                <a:latin typeface="Verdana" panose="020B0604030504040204" pitchFamily="34" charset="0"/>
-              </a:endParaRPr>
-            </a:p>
-            <a:p>
-              <a:pPr marL="457200" indent="-457200">
-                <a:lnSpc>
-                  <a:spcPct val="150000"/>
-                </a:lnSpc>
-                <a:buFont typeface="+mj-lt"/>
-                <a:buAutoNum type="arabicPeriod"/>
-              </a:pPr>
-              <a:r>
-                <a:rPr lang="zh-CN" altLang="en-US" sz="2000" dirty="0" smtClean="0">
-                  <a:solidFill>
-                    <a:srgbClr val="000000"/>
-                  </a:solidFill>
-                  <a:latin typeface="Verdana" panose="020B0604030504040204" pitchFamily="34" charset="0"/>
-                </a:rPr>
-                <a:t>对原型投入过多</a:t>
-              </a:r>
-              <a:endParaRPr lang="zh-CN" altLang="en-US" sz="2000" dirty="0">
-                <a:solidFill>
-                  <a:srgbClr val="000000"/>
-                </a:solidFill>
+                <a:effectLst/>
                 <a:latin typeface="Verdana" panose="020B0604030504040204" pitchFamily="34" charset="0"/>
               </a:endParaRPr>
             </a:p>
@@ -5552,11 +5491,7 @@
               <a:lstStyle/>
               <a:p>
                 <a:pPr algn="ctr"/>
-                <a:endParaRPr lang="zh-CN" altLang="en-US" sz="1350">
-                  <a:solidFill>
-                    <a:prstClr val="white"/>
-                  </a:solidFill>
-                </a:endParaRPr>
+                <a:endParaRPr lang="zh-CN" altLang="en-US" sz="1350"/>
               </a:p>
             </p:txBody>
           </p:sp>
@@ -5602,30 +5537,37 @@
               <a:lstStyle/>
               <a:p>
                 <a:pPr algn="ctr"/>
-                <a:r>
-                  <a:rPr lang="zh-CN" altLang="en-US" sz="2800" dirty="0" smtClean="0">
-                    <a:solidFill>
-                      <a:prstClr val="white"/>
-                    </a:solidFill>
-                  </a:rPr>
-                  <a:t>原型风险</a:t>
-                </a:r>
-                <a:endParaRPr lang="zh-CN" altLang="en-US" sz="2800" dirty="0">
-                  <a:solidFill>
-                    <a:prstClr val="white"/>
-                  </a:solidFill>
-                </a:endParaRPr>
+                <a:endParaRPr lang="zh-CN" altLang="en-US" sz="1350"/>
               </a:p>
             </p:txBody>
           </p:sp>
         </p:grpSp>
       </p:grpSp>
+      <p:pic>
+        <p:nvPicPr>
+          <p:cNvPr id="9" name="图片 8"/>
+          <p:cNvPicPr>
+            <a:picLocks noChangeAspect="1"/>
+          </p:cNvPicPr>
+          <p:nvPr/>
+        </p:nvPicPr>
+        <p:blipFill>
+          <a:blip r:embed="rId1"/>
+          <a:stretch>
+            <a:fillRect/>
+          </a:stretch>
+        </p:blipFill>
+        <p:spPr>
+          <a:xfrm>
+            <a:off x="6643370" y="2099310"/>
+            <a:ext cx="5147945" cy="3326130"/>
+          </a:xfrm>
+          <a:prstGeom prst="rect">
+            <a:avLst/>
+          </a:prstGeom>
+        </p:spPr>
+      </p:pic>
     </p:spTree>
-    <p:extLst>
-      <p:ext uri="{BB962C8B-B14F-4D97-AF65-F5344CB8AC3E}">
-        <p14:creationId xmlns:p14="http://schemas.microsoft.com/office/powerpoint/2010/main" val="730788224"/>
-      </p:ext>
-    </p:extLst>
   </p:cSld>
   <p:clrMapOvr>
     <a:masterClrMapping/>
@@ -5702,11 +5644,7 @@
           <a:lstStyle/>
           <a:p>
             <a:pPr algn="ctr"/>
-            <a:endParaRPr lang="zh-CN" altLang="en-US" sz="2800">
-              <a:solidFill>
-                <a:prstClr val="white"/>
-              </a:solidFill>
-            </a:endParaRPr>
+            <a:endParaRPr lang="zh-CN" altLang="en-US" sz="2800"/>
           </a:p>
         </p:txBody>
       </p:sp>
@@ -5753,13 +5691,10 @@
           <a:p>
             <a:pPr algn="ctr"/>
             <a:r>
-              <a:rPr lang="en-US" sz="2400" dirty="0">
-                <a:solidFill>
-                  <a:prstClr val="white"/>
-                </a:solidFill>
-              </a:rPr>
-              <a:t>6</a:t>
-            </a:r>
+              <a:rPr lang="en-US" sz="2400" dirty="0"/>
+              <a:t>5</a:t>
+            </a:r>
+            <a:endParaRPr lang="en-US" sz="2400" dirty="0"/>
           </a:p>
         </p:txBody>
       </p:sp>
@@ -5785,7 +5720,7 @@
           </a:bodyPr>
           <a:lstStyle/>
           <a:p>
-            <a:endParaRPr lang="zh-CN" altLang="en-US" sz="2665" dirty="0">
+            <a:endParaRPr lang="zh-CN" sz="2665" dirty="0">
               <a:solidFill>
                 <a:srgbClr val="183A5D"/>
               </a:solidFill>
@@ -5818,26 +5753,16 @@
           <a:lstStyle/>
           <a:p>
             <a:r>
-              <a:rPr lang="zh-CN" altLang="en-US" sz="2665" dirty="0">
+              <a:rPr lang="zh-CN" sz="2665" dirty="0">
                 <a:solidFill>
                   <a:srgbClr val="183A5D"/>
                 </a:solidFill>
                 <a:latin typeface="微软雅黑" panose="020B0503020204020204" pitchFamily="34" charset="-122"/>
                 <a:ea typeface="微软雅黑" panose="020B0503020204020204" pitchFamily="34" charset="-122"/>
               </a:rPr>
-              <a:t>界面</a:t>
-            </a:r>
-            <a:r>
-              <a:rPr lang="zh-CN" altLang="en-US" sz="2665" dirty="0" smtClean="0">
-                <a:solidFill>
-                  <a:srgbClr val="183A5D"/>
-                </a:solidFill>
-                <a:latin typeface="微软雅黑" panose="020B0503020204020204" pitchFamily="34" charset="-122"/>
-                <a:ea typeface="微软雅黑" panose="020B0503020204020204" pitchFamily="34" charset="-122"/>
-              </a:rPr>
-              <a:t>原型的风险</a:t>
-            </a:r>
-            <a:endParaRPr lang="zh-CN" altLang="en-US" sz="2665" dirty="0">
+              <a:t>原型的使用与评估</a:t>
+            </a:r>
+            <a:endParaRPr lang="zh-CN" sz="2665" dirty="0">
               <a:solidFill>
                 <a:srgbClr val="183A5D"/>
               </a:solidFill>
@@ -5856,7 +5781,7 @@
         <p:grpSpPr>
           <a:xfrm>
             <a:off x="236855" y="1269365"/>
-            <a:ext cx="11276966" cy="4896485"/>
+            <a:ext cx="6061710" cy="4896485"/>
             <a:chOff x="237030" y="1269554"/>
             <a:chExt cx="7776864" cy="4896544"/>
           </a:xfrm>
@@ -5869,8 +5794,8 @@
           </p:nvSpPr>
           <p:spPr>
             <a:xfrm>
-              <a:off x="339939" y="2005942"/>
-              <a:ext cx="7673955" cy="491744"/>
+              <a:off x="546794" y="1923612"/>
+              <a:ext cx="6777864" cy="2999776"/>
             </a:xfrm>
             <a:prstGeom prst="rect">
               <a:avLst/>
@@ -5882,15 +5807,107 @@
             </a:bodyPr>
             <a:lstStyle/>
             <a:p>
-              <a:pPr>
-                <a:lnSpc>
-                  <a:spcPct val="150000"/>
-                </a:lnSpc>
-              </a:pPr>
-              <a:endParaRPr lang="zh-CN" altLang="en-US" sz="2000" dirty="0">
+              <a:r>
+                <a:rPr lang="en-US" altLang="zh-CN" b="0" i="0" dirty="0">
+                  <a:solidFill>
+                    <a:srgbClr val="000000"/>
+                  </a:solidFill>
+                  <a:effectLst/>
+                  <a:latin typeface="Verdana" panose="020B0604030504040204" pitchFamily="34" charset="0"/>
+                </a:rPr>
+                <a:t>3.</a:t>
+              </a:r>
+              <a:r>
+                <a:rPr lang="zh-CN" altLang="en-US" b="0" i="0" dirty="0">
+                  <a:ln/>
+                  <a:solidFill>
+                    <a:srgbClr val="FF0000"/>
+                  </a:solidFill>
+                  <a:effectLst>
+                    <a:outerShdw blurRad="38100" dist="25400" dir="5400000" algn="ctr" rotWithShape="0">
+                      <a:srgbClr val="6E747A">
+                        <a:alpha val="43000"/>
+                      </a:srgbClr>
+                    </a:outerShdw>
+                  </a:effectLst>
+                  <a:latin typeface="Verdana" panose="020B0604030504040204" pitchFamily="34" charset="0"/>
+                </a:rPr>
+                <a:t>创建可抛弃原型或者线框图</a:t>
+              </a:r>
+              <a:r>
+                <a:rPr lang="zh-CN" altLang="en-US" b="0" i="0" dirty="0">
+                  <a:solidFill>
+                    <a:srgbClr val="000000"/>
+                  </a:solidFill>
+                  <a:effectLst/>
+                  <a:latin typeface="Verdana" panose="020B0604030504040204" pitchFamily="34" charset="0"/>
+                </a:rPr>
+                <a:t>：可以是在纸上手画的草图或是画的一个简单的素描，或是用一个精巧的原型或可视化设计工具创建的模型。可以用这些简单的图标工具与用户代表在页面大致布局方面达成一致的理解，由于它简单易懂，所以可以使页面容易理解和使用。</a:t>
+              </a:r>
+              <a:endParaRPr lang="zh-CN" altLang="en-US" b="0" i="0" dirty="0">
                 <a:solidFill>
                   <a:srgbClr val="000000"/>
                 </a:solidFill>
+                <a:effectLst/>
+                <a:latin typeface="Verdana" panose="020B0604030504040204" pitchFamily="34" charset="0"/>
+              </a:endParaRPr>
+            </a:p>
+            <a:p>
+              <a:r>
+                <a:rPr lang="en-US" altLang="zh-CN" b="0" i="0" dirty="0">
+                  <a:solidFill>
+                    <a:srgbClr val="000000"/>
+                  </a:solidFill>
+                  <a:effectLst/>
+                  <a:latin typeface="Verdana" panose="020B0604030504040204" pitchFamily="34" charset="0"/>
+                </a:rPr>
+                <a:t>4.</a:t>
+              </a:r>
+              <a:r>
+                <a:rPr lang="zh-CN" altLang="en-US" b="0" i="0" dirty="0">
+                  <a:solidFill>
+                    <a:srgbClr val="FF0000"/>
+                  </a:solidFill>
+                  <a:effectLst/>
+                  <a:latin typeface="Verdana" panose="020B0604030504040204" pitchFamily="34" charset="0"/>
+                </a:rPr>
+                <a:t>创建一个详细的</a:t>
+              </a:r>
+              <a:r>
+                <a:rPr lang="en-US" altLang="zh-CN" b="0" i="0" dirty="0">
+                  <a:solidFill>
+                    <a:srgbClr val="FF0000"/>
+                  </a:solidFill>
+                  <a:effectLst/>
+                  <a:latin typeface="Verdana" panose="020B0604030504040204" pitchFamily="34" charset="0"/>
+                </a:rPr>
+                <a:t>UI</a:t>
+              </a:r>
+              <a:r>
+                <a:rPr lang="zh-CN" altLang="en-US" b="0" i="0" dirty="0">
+                  <a:solidFill>
+                    <a:srgbClr val="FF0000"/>
+                  </a:solidFill>
+                  <a:effectLst/>
+                  <a:latin typeface="Verdana" panose="020B0604030504040204" pitchFamily="34" charset="0"/>
+                </a:rPr>
+                <a:t>屏幕界面设计</a:t>
+              </a:r>
+              <a:r>
+                <a:rPr lang="zh-CN" altLang="en-US" b="0" i="0" dirty="0">
+                  <a:solidFill>
+                    <a:srgbClr val="000000"/>
+                  </a:solidFill>
+                  <a:effectLst/>
+                  <a:latin typeface="Verdana" panose="020B0604030504040204" pitchFamily="34" charset="0"/>
+                </a:rPr>
+                <a:t>：是前期需求分析和原型活动的最终产物。</a:t>
+              </a:r>
+              <a:endParaRPr lang="zh-CN" altLang="en-US" b="0" i="0" dirty="0">
+                <a:solidFill>
+                  <a:srgbClr val="000000"/>
+                </a:solidFill>
+                <a:effectLst/>
                 <a:latin typeface="Verdana" panose="020B0604030504040204" pitchFamily="34" charset="0"/>
               </a:endParaRPr>
             </a:p>
@@ -5952,11 +5969,7 @@
               <a:lstStyle/>
               <a:p>
                 <a:pPr algn="ctr"/>
-                <a:endParaRPr lang="zh-CN" altLang="en-US" sz="1350">
-                  <a:solidFill>
-                    <a:prstClr val="white"/>
-                  </a:solidFill>
-                </a:endParaRPr>
+                <a:endParaRPr lang="zh-CN" altLang="en-US" sz="1350"/>
               </a:p>
             </p:txBody>
           </p:sp>
@@ -6002,276 +6015,122 @@
               <a:lstStyle/>
               <a:p>
                 <a:pPr algn="ctr"/>
-                <a:r>
-                  <a:rPr lang="zh-CN" altLang="en-US" sz="2800" dirty="0">
-                    <a:solidFill>
-                      <a:prstClr val="white"/>
-                    </a:solidFill>
-                  </a:rPr>
-                  <a:t>原型发布的压力</a:t>
-                </a:r>
+                <a:endParaRPr lang="zh-CN" altLang="en-US" sz="1350"/>
               </a:p>
             </p:txBody>
           </p:sp>
         </p:grpSp>
       </p:grpSp>
-      <p:sp>
-        <p:nvSpPr>
-          <p:cNvPr id="8" name="矩形 7"/>
-          <p:cNvSpPr/>
+      <p:pic>
+        <p:nvPicPr>
+          <p:cNvPr id="9" name="图片 8"/>
+          <p:cNvPicPr>
+            <a:picLocks noChangeAspect="1"/>
+          </p:cNvPicPr>
           <p:nvPr/>
-        </p:nvSpPr>
+        </p:nvPicPr>
+        <p:blipFill>
+          <a:blip r:embed="rId1"/>
+          <a:stretch>
+            <a:fillRect/>
+          </a:stretch>
+        </p:blipFill>
         <p:spPr>
           <a:xfrm>
-            <a:off x="386080" y="2241264"/>
-            <a:ext cx="11037718" cy="3323987"/>
+            <a:off x="6643370" y="2099310"/>
+            <a:ext cx="5147945" cy="3326130"/>
           </a:xfrm>
           <a:prstGeom prst="rect">
             <a:avLst/>
           </a:prstGeom>
         </p:spPr>
+      </p:pic>
+      <p:sp>
+        <p:nvSpPr>
+          <p:cNvPr id="8" name="文本框 7"/>
+          <p:cNvSpPr txBox="1"/>
+          <p:nvPr/>
+        </p:nvSpPr>
+        <p:spPr>
+          <a:xfrm>
+            <a:off x="236855" y="5011420"/>
+            <a:ext cx="6062345" cy="1060450"/>
+          </a:xfrm>
+          <a:prstGeom prst="rect">
+            <a:avLst/>
+          </a:prstGeom>
+          <a:noFill/>
+        </p:spPr>
         <p:txBody>
-          <a:bodyPr wrap="square">
+          <a:bodyPr wrap="square" rtlCol="0">
             <a:spAutoFit/>
           </a:bodyPr>
-          <a:lstStyle/>
           <a:p>
-            <a:pPr indent="457200"/>
-            <a:r>
-              <a:rPr lang="zh-CN" altLang="en-US" dirty="0"/>
-              <a:t>最大的风险是</a:t>
-            </a:r>
-            <a:r>
-              <a:rPr lang="zh-CN" altLang="en-US" dirty="0" smtClean="0">
-                <a:solidFill>
-                  <a:srgbClr val="FF0000"/>
-                </a:solidFill>
+            <a:r>
+              <a:rPr lang="zh-CN" altLang="en-US">
+                <a:ln/>
+                <a:solidFill>
+                  <a:schemeClr val="accent1"/>
+                </a:solidFill>
+                <a:effectLst>
+                  <a:outerShdw blurRad="38100" dist="25400" dir="5400000" algn="ctr" rotWithShape="0">
+                    <a:srgbClr val="6E747A">
+                      <a:alpha val="43000"/>
+                    </a:srgbClr>
+                  </a:outerShdw>
+                </a:effectLst>
               </a:rPr>
-              <a:t>项目干系</a:t>
-            </a:r>
-            <a:r>
-              <a:rPr lang="zh-CN" altLang="en-US" dirty="0">
-                <a:solidFill>
-                  <a:srgbClr val="FF0000"/>
-                </a:solidFill>
+              <a:t>这些活动并不需要严格按照顺序执行。想要获得一个可接受的互相认可的</a:t>
+            </a:r>
+            <a:r>
+              <a:rPr lang="en-US" altLang="zh-CN">
+                <a:ln/>
+                <a:solidFill>
+                  <a:schemeClr val="accent1"/>
+                </a:solidFill>
+                <a:effectLst>
+                  <a:outerShdw blurRad="38100" dist="25400" dir="5400000" algn="ctr" rotWithShape="0">
+                    <a:srgbClr val="6E747A">
+                      <a:alpha val="43000"/>
+                    </a:srgbClr>
+                  </a:outerShdw>
+                </a:effectLst>
               </a:rPr>
-              <a:t>人会看到一个可以运行的</a:t>
-            </a:r>
-            <a:r>
-              <a:rPr lang="zh-CN" altLang="en-US" dirty="0" smtClean="0">
-                <a:solidFill>
-                  <a:srgbClr val="FF0000"/>
-                </a:solidFill>
+              <a:t>UI</a:t>
+            </a:r>
+            <a:r>
+              <a:rPr lang="zh-CN" altLang="en-US">
+                <a:ln/>
+                <a:solidFill>
+                  <a:schemeClr val="accent1"/>
+                </a:solidFill>
+                <a:effectLst>
+                  <a:outerShdw blurRad="38100" dist="25400" dir="5400000" algn="ctr" rotWithShape="0">
+                    <a:srgbClr val="6E747A">
+                      <a:alpha val="43000"/>
+                    </a:srgbClr>
+                  </a:outerShdw>
+                </a:effectLst>
               </a:rPr>
-              <a:t>可</a:t>
-            </a:r>
-            <a:r>
-              <a:rPr lang="zh-CN" altLang="en-US" dirty="0">
-                <a:solidFill>
-                  <a:srgbClr val="FF0000"/>
-                </a:solidFill>
-              </a:rPr>
-              <a:t>抛弃</a:t>
-            </a:r>
-            <a:r>
-              <a:rPr lang="zh-CN" altLang="en-US" dirty="0" smtClean="0">
-                <a:solidFill>
-                  <a:srgbClr val="FF0000"/>
-                </a:solidFill>
-              </a:rPr>
-              <a:t>原型</a:t>
-            </a:r>
-            <a:r>
-              <a:rPr lang="zh-CN" altLang="en-US" dirty="0">
-                <a:solidFill>
-                  <a:srgbClr val="FF0000"/>
-                </a:solidFill>
-              </a:rPr>
-              <a:t>，从而得出产品几近完成的结论</a:t>
-            </a:r>
-            <a:r>
-              <a:rPr lang="zh-CN" altLang="en-US" dirty="0" smtClean="0">
-                <a:solidFill>
-                  <a:srgbClr val="FF0000"/>
-                </a:solidFill>
-              </a:rPr>
-              <a:t>。</a:t>
-            </a:r>
-            <a:endParaRPr lang="en-US" altLang="zh-CN" dirty="0" smtClean="0">
+              <a:t>设计，最好的方式就是对用例、对话图以及线框图进行迭代。</a:t>
+            </a:r>
+            <a:endParaRPr lang="zh-CN" altLang="en-US">
+              <a:ln/>
               <a:solidFill>
-                <a:srgbClr val="FF0000"/>
+                <a:schemeClr val="accent1"/>
               </a:solidFill>
+              <a:effectLst>
+                <a:outerShdw blurRad="38100" dist="25400" dir="5400000" algn="ctr" rotWithShape="0">
+                  <a:srgbClr val="6E747A">
+                    <a:alpha val="43000"/>
+                  </a:srgbClr>
+                </a:outerShdw>
+              </a:effectLst>
             </a:endParaRPr>
-          </a:p>
-          <a:p>
-            <a:pPr indent="457200"/>
-            <a:r>
-              <a:rPr lang="zh-CN" altLang="en-US" dirty="0"/>
-              <a:t>原型</a:t>
-            </a:r>
-            <a:r>
-              <a:rPr lang="zh-CN" altLang="en-US" dirty="0" smtClean="0"/>
-              <a:t>的</a:t>
-            </a:r>
-            <a:r>
-              <a:rPr lang="zh-CN" altLang="en-US" dirty="0"/>
-              <a:t>设计和编码并没有考虑到软件的质量和生命周期。</a:t>
-            </a:r>
-            <a:r>
-              <a:rPr lang="zh-CN" altLang="en-US" dirty="0">
-                <a:solidFill>
-                  <a:srgbClr val="FF0000"/>
-                </a:solidFill>
-              </a:rPr>
-              <a:t>对客户</a:t>
-            </a:r>
-            <a:r>
-              <a:rPr lang="zh-CN" altLang="en-US" dirty="0" smtClean="0">
-                <a:solidFill>
-                  <a:srgbClr val="FF0000"/>
-                </a:solidFill>
-              </a:rPr>
-              <a:t>预期</a:t>
-            </a:r>
-            <a:r>
-              <a:rPr lang="zh-CN" altLang="en-US" dirty="0">
-                <a:solidFill>
-                  <a:srgbClr val="FF0000"/>
-                </a:solidFill>
-              </a:rPr>
-              <a:t>进行</a:t>
-            </a:r>
-            <a:r>
-              <a:rPr lang="zh-CN" altLang="en-US" dirty="0" smtClean="0">
-                <a:solidFill>
-                  <a:srgbClr val="FF0000"/>
-                </a:solidFill>
-              </a:rPr>
-              <a:t>管理</a:t>
-            </a:r>
-            <a:r>
-              <a:rPr lang="zh-CN" altLang="en-US" dirty="0"/>
-              <a:t>是原型成功的关键。每个关注原型的人都要</a:t>
-            </a:r>
-            <a:r>
-              <a:rPr lang="zh-CN" altLang="en-US" dirty="0">
-                <a:solidFill>
-                  <a:srgbClr val="FF0000"/>
-                </a:solidFill>
-              </a:rPr>
-              <a:t>理解原型的目的及其局限性</a:t>
-            </a:r>
-            <a:r>
-              <a:rPr lang="zh-CN" altLang="en-US" dirty="0"/>
-              <a:t>。要清楚创建原型的原因，并且明白我们才是决定原型最终命运的人</a:t>
-            </a:r>
-            <a:r>
-              <a:rPr lang="zh-CN" altLang="en-US" dirty="0" smtClean="0"/>
-              <a:t>。</a:t>
-            </a:r>
-            <a:endParaRPr lang="en-US" altLang="zh-CN" dirty="0" smtClean="0"/>
-          </a:p>
-          <a:p>
-            <a:pPr indent="457200"/>
-            <a:endParaRPr lang="en-US" altLang="zh-CN" dirty="0" smtClean="0"/>
-          </a:p>
-          <a:p>
-            <a:pPr indent="457200"/>
-            <a:r>
-              <a:rPr lang="zh-CN" altLang="en-US" dirty="0" smtClean="0"/>
-              <a:t>控制</a:t>
-            </a:r>
-            <a:r>
-              <a:rPr lang="zh-CN" altLang="en-US" dirty="0"/>
-              <a:t>该风险的一个 方法是</a:t>
-            </a:r>
-            <a:r>
-              <a:rPr lang="zh-CN" altLang="en-US" dirty="0">
-                <a:solidFill>
-                  <a:srgbClr val="FF0000"/>
-                </a:solidFill>
-              </a:rPr>
-              <a:t>使用纸上原型面不是电子原型</a:t>
-            </a:r>
-            <a:r>
-              <a:rPr lang="zh-CN" altLang="en-US" dirty="0"/>
-              <a:t>。评估纸上原型的人不会产生</a:t>
-            </a:r>
-            <a:r>
-              <a:rPr lang="zh-CN" altLang="en-US" dirty="0" smtClean="0"/>
-              <a:t>产品接近</a:t>
-            </a:r>
-            <a:r>
-              <a:rPr lang="zh-CN" altLang="en-US" dirty="0"/>
-              <a:t>成品的想法</a:t>
-            </a:r>
-            <a:r>
-              <a:rPr lang="zh-CN" altLang="en-US" dirty="0" smtClean="0"/>
-              <a:t>。</a:t>
-            </a:r>
-            <a:endParaRPr lang="en-US" altLang="zh-CN" dirty="0" smtClean="0"/>
-          </a:p>
-          <a:p>
-            <a:pPr indent="457200"/>
-            <a:r>
-              <a:rPr lang="zh-CN" altLang="en-US" dirty="0"/>
-              <a:t>另一个可选方法是</a:t>
-            </a:r>
-            <a:r>
-              <a:rPr lang="zh-CN" altLang="en-US" dirty="0">
-                <a:solidFill>
-                  <a:schemeClr val="accent1">
-                    <a:lumMod val="75000"/>
-                  </a:schemeClr>
-                </a:solidFill>
-              </a:rPr>
-              <a:t>选用一些原型工具</a:t>
-            </a:r>
-            <a:r>
-              <a:rPr lang="zh-CN" altLang="en-US" dirty="0"/>
-              <a:t>，而这些工具明显不同于用于实际开发的原型工具</a:t>
-            </a:r>
-            <a:r>
-              <a:rPr lang="zh-CN" altLang="en-US" dirty="0" smtClean="0"/>
-              <a:t>。</a:t>
-            </a:r>
-            <a:endParaRPr lang="en-US" altLang="zh-CN" dirty="0" smtClean="0"/>
-          </a:p>
-          <a:p>
-            <a:pPr indent="457200"/>
-            <a:r>
-              <a:rPr lang="zh-CN" altLang="en-US" dirty="0">
-                <a:solidFill>
-                  <a:schemeClr val="accent1">
-                    <a:lumMod val="75000"/>
-                  </a:schemeClr>
-                </a:solidFill>
-              </a:rPr>
-              <a:t>让原型看起来</a:t>
-            </a:r>
-            <a:r>
-              <a:rPr lang="zh-CN" altLang="en-US" dirty="0" smtClean="0">
-                <a:solidFill>
-                  <a:schemeClr val="accent1">
-                    <a:lumMod val="75000"/>
-                  </a:schemeClr>
-                </a:solidFill>
-              </a:rPr>
-              <a:t>简陋一些</a:t>
-            </a:r>
-            <a:r>
-              <a:rPr lang="zh-CN" altLang="en-US" dirty="0"/>
-              <a:t>，也可以降低这种风险。</a:t>
-            </a:r>
           </a:p>
         </p:txBody>
       </p:sp>
     </p:spTree>
-    <p:extLst>
-      <p:ext uri="{BB962C8B-B14F-4D97-AF65-F5344CB8AC3E}">
-        <p14:creationId xmlns:p14="http://schemas.microsoft.com/office/powerpoint/2010/main" val="2445992399"/>
-      </p:ext>
-    </p:extLst>
   </p:cSld>
   <p:clrMapOvr>
     <a:masterClrMapping/>
@@ -6348,11 +6207,7 @@
           <a:lstStyle/>
           <a:p>
             <a:pPr algn="ctr"/>
-            <a:endParaRPr lang="zh-CN" altLang="en-US" sz="2800">
-              <a:solidFill>
-                <a:prstClr val="white"/>
-              </a:solidFill>
-            </a:endParaRPr>
+            <a:endParaRPr lang="zh-CN" altLang="en-US" sz="2800"/>
           </a:p>
         </p:txBody>
       </p:sp>
@@ -6399,13 +6254,10 @@
           <a:p>
             <a:pPr algn="ctr"/>
             <a:r>
-              <a:rPr lang="en-US" sz="2400" dirty="0">
-                <a:solidFill>
-                  <a:prstClr val="white"/>
-                </a:solidFill>
-              </a:rPr>
-              <a:t>6</a:t>
-            </a:r>
+              <a:rPr lang="en-US" sz="2400" dirty="0"/>
+              <a:t>5</a:t>
+            </a:r>
+            <a:endParaRPr lang="en-US" sz="2400" dirty="0"/>
           </a:p>
         </p:txBody>
       </p:sp>
@@ -6431,7 +6283,7 @@
           </a:bodyPr>
           <a:lstStyle/>
           <a:p>
-            <a:endParaRPr lang="zh-CN" altLang="en-US" sz="2665" dirty="0">
+            <a:endParaRPr lang="zh-CN" sz="2665" dirty="0">
               <a:solidFill>
                 <a:srgbClr val="183A5D"/>
               </a:solidFill>
@@ -6450,7 +6302,7 @@
         <p:spPr>
           <a:xfrm>
             <a:off x="2226388" y="159851"/>
-            <a:ext cx="6052718" cy="501650"/>
+            <a:ext cx="6052718" cy="911860"/>
           </a:xfrm>
           <a:prstGeom prst="rect">
             <a:avLst/>
@@ -6464,26 +6316,25 @@
           <a:lstStyle/>
           <a:p>
             <a:r>
-              <a:rPr lang="zh-CN" altLang="en-US" sz="2665" dirty="0">
+              <a:rPr lang="zh-CN" altLang="zh-CN" sz="2665" dirty="0">
                 <a:solidFill>
                   <a:srgbClr val="183A5D"/>
                 </a:solidFill>
                 <a:latin typeface="微软雅黑" panose="020B0503020204020204" pitchFamily="34" charset="-122"/>
                 <a:ea typeface="微软雅黑" panose="020B0503020204020204" pitchFamily="34" charset="-122"/>
               </a:rPr>
-              <a:t>界面</a:t>
-            </a:r>
-            <a:r>
-              <a:rPr lang="zh-CN" altLang="en-US" sz="2665" dirty="0" smtClean="0">
-                <a:solidFill>
-                  <a:srgbClr val="183A5D"/>
-                </a:solidFill>
-                <a:latin typeface="微软雅黑" panose="020B0503020204020204" pitchFamily="34" charset="-122"/>
-                <a:ea typeface="微软雅黑" panose="020B0503020204020204" pitchFamily="34" charset="-122"/>
-              </a:rPr>
-              <a:t>原型的风险</a:t>
-            </a:r>
-            <a:endParaRPr lang="zh-CN" altLang="en-US" sz="2665" dirty="0">
+              <a:t>原型的使用与评估</a:t>
+            </a:r>
+            <a:endParaRPr lang="zh-CN" altLang="zh-CN" sz="2665" dirty="0">
+              <a:solidFill>
+                <a:srgbClr val="183A5D"/>
+              </a:solidFill>
+              <a:latin typeface="微软雅黑" panose="020B0503020204020204" pitchFamily="34" charset="-122"/>
+              <a:ea typeface="微软雅黑" panose="020B0503020204020204" pitchFamily="34" charset="-122"/>
+            </a:endParaRPr>
+          </a:p>
+          <a:p>
+            <a:endParaRPr lang="zh-CN" sz="2665" dirty="0">
               <a:solidFill>
                 <a:srgbClr val="183A5D"/>
               </a:solidFill>
@@ -6502,7 +6353,7 @@
         <p:grpSpPr>
           <a:xfrm>
             <a:off x="236855" y="1269365"/>
-            <a:ext cx="11276966" cy="4896485"/>
+            <a:ext cx="11276965" cy="4896485"/>
             <a:chOff x="237030" y="1269554"/>
             <a:chExt cx="7776864" cy="4896544"/>
           </a:xfrm>
@@ -6515,8 +6366,8 @@
           </p:nvSpPr>
           <p:spPr>
             <a:xfrm>
-              <a:off x="339939" y="2005942"/>
-              <a:ext cx="7673955" cy="491744"/>
+              <a:off x="339939" y="1985208"/>
+              <a:ext cx="7673955" cy="461671"/>
             </a:xfrm>
             <a:prstGeom prst="rect">
               <a:avLst/>
@@ -6528,15 +6379,15 @@
             </a:bodyPr>
             <a:lstStyle/>
             <a:p>
-              <a:pPr>
-                <a:lnSpc>
-                  <a:spcPct val="150000"/>
-                </a:lnSpc>
-              </a:pPr>
-              <a:endParaRPr lang="zh-CN" altLang="en-US" sz="2000" dirty="0">
+              <a:r>
+                <a:rPr lang="en-US" altLang="zh-CN" sz="2400" dirty="0" smtClean="0"/>
+                <a:t>	</a:t>
+              </a:r>
+              <a:endParaRPr lang="zh-CN" altLang="en-US" b="0" i="0" dirty="0">
                 <a:solidFill>
                   <a:srgbClr val="000000"/>
                 </a:solidFill>
+                <a:effectLst/>
                 <a:latin typeface="Verdana" panose="020B0604030504040204" pitchFamily="34" charset="0"/>
               </a:endParaRPr>
             </a:p>
@@ -6598,11 +6449,7 @@
               <a:lstStyle/>
               <a:p>
                 <a:pPr algn="ctr"/>
-                <a:endParaRPr lang="zh-CN" altLang="en-US" sz="1350">
-                  <a:solidFill>
-                    <a:prstClr val="white"/>
-                  </a:solidFill>
-                </a:endParaRPr>
+                <a:endParaRPr lang="zh-CN" altLang="en-US" sz="1350"/>
               </a:p>
             </p:txBody>
           </p:sp>
@@ -6648,19 +6495,7 @@
               <a:lstStyle/>
               <a:p>
                 <a:pPr algn="ctr"/>
-                <a:r>
-                  <a:rPr lang="zh-CN" altLang="en-US" sz="2800" dirty="0" smtClean="0">
-                    <a:solidFill>
-                      <a:prstClr val="white"/>
-                    </a:solidFill>
-                  </a:rPr>
-                  <a:t>受细节所累</a:t>
-                </a:r>
-                <a:endParaRPr lang="zh-CN" altLang="en-US" sz="2800" dirty="0">
-                  <a:solidFill>
-                    <a:prstClr val="white"/>
-                  </a:solidFill>
-                </a:endParaRPr>
+                <a:endParaRPr lang="zh-CN" altLang="en-US" sz="1350"/>
               </a:p>
             </p:txBody>
           </p:sp>
@@ -6668,14 +6503,14 @@
       </p:grpSp>
       <p:sp>
         <p:nvSpPr>
-          <p:cNvPr id="8" name="矩形 7"/>
+          <p:cNvPr id="14" name="矩形 13"/>
           <p:cNvSpPr/>
           <p:nvPr/>
         </p:nvSpPr>
         <p:spPr>
           <a:xfrm>
-            <a:off x="386080" y="2251613"/>
-            <a:ext cx="11037718" cy="1546577"/>
+            <a:off x="412384" y="2349674"/>
+            <a:ext cx="11011414" cy="3369310"/>
           </a:xfrm>
           <a:prstGeom prst="rect">
             <a:avLst/>
@@ -6687,90 +6522,69 @@
           </a:bodyPr>
           <a:lstStyle/>
           <a:p>
-            <a:pPr indent="457200">
-              <a:lnSpc>
-                <a:spcPct val="150000"/>
-              </a:lnSpc>
-            </a:pPr>
-            <a:r>
-              <a:rPr lang="zh-CN" altLang="en-US" dirty="0"/>
-              <a:t>原型的</a:t>
+            <a:r>
+              <a:rPr lang="en-US" altLang="zh-CN" dirty="0" smtClean="0"/>
+              <a:t>	</a:t>
+            </a:r>
+            <a:r>
+              <a:rPr lang="zh-CN" altLang="en-US" dirty="0" smtClean="0">
+                <a:solidFill>
+                  <a:srgbClr val="FF0000"/>
+                </a:solidFill>
+              </a:rPr>
+              <a:t>原型评估与易用性测试相关</a:t>
             </a:r>
             <a:r>
               <a:rPr lang="zh-CN" altLang="en-US" dirty="0" smtClean="0"/>
-              <a:t>另外一个</a:t>
-            </a:r>
-            <a:r>
-              <a:rPr lang="zh-CN" altLang="en-US" dirty="0"/>
-              <a:t>风险 是用户把注意力放在</a:t>
+              <a:t>。相较于直接让用户说出自己的想法，观察用户如何使用原型可以获得更多信息。观察到用户手指或者鼠标指针潜意识的动作指向，还要找出评估人员在评估原型时不同于他们使用其他应用时的行为。</a:t>
+            </a:r>
+            <a:endParaRPr lang="zh-CN" altLang="en-US" dirty="0" smtClean="0"/>
+          </a:p>
+          <a:p>
+            <a:r>
+              <a:rPr lang="en-US" altLang="zh-CN" dirty="0" smtClean="0"/>
+              <a:t>	</a:t>
+            </a:r>
+            <a:r>
+              <a:rPr lang="zh-CN" altLang="en-US" dirty="0" smtClean="0">
+                <a:solidFill>
+                  <a:srgbClr val="FF0000"/>
+                </a:solidFill>
+              </a:rPr>
+              <a:t>让合适的人员从恰当的角色评估界面原型</a:t>
             </a:r>
             <a:r>
               <a:rPr lang="zh-CN" altLang="en-US" dirty="0" smtClean="0"/>
-              <a:t>与</a:t>
-            </a:r>
-            <a:r>
-              <a:rPr lang="en-US" altLang="zh-CN" dirty="0" smtClean="0"/>
-              <a:t>UI</a:t>
-            </a:r>
-            <a:r>
-              <a:rPr lang="zh-CN" altLang="en-US" dirty="0" smtClean="0"/>
-              <a:t>有关</a:t>
-            </a:r>
-            <a:r>
-              <a:rPr lang="zh-CN" altLang="en-US" dirty="0"/>
-              <a:t>的外观和操作细节上。如果使用一个看似真实的原型</a:t>
-            </a:r>
-            <a:r>
-              <a:rPr lang="zh-CN" altLang="en-US" dirty="0" smtClean="0"/>
-              <a:t>，用户很客</a:t>
-            </a:r>
-            <a:r>
-              <a:rPr lang="zh-CN" altLang="en-US" dirty="0"/>
-              <a:t>易忘记自已还在需求阶段，应该</a:t>
-            </a:r>
-            <a:r>
-              <a:rPr lang="zh-CN" altLang="en-US" dirty="0">
-                <a:solidFill>
-                  <a:schemeClr val="accent1">
-                    <a:lumMod val="75000"/>
-                  </a:schemeClr>
+              <a:t>。评估人员包括来自多个用户类别的成员，既要包括有经验的，也要有经验欠缺的。在将原型呈现给评估人员时，需要强调只需要关注部分功能，其余部分会在实际系统开发过程中实现。</a:t>
+            </a:r>
+            <a:r>
+              <a:rPr lang="zh-CN" altLang="en-US" dirty="0" smtClean="0">
+                <a:solidFill>
+                  <a:srgbClr val="FF0000"/>
                 </a:solidFill>
               </a:rPr>
-              <a:t>重点关注与概念相关的问题，将原型</a:t>
-            </a:r>
-            <a:r>
-              <a:rPr lang="zh-CN" altLang="en-US" dirty="0" smtClean="0">
-                <a:solidFill>
-                  <a:schemeClr val="accent1">
-                    <a:lumMod val="75000"/>
-                  </a:schemeClr>
+              <a:t>与任何易用性测试一样，注意不要在原型评估中漏掉来自重要用户类别中的成员。经验不足的用户可能因为原型直观易用而喜欢它，但经验丰富的用户可能因此而讨厌它，因为这种方式会减慢他们的操作速度。要确保两个用户组都可以表达自己的观点。</a:t>
+            </a:r>
+            <a:endParaRPr lang="zh-CN" altLang="en-US" dirty="0" smtClean="0"/>
+          </a:p>
+          <a:p>
+            <a:r>
+              <a:rPr lang="en-US" altLang="zh-CN" sz="2400" dirty="0" smtClean="0">
+                <a:solidFill>
+                  <a:srgbClr val="FF0000"/>
                 </a:solidFill>
               </a:rPr>
-              <a:t>限定于显示</a:t>
-            </a:r>
-            <a:r>
-              <a:rPr lang="zh-CN" altLang="en-US" dirty="0">
-                <a:solidFill>
-                  <a:schemeClr val="accent1">
-                    <a:lumMod val="75000"/>
-                  </a:schemeClr>
-                </a:solidFill>
-              </a:rPr>
-              <a:t>画面，功能和导航选项</a:t>
-            </a:r>
-            <a:r>
-              <a:rPr lang="zh-CN" altLang="en-US" dirty="0"/>
-              <a:t>，可以消除不确定的需求。</a:t>
-            </a:r>
+              <a:t>	</a:t>
+            </a:r>
+            <a:endParaRPr lang="en-US" altLang="zh-CN" sz="2400" dirty="0" smtClean="0">
+              <a:solidFill>
+                <a:srgbClr val="FF0000"/>
+              </a:solidFill>
+            </a:endParaRPr>
           </a:p>
         </p:txBody>
       </p:sp>
     </p:spTree>
-    <p:extLst>
-      <p:ext uri="{BB962C8B-B14F-4D97-AF65-F5344CB8AC3E}">
-        <p14:creationId xmlns:p14="http://schemas.microsoft.com/office/powerpoint/2010/main" val="859874657"/>
-      </p:ext>
-    </p:extLst>
   </p:cSld>
   <p:clrMapOvr>
     <a:masterClrMapping/>
@@ -6847,11 +6661,7 @@
           <a:lstStyle/>
           <a:p>
             <a:pPr algn="ctr"/>
-            <a:endParaRPr lang="zh-CN" altLang="en-US" sz="2800">
-              <a:solidFill>
-                <a:prstClr val="white"/>
-              </a:solidFill>
-            </a:endParaRPr>
+            <a:endParaRPr lang="zh-CN" altLang="en-US" sz="2800"/>
           </a:p>
         </p:txBody>
       </p:sp>
@@ -6898,13 +6708,10 @@
           <a:p>
             <a:pPr algn="ctr"/>
             <a:r>
-              <a:rPr lang="en-US" sz="2400" dirty="0">
-                <a:solidFill>
-                  <a:prstClr val="white"/>
-                </a:solidFill>
-              </a:rPr>
-              <a:t>6</a:t>
-            </a:r>
+              <a:rPr lang="en-US" sz="2400" dirty="0"/>
+              <a:t>5</a:t>
+            </a:r>
+            <a:endParaRPr lang="en-US" sz="2400" dirty="0"/>
           </a:p>
         </p:txBody>
       </p:sp>
@@ -6930,7 +6737,7 @@
           </a:bodyPr>
           <a:lstStyle/>
           <a:p>
-            <a:endParaRPr lang="zh-CN" altLang="en-US" sz="2665" dirty="0">
+            <a:endParaRPr lang="zh-CN" sz="2665" dirty="0">
               <a:solidFill>
                 <a:srgbClr val="183A5D"/>
               </a:solidFill>
@@ -6949,7 +6756,7 @@
         <p:spPr>
           <a:xfrm>
             <a:off x="2226388" y="159851"/>
-            <a:ext cx="6052718" cy="501650"/>
+            <a:ext cx="6052718" cy="911860"/>
           </a:xfrm>
           <a:prstGeom prst="rect">
             <a:avLst/>
@@ -6963,26 +6770,25 @@
           <a:lstStyle/>
           <a:p>
             <a:r>
-              <a:rPr lang="zh-CN" altLang="en-US" sz="2665" dirty="0">
+              <a:rPr lang="zh-CN" altLang="zh-CN" sz="2665" dirty="0">
                 <a:solidFill>
                   <a:srgbClr val="183A5D"/>
                 </a:solidFill>
                 <a:latin typeface="微软雅黑" panose="020B0503020204020204" pitchFamily="34" charset="-122"/>
                 <a:ea typeface="微软雅黑" panose="020B0503020204020204" pitchFamily="34" charset="-122"/>
               </a:rPr>
-              <a:t>界面</a:t>
-            </a:r>
-            <a:r>
-              <a:rPr lang="zh-CN" altLang="en-US" sz="2665" dirty="0" smtClean="0">
-                <a:solidFill>
-                  <a:srgbClr val="183A5D"/>
-                </a:solidFill>
-                <a:latin typeface="微软雅黑" panose="020B0503020204020204" pitchFamily="34" charset="-122"/>
-                <a:ea typeface="微软雅黑" panose="020B0503020204020204" pitchFamily="34" charset="-122"/>
-              </a:rPr>
-              <a:t>原型的风险</a:t>
-            </a:r>
-            <a:endParaRPr lang="zh-CN" altLang="en-US" sz="2665" dirty="0">
+              <a:t>原型的使用与评估</a:t>
+            </a:r>
+            <a:endParaRPr lang="zh-CN" altLang="zh-CN" sz="2665" dirty="0">
+              <a:solidFill>
+                <a:srgbClr val="183A5D"/>
+              </a:solidFill>
+              <a:latin typeface="微软雅黑" panose="020B0503020204020204" pitchFamily="34" charset="-122"/>
+              <a:ea typeface="微软雅黑" panose="020B0503020204020204" pitchFamily="34" charset="-122"/>
+            </a:endParaRPr>
+          </a:p>
+          <a:p>
+            <a:endParaRPr lang="zh-CN" sz="2665" dirty="0">
               <a:solidFill>
                 <a:srgbClr val="183A5D"/>
               </a:solidFill>
@@ -7001,7 +6807,7 @@
         <p:grpSpPr>
           <a:xfrm>
             <a:off x="236855" y="1269365"/>
-            <a:ext cx="11276966" cy="4896485"/>
+            <a:ext cx="11276965" cy="4896485"/>
             <a:chOff x="237030" y="1269554"/>
             <a:chExt cx="7776864" cy="4896544"/>
           </a:xfrm>
@@ -7014,8 +6820,8 @@
           </p:nvSpPr>
           <p:spPr>
             <a:xfrm>
-              <a:off x="339939" y="2005942"/>
-              <a:ext cx="7673955" cy="491744"/>
+              <a:off x="339939" y="1985208"/>
+              <a:ext cx="7673955" cy="461671"/>
             </a:xfrm>
             <a:prstGeom prst="rect">
               <a:avLst/>
@@ -7027,15 +6833,15 @@
             </a:bodyPr>
             <a:lstStyle/>
             <a:p>
-              <a:pPr>
-                <a:lnSpc>
-                  <a:spcPct val="150000"/>
-                </a:lnSpc>
-              </a:pPr>
-              <a:endParaRPr lang="zh-CN" altLang="en-US" sz="2000" dirty="0">
+              <a:r>
+                <a:rPr lang="en-US" altLang="zh-CN" sz="2400" dirty="0" smtClean="0"/>
+                <a:t>	</a:t>
+              </a:r>
+              <a:endParaRPr lang="zh-CN" altLang="en-US" b="0" i="0" dirty="0">
                 <a:solidFill>
                   <a:srgbClr val="000000"/>
                 </a:solidFill>
+                <a:effectLst/>
                 <a:latin typeface="Verdana" panose="020B0604030504040204" pitchFamily="34" charset="0"/>
               </a:endParaRPr>
             </a:p>
@@ -7097,11 +6903,7 @@
               <a:lstStyle/>
               <a:p>
                 <a:pPr algn="ctr"/>
-                <a:endParaRPr lang="zh-CN" altLang="en-US" sz="1350">
-                  <a:solidFill>
-                    <a:prstClr val="white"/>
-                  </a:solidFill>
-                </a:endParaRPr>
+                <a:endParaRPr lang="zh-CN" altLang="en-US" sz="1350"/>
               </a:p>
             </p:txBody>
           </p:sp>
@@ -7147,19 +6949,7 @@
               <a:lstStyle/>
               <a:p>
                 <a:pPr algn="ctr"/>
-                <a:r>
-                  <a:rPr lang="zh-CN" altLang="en-US" sz="2800" dirty="0" smtClean="0">
-                    <a:solidFill>
-                      <a:prstClr val="white"/>
-                    </a:solidFill>
-                  </a:rPr>
-                  <a:t>不现实的性能预期</a:t>
-                </a:r>
-                <a:endParaRPr lang="zh-CN" altLang="en-US" sz="2800" dirty="0">
-                  <a:solidFill>
-                    <a:prstClr val="white"/>
-                  </a:solidFill>
-                </a:endParaRPr>
+                <a:endParaRPr lang="zh-CN" altLang="en-US" sz="1350"/>
               </a:p>
             </p:txBody>
           </p:sp>
@@ -7167,14 +6957,14 @@
       </p:grpSp>
       <p:sp>
         <p:nvSpPr>
-          <p:cNvPr id="8" name="矩形 7"/>
+          <p:cNvPr id="14" name="矩形 13"/>
           <p:cNvSpPr/>
           <p:nvPr/>
         </p:nvSpPr>
         <p:spPr>
           <a:xfrm>
-            <a:off x="356480" y="2010546"/>
-            <a:ext cx="11037718" cy="3970318"/>
+            <a:off x="412384" y="2349674"/>
+            <a:ext cx="11011414" cy="3046095"/>
           </a:xfrm>
           <a:prstGeom prst="rect">
             <a:avLst/>
@@ -7186,117 +6976,85 @@
           </a:bodyPr>
           <a:lstStyle/>
           <a:p>
-            <a:pPr indent="457200">
-              <a:lnSpc>
-                <a:spcPct val="150000"/>
-              </a:lnSpc>
-            </a:pPr>
-            <a:r>
-              <a:rPr lang="zh-CN" altLang="en-US" dirty="0"/>
-              <a:t>第三个风险是用户根据原型的性能来推断最终产品的预期性能。</a:t>
-            </a:r>
-            <a:r>
-              <a:rPr lang="zh-CN" altLang="en-US" dirty="0">
-                <a:solidFill>
-                  <a:schemeClr val="accent1">
-                    <a:lumMod val="75000"/>
-                  </a:schemeClr>
+            <a:r>
+              <a:rPr lang="en-US" altLang="zh-CN" dirty="0" smtClean="0">
+                <a:solidFill>
+                  <a:srgbClr val="FF0000"/>
                 </a:solidFill>
               </a:rPr>
-              <a:t>不要在预期产品环境中对原型进行评估</a:t>
+              <a:t>	</a:t>
             </a:r>
             <a:r>
               <a:rPr lang="zh-CN" altLang="en-US" dirty="0" smtClean="0">
                 <a:solidFill>
-                  <a:schemeClr val="accent1">
-                    <a:lumMod val="75000"/>
-                  </a:schemeClr>
+                  <a:srgbClr val="FF0000"/>
                 </a:solidFill>
               </a:rPr>
-              <a:t>。</a:t>
-            </a:r>
-            <a:endParaRPr lang="en-US" altLang="zh-CN" dirty="0" smtClean="0">
+              <a:t>创建一些脚本来帮助用户完成一系列的操作和回答一些特定的问题</a:t>
+            </a:r>
+            <a:r>
+              <a:rPr lang="zh-CN" altLang="en-US" dirty="0" smtClean="0"/>
+              <a:t>。评估脚本可以从用例、用户故事或者原型关注的功能点演化而来。通过脚本，能够帮助发现与某些特定操作相关的一些问题。也可以提出一些问题。</a:t>
+            </a:r>
+            <a:endParaRPr lang="zh-CN" altLang="en-US" dirty="0" smtClean="0"/>
+          </a:p>
+          <a:p>
+            <a:r>
+              <a:rPr lang="en-US" altLang="zh-CN" dirty="0" smtClean="0"/>
+              <a:t>	</a:t>
+            </a:r>
+            <a:r>
+              <a:rPr lang="zh-CN" altLang="en-US" dirty="0" smtClean="0">
+                <a:solidFill>
+                  <a:srgbClr val="FF0000"/>
+                </a:solidFill>
+              </a:rPr>
+              <a:t>原型评估中获得的信息要记录下来。可以利用实物原型中的信息来 提炼需求</a:t>
+            </a:r>
+            <a:r>
+              <a:rPr lang="zh-CN" altLang="en-US" dirty="0" smtClean="0"/>
+              <a:t>。如果评估产生了</a:t>
+            </a:r>
+            <a:r>
+              <a:rPr lang="en-US" altLang="zh-CN" dirty="0" smtClean="0"/>
+              <a:t>UI</a:t>
+            </a:r>
+            <a:r>
+              <a:rPr lang="zh-CN" altLang="en-US" dirty="0" smtClean="0"/>
+              <a:t>设计方面的决策，还要把这些决策及产生过程都记录下来。</a:t>
+            </a:r>
+            <a:r>
+              <a:rPr lang="zh-CN" altLang="en-US" dirty="0" smtClean="0">
+                <a:solidFill>
+                  <a:srgbClr val="FF0000"/>
+                </a:solidFill>
+              </a:rPr>
+              <a:t>缺少思路的决策常常导致事后需要重复思考其产生的原因和过程</a:t>
+            </a:r>
+            <a:r>
+              <a:rPr lang="zh-CN" altLang="en-US" dirty="0" smtClean="0"/>
+              <a:t>。对于概念证明，要记下评估过程及其结果，从探究过得所有技术方案中做出最佳选择。将指定需求与原型之间不一致的冲突找出来并加以解决。</a:t>
+            </a:r>
+            <a:endParaRPr lang="zh-CN" altLang="en-US" dirty="0" smtClean="0"/>
+          </a:p>
+          <a:p>
+            <a:r>
+              <a:rPr lang="en-US" altLang="zh-CN" sz="2400" dirty="0" smtClean="0">
+                <a:solidFill>
+                  <a:srgbClr val="FF0000"/>
+                </a:solidFill>
+              </a:rPr>
+              <a:t>	</a:t>
+            </a:r>
+            <a:endParaRPr lang="en-US" altLang="zh-CN" sz="2400" dirty="0" smtClean="0">
               <a:solidFill>
-                <a:schemeClr val="accent1">
-                  <a:lumMod val="75000"/>
-                </a:schemeClr>
+                <a:srgbClr val="FF0000"/>
               </a:solidFill>
             </a:endParaRPr>
-          </a:p>
-          <a:p>
-            <a:pPr indent="457200">
-              <a:lnSpc>
-                <a:spcPct val="150000"/>
-              </a:lnSpc>
-            </a:pPr>
-            <a:r>
-              <a:rPr lang="zh-CN" altLang="en-US" dirty="0"/>
-              <a:t>为了使原型更真实地模拟最终产品的预期行为，在构建原型时</a:t>
-            </a:r>
-            <a:r>
-              <a:rPr lang="zh-CN" altLang="en-US" dirty="0">
-                <a:solidFill>
-                  <a:schemeClr val="accent1">
-                    <a:lumMod val="75000"/>
-                  </a:schemeClr>
-                </a:solidFill>
-              </a:rPr>
-              <a:t>要考虑时间上的延迟或 者让原型看起来还没有准备好马上发布</a:t>
-            </a:r>
-            <a:r>
-              <a:rPr lang="zh-CN" altLang="en-US" dirty="0"/>
-              <a:t>。可以在屏幕上放消息，声明它并不代表最终的产品。</a:t>
-            </a:r>
-          </a:p>
-          <a:p>
-            <a:pPr indent="457200">
-              <a:lnSpc>
-                <a:spcPct val="150000"/>
-              </a:lnSpc>
-            </a:pPr>
-            <a:r>
-              <a:rPr lang="zh-CN" altLang="en-US" dirty="0"/>
-              <a:t>在敏捷开发和其他演进原型中，要</a:t>
-            </a:r>
-            <a:r>
-              <a:rPr lang="zh-CN" altLang="en-US" dirty="0">
-                <a:solidFill>
-                  <a:schemeClr val="accent1">
-                    <a:lumMod val="75000"/>
-                  </a:schemeClr>
-                </a:solidFill>
-              </a:rPr>
-              <a:t>保证从一开始就设计一个健壮的、可扩展的架构并写出高质量的代码</a:t>
-            </a:r>
-            <a:r>
-              <a:rPr lang="zh-CN" altLang="en-US" dirty="0"/>
-              <a:t>。构建一个产 品级软件并且每</a:t>
-            </a:r>
-            <a:r>
-              <a:rPr lang="en-US" altLang="zh-CN" dirty="0"/>
-              <a:t>- </a:t>
-            </a:r>
-            <a:r>
-              <a:rPr lang="zh-CN" altLang="en-US" dirty="0"/>
-              <a:t>个时间段只完成其中一小部分。可以在后期迭代中通过重构来优化设计，但后期的重构并不能代替前期设计工作。</a:t>
-            </a:r>
-          </a:p>
-          <a:p>
-            <a:pPr indent="457200">
-              <a:lnSpc>
-                <a:spcPct val="150000"/>
-              </a:lnSpc>
-            </a:pPr>
-            <a:endParaRPr lang="zh-CN" altLang="en-US" dirty="0"/>
           </a:p>
         </p:txBody>
       </p:sp>
     </p:spTree>
-    <p:extLst>
-      <p:ext uri="{BB962C8B-B14F-4D97-AF65-F5344CB8AC3E}">
-        <p14:creationId xmlns:p14="http://schemas.microsoft.com/office/powerpoint/2010/main" val="6823864"/>
-      </p:ext>
-    </p:extLst>
   </p:cSld>
   <p:clrMapOvr>
     <a:masterClrMapping/>
@@ -7431,6 +7189,11 @@
               </a:rPr>
               <a:t>6</a:t>
             </a:r>
+            <a:endParaRPr lang="en-US" sz="2400" dirty="0">
+              <a:solidFill>
+                <a:prstClr val="white"/>
+              </a:solidFill>
+            </a:endParaRPr>
           </a:p>
         </p:txBody>
       </p:sp>
@@ -7527,9 +7290,9 @@
         <p:grpSpPr>
           <a:xfrm>
             <a:off x="236855" y="1269365"/>
-            <a:ext cx="11276966" cy="4896485"/>
+            <a:ext cx="11278645" cy="4896485"/>
             <a:chOff x="237030" y="1269554"/>
-            <a:chExt cx="7776864" cy="4896544"/>
+            <a:chExt cx="7778022" cy="4896544"/>
           </a:xfrm>
         </p:grpSpPr>
         <p:sp>
@@ -7540,8 +7303,8 @@
           </p:nvSpPr>
           <p:spPr>
             <a:xfrm>
-              <a:off x="339939" y="2005942"/>
-              <a:ext cx="7673955" cy="491744"/>
+              <a:off x="341097" y="2245059"/>
+              <a:ext cx="7673955" cy="3416361"/>
             </a:xfrm>
             <a:prstGeom prst="rect">
               <a:avLst/>
@@ -7558,6 +7321,156 @@
                   <a:spcPct val="150000"/>
                 </a:lnSpc>
               </a:pPr>
+              <a:r>
+                <a:rPr lang="zh-CN" altLang="en-US" sz="2400" dirty="0">
+                  <a:solidFill>
+                    <a:srgbClr val="000000"/>
+                  </a:solidFill>
+                  <a:latin typeface="Verdana" panose="020B0604030504040204" pitchFamily="34" charset="0"/>
+                </a:rPr>
+                <a:t>即使是做个简单的原型，</a:t>
+              </a:r>
+              <a:r>
+                <a:rPr lang="zh-CN" altLang="en-US" sz="2400" dirty="0" smtClean="0">
+                  <a:solidFill>
+                    <a:srgbClr val="000000"/>
+                  </a:solidFill>
+                  <a:latin typeface="Verdana" panose="020B0604030504040204" pitchFamily="34" charset="0"/>
+                </a:rPr>
+                <a:t>也需要</a:t>
+              </a:r>
+              <a:r>
+                <a:rPr lang="zh-CN" altLang="en-US" sz="2400" dirty="0">
+                  <a:solidFill>
+                    <a:srgbClr val="000000"/>
+                  </a:solidFill>
+                  <a:latin typeface="Verdana" panose="020B0604030504040204" pitchFamily="34" charset="0"/>
+                </a:rPr>
+                <a:t>时间和资金。虽然原型可以降低软件项目失败的风险，但</a:t>
+              </a:r>
+              <a:r>
+                <a:rPr lang="zh-CN" altLang="en-US" sz="2400" dirty="0">
+                  <a:solidFill>
+                    <a:srgbClr val="FF0000"/>
+                  </a:solidFill>
+                  <a:latin typeface="Verdana" panose="020B0604030504040204" pitchFamily="34" charset="0"/>
+                </a:rPr>
+                <a:t>原型本身也有</a:t>
+              </a:r>
+              <a:r>
+                <a:rPr lang="zh-CN" altLang="en-US" sz="2400" dirty="0" smtClean="0">
+                  <a:solidFill>
+                    <a:srgbClr val="FF0000"/>
+                  </a:solidFill>
+                  <a:latin typeface="Verdana" panose="020B0604030504040204" pitchFamily="34" charset="0"/>
+                </a:rPr>
+                <a:t>风险</a:t>
+              </a:r>
+              <a:r>
+                <a:rPr lang="zh-CN" altLang="en-US" sz="2400" dirty="0" smtClean="0">
+                  <a:solidFill>
+                    <a:srgbClr val="000000"/>
+                  </a:solidFill>
+                  <a:latin typeface="Verdana" panose="020B0604030504040204" pitchFamily="34" charset="0"/>
+                </a:rPr>
+                <a:t>。</a:t>
+              </a:r>
+              <a:endParaRPr lang="en-US" altLang="zh-CN" sz="2400" dirty="0" smtClean="0">
+                <a:solidFill>
+                  <a:srgbClr val="000000"/>
+                </a:solidFill>
+                <a:latin typeface="Verdana" panose="020B0604030504040204" pitchFamily="34" charset="0"/>
+              </a:endParaRPr>
+            </a:p>
+            <a:p>
+              <a:pPr marL="457200" indent="-457200">
+                <a:lnSpc>
+                  <a:spcPct val="150000"/>
+                </a:lnSpc>
+                <a:buFont typeface="+mj-lt"/>
+                <a:buAutoNum type="arabicPeriod"/>
+              </a:pPr>
+              <a:r>
+                <a:rPr lang="zh-CN" altLang="en-US" sz="2400" dirty="0" smtClean="0">
+                  <a:solidFill>
+                    <a:srgbClr val="000000"/>
+                  </a:solidFill>
+                  <a:latin typeface="Verdana" panose="020B0604030504040204" pitchFamily="34" charset="0"/>
+                </a:rPr>
+                <a:t>原型发布的压力</a:t>
+              </a:r>
+              <a:endParaRPr lang="en-US" altLang="zh-CN" sz="2400" dirty="0" smtClean="0">
+                <a:solidFill>
+                  <a:srgbClr val="000000"/>
+                </a:solidFill>
+                <a:latin typeface="Verdana" panose="020B0604030504040204" pitchFamily="34" charset="0"/>
+              </a:endParaRPr>
+            </a:p>
+            <a:p>
+              <a:pPr marL="457200" indent="-457200">
+                <a:lnSpc>
+                  <a:spcPct val="150000"/>
+                </a:lnSpc>
+                <a:buFont typeface="+mj-lt"/>
+                <a:buAutoNum type="arabicPeriod"/>
+              </a:pPr>
+              <a:r>
+                <a:rPr lang="zh-CN" altLang="en-US" sz="2400" dirty="0" smtClean="0">
+                  <a:solidFill>
+                    <a:srgbClr val="000000"/>
+                  </a:solidFill>
+                  <a:latin typeface="Verdana" panose="020B0604030504040204" pitchFamily="34" charset="0"/>
+                </a:rPr>
+                <a:t>受细节所累</a:t>
+              </a:r>
+              <a:endParaRPr lang="en-US" altLang="zh-CN" sz="2400" dirty="0" smtClean="0">
+                <a:solidFill>
+                  <a:srgbClr val="000000"/>
+                </a:solidFill>
+                <a:latin typeface="Verdana" panose="020B0604030504040204" pitchFamily="34" charset="0"/>
+              </a:endParaRPr>
+            </a:p>
+            <a:p>
+              <a:pPr marL="457200" indent="-457200">
+                <a:lnSpc>
+                  <a:spcPct val="150000"/>
+                </a:lnSpc>
+                <a:buFont typeface="+mj-lt"/>
+                <a:buAutoNum type="arabicPeriod"/>
+              </a:pPr>
+              <a:r>
+                <a:rPr lang="zh-CN" altLang="en-US" sz="2400" dirty="0" smtClean="0">
+                  <a:solidFill>
+                    <a:srgbClr val="000000"/>
+                  </a:solidFill>
+                  <a:latin typeface="Verdana" panose="020B0604030504040204" pitchFamily="34" charset="0"/>
+                </a:rPr>
+                <a:t>不现实的性能预期</a:t>
+              </a:r>
+              <a:endParaRPr lang="en-US" altLang="zh-CN" sz="2400" dirty="0" smtClean="0">
+                <a:solidFill>
+                  <a:srgbClr val="000000"/>
+                </a:solidFill>
+                <a:latin typeface="Verdana" panose="020B0604030504040204" pitchFamily="34" charset="0"/>
+              </a:endParaRPr>
+            </a:p>
+            <a:p>
+              <a:pPr marL="457200" indent="-457200">
+                <a:lnSpc>
+                  <a:spcPct val="150000"/>
+                </a:lnSpc>
+                <a:buFont typeface="+mj-lt"/>
+                <a:buAutoNum type="arabicPeriod"/>
+              </a:pPr>
+              <a:r>
+                <a:rPr lang="zh-CN" altLang="en-US" sz="2000" dirty="0" smtClean="0">
+                  <a:solidFill>
+                    <a:srgbClr val="000000"/>
+                  </a:solidFill>
+                  <a:latin typeface="Verdana" panose="020B0604030504040204" pitchFamily="34" charset="0"/>
+                </a:rPr>
+                <a:t>对原型投入过多</a:t>
+              </a:r>
               <a:endParaRPr lang="zh-CN" altLang="en-US" sz="2000" dirty="0">
                 <a:solidFill>
                   <a:srgbClr val="000000"/>
@@ -7679,7 +7592,7 @@
                       <a:prstClr val="white"/>
                     </a:solidFill>
                   </a:rPr>
-                  <a:t>对原型投入过多</a:t>
+                  <a:t>原型风险</a:t>
                 </a:r>
                 <a:endParaRPr lang="zh-CN" altLang="en-US" sz="2800" dirty="0">
                   <a:solidFill>
@@ -7691,87 +7604,7 @@
           </p:sp>
         </p:grpSp>
       </p:grpSp>
-      <p:sp>
-        <p:nvSpPr>
-          <p:cNvPr id="8" name="矩形 7"/>
-          <p:cNvSpPr/>
-          <p:nvPr/>
-        </p:nvSpPr>
-        <p:spPr>
-          <a:xfrm>
-            <a:off x="356480" y="2010546"/>
-            <a:ext cx="11037718" cy="3000821"/>
-          </a:xfrm>
-          <a:prstGeom prst="rect">
-            <a:avLst/>
-          </a:prstGeom>
-        </p:spPr>
-        <p:txBody>
-          <a:bodyPr wrap="square">
-            <a:spAutoFit/>
-          </a:bodyPr>
-          <a:lstStyle/>
-          <a:p>
-            <a:pPr indent="457200">
-              <a:lnSpc>
-                <a:spcPct val="150000"/>
-              </a:lnSpc>
-            </a:pPr>
-            <a:r>
-              <a:rPr lang="zh-CN" altLang="en-US" dirty="0"/>
-              <a:t>最后，</a:t>
-            </a:r>
-            <a:r>
-              <a:rPr lang="zh-CN" altLang="en-US" dirty="0">
-                <a:solidFill>
-                  <a:schemeClr val="accent1">
-                    <a:lumMod val="75000"/>
-                  </a:schemeClr>
-                </a:solidFill>
-              </a:rPr>
-              <a:t>不要在原型工作</a:t>
-            </a:r>
-            <a:r>
-              <a:rPr lang="zh-CN" altLang="en-US" dirty="0" smtClean="0">
-                <a:solidFill>
-                  <a:schemeClr val="accent1">
-                    <a:lumMod val="75000"/>
-                  </a:schemeClr>
-                </a:solidFill>
-              </a:rPr>
-              <a:t>上投入</a:t>
-            </a:r>
-            <a:r>
-              <a:rPr lang="zh-CN" altLang="en-US" dirty="0">
-                <a:solidFill>
-                  <a:schemeClr val="accent1">
-                    <a:lumMod val="75000"/>
-                  </a:schemeClr>
-                </a:solidFill>
-              </a:rPr>
-              <a:t>太多精力</a:t>
-            </a:r>
-            <a:r>
-              <a:rPr lang="zh-CN" altLang="en-US" dirty="0"/>
-              <a:t>，最终导致开发团队没有时间而不得不将原型作为产品或者匆忙进入混乱的产品实现。对整个解决方案进行建模而不是只对最不确定的、高风险的或者复杂的部分进行建模就属于这种情况。用模型来进行试验。进行的是假设测试，看需求是否已经充分定义，关键的人机交互以及架构问题是否已经解决。如果原型能够测试假设，能够回答间题并且能够提炼需求，就足够了。</a:t>
-            </a:r>
-          </a:p>
-          <a:p>
-            <a:pPr indent="457200">
-              <a:lnSpc>
-                <a:spcPct val="150000"/>
-              </a:lnSpc>
-            </a:pPr>
-            <a:endParaRPr lang="zh-CN" altLang="en-US" dirty="0"/>
-          </a:p>
-        </p:txBody>
-      </p:sp>
     </p:spTree>
-    <p:extLst>
-      <p:ext uri="{BB962C8B-B14F-4D97-AF65-F5344CB8AC3E}">
-        <p14:creationId xmlns:p14="http://schemas.microsoft.com/office/powerpoint/2010/main" val="3721164705"/>
-      </p:ext>
-    </p:extLst>
   </p:cSld>
   <p:clrMapOvr>
     <a:masterClrMapping/>
@@ -7899,12 +7732,12 @@
           <a:p>
             <a:pPr algn="ctr"/>
             <a:r>
-              <a:rPr lang="en-US" sz="2400" dirty="0" smtClean="0">
+              <a:rPr lang="en-US" sz="2400" dirty="0">
                 <a:solidFill>
                   <a:prstClr val="white"/>
                 </a:solidFill>
               </a:rPr>
-              <a:t>7</a:t>
+              <a:t>6</a:t>
             </a:r>
             <a:endParaRPr lang="en-US" sz="2400" dirty="0">
               <a:solidFill>
@@ -7986,7 +7819,7 @@
                 <a:latin typeface="微软雅黑" panose="020B0503020204020204" pitchFamily="34" charset="-122"/>
                 <a:ea typeface="微软雅黑" panose="020B0503020204020204" pitchFamily="34" charset="-122"/>
               </a:rPr>
-              <a:t>原型的成功因素</a:t>
+              <a:t>原型的风险</a:t>
             </a:r>
             <a:endParaRPr lang="zh-CN" altLang="en-US" sz="2665" dirty="0">
               <a:solidFill>
@@ -8153,6 +7986,14 @@
               <a:lstStyle/>
               <a:p>
                 <a:pPr algn="ctr"/>
+                <a:r>
+                  <a:rPr lang="zh-CN" altLang="en-US" sz="2800" dirty="0">
+                    <a:solidFill>
+                      <a:prstClr val="white"/>
+                    </a:solidFill>
+                  </a:rPr>
+                  <a:t>原型发布的压力</a:t>
+                </a:r>
                 <a:endParaRPr lang="zh-CN" altLang="en-US" sz="2800" dirty="0">
                   <a:solidFill>
                     <a:prstClr val="white"/>
@@ -8171,8 +8012,8 @@
         </p:nvSpPr>
         <p:spPr>
           <a:xfrm>
-            <a:off x="386080" y="1845618"/>
-            <a:ext cx="11037718" cy="4455066"/>
+            <a:off x="386080" y="2241264"/>
+            <a:ext cx="11037718" cy="3323987"/>
           </a:xfrm>
           <a:prstGeom prst="rect">
             <a:avLst/>
@@ -8184,14 +8025,18 @@
           </a:bodyPr>
           <a:lstStyle/>
           <a:p>
-            <a:pPr indent="457200">
-              <a:lnSpc>
-                <a:spcPct val="150000"/>
-              </a:lnSpc>
-            </a:pPr>
+            <a:pPr indent="457200"/>
             <a:r>
               <a:rPr lang="zh-CN" altLang="en-US" dirty="0"/>
-              <a:t>软件原型可以</a:t>
+              <a:t>最大的风险是</a:t>
+            </a:r>
+            <a:r>
+              <a:rPr lang="zh-CN" altLang="en-US" dirty="0" smtClean="0">
+                <a:solidFill>
+                  <a:srgbClr val="FF0000"/>
+                </a:solidFill>
+              </a:rPr>
+              <a:t>项目干系</a:t>
             </a:r>
             <a:r>
               <a:rPr lang="zh-CN" altLang="en-US" dirty="0">
@@ -8199,7 +8044,7 @@
                   <a:srgbClr val="FF0000"/>
                 </a:solidFill>
               </a:rPr>
-              <a:t>加快开发进程</a:t>
+              <a:t>人会看到一个可以运行的</a:t>
             </a:r>
             <a:r>
               <a:rPr lang="zh-CN" altLang="en-US" dirty="0" smtClean="0">
@@ -8207,7 +8052,7 @@
                   <a:srgbClr val="FF0000"/>
                 </a:solidFill>
               </a:rPr>
-              <a:t>、提高</a:t>
+              <a:t>可</a:t>
             </a:r>
             <a:r>
               <a:rPr lang="zh-CN" altLang="en-US" dirty="0">
@@ -8215,11 +8060,99 @@
                   <a:srgbClr val="FF0000"/>
                 </a:solidFill>
               </a:rPr>
-              <a:t>客户满意度以及产出高质量的产品</a:t>
-            </a:r>
+              <a:t>抛弃</a:t>
+            </a:r>
+            <a:r>
+              <a:rPr lang="zh-CN" altLang="en-US" dirty="0" smtClean="0">
+                <a:solidFill>
+                  <a:srgbClr val="FF0000"/>
+                </a:solidFill>
+              </a:rPr>
+              <a:t>原型</a:t>
+            </a:r>
+            <a:r>
+              <a:rPr lang="zh-CN" altLang="en-US" dirty="0">
+                <a:solidFill>
+                  <a:srgbClr val="FF0000"/>
+                </a:solidFill>
+              </a:rPr>
+              <a:t>，从而得出产品几近完成的结论</a:t>
+            </a:r>
+            <a:r>
+              <a:rPr lang="zh-CN" altLang="en-US" dirty="0" smtClean="0">
+                <a:solidFill>
+                  <a:srgbClr val="FF0000"/>
+                </a:solidFill>
+              </a:rPr>
+              <a:t>。</a:t>
+            </a:r>
+            <a:endParaRPr lang="en-US" altLang="zh-CN" dirty="0" smtClean="0">
+              <a:solidFill>
+                <a:srgbClr val="FF0000"/>
+              </a:solidFill>
+            </a:endParaRPr>
+          </a:p>
+          <a:p>
+            <a:pPr indent="457200"/>
             <a:r>
               <a:rPr lang="zh-CN" altLang="en-US" dirty="0"/>
-              <a:t>。为了在需求过程中高效使用原型，  请遵循以下这些原则</a:t>
+              <a:t>原型</a:t>
+            </a:r>
+            <a:r>
+              <a:rPr lang="zh-CN" altLang="en-US" dirty="0" smtClean="0"/>
+              <a:t>的</a:t>
+            </a:r>
+            <a:r>
+              <a:rPr lang="zh-CN" altLang="en-US" dirty="0"/>
+              <a:t>设计和编码并没有考虑到软件的质量和生命周期。</a:t>
+            </a:r>
+            <a:r>
+              <a:rPr lang="zh-CN" altLang="en-US" dirty="0">
+                <a:solidFill>
+                  <a:srgbClr val="FF0000"/>
+                </a:solidFill>
+              </a:rPr>
+              <a:t>对客户</a:t>
+            </a:r>
+            <a:r>
+              <a:rPr lang="zh-CN" altLang="en-US" dirty="0" smtClean="0">
+                <a:solidFill>
+                  <a:srgbClr val="FF0000"/>
+                </a:solidFill>
+              </a:rPr>
+              <a:t>预期</a:t>
+            </a:r>
+            <a:r>
+              <a:rPr lang="zh-CN" altLang="en-US" dirty="0">
+                <a:solidFill>
+                  <a:srgbClr val="FF0000"/>
+                </a:solidFill>
+              </a:rPr>
+              <a:t>进行</a:t>
+            </a:r>
+            <a:r>
+              <a:rPr lang="zh-CN" altLang="en-US" dirty="0" smtClean="0">
+                <a:solidFill>
+                  <a:srgbClr val="FF0000"/>
+                </a:solidFill>
+              </a:rPr>
+              <a:t>管理</a:t>
+            </a:r>
+            <a:r>
+              <a:rPr lang="zh-CN" altLang="en-US" dirty="0"/>
+              <a:t>是原型成功的关键。每个关注原型的人都要</a:t>
+            </a:r>
+            <a:r>
+              <a:rPr lang="zh-CN" altLang="en-US" dirty="0">
+                <a:solidFill>
+                  <a:srgbClr val="FF0000"/>
+                </a:solidFill>
+              </a:rPr>
+              <a:t>理解原型的目的及其局限性</a:t>
+            </a:r>
+            <a:r>
+              <a:rPr lang="zh-CN" altLang="en-US" dirty="0"/>
+              <a:t>。要清楚创建原型的原因，并且明白我们才是决定原型最终命运的人</a:t>
             </a:r>
             <a:r>
               <a:rPr lang="zh-CN" altLang="en-US" dirty="0" smtClean="0"/>
@@ -8228,139 +8161,102 @@
             <a:endParaRPr lang="en-US" altLang="zh-CN" dirty="0" smtClean="0"/>
           </a:p>
           <a:p>
-            <a:pPr marL="342900" indent="-342900">
-              <a:lnSpc>
-                <a:spcPct val="150000"/>
-              </a:lnSpc>
-              <a:buFont typeface="Arial" panose="020B0604020202020204" pitchFamily="34" charset="0"/>
-              <a:buChar char="•"/>
-            </a:pPr>
-            <a:r>
-              <a:rPr lang="zh-CN" altLang="en-US" dirty="0"/>
-              <a:t>在项目计中包含与原型相关的任务。为开发、评估和修改原型安排时间和资源。</a:t>
-            </a:r>
-          </a:p>
-          <a:p>
-            <a:pPr marL="342900" indent="-342900">
-              <a:lnSpc>
-                <a:spcPct val="150000"/>
-              </a:lnSpc>
-              <a:buFont typeface="Arial" panose="020B0604020202020204" pitchFamily="34" charset="0"/>
-              <a:buChar char="•"/>
-            </a:pPr>
-            <a:r>
-              <a:rPr lang="zh-CN" altLang="en-US" dirty="0"/>
-              <a:t>在创建原型之前，</a:t>
-            </a:r>
-            <a:r>
-              <a:rPr lang="zh-CN" altLang="en-US" dirty="0">
-                <a:solidFill>
-                  <a:srgbClr val="FF0000"/>
-                </a:solidFill>
-              </a:rPr>
-              <a:t>注明原型的目的并解释其最终产出</a:t>
-            </a:r>
-            <a:r>
-              <a:rPr lang="en-US" altLang="zh-CN" dirty="0"/>
-              <a:t>:</a:t>
-            </a:r>
-            <a:r>
-              <a:rPr lang="zh-CN" altLang="en-US" dirty="0"/>
-              <a:t>抛并</a:t>
-            </a:r>
-            <a:r>
-              <a:rPr lang="en-US" altLang="zh-CN" dirty="0"/>
-              <a:t>(</a:t>
-            </a:r>
-            <a:r>
-              <a:rPr lang="zh-CN" altLang="en-US" dirty="0"/>
-              <a:t>还是归档</a:t>
-            </a:r>
-            <a:r>
-              <a:rPr lang="en-US" altLang="zh-CN" dirty="0"/>
-              <a:t>)</a:t>
-            </a:r>
-            <a:r>
-              <a:rPr lang="zh-CN" altLang="en-US" dirty="0"/>
-              <a:t>原型，是保留原型所提供的知识，还是在原型基础上继续构建直至成为最终解决方案。保证创建和评估原型的人都明白这些动机</a:t>
-            </a:r>
-            <a:r>
-              <a:rPr lang="zh-CN" altLang="en-US" dirty="0" smtClean="0"/>
-              <a:t>。</a:t>
-            </a:r>
+            <a:pPr indent="457200"/>
             <a:endParaRPr lang="en-US" altLang="zh-CN" dirty="0" smtClean="0"/>
           </a:p>
           <a:p>
-            <a:pPr marL="342900" indent="-342900">
-              <a:lnSpc>
-                <a:spcPct val="150000"/>
-              </a:lnSpc>
-              <a:buFont typeface="Arial" panose="020B0604020202020204" pitchFamily="34" charset="0"/>
-              <a:buChar char="•"/>
-            </a:pPr>
+            <a:pPr indent="457200"/>
+            <a:r>
+              <a:rPr lang="zh-CN" altLang="en-US" dirty="0" smtClean="0"/>
+              <a:t>控制</a:t>
+            </a:r>
+            <a:r>
+              <a:rPr lang="zh-CN" altLang="en-US" dirty="0"/>
+              <a:t>该风险的一个 方法是</a:t>
+            </a:r>
             <a:r>
               <a:rPr lang="zh-CN" altLang="en-US" dirty="0">
                 <a:solidFill>
                   <a:srgbClr val="FF0000"/>
                 </a:solidFill>
               </a:rPr>
-              <a:t>做好开发多个原型的计划</a:t>
+              <a:t>使用纸上原型面不是电子原型</a:t>
             </a:r>
             <a:r>
               <a:rPr lang="zh-CN" altLang="en-US" dirty="0"/>
+              <a:t>。评估纸上原型的人不会产生</a:t>
+            </a:r>
+            <a:r>
+              <a:rPr lang="zh-CN" altLang="en-US" dirty="0" smtClean="0"/>
+              <a:t>产品接近</a:t>
+            </a:r>
+            <a:r>
+              <a:rPr lang="zh-CN" altLang="en-US" dirty="0"/>
+              <a:t>成品的想法</a:t>
+            </a:r>
+            <a:r>
+              <a:rPr lang="zh-CN" altLang="en-US" dirty="0" smtClean="0"/>
               <a:t>。</a:t>
             </a:r>
-            <a:r>
-              <a:rPr lang="zh-CN" altLang="en-US" dirty="0" smtClean="0"/>
-              <a:t>很难一次</a:t>
-            </a:r>
-            <a:r>
-              <a:rPr lang="zh-CN" altLang="en-US" dirty="0"/>
-              <a:t>就能得 到正确的原型，这也正是原型的目的所在</a:t>
-            </a:r>
-            <a:r>
-              <a:rPr lang="en-US" altLang="zh-CN" dirty="0"/>
-              <a:t>!</a:t>
-            </a:r>
+            <a:endParaRPr lang="en-US" altLang="zh-CN" dirty="0" smtClean="0"/>
           </a:p>
           <a:p>
-            <a:pPr marL="342900" indent="-342900">
-              <a:lnSpc>
-                <a:spcPct val="150000"/>
-              </a:lnSpc>
-              <a:buFont typeface="Arial" panose="020B0604020202020204" pitchFamily="34" charset="0"/>
-              <a:buChar char="•"/>
-            </a:pPr>
+            <a:pPr indent="457200"/>
             <a:r>
               <a:rPr lang="zh-CN" altLang="en-US" dirty="0"/>
-              <a:t>创建可抛弃型原型，要</a:t>
+              <a:t>另一个可选方法是</a:t>
             </a:r>
             <a:r>
               <a:rPr lang="zh-CN" altLang="en-US" dirty="0">
                 <a:solidFill>
-                  <a:srgbClr val="FF0000"/>
+                  <a:schemeClr val="accent1">
+                    <a:lumMod val="75000"/>
+                  </a:schemeClr>
                 </a:solidFill>
               </a:rPr>
-              <a:t>尽可能快、成本低。以最少精力完成回答问题</a:t>
+              <a:t>选用一些原型工具</a:t>
             </a:r>
             <a:r>
               <a:rPr lang="zh-CN" altLang="en-US" dirty="0"/>
-              <a:t>或者解决需求中不确定的部分。不要试图把可抛弃型原型做</a:t>
+              <a:t>，而这些工具明显不同于用于实际开发的原型工具</a:t>
             </a:r>
             <a:r>
               <a:rPr lang="zh-CN" altLang="en-US" dirty="0" smtClean="0"/>
-              <a:t>得尽善尽美。</a:t>
+              <a:t>。</a:t>
+            </a:r>
+            <a:endParaRPr lang="en-US" altLang="zh-CN" dirty="0" smtClean="0"/>
+          </a:p>
+          <a:p>
+            <a:pPr indent="457200"/>
+            <a:r>
+              <a:rPr lang="zh-CN" altLang="en-US" dirty="0">
+                <a:solidFill>
+                  <a:schemeClr val="accent1">
+                    <a:lumMod val="75000"/>
+                  </a:schemeClr>
+                </a:solidFill>
+              </a:rPr>
+              <a:t>让原型看起来</a:t>
+            </a:r>
+            <a:r>
+              <a:rPr lang="zh-CN" altLang="en-US" dirty="0" smtClean="0">
+                <a:solidFill>
+                  <a:schemeClr val="accent1">
+                    <a:lumMod val="75000"/>
+                  </a:schemeClr>
+                </a:solidFill>
+              </a:rPr>
+              <a:t>简陋一些</a:t>
+            </a:r>
+            <a:r>
+              <a:rPr lang="zh-CN" altLang="en-US" dirty="0"/>
+              <a:t>，也可以降低这种风险。</a:t>
             </a:r>
             <a:endParaRPr lang="zh-CN" altLang="en-US" dirty="0"/>
           </a:p>
         </p:txBody>
       </p:sp>
     </p:spTree>
-    <p:extLst>
-      <p:ext uri="{BB962C8B-B14F-4D97-AF65-F5344CB8AC3E}">
-        <p14:creationId xmlns:p14="http://schemas.microsoft.com/office/powerpoint/2010/main" val="3937484484"/>
-      </p:ext>
-    </p:extLst>
   </p:cSld>
   <p:clrMapOvr>
     <a:masterClrMapping/>
@@ -8488,12 +8384,12 @@
           <a:p>
             <a:pPr algn="ctr"/>
             <a:r>
-              <a:rPr lang="en-US" sz="2400" dirty="0" smtClean="0">
+              <a:rPr lang="en-US" sz="2400" dirty="0">
                 <a:solidFill>
                   <a:prstClr val="white"/>
                 </a:solidFill>
               </a:rPr>
-              <a:t>7</a:t>
+              <a:t>6</a:t>
             </a:r>
             <a:endParaRPr lang="en-US" sz="2400" dirty="0">
               <a:solidFill>
@@ -8575,7 +8471,7 @@
                 <a:latin typeface="微软雅黑" panose="020B0503020204020204" pitchFamily="34" charset="-122"/>
                 <a:ea typeface="微软雅黑" panose="020B0503020204020204" pitchFamily="34" charset="-122"/>
               </a:rPr>
-              <a:t>原型的成功因素</a:t>
+              <a:t>原型的风险</a:t>
             </a:r>
             <a:endParaRPr lang="zh-CN" altLang="en-US" sz="2665" dirty="0">
               <a:solidFill>
@@ -8742,6 +8638,14 @@
               <a:lstStyle/>
               <a:p>
                 <a:pPr algn="ctr"/>
+                <a:r>
+                  <a:rPr lang="zh-CN" altLang="en-US" sz="2800" dirty="0" smtClean="0">
+                    <a:solidFill>
+                      <a:prstClr val="white"/>
+                    </a:solidFill>
+                  </a:rPr>
+                  <a:t>受细节所累</a:t>
+                </a:r>
                 <a:endParaRPr lang="zh-CN" altLang="en-US" sz="2800" dirty="0">
                   <a:solidFill>
                     <a:prstClr val="white"/>
@@ -8760,8 +8664,8 @@
         </p:nvSpPr>
         <p:spPr>
           <a:xfrm>
-            <a:off x="386080" y="1845618"/>
-            <a:ext cx="11037718" cy="4455066"/>
+            <a:off x="386080" y="2251613"/>
+            <a:ext cx="11037718" cy="1546577"/>
           </a:xfrm>
           <a:prstGeom prst="rect">
             <a:avLst/>
@@ -8773,138 +8677,86 @@
           </a:bodyPr>
           <a:lstStyle/>
           <a:p>
-            <a:pPr marL="342900" indent="-342900">
+            <a:pPr indent="457200">
               <a:lnSpc>
                 <a:spcPct val="150000"/>
               </a:lnSpc>
-              <a:buFont typeface="Arial" panose="020B0604020202020204" pitchFamily="34" charset="0"/>
-              <a:buChar char="•"/>
             </a:pPr>
             <a:r>
               <a:rPr lang="zh-CN" altLang="en-US" dirty="0"/>
-              <a:t>不要在</a:t>
+              <a:t>原型的</a:t>
             </a:r>
             <a:r>
               <a:rPr lang="zh-CN" altLang="en-US" dirty="0" smtClean="0"/>
-              <a:t>可</a:t>
+              <a:t>另外一个</a:t>
             </a:r>
             <a:r>
               <a:rPr lang="zh-CN" altLang="en-US" dirty="0"/>
-              <a:t>抛弃</a:t>
+              <a:t>风险 是用户把注意力放在</a:t>
             </a:r>
             <a:r>
               <a:rPr lang="zh-CN" altLang="en-US" dirty="0" smtClean="0"/>
-              <a:t>型</a:t>
+              <a:t>与</a:t>
+            </a:r>
+            <a:r>
+              <a:rPr lang="en-US" altLang="zh-CN" dirty="0" smtClean="0"/>
+              <a:t>UI</a:t>
+            </a:r>
+            <a:r>
+              <a:rPr lang="zh-CN" altLang="en-US" dirty="0" smtClean="0"/>
+              <a:t>有关</a:t>
             </a:r>
             <a:r>
               <a:rPr lang="zh-CN" altLang="en-US" dirty="0"/>
-              <a:t>原型中包含输入数据验证、防护性编码技术处理错误代码或大量的代码文档。这样的原型注定是要抛弃的，所以不必投入过多。</a:t>
-            </a:r>
-          </a:p>
-          <a:p>
-            <a:pPr marL="342900" indent="-342900">
-              <a:lnSpc>
-                <a:spcPct val="150000"/>
-              </a:lnSpc>
-              <a:buFont typeface="Arial" panose="020B0604020202020204" pitchFamily="34" charset="0"/>
-              <a:buChar char="•"/>
-            </a:pPr>
+              <a:t>的外观和操作细节上。如果使用一个看似真实的原型</a:t>
+            </a:r>
+            <a:r>
+              <a:rPr lang="zh-CN" altLang="en-US" dirty="0" smtClean="0"/>
+              <a:t>，用户很客</a:t>
+            </a:r>
+            <a:r>
+              <a:rPr lang="zh-CN" altLang="en-US" dirty="0"/>
+              <a:t>易忘记自已还在需求阶段，应该</a:t>
+            </a:r>
             <a:r>
               <a:rPr lang="zh-CN" altLang="en-US" dirty="0">
                 <a:solidFill>
-                  <a:srgbClr val="FF0000"/>
+                  <a:schemeClr val="accent1">
+                    <a:lumMod val="75000"/>
+                  </a:schemeClr>
                 </a:solidFill>
               </a:rPr>
-              <a:t>不要对已经理解的需求创建原型</a:t>
+              <a:t>重点关注与概念相关的问题，将原型</a:t>
+            </a:r>
+            <a:r>
+              <a:rPr lang="zh-CN" altLang="en-US" dirty="0" smtClean="0">
+                <a:solidFill>
+                  <a:schemeClr val="accent1">
+                    <a:lumMod val="75000"/>
+                  </a:schemeClr>
+                </a:solidFill>
+              </a:rPr>
+              <a:t>限定于显示</a:t>
+            </a:r>
+            <a:r>
+              <a:rPr lang="zh-CN" altLang="en-US" dirty="0">
+                <a:solidFill>
+                  <a:schemeClr val="accent1">
+                    <a:lumMod val="75000"/>
+                  </a:schemeClr>
+                </a:solidFill>
+              </a:rPr>
+              <a:t>画面，功能和导航选项</a:t>
             </a:r>
             <a:r>
               <a:rPr lang="zh-CN" altLang="en-US" dirty="0"/>
-              <a:t>，除非需要探究其他设计方案。</a:t>
-            </a:r>
-          </a:p>
-          <a:p>
-            <a:pPr marL="342900" indent="-342900">
-              <a:lnSpc>
-                <a:spcPct val="150000"/>
-              </a:lnSpc>
-              <a:buFont typeface="Arial" panose="020B0604020202020204" pitchFamily="34" charset="0"/>
-              <a:buChar char="•"/>
-            </a:pPr>
-            <a:r>
-              <a:rPr lang="zh-CN" altLang="en-US" dirty="0"/>
-              <a:t>在原型的屏幕显示和报表中，</a:t>
-            </a:r>
-            <a:r>
-              <a:rPr lang="zh-CN" altLang="en-US" dirty="0">
-                <a:solidFill>
-                  <a:srgbClr val="FF0000"/>
-                </a:solidFill>
-              </a:rPr>
-              <a:t>使用合理的数据</a:t>
-            </a:r>
-            <a:r>
-              <a:rPr lang="zh-CN" altLang="en-US" dirty="0"/>
-              <a:t>。评估人员可能被不真实的数据分散注意力，无法注意到原型如何表现真实系统的界面和行为。</a:t>
-            </a:r>
-          </a:p>
-          <a:p>
-            <a:pPr marL="342900" indent="-342900">
-              <a:lnSpc>
-                <a:spcPct val="150000"/>
-              </a:lnSpc>
-              <a:buFont typeface="Arial" panose="020B0604020202020204" pitchFamily="34" charset="0"/>
-              <a:buChar char="•"/>
-            </a:pPr>
-            <a:r>
-              <a:rPr lang="zh-CN" altLang="en-US" dirty="0">
-                <a:solidFill>
-                  <a:srgbClr val="FF0000"/>
-                </a:solidFill>
-              </a:rPr>
-              <a:t>不要指望原型来替代书面需求</a:t>
-            </a:r>
-            <a:r>
-              <a:rPr lang="zh-CN" altLang="en-US" dirty="0"/>
-              <a:t>。原型只表明屏幕后面还有许多功能，而这些功能需要在</a:t>
-            </a:r>
-            <a:r>
-              <a:rPr lang="en-US" altLang="zh-CN" dirty="0"/>
-              <a:t>SRS</a:t>
-            </a:r>
-            <a:r>
-              <a:rPr lang="zh-CN" altLang="en-US" dirty="0"/>
-              <a:t>中记录下来并使其完整、明确和可跟踪。屏幕图不会详细给出数据字段的定义、验证标准以及不同字段之间的关系</a:t>
-            </a:r>
-            <a:r>
-              <a:rPr lang="en-US" altLang="zh-CN" dirty="0"/>
-              <a:t>(</a:t>
-            </a:r>
-            <a:r>
-              <a:rPr lang="zh-CN" altLang="en-US" dirty="0"/>
-              <a:t>比如些界面控件只有在用户对其他控件做出某些选择时才可以展示</a:t>
-            </a:r>
-            <a:r>
-              <a:rPr lang="en-US" altLang="zh-CN" dirty="0"/>
-              <a:t>)</a:t>
-            </a:r>
-            <a:r>
-              <a:rPr lang="zh-CN" altLang="en-US" dirty="0"/>
-              <a:t>，异常处理、业务规则以及其他必要的信息</a:t>
-            </a:r>
-            <a:r>
-              <a:rPr lang="zh-CN" altLang="en-US" dirty="0" smtClean="0"/>
-              <a:t>。</a:t>
+              <a:t>，可以消除不确定的需求。</a:t>
             </a:r>
             <a:endParaRPr lang="zh-CN" altLang="en-US" dirty="0"/>
           </a:p>
         </p:txBody>
       </p:sp>
     </p:spTree>
-    <p:extLst>
-      <p:ext uri="{BB962C8B-B14F-4D97-AF65-F5344CB8AC3E}">
-        <p14:creationId xmlns:p14="http://schemas.microsoft.com/office/powerpoint/2010/main" val="13619835"/>
-      </p:ext>
-    </p:extLst>
   </p:cSld>
   <p:clrMapOvr>
     <a:masterClrMapping/>
@@ -8941,72 +8793,122 @@
       </p:grpSpPr>
       <p:sp>
         <p:nvSpPr>
-          <p:cNvPr id="36" name="矩形 35"/>
+          <p:cNvPr id="2" name="矩形 1"/>
           <p:cNvSpPr/>
           <p:nvPr/>
         </p:nvSpPr>
         <p:spPr>
           <a:xfrm>
-            <a:off x="-106680" y="0"/>
-            <a:ext cx="2938780" cy="6859270"/>
+            <a:off x="237030" y="1171"/>
+            <a:ext cx="1608415" cy="135446"/>
           </a:xfrm>
           <a:prstGeom prst="rect">
             <a:avLst/>
           </a:prstGeom>
           <a:solidFill>
-            <a:srgbClr val="38B1BF"/>
+            <a:srgbClr val="183A5D"/>
           </a:solidFill>
           <a:ln>
             <a:noFill/>
           </a:ln>
-          <a:effectLst>
-            <a:outerShdw blurRad="50800" dist="38100" dir="2700000" algn="tl" rotWithShape="0">
-              <a:prstClr val="black">
-                <a:alpha val="40000"/>
-              </a:prstClr>
-            </a:outerShdw>
-          </a:effectLst>
-          <a:scene3d>
-            <a:camera prst="orthographicFront"/>
-            <a:lightRig rig="threePt" dir="t"/>
-          </a:scene3d>
-          <a:sp3d/>
         </p:spPr>
         <p:style>
-          <a:lnRef idx="1">
-            <a:schemeClr val="accent1"/>
+          <a:lnRef idx="2">
+            <a:schemeClr val="accent1">
+              <a:shade val="50000"/>
+            </a:schemeClr>
           </a:lnRef>
-          <a:fillRef idx="0">
+          <a:fillRef idx="1">
             <a:schemeClr val="accent1"/>
           </a:fillRef>
           <a:effectRef idx="0">
             <a:schemeClr val="accent1"/>
           </a:effectRef>
           <a:fontRef idx="minor">
-            <a:schemeClr val="tx1"/>
+            <a:schemeClr val="lt1"/>
           </a:fontRef>
         </p:style>
         <p:txBody>
-          <a:bodyPr rot="0" spcFirstLastPara="0" vertOverflow="overflow" horzOverflow="overflow" vert="horz" wrap="square" lIns="91440" tIns="45720" rIns="91440" bIns="45720" numCol="1" spcCol="0" rtlCol="0" fromWordArt="0" anchor="ctr" anchorCtr="0" forceAA="0" compatLnSpc="1">
-            <a:noAutofit/>
-          </a:bodyPr>
+          <a:bodyPr rtlCol="0" anchor="ctr"/>
           <a:lstStyle/>
           <a:p>
             <a:pPr algn="ctr"/>
-            <a:endParaRPr lang="zh-CN" altLang="en-US"/>
+            <a:endParaRPr lang="zh-CN" altLang="en-US" sz="2800">
+              <a:solidFill>
+                <a:prstClr val="white"/>
+              </a:solidFill>
+            </a:endParaRPr>
           </a:p>
         </p:txBody>
       </p:sp>
       <p:sp>
         <p:nvSpPr>
-          <p:cNvPr id="37" name="TextBox 36"/>
+          <p:cNvPr id="3" name="矩形 2"/>
+          <p:cNvSpPr/>
+          <p:nvPr/>
+        </p:nvSpPr>
+        <p:spPr>
+          <a:xfrm>
+            <a:off x="237030" y="255131"/>
+            <a:ext cx="1608415" cy="406336"/>
+          </a:xfrm>
+          <a:prstGeom prst="rect">
+            <a:avLst/>
+          </a:prstGeom>
+          <a:solidFill>
+            <a:srgbClr val="183A5D"/>
+          </a:solidFill>
+          <a:ln>
+            <a:noFill/>
+          </a:ln>
+        </p:spPr>
+        <p:style>
+          <a:lnRef idx="2">
+            <a:schemeClr val="accent1">
+              <a:shade val="50000"/>
+            </a:schemeClr>
+          </a:lnRef>
+          <a:fillRef idx="1">
+            <a:schemeClr val="accent1"/>
+          </a:fillRef>
+          <a:effectRef idx="0">
+            <a:schemeClr val="accent1"/>
+          </a:effectRef>
+          <a:fontRef idx="minor">
+            <a:schemeClr val="lt1"/>
+          </a:fontRef>
+        </p:style>
+        <p:txBody>
+          <a:bodyPr rtlCol="0" anchor="ctr"/>
+          <a:lstStyle/>
+          <a:p>
+            <a:pPr algn="ctr"/>
+            <a:r>
+              <a:rPr lang="en-US" sz="2400" dirty="0">
+                <a:solidFill>
+                  <a:prstClr val="white"/>
+                </a:solidFill>
+              </a:rPr>
+              <a:t>6</a:t>
+            </a:r>
+            <a:endParaRPr lang="en-US" sz="2400" dirty="0">
+              <a:solidFill>
+                <a:prstClr val="white"/>
+              </a:solidFill>
+            </a:endParaRPr>
+          </a:p>
+        </p:txBody>
+      </p:sp>
+      <p:sp>
+        <p:nvSpPr>
+          <p:cNvPr id="4" name="文本框 3"/>
           <p:cNvSpPr txBox="1"/>
           <p:nvPr/>
         </p:nvSpPr>
         <p:spPr>
           <a:xfrm>
-            <a:off x="-276651" y="2922512"/>
-            <a:ext cx="2808312" cy="614045"/>
+            <a:off x="2236548" y="136356"/>
+            <a:ext cx="6052718" cy="501650"/>
           </a:xfrm>
           <a:prstGeom prst="rect">
             <a:avLst/>
@@ -9014,27 +8916,14 @@
           <a:noFill/>
         </p:spPr>
         <p:txBody>
-          <a:bodyPr wrap="square" lIns="121948" tIns="60973" rIns="121948" bIns="60973">
+          <a:bodyPr wrap="square" rtlCol="0">
             <a:spAutoFit/>
           </a:bodyPr>
           <a:lstStyle/>
           <a:p>
-            <a:pPr algn="r">
-              <a:defRPr/>
-            </a:pPr>
-            <a:r>
-              <a:rPr lang="zh-CN" altLang="en-US" sz="3200" b="1" dirty="0" smtClean="0">
-                <a:solidFill>
-                  <a:schemeClr val="bg1"/>
-                </a:solidFill>
-                <a:latin typeface="微软雅黑" panose="020B0503020204020204" pitchFamily="34" charset="-122"/>
-                <a:ea typeface="微软雅黑" panose="020B0503020204020204" pitchFamily="34" charset="-122"/>
-              </a:rPr>
-              <a:t>参考文献</a:t>
-            </a:r>
-            <a:endParaRPr lang="zh-CN" sz="3200" b="1" dirty="0">
+            <a:endParaRPr lang="zh-CN" altLang="en-US" sz="2665" dirty="0">
               <a:solidFill>
-                <a:schemeClr val="bg1"/>
+                <a:srgbClr val="183A5D"/>
               </a:solidFill>
               <a:latin typeface="微软雅黑" panose="020B0503020204020204" pitchFamily="34" charset="-122"/>
               <a:ea typeface="微软雅黑" panose="020B0503020204020204" pitchFamily="34" charset="-122"/>
@@ -9042,580 +8931,373 @@
           </a:p>
         </p:txBody>
       </p:sp>
-      <p:graphicFrame>
-        <p:nvGraphicFramePr>
-          <p:cNvPr id="3" name="表格 2"/>
-          <p:cNvGraphicFramePr/>
+      <p:sp>
+        <p:nvSpPr>
+          <p:cNvPr id="6" name="文本框 5"/>
+          <p:cNvSpPr txBox="1"/>
           <p:nvPr/>
-        </p:nvGraphicFramePr>
-        <p:xfrm>
-          <a:off x="3934967" y="1629594"/>
-          <a:ext cx="6984474" cy="2606040"/>
-        </p:xfrm>
-        <a:graphic>
-          <a:graphicData uri="http://schemas.openxmlformats.org/drawingml/2006/table">
-            <a:tbl>
-              <a:tblPr firstRow="1" bandRow="1">
-                <a:tableStyleId>{5C22544A-7EE6-4342-B048-85BDC9FD1C3A}</a:tableStyleId>
-              </a:tblPr>
-              <a:tblGrid>
-                <a:gridCol w="2738864"/>
-                <a:gridCol w="4245610"/>
-              </a:tblGrid>
-              <a:tr h="1322630">
-                <a:tc>
-                  <a:txBody>
-                    <a:bodyPr/>
-                    <a:lstStyle/>
-                    <a:p>
-                      <a:pPr marL="0" marR="0" indent="0" algn="l" defTabSz="1088390" rtl="0" eaLnBrk="1" fontAlgn="auto" latinLnBrk="0" hangingPunct="1">
-                        <a:lnSpc>
-                          <a:spcPct val="100000"/>
-                        </a:lnSpc>
-                        <a:spcBef>
-                          <a:spcPts val="0"/>
-                        </a:spcBef>
-                        <a:spcAft>
-                          <a:spcPts val="0"/>
-                        </a:spcAft>
-                        <a:buClrTx/>
-                        <a:buSzTx/>
-                        <a:buFontTx/>
-                        <a:buNone/>
-                        <a:defRPr/>
-                      </a:pPr>
-                      <a:r>
-                        <a:rPr sz="2400" b="0" dirty="0" smtClean="0">
-                          <a:solidFill>
-                            <a:schemeClr val="tx1"/>
-                          </a:solidFill>
-                        </a:rPr>
-                        <a:t>UML用户指南（第2版·修订版）</a:t>
-                      </a:r>
-                    </a:p>
-                    <a:p>
-                      <a:pPr algn="l">
-                        <a:buNone/>
-                      </a:pPr>
-                      <a:endParaRPr lang="zh-CN" altLang="en-US" b="0" dirty="0">
-                        <a:solidFill>
-                          <a:schemeClr val="tx1"/>
-                        </a:solidFill>
-                      </a:endParaRPr>
-                    </a:p>
-                  </a:txBody>
-                  <a:tcPr>
+        </p:nvSpPr>
+        <p:spPr>
+          <a:xfrm>
+            <a:off x="2226388" y="159851"/>
+            <a:ext cx="6052718" cy="501650"/>
+          </a:xfrm>
+          <a:prstGeom prst="rect">
+            <a:avLst/>
+          </a:prstGeom>
+          <a:noFill/>
+        </p:spPr>
+        <p:txBody>
+          <a:bodyPr wrap="square" rtlCol="0">
+            <a:spAutoFit/>
+          </a:bodyPr>
+          <a:lstStyle/>
+          <a:p>
+            <a:r>
+              <a:rPr lang="zh-CN" altLang="en-US" sz="2665" dirty="0">
+                <a:solidFill>
+                  <a:srgbClr val="183A5D"/>
+                </a:solidFill>
+                <a:latin typeface="微软雅黑" panose="020B0503020204020204" pitchFamily="34" charset="-122"/>
+                <a:ea typeface="微软雅黑" panose="020B0503020204020204" pitchFamily="34" charset="-122"/>
+              </a:rPr>
+              <a:t>界面</a:t>
+            </a:r>
+            <a:r>
+              <a:rPr lang="zh-CN" altLang="en-US" sz="2665" dirty="0" smtClean="0">
+                <a:solidFill>
+                  <a:srgbClr val="183A5D"/>
+                </a:solidFill>
+                <a:latin typeface="微软雅黑" panose="020B0503020204020204" pitchFamily="34" charset="-122"/>
+                <a:ea typeface="微软雅黑" panose="020B0503020204020204" pitchFamily="34" charset="-122"/>
+              </a:rPr>
+              <a:t>原型的风险</a:t>
+            </a:r>
+            <a:endParaRPr lang="zh-CN" altLang="en-US" sz="2665" dirty="0">
+              <a:solidFill>
+                <a:srgbClr val="183A5D"/>
+              </a:solidFill>
+              <a:latin typeface="微软雅黑" panose="020B0503020204020204" pitchFamily="34" charset="-122"/>
+              <a:ea typeface="微软雅黑" panose="020B0503020204020204" pitchFamily="34" charset="-122"/>
+            </a:endParaRPr>
+          </a:p>
+        </p:txBody>
+      </p:sp>
+      <p:grpSp>
+        <p:nvGrpSpPr>
+          <p:cNvPr id="7" name="组合 6"/>
+          <p:cNvGrpSpPr/>
+          <p:nvPr/>
+        </p:nvGrpSpPr>
+        <p:grpSpPr>
+          <a:xfrm>
+            <a:off x="236855" y="1269365"/>
+            <a:ext cx="11276966" cy="4896485"/>
+            <a:chOff x="237030" y="1269554"/>
+            <a:chExt cx="7776864" cy="4896544"/>
+          </a:xfrm>
+        </p:grpSpPr>
+        <p:sp>
+          <p:nvSpPr>
+            <p:cNvPr id="5" name="矩形 4"/>
+            <p:cNvSpPr/>
+            <p:nvPr/>
+          </p:nvSpPr>
+          <p:spPr>
+            <a:xfrm>
+              <a:off x="339939" y="2005942"/>
+              <a:ext cx="7673955" cy="491744"/>
+            </a:xfrm>
+            <a:prstGeom prst="rect">
+              <a:avLst/>
+            </a:prstGeom>
+          </p:spPr>
+          <p:txBody>
+            <a:bodyPr wrap="square">
+              <a:spAutoFit/>
+            </a:bodyPr>
+            <a:lstStyle/>
+            <a:p>
+              <a:pPr>
+                <a:lnSpc>
+                  <a:spcPct val="150000"/>
+                </a:lnSpc>
+              </a:pPr>
+              <a:endParaRPr lang="zh-CN" altLang="en-US" sz="2000" dirty="0">
+                <a:solidFill>
+                  <a:srgbClr val="000000"/>
+                </a:solidFill>
+                <a:latin typeface="Verdana" panose="020B0604030504040204" pitchFamily="34" charset="0"/>
+              </a:endParaRPr>
+            </a:p>
+          </p:txBody>
+        </p:sp>
+        <p:grpSp>
+          <p:nvGrpSpPr>
+            <p:cNvPr id="10" name="组合 9"/>
+            <p:cNvGrpSpPr/>
+            <p:nvPr/>
+          </p:nvGrpSpPr>
+          <p:grpSpPr>
+            <a:xfrm>
+              <a:off x="237030" y="1269554"/>
+              <a:ext cx="7776864" cy="4896544"/>
+              <a:chOff x="1285643" y="1772435"/>
+              <a:chExt cx="7135479" cy="3572664"/>
+            </a:xfrm>
+          </p:grpSpPr>
+          <p:sp>
+            <p:nvSpPr>
+              <p:cNvPr id="11" name="矩形 10"/>
+              <p:cNvSpPr/>
+              <p:nvPr/>
+            </p:nvSpPr>
+            <p:spPr>
+              <a:xfrm>
+                <a:off x="1285644" y="2104682"/>
+                <a:ext cx="7135478" cy="3240417"/>
+              </a:xfrm>
+              <a:prstGeom prst="rect">
+                <a:avLst/>
+              </a:prstGeom>
+              <a:noFill/>
+              <a:ln w="12700">
+                <a:solidFill>
+                  <a:srgbClr val="346182"/>
+                </a:solidFill>
+              </a:ln>
+            </p:spPr>
+            <p:style>
+              <a:lnRef idx="2">
+                <a:schemeClr val="accent1">
+                  <a:shade val="50000"/>
+                </a:schemeClr>
+              </a:lnRef>
+              <a:fillRef idx="1">
+                <a:schemeClr val="accent1"/>
+              </a:fillRef>
+              <a:effectRef idx="0">
+                <a:schemeClr val="accent1"/>
+              </a:effectRef>
+              <a:fontRef idx="minor">
+                <a:schemeClr val="lt1"/>
+              </a:fontRef>
+            </p:style>
+            <p:txBody>
+              <a:bodyPr rtlCol="0" anchor="ctr"/>
+              <a:lstStyle/>
+              <a:p>
+                <a:pPr algn="ctr"/>
+                <a:endParaRPr lang="zh-CN" altLang="en-US" sz="1350">
+                  <a:solidFill>
+                    <a:prstClr val="white"/>
+                  </a:solidFill>
+                </a:endParaRPr>
+              </a:p>
+            </p:txBody>
+          </p:sp>
+          <p:sp>
+            <p:nvSpPr>
+              <p:cNvPr id="12" name="矩形 11"/>
+              <p:cNvSpPr/>
+              <p:nvPr/>
+            </p:nvSpPr>
+            <p:spPr>
+              <a:xfrm>
+                <a:off x="1285643" y="1772435"/>
+                <a:ext cx="2114216" cy="338554"/>
+              </a:xfrm>
+              <a:prstGeom prst="rect">
+                <a:avLst/>
+              </a:prstGeom>
+              <a:solidFill>
+                <a:srgbClr val="183A5D"/>
+              </a:solidFill>
+              <a:ln>
+                <a:noFill/>
+              </a:ln>
+            </p:spPr>
+            <p:style>
+              <a:lnRef idx="2">
+                <a:schemeClr val="accent1">
+                  <a:shade val="50000"/>
+                </a:schemeClr>
+              </a:lnRef>
+              <a:fillRef idx="1">
+                <a:schemeClr val="accent1"/>
+              </a:fillRef>
+              <a:effectRef idx="0">
+                <a:schemeClr val="accent1"/>
+              </a:effectRef>
+              <a:fontRef idx="minor">
+                <a:schemeClr val="lt1"/>
+              </a:fontRef>
+            </p:style>
+            <p:txBody>
+              <a:bodyPr rtlCol="0" anchor="ctr"/>
+              <a:lstStyle/>
+              <a:p>
+                <a:pPr algn="ctr"/>
+                <a:r>
+                  <a:rPr lang="zh-CN" altLang="en-US" sz="2800" dirty="0" smtClean="0">
                     <a:solidFill>
-                      <a:schemeClr val="accent1">
-                        <a:lumMod val="40000"/>
-                        <a:lumOff val="60000"/>
-                      </a:schemeClr>
+                      <a:prstClr val="white"/>
                     </a:solidFill>
-                  </a:tcPr>
-                </a:tc>
-                <a:tc>
-                  <a:txBody>
-                    <a:bodyPr/>
-                    <a:lstStyle/>
-                    <a:p>
-                      <a:pPr algn="l"/>
-                      <a:r>
-                        <a:rPr lang="zh-CN" altLang="en-US" sz="2400" b="0" dirty="0" smtClean="0">
-                          <a:solidFill>
-                            <a:schemeClr val="tx1"/>
-                          </a:solidFill>
-                        </a:rPr>
-                        <a:t>作者</a:t>
-                      </a:r>
-                      <a:r>
-                        <a:rPr lang="en-US" altLang="zh-CN" sz="2400" b="0" dirty="0" smtClean="0">
-                          <a:solidFill>
-                            <a:schemeClr val="tx1"/>
-                          </a:solidFill>
-                        </a:rPr>
-                        <a:t>:Grady Booch</a:t>
-                      </a:r>
-                      <a:r>
-                        <a:rPr lang="zh-CN" altLang="en-US" sz="2400" b="0" dirty="0" smtClean="0">
-                          <a:solidFill>
-                            <a:schemeClr val="tx1"/>
-                          </a:solidFill>
-                        </a:rPr>
-                        <a:t>、</a:t>
-                      </a:r>
-                      <a:r>
-                        <a:rPr lang="en-US" altLang="zh-CN" sz="2400" b="0" dirty="0" smtClean="0">
-                          <a:solidFill>
-                            <a:schemeClr val="tx1"/>
-                          </a:solidFill>
-                        </a:rPr>
-                        <a:t> James Rumbaugh </a:t>
-                      </a:r>
-                      <a:r>
-                        <a:rPr lang="zh-CN" altLang="en-US" sz="2400" b="0" dirty="0" smtClean="0">
-                          <a:solidFill>
-                            <a:schemeClr val="tx1"/>
-                          </a:solidFill>
-                        </a:rPr>
-                        <a:t>、</a:t>
-                      </a:r>
-                      <a:r>
-                        <a:rPr lang="en-US" altLang="zh-CN" sz="2400" b="0" dirty="0" smtClean="0">
-                          <a:solidFill>
-                            <a:schemeClr val="tx1"/>
-                          </a:solidFill>
-                        </a:rPr>
-                        <a:t>Ivar Jacobson</a:t>
-                      </a:r>
-                    </a:p>
-                    <a:p>
-                      <a:pPr algn="l"/>
-                      <a:r>
-                        <a:rPr lang="zh-CN" altLang="en-US" sz="2400" b="0" dirty="0" smtClean="0">
-                          <a:solidFill>
-                            <a:schemeClr val="tx1"/>
-                          </a:solidFill>
-                        </a:rPr>
-                        <a:t>人民邮电出版社</a:t>
-                      </a:r>
-                      <a:endParaRPr lang="en-US" altLang="zh-CN" sz="2400" b="0" dirty="0" smtClean="0">
-                        <a:solidFill>
-                          <a:schemeClr val="tx1"/>
-                        </a:solidFill>
-                      </a:endParaRPr>
-                    </a:p>
-                    <a:p>
-                      <a:pPr algn="l"/>
-                      <a:r>
-                        <a:rPr lang="en-US" altLang="zh-CN" sz="2400" b="0" dirty="0" smtClean="0">
-                          <a:solidFill>
-                            <a:schemeClr val="tx1"/>
-                          </a:solidFill>
-                        </a:rPr>
-                        <a:t>2013</a:t>
-                      </a:r>
-                      <a:r>
-                        <a:rPr lang="zh-CN" altLang="en-US" sz="2400" b="0" dirty="0" smtClean="0">
-                          <a:solidFill>
-                            <a:schemeClr val="tx1"/>
-                          </a:solidFill>
-                        </a:rPr>
-                        <a:t>年</a:t>
-                      </a:r>
-                      <a:r>
-                        <a:rPr lang="en-US" altLang="zh-CN" sz="2400" b="0" dirty="0" smtClean="0">
-                          <a:solidFill>
-                            <a:schemeClr val="tx1"/>
-                          </a:solidFill>
-                        </a:rPr>
-                        <a:t>1</a:t>
-                      </a:r>
-                      <a:r>
-                        <a:rPr lang="zh-CN" altLang="en-US" sz="2400" b="0" dirty="0" smtClean="0">
-                          <a:solidFill>
-                            <a:schemeClr val="tx1"/>
-                          </a:solidFill>
-                        </a:rPr>
-                        <a:t>月第</a:t>
-                      </a:r>
-                      <a:r>
-                        <a:rPr lang="en-US" altLang="zh-CN" sz="2400" b="0" dirty="0" smtClean="0">
-                          <a:solidFill>
-                            <a:schemeClr val="tx1"/>
-                          </a:solidFill>
-                        </a:rPr>
-                        <a:t>1</a:t>
-                      </a:r>
-                      <a:r>
-                        <a:rPr lang="zh-CN" altLang="en-US" sz="2400" b="0" dirty="0" smtClean="0">
-                          <a:solidFill>
-                            <a:schemeClr val="tx1"/>
-                          </a:solidFill>
-                        </a:rPr>
-                        <a:t>版</a:t>
-                      </a:r>
-                    </a:p>
-                  </a:txBody>
-                  <a:tcPr>
-                    <a:solidFill>
-                      <a:schemeClr val="accent1">
-                        <a:lumMod val="40000"/>
-                        <a:lumOff val="60000"/>
-                      </a:schemeClr>
-                    </a:solidFill>
-                  </a:tcPr>
-                </a:tc>
-              </a:tr>
-              <a:tr h="894720">
-                <a:tc>
-                  <a:txBody>
-                    <a:bodyPr/>
-                    <a:lstStyle/>
-                    <a:p>
-                      <a:pPr algn="l">
-                        <a:buNone/>
-                      </a:pPr>
-                      <a:r>
-                        <a:rPr dirty="0" smtClean="0">
-                          <a:solidFill>
-                            <a:schemeClr val="tx1"/>
-                          </a:solidFill>
-                        </a:rPr>
-                        <a:t>UML2基础、建模与设计教程</a:t>
-                      </a:r>
-                    </a:p>
-                  </a:txBody>
-                  <a:tcPr/>
-                </a:tc>
-                <a:tc>
-                  <a:txBody>
-                    <a:bodyPr/>
-                    <a:lstStyle/>
-                    <a:p>
-                      <a:pPr algn="l">
-                        <a:buNone/>
-                      </a:pPr>
-                      <a:r>
-                        <a:rPr lang="zh-CN" altLang="en-US" dirty="0" smtClean="0">
-                          <a:solidFill>
-                            <a:schemeClr val="tx1"/>
-                          </a:solidFill>
-                        </a:rPr>
-                        <a:t>作者：杨弘平 等</a:t>
-                      </a:r>
-                      <a:endParaRPr lang="en-US" altLang="zh-CN" baseline="0" dirty="0" smtClean="0">
-                        <a:solidFill>
-                          <a:schemeClr val="tx1"/>
-                        </a:solidFill>
-                      </a:endParaRPr>
-                    </a:p>
-                    <a:p>
-                      <a:pPr algn="l">
-                        <a:buNone/>
-                      </a:pPr>
-                      <a:r>
-                        <a:rPr lang="zh-CN" altLang="en-US" baseline="0" dirty="0" smtClean="0">
-                          <a:solidFill>
-                            <a:schemeClr val="tx1"/>
-                          </a:solidFill>
-                        </a:rPr>
-                        <a:t>清华大学出版社</a:t>
-                      </a:r>
-                      <a:endParaRPr lang="en-US" altLang="zh-CN" baseline="0" dirty="0" smtClean="0">
-                        <a:solidFill>
-                          <a:schemeClr val="tx1"/>
-                        </a:solidFill>
-                      </a:endParaRPr>
-                    </a:p>
-                    <a:p>
-                      <a:pPr algn="l">
-                        <a:buNone/>
-                      </a:pPr>
-                      <a:r>
-                        <a:rPr lang="en-US" altLang="zh-CN" baseline="0" dirty="0" smtClean="0">
-                          <a:solidFill>
-                            <a:schemeClr val="tx1"/>
-                          </a:solidFill>
-                        </a:rPr>
-                        <a:t>2015</a:t>
-                      </a:r>
-                      <a:r>
-                        <a:rPr lang="zh-CN" altLang="en-US" baseline="0" dirty="0" smtClean="0">
-                          <a:solidFill>
-                            <a:schemeClr val="tx1"/>
-                          </a:solidFill>
-                        </a:rPr>
-                        <a:t>年</a:t>
-                      </a:r>
-                      <a:endParaRPr lang="en-US" altLang="zh-CN" dirty="0" smtClean="0">
-                        <a:solidFill>
-                          <a:schemeClr val="tx1"/>
-                        </a:solidFill>
-                      </a:endParaRPr>
-                    </a:p>
-                  </a:txBody>
-                  <a:tcPr/>
-                </a:tc>
-              </a:tr>
-            </a:tbl>
-          </a:graphicData>
-        </a:graphic>
-      </p:graphicFrame>
+                  </a:rPr>
+                  <a:t>不现实的性能预期</a:t>
+                </a:r>
+                <a:endParaRPr lang="zh-CN" altLang="en-US" sz="2800" dirty="0">
+                  <a:solidFill>
+                    <a:prstClr val="white"/>
+                  </a:solidFill>
+                </a:endParaRPr>
+              </a:p>
+            </p:txBody>
+          </p:sp>
+        </p:grpSp>
+      </p:grpSp>
+      <p:sp>
+        <p:nvSpPr>
+          <p:cNvPr id="8" name="矩形 7"/>
+          <p:cNvSpPr/>
+          <p:nvPr/>
+        </p:nvSpPr>
+        <p:spPr>
+          <a:xfrm>
+            <a:off x="356480" y="2010546"/>
+            <a:ext cx="11037718" cy="3970318"/>
+          </a:xfrm>
+          <a:prstGeom prst="rect">
+            <a:avLst/>
+          </a:prstGeom>
+        </p:spPr>
+        <p:txBody>
+          <a:bodyPr wrap="square">
+            <a:spAutoFit/>
+          </a:bodyPr>
+          <a:lstStyle/>
+          <a:p>
+            <a:pPr indent="457200">
+              <a:lnSpc>
+                <a:spcPct val="150000"/>
+              </a:lnSpc>
+            </a:pPr>
+            <a:r>
+              <a:rPr lang="zh-CN" altLang="en-US" dirty="0"/>
+              <a:t>第三个风险是用户根据原型的性能来推断最终产品的预期性能。</a:t>
+            </a:r>
+            <a:r>
+              <a:rPr lang="zh-CN" altLang="en-US" dirty="0">
+                <a:solidFill>
+                  <a:schemeClr val="accent1">
+                    <a:lumMod val="75000"/>
+                  </a:schemeClr>
+                </a:solidFill>
+              </a:rPr>
+              <a:t>不要在预期产品环境中对原型进行评估</a:t>
+            </a:r>
+            <a:r>
+              <a:rPr lang="zh-CN" altLang="en-US" dirty="0" smtClean="0">
+                <a:solidFill>
+                  <a:schemeClr val="accent1">
+                    <a:lumMod val="75000"/>
+                  </a:schemeClr>
+                </a:solidFill>
+              </a:rPr>
+              <a:t>。</a:t>
+            </a:r>
+            <a:endParaRPr lang="en-US" altLang="zh-CN" dirty="0" smtClean="0">
+              <a:solidFill>
+                <a:schemeClr val="accent1">
+                  <a:lumMod val="75000"/>
+                </a:schemeClr>
+              </a:solidFill>
+            </a:endParaRPr>
+          </a:p>
+          <a:p>
+            <a:pPr indent="457200">
+              <a:lnSpc>
+                <a:spcPct val="150000"/>
+              </a:lnSpc>
+            </a:pPr>
+            <a:r>
+              <a:rPr lang="zh-CN" altLang="en-US" dirty="0"/>
+              <a:t>为了使原型更真实地模拟最终产品的预期行为，在构建原型时</a:t>
+            </a:r>
+            <a:r>
+              <a:rPr lang="zh-CN" altLang="en-US" dirty="0">
+                <a:solidFill>
+                  <a:schemeClr val="accent1">
+                    <a:lumMod val="75000"/>
+                  </a:schemeClr>
+                </a:solidFill>
+              </a:rPr>
+              <a:t>要考虑时间上的延迟或 者让原型看起来还没有准备好马上发布</a:t>
+            </a:r>
+            <a:r>
+              <a:rPr lang="zh-CN" altLang="en-US" dirty="0"/>
+              <a:t>。可以在屏幕上放消息，声明它并不代表最终的产品。</a:t>
+            </a:r>
+            <a:endParaRPr lang="zh-CN" altLang="en-US" dirty="0"/>
+          </a:p>
+          <a:p>
+            <a:pPr indent="457200">
+              <a:lnSpc>
+                <a:spcPct val="150000"/>
+              </a:lnSpc>
+            </a:pPr>
+            <a:r>
+              <a:rPr lang="zh-CN" altLang="en-US" dirty="0"/>
+              <a:t>在敏捷开发和其他演进原型中，要</a:t>
+            </a:r>
+            <a:r>
+              <a:rPr lang="zh-CN" altLang="en-US" dirty="0">
+                <a:solidFill>
+                  <a:schemeClr val="accent1">
+                    <a:lumMod val="75000"/>
+                  </a:schemeClr>
+                </a:solidFill>
+              </a:rPr>
+              <a:t>保证从一开始就设计一个健壮的、可扩展的架构并写出高质量的代码</a:t>
+            </a:r>
+            <a:r>
+              <a:rPr lang="zh-CN" altLang="en-US" dirty="0"/>
+              <a:t>。构建一个产 品级软件并且每</a:t>
+            </a:r>
+            <a:r>
+              <a:rPr lang="en-US" altLang="zh-CN" dirty="0"/>
+              <a:t>- </a:t>
+            </a:r>
+            <a:r>
+              <a:rPr lang="zh-CN" altLang="en-US" dirty="0"/>
+              <a:t>个时间段只完成其中一小部分。可以在后期迭代中通过重构来优化设计，但后期的重构并不能代替前期设计工作。</a:t>
+            </a:r>
+            <a:endParaRPr lang="zh-CN" altLang="en-US" dirty="0"/>
+          </a:p>
+          <a:p>
+            <a:pPr indent="457200">
+              <a:lnSpc>
+                <a:spcPct val="150000"/>
+              </a:lnSpc>
+            </a:pPr>
+            <a:endParaRPr lang="zh-CN" altLang="en-US" dirty="0"/>
+          </a:p>
+        </p:txBody>
+      </p:sp>
     </p:spTree>
   </p:cSld>
   <p:clrMapOvr>
     <a:masterClrMapping/>
   </p:clrMapOvr>
-  <mc:AlternateContent xmlns:mc="http://schemas.openxmlformats.org/markup-compatibility/2006" xmlns:p14="http://schemas.microsoft.com/office/powerpoint/2010/main">
-    <mc:Choice Requires="p14">
-      <p:transition spd="slow" p14:dur="1200" advClick="0" advTm="0">
-        <p14:prism/>
-      </p:transition>
-    </mc:Choice>
-    <mc:Fallback xmlns="">
-      <p:transition spd="slow" advClick="0" advTm="0">
-        <p:fade/>
-      </p:transition>
-    </mc:Fallback>
-  </mc:AlternateContent>
+  <p:transition spd="slow" advClick="0" advTm="0">
+    <p:wipe/>
+  </p:transition>
   <p:timing>
     <p:tnLst>
       <p:par>
-        <p:cTn id="1" dur="indefinite" restart="never" nodeType="tmRoot">
-          <p:childTnLst>
-            <p:seq concurrent="1" nextAc="seek">
-              <p:cTn id="2" dur="indefinite" nodeType="mainSeq">
-                <p:childTnLst>
-                  <p:par>
-                    <p:cTn id="3" fill="hold">
-                      <p:stCondLst>
-                        <p:cond delay="indefinite"/>
-                        <p:cond evt="onBegin" delay="0">
-                          <p:tn val="2"/>
-                        </p:cond>
-                      </p:stCondLst>
-                      <p:childTnLst>
-                        <p:par>
-                          <p:cTn id="4" fill="hold">
-                            <p:stCondLst>
-                              <p:cond delay="0"/>
-                            </p:stCondLst>
-                            <p:childTnLst>
-                              <p:par>
-                                <p:cTn id="5" presetID="2" presetClass="entr" presetSubtype="8" fill="hold" grpId="0" nodeType="afterEffect">
-                                  <p:stCondLst>
-                                    <p:cond delay="0"/>
-                                  </p:stCondLst>
-                                  <p:childTnLst>
-                                    <p:set>
-                                      <p:cBhvr>
-                                        <p:cTn id="6" dur="1" fill="hold">
-                                          <p:stCondLst>
-                                            <p:cond delay="0"/>
-                                          </p:stCondLst>
-                                        </p:cTn>
-                                        <p:tgtEl>
-                                          <p:spTgt spid="36"/>
-                                        </p:tgtEl>
-                                        <p:attrNameLst>
-                                          <p:attrName>style.visibility</p:attrName>
-                                        </p:attrNameLst>
-                                      </p:cBhvr>
-                                      <p:to>
-                                        <p:strVal val="visible"/>
-                                      </p:to>
-                                    </p:set>
-                                    <p:anim calcmode="lin" valueType="num">
-                                      <p:cBhvr additive="base">
-                                        <p:cTn id="7" dur="500" fill="hold"/>
-                                        <p:tgtEl>
-                                          <p:spTgt spid="36"/>
-                                        </p:tgtEl>
-                                        <p:attrNameLst>
-                                          <p:attrName>ppt_x</p:attrName>
-                                        </p:attrNameLst>
-                                      </p:cBhvr>
-                                      <p:tavLst>
-                                        <p:tav tm="0">
-                                          <p:val>
-                                            <p:strVal val="0-#ppt_w/2"/>
-                                          </p:val>
-                                        </p:tav>
-                                        <p:tav tm="100000">
-                                          <p:val>
-                                            <p:strVal val="#ppt_x"/>
-                                          </p:val>
-                                        </p:tav>
-                                      </p:tavLst>
-                                    </p:anim>
-                                    <p:anim calcmode="lin" valueType="num">
-                                      <p:cBhvr additive="base">
-                                        <p:cTn id="8" dur="500" fill="hold"/>
-                                        <p:tgtEl>
-                                          <p:spTgt spid="36"/>
-                                        </p:tgtEl>
-                                        <p:attrNameLst>
-                                          <p:attrName>ppt_y</p:attrName>
-                                        </p:attrNameLst>
-                                      </p:cBhvr>
-                                      <p:tavLst>
-                                        <p:tav tm="0">
-                                          <p:val>
-                                            <p:strVal val="#ppt_y"/>
-                                          </p:val>
-                                        </p:tav>
-                                        <p:tav tm="100000">
-                                          <p:val>
-                                            <p:strVal val="#ppt_y"/>
-                                          </p:val>
-                                        </p:tav>
-                                      </p:tavLst>
-                                    </p:anim>
-                                  </p:childTnLst>
-                                </p:cTn>
-                              </p:par>
-                            </p:childTnLst>
-                          </p:cTn>
-                        </p:par>
-                        <p:par>
-                          <p:cTn id="9" fill="hold">
-                            <p:stCondLst>
-                              <p:cond delay="500"/>
-                            </p:stCondLst>
-                            <p:childTnLst>
-                              <p:par>
-                                <p:cTn id="10" presetID="17" presetClass="entr" presetSubtype="1" fill="hold" grpId="0" nodeType="afterEffect">
-                                  <p:stCondLst>
-                                    <p:cond delay="0"/>
-                                  </p:stCondLst>
-                                  <p:iterate type="lt">
-                                    <p:tmPct val="40000"/>
-                                  </p:iterate>
-                                  <p:childTnLst>
-                                    <p:set>
-                                      <p:cBhvr>
-                                        <p:cTn id="11" dur="1" fill="hold">
-                                          <p:stCondLst>
-                                            <p:cond delay="0"/>
-                                          </p:stCondLst>
-                                        </p:cTn>
-                                        <p:tgtEl>
-                                          <p:spTgt spid="37"/>
-                                        </p:tgtEl>
-                                        <p:attrNameLst>
-                                          <p:attrName>style.visibility</p:attrName>
-                                        </p:attrNameLst>
-                                      </p:cBhvr>
-                                      <p:to>
-                                        <p:strVal val="visible"/>
-                                      </p:to>
-                                    </p:set>
-                                    <p:anim calcmode="lin" valueType="num">
-                                      <p:cBhvr>
-                                        <p:cTn id="12" dur="250" fill="hold"/>
-                                        <p:tgtEl>
-                                          <p:spTgt spid="37"/>
-                                        </p:tgtEl>
-                                        <p:attrNameLst>
-                                          <p:attrName>ppt_x</p:attrName>
-                                        </p:attrNameLst>
-                                      </p:cBhvr>
-                                      <p:tavLst>
-                                        <p:tav tm="0">
-                                          <p:val>
-                                            <p:strVal val="#ppt_x"/>
-                                          </p:val>
-                                        </p:tav>
-                                        <p:tav tm="100000">
-                                          <p:val>
-                                            <p:strVal val="#ppt_x"/>
-                                          </p:val>
-                                        </p:tav>
-                                      </p:tavLst>
-                                    </p:anim>
-                                    <p:anim calcmode="lin" valueType="num">
-                                      <p:cBhvr>
-                                        <p:cTn id="13" dur="250" fill="hold"/>
-                                        <p:tgtEl>
-                                          <p:spTgt spid="37"/>
-                                        </p:tgtEl>
-                                        <p:attrNameLst>
-                                          <p:attrName>ppt_y</p:attrName>
-                                        </p:attrNameLst>
-                                      </p:cBhvr>
-                                      <p:tavLst>
-                                        <p:tav tm="0">
-                                          <p:val>
-                                            <p:strVal val="#ppt_y-#ppt_h/2"/>
-                                          </p:val>
-                                        </p:tav>
-                                        <p:tav tm="100000">
-                                          <p:val>
-                                            <p:strVal val="#ppt_y"/>
-                                          </p:val>
-                                        </p:tav>
-                                      </p:tavLst>
-                                    </p:anim>
-                                    <p:anim calcmode="lin" valueType="num">
-                                      <p:cBhvr>
-                                        <p:cTn id="14" dur="250" fill="hold"/>
-                                        <p:tgtEl>
-                                          <p:spTgt spid="37"/>
-                                        </p:tgtEl>
-                                        <p:attrNameLst>
-                                          <p:attrName>ppt_w</p:attrName>
-                                        </p:attrNameLst>
-                                      </p:cBhvr>
-                                      <p:tavLst>
-                                        <p:tav tm="0">
-                                          <p:val>
-                                            <p:strVal val="#ppt_w"/>
-                                          </p:val>
-                                        </p:tav>
-                                        <p:tav tm="100000">
-                                          <p:val>
-                                            <p:strVal val="#ppt_w"/>
-                                          </p:val>
-                                        </p:tav>
-                                      </p:tavLst>
-                                    </p:anim>
-                                    <p:anim calcmode="lin" valueType="num">
-                                      <p:cBhvr>
-                                        <p:cTn id="15" dur="250" fill="hold"/>
-                                        <p:tgtEl>
-                                          <p:spTgt spid="37"/>
-                                        </p:tgtEl>
-                                        <p:attrNameLst>
-                                          <p:attrName>ppt_h</p:attrName>
-                                        </p:attrNameLst>
-                                      </p:cBhvr>
-                                      <p:tavLst>
-                                        <p:tav tm="0">
-                                          <p:val>
-                                            <p:fltVal val="0"/>
-                                          </p:val>
-                                        </p:tav>
-                                        <p:tav tm="100000">
-                                          <p:val>
-                                            <p:strVal val="#ppt_h"/>
-                                          </p:val>
-                                        </p:tav>
-                                      </p:tavLst>
-                                    </p:anim>
-                                  </p:childTnLst>
-                                </p:cTn>
-                              </p:par>
-                            </p:childTnLst>
-                          </p:cTn>
-                        </p:par>
-                      </p:childTnLst>
-                    </p:cTn>
-                  </p:par>
-                </p:childTnLst>
-              </p:cTn>
-              <p:prevCondLst>
-                <p:cond evt="onPrev" delay="0">
-                  <p:tgtEl>
-                    <p:sldTgt/>
-                  </p:tgtEl>
-                </p:cond>
-              </p:prevCondLst>
-              <p:nextCondLst>
-                <p:cond evt="onNext" delay="0">
-                  <p:tgtEl>
-                    <p:sldTgt/>
-                  </p:tgtEl>
-                </p:cond>
-              </p:nextCondLst>
-            </p:seq>
-          </p:childTnLst>
-        </p:cTn>
+        <p:cTn id="1" dur="indefinite" restart="never" nodeType="tmRoot"/>
       </p:par>
     </p:tnLst>
-    <p:bldLst>
-      <p:bldP spid="36" grpId="0" bldLvl="0" animBg="1"/>
-      <p:bldP spid="37" grpId="0"/>
-    </p:bldLst>
   </p:timing>
 </p:sld>
 </file>
@@ -10222,6 +9904,14 @@
                 </a:rPr>
                 <a:t>为什么会有界面原型</a:t>
               </a:r>
+              <a:endParaRPr lang="zh-CN" sz="2000" b="1" kern="100" dirty="0">
+                <a:solidFill>
+                  <a:schemeClr val="bg1"/>
+                </a:solidFill>
+                <a:latin typeface="微软雅黑" panose="020B0503020204020204" pitchFamily="34" charset="-122"/>
+                <a:ea typeface="微软雅黑" panose="020B0503020204020204" pitchFamily="34" charset="-122"/>
+                <a:cs typeface="Times New Roman" panose="02020603050405020304" pitchFamily="18" charset="0"/>
+              </a:endParaRPr>
             </a:p>
           </p:txBody>
         </p:sp>
@@ -11542,13 +11232,13 @@
   <p:clrMapOvr>
     <a:masterClrMapping/>
   </p:clrMapOvr>
-  <mc:AlternateContent xmlns:mc="http://schemas.openxmlformats.org/markup-compatibility/2006" xmlns:p14="http://schemas.microsoft.com/office/powerpoint/2010/main">
-    <mc:Choice Requires="p14">
+  <mc:AlternateContent xmlns:mc="http://schemas.openxmlformats.org/markup-compatibility/2006">
+    <mc:Choice xmlns:p14="http://schemas.microsoft.com/office/powerpoint/2010/main" Requires="p14">
       <p:transition spd="slow" p14:dur="1200" advClick="0" advTm="0">
         <p14:prism/>
       </p:transition>
     </mc:Choice>
-    <mc:Fallback xmlns="">
+    <mc:Fallback>
       <p:transition spd="slow" advClick="0" advTm="0">
         <p:fade/>
       </p:transition>
@@ -13121,6 +12811,1610 @@
       </p:grpSpPr>
       <p:sp>
         <p:nvSpPr>
+          <p:cNvPr id="2" name="矩形 1"/>
+          <p:cNvSpPr/>
+          <p:nvPr/>
+        </p:nvSpPr>
+        <p:spPr>
+          <a:xfrm>
+            <a:off x="237030" y="1171"/>
+            <a:ext cx="1608415" cy="135446"/>
+          </a:xfrm>
+          <a:prstGeom prst="rect">
+            <a:avLst/>
+          </a:prstGeom>
+          <a:solidFill>
+            <a:srgbClr val="183A5D"/>
+          </a:solidFill>
+          <a:ln>
+            <a:noFill/>
+          </a:ln>
+        </p:spPr>
+        <p:style>
+          <a:lnRef idx="2">
+            <a:schemeClr val="accent1">
+              <a:shade val="50000"/>
+            </a:schemeClr>
+          </a:lnRef>
+          <a:fillRef idx="1">
+            <a:schemeClr val="accent1"/>
+          </a:fillRef>
+          <a:effectRef idx="0">
+            <a:schemeClr val="accent1"/>
+          </a:effectRef>
+          <a:fontRef idx="minor">
+            <a:schemeClr val="lt1"/>
+          </a:fontRef>
+        </p:style>
+        <p:txBody>
+          <a:bodyPr rtlCol="0" anchor="ctr"/>
+          <a:lstStyle/>
+          <a:p>
+            <a:pPr algn="ctr"/>
+            <a:endParaRPr lang="zh-CN" altLang="en-US" sz="2800">
+              <a:solidFill>
+                <a:prstClr val="white"/>
+              </a:solidFill>
+            </a:endParaRPr>
+          </a:p>
+        </p:txBody>
+      </p:sp>
+      <p:sp>
+        <p:nvSpPr>
+          <p:cNvPr id="3" name="矩形 2"/>
+          <p:cNvSpPr/>
+          <p:nvPr/>
+        </p:nvSpPr>
+        <p:spPr>
+          <a:xfrm>
+            <a:off x="237030" y="255131"/>
+            <a:ext cx="1608415" cy="406336"/>
+          </a:xfrm>
+          <a:prstGeom prst="rect">
+            <a:avLst/>
+          </a:prstGeom>
+          <a:solidFill>
+            <a:srgbClr val="183A5D"/>
+          </a:solidFill>
+          <a:ln>
+            <a:noFill/>
+          </a:ln>
+        </p:spPr>
+        <p:style>
+          <a:lnRef idx="2">
+            <a:schemeClr val="accent1">
+              <a:shade val="50000"/>
+            </a:schemeClr>
+          </a:lnRef>
+          <a:fillRef idx="1">
+            <a:schemeClr val="accent1"/>
+          </a:fillRef>
+          <a:effectRef idx="0">
+            <a:schemeClr val="accent1"/>
+          </a:effectRef>
+          <a:fontRef idx="minor">
+            <a:schemeClr val="lt1"/>
+          </a:fontRef>
+        </p:style>
+        <p:txBody>
+          <a:bodyPr rtlCol="0" anchor="ctr"/>
+          <a:lstStyle/>
+          <a:p>
+            <a:pPr algn="ctr"/>
+            <a:r>
+              <a:rPr lang="en-US" sz="2400" dirty="0">
+                <a:solidFill>
+                  <a:prstClr val="white"/>
+                </a:solidFill>
+              </a:rPr>
+              <a:t>6</a:t>
+            </a:r>
+            <a:endParaRPr lang="en-US" sz="2400" dirty="0">
+              <a:solidFill>
+                <a:prstClr val="white"/>
+              </a:solidFill>
+            </a:endParaRPr>
+          </a:p>
+        </p:txBody>
+      </p:sp>
+      <p:sp>
+        <p:nvSpPr>
+          <p:cNvPr id="4" name="文本框 3"/>
+          <p:cNvSpPr txBox="1"/>
+          <p:nvPr/>
+        </p:nvSpPr>
+        <p:spPr>
+          <a:xfrm>
+            <a:off x="2236548" y="136356"/>
+            <a:ext cx="6052718" cy="501650"/>
+          </a:xfrm>
+          <a:prstGeom prst="rect">
+            <a:avLst/>
+          </a:prstGeom>
+          <a:noFill/>
+        </p:spPr>
+        <p:txBody>
+          <a:bodyPr wrap="square" rtlCol="0">
+            <a:spAutoFit/>
+          </a:bodyPr>
+          <a:lstStyle/>
+          <a:p>
+            <a:endParaRPr lang="zh-CN" altLang="en-US" sz="2665" dirty="0">
+              <a:solidFill>
+                <a:srgbClr val="183A5D"/>
+              </a:solidFill>
+              <a:latin typeface="微软雅黑" panose="020B0503020204020204" pitchFamily="34" charset="-122"/>
+              <a:ea typeface="微软雅黑" panose="020B0503020204020204" pitchFamily="34" charset="-122"/>
+            </a:endParaRPr>
+          </a:p>
+        </p:txBody>
+      </p:sp>
+      <p:sp>
+        <p:nvSpPr>
+          <p:cNvPr id="6" name="文本框 5"/>
+          <p:cNvSpPr txBox="1"/>
+          <p:nvPr/>
+        </p:nvSpPr>
+        <p:spPr>
+          <a:xfrm>
+            <a:off x="2226388" y="159851"/>
+            <a:ext cx="6052718" cy="501650"/>
+          </a:xfrm>
+          <a:prstGeom prst="rect">
+            <a:avLst/>
+          </a:prstGeom>
+          <a:noFill/>
+        </p:spPr>
+        <p:txBody>
+          <a:bodyPr wrap="square" rtlCol="0">
+            <a:spAutoFit/>
+          </a:bodyPr>
+          <a:lstStyle/>
+          <a:p>
+            <a:r>
+              <a:rPr lang="zh-CN" altLang="en-US" sz="2665" dirty="0">
+                <a:solidFill>
+                  <a:srgbClr val="183A5D"/>
+                </a:solidFill>
+                <a:latin typeface="微软雅黑" panose="020B0503020204020204" pitchFamily="34" charset="-122"/>
+                <a:ea typeface="微软雅黑" panose="020B0503020204020204" pitchFamily="34" charset="-122"/>
+              </a:rPr>
+              <a:t>界面</a:t>
+            </a:r>
+            <a:r>
+              <a:rPr lang="zh-CN" altLang="en-US" sz="2665" dirty="0" smtClean="0">
+                <a:solidFill>
+                  <a:srgbClr val="183A5D"/>
+                </a:solidFill>
+                <a:latin typeface="微软雅黑" panose="020B0503020204020204" pitchFamily="34" charset="-122"/>
+                <a:ea typeface="微软雅黑" panose="020B0503020204020204" pitchFamily="34" charset="-122"/>
+              </a:rPr>
+              <a:t>原型的风险</a:t>
+            </a:r>
+            <a:endParaRPr lang="zh-CN" altLang="en-US" sz="2665" dirty="0">
+              <a:solidFill>
+                <a:srgbClr val="183A5D"/>
+              </a:solidFill>
+              <a:latin typeface="微软雅黑" panose="020B0503020204020204" pitchFamily="34" charset="-122"/>
+              <a:ea typeface="微软雅黑" panose="020B0503020204020204" pitchFamily="34" charset="-122"/>
+            </a:endParaRPr>
+          </a:p>
+        </p:txBody>
+      </p:sp>
+      <p:grpSp>
+        <p:nvGrpSpPr>
+          <p:cNvPr id="7" name="组合 6"/>
+          <p:cNvGrpSpPr/>
+          <p:nvPr/>
+        </p:nvGrpSpPr>
+        <p:grpSpPr>
+          <a:xfrm>
+            <a:off x="236855" y="1269365"/>
+            <a:ext cx="11276966" cy="4896485"/>
+            <a:chOff x="237030" y="1269554"/>
+            <a:chExt cx="7776864" cy="4896544"/>
+          </a:xfrm>
+        </p:grpSpPr>
+        <p:sp>
+          <p:nvSpPr>
+            <p:cNvPr id="5" name="矩形 4"/>
+            <p:cNvSpPr/>
+            <p:nvPr/>
+          </p:nvSpPr>
+          <p:spPr>
+            <a:xfrm>
+              <a:off x="339939" y="2005942"/>
+              <a:ext cx="7673955" cy="491744"/>
+            </a:xfrm>
+            <a:prstGeom prst="rect">
+              <a:avLst/>
+            </a:prstGeom>
+          </p:spPr>
+          <p:txBody>
+            <a:bodyPr wrap="square">
+              <a:spAutoFit/>
+            </a:bodyPr>
+            <a:lstStyle/>
+            <a:p>
+              <a:pPr>
+                <a:lnSpc>
+                  <a:spcPct val="150000"/>
+                </a:lnSpc>
+              </a:pPr>
+              <a:endParaRPr lang="zh-CN" altLang="en-US" sz="2000" dirty="0">
+                <a:solidFill>
+                  <a:srgbClr val="000000"/>
+                </a:solidFill>
+                <a:latin typeface="Verdana" panose="020B0604030504040204" pitchFamily="34" charset="0"/>
+              </a:endParaRPr>
+            </a:p>
+          </p:txBody>
+        </p:sp>
+        <p:grpSp>
+          <p:nvGrpSpPr>
+            <p:cNvPr id="10" name="组合 9"/>
+            <p:cNvGrpSpPr/>
+            <p:nvPr/>
+          </p:nvGrpSpPr>
+          <p:grpSpPr>
+            <a:xfrm>
+              <a:off x="237030" y="1269554"/>
+              <a:ext cx="7776864" cy="4896544"/>
+              <a:chOff x="1285643" y="1772435"/>
+              <a:chExt cx="7135479" cy="3572664"/>
+            </a:xfrm>
+          </p:grpSpPr>
+          <p:sp>
+            <p:nvSpPr>
+              <p:cNvPr id="11" name="矩形 10"/>
+              <p:cNvSpPr/>
+              <p:nvPr/>
+            </p:nvSpPr>
+            <p:spPr>
+              <a:xfrm>
+                <a:off x="1285644" y="2104682"/>
+                <a:ext cx="7135478" cy="3240417"/>
+              </a:xfrm>
+              <a:prstGeom prst="rect">
+                <a:avLst/>
+              </a:prstGeom>
+              <a:noFill/>
+              <a:ln w="12700">
+                <a:solidFill>
+                  <a:srgbClr val="346182"/>
+                </a:solidFill>
+              </a:ln>
+            </p:spPr>
+            <p:style>
+              <a:lnRef idx="2">
+                <a:schemeClr val="accent1">
+                  <a:shade val="50000"/>
+                </a:schemeClr>
+              </a:lnRef>
+              <a:fillRef idx="1">
+                <a:schemeClr val="accent1"/>
+              </a:fillRef>
+              <a:effectRef idx="0">
+                <a:schemeClr val="accent1"/>
+              </a:effectRef>
+              <a:fontRef idx="minor">
+                <a:schemeClr val="lt1"/>
+              </a:fontRef>
+            </p:style>
+            <p:txBody>
+              <a:bodyPr rtlCol="0" anchor="ctr"/>
+              <a:lstStyle/>
+              <a:p>
+                <a:pPr algn="ctr"/>
+                <a:endParaRPr lang="zh-CN" altLang="en-US" sz="1350">
+                  <a:solidFill>
+                    <a:prstClr val="white"/>
+                  </a:solidFill>
+                </a:endParaRPr>
+              </a:p>
+            </p:txBody>
+          </p:sp>
+          <p:sp>
+            <p:nvSpPr>
+              <p:cNvPr id="12" name="矩形 11"/>
+              <p:cNvSpPr/>
+              <p:nvPr/>
+            </p:nvSpPr>
+            <p:spPr>
+              <a:xfrm>
+                <a:off x="1285643" y="1772435"/>
+                <a:ext cx="2114216" cy="338554"/>
+              </a:xfrm>
+              <a:prstGeom prst="rect">
+                <a:avLst/>
+              </a:prstGeom>
+              <a:solidFill>
+                <a:srgbClr val="183A5D"/>
+              </a:solidFill>
+              <a:ln>
+                <a:noFill/>
+              </a:ln>
+            </p:spPr>
+            <p:style>
+              <a:lnRef idx="2">
+                <a:schemeClr val="accent1">
+                  <a:shade val="50000"/>
+                </a:schemeClr>
+              </a:lnRef>
+              <a:fillRef idx="1">
+                <a:schemeClr val="accent1"/>
+              </a:fillRef>
+              <a:effectRef idx="0">
+                <a:schemeClr val="accent1"/>
+              </a:effectRef>
+              <a:fontRef idx="minor">
+                <a:schemeClr val="lt1"/>
+              </a:fontRef>
+            </p:style>
+            <p:txBody>
+              <a:bodyPr rtlCol="0" anchor="ctr"/>
+              <a:lstStyle/>
+              <a:p>
+                <a:pPr algn="ctr"/>
+                <a:r>
+                  <a:rPr lang="zh-CN" altLang="en-US" sz="2800" dirty="0" smtClean="0">
+                    <a:solidFill>
+                      <a:prstClr val="white"/>
+                    </a:solidFill>
+                  </a:rPr>
+                  <a:t>对原型投入过多</a:t>
+                </a:r>
+                <a:endParaRPr lang="zh-CN" altLang="en-US" sz="2800" dirty="0">
+                  <a:solidFill>
+                    <a:prstClr val="white"/>
+                  </a:solidFill>
+                </a:endParaRPr>
+              </a:p>
+            </p:txBody>
+          </p:sp>
+        </p:grpSp>
+      </p:grpSp>
+      <p:sp>
+        <p:nvSpPr>
+          <p:cNvPr id="8" name="矩形 7"/>
+          <p:cNvSpPr/>
+          <p:nvPr/>
+        </p:nvSpPr>
+        <p:spPr>
+          <a:xfrm>
+            <a:off x="356480" y="2010546"/>
+            <a:ext cx="11037718" cy="3000821"/>
+          </a:xfrm>
+          <a:prstGeom prst="rect">
+            <a:avLst/>
+          </a:prstGeom>
+        </p:spPr>
+        <p:txBody>
+          <a:bodyPr wrap="square">
+            <a:spAutoFit/>
+          </a:bodyPr>
+          <a:lstStyle/>
+          <a:p>
+            <a:pPr indent="457200">
+              <a:lnSpc>
+                <a:spcPct val="150000"/>
+              </a:lnSpc>
+            </a:pPr>
+            <a:r>
+              <a:rPr lang="zh-CN" altLang="en-US" dirty="0"/>
+              <a:t>最后，</a:t>
+            </a:r>
+            <a:r>
+              <a:rPr lang="zh-CN" altLang="en-US" dirty="0">
+                <a:solidFill>
+                  <a:schemeClr val="accent1">
+                    <a:lumMod val="75000"/>
+                  </a:schemeClr>
+                </a:solidFill>
+              </a:rPr>
+              <a:t>不要在原型工作</a:t>
+            </a:r>
+            <a:r>
+              <a:rPr lang="zh-CN" altLang="en-US" dirty="0" smtClean="0">
+                <a:solidFill>
+                  <a:schemeClr val="accent1">
+                    <a:lumMod val="75000"/>
+                  </a:schemeClr>
+                </a:solidFill>
+              </a:rPr>
+              <a:t>上投入</a:t>
+            </a:r>
+            <a:r>
+              <a:rPr lang="zh-CN" altLang="en-US" dirty="0">
+                <a:solidFill>
+                  <a:schemeClr val="accent1">
+                    <a:lumMod val="75000"/>
+                  </a:schemeClr>
+                </a:solidFill>
+              </a:rPr>
+              <a:t>太多精力</a:t>
+            </a:r>
+            <a:r>
+              <a:rPr lang="zh-CN" altLang="en-US" dirty="0"/>
+              <a:t>，最终导致开发团队没有时间而不得不将原型作为产品或者匆忙进入混乱的产品实现。对整个解决方案进行建模而不是只对最不确定的、高风险的或者复杂的部分进行建模就属于这种情况。用模型来进行试验。进行的是假设测试，看需求是否已经充分定义，关键的人机交互以及架构问题是否已经解决。如果原型能够测试假设，能够回答间题并且能够提炼需求，就足够了。</a:t>
+            </a:r>
+            <a:endParaRPr lang="zh-CN" altLang="en-US" dirty="0"/>
+          </a:p>
+          <a:p>
+            <a:pPr indent="457200">
+              <a:lnSpc>
+                <a:spcPct val="150000"/>
+              </a:lnSpc>
+            </a:pPr>
+            <a:endParaRPr lang="zh-CN" altLang="en-US" dirty="0"/>
+          </a:p>
+        </p:txBody>
+      </p:sp>
+    </p:spTree>
+  </p:cSld>
+  <p:clrMapOvr>
+    <a:masterClrMapping/>
+  </p:clrMapOvr>
+  <p:transition spd="slow" advClick="0" advTm="0">
+    <p:wipe/>
+  </p:transition>
+  <p:timing>
+    <p:tnLst>
+      <p:par>
+        <p:cTn id="1" dur="indefinite" restart="never" nodeType="tmRoot"/>
+      </p:par>
+    </p:tnLst>
+  </p:timing>
+</p:sld>
+</file>
+
+<file path=ppt/slides/slide21.xml><?xml version="1.0" encoding="utf-8"?>
+<p:sld xmlns:a="http://schemas.openxmlformats.org/drawingml/2006/main" xmlns:r="http://schemas.openxmlformats.org/officeDocument/2006/relationships" xmlns:p="http://schemas.openxmlformats.org/presentationml/2006/main">
+  <p:cSld>
+    <p:spTree>
+      <p:nvGrpSpPr>
+        <p:cNvPr id="1" name=""/>
+        <p:cNvGrpSpPr/>
+        <p:nvPr/>
+      </p:nvGrpSpPr>
+      <p:grpSpPr>
+        <a:xfrm>
+          <a:off x="0" y="0"/>
+          <a:ext cx="0" cy="0"/>
+          <a:chOff x="0" y="0"/>
+          <a:chExt cx="0" cy="0"/>
+        </a:xfrm>
+      </p:grpSpPr>
+      <p:sp>
+        <p:nvSpPr>
+          <p:cNvPr id="2" name="矩形 1"/>
+          <p:cNvSpPr/>
+          <p:nvPr/>
+        </p:nvSpPr>
+        <p:spPr>
+          <a:xfrm>
+            <a:off x="237030" y="1171"/>
+            <a:ext cx="1608415" cy="135446"/>
+          </a:xfrm>
+          <a:prstGeom prst="rect">
+            <a:avLst/>
+          </a:prstGeom>
+          <a:solidFill>
+            <a:srgbClr val="183A5D"/>
+          </a:solidFill>
+          <a:ln>
+            <a:noFill/>
+          </a:ln>
+        </p:spPr>
+        <p:style>
+          <a:lnRef idx="2">
+            <a:schemeClr val="accent1">
+              <a:shade val="50000"/>
+            </a:schemeClr>
+          </a:lnRef>
+          <a:fillRef idx="1">
+            <a:schemeClr val="accent1"/>
+          </a:fillRef>
+          <a:effectRef idx="0">
+            <a:schemeClr val="accent1"/>
+          </a:effectRef>
+          <a:fontRef idx="minor">
+            <a:schemeClr val="lt1"/>
+          </a:fontRef>
+        </p:style>
+        <p:txBody>
+          <a:bodyPr rtlCol="0" anchor="ctr"/>
+          <a:lstStyle/>
+          <a:p>
+            <a:pPr algn="ctr"/>
+            <a:endParaRPr lang="zh-CN" altLang="en-US" sz="2800">
+              <a:solidFill>
+                <a:prstClr val="white"/>
+              </a:solidFill>
+            </a:endParaRPr>
+          </a:p>
+        </p:txBody>
+      </p:sp>
+      <p:sp>
+        <p:nvSpPr>
+          <p:cNvPr id="3" name="矩形 2"/>
+          <p:cNvSpPr/>
+          <p:nvPr/>
+        </p:nvSpPr>
+        <p:spPr>
+          <a:xfrm>
+            <a:off x="237030" y="255131"/>
+            <a:ext cx="1608415" cy="406336"/>
+          </a:xfrm>
+          <a:prstGeom prst="rect">
+            <a:avLst/>
+          </a:prstGeom>
+          <a:solidFill>
+            <a:srgbClr val="183A5D"/>
+          </a:solidFill>
+          <a:ln>
+            <a:noFill/>
+          </a:ln>
+        </p:spPr>
+        <p:style>
+          <a:lnRef idx="2">
+            <a:schemeClr val="accent1">
+              <a:shade val="50000"/>
+            </a:schemeClr>
+          </a:lnRef>
+          <a:fillRef idx="1">
+            <a:schemeClr val="accent1"/>
+          </a:fillRef>
+          <a:effectRef idx="0">
+            <a:schemeClr val="accent1"/>
+          </a:effectRef>
+          <a:fontRef idx="minor">
+            <a:schemeClr val="lt1"/>
+          </a:fontRef>
+        </p:style>
+        <p:txBody>
+          <a:bodyPr rtlCol="0" anchor="ctr"/>
+          <a:lstStyle/>
+          <a:p>
+            <a:pPr algn="ctr"/>
+            <a:r>
+              <a:rPr lang="en-US" sz="2400" dirty="0" smtClean="0">
+                <a:solidFill>
+                  <a:prstClr val="white"/>
+                </a:solidFill>
+              </a:rPr>
+              <a:t>7</a:t>
+            </a:r>
+            <a:endParaRPr lang="en-US" sz="2400" dirty="0">
+              <a:solidFill>
+                <a:prstClr val="white"/>
+              </a:solidFill>
+            </a:endParaRPr>
+          </a:p>
+        </p:txBody>
+      </p:sp>
+      <p:sp>
+        <p:nvSpPr>
+          <p:cNvPr id="4" name="文本框 3"/>
+          <p:cNvSpPr txBox="1"/>
+          <p:nvPr/>
+        </p:nvSpPr>
+        <p:spPr>
+          <a:xfrm>
+            <a:off x="2236548" y="136356"/>
+            <a:ext cx="6052718" cy="501650"/>
+          </a:xfrm>
+          <a:prstGeom prst="rect">
+            <a:avLst/>
+          </a:prstGeom>
+          <a:noFill/>
+        </p:spPr>
+        <p:txBody>
+          <a:bodyPr wrap="square" rtlCol="0">
+            <a:spAutoFit/>
+          </a:bodyPr>
+          <a:lstStyle/>
+          <a:p>
+            <a:endParaRPr lang="zh-CN" altLang="en-US" sz="2665" dirty="0">
+              <a:solidFill>
+                <a:srgbClr val="183A5D"/>
+              </a:solidFill>
+              <a:latin typeface="微软雅黑" panose="020B0503020204020204" pitchFamily="34" charset="-122"/>
+              <a:ea typeface="微软雅黑" panose="020B0503020204020204" pitchFamily="34" charset="-122"/>
+            </a:endParaRPr>
+          </a:p>
+        </p:txBody>
+      </p:sp>
+      <p:sp>
+        <p:nvSpPr>
+          <p:cNvPr id="6" name="文本框 5"/>
+          <p:cNvSpPr txBox="1"/>
+          <p:nvPr/>
+        </p:nvSpPr>
+        <p:spPr>
+          <a:xfrm>
+            <a:off x="2226388" y="159851"/>
+            <a:ext cx="6052718" cy="501650"/>
+          </a:xfrm>
+          <a:prstGeom prst="rect">
+            <a:avLst/>
+          </a:prstGeom>
+          <a:noFill/>
+        </p:spPr>
+        <p:txBody>
+          <a:bodyPr wrap="square" rtlCol="0">
+            <a:spAutoFit/>
+          </a:bodyPr>
+          <a:lstStyle/>
+          <a:p>
+            <a:r>
+              <a:rPr lang="zh-CN" altLang="en-US" sz="2665" dirty="0">
+                <a:solidFill>
+                  <a:srgbClr val="183A5D"/>
+                </a:solidFill>
+                <a:latin typeface="微软雅黑" panose="020B0503020204020204" pitchFamily="34" charset="-122"/>
+                <a:ea typeface="微软雅黑" panose="020B0503020204020204" pitchFamily="34" charset="-122"/>
+              </a:rPr>
+              <a:t>界面</a:t>
+            </a:r>
+            <a:r>
+              <a:rPr lang="zh-CN" altLang="en-US" sz="2665" dirty="0" smtClean="0">
+                <a:solidFill>
+                  <a:srgbClr val="183A5D"/>
+                </a:solidFill>
+                <a:latin typeface="微软雅黑" panose="020B0503020204020204" pitchFamily="34" charset="-122"/>
+                <a:ea typeface="微软雅黑" panose="020B0503020204020204" pitchFamily="34" charset="-122"/>
+              </a:rPr>
+              <a:t>原型的成功因素</a:t>
+            </a:r>
+            <a:endParaRPr lang="zh-CN" altLang="en-US" sz="2665" dirty="0">
+              <a:solidFill>
+                <a:srgbClr val="183A5D"/>
+              </a:solidFill>
+              <a:latin typeface="微软雅黑" panose="020B0503020204020204" pitchFamily="34" charset="-122"/>
+              <a:ea typeface="微软雅黑" panose="020B0503020204020204" pitchFamily="34" charset="-122"/>
+            </a:endParaRPr>
+          </a:p>
+        </p:txBody>
+      </p:sp>
+      <p:grpSp>
+        <p:nvGrpSpPr>
+          <p:cNvPr id="7" name="组合 6"/>
+          <p:cNvGrpSpPr/>
+          <p:nvPr/>
+        </p:nvGrpSpPr>
+        <p:grpSpPr>
+          <a:xfrm>
+            <a:off x="236855" y="1269365"/>
+            <a:ext cx="11276966" cy="4896485"/>
+            <a:chOff x="237030" y="1269554"/>
+            <a:chExt cx="7776864" cy="4896544"/>
+          </a:xfrm>
+        </p:grpSpPr>
+        <p:sp>
+          <p:nvSpPr>
+            <p:cNvPr id="5" name="矩形 4"/>
+            <p:cNvSpPr/>
+            <p:nvPr/>
+          </p:nvSpPr>
+          <p:spPr>
+            <a:xfrm>
+              <a:off x="339939" y="2005942"/>
+              <a:ext cx="7673955" cy="491744"/>
+            </a:xfrm>
+            <a:prstGeom prst="rect">
+              <a:avLst/>
+            </a:prstGeom>
+          </p:spPr>
+          <p:txBody>
+            <a:bodyPr wrap="square">
+              <a:spAutoFit/>
+            </a:bodyPr>
+            <a:lstStyle/>
+            <a:p>
+              <a:pPr>
+                <a:lnSpc>
+                  <a:spcPct val="150000"/>
+                </a:lnSpc>
+              </a:pPr>
+              <a:endParaRPr lang="zh-CN" altLang="en-US" sz="2000" dirty="0">
+                <a:solidFill>
+                  <a:srgbClr val="000000"/>
+                </a:solidFill>
+                <a:latin typeface="Verdana" panose="020B0604030504040204" pitchFamily="34" charset="0"/>
+              </a:endParaRPr>
+            </a:p>
+          </p:txBody>
+        </p:sp>
+        <p:grpSp>
+          <p:nvGrpSpPr>
+            <p:cNvPr id="10" name="组合 9"/>
+            <p:cNvGrpSpPr/>
+            <p:nvPr/>
+          </p:nvGrpSpPr>
+          <p:grpSpPr>
+            <a:xfrm>
+              <a:off x="237030" y="1269554"/>
+              <a:ext cx="7776864" cy="4896544"/>
+              <a:chOff x="1285643" y="1772435"/>
+              <a:chExt cx="7135479" cy="3572664"/>
+            </a:xfrm>
+          </p:grpSpPr>
+          <p:sp>
+            <p:nvSpPr>
+              <p:cNvPr id="11" name="矩形 10"/>
+              <p:cNvSpPr/>
+              <p:nvPr/>
+            </p:nvSpPr>
+            <p:spPr>
+              <a:xfrm>
+                <a:off x="1285644" y="2104682"/>
+                <a:ext cx="7135478" cy="3240417"/>
+              </a:xfrm>
+              <a:prstGeom prst="rect">
+                <a:avLst/>
+              </a:prstGeom>
+              <a:noFill/>
+              <a:ln w="12700">
+                <a:solidFill>
+                  <a:srgbClr val="346182"/>
+                </a:solidFill>
+              </a:ln>
+            </p:spPr>
+            <p:style>
+              <a:lnRef idx="2">
+                <a:schemeClr val="accent1">
+                  <a:shade val="50000"/>
+                </a:schemeClr>
+              </a:lnRef>
+              <a:fillRef idx="1">
+                <a:schemeClr val="accent1"/>
+              </a:fillRef>
+              <a:effectRef idx="0">
+                <a:schemeClr val="accent1"/>
+              </a:effectRef>
+              <a:fontRef idx="minor">
+                <a:schemeClr val="lt1"/>
+              </a:fontRef>
+            </p:style>
+            <p:txBody>
+              <a:bodyPr rtlCol="0" anchor="ctr"/>
+              <a:lstStyle/>
+              <a:p>
+                <a:pPr algn="ctr"/>
+                <a:endParaRPr lang="zh-CN" altLang="en-US" sz="1350">
+                  <a:solidFill>
+                    <a:prstClr val="white"/>
+                  </a:solidFill>
+                </a:endParaRPr>
+              </a:p>
+            </p:txBody>
+          </p:sp>
+          <p:sp>
+            <p:nvSpPr>
+              <p:cNvPr id="12" name="矩形 11"/>
+              <p:cNvSpPr/>
+              <p:nvPr/>
+            </p:nvSpPr>
+            <p:spPr>
+              <a:xfrm>
+                <a:off x="1285643" y="1772435"/>
+                <a:ext cx="2114216" cy="338554"/>
+              </a:xfrm>
+              <a:prstGeom prst="rect">
+                <a:avLst/>
+              </a:prstGeom>
+              <a:solidFill>
+                <a:srgbClr val="183A5D"/>
+              </a:solidFill>
+              <a:ln>
+                <a:noFill/>
+              </a:ln>
+            </p:spPr>
+            <p:style>
+              <a:lnRef idx="2">
+                <a:schemeClr val="accent1">
+                  <a:shade val="50000"/>
+                </a:schemeClr>
+              </a:lnRef>
+              <a:fillRef idx="1">
+                <a:schemeClr val="accent1"/>
+              </a:fillRef>
+              <a:effectRef idx="0">
+                <a:schemeClr val="accent1"/>
+              </a:effectRef>
+              <a:fontRef idx="minor">
+                <a:schemeClr val="lt1"/>
+              </a:fontRef>
+            </p:style>
+            <p:txBody>
+              <a:bodyPr rtlCol="0" anchor="ctr"/>
+              <a:lstStyle/>
+              <a:p>
+                <a:pPr algn="ctr"/>
+                <a:endParaRPr lang="zh-CN" altLang="en-US" sz="2800" dirty="0">
+                  <a:solidFill>
+                    <a:prstClr val="white"/>
+                  </a:solidFill>
+                </a:endParaRPr>
+              </a:p>
+            </p:txBody>
+          </p:sp>
+        </p:grpSp>
+      </p:grpSp>
+      <p:sp>
+        <p:nvSpPr>
+          <p:cNvPr id="8" name="矩形 7"/>
+          <p:cNvSpPr/>
+          <p:nvPr/>
+        </p:nvSpPr>
+        <p:spPr>
+          <a:xfrm>
+            <a:off x="386080" y="1845618"/>
+            <a:ext cx="11037718" cy="4455066"/>
+          </a:xfrm>
+          <a:prstGeom prst="rect">
+            <a:avLst/>
+          </a:prstGeom>
+        </p:spPr>
+        <p:txBody>
+          <a:bodyPr wrap="square">
+            <a:spAutoFit/>
+          </a:bodyPr>
+          <a:lstStyle/>
+          <a:p>
+            <a:pPr indent="457200">
+              <a:lnSpc>
+                <a:spcPct val="150000"/>
+              </a:lnSpc>
+            </a:pPr>
+            <a:r>
+              <a:rPr lang="zh-CN" altLang="en-US" dirty="0"/>
+              <a:t>软件原型可以</a:t>
+            </a:r>
+            <a:r>
+              <a:rPr lang="zh-CN" altLang="en-US" dirty="0">
+                <a:solidFill>
+                  <a:srgbClr val="FF0000"/>
+                </a:solidFill>
+              </a:rPr>
+              <a:t>加快开发进程</a:t>
+            </a:r>
+            <a:r>
+              <a:rPr lang="zh-CN" altLang="en-US" dirty="0" smtClean="0">
+                <a:solidFill>
+                  <a:srgbClr val="FF0000"/>
+                </a:solidFill>
+              </a:rPr>
+              <a:t>、提高</a:t>
+            </a:r>
+            <a:r>
+              <a:rPr lang="zh-CN" altLang="en-US" dirty="0">
+                <a:solidFill>
+                  <a:srgbClr val="FF0000"/>
+                </a:solidFill>
+              </a:rPr>
+              <a:t>客户满意度以及产出高质量的产品</a:t>
+            </a:r>
+            <a:r>
+              <a:rPr lang="zh-CN" altLang="en-US" dirty="0"/>
+              <a:t>。为了在需求过程中高效使用原型，  请遵循以下这些原则</a:t>
+            </a:r>
+            <a:r>
+              <a:rPr lang="zh-CN" altLang="en-US" dirty="0" smtClean="0"/>
+              <a:t>。</a:t>
+            </a:r>
+            <a:endParaRPr lang="en-US" altLang="zh-CN" dirty="0" smtClean="0"/>
+          </a:p>
+          <a:p>
+            <a:pPr marL="342900" indent="-342900">
+              <a:lnSpc>
+                <a:spcPct val="150000"/>
+              </a:lnSpc>
+              <a:buFont typeface="Arial" panose="020B0604020202020204" pitchFamily="34" charset="0"/>
+              <a:buChar char="•"/>
+            </a:pPr>
+            <a:r>
+              <a:rPr lang="zh-CN" altLang="en-US" dirty="0"/>
+              <a:t>在项目计中包含与原型相关的任务。为开发、评估和修改原型安排时间和资源。</a:t>
+            </a:r>
+            <a:endParaRPr lang="zh-CN" altLang="en-US" dirty="0"/>
+          </a:p>
+          <a:p>
+            <a:pPr marL="342900" indent="-342900">
+              <a:lnSpc>
+                <a:spcPct val="150000"/>
+              </a:lnSpc>
+              <a:buFont typeface="Arial" panose="020B0604020202020204" pitchFamily="34" charset="0"/>
+              <a:buChar char="•"/>
+            </a:pPr>
+            <a:r>
+              <a:rPr lang="zh-CN" altLang="en-US" dirty="0"/>
+              <a:t>在创建原型之前，</a:t>
+            </a:r>
+            <a:r>
+              <a:rPr lang="zh-CN" altLang="en-US" dirty="0">
+                <a:solidFill>
+                  <a:srgbClr val="FF0000"/>
+                </a:solidFill>
+              </a:rPr>
+              <a:t>注明原型的目的并解释其最终产出</a:t>
+            </a:r>
+            <a:r>
+              <a:rPr lang="en-US" altLang="zh-CN" dirty="0"/>
+              <a:t>:</a:t>
+            </a:r>
+            <a:r>
+              <a:rPr lang="zh-CN" altLang="en-US" dirty="0"/>
+              <a:t>抛并</a:t>
+            </a:r>
+            <a:r>
+              <a:rPr lang="en-US" altLang="zh-CN" dirty="0"/>
+              <a:t>(</a:t>
+            </a:r>
+            <a:r>
+              <a:rPr lang="zh-CN" altLang="en-US" dirty="0"/>
+              <a:t>还是归档</a:t>
+            </a:r>
+            <a:r>
+              <a:rPr lang="en-US" altLang="zh-CN" dirty="0"/>
+              <a:t>)</a:t>
+            </a:r>
+            <a:r>
+              <a:rPr lang="zh-CN" altLang="en-US" dirty="0"/>
+              <a:t>原型，是保留原型所提供的知识，还是在原型基础上继续构建直至成为最终解决方案。保证创建和评估原型的人都明白这些动机</a:t>
+            </a:r>
+            <a:r>
+              <a:rPr lang="zh-CN" altLang="en-US" dirty="0" smtClean="0"/>
+              <a:t>。</a:t>
+            </a:r>
+            <a:endParaRPr lang="en-US" altLang="zh-CN" dirty="0" smtClean="0"/>
+          </a:p>
+          <a:p>
+            <a:pPr marL="342900" indent="-342900">
+              <a:lnSpc>
+                <a:spcPct val="150000"/>
+              </a:lnSpc>
+              <a:buFont typeface="Arial" panose="020B0604020202020204" pitchFamily="34" charset="0"/>
+              <a:buChar char="•"/>
+            </a:pPr>
+            <a:r>
+              <a:rPr lang="zh-CN" altLang="en-US" dirty="0">
+                <a:solidFill>
+                  <a:srgbClr val="FF0000"/>
+                </a:solidFill>
+              </a:rPr>
+              <a:t>做好开发多个原型的计划</a:t>
+            </a:r>
+            <a:r>
+              <a:rPr lang="zh-CN" altLang="en-US" dirty="0"/>
+              <a:t>。</a:t>
+            </a:r>
+            <a:r>
+              <a:rPr lang="zh-CN" altLang="en-US" dirty="0" smtClean="0"/>
+              <a:t>很难一次</a:t>
+            </a:r>
+            <a:r>
+              <a:rPr lang="zh-CN" altLang="en-US" dirty="0"/>
+              <a:t>就能得 到正确的原型，这也正是原型的目的所在</a:t>
+            </a:r>
+            <a:r>
+              <a:rPr lang="en-US" altLang="zh-CN" dirty="0"/>
+              <a:t>!</a:t>
+            </a:r>
+            <a:endParaRPr lang="en-US" altLang="zh-CN" dirty="0"/>
+          </a:p>
+          <a:p>
+            <a:pPr marL="342900" indent="-342900">
+              <a:lnSpc>
+                <a:spcPct val="150000"/>
+              </a:lnSpc>
+              <a:buFont typeface="Arial" panose="020B0604020202020204" pitchFamily="34" charset="0"/>
+              <a:buChar char="•"/>
+            </a:pPr>
+            <a:r>
+              <a:rPr lang="zh-CN" altLang="en-US" dirty="0"/>
+              <a:t>创建可抛弃型原型，要</a:t>
+            </a:r>
+            <a:r>
+              <a:rPr lang="zh-CN" altLang="en-US" dirty="0">
+                <a:solidFill>
+                  <a:srgbClr val="FF0000"/>
+                </a:solidFill>
+              </a:rPr>
+              <a:t>尽可能快、成本低。以最少精力完成回答问题</a:t>
+            </a:r>
+            <a:r>
+              <a:rPr lang="zh-CN" altLang="en-US" dirty="0"/>
+              <a:t>或者解决需求中不确定的部分。不要试图把可抛弃型原型做</a:t>
+            </a:r>
+            <a:r>
+              <a:rPr lang="zh-CN" altLang="en-US" dirty="0" smtClean="0"/>
+              <a:t>得尽善尽美。</a:t>
+            </a:r>
+            <a:endParaRPr lang="zh-CN" altLang="en-US" dirty="0"/>
+          </a:p>
+        </p:txBody>
+      </p:sp>
+    </p:spTree>
+  </p:cSld>
+  <p:clrMapOvr>
+    <a:masterClrMapping/>
+  </p:clrMapOvr>
+  <p:transition spd="slow" advClick="0" advTm="0">
+    <p:wipe/>
+  </p:transition>
+  <p:timing>
+    <p:tnLst>
+      <p:par>
+        <p:cTn id="1" dur="indefinite" restart="never" nodeType="tmRoot"/>
+      </p:par>
+    </p:tnLst>
+  </p:timing>
+</p:sld>
+</file>
+
+<file path=ppt/slides/slide22.xml><?xml version="1.0" encoding="utf-8"?>
+<p:sld xmlns:a="http://schemas.openxmlformats.org/drawingml/2006/main" xmlns:r="http://schemas.openxmlformats.org/officeDocument/2006/relationships" xmlns:p="http://schemas.openxmlformats.org/presentationml/2006/main">
+  <p:cSld>
+    <p:spTree>
+      <p:nvGrpSpPr>
+        <p:cNvPr id="1" name=""/>
+        <p:cNvGrpSpPr/>
+        <p:nvPr/>
+      </p:nvGrpSpPr>
+      <p:grpSpPr>
+        <a:xfrm>
+          <a:off x="0" y="0"/>
+          <a:ext cx="0" cy="0"/>
+          <a:chOff x="0" y="0"/>
+          <a:chExt cx="0" cy="0"/>
+        </a:xfrm>
+      </p:grpSpPr>
+      <p:sp>
+        <p:nvSpPr>
+          <p:cNvPr id="2" name="矩形 1"/>
+          <p:cNvSpPr/>
+          <p:nvPr/>
+        </p:nvSpPr>
+        <p:spPr>
+          <a:xfrm>
+            <a:off x="237030" y="1171"/>
+            <a:ext cx="1608415" cy="135446"/>
+          </a:xfrm>
+          <a:prstGeom prst="rect">
+            <a:avLst/>
+          </a:prstGeom>
+          <a:solidFill>
+            <a:srgbClr val="183A5D"/>
+          </a:solidFill>
+          <a:ln>
+            <a:noFill/>
+          </a:ln>
+        </p:spPr>
+        <p:style>
+          <a:lnRef idx="2">
+            <a:schemeClr val="accent1">
+              <a:shade val="50000"/>
+            </a:schemeClr>
+          </a:lnRef>
+          <a:fillRef idx="1">
+            <a:schemeClr val="accent1"/>
+          </a:fillRef>
+          <a:effectRef idx="0">
+            <a:schemeClr val="accent1"/>
+          </a:effectRef>
+          <a:fontRef idx="minor">
+            <a:schemeClr val="lt1"/>
+          </a:fontRef>
+        </p:style>
+        <p:txBody>
+          <a:bodyPr rtlCol="0" anchor="ctr"/>
+          <a:lstStyle/>
+          <a:p>
+            <a:pPr algn="ctr"/>
+            <a:endParaRPr lang="zh-CN" altLang="en-US" sz="2800">
+              <a:solidFill>
+                <a:prstClr val="white"/>
+              </a:solidFill>
+            </a:endParaRPr>
+          </a:p>
+        </p:txBody>
+      </p:sp>
+      <p:sp>
+        <p:nvSpPr>
+          <p:cNvPr id="3" name="矩形 2"/>
+          <p:cNvSpPr/>
+          <p:nvPr/>
+        </p:nvSpPr>
+        <p:spPr>
+          <a:xfrm>
+            <a:off x="237030" y="255131"/>
+            <a:ext cx="1608415" cy="406336"/>
+          </a:xfrm>
+          <a:prstGeom prst="rect">
+            <a:avLst/>
+          </a:prstGeom>
+          <a:solidFill>
+            <a:srgbClr val="183A5D"/>
+          </a:solidFill>
+          <a:ln>
+            <a:noFill/>
+          </a:ln>
+        </p:spPr>
+        <p:style>
+          <a:lnRef idx="2">
+            <a:schemeClr val="accent1">
+              <a:shade val="50000"/>
+            </a:schemeClr>
+          </a:lnRef>
+          <a:fillRef idx="1">
+            <a:schemeClr val="accent1"/>
+          </a:fillRef>
+          <a:effectRef idx="0">
+            <a:schemeClr val="accent1"/>
+          </a:effectRef>
+          <a:fontRef idx="minor">
+            <a:schemeClr val="lt1"/>
+          </a:fontRef>
+        </p:style>
+        <p:txBody>
+          <a:bodyPr rtlCol="0" anchor="ctr"/>
+          <a:lstStyle/>
+          <a:p>
+            <a:pPr algn="ctr"/>
+            <a:r>
+              <a:rPr lang="en-US" sz="2400" dirty="0" smtClean="0">
+                <a:solidFill>
+                  <a:prstClr val="white"/>
+                </a:solidFill>
+              </a:rPr>
+              <a:t>7</a:t>
+            </a:r>
+            <a:endParaRPr lang="en-US" sz="2400" dirty="0">
+              <a:solidFill>
+                <a:prstClr val="white"/>
+              </a:solidFill>
+            </a:endParaRPr>
+          </a:p>
+        </p:txBody>
+      </p:sp>
+      <p:sp>
+        <p:nvSpPr>
+          <p:cNvPr id="4" name="文本框 3"/>
+          <p:cNvSpPr txBox="1"/>
+          <p:nvPr/>
+        </p:nvSpPr>
+        <p:spPr>
+          <a:xfrm>
+            <a:off x="2236548" y="136356"/>
+            <a:ext cx="6052718" cy="501650"/>
+          </a:xfrm>
+          <a:prstGeom prst="rect">
+            <a:avLst/>
+          </a:prstGeom>
+          <a:noFill/>
+        </p:spPr>
+        <p:txBody>
+          <a:bodyPr wrap="square" rtlCol="0">
+            <a:spAutoFit/>
+          </a:bodyPr>
+          <a:lstStyle/>
+          <a:p>
+            <a:endParaRPr lang="zh-CN" altLang="en-US" sz="2665" dirty="0">
+              <a:solidFill>
+                <a:srgbClr val="183A5D"/>
+              </a:solidFill>
+              <a:latin typeface="微软雅黑" panose="020B0503020204020204" pitchFamily="34" charset="-122"/>
+              <a:ea typeface="微软雅黑" panose="020B0503020204020204" pitchFamily="34" charset="-122"/>
+            </a:endParaRPr>
+          </a:p>
+        </p:txBody>
+      </p:sp>
+      <p:sp>
+        <p:nvSpPr>
+          <p:cNvPr id="6" name="文本框 5"/>
+          <p:cNvSpPr txBox="1"/>
+          <p:nvPr/>
+        </p:nvSpPr>
+        <p:spPr>
+          <a:xfrm>
+            <a:off x="2226388" y="159851"/>
+            <a:ext cx="6052718" cy="501650"/>
+          </a:xfrm>
+          <a:prstGeom prst="rect">
+            <a:avLst/>
+          </a:prstGeom>
+          <a:noFill/>
+        </p:spPr>
+        <p:txBody>
+          <a:bodyPr wrap="square" rtlCol="0">
+            <a:spAutoFit/>
+          </a:bodyPr>
+          <a:lstStyle/>
+          <a:p>
+            <a:r>
+              <a:rPr lang="zh-CN" altLang="en-US" sz="2665" dirty="0">
+                <a:solidFill>
+                  <a:srgbClr val="183A5D"/>
+                </a:solidFill>
+                <a:latin typeface="微软雅黑" panose="020B0503020204020204" pitchFamily="34" charset="-122"/>
+                <a:ea typeface="微软雅黑" panose="020B0503020204020204" pitchFamily="34" charset="-122"/>
+              </a:rPr>
+              <a:t>界面</a:t>
+            </a:r>
+            <a:r>
+              <a:rPr lang="zh-CN" altLang="en-US" sz="2665" dirty="0" smtClean="0">
+                <a:solidFill>
+                  <a:srgbClr val="183A5D"/>
+                </a:solidFill>
+                <a:latin typeface="微软雅黑" panose="020B0503020204020204" pitchFamily="34" charset="-122"/>
+                <a:ea typeface="微软雅黑" panose="020B0503020204020204" pitchFamily="34" charset="-122"/>
+              </a:rPr>
+              <a:t>原型的成功因素</a:t>
+            </a:r>
+            <a:endParaRPr lang="zh-CN" altLang="en-US" sz="2665" dirty="0">
+              <a:solidFill>
+                <a:srgbClr val="183A5D"/>
+              </a:solidFill>
+              <a:latin typeface="微软雅黑" panose="020B0503020204020204" pitchFamily="34" charset="-122"/>
+              <a:ea typeface="微软雅黑" panose="020B0503020204020204" pitchFamily="34" charset="-122"/>
+            </a:endParaRPr>
+          </a:p>
+        </p:txBody>
+      </p:sp>
+      <p:grpSp>
+        <p:nvGrpSpPr>
+          <p:cNvPr id="7" name="组合 6"/>
+          <p:cNvGrpSpPr/>
+          <p:nvPr/>
+        </p:nvGrpSpPr>
+        <p:grpSpPr>
+          <a:xfrm>
+            <a:off x="236855" y="1269365"/>
+            <a:ext cx="11276966" cy="4896485"/>
+            <a:chOff x="237030" y="1269554"/>
+            <a:chExt cx="7776864" cy="4896544"/>
+          </a:xfrm>
+        </p:grpSpPr>
+        <p:sp>
+          <p:nvSpPr>
+            <p:cNvPr id="5" name="矩形 4"/>
+            <p:cNvSpPr/>
+            <p:nvPr/>
+          </p:nvSpPr>
+          <p:spPr>
+            <a:xfrm>
+              <a:off x="339939" y="2005942"/>
+              <a:ext cx="7673955" cy="491744"/>
+            </a:xfrm>
+            <a:prstGeom prst="rect">
+              <a:avLst/>
+            </a:prstGeom>
+          </p:spPr>
+          <p:txBody>
+            <a:bodyPr wrap="square">
+              <a:spAutoFit/>
+            </a:bodyPr>
+            <a:lstStyle/>
+            <a:p>
+              <a:pPr>
+                <a:lnSpc>
+                  <a:spcPct val="150000"/>
+                </a:lnSpc>
+              </a:pPr>
+              <a:endParaRPr lang="zh-CN" altLang="en-US" sz="2000" dirty="0">
+                <a:solidFill>
+                  <a:srgbClr val="000000"/>
+                </a:solidFill>
+                <a:latin typeface="Verdana" panose="020B0604030504040204" pitchFamily="34" charset="0"/>
+              </a:endParaRPr>
+            </a:p>
+          </p:txBody>
+        </p:sp>
+        <p:grpSp>
+          <p:nvGrpSpPr>
+            <p:cNvPr id="10" name="组合 9"/>
+            <p:cNvGrpSpPr/>
+            <p:nvPr/>
+          </p:nvGrpSpPr>
+          <p:grpSpPr>
+            <a:xfrm>
+              <a:off x="237030" y="1269554"/>
+              <a:ext cx="7776864" cy="4896544"/>
+              <a:chOff x="1285643" y="1772435"/>
+              <a:chExt cx="7135479" cy="3572664"/>
+            </a:xfrm>
+          </p:grpSpPr>
+          <p:sp>
+            <p:nvSpPr>
+              <p:cNvPr id="11" name="矩形 10"/>
+              <p:cNvSpPr/>
+              <p:nvPr/>
+            </p:nvSpPr>
+            <p:spPr>
+              <a:xfrm>
+                <a:off x="1285644" y="2104682"/>
+                <a:ext cx="7135478" cy="3240417"/>
+              </a:xfrm>
+              <a:prstGeom prst="rect">
+                <a:avLst/>
+              </a:prstGeom>
+              <a:noFill/>
+              <a:ln w="12700">
+                <a:solidFill>
+                  <a:srgbClr val="346182"/>
+                </a:solidFill>
+              </a:ln>
+            </p:spPr>
+            <p:style>
+              <a:lnRef idx="2">
+                <a:schemeClr val="accent1">
+                  <a:shade val="50000"/>
+                </a:schemeClr>
+              </a:lnRef>
+              <a:fillRef idx="1">
+                <a:schemeClr val="accent1"/>
+              </a:fillRef>
+              <a:effectRef idx="0">
+                <a:schemeClr val="accent1"/>
+              </a:effectRef>
+              <a:fontRef idx="minor">
+                <a:schemeClr val="lt1"/>
+              </a:fontRef>
+            </p:style>
+            <p:txBody>
+              <a:bodyPr rtlCol="0" anchor="ctr"/>
+              <a:lstStyle/>
+              <a:p>
+                <a:pPr algn="ctr"/>
+                <a:endParaRPr lang="zh-CN" altLang="en-US" sz="1350">
+                  <a:solidFill>
+                    <a:prstClr val="white"/>
+                  </a:solidFill>
+                </a:endParaRPr>
+              </a:p>
+            </p:txBody>
+          </p:sp>
+          <p:sp>
+            <p:nvSpPr>
+              <p:cNvPr id="12" name="矩形 11"/>
+              <p:cNvSpPr/>
+              <p:nvPr/>
+            </p:nvSpPr>
+            <p:spPr>
+              <a:xfrm>
+                <a:off x="1285643" y="1772435"/>
+                <a:ext cx="2114216" cy="338554"/>
+              </a:xfrm>
+              <a:prstGeom prst="rect">
+                <a:avLst/>
+              </a:prstGeom>
+              <a:solidFill>
+                <a:srgbClr val="183A5D"/>
+              </a:solidFill>
+              <a:ln>
+                <a:noFill/>
+              </a:ln>
+            </p:spPr>
+            <p:style>
+              <a:lnRef idx="2">
+                <a:schemeClr val="accent1">
+                  <a:shade val="50000"/>
+                </a:schemeClr>
+              </a:lnRef>
+              <a:fillRef idx="1">
+                <a:schemeClr val="accent1"/>
+              </a:fillRef>
+              <a:effectRef idx="0">
+                <a:schemeClr val="accent1"/>
+              </a:effectRef>
+              <a:fontRef idx="minor">
+                <a:schemeClr val="lt1"/>
+              </a:fontRef>
+            </p:style>
+            <p:txBody>
+              <a:bodyPr rtlCol="0" anchor="ctr"/>
+              <a:lstStyle/>
+              <a:p>
+                <a:pPr algn="ctr"/>
+                <a:endParaRPr lang="zh-CN" altLang="en-US" sz="2800" dirty="0">
+                  <a:solidFill>
+                    <a:prstClr val="white"/>
+                  </a:solidFill>
+                </a:endParaRPr>
+              </a:p>
+            </p:txBody>
+          </p:sp>
+        </p:grpSp>
+      </p:grpSp>
+      <p:sp>
+        <p:nvSpPr>
+          <p:cNvPr id="8" name="矩形 7"/>
+          <p:cNvSpPr/>
+          <p:nvPr/>
+        </p:nvSpPr>
+        <p:spPr>
+          <a:xfrm>
+            <a:off x="386080" y="1845618"/>
+            <a:ext cx="11037718" cy="4455066"/>
+          </a:xfrm>
+          <a:prstGeom prst="rect">
+            <a:avLst/>
+          </a:prstGeom>
+        </p:spPr>
+        <p:txBody>
+          <a:bodyPr wrap="square">
+            <a:spAutoFit/>
+          </a:bodyPr>
+          <a:lstStyle/>
+          <a:p>
+            <a:pPr marL="342900" indent="-342900">
+              <a:lnSpc>
+                <a:spcPct val="150000"/>
+              </a:lnSpc>
+              <a:buFont typeface="Arial" panose="020B0604020202020204" pitchFamily="34" charset="0"/>
+              <a:buChar char="•"/>
+            </a:pPr>
+            <a:r>
+              <a:rPr lang="zh-CN" altLang="en-US" dirty="0"/>
+              <a:t>不要在</a:t>
+            </a:r>
+            <a:r>
+              <a:rPr lang="zh-CN" altLang="en-US" dirty="0" smtClean="0"/>
+              <a:t>可</a:t>
+            </a:r>
+            <a:r>
+              <a:rPr lang="zh-CN" altLang="en-US" dirty="0"/>
+              <a:t>抛弃</a:t>
+            </a:r>
+            <a:r>
+              <a:rPr lang="zh-CN" altLang="en-US" dirty="0" smtClean="0"/>
+              <a:t>型</a:t>
+            </a:r>
+            <a:r>
+              <a:rPr lang="zh-CN" altLang="en-US" dirty="0"/>
+              <a:t>原型中包含输入数据验证、防护性编码技术处理错误代码或大量的代码文档。这样的原型注定是要抛弃的，所以不必投入过多。</a:t>
+            </a:r>
+            <a:endParaRPr lang="zh-CN" altLang="en-US" dirty="0"/>
+          </a:p>
+          <a:p>
+            <a:pPr marL="342900" indent="-342900">
+              <a:lnSpc>
+                <a:spcPct val="150000"/>
+              </a:lnSpc>
+              <a:buFont typeface="Arial" panose="020B0604020202020204" pitchFamily="34" charset="0"/>
+              <a:buChar char="•"/>
+            </a:pPr>
+            <a:r>
+              <a:rPr lang="zh-CN" altLang="en-US" dirty="0">
+                <a:solidFill>
+                  <a:srgbClr val="FF0000"/>
+                </a:solidFill>
+              </a:rPr>
+              <a:t>不要对已经理解的需求创建原型</a:t>
+            </a:r>
+            <a:r>
+              <a:rPr lang="zh-CN" altLang="en-US" dirty="0"/>
+              <a:t>，除非需要探究其他设计方案。</a:t>
+            </a:r>
+            <a:endParaRPr lang="zh-CN" altLang="en-US" dirty="0"/>
+          </a:p>
+          <a:p>
+            <a:pPr marL="342900" indent="-342900">
+              <a:lnSpc>
+                <a:spcPct val="150000"/>
+              </a:lnSpc>
+              <a:buFont typeface="Arial" panose="020B0604020202020204" pitchFamily="34" charset="0"/>
+              <a:buChar char="•"/>
+            </a:pPr>
+            <a:r>
+              <a:rPr lang="zh-CN" altLang="en-US" dirty="0"/>
+              <a:t>在原型的屏幕显示和报表中，</a:t>
+            </a:r>
+            <a:r>
+              <a:rPr lang="zh-CN" altLang="en-US" dirty="0">
+                <a:solidFill>
+                  <a:srgbClr val="FF0000"/>
+                </a:solidFill>
+              </a:rPr>
+              <a:t>使用合理的数据</a:t>
+            </a:r>
+            <a:r>
+              <a:rPr lang="zh-CN" altLang="en-US" dirty="0"/>
+              <a:t>。评估人员可能被不真实的数据分散注意力，无法注意到原型如何表现真实系统的界面和行为。</a:t>
+            </a:r>
+            <a:endParaRPr lang="zh-CN" altLang="en-US" dirty="0"/>
+          </a:p>
+          <a:p>
+            <a:pPr marL="342900" indent="-342900">
+              <a:lnSpc>
+                <a:spcPct val="150000"/>
+              </a:lnSpc>
+              <a:buFont typeface="Arial" panose="020B0604020202020204" pitchFamily="34" charset="0"/>
+              <a:buChar char="•"/>
+            </a:pPr>
+            <a:r>
+              <a:rPr lang="zh-CN" altLang="en-US" dirty="0">
+                <a:solidFill>
+                  <a:srgbClr val="FF0000"/>
+                </a:solidFill>
+              </a:rPr>
+              <a:t>不要指望原型来替代书面需求</a:t>
+            </a:r>
+            <a:r>
+              <a:rPr lang="zh-CN" altLang="en-US" dirty="0"/>
+              <a:t>。原型只表明屏幕后面还有许多功能，而这些功能需要在</a:t>
+            </a:r>
+            <a:r>
+              <a:rPr lang="en-US" altLang="zh-CN" dirty="0"/>
+              <a:t>SRS</a:t>
+            </a:r>
+            <a:r>
+              <a:rPr lang="zh-CN" altLang="en-US" dirty="0"/>
+              <a:t>中记录下来并使其完整、明确和可跟踪。屏幕图不会详细给出数据字段的定义、验证标准以及不同字段之间的关系</a:t>
+            </a:r>
+            <a:r>
+              <a:rPr lang="en-US" altLang="zh-CN" dirty="0"/>
+              <a:t>(</a:t>
+            </a:r>
+            <a:r>
+              <a:rPr lang="zh-CN" altLang="en-US" dirty="0"/>
+              <a:t>比如些界面控件只有在用户对其他控件做出某些选择时才可以展示</a:t>
+            </a:r>
+            <a:r>
+              <a:rPr lang="en-US" altLang="zh-CN" dirty="0"/>
+              <a:t>)</a:t>
+            </a:r>
+            <a:r>
+              <a:rPr lang="zh-CN" altLang="en-US" dirty="0"/>
+              <a:t>，异常处理、业务规则以及其他必要的信息</a:t>
+            </a:r>
+            <a:r>
+              <a:rPr lang="zh-CN" altLang="en-US" dirty="0" smtClean="0"/>
+              <a:t>。</a:t>
+            </a:r>
+            <a:endParaRPr lang="zh-CN" altLang="en-US" dirty="0"/>
+          </a:p>
+        </p:txBody>
+      </p:sp>
+    </p:spTree>
+  </p:cSld>
+  <p:clrMapOvr>
+    <a:masterClrMapping/>
+  </p:clrMapOvr>
+  <p:transition spd="slow" advClick="0" advTm="0">
+    <p:wipe/>
+  </p:transition>
+  <p:timing>
+    <p:tnLst>
+      <p:par>
+        <p:cTn id="1" dur="indefinite" restart="never" nodeType="tmRoot"/>
+      </p:par>
+    </p:tnLst>
+  </p:timing>
+</p:sld>
+</file>
+
+<file path=ppt/slides/slide23.xml><?xml version="1.0" encoding="utf-8"?>
+<p:sld xmlns:a="http://schemas.openxmlformats.org/drawingml/2006/main" xmlns:r="http://schemas.openxmlformats.org/officeDocument/2006/relationships" xmlns:p="http://schemas.openxmlformats.org/presentationml/2006/main">
+  <p:cSld>
+    <p:spTree>
+      <p:nvGrpSpPr>
+        <p:cNvPr id="1" name=""/>
+        <p:cNvGrpSpPr/>
+        <p:nvPr/>
+      </p:nvGrpSpPr>
+      <p:grpSpPr>
+        <a:xfrm>
+          <a:off x="0" y="0"/>
+          <a:ext cx="0" cy="0"/>
+          <a:chOff x="0" y="0"/>
+          <a:chExt cx="0" cy="0"/>
+        </a:xfrm>
+      </p:grpSpPr>
+      <p:sp>
+        <p:nvSpPr>
           <p:cNvPr id="36" name="矩形 35"/>
           <p:cNvSpPr/>
           <p:nvPr/>
@@ -13185,8 +14479,8 @@
         </p:nvSpPr>
         <p:spPr>
           <a:xfrm>
-            <a:off x="311150" y="2922270"/>
-            <a:ext cx="2220595" cy="1106805"/>
+            <a:off x="-276651" y="2922512"/>
+            <a:ext cx="2808312" cy="614045"/>
           </a:xfrm>
           <a:prstGeom prst="rect">
             <a:avLst/>
@@ -13210,8 +14504,15 @@
                 <a:latin typeface="微软雅黑" panose="020B0503020204020204" pitchFamily="34" charset="-122"/>
                 <a:ea typeface="微软雅黑" panose="020B0503020204020204" pitchFamily="34" charset="-122"/>
               </a:rPr>
-              <a:t>绩效考评与分工</a:t>
-            </a:r>
+              <a:t>参考文献</a:t>
+            </a:r>
+            <a:endParaRPr lang="zh-CN" sz="3200" b="1" dirty="0">
+              <a:solidFill>
+                <a:schemeClr val="bg1"/>
+              </a:solidFill>
+              <a:latin typeface="微软雅黑" panose="020B0503020204020204" pitchFamily="34" charset="-122"/>
+              <a:ea typeface="微软雅黑" panose="020B0503020204020204" pitchFamily="34" charset="-122"/>
+            </a:endParaRPr>
           </a:p>
         </p:txBody>
       </p:sp>
@@ -13222,8 +14523,8 @@
           <p:nvPr/>
         </p:nvGraphicFramePr>
         <p:xfrm>
-          <a:off x="3181985" y="459740"/>
-          <a:ext cx="7771130" cy="3717290"/>
+          <a:off x="3934967" y="1629594"/>
+          <a:ext cx="6984474" cy="2606040"/>
         </p:xfrm>
         <a:graphic>
           <a:graphicData uri="http://schemas.openxmlformats.org/drawingml/2006/table">
@@ -13232,45 +14533,50 @@
                 <a:tableStyleId>{5C22544A-7EE6-4342-B048-85BDC9FD1C3A}</a:tableStyleId>
               </a:tblPr>
               <a:tblGrid>
-                <a:gridCol w="1895475"/>
-                <a:gridCol w="2937510"/>
-                <a:gridCol w="2938145"/>
+                <a:gridCol w="2738864"/>
+                <a:gridCol w="4245610"/>
               </a:tblGrid>
-              <a:tr h="713740">
+              <a:tr h="1322630">
                 <a:tc>
                   <a:txBody>
                     <a:bodyPr/>
                     <a:lstStyle/>
                     <a:p>
-                      <a:pPr algn="l">
+                      <a:pPr marL="0" marR="0" indent="0" algn="l" defTabSz="1088390" rtl="0" eaLnBrk="1" fontAlgn="auto" latinLnBrk="0" hangingPunct="1">
+                        <a:lnSpc>
+                          <a:spcPct val="100000"/>
+                        </a:lnSpc>
+                        <a:spcBef>
+                          <a:spcPts val="0"/>
+                        </a:spcBef>
+                        <a:spcAft>
+                          <a:spcPts val="0"/>
+                        </a:spcAft>
+                        <a:buClrTx/>
+                        <a:buSzTx/>
+                        <a:buFontTx/>
                         <a:buNone/>
+                        <a:defRPr/>
                       </a:pPr>
                       <a:r>
-                        <a:rPr lang="zh-CN" altLang="en-US" b="0" dirty="0">
+                        <a:rPr sz="2400" b="0" dirty="0" smtClean="0">
                           <a:solidFill>
                             <a:schemeClr val="tx1"/>
                           </a:solidFill>
                         </a:rPr>
-                        <a:t>黄为波</a:t>
+                        <a:t>UML用户指南（第2版·修订版）</a:t>
                       </a:r>
+                      <a:endParaRPr sz="2400" b="0" dirty="0" smtClean="0">
+                        <a:solidFill>
+                          <a:schemeClr val="tx1"/>
+                        </a:solidFill>
+                      </a:endParaRPr>
                     </a:p>
-                  </a:txBody>
-                  <a:tcPr>
-                    <a:solidFill>
-                      <a:schemeClr val="accent1">
-                        <a:lumMod val="40000"/>
-                        <a:lumOff val="60000"/>
-                      </a:schemeClr>
-                    </a:solidFill>
-                  </a:tcPr>
-                </a:tc>
-                <a:tc>
-                  <a:txBody>
-                    <a:bodyPr/>
-                    <a:lstStyle/>
                     <a:p>
-                      <a:pPr algn="l"/>
-                      <a:endParaRPr lang="zh-CN" altLang="en-US" sz="2400" b="0" dirty="0" smtClean="0">
+                      <a:pPr algn="l">
+                        <a:buNone/>
+                      </a:pPr>
+                      <a:endParaRPr lang="zh-CN" altLang="en-US" b="0" dirty="0">
                         <a:solidFill>
                           <a:schemeClr val="tx1"/>
                         </a:solidFill>
@@ -13291,295 +14597,128 @@
                     <a:bodyPr/>
                     <a:lstStyle/>
                     <a:p>
-                      <a:pPr algn="l">
-                        <a:buNone/>
-                      </a:pPr>
+                      <a:pPr algn="l"/>
+                      <a:r>
+                        <a:rPr lang="zh-CN" altLang="en-US" sz="2400" b="0" dirty="0" smtClean="0">
+                          <a:solidFill>
+                            <a:schemeClr val="tx1"/>
+                          </a:solidFill>
+                        </a:rPr>
+                        <a:t>作者</a:t>
+                      </a:r>
                       <a:r>
                         <a:rPr lang="en-US" altLang="zh-CN" sz="2400" b="0" dirty="0" smtClean="0">
                           <a:solidFill>
                             <a:schemeClr val="tx1"/>
                           </a:solidFill>
                         </a:rPr>
-                        <a:t>9.4</a:t>
+                        <a:t>:Grady Booch</a:t>
                       </a:r>
-                    </a:p>
-                  </a:txBody>
-                  <a:tcPr>
-                    <a:solidFill>
-                      <a:schemeClr val="accent1">
-                        <a:lumMod val="40000"/>
-                        <a:lumOff val="60000"/>
-                      </a:schemeClr>
-                    </a:solidFill>
-                  </a:tcPr>
-                </a:tc>
-              </a:tr>
-              <a:tr h="716915">
-                <a:tc>
-                  <a:txBody>
-                    <a:bodyPr/>
-                    <a:lstStyle/>
-                    <a:p>
-                      <a:pPr algn="l">
-                        <a:buNone/>
-                      </a:pPr>
                       <a:r>
-                        <a:rPr lang="zh-CN" altLang="en-US" dirty="0" smtClean="0">
+                        <a:rPr lang="zh-CN" altLang="en-US" sz="2400" b="0" dirty="0" smtClean="0">
                           <a:solidFill>
                             <a:schemeClr val="tx1"/>
                           </a:solidFill>
                         </a:rPr>
-                        <a:t>苏雨豪</a:t>
+                        <a:t>、</a:t>
                       </a:r>
-                    </a:p>
-                  </a:txBody>
-                  <a:tcPr/>
-                </a:tc>
-                <a:tc>
-                  <a:txBody>
-                    <a:bodyPr/>
-                    <a:lstStyle/>
-                    <a:p>
-                      <a:pPr algn="l">
-                        <a:buNone/>
-                      </a:pPr>
                       <a:r>
-                        <a:rPr lang="en-US" altLang="zh-CN" dirty="0" smtClean="0">
+                        <a:rPr lang="en-US" altLang="zh-CN" sz="2400" b="0" dirty="0" smtClean="0">
                           <a:solidFill>
                             <a:schemeClr val="tx1"/>
                           </a:solidFill>
                         </a:rPr>
-                        <a:t>负责 1.7uml新特性ppt</a:t>
+                        <a:t> James Rumbaugh </a:t>
                       </a:r>
                       <a:r>
-                        <a:rPr lang="zh-CN" altLang="en-US" dirty="0" smtClean="0">
+                        <a:rPr lang="zh-CN" altLang="en-US" sz="2400" b="0" dirty="0" smtClean="0">
                           <a:solidFill>
                             <a:schemeClr val="tx1"/>
                           </a:solidFill>
                         </a:rPr>
-                        <a:t>制作</a:t>
+                        <a:t>、</a:t>
                       </a:r>
-                    </a:p>
-                  </a:txBody>
-                  <a:tcPr/>
-                </a:tc>
-                <a:tc>
-                  <a:txBody>
-                    <a:bodyPr/>
-                    <a:lstStyle/>
-                    <a:p>
-                      <a:pPr algn="l">
-                        <a:buNone/>
-                      </a:pPr>
                       <a:r>
-                        <a:rPr lang="en-US" altLang="zh-CN" dirty="0" smtClean="0">
+                        <a:rPr lang="en-US" altLang="zh-CN" sz="2400" b="0" dirty="0" smtClean="0">
                           <a:solidFill>
                             <a:schemeClr val="tx1"/>
                           </a:solidFill>
                         </a:rPr>
-                        <a:t>9.5</a:t>
+                        <a:t>Ivar Jacobson</a:t>
                       </a:r>
+                      <a:endParaRPr lang="en-US" altLang="zh-CN" sz="2400" b="0" dirty="0" smtClean="0">
+                        <a:solidFill>
+                          <a:schemeClr val="tx1"/>
+                        </a:solidFill>
+                      </a:endParaRPr>
                     </a:p>
-                  </a:txBody>
-                  <a:tcPr/>
-                </a:tc>
-              </a:tr>
-              <a:tr h="805815">
-                <a:tc>
-                  <a:txBody>
-                    <a:bodyPr/>
-                    <a:lstStyle/>
                     <a:p>
-                      <a:pPr algn="l">
-                        <a:buNone/>
-                      </a:pPr>
+                      <a:pPr algn="l"/>
                       <a:r>
-                        <a:rPr lang="zh-CN" dirty="0" smtClean="0">
+                        <a:rPr lang="zh-CN" altLang="en-US" sz="2400" b="0" dirty="0" smtClean="0">
                           <a:solidFill>
                             <a:schemeClr val="tx1"/>
                           </a:solidFill>
                         </a:rPr>
-                        <a:t>陈子卿</a:t>
+                        <a:t>人民邮电出版社</a:t>
                       </a:r>
+                      <a:endParaRPr lang="en-US" altLang="zh-CN" sz="2400" b="0" dirty="0" smtClean="0">
+                        <a:solidFill>
+                          <a:schemeClr val="tx1"/>
+                        </a:solidFill>
+                      </a:endParaRPr>
                     </a:p>
-                  </a:txBody>
-                  <a:tcPr>
-                    <a:solidFill>
-                      <a:schemeClr val="accent1">
-                        <a:lumMod val="40000"/>
-                        <a:lumOff val="60000"/>
-                      </a:schemeClr>
-                    </a:solidFill>
-                  </a:tcPr>
-                </a:tc>
-                <a:tc>
-                  <a:txBody>
-                    <a:bodyPr/>
-                    <a:lstStyle/>
                     <a:p>
-                      <a:pPr algn="l">
-                        <a:buNone/>
-                      </a:pPr>
+                      <a:pPr algn="l"/>
                       <a:r>
-                        <a:rPr lang="zh-CN" altLang="en-US" dirty="0" smtClean="0">
+                        <a:rPr lang="en-US" altLang="zh-CN" sz="2400" b="0" dirty="0" smtClean="0">
                           <a:solidFill>
                             <a:schemeClr val="tx1"/>
                           </a:solidFill>
                         </a:rPr>
-                        <a:t>负责1.1-1.3的PPT制作，</a:t>
+                        <a:t>2013</a:t>
                       </a:r>
-                    </a:p>
-                    <a:p>
-                      <a:pPr algn="l">
-                        <a:buNone/>
-                      </a:pPr>
                       <a:r>
-                        <a:rPr lang="zh-CN" altLang="en-US" dirty="0" smtClean="0">
+                        <a:rPr lang="zh-CN" altLang="en-US" sz="2400" b="0" dirty="0" smtClean="0">
                           <a:solidFill>
                             <a:schemeClr val="tx1"/>
                           </a:solidFill>
                         </a:rPr>
-                        <a:t>1.4 uml结构ppt的制作</a:t>
+                        <a:t>年</a:t>
                       </a:r>
-                    </a:p>
-                  </a:txBody>
-                  <a:tcPr>
-                    <a:solidFill>
-                      <a:schemeClr val="accent1">
-                        <a:lumMod val="40000"/>
-                        <a:lumOff val="60000"/>
-                      </a:schemeClr>
-                    </a:solidFill>
-                  </a:tcPr>
-                </a:tc>
-                <a:tc>
-                  <a:txBody>
-                    <a:bodyPr/>
-                    <a:lstStyle/>
-                    <a:p>
-                      <a:pPr algn="l">
-                        <a:buNone/>
-                      </a:pPr>
                       <a:r>
-                        <a:rPr lang="en-US" altLang="zh-CN" dirty="0" smtClean="0">
+                        <a:rPr lang="en-US" altLang="zh-CN" sz="2400" b="0" dirty="0" smtClean="0">
                           <a:solidFill>
                             <a:schemeClr val="tx1"/>
                           </a:solidFill>
                         </a:rPr>
-                        <a:t>9.7</a:t>
+                        <a:t>1</a:t>
                       </a:r>
-                    </a:p>
-                  </a:txBody>
-                  <a:tcPr>
-                    <a:solidFill>
-                      <a:schemeClr val="accent1">
-                        <a:lumMod val="40000"/>
-                        <a:lumOff val="60000"/>
-                      </a:schemeClr>
-                    </a:solidFill>
-                  </a:tcPr>
-                </a:tc>
-              </a:tr>
-              <a:tr h="733425">
-                <a:tc>
-                  <a:txBody>
-                    <a:bodyPr/>
-                    <a:lstStyle/>
-                    <a:p>
-                      <a:pPr algn="l">
-                        <a:buNone/>
-                      </a:pPr>
                       <a:r>
-                        <a:rPr lang="zh-CN" altLang="en-US" dirty="0" smtClean="0">
+                        <a:rPr lang="zh-CN" altLang="en-US" sz="2400" b="0" dirty="0" smtClean="0">
                           <a:solidFill>
                             <a:schemeClr val="tx1"/>
                           </a:solidFill>
                         </a:rPr>
-                        <a:t>蔡峰</a:t>
+                        <a:t>月第</a:t>
                       </a:r>
-                    </a:p>
-                  </a:txBody>
-                  <a:tcPr>
-                    <a:solidFill>
-                      <a:schemeClr val="accent1">
-                        <a:lumMod val="40000"/>
-                        <a:lumOff val="60000"/>
-                      </a:schemeClr>
-                    </a:solidFill>
-                  </a:tcPr>
-                </a:tc>
-                <a:tc>
-                  <a:txBody>
-                    <a:bodyPr/>
-                    <a:lstStyle/>
-                    <a:p>
-                      <a:pPr algn="l">
-                        <a:buNone/>
-                      </a:pPr>
                       <a:r>
-                        <a:rPr lang="zh-CN" altLang="en-US" dirty="0" smtClean="0">
+                        <a:rPr lang="en-US" altLang="zh-CN" sz="2400" b="0" dirty="0" smtClean="0">
                           <a:solidFill>
                             <a:schemeClr val="tx1"/>
                           </a:solidFill>
                         </a:rPr>
-                        <a:t>负责uml视图ppt，</a:t>
+                        <a:t>1</a:t>
                       </a:r>
                       <a:r>
-                        <a:rPr lang="en-US" altLang="zh-CN" dirty="0" smtClean="0">
+                        <a:rPr lang="zh-CN" altLang="en-US" sz="2400" b="0" dirty="0" smtClean="0">
                           <a:solidFill>
                             <a:schemeClr val="tx1"/>
                           </a:solidFill>
                         </a:rPr>
-                        <a:t>uml</a:t>
+                        <a:t>版</a:t>
                       </a:r>
-                      <a:r>
-                        <a:rPr lang="zh-CN" altLang="en-US" dirty="0" smtClean="0">
-                          <a:solidFill>
-                            <a:schemeClr val="tx1"/>
-                          </a:solidFill>
-                        </a:rPr>
-                        <a:t>系统开发阶段</a:t>
-                      </a:r>
-                    </a:p>
-                  </a:txBody>
-                  <a:tcPr>
-                    <a:solidFill>
-                      <a:schemeClr val="accent1">
-                        <a:lumMod val="40000"/>
-                        <a:lumOff val="60000"/>
-                      </a:schemeClr>
-                    </a:solidFill>
-                  </a:tcPr>
-                </a:tc>
-                <a:tc>
-                  <a:txBody>
-                    <a:bodyPr/>
-                    <a:lstStyle/>
-                    <a:p>
-                      <a:pPr algn="l">
-                        <a:buNone/>
-                      </a:pPr>
-                      <a:r>
-                        <a:rPr lang="en-US" altLang="zh-CN" sz="2100" dirty="0" smtClean="0">
-                          <a:solidFill>
-                            <a:schemeClr val="tx1"/>
-                          </a:solidFill>
-                          <a:sym typeface="+mn-ea"/>
-                        </a:rPr>
-                        <a:t>9.4</a:t>
-                      </a:r>
-                      <a:endParaRPr lang="en-US" altLang="zh-CN" sz="2100" b="0" dirty="0" smtClean="0">
-                        <a:solidFill>
-                          <a:schemeClr val="tx1"/>
-                        </a:solidFill>
-                        <a:sym typeface="+mn-ea"/>
-                      </a:endParaRPr>
-                    </a:p>
-                    <a:p>
-                      <a:pPr algn="l">
-                        <a:buNone/>
-                      </a:pPr>
-                      <a:endParaRPr lang="zh-CN" altLang="en-US" dirty="0" smtClean="0">
+                      <a:endParaRPr lang="zh-CN" altLang="en-US" sz="2400" b="0" dirty="0" smtClean="0">
                         <a:solidFill>
                           <a:schemeClr val="tx1"/>
                         </a:solidFill>
@@ -13596,7 +14735,7 @@
                   </a:tcPr>
                 </a:tc>
               </a:tr>
-              <a:tr h="732790">
+              <a:tr h="894720">
                 <a:tc>
                   <a:txBody>
                     <a:bodyPr/>
@@ -13606,23 +14745,21 @@
                         <a:buNone/>
                       </a:pPr>
                       <a:r>
-                        <a:rPr lang="zh-CN" altLang="en-US" dirty="0" smtClean="0">
+                        <a:rPr dirty="0" smtClean="0">
                           <a:solidFill>
                             <a:schemeClr val="tx1"/>
                           </a:solidFill>
                         </a:rPr>
-                        <a:t>江亮儒</a:t>
+                        <a:t>UML2基础、建模与设计教程</a:t>
                       </a:r>
+                      <a:endParaRPr dirty="0" smtClean="0">
+                        <a:solidFill>
+                          <a:schemeClr val="tx1"/>
+                        </a:solidFill>
+                      </a:endParaRPr>
                     </a:p>
                   </a:txBody>
-                  <a:tcPr>
-                    <a:solidFill>
-                      <a:schemeClr val="accent1">
-                        <a:lumMod val="40000"/>
-                        <a:lumOff val="60000"/>
-                      </a:schemeClr>
-                    </a:solidFill>
-                  </a:tcPr>
+                  <a:tcPr/>
                 </a:tc>
                 <a:tc>
                   <a:txBody>
@@ -13638,45 +14775,60 @@
                             <a:schemeClr val="tx1"/>
                           </a:solidFill>
                         </a:rPr>
-                        <a:t>负责uml的图ppt</a:t>
+                        <a:t>作者：杨弘平 等</a:t>
                       </a:r>
+                      <a:endParaRPr lang="en-US" altLang="zh-CN" baseline="0" dirty="0" smtClean="0">
+                        <a:solidFill>
+                          <a:schemeClr val="tx1"/>
+                        </a:solidFill>
+                      </a:endParaRPr>
                     </a:p>
-                  </a:txBody>
-                  <a:tcPr>
-                    <a:solidFill>
-                      <a:schemeClr val="accent1">
-                        <a:lumMod val="40000"/>
-                        <a:lumOff val="60000"/>
-                      </a:schemeClr>
-                    </a:solidFill>
-                  </a:tcPr>
-                </a:tc>
-                <a:tc>
-                  <a:txBody>
-                    <a:bodyPr/>
-                    <a:lstStyle/>
                     <a:p>
                       <a:pPr algn="l">
                         <a:buNone/>
                       </a:pPr>
                       <a:r>
-                        <a:rPr lang="en-US" altLang="zh-CN" dirty="0" smtClean="0">
+                        <a:rPr lang="zh-CN" altLang="en-US" baseline="0" dirty="0" smtClean="0">
                           <a:solidFill>
                             <a:schemeClr val="tx1"/>
                           </a:solidFill>
                         </a:rPr>
-                        <a:t>9.5</a:t>
+                        <a:t>清华大学出版社</a:t>
                       </a:r>
+                      <a:endParaRPr lang="en-US" altLang="zh-CN" baseline="0" dirty="0" smtClean="0">
+                        <a:solidFill>
+                          <a:schemeClr val="tx1"/>
+                        </a:solidFill>
+                      </a:endParaRPr>
+                    </a:p>
+                    <a:p>
+                      <a:pPr algn="l">
+                        <a:buNone/>
+                      </a:pPr>
+                      <a:r>
+                        <a:rPr lang="en-US" altLang="zh-CN" baseline="0" dirty="0" smtClean="0">
+                          <a:solidFill>
+                            <a:schemeClr val="tx1"/>
+                          </a:solidFill>
+                        </a:rPr>
+                        <a:t>2015</a:t>
+                      </a:r>
+                      <a:r>
+                        <a:rPr lang="zh-CN" altLang="en-US" baseline="0" dirty="0" smtClean="0">
+                          <a:solidFill>
+                            <a:schemeClr val="tx1"/>
+                          </a:solidFill>
+                        </a:rPr>
+                        <a:t>年</a:t>
+                      </a:r>
+                      <a:endParaRPr lang="en-US" altLang="zh-CN" dirty="0" smtClean="0">
+                        <a:solidFill>
+                          <a:schemeClr val="tx1"/>
+                        </a:solidFill>
+                      </a:endParaRPr>
                     </a:p>
                   </a:txBody>
-                  <a:tcPr>
-                    <a:solidFill>
-                      <a:schemeClr val="accent1">
-                        <a:lumMod val="40000"/>
-                        <a:lumOff val="60000"/>
-                      </a:schemeClr>
-                    </a:solidFill>
-                  </a:tcPr>
+                  <a:tcPr/>
                 </a:tc>
               </a:tr>
             </a:tbl>
@@ -13688,13 +14840,13 @@
   <p:clrMapOvr>
     <a:masterClrMapping/>
   </p:clrMapOvr>
-  <mc:AlternateContent xmlns:mc="http://schemas.openxmlformats.org/markup-compatibility/2006" xmlns:p14="http://schemas.microsoft.com/office/powerpoint/2010/main">
-    <mc:Choice Requires="p14">
+  <mc:AlternateContent xmlns:mc="http://schemas.openxmlformats.org/markup-compatibility/2006">
+    <mc:Choice xmlns:p14="http://schemas.microsoft.com/office/powerpoint/2010/main" Requires="p14">
       <p:transition spd="slow" p14:dur="1200" advClick="0" advTm="0">
         <p14:prism/>
       </p:transition>
     </mc:Choice>
-    <mc:Fallback xmlns="">
+    <mc:Fallback>
       <p:transition spd="slow" advClick="0" advTm="0">
         <p:fade/>
       </p:transition>
@@ -13962,7 +15114,944 @@
 </p:sld>
 </file>
 
-<file path=ppt/slides/slide21.xml><?xml version="1.0" encoding="utf-8"?>
+<file path=ppt/slides/slide24.xml><?xml version="1.0" encoding="utf-8"?>
+<p:sld xmlns:a="http://schemas.openxmlformats.org/drawingml/2006/main" xmlns:r="http://schemas.openxmlformats.org/officeDocument/2006/relationships" xmlns:p="http://schemas.openxmlformats.org/presentationml/2006/main">
+  <p:cSld>
+    <p:spTree>
+      <p:nvGrpSpPr>
+        <p:cNvPr id="1" name=""/>
+        <p:cNvGrpSpPr/>
+        <p:nvPr/>
+      </p:nvGrpSpPr>
+      <p:grpSpPr>
+        <a:xfrm>
+          <a:off x="0" y="0"/>
+          <a:ext cx="0" cy="0"/>
+          <a:chOff x="0" y="0"/>
+          <a:chExt cx="0" cy="0"/>
+        </a:xfrm>
+      </p:grpSpPr>
+      <p:sp>
+        <p:nvSpPr>
+          <p:cNvPr id="36" name="矩形 35"/>
+          <p:cNvSpPr/>
+          <p:nvPr/>
+        </p:nvSpPr>
+        <p:spPr>
+          <a:xfrm>
+            <a:off x="-106680" y="0"/>
+            <a:ext cx="2938780" cy="6859270"/>
+          </a:xfrm>
+          <a:prstGeom prst="rect">
+            <a:avLst/>
+          </a:prstGeom>
+          <a:solidFill>
+            <a:srgbClr val="38B1BF"/>
+          </a:solidFill>
+          <a:ln>
+            <a:noFill/>
+          </a:ln>
+          <a:effectLst>
+            <a:outerShdw blurRad="50800" dist="38100" dir="2700000" algn="tl" rotWithShape="0">
+              <a:prstClr val="black">
+                <a:alpha val="40000"/>
+              </a:prstClr>
+            </a:outerShdw>
+          </a:effectLst>
+          <a:scene3d>
+            <a:camera prst="orthographicFront"/>
+            <a:lightRig rig="threePt" dir="t"/>
+          </a:scene3d>
+          <a:sp3d/>
+        </p:spPr>
+        <p:style>
+          <a:lnRef idx="1">
+            <a:schemeClr val="accent1"/>
+          </a:lnRef>
+          <a:fillRef idx="0">
+            <a:schemeClr val="accent1"/>
+          </a:fillRef>
+          <a:effectRef idx="0">
+            <a:schemeClr val="accent1"/>
+          </a:effectRef>
+          <a:fontRef idx="minor">
+            <a:schemeClr val="tx1"/>
+          </a:fontRef>
+        </p:style>
+        <p:txBody>
+          <a:bodyPr rot="0" spcFirstLastPara="0" vertOverflow="overflow" horzOverflow="overflow" vert="horz" wrap="square" lIns="91440" tIns="45720" rIns="91440" bIns="45720" numCol="1" spcCol="0" rtlCol="0" fromWordArt="0" anchor="ctr" anchorCtr="0" forceAA="0" compatLnSpc="1">
+            <a:noAutofit/>
+          </a:bodyPr>
+          <a:lstStyle/>
+          <a:p>
+            <a:pPr algn="ctr"/>
+            <a:endParaRPr lang="zh-CN" altLang="en-US"/>
+          </a:p>
+        </p:txBody>
+      </p:sp>
+      <p:sp>
+        <p:nvSpPr>
+          <p:cNvPr id="37" name="TextBox 36"/>
+          <p:cNvSpPr txBox="1"/>
+          <p:nvPr/>
+        </p:nvSpPr>
+        <p:spPr>
+          <a:xfrm>
+            <a:off x="311150" y="2922270"/>
+            <a:ext cx="2220595" cy="1106805"/>
+          </a:xfrm>
+          <a:prstGeom prst="rect">
+            <a:avLst/>
+          </a:prstGeom>
+          <a:noFill/>
+        </p:spPr>
+        <p:txBody>
+          <a:bodyPr wrap="square" lIns="121948" tIns="60973" rIns="121948" bIns="60973">
+            <a:spAutoFit/>
+          </a:bodyPr>
+          <a:lstStyle/>
+          <a:p>
+            <a:pPr algn="r">
+              <a:defRPr/>
+            </a:pPr>
+            <a:r>
+              <a:rPr lang="zh-CN" altLang="en-US" sz="3200" b="1" dirty="0" smtClean="0">
+                <a:solidFill>
+                  <a:schemeClr val="bg1"/>
+                </a:solidFill>
+                <a:latin typeface="微软雅黑" panose="020B0503020204020204" pitchFamily="34" charset="-122"/>
+                <a:ea typeface="微软雅黑" panose="020B0503020204020204" pitchFamily="34" charset="-122"/>
+              </a:rPr>
+              <a:t>绩效考评与分工</a:t>
+            </a:r>
+            <a:endParaRPr lang="zh-CN" altLang="en-US" sz="3200" b="1" dirty="0" smtClean="0">
+              <a:solidFill>
+                <a:schemeClr val="bg1"/>
+              </a:solidFill>
+              <a:latin typeface="微软雅黑" panose="020B0503020204020204" pitchFamily="34" charset="-122"/>
+              <a:ea typeface="微软雅黑" panose="020B0503020204020204" pitchFamily="34" charset="-122"/>
+            </a:endParaRPr>
+          </a:p>
+        </p:txBody>
+      </p:sp>
+      <p:graphicFrame>
+        <p:nvGraphicFramePr>
+          <p:cNvPr id="3" name="表格 2"/>
+          <p:cNvGraphicFramePr/>
+          <p:nvPr/>
+        </p:nvGraphicFramePr>
+        <p:xfrm>
+          <a:off x="3181985" y="459740"/>
+          <a:ext cx="7771130" cy="3717290"/>
+        </p:xfrm>
+        <a:graphic>
+          <a:graphicData uri="http://schemas.openxmlformats.org/drawingml/2006/table">
+            <a:tbl>
+              <a:tblPr firstRow="1" bandRow="1">
+                <a:tableStyleId>{5C22544A-7EE6-4342-B048-85BDC9FD1C3A}</a:tableStyleId>
+              </a:tblPr>
+              <a:tblGrid>
+                <a:gridCol w="1895475"/>
+                <a:gridCol w="2937510"/>
+                <a:gridCol w="2938145"/>
+              </a:tblGrid>
+              <a:tr h="713740">
+                <a:tc>
+                  <a:txBody>
+                    <a:bodyPr/>
+                    <a:lstStyle/>
+                    <a:p>
+                      <a:pPr algn="l">
+                        <a:buNone/>
+                      </a:pPr>
+                      <a:r>
+                        <a:rPr lang="zh-CN" altLang="en-US" b="0" dirty="0">
+                          <a:solidFill>
+                            <a:schemeClr val="tx1"/>
+                          </a:solidFill>
+                        </a:rPr>
+                        <a:t>黄为波</a:t>
+                      </a:r>
+                      <a:endParaRPr lang="zh-CN" altLang="en-US" b="0" dirty="0">
+                        <a:solidFill>
+                          <a:schemeClr val="tx1"/>
+                        </a:solidFill>
+                      </a:endParaRPr>
+                    </a:p>
+                  </a:txBody>
+                  <a:tcPr>
+                    <a:solidFill>
+                      <a:schemeClr val="accent1">
+                        <a:lumMod val="40000"/>
+                        <a:lumOff val="60000"/>
+                      </a:schemeClr>
+                    </a:solidFill>
+                  </a:tcPr>
+                </a:tc>
+                <a:tc>
+                  <a:txBody>
+                    <a:bodyPr/>
+                    <a:lstStyle/>
+                    <a:p>
+                      <a:pPr algn="l"/>
+                      <a:endParaRPr lang="zh-CN" altLang="en-US" sz="2400" b="0" dirty="0" smtClean="0">
+                        <a:solidFill>
+                          <a:schemeClr val="tx1"/>
+                        </a:solidFill>
+                      </a:endParaRPr>
+                    </a:p>
+                  </a:txBody>
+                  <a:tcPr>
+                    <a:solidFill>
+                      <a:schemeClr val="accent1">
+                        <a:lumMod val="40000"/>
+                        <a:lumOff val="60000"/>
+                      </a:schemeClr>
+                    </a:solidFill>
+                  </a:tcPr>
+                </a:tc>
+                <a:tc>
+                  <a:txBody>
+                    <a:bodyPr/>
+                    <a:lstStyle/>
+                    <a:p>
+                      <a:pPr algn="l">
+                        <a:buNone/>
+                      </a:pPr>
+                      <a:r>
+                        <a:rPr lang="en-US" altLang="zh-CN" sz="2400" b="0" dirty="0" smtClean="0">
+                          <a:solidFill>
+                            <a:schemeClr val="tx1"/>
+                          </a:solidFill>
+                        </a:rPr>
+                        <a:t>9.4</a:t>
+                      </a:r>
+                      <a:endParaRPr lang="en-US" altLang="zh-CN" sz="2400" b="0" dirty="0" smtClean="0">
+                        <a:solidFill>
+                          <a:schemeClr val="tx1"/>
+                        </a:solidFill>
+                      </a:endParaRPr>
+                    </a:p>
+                  </a:txBody>
+                  <a:tcPr>
+                    <a:solidFill>
+                      <a:schemeClr val="accent1">
+                        <a:lumMod val="40000"/>
+                        <a:lumOff val="60000"/>
+                      </a:schemeClr>
+                    </a:solidFill>
+                  </a:tcPr>
+                </a:tc>
+              </a:tr>
+              <a:tr h="716915">
+                <a:tc>
+                  <a:txBody>
+                    <a:bodyPr/>
+                    <a:lstStyle/>
+                    <a:p>
+                      <a:pPr algn="l">
+                        <a:buNone/>
+                      </a:pPr>
+                      <a:r>
+                        <a:rPr lang="zh-CN" altLang="en-US" dirty="0" smtClean="0">
+                          <a:solidFill>
+                            <a:schemeClr val="tx1"/>
+                          </a:solidFill>
+                        </a:rPr>
+                        <a:t>苏雨豪</a:t>
+                      </a:r>
+                      <a:endParaRPr lang="zh-CN" altLang="en-US" dirty="0" smtClean="0">
+                        <a:solidFill>
+                          <a:schemeClr val="tx1"/>
+                        </a:solidFill>
+                      </a:endParaRPr>
+                    </a:p>
+                  </a:txBody>
+                  <a:tcPr/>
+                </a:tc>
+                <a:tc>
+                  <a:txBody>
+                    <a:bodyPr/>
+                    <a:lstStyle/>
+                    <a:p>
+                      <a:pPr algn="l">
+                        <a:buNone/>
+                      </a:pPr>
+                      <a:r>
+                        <a:rPr lang="en-US" altLang="zh-CN" dirty="0" smtClean="0">
+                          <a:solidFill>
+                            <a:schemeClr val="tx1"/>
+                          </a:solidFill>
+                        </a:rPr>
+                        <a:t>负责 1.7uml新特性ppt</a:t>
+                      </a:r>
+                      <a:r>
+                        <a:rPr lang="zh-CN" altLang="en-US" dirty="0" smtClean="0">
+                          <a:solidFill>
+                            <a:schemeClr val="tx1"/>
+                          </a:solidFill>
+                        </a:rPr>
+                        <a:t>制作</a:t>
+                      </a:r>
+                      <a:endParaRPr lang="zh-CN" altLang="en-US" dirty="0" smtClean="0">
+                        <a:solidFill>
+                          <a:schemeClr val="tx1"/>
+                        </a:solidFill>
+                      </a:endParaRPr>
+                    </a:p>
+                  </a:txBody>
+                  <a:tcPr/>
+                </a:tc>
+                <a:tc>
+                  <a:txBody>
+                    <a:bodyPr/>
+                    <a:lstStyle/>
+                    <a:p>
+                      <a:pPr algn="l">
+                        <a:buNone/>
+                      </a:pPr>
+                      <a:r>
+                        <a:rPr lang="en-US" altLang="zh-CN" dirty="0" smtClean="0">
+                          <a:solidFill>
+                            <a:schemeClr val="tx1"/>
+                          </a:solidFill>
+                        </a:rPr>
+                        <a:t>9.5</a:t>
+                      </a:r>
+                      <a:endParaRPr lang="en-US" altLang="zh-CN" dirty="0" smtClean="0">
+                        <a:solidFill>
+                          <a:schemeClr val="tx1"/>
+                        </a:solidFill>
+                      </a:endParaRPr>
+                    </a:p>
+                  </a:txBody>
+                  <a:tcPr/>
+                </a:tc>
+              </a:tr>
+              <a:tr h="805815">
+                <a:tc>
+                  <a:txBody>
+                    <a:bodyPr/>
+                    <a:lstStyle/>
+                    <a:p>
+                      <a:pPr algn="l">
+                        <a:buNone/>
+                      </a:pPr>
+                      <a:r>
+                        <a:rPr lang="zh-CN" dirty="0" smtClean="0">
+                          <a:solidFill>
+                            <a:schemeClr val="tx1"/>
+                          </a:solidFill>
+                        </a:rPr>
+                        <a:t>陈子卿</a:t>
+                      </a:r>
+                      <a:endParaRPr lang="zh-CN" dirty="0" smtClean="0">
+                        <a:solidFill>
+                          <a:schemeClr val="tx1"/>
+                        </a:solidFill>
+                      </a:endParaRPr>
+                    </a:p>
+                  </a:txBody>
+                  <a:tcPr>
+                    <a:solidFill>
+                      <a:schemeClr val="accent1">
+                        <a:lumMod val="40000"/>
+                        <a:lumOff val="60000"/>
+                      </a:schemeClr>
+                    </a:solidFill>
+                  </a:tcPr>
+                </a:tc>
+                <a:tc>
+                  <a:txBody>
+                    <a:bodyPr/>
+                    <a:lstStyle/>
+                    <a:p>
+                      <a:pPr algn="l">
+                        <a:buNone/>
+                      </a:pPr>
+                      <a:r>
+                        <a:rPr lang="zh-CN" altLang="en-US" dirty="0" smtClean="0">
+                          <a:solidFill>
+                            <a:schemeClr val="tx1"/>
+                          </a:solidFill>
+                        </a:rPr>
+                        <a:t>负责1.1-1.3的PPT制作，</a:t>
+                      </a:r>
+                      <a:endParaRPr lang="zh-CN" altLang="en-US" dirty="0" smtClean="0">
+                        <a:solidFill>
+                          <a:schemeClr val="tx1"/>
+                        </a:solidFill>
+                      </a:endParaRPr>
+                    </a:p>
+                    <a:p>
+                      <a:pPr algn="l">
+                        <a:buNone/>
+                      </a:pPr>
+                      <a:r>
+                        <a:rPr lang="zh-CN" altLang="en-US" dirty="0" smtClean="0">
+                          <a:solidFill>
+                            <a:schemeClr val="tx1"/>
+                          </a:solidFill>
+                        </a:rPr>
+                        <a:t>1.4 uml结构ppt的制作</a:t>
+                      </a:r>
+                      <a:endParaRPr lang="zh-CN" altLang="en-US" dirty="0" smtClean="0">
+                        <a:solidFill>
+                          <a:schemeClr val="tx1"/>
+                        </a:solidFill>
+                      </a:endParaRPr>
+                    </a:p>
+                  </a:txBody>
+                  <a:tcPr>
+                    <a:solidFill>
+                      <a:schemeClr val="accent1">
+                        <a:lumMod val="40000"/>
+                        <a:lumOff val="60000"/>
+                      </a:schemeClr>
+                    </a:solidFill>
+                  </a:tcPr>
+                </a:tc>
+                <a:tc>
+                  <a:txBody>
+                    <a:bodyPr/>
+                    <a:lstStyle/>
+                    <a:p>
+                      <a:pPr algn="l">
+                        <a:buNone/>
+                      </a:pPr>
+                      <a:r>
+                        <a:rPr lang="en-US" altLang="zh-CN" dirty="0" smtClean="0">
+                          <a:solidFill>
+                            <a:schemeClr val="tx1"/>
+                          </a:solidFill>
+                        </a:rPr>
+                        <a:t>9.7</a:t>
+                      </a:r>
+                      <a:endParaRPr lang="en-US" altLang="zh-CN" dirty="0" smtClean="0">
+                        <a:solidFill>
+                          <a:schemeClr val="tx1"/>
+                        </a:solidFill>
+                      </a:endParaRPr>
+                    </a:p>
+                  </a:txBody>
+                  <a:tcPr>
+                    <a:solidFill>
+                      <a:schemeClr val="accent1">
+                        <a:lumMod val="40000"/>
+                        <a:lumOff val="60000"/>
+                      </a:schemeClr>
+                    </a:solidFill>
+                  </a:tcPr>
+                </a:tc>
+              </a:tr>
+              <a:tr h="733425">
+                <a:tc>
+                  <a:txBody>
+                    <a:bodyPr/>
+                    <a:lstStyle/>
+                    <a:p>
+                      <a:pPr algn="l">
+                        <a:buNone/>
+                      </a:pPr>
+                      <a:r>
+                        <a:rPr lang="zh-CN" altLang="en-US" dirty="0" smtClean="0">
+                          <a:solidFill>
+                            <a:schemeClr val="tx1"/>
+                          </a:solidFill>
+                        </a:rPr>
+                        <a:t>蔡峰</a:t>
+                      </a:r>
+                      <a:endParaRPr lang="zh-CN" altLang="en-US" dirty="0" smtClean="0">
+                        <a:solidFill>
+                          <a:schemeClr val="tx1"/>
+                        </a:solidFill>
+                      </a:endParaRPr>
+                    </a:p>
+                  </a:txBody>
+                  <a:tcPr>
+                    <a:solidFill>
+                      <a:schemeClr val="accent1">
+                        <a:lumMod val="40000"/>
+                        <a:lumOff val="60000"/>
+                      </a:schemeClr>
+                    </a:solidFill>
+                  </a:tcPr>
+                </a:tc>
+                <a:tc>
+                  <a:txBody>
+                    <a:bodyPr/>
+                    <a:lstStyle/>
+                    <a:p>
+                      <a:pPr algn="l">
+                        <a:buNone/>
+                      </a:pPr>
+                      <a:r>
+                        <a:rPr lang="zh-CN" altLang="en-US" dirty="0" smtClean="0">
+                          <a:solidFill>
+                            <a:schemeClr val="tx1"/>
+                          </a:solidFill>
+                        </a:rPr>
+                        <a:t>负责uml视图ppt，</a:t>
+                      </a:r>
+                      <a:r>
+                        <a:rPr lang="en-US" altLang="zh-CN" dirty="0" smtClean="0">
+                          <a:solidFill>
+                            <a:schemeClr val="tx1"/>
+                          </a:solidFill>
+                        </a:rPr>
+                        <a:t>uml</a:t>
+                      </a:r>
+                      <a:r>
+                        <a:rPr lang="zh-CN" altLang="en-US" dirty="0" smtClean="0">
+                          <a:solidFill>
+                            <a:schemeClr val="tx1"/>
+                          </a:solidFill>
+                        </a:rPr>
+                        <a:t>系统开发阶段</a:t>
+                      </a:r>
+                      <a:endParaRPr lang="zh-CN" altLang="en-US" dirty="0" smtClean="0">
+                        <a:solidFill>
+                          <a:schemeClr val="tx1"/>
+                        </a:solidFill>
+                      </a:endParaRPr>
+                    </a:p>
+                  </a:txBody>
+                  <a:tcPr>
+                    <a:solidFill>
+                      <a:schemeClr val="accent1">
+                        <a:lumMod val="40000"/>
+                        <a:lumOff val="60000"/>
+                      </a:schemeClr>
+                    </a:solidFill>
+                  </a:tcPr>
+                </a:tc>
+                <a:tc>
+                  <a:txBody>
+                    <a:bodyPr/>
+                    <a:lstStyle/>
+                    <a:p>
+                      <a:pPr algn="l">
+                        <a:buNone/>
+                      </a:pPr>
+                      <a:r>
+                        <a:rPr lang="en-US" altLang="zh-CN" sz="2100" dirty="0" smtClean="0">
+                          <a:solidFill>
+                            <a:schemeClr val="tx1"/>
+                          </a:solidFill>
+                          <a:sym typeface="+mn-ea"/>
+                        </a:rPr>
+                        <a:t>9.4</a:t>
+                      </a:r>
+                      <a:endParaRPr lang="en-US" altLang="zh-CN" sz="2100" b="0" dirty="0" smtClean="0">
+                        <a:solidFill>
+                          <a:schemeClr val="tx1"/>
+                        </a:solidFill>
+                        <a:sym typeface="+mn-ea"/>
+                      </a:endParaRPr>
+                    </a:p>
+                    <a:p>
+                      <a:pPr algn="l">
+                        <a:buNone/>
+                      </a:pPr>
+                      <a:endParaRPr lang="zh-CN" altLang="en-US" dirty="0" smtClean="0">
+                        <a:solidFill>
+                          <a:schemeClr val="tx1"/>
+                        </a:solidFill>
+                      </a:endParaRPr>
+                    </a:p>
+                  </a:txBody>
+                  <a:tcPr>
+                    <a:solidFill>
+                      <a:schemeClr val="accent1">
+                        <a:lumMod val="40000"/>
+                        <a:lumOff val="60000"/>
+                      </a:schemeClr>
+                    </a:solidFill>
+                  </a:tcPr>
+                </a:tc>
+              </a:tr>
+              <a:tr h="732790">
+                <a:tc>
+                  <a:txBody>
+                    <a:bodyPr/>
+                    <a:lstStyle/>
+                    <a:p>
+                      <a:pPr algn="l">
+                        <a:buNone/>
+                      </a:pPr>
+                      <a:r>
+                        <a:rPr lang="zh-CN" altLang="en-US" dirty="0" smtClean="0">
+                          <a:solidFill>
+                            <a:schemeClr val="tx1"/>
+                          </a:solidFill>
+                        </a:rPr>
+                        <a:t>江亮儒</a:t>
+                      </a:r>
+                      <a:endParaRPr lang="zh-CN" altLang="en-US" dirty="0" smtClean="0">
+                        <a:solidFill>
+                          <a:schemeClr val="tx1"/>
+                        </a:solidFill>
+                      </a:endParaRPr>
+                    </a:p>
+                  </a:txBody>
+                  <a:tcPr>
+                    <a:solidFill>
+                      <a:schemeClr val="accent1">
+                        <a:lumMod val="40000"/>
+                        <a:lumOff val="60000"/>
+                      </a:schemeClr>
+                    </a:solidFill>
+                  </a:tcPr>
+                </a:tc>
+                <a:tc>
+                  <a:txBody>
+                    <a:bodyPr/>
+                    <a:lstStyle/>
+                    <a:p>
+                      <a:pPr algn="l">
+                        <a:buNone/>
+                      </a:pPr>
+                      <a:r>
+                        <a:rPr lang="zh-CN" altLang="en-US" dirty="0" smtClean="0">
+                          <a:solidFill>
+                            <a:schemeClr val="tx1"/>
+                          </a:solidFill>
+                        </a:rPr>
+                        <a:t>负责uml的图ppt</a:t>
+                      </a:r>
+                      <a:endParaRPr lang="zh-CN" altLang="en-US" dirty="0" smtClean="0">
+                        <a:solidFill>
+                          <a:schemeClr val="tx1"/>
+                        </a:solidFill>
+                      </a:endParaRPr>
+                    </a:p>
+                  </a:txBody>
+                  <a:tcPr>
+                    <a:solidFill>
+                      <a:schemeClr val="accent1">
+                        <a:lumMod val="40000"/>
+                        <a:lumOff val="60000"/>
+                      </a:schemeClr>
+                    </a:solidFill>
+                  </a:tcPr>
+                </a:tc>
+                <a:tc>
+                  <a:txBody>
+                    <a:bodyPr/>
+                    <a:lstStyle/>
+                    <a:p>
+                      <a:pPr algn="l">
+                        <a:buNone/>
+                      </a:pPr>
+                      <a:r>
+                        <a:rPr lang="en-US" altLang="zh-CN" dirty="0" smtClean="0">
+                          <a:solidFill>
+                            <a:schemeClr val="tx1"/>
+                          </a:solidFill>
+                        </a:rPr>
+                        <a:t>9.5</a:t>
+                      </a:r>
+                      <a:endParaRPr lang="en-US" altLang="zh-CN" dirty="0" smtClean="0">
+                        <a:solidFill>
+                          <a:schemeClr val="tx1"/>
+                        </a:solidFill>
+                      </a:endParaRPr>
+                    </a:p>
+                  </a:txBody>
+                  <a:tcPr>
+                    <a:solidFill>
+                      <a:schemeClr val="accent1">
+                        <a:lumMod val="40000"/>
+                        <a:lumOff val="60000"/>
+                      </a:schemeClr>
+                    </a:solidFill>
+                  </a:tcPr>
+                </a:tc>
+              </a:tr>
+            </a:tbl>
+          </a:graphicData>
+        </a:graphic>
+      </p:graphicFrame>
+    </p:spTree>
+  </p:cSld>
+  <p:clrMapOvr>
+    <a:masterClrMapping/>
+  </p:clrMapOvr>
+  <mc:AlternateContent xmlns:mc="http://schemas.openxmlformats.org/markup-compatibility/2006">
+    <mc:Choice xmlns:p14="http://schemas.microsoft.com/office/powerpoint/2010/main" Requires="p14">
+      <p:transition spd="slow" p14:dur="1200" advClick="0" advTm="0">
+        <p14:prism/>
+      </p:transition>
+    </mc:Choice>
+    <mc:Fallback>
+      <p:transition spd="slow" advClick="0" advTm="0">
+        <p:fade/>
+      </p:transition>
+    </mc:Fallback>
+  </mc:AlternateContent>
+  <p:timing>
+    <p:tnLst>
+      <p:par>
+        <p:cTn id="1" dur="indefinite" restart="never" nodeType="tmRoot">
+          <p:childTnLst>
+            <p:seq concurrent="1" nextAc="seek">
+              <p:cTn id="2" dur="indefinite" nodeType="mainSeq">
+                <p:childTnLst>
+                  <p:par>
+                    <p:cTn id="3" fill="hold">
+                      <p:stCondLst>
+                        <p:cond delay="indefinite"/>
+                        <p:cond evt="onBegin" delay="0">
+                          <p:tn val="2"/>
+                        </p:cond>
+                      </p:stCondLst>
+                      <p:childTnLst>
+                        <p:par>
+                          <p:cTn id="4" fill="hold">
+                            <p:stCondLst>
+                              <p:cond delay="0"/>
+                            </p:stCondLst>
+                            <p:childTnLst>
+                              <p:par>
+                                <p:cTn id="5" presetID="2" presetClass="entr" presetSubtype="8" fill="hold" grpId="0" nodeType="afterEffect">
+                                  <p:stCondLst>
+                                    <p:cond delay="0"/>
+                                  </p:stCondLst>
+                                  <p:childTnLst>
+                                    <p:set>
+                                      <p:cBhvr>
+                                        <p:cTn id="6" dur="1" fill="hold">
+                                          <p:stCondLst>
+                                            <p:cond delay="0"/>
+                                          </p:stCondLst>
+                                        </p:cTn>
+                                        <p:tgtEl>
+                                          <p:spTgt spid="36"/>
+                                        </p:tgtEl>
+                                        <p:attrNameLst>
+                                          <p:attrName>style.visibility</p:attrName>
+                                        </p:attrNameLst>
+                                      </p:cBhvr>
+                                      <p:to>
+                                        <p:strVal val="visible"/>
+                                      </p:to>
+                                    </p:set>
+                                    <p:anim calcmode="lin" valueType="num">
+                                      <p:cBhvr additive="base">
+                                        <p:cTn id="7" dur="500" fill="hold"/>
+                                        <p:tgtEl>
+                                          <p:spTgt spid="36"/>
+                                        </p:tgtEl>
+                                        <p:attrNameLst>
+                                          <p:attrName>ppt_x</p:attrName>
+                                        </p:attrNameLst>
+                                      </p:cBhvr>
+                                      <p:tavLst>
+                                        <p:tav tm="0">
+                                          <p:val>
+                                            <p:strVal val="0-#ppt_w/2"/>
+                                          </p:val>
+                                        </p:tav>
+                                        <p:tav tm="100000">
+                                          <p:val>
+                                            <p:strVal val="#ppt_x"/>
+                                          </p:val>
+                                        </p:tav>
+                                      </p:tavLst>
+                                    </p:anim>
+                                    <p:anim calcmode="lin" valueType="num">
+                                      <p:cBhvr additive="base">
+                                        <p:cTn id="8" dur="500" fill="hold"/>
+                                        <p:tgtEl>
+                                          <p:spTgt spid="36"/>
+                                        </p:tgtEl>
+                                        <p:attrNameLst>
+                                          <p:attrName>ppt_y</p:attrName>
+                                        </p:attrNameLst>
+                                      </p:cBhvr>
+                                      <p:tavLst>
+                                        <p:tav tm="0">
+                                          <p:val>
+                                            <p:strVal val="#ppt_y"/>
+                                          </p:val>
+                                        </p:tav>
+                                        <p:tav tm="100000">
+                                          <p:val>
+                                            <p:strVal val="#ppt_y"/>
+                                          </p:val>
+                                        </p:tav>
+                                      </p:tavLst>
+                                    </p:anim>
+                                  </p:childTnLst>
+                                </p:cTn>
+                              </p:par>
+                            </p:childTnLst>
+                          </p:cTn>
+                        </p:par>
+                        <p:par>
+                          <p:cTn id="9" fill="hold">
+                            <p:stCondLst>
+                              <p:cond delay="500"/>
+                            </p:stCondLst>
+                            <p:childTnLst>
+                              <p:par>
+                                <p:cTn id="10" presetID="17" presetClass="entr" presetSubtype="1" fill="hold" grpId="0" nodeType="afterEffect">
+                                  <p:stCondLst>
+                                    <p:cond delay="0"/>
+                                  </p:stCondLst>
+                                  <p:iterate type="lt">
+                                    <p:tmPct val="40000"/>
+                                  </p:iterate>
+                                  <p:childTnLst>
+                                    <p:set>
+                                      <p:cBhvr>
+                                        <p:cTn id="11" dur="1" fill="hold">
+                                          <p:stCondLst>
+                                            <p:cond delay="0"/>
+                                          </p:stCondLst>
+                                        </p:cTn>
+                                        <p:tgtEl>
+                                          <p:spTgt spid="37"/>
+                                        </p:tgtEl>
+                                        <p:attrNameLst>
+                                          <p:attrName>style.visibility</p:attrName>
+                                        </p:attrNameLst>
+                                      </p:cBhvr>
+                                      <p:to>
+                                        <p:strVal val="visible"/>
+                                      </p:to>
+                                    </p:set>
+                                    <p:anim calcmode="lin" valueType="num">
+                                      <p:cBhvr>
+                                        <p:cTn id="12" dur="250" fill="hold"/>
+                                        <p:tgtEl>
+                                          <p:spTgt spid="37"/>
+                                        </p:tgtEl>
+                                        <p:attrNameLst>
+                                          <p:attrName>ppt_x</p:attrName>
+                                        </p:attrNameLst>
+                                      </p:cBhvr>
+                                      <p:tavLst>
+                                        <p:tav tm="0">
+                                          <p:val>
+                                            <p:strVal val="#ppt_x"/>
+                                          </p:val>
+                                        </p:tav>
+                                        <p:tav tm="100000">
+                                          <p:val>
+                                            <p:strVal val="#ppt_x"/>
+                                          </p:val>
+                                        </p:tav>
+                                      </p:tavLst>
+                                    </p:anim>
+                                    <p:anim calcmode="lin" valueType="num">
+                                      <p:cBhvr>
+                                        <p:cTn id="13" dur="250" fill="hold"/>
+                                        <p:tgtEl>
+                                          <p:spTgt spid="37"/>
+                                        </p:tgtEl>
+                                        <p:attrNameLst>
+                                          <p:attrName>ppt_y</p:attrName>
+                                        </p:attrNameLst>
+                                      </p:cBhvr>
+                                      <p:tavLst>
+                                        <p:tav tm="0">
+                                          <p:val>
+                                            <p:strVal val="#ppt_y-#ppt_h/2"/>
+                                          </p:val>
+                                        </p:tav>
+                                        <p:tav tm="100000">
+                                          <p:val>
+                                            <p:strVal val="#ppt_y"/>
+                                          </p:val>
+                                        </p:tav>
+                                      </p:tavLst>
+                                    </p:anim>
+                                    <p:anim calcmode="lin" valueType="num">
+                                      <p:cBhvr>
+                                        <p:cTn id="14" dur="250" fill="hold"/>
+                                        <p:tgtEl>
+                                          <p:spTgt spid="37"/>
+                                        </p:tgtEl>
+                                        <p:attrNameLst>
+                                          <p:attrName>ppt_w</p:attrName>
+                                        </p:attrNameLst>
+                                      </p:cBhvr>
+                                      <p:tavLst>
+                                        <p:tav tm="0">
+                                          <p:val>
+                                            <p:strVal val="#ppt_w"/>
+                                          </p:val>
+                                        </p:tav>
+                                        <p:tav tm="100000">
+                                          <p:val>
+                                            <p:strVal val="#ppt_w"/>
+                                          </p:val>
+                                        </p:tav>
+                                      </p:tavLst>
+                                    </p:anim>
+                                    <p:anim calcmode="lin" valueType="num">
+                                      <p:cBhvr>
+                                        <p:cTn id="15" dur="250" fill="hold"/>
+                                        <p:tgtEl>
+                                          <p:spTgt spid="37"/>
+                                        </p:tgtEl>
+                                        <p:attrNameLst>
+                                          <p:attrName>ppt_h</p:attrName>
+                                        </p:attrNameLst>
+                                      </p:cBhvr>
+                                      <p:tavLst>
+                                        <p:tav tm="0">
+                                          <p:val>
+                                            <p:fltVal val="0"/>
+                                          </p:val>
+                                        </p:tav>
+                                        <p:tav tm="100000">
+                                          <p:val>
+                                            <p:strVal val="#ppt_h"/>
+                                          </p:val>
+                                        </p:tav>
+                                      </p:tavLst>
+                                    </p:anim>
+                                  </p:childTnLst>
+                                </p:cTn>
+                              </p:par>
+                            </p:childTnLst>
+                          </p:cTn>
+                        </p:par>
+                      </p:childTnLst>
+                    </p:cTn>
+                  </p:par>
+                </p:childTnLst>
+              </p:cTn>
+              <p:prevCondLst>
+                <p:cond evt="onPrev" delay="0">
+                  <p:tgtEl>
+                    <p:sldTgt/>
+                  </p:tgtEl>
+                </p:cond>
+              </p:prevCondLst>
+              <p:nextCondLst>
+                <p:cond evt="onNext" delay="0">
+                  <p:tgtEl>
+                    <p:sldTgt/>
+                  </p:tgtEl>
+                </p:cond>
+              </p:nextCondLst>
+            </p:seq>
+          </p:childTnLst>
+        </p:cTn>
+      </p:par>
+    </p:tnLst>
+    <p:bldLst>
+      <p:bldP spid="36" grpId="0" bldLvl="0" animBg="1"/>
+      <p:bldP spid="37" grpId="0"/>
+    </p:bldLst>
+  </p:timing>
+</p:sld>
+</file>
+
+<file path=ppt/slides/slide25.xml><?xml version="1.0" encoding="utf-8"?>
 <p:sld xmlns:a="http://schemas.openxmlformats.org/drawingml/2006/main" xmlns:r="http://schemas.openxmlformats.org/officeDocument/2006/relationships" xmlns:p="http://schemas.openxmlformats.org/presentationml/2006/main">
   <p:cSld>
     <p:spTree>
@@ -14578,6 +16667,16 @@
               </a:rPr>
               <a:t>汇报结束 感谢观看</a:t>
             </a:r>
+            <a:endParaRPr lang="zh-CN" altLang="en-US" sz="3600" b="1" dirty="0">
+              <a:solidFill>
+                <a:schemeClr val="tx1">
+                  <a:lumMod val="75000"/>
+                  <a:lumOff val="25000"/>
+                </a:schemeClr>
+              </a:solidFill>
+              <a:latin typeface="微软雅黑" panose="020B0503020204020204" pitchFamily="34" charset="-122"/>
+              <a:ea typeface="微软雅黑" panose="020B0503020204020204" pitchFamily="34" charset="-122"/>
+            </a:endParaRPr>
           </a:p>
         </p:txBody>
       </p:sp>
@@ -14739,16 +16838,16 @@
             <a:picLocks noChangeAspect="1"/>
           </p:cNvPicPr>
           <p:nvPr>
-            <a:audioFile r:link="rId2"/>
+            <a:audioFile r:link="rId1"/>
             <p:extLst>
               <p:ext uri="{DAA4B4D4-6D71-4841-9C94-3DE7FCFB9230}">
-                <p14:media xmlns:p14="http://schemas.microsoft.com/office/powerpoint/2010/main" r:embed="rId1"/>
+                <p14:media xmlns:p14="http://schemas.microsoft.com/office/powerpoint/2010/main" r:embed="rId2"/>
               </p:ext>
             </p:extLst>
           </p:nvPr>
         </p:nvPicPr>
         <p:blipFill>
-          <a:blip r:embed="rId5"/>
+          <a:blip r:embed="rId3"/>
           <a:stretch>
             <a:fillRect/>
           </a:stretch>
@@ -14796,6 +16895,14 @@
               </a:rPr>
               <a:t>浙江大学城市学院</a:t>
             </a:r>
+            <a:endParaRPr lang="zh-CN" altLang="en-US" kern="300" spc="2000">
+              <a:solidFill>
+                <a:schemeClr val="tx1"/>
+              </a:solidFill>
+              <a:uFillTx/>
+              <a:latin typeface="+中文标题" charset="0"/>
+              <a:ea typeface="+mj-ea"/>
+            </a:endParaRPr>
           </a:p>
         </p:txBody>
       </p:sp>
@@ -14804,13 +16911,13 @@
   <p:clrMapOvr>
     <a:masterClrMapping/>
   </p:clrMapOvr>
-  <mc:AlternateContent xmlns:mc="http://schemas.openxmlformats.org/markup-compatibility/2006" xmlns:p14="http://schemas.microsoft.com/office/powerpoint/2010/main">
-    <mc:Choice Requires="p14">
+  <mc:AlternateContent xmlns:mc="http://schemas.openxmlformats.org/markup-compatibility/2006">
+    <mc:Choice xmlns:p14="http://schemas.microsoft.com/office/powerpoint/2010/main" Requires="p14">
       <p:transition spd="slow" p14:dur="1600" advClick="0" advTm="0">
         <p:blinds dir="vert"/>
       </p:transition>
     </mc:Choice>
-    <mc:Fallback xmlns="">
+    <mc:Fallback>
       <p:transition spd="slow" advClick="0" advTm="0">
         <p:blinds dir="vert"/>
       </p:transition>
@@ -15753,6 +17860,13 @@
               </a:rPr>
               <a:t>引言：什么是界面原型</a:t>
             </a:r>
+            <a:endParaRPr lang="zh-CN" sz="2665" dirty="0">
+              <a:solidFill>
+                <a:srgbClr val="183A5D"/>
+              </a:solidFill>
+              <a:latin typeface="微软雅黑" panose="020B0503020204020204" pitchFamily="34" charset="-122"/>
+              <a:ea typeface="微软雅黑" panose="020B0503020204020204" pitchFamily="34" charset="-122"/>
+            </a:endParaRPr>
           </a:p>
         </p:txBody>
       </p:sp>
@@ -15859,7 +17973,6 @@
             <a:pPr lvl="0"/>
             <a:r>
               <a:rPr lang="zh-CN" altLang="en-US" sz="2400" dirty="0">
-                <a:ln/>
                 <a:solidFill>
                   <a:srgbClr val="0070C0"/>
                 </a:solidFill>
@@ -15875,7 +17988,6 @@
             </a:r>
             <a:r>
               <a:rPr lang="en-US" altLang="zh-CN" sz="2400" dirty="0">
-                <a:ln/>
                 <a:solidFill>
                   <a:srgbClr val="0070C0"/>
                 </a:solidFill>
@@ -15891,7 +18003,6 @@
             </a:r>
             <a:r>
               <a:rPr lang="zh-CN" altLang="en-US" sz="2400" dirty="0">
-                <a:ln/>
                 <a:solidFill>
                   <a:srgbClr val="0070C0"/>
                 </a:solidFill>
@@ -15906,7 +18017,6 @@
               <a:t>）</a:t>
             </a:r>
             <a:endParaRPr lang="zh-CN" altLang="en-US" sz="2400" dirty="0">
-              <a:ln/>
               <a:solidFill>
                 <a:schemeClr val="tx1"/>
               </a:solidFill>
@@ -15923,7 +18033,6 @@
             <a:pPr lvl="0"/>
             <a:r>
               <a:rPr lang="zh-CN" altLang="en-US" sz="2400" dirty="0">
-                <a:ln/>
                 <a:solidFill>
                   <a:schemeClr val="tx1"/>
                 </a:solidFill>
@@ -15937,27 +18046,7 @@
               </a:rPr>
               <a:t>UI即 User Interface(用户界面)的简称。UI设计则是指对软件的人机交互、操作逻辑、界面美观的整体设计。好的UI设计不仅是让软件变得有个性有品味，还要让软件的操作变得舒适、简单、自由,充分体现软件的定位和特点。</a:t>
             </a:r>
-          </a:p>
-          <a:p>
-            <a:pPr lvl="0"/>
-            <a:r>
-              <a:rPr lang="zh-CN" altLang="en-US" sz="2400" dirty="0">
-                <a:ln/>
-                <a:solidFill>
-                  <a:srgbClr val="0070C0"/>
-                </a:solidFill>
-                <a:effectLst>
-                  <a:outerShdw blurRad="38100" dist="19050" dir="2700000" algn="tl" rotWithShape="0">
-                    <a:schemeClr val="dk1">
-                      <a:alpha val="40000"/>
-                    </a:schemeClr>
-                  </a:outerShdw>
-                </a:effectLst>
-              </a:rPr>
-              <a:t>原型（prototype）</a:t>
-            </a:r>
             <a:endParaRPr lang="zh-CN" altLang="en-US" sz="2400" dirty="0">
-              <a:ln/>
               <a:solidFill>
                 <a:schemeClr val="tx1"/>
               </a:solidFill>
@@ -15973,10 +18062,9 @@
           <a:p>
             <a:pPr lvl="0"/>
             <a:r>
-              <a:rPr lang="en-US" altLang="zh-CN" sz="2400" dirty="0">
-                <a:ln/>
-                <a:solidFill>
-                  <a:schemeClr val="tx1"/>
+              <a:rPr lang="zh-CN" altLang="en-US" sz="2400" dirty="0">
+                <a:solidFill>
+                  <a:srgbClr val="0070C0"/>
                 </a:solidFill>
                 <a:effectLst>
                   <a:outerShdw blurRad="38100" dist="19050" dir="2700000" algn="tl" rotWithShape="0">
@@ -15986,64 +18074,9 @@
                   </a:outerShdw>
                 </a:effectLst>
               </a:rPr>
-              <a:t>1.</a:t>
-            </a:r>
-            <a:r>
-              <a:rPr lang="zh-CN" altLang="en-US" sz="2400" dirty="0">
-                <a:ln/>
-                <a:solidFill>
-                  <a:schemeClr val="tx1"/>
-                </a:solidFill>
-                <a:effectLst>
-                  <a:outerShdw blurRad="38100" dist="19050" dir="2700000" algn="tl" rotWithShape="0">
-                    <a:schemeClr val="dk1">
-                      <a:alpha val="40000"/>
-                    </a:schemeClr>
-                  </a:outerShdw>
-                </a:effectLst>
-              </a:rPr>
-              <a:t>即把系统主要功能和接口通过快速开发制作为“软件样机”（或者静态稿）以可视化的形式展现给用户，及时征求用户意见，从而明确无误地确定用户需求。</a:t>
-            </a:r>
-          </a:p>
-          <a:p>
-            <a:pPr lvl="0"/>
-            <a:r>
-              <a:rPr lang="en-US" altLang="zh-CN" sz="2400" dirty="0">
-                <a:ln/>
-                <a:solidFill>
-                  <a:schemeClr val="tx1"/>
-                </a:solidFill>
-                <a:effectLst>
-                  <a:outerShdw blurRad="38100" dist="19050" dir="2700000" algn="tl" rotWithShape="0">
-                    <a:schemeClr val="dk1">
-                      <a:alpha val="40000"/>
-                    </a:schemeClr>
-                  </a:outerShdw>
-                </a:effectLst>
-              </a:rPr>
-              <a:t>2.</a:t>
-            </a:r>
-            <a:r>
-              <a:rPr lang="zh-CN" altLang="en-US" sz="2400" dirty="0">
-                <a:ln/>
-                <a:solidFill>
-                  <a:schemeClr val="tx1"/>
-                </a:solidFill>
-                <a:effectLst>
-                  <a:outerShdw blurRad="38100" dist="19050" dir="2700000" algn="tl" rotWithShape="0">
-                    <a:schemeClr val="dk1">
-                      <a:alpha val="40000"/>
-                    </a:schemeClr>
-                  </a:outerShdw>
-                </a:effectLst>
-              </a:rPr>
-              <a:t>原型也可用于征求内部意见，作为分析和设计的接口之一，可方便于沟通。</a:t>
-            </a:r>
-          </a:p>
-          <a:p>
-            <a:pPr lvl="0"/>
+              <a:t>原型（prototype）</a:t>
+            </a:r>
             <a:endParaRPr lang="zh-CN" altLang="en-US" sz="2400" dirty="0">
-              <a:ln/>
               <a:solidFill>
                 <a:schemeClr val="tx1"/>
               </a:solidFill>
@@ -16059,8 +18092,112 @@
           <a:p>
             <a:pPr lvl="0"/>
             <a:r>
+              <a:rPr lang="en-US" altLang="zh-CN" sz="2400" dirty="0">
+                <a:solidFill>
+                  <a:schemeClr val="tx1"/>
+                </a:solidFill>
+                <a:effectLst>
+                  <a:outerShdw blurRad="38100" dist="19050" dir="2700000" algn="tl" rotWithShape="0">
+                    <a:schemeClr val="dk1">
+                      <a:alpha val="40000"/>
+                    </a:schemeClr>
+                  </a:outerShdw>
+                </a:effectLst>
+              </a:rPr>
+              <a:t>1.</a:t>
+            </a:r>
+            <a:r>
               <a:rPr lang="zh-CN" altLang="en-US" sz="2400" dirty="0">
-                <a:ln/>
+                <a:solidFill>
+                  <a:schemeClr val="tx1"/>
+                </a:solidFill>
+                <a:effectLst>
+                  <a:outerShdw blurRad="38100" dist="19050" dir="2700000" algn="tl" rotWithShape="0">
+                    <a:schemeClr val="dk1">
+                      <a:alpha val="40000"/>
+                    </a:schemeClr>
+                  </a:outerShdw>
+                </a:effectLst>
+              </a:rPr>
+              <a:t>即把系统主要功能和接口通过快速开发制作为“软件样机”（或者静态稿）以可视化的形式展现给用户，及时征求用户意见，从而明确无误地确定用户需求。</a:t>
+            </a:r>
+            <a:endParaRPr lang="zh-CN" altLang="en-US" sz="2400" dirty="0">
+              <a:solidFill>
+                <a:schemeClr val="tx1"/>
+              </a:solidFill>
+              <a:effectLst>
+                <a:outerShdw blurRad="38100" dist="19050" dir="2700000" algn="tl" rotWithShape="0">
+                  <a:schemeClr val="dk1">
+                    <a:alpha val="40000"/>
+                  </a:schemeClr>
+                </a:outerShdw>
+              </a:effectLst>
+            </a:endParaRPr>
+          </a:p>
+          <a:p>
+            <a:pPr lvl="0"/>
+            <a:r>
+              <a:rPr lang="en-US" altLang="zh-CN" sz="2400" dirty="0">
+                <a:solidFill>
+                  <a:schemeClr val="tx1"/>
+                </a:solidFill>
+                <a:effectLst>
+                  <a:outerShdw blurRad="38100" dist="19050" dir="2700000" algn="tl" rotWithShape="0">
+                    <a:schemeClr val="dk1">
+                      <a:alpha val="40000"/>
+                    </a:schemeClr>
+                  </a:outerShdw>
+                </a:effectLst>
+              </a:rPr>
+              <a:t>2.</a:t>
+            </a:r>
+            <a:r>
+              <a:rPr lang="zh-CN" altLang="en-US" sz="2400" dirty="0">
+                <a:solidFill>
+                  <a:schemeClr val="tx1"/>
+                </a:solidFill>
+                <a:effectLst>
+                  <a:outerShdw blurRad="38100" dist="19050" dir="2700000" algn="tl" rotWithShape="0">
+                    <a:schemeClr val="dk1">
+                      <a:alpha val="40000"/>
+                    </a:schemeClr>
+                  </a:outerShdw>
+                </a:effectLst>
+              </a:rPr>
+              <a:t>原型也可用于征求内部意见，作为分析和设计的接口之一，可方便于沟通。</a:t>
+            </a:r>
+            <a:endParaRPr lang="zh-CN" altLang="en-US" sz="2400" dirty="0">
+              <a:solidFill>
+                <a:schemeClr val="tx1"/>
+              </a:solidFill>
+              <a:effectLst>
+                <a:outerShdw blurRad="38100" dist="19050" dir="2700000" algn="tl" rotWithShape="0">
+                  <a:schemeClr val="dk1">
+                    <a:alpha val="40000"/>
+                  </a:schemeClr>
+                </a:outerShdw>
+              </a:effectLst>
+            </a:endParaRPr>
+          </a:p>
+          <a:p>
+            <a:pPr lvl="0"/>
+            <a:endParaRPr lang="zh-CN" altLang="en-US" sz="2400" dirty="0">
+              <a:solidFill>
+                <a:schemeClr val="tx1"/>
+              </a:solidFill>
+              <a:effectLst>
+                <a:outerShdw blurRad="38100" dist="19050" dir="2700000" algn="tl" rotWithShape="0">
+                  <a:schemeClr val="dk1">
+                    <a:alpha val="40000"/>
+                  </a:schemeClr>
+                </a:outerShdw>
+              </a:effectLst>
+            </a:endParaRPr>
+          </a:p>
+          <a:p>
+            <a:pPr lvl="0"/>
+            <a:r>
+              <a:rPr lang="zh-CN" altLang="en-US" sz="2400" dirty="0">
                 <a:solidFill>
                   <a:schemeClr val="tx1"/>
                 </a:solidFill>
@@ -16076,7 +18213,6 @@
             </a:r>
             <a:r>
               <a:rPr lang="en-US" altLang="zh-CN" sz="2400" dirty="0">
-                <a:ln/>
                 <a:solidFill>
                   <a:schemeClr val="tx1"/>
                 </a:solidFill>
@@ -16092,7 +18228,6 @@
             </a:r>
             <a:r>
               <a:rPr lang="zh-CN" altLang="en-US" sz="2400" dirty="0">
-                <a:ln/>
                 <a:solidFill>
                   <a:schemeClr val="tx1"/>
                 </a:solidFill>
@@ -16108,7 +18243,6 @@
             </a:r>
             <a:r>
               <a:rPr lang="en-US" altLang="zh-CN" sz="2400" dirty="0">
-                <a:ln/>
                 <a:solidFill>
                   <a:schemeClr val="tx1"/>
                 </a:solidFill>
@@ -16122,6 +18256,18 @@
               </a:rPr>
               <a:t>2018-11-3 9:48</a:t>
             </a:r>
+            <a:endParaRPr lang="en-US" altLang="zh-CN" sz="2400" dirty="0">
+              <a:solidFill>
+                <a:schemeClr val="tx1"/>
+              </a:solidFill>
+              <a:effectLst>
+                <a:outerShdw blurRad="38100" dist="19050" dir="2700000" algn="tl" rotWithShape="0">
+                  <a:schemeClr val="dk1">
+                    <a:alpha val="40000"/>
+                  </a:schemeClr>
+                </a:outerShdw>
+              </a:effectLst>
+            </a:endParaRPr>
           </a:p>
         </p:txBody>
       </p:sp>
@@ -16792,7 +18938,6 @@
               <a:t>引言：什么是界面原型</a:t>
             </a:r>
             <a:endParaRPr lang="zh-CN" sz="2660" kern="100" dirty="0" smtClean="0">
-              <a:ln/>
               <a:solidFill>
                 <a:schemeClr val="tx1"/>
               </a:solidFill>
@@ -16861,6 +19006,13 @@
                 </a:rPr>
                 <a:t>什么是界面原型设计：</a:t>
               </a:r>
+              <a:endParaRPr lang="zh-CN" altLang="en-US" sz="2800" b="0" i="0" dirty="0">
+                <a:solidFill>
+                  <a:srgbClr val="000000"/>
+                </a:solidFill>
+                <a:effectLst/>
+                <a:latin typeface="Verdana" panose="020B0604030504040204" pitchFamily="34" charset="0"/>
+              </a:endParaRPr>
             </a:p>
             <a:p>
               <a:pPr fontAlgn="auto">
@@ -16908,6 +19060,13 @@
                 </a:rPr>
                 <a:t>。</a:t>
               </a:r>
+              <a:endParaRPr lang="zh-CN" altLang="en-US" sz="2800" b="0" i="0" dirty="0">
+                <a:solidFill>
+                  <a:srgbClr val="000000"/>
+                </a:solidFill>
+                <a:effectLst/>
+                <a:latin typeface="Verdana" panose="020B0604030504040204" pitchFamily="34" charset="0"/>
+              </a:endParaRPr>
             </a:p>
             <a:p>
               <a:pPr fontAlgn="auto">
@@ -16955,6 +19114,13 @@
                 </a:rPr>
                 <a:t>。</a:t>
               </a:r>
+              <a:endParaRPr lang="zh-CN" altLang="en-US" sz="2800" b="0" i="0" dirty="0">
+                <a:solidFill>
+                  <a:srgbClr val="000000"/>
+                </a:solidFill>
+                <a:effectLst/>
+                <a:latin typeface="Verdana" panose="020B0604030504040204" pitchFamily="34" charset="0"/>
+              </a:endParaRPr>
             </a:p>
             <a:p>
               <a:pPr fontAlgn="auto">
@@ -17002,6 +19168,13 @@
                 </a:rPr>
                 <a:t>会贯穿整个产品。</a:t>
               </a:r>
+              <a:endParaRPr lang="zh-CN" altLang="en-US" sz="2800" b="0" i="0" dirty="0">
+                <a:solidFill>
+                  <a:srgbClr val="000000"/>
+                </a:solidFill>
+                <a:effectLst/>
+                <a:latin typeface="Verdana" panose="020B0604030504040204" pitchFamily="34" charset="0"/>
+              </a:endParaRPr>
             </a:p>
             <a:p>
               <a:pPr fontAlgn="auto">
@@ -17478,6 +19651,12 @@
                 </a:rPr>
                 <a:t>下列角色使用用户界面原型：</a:t>
               </a:r>
+              <a:endParaRPr lang="zh-CN" sz="2800" dirty="0">
+                <a:solidFill>
+                  <a:srgbClr val="000000"/>
+                </a:solidFill>
+                <a:latin typeface="Verdana" panose="020B0604030504040204" pitchFamily="34" charset="0"/>
+              </a:endParaRPr>
             </a:p>
             <a:p>
               <a:pPr fontAlgn="auto">
@@ -17503,6 +19682,12 @@
                 </a:rPr>
                 <a:t>，用来了解用例的用户界面；</a:t>
               </a:r>
+              <a:endParaRPr lang="zh-CN" sz="2800" dirty="0">
+                <a:solidFill>
+                  <a:srgbClr val="000000"/>
+                </a:solidFill>
+                <a:latin typeface="Verdana" panose="020B0604030504040204" pitchFamily="34" charset="0"/>
+              </a:endParaRPr>
             </a:p>
             <a:p>
               <a:pPr fontAlgn="auto">
@@ -17528,6 +19713,12 @@
                 </a:rPr>
                 <a:t>，用来了解用户界面如何影响系统分析；</a:t>
               </a:r>
+              <a:endParaRPr lang="zh-CN" sz="2800" dirty="0">
+                <a:solidFill>
+                  <a:srgbClr val="000000"/>
+                </a:solidFill>
+                <a:latin typeface="Verdana" panose="020B0604030504040204" pitchFamily="34" charset="0"/>
+              </a:endParaRPr>
             </a:p>
             <a:p>
               <a:pPr fontAlgn="auto">
@@ -17553,6 +19744,12 @@
                 </a:rPr>
                 <a:t>，用来了解用户界面如何施加影响及它对系统“内部”的要求；</a:t>
               </a:r>
+              <a:endParaRPr lang="zh-CN" sz="2800" dirty="0">
+                <a:solidFill>
+                  <a:srgbClr val="000000"/>
+                </a:solidFill>
+                <a:latin typeface="Verdana" panose="020B0604030504040204" pitchFamily="34" charset="0"/>
+              </a:endParaRPr>
             </a:p>
             <a:p>
               <a:pPr fontAlgn="auto">
@@ -17962,6 +20159,12 @@
                 </a:rPr>
                 <a:t> 可建立三种基本原型：</a:t>
               </a:r>
+              <a:endParaRPr lang="zh-CN" sz="2800" dirty="0">
+                <a:solidFill>
+                  <a:srgbClr val="000000"/>
+                </a:solidFill>
+                <a:latin typeface="Verdana" panose="020B0604030504040204" pitchFamily="34" charset="0"/>
+              </a:endParaRPr>
             </a:p>
             <a:p>
               <a:endParaRPr lang="zh-CN" sz="2800" dirty="0">
@@ -17981,6 +20184,12 @@
                 </a:rPr>
                 <a:t>     图纸（在纸上）</a:t>
               </a:r>
+              <a:endParaRPr lang="zh-CN" sz="2800" dirty="0">
+                <a:solidFill>
+                  <a:srgbClr val="000000"/>
+                </a:solidFill>
+                <a:latin typeface="Verdana" panose="020B0604030504040204" pitchFamily="34" charset="0"/>
+              </a:endParaRPr>
             </a:p>
             <a:p>
               <a:endParaRPr lang="zh-CN" sz="2800" dirty="0">
@@ -18179,7 +20388,7 @@
           <p:nvPr/>
         </p:nvPicPr>
         <p:blipFill>
-          <a:blip r:embed="rId2"/>
+          <a:blip r:embed="rId1"/>
           <a:stretch>
             <a:fillRect/>
           </a:stretch>
@@ -18451,6 +20660,12 @@
                 </a:rPr>
                 <a:t>     </a:t>
               </a:r>
+              <a:endParaRPr lang="zh-CN" sz="2800" dirty="0">
+                <a:solidFill>
+                  <a:srgbClr val="000000"/>
+                </a:solidFill>
+                <a:latin typeface="Verdana" panose="020B0604030504040204" pitchFamily="34" charset="0"/>
+              </a:endParaRPr>
             </a:p>
             <a:p>
               <a:r>
@@ -18462,6 +20677,12 @@
                 </a:rPr>
                 <a:t>     位图（绘图工具）</a:t>
               </a:r>
+              <a:endParaRPr lang="zh-CN" sz="2800" dirty="0">
+                <a:solidFill>
+                  <a:srgbClr val="000000"/>
+                </a:solidFill>
+                <a:latin typeface="Verdana" panose="020B0604030504040204" pitchFamily="34" charset="0"/>
+              </a:endParaRPr>
             </a:p>
             <a:p>
               <a:endParaRPr lang="zh-CN" dirty="0">
@@ -18599,7 +20820,7 @@
           <p:nvPr/>
         </p:nvPicPr>
         <p:blipFill>
-          <a:blip r:embed="rId2"/>
+          <a:blip r:embed="rId1"/>
           <a:stretch>
             <a:fillRect/>
           </a:stretch>
@@ -18865,6 +21086,12 @@
               </a:rPr>
               <a:t>     可执行文件（交互式）</a:t>
             </a:r>
+            <a:endParaRPr lang="zh-CN" sz="2800" dirty="0">
+              <a:solidFill>
+                <a:srgbClr val="000000"/>
+              </a:solidFill>
+              <a:latin typeface="Verdana" panose="020B0604030504040204" pitchFamily="34" charset="0"/>
+            </a:endParaRPr>
           </a:p>
           <a:p>
             <a:r>
@@ -18903,7 +21130,7 @@
           <p:nvPr/>
         </p:nvPicPr>
         <p:blipFill>
-          <a:blip r:embed="rId2"/>
+          <a:blip r:embed="rId1"/>
           <a:stretch>
             <a:fillRect/>
           </a:stretch>
@@ -19214,11 +21441,9 @@
       </a:bgFillStyleLst>
     </a:fmtScheme>
   </a:themeElements>
-  <a:objectDefaults/>
-  <a:extraClrSchemeLst/>
   <a:extLst>
     <a:ext uri="{05A4C25C-085E-4340-85A3-A5531E510DB2}">
-      <thm15:themeFamily xmlns="" xmlns:thm15="http://schemas.microsoft.com/office/thememl/2012/main" name="Office Theme" id="{62F939B6-93AF-4DB8-9C6B-D6C7DFDC589F}" vid="{4A3C46E8-61CC-4603-A589-7422A47A8E4A}"/>
+      <thm15:themeFamily xmlns:thm15="http://schemas.microsoft.com/office/thememl/2012/main" name="Office Theme" id="{62F939B6-93AF-4DB8-9C6B-D6C7DFDC589F}" vid="{4A3C46E8-61CC-4603-A589-7422A47A8E4A}"/>
     </a:ext>
   </a:extLst>
 </a:theme>
@@ -19504,11 +21729,9 @@
       </a:bgFillStyleLst>
     </a:fmtScheme>
   </a:themeElements>
-  <a:objectDefaults/>
-  <a:extraClrSchemeLst/>
   <a:extLst>
     <a:ext uri="{05A4C25C-085E-4340-85A3-A5531E510DB2}">
-      <thm15:themeFamily xmlns="" xmlns:thm15="http://schemas.microsoft.com/office/thememl/2012/main" name="Office Theme" id="{62F939B6-93AF-4DB8-9C6B-D6C7DFDC589F}" vid="{4A3C46E8-61CC-4603-A589-7422A47A8E4A}"/>
+      <thm15:themeFamily xmlns:thm15="http://schemas.microsoft.com/office/thememl/2012/main" name="Office Theme" id="{62F939B6-93AF-4DB8-9C6B-D6C7DFDC589F}" vid="{4A3C46E8-61CC-4603-A589-7422A47A8E4A}"/>
     </a:ext>
   </a:extLst>
 </a:theme>
@@ -19794,11 +22017,9 @@
       </a:bgFillStyleLst>
     </a:fmtScheme>
   </a:themeElements>
-  <a:objectDefaults/>
-  <a:extraClrSchemeLst/>
   <a:extLst>
     <a:ext uri="{05A4C25C-085E-4340-85A3-A5531E510DB2}">
-      <thm15:themeFamily xmlns="" xmlns:thm15="http://schemas.microsoft.com/office/thememl/2012/main" name="Office Theme" id="{62F939B6-93AF-4DB8-9C6B-D6C7DFDC589F}" vid="{4A3C46E8-61CC-4603-A589-7422A47A8E4A}"/>
+      <thm15:themeFamily xmlns:thm15="http://schemas.microsoft.com/office/thememl/2012/main" name="Office Theme" id="{62F939B6-93AF-4DB8-9C6B-D6C7DFDC589F}" vid="{4A3C46E8-61CC-4603-A589-7422A47A8E4A}"/>
     </a:ext>
   </a:extLst>
 </a:theme>
